--- a/DraftSlides/Lecture4.pptx
+++ b/DraftSlides/Lecture4.pptx
@@ -5,7 +5,7 @@
     <p:sldMasterId id="2147483648" r:id="rId1"/>
   </p:sldMasterIdLst>
   <p:notesMasterIdLst>
-    <p:notesMasterId r:id="rId15"/>
+    <p:notesMasterId r:id="rId8"/>
   </p:notesMasterIdLst>
   <p:sldIdLst>
     <p:sldId id="454" r:id="rId2"/>
@@ -14,13 +14,6 @@
     <p:sldId id="504" r:id="rId5"/>
     <p:sldId id="524" r:id="rId6"/>
     <p:sldId id="499" r:id="rId7"/>
-    <p:sldId id="512" r:id="rId8"/>
-    <p:sldId id="282" r:id="rId9"/>
-    <p:sldId id="517" r:id="rId10"/>
-    <p:sldId id="508" r:id="rId11"/>
-    <p:sldId id="518" r:id="rId12"/>
-    <p:sldId id="511" r:id="rId13"/>
-    <p:sldId id="503" r:id="rId14"/>
   </p:sldIdLst>
   <p:sldSz cx="10080625" cy="7559675"/>
   <p:notesSz cx="7772400" cy="10058400"/>
@@ -222,14 +215,6 @@
 </p:presentation>
 </file>
 
-<file path=ppt/revisionInfo.xml><?xml version="1.0" encoding="utf-8"?>
-<p1510:revInfo xmlns:a="http://schemas.openxmlformats.org/drawingml/2006/main" xmlns:r="http://schemas.openxmlformats.org/officeDocument/2006/relationships" xmlns:p1510="http://schemas.microsoft.com/office/powerpoint/2015/10/main">
-  <p1510:revLst>
-    <p1510:client id="{D3B568BB-B39E-460C-8C5D-693AE1E68CC4}" v="16" dt="2021-09-14T16:29:38.444"/>
-  </p1510:revLst>
-</p1510:revInfo>
-</file>
-
 <file path=ppt/changesInfos/changesInfo1.xml><?xml version="1.0" encoding="utf-8"?>
 <pc:chgInfo xmlns:a="http://schemas.openxmlformats.org/drawingml/2006/main" xmlns:r="http://schemas.openxmlformats.org/officeDocument/2006/relationships" xmlns:ac="http://schemas.microsoft.com/office/drawing/2013/main/command" xmlns:pc="http://schemas.microsoft.com/office/powerpoint/2013/main/command">
   <pc:docChgLst>
@@ -5826,6 +5811,64 @@
     </pc:docChg>
   </pc:docChgLst>
   <pc:docChgLst>
+    <pc:chgData name="Khattab, Sherif" userId="c83b1e15-36f3-4f46-aceb-05aac24c545e" providerId="ADAL" clId="{5F09FCE5-F154-4D88-AC66-12528CFE1849}"/>
+    <pc:docChg chg="delSld">
+      <pc:chgData name="Khattab, Sherif" userId="c83b1e15-36f3-4f46-aceb-05aac24c545e" providerId="ADAL" clId="{5F09FCE5-F154-4D88-AC66-12528CFE1849}" dt="2022-01-18T05:31:17.667" v="0" actId="2696"/>
+      <pc:docMkLst>
+        <pc:docMk/>
+      </pc:docMkLst>
+      <pc:sldChg chg="del">
+        <pc:chgData name="Khattab, Sherif" userId="c83b1e15-36f3-4f46-aceb-05aac24c545e" providerId="ADAL" clId="{5F09FCE5-F154-4D88-AC66-12528CFE1849}" dt="2022-01-18T05:31:17.667" v="0" actId="2696"/>
+        <pc:sldMkLst>
+          <pc:docMk/>
+          <pc:sldMk cId="306268545" sldId="282"/>
+        </pc:sldMkLst>
+      </pc:sldChg>
+      <pc:sldChg chg="del">
+        <pc:chgData name="Khattab, Sherif" userId="c83b1e15-36f3-4f46-aceb-05aac24c545e" providerId="ADAL" clId="{5F09FCE5-F154-4D88-AC66-12528CFE1849}" dt="2022-01-18T05:31:17.667" v="0" actId="2696"/>
+        <pc:sldMkLst>
+          <pc:docMk/>
+          <pc:sldMk cId="4120720973" sldId="503"/>
+        </pc:sldMkLst>
+      </pc:sldChg>
+      <pc:sldChg chg="del">
+        <pc:chgData name="Khattab, Sherif" userId="c83b1e15-36f3-4f46-aceb-05aac24c545e" providerId="ADAL" clId="{5F09FCE5-F154-4D88-AC66-12528CFE1849}" dt="2022-01-18T05:31:17.667" v="0" actId="2696"/>
+        <pc:sldMkLst>
+          <pc:docMk/>
+          <pc:sldMk cId="2093362943" sldId="508"/>
+        </pc:sldMkLst>
+      </pc:sldChg>
+      <pc:sldChg chg="del">
+        <pc:chgData name="Khattab, Sherif" userId="c83b1e15-36f3-4f46-aceb-05aac24c545e" providerId="ADAL" clId="{5F09FCE5-F154-4D88-AC66-12528CFE1849}" dt="2022-01-18T05:31:17.667" v="0" actId="2696"/>
+        <pc:sldMkLst>
+          <pc:docMk/>
+          <pc:sldMk cId="1525193433" sldId="511"/>
+        </pc:sldMkLst>
+      </pc:sldChg>
+      <pc:sldChg chg="del">
+        <pc:chgData name="Khattab, Sherif" userId="c83b1e15-36f3-4f46-aceb-05aac24c545e" providerId="ADAL" clId="{5F09FCE5-F154-4D88-AC66-12528CFE1849}" dt="2022-01-18T05:31:17.667" v="0" actId="2696"/>
+        <pc:sldMkLst>
+          <pc:docMk/>
+          <pc:sldMk cId="2021183208" sldId="512"/>
+        </pc:sldMkLst>
+      </pc:sldChg>
+      <pc:sldChg chg="del">
+        <pc:chgData name="Khattab, Sherif" userId="c83b1e15-36f3-4f46-aceb-05aac24c545e" providerId="ADAL" clId="{5F09FCE5-F154-4D88-AC66-12528CFE1849}" dt="2022-01-18T05:31:17.667" v="0" actId="2696"/>
+        <pc:sldMkLst>
+          <pc:docMk/>
+          <pc:sldMk cId="1845419114" sldId="517"/>
+        </pc:sldMkLst>
+      </pc:sldChg>
+      <pc:sldChg chg="del">
+        <pc:chgData name="Khattab, Sherif" userId="c83b1e15-36f3-4f46-aceb-05aac24c545e" providerId="ADAL" clId="{5F09FCE5-F154-4D88-AC66-12528CFE1849}" dt="2022-01-18T05:31:17.667" v="0" actId="2696"/>
+        <pc:sldMkLst>
+          <pc:docMk/>
+          <pc:sldMk cId="2804781805" sldId="518"/>
+        </pc:sldMkLst>
+      </pc:sldChg>
+    </pc:docChg>
+  </pc:docChgLst>
+  <pc:docChgLst>
     <pc:chgData name="Khattab, Sherif" userId="c83b1e15-36f3-4f46-aceb-05aac24c545e" providerId="ADAL" clId="{E6EB0EA7-2544-4CF1-A7D6-AFF5E9AECA5D}"/>
     <pc:docChg chg="addSld delSld modSld modMainMaster">
       <pc:chgData name="Khattab, Sherif" userId="c83b1e15-36f3-4f46-aceb-05aac24c545e" providerId="ADAL" clId="{E6EB0EA7-2544-4CF1-A7D6-AFF5E9AECA5D}" dt="2020-05-14T17:16:25.708" v="6"/>
@@ -7532,6 +7575,788 @@
     </pc:docChg>
   </pc:docChgLst>
   <pc:docChgLst>
+    <pc:chgData name="Khattab, Sherif" userId="c83b1e15-36f3-4f46-aceb-05aac24c545e" providerId="ADAL" clId="{EE78B4C3-BA47-2B47-8B84-4022815E3587}"/>
+    <pc:docChg chg="addSld delSld modSld">
+      <pc:chgData name="Khattab, Sherif" userId="c83b1e15-36f3-4f46-aceb-05aac24c545e" providerId="ADAL" clId="{EE78B4C3-BA47-2B47-8B84-4022815E3587}" dt="2019-05-14T13:34:18.851" v="46"/>
+      <pc:docMkLst>
+        <pc:docMk/>
+      </pc:docMkLst>
+      <pc:sldChg chg="modSp">
+        <pc:chgData name="Khattab, Sherif" userId="c83b1e15-36f3-4f46-aceb-05aac24c545e" providerId="ADAL" clId="{EE78B4C3-BA47-2B47-8B84-4022815E3587}" dt="2019-05-14T13:28:04.131" v="18" actId="20577"/>
+        <pc:sldMkLst>
+          <pc:docMk/>
+          <pc:sldMk cId="0" sldId="256"/>
+        </pc:sldMkLst>
+        <pc:spChg chg="mod">
+          <ac:chgData name="Khattab, Sherif" userId="c83b1e15-36f3-4f46-aceb-05aac24c545e" providerId="ADAL" clId="{EE78B4C3-BA47-2B47-8B84-4022815E3587}" dt="2019-05-14T13:28:04.131" v="18" actId="20577"/>
+          <ac:spMkLst>
+            <pc:docMk/>
+            <pc:sldMk cId="0" sldId="256"/>
+            <ac:spMk id="2" creationId="{00000000-0000-0000-0000-000000000000}"/>
+          </ac:spMkLst>
+        </pc:spChg>
+      </pc:sldChg>
+      <pc:sldChg chg="delSp">
+        <pc:chgData name="Khattab, Sherif" userId="c83b1e15-36f3-4f46-aceb-05aac24c545e" providerId="ADAL" clId="{EE78B4C3-BA47-2B47-8B84-4022815E3587}" dt="2019-05-14T13:30:07.468" v="20"/>
+        <pc:sldMkLst>
+          <pc:docMk/>
+          <pc:sldMk cId="1004035158" sldId="259"/>
+        </pc:sldMkLst>
+        <pc:spChg chg="del">
+          <ac:chgData name="Khattab, Sherif" userId="c83b1e15-36f3-4f46-aceb-05aac24c545e" providerId="ADAL" clId="{EE78B4C3-BA47-2B47-8B84-4022815E3587}" dt="2019-05-14T13:30:07.468" v="20"/>
+          <ac:spMkLst>
+            <pc:docMk/>
+            <pc:sldMk cId="1004035158" sldId="259"/>
+            <ac:spMk id="2" creationId="{00000000-0000-0000-0000-000000000000}"/>
+          </ac:spMkLst>
+        </pc:spChg>
+      </pc:sldChg>
+      <pc:sldChg chg="delSp">
+        <pc:chgData name="Khattab, Sherif" userId="c83b1e15-36f3-4f46-aceb-05aac24c545e" providerId="ADAL" clId="{EE78B4C3-BA47-2B47-8B84-4022815E3587}" dt="2019-05-14T13:30:07.468" v="20"/>
+        <pc:sldMkLst>
+          <pc:docMk/>
+          <pc:sldMk cId="1444142485" sldId="261"/>
+        </pc:sldMkLst>
+        <pc:spChg chg="del">
+          <ac:chgData name="Khattab, Sherif" userId="c83b1e15-36f3-4f46-aceb-05aac24c545e" providerId="ADAL" clId="{EE78B4C3-BA47-2B47-8B84-4022815E3587}" dt="2019-05-14T13:30:07.468" v="20"/>
+          <ac:spMkLst>
+            <pc:docMk/>
+            <pc:sldMk cId="1444142485" sldId="261"/>
+            <ac:spMk id="3" creationId="{00000000-0000-0000-0000-000000000000}"/>
+          </ac:spMkLst>
+        </pc:spChg>
+      </pc:sldChg>
+      <pc:sldChg chg="delSp">
+        <pc:chgData name="Khattab, Sherif" userId="c83b1e15-36f3-4f46-aceb-05aac24c545e" providerId="ADAL" clId="{EE78B4C3-BA47-2B47-8B84-4022815E3587}" dt="2019-05-14T13:30:07.468" v="20"/>
+        <pc:sldMkLst>
+          <pc:docMk/>
+          <pc:sldMk cId="516417489" sldId="262"/>
+        </pc:sldMkLst>
+        <pc:spChg chg="del">
+          <ac:chgData name="Khattab, Sherif" userId="c83b1e15-36f3-4f46-aceb-05aac24c545e" providerId="ADAL" clId="{EE78B4C3-BA47-2B47-8B84-4022815E3587}" dt="2019-05-14T13:30:07.468" v="20"/>
+          <ac:spMkLst>
+            <pc:docMk/>
+            <pc:sldMk cId="516417489" sldId="262"/>
+            <ac:spMk id="2" creationId="{00000000-0000-0000-0000-000000000000}"/>
+          </ac:spMkLst>
+        </pc:spChg>
+      </pc:sldChg>
+      <pc:sldChg chg="delSp">
+        <pc:chgData name="Khattab, Sherif" userId="c83b1e15-36f3-4f46-aceb-05aac24c545e" providerId="ADAL" clId="{EE78B4C3-BA47-2B47-8B84-4022815E3587}" dt="2019-05-14T13:30:07.468" v="20"/>
+        <pc:sldMkLst>
+          <pc:docMk/>
+          <pc:sldMk cId="561583903" sldId="263"/>
+        </pc:sldMkLst>
+        <pc:spChg chg="del">
+          <ac:chgData name="Khattab, Sherif" userId="c83b1e15-36f3-4f46-aceb-05aac24c545e" providerId="ADAL" clId="{EE78B4C3-BA47-2B47-8B84-4022815E3587}" dt="2019-05-14T13:30:07.468" v="20"/>
+          <ac:spMkLst>
+            <pc:docMk/>
+            <pc:sldMk cId="561583903" sldId="263"/>
+            <ac:spMk id="3" creationId="{00000000-0000-0000-0000-000000000000}"/>
+          </ac:spMkLst>
+        </pc:spChg>
+      </pc:sldChg>
+      <pc:sldChg chg="delSp">
+        <pc:chgData name="Khattab, Sherif" userId="c83b1e15-36f3-4f46-aceb-05aac24c545e" providerId="ADAL" clId="{EE78B4C3-BA47-2B47-8B84-4022815E3587}" dt="2019-05-14T13:30:07.468" v="20"/>
+        <pc:sldMkLst>
+          <pc:docMk/>
+          <pc:sldMk cId="982315759" sldId="264"/>
+        </pc:sldMkLst>
+        <pc:spChg chg="del">
+          <ac:chgData name="Khattab, Sherif" userId="c83b1e15-36f3-4f46-aceb-05aac24c545e" providerId="ADAL" clId="{EE78B4C3-BA47-2B47-8B84-4022815E3587}" dt="2019-05-14T13:30:07.468" v="20"/>
+          <ac:spMkLst>
+            <pc:docMk/>
+            <pc:sldMk cId="982315759" sldId="264"/>
+            <ac:spMk id="2" creationId="{00000000-0000-0000-0000-000000000000}"/>
+          </ac:spMkLst>
+        </pc:spChg>
+      </pc:sldChg>
+      <pc:sldChg chg="delSp modSp">
+        <pc:chgData name="Khattab, Sherif" userId="c83b1e15-36f3-4f46-aceb-05aac24c545e" providerId="ADAL" clId="{EE78B4C3-BA47-2B47-8B84-4022815E3587}" dt="2019-05-14T13:30:35.317" v="37" actId="20577"/>
+        <pc:sldMkLst>
+          <pc:docMk/>
+          <pc:sldMk cId="423130617" sldId="265"/>
+        </pc:sldMkLst>
+        <pc:spChg chg="del">
+          <ac:chgData name="Khattab, Sherif" userId="c83b1e15-36f3-4f46-aceb-05aac24c545e" providerId="ADAL" clId="{EE78B4C3-BA47-2B47-8B84-4022815E3587}" dt="2019-05-14T13:30:07.468" v="20"/>
+          <ac:spMkLst>
+            <pc:docMk/>
+            <pc:sldMk cId="423130617" sldId="265"/>
+            <ac:spMk id="3" creationId="{00000000-0000-0000-0000-000000000000}"/>
+          </ac:spMkLst>
+        </pc:spChg>
+        <pc:spChg chg="mod">
+          <ac:chgData name="Khattab, Sherif" userId="c83b1e15-36f3-4f46-aceb-05aac24c545e" providerId="ADAL" clId="{EE78B4C3-BA47-2B47-8B84-4022815E3587}" dt="2019-05-14T13:30:35.317" v="37" actId="20577"/>
+          <ac:spMkLst>
+            <pc:docMk/>
+            <pc:sldMk cId="423130617" sldId="265"/>
+            <ac:spMk id="12290" creationId="{00000000-0000-0000-0000-000000000000}"/>
+          </ac:spMkLst>
+        </pc:spChg>
+      </pc:sldChg>
+      <pc:sldChg chg="delSp">
+        <pc:chgData name="Khattab, Sherif" userId="c83b1e15-36f3-4f46-aceb-05aac24c545e" providerId="ADAL" clId="{EE78B4C3-BA47-2B47-8B84-4022815E3587}" dt="2019-05-14T13:30:07.468" v="20"/>
+        <pc:sldMkLst>
+          <pc:docMk/>
+          <pc:sldMk cId="661211275" sldId="267"/>
+        </pc:sldMkLst>
+        <pc:spChg chg="del">
+          <ac:chgData name="Khattab, Sherif" userId="c83b1e15-36f3-4f46-aceb-05aac24c545e" providerId="ADAL" clId="{EE78B4C3-BA47-2B47-8B84-4022815E3587}" dt="2019-05-14T13:30:07.468" v="20"/>
+          <ac:spMkLst>
+            <pc:docMk/>
+            <pc:sldMk cId="661211275" sldId="267"/>
+            <ac:spMk id="2" creationId="{00000000-0000-0000-0000-000000000000}"/>
+          </ac:spMkLst>
+        </pc:spChg>
+      </pc:sldChg>
+      <pc:sldChg chg="delSp">
+        <pc:chgData name="Khattab, Sherif" userId="c83b1e15-36f3-4f46-aceb-05aac24c545e" providerId="ADAL" clId="{EE78B4C3-BA47-2B47-8B84-4022815E3587}" dt="2019-05-14T13:30:07.468" v="20"/>
+        <pc:sldMkLst>
+          <pc:docMk/>
+          <pc:sldMk cId="1897509347" sldId="268"/>
+        </pc:sldMkLst>
+        <pc:spChg chg="del">
+          <ac:chgData name="Khattab, Sherif" userId="c83b1e15-36f3-4f46-aceb-05aac24c545e" providerId="ADAL" clId="{EE78B4C3-BA47-2B47-8B84-4022815E3587}" dt="2019-05-14T13:30:07.468" v="20"/>
+          <ac:spMkLst>
+            <pc:docMk/>
+            <pc:sldMk cId="1897509347" sldId="268"/>
+            <ac:spMk id="2" creationId="{00000000-0000-0000-0000-000000000000}"/>
+          </ac:spMkLst>
+        </pc:spChg>
+      </pc:sldChg>
+      <pc:sldChg chg="delSp">
+        <pc:chgData name="Khattab, Sherif" userId="c83b1e15-36f3-4f46-aceb-05aac24c545e" providerId="ADAL" clId="{EE78B4C3-BA47-2B47-8B84-4022815E3587}" dt="2019-05-14T13:30:07.468" v="20"/>
+        <pc:sldMkLst>
+          <pc:docMk/>
+          <pc:sldMk cId="1042310649" sldId="269"/>
+        </pc:sldMkLst>
+        <pc:spChg chg="del">
+          <ac:chgData name="Khattab, Sherif" userId="c83b1e15-36f3-4f46-aceb-05aac24c545e" providerId="ADAL" clId="{EE78B4C3-BA47-2B47-8B84-4022815E3587}" dt="2019-05-14T13:30:07.468" v="20"/>
+          <ac:spMkLst>
+            <pc:docMk/>
+            <pc:sldMk cId="1042310649" sldId="269"/>
+            <ac:spMk id="3" creationId="{00000000-0000-0000-0000-000000000000}"/>
+          </ac:spMkLst>
+        </pc:spChg>
+      </pc:sldChg>
+      <pc:sldChg chg="delSp">
+        <pc:chgData name="Khattab, Sherif" userId="c83b1e15-36f3-4f46-aceb-05aac24c545e" providerId="ADAL" clId="{EE78B4C3-BA47-2B47-8B84-4022815E3587}" dt="2019-05-14T13:30:07.468" v="20"/>
+        <pc:sldMkLst>
+          <pc:docMk/>
+          <pc:sldMk cId="703361262" sldId="270"/>
+        </pc:sldMkLst>
+        <pc:spChg chg="del">
+          <ac:chgData name="Khattab, Sherif" userId="c83b1e15-36f3-4f46-aceb-05aac24c545e" providerId="ADAL" clId="{EE78B4C3-BA47-2B47-8B84-4022815E3587}" dt="2019-05-14T13:30:07.468" v="20"/>
+          <ac:spMkLst>
+            <pc:docMk/>
+            <pc:sldMk cId="703361262" sldId="270"/>
+            <ac:spMk id="3" creationId="{00000000-0000-0000-0000-000000000000}"/>
+          </ac:spMkLst>
+        </pc:spChg>
+      </pc:sldChg>
+      <pc:sldChg chg="delSp">
+        <pc:chgData name="Khattab, Sherif" userId="c83b1e15-36f3-4f46-aceb-05aac24c545e" providerId="ADAL" clId="{EE78B4C3-BA47-2B47-8B84-4022815E3587}" dt="2019-05-14T13:30:07.468" v="20"/>
+        <pc:sldMkLst>
+          <pc:docMk/>
+          <pc:sldMk cId="1436808390" sldId="271"/>
+        </pc:sldMkLst>
+        <pc:spChg chg="del">
+          <ac:chgData name="Khattab, Sherif" userId="c83b1e15-36f3-4f46-aceb-05aac24c545e" providerId="ADAL" clId="{EE78B4C3-BA47-2B47-8B84-4022815E3587}" dt="2019-05-14T13:30:07.468" v="20"/>
+          <ac:spMkLst>
+            <pc:docMk/>
+            <pc:sldMk cId="1436808390" sldId="271"/>
+            <ac:spMk id="2" creationId="{00000000-0000-0000-0000-000000000000}"/>
+          </ac:spMkLst>
+        </pc:spChg>
+      </pc:sldChg>
+      <pc:sldChg chg="delSp">
+        <pc:chgData name="Khattab, Sherif" userId="c83b1e15-36f3-4f46-aceb-05aac24c545e" providerId="ADAL" clId="{EE78B4C3-BA47-2B47-8B84-4022815E3587}" dt="2019-05-14T13:30:07.468" v="20"/>
+        <pc:sldMkLst>
+          <pc:docMk/>
+          <pc:sldMk cId="1301683851" sldId="272"/>
+        </pc:sldMkLst>
+        <pc:spChg chg="del">
+          <ac:chgData name="Khattab, Sherif" userId="c83b1e15-36f3-4f46-aceb-05aac24c545e" providerId="ADAL" clId="{EE78B4C3-BA47-2B47-8B84-4022815E3587}" dt="2019-05-14T13:30:07.468" v="20"/>
+          <ac:spMkLst>
+            <pc:docMk/>
+            <pc:sldMk cId="1301683851" sldId="272"/>
+            <ac:spMk id="3" creationId="{00000000-0000-0000-0000-000000000000}"/>
+          </ac:spMkLst>
+        </pc:spChg>
+      </pc:sldChg>
+      <pc:sldChg chg="delSp">
+        <pc:chgData name="Khattab, Sherif" userId="c83b1e15-36f3-4f46-aceb-05aac24c545e" providerId="ADAL" clId="{EE78B4C3-BA47-2B47-8B84-4022815E3587}" dt="2019-05-14T13:30:07.468" v="20"/>
+        <pc:sldMkLst>
+          <pc:docMk/>
+          <pc:sldMk cId="55302999" sldId="274"/>
+        </pc:sldMkLst>
+        <pc:spChg chg="del">
+          <ac:chgData name="Khattab, Sherif" userId="c83b1e15-36f3-4f46-aceb-05aac24c545e" providerId="ADAL" clId="{EE78B4C3-BA47-2B47-8B84-4022815E3587}" dt="2019-05-14T13:30:07.468" v="20"/>
+          <ac:spMkLst>
+            <pc:docMk/>
+            <pc:sldMk cId="55302999" sldId="274"/>
+            <ac:spMk id="2" creationId="{00000000-0000-0000-0000-000000000000}"/>
+          </ac:spMkLst>
+        </pc:spChg>
+      </pc:sldChg>
+      <pc:sldChg chg="delSp">
+        <pc:chgData name="Khattab, Sherif" userId="c83b1e15-36f3-4f46-aceb-05aac24c545e" providerId="ADAL" clId="{EE78B4C3-BA47-2B47-8B84-4022815E3587}" dt="2019-05-14T13:30:07.468" v="20"/>
+        <pc:sldMkLst>
+          <pc:docMk/>
+          <pc:sldMk cId="2064114192" sldId="276"/>
+        </pc:sldMkLst>
+        <pc:spChg chg="del">
+          <ac:chgData name="Khattab, Sherif" userId="c83b1e15-36f3-4f46-aceb-05aac24c545e" providerId="ADAL" clId="{EE78B4C3-BA47-2B47-8B84-4022815E3587}" dt="2019-05-14T13:30:07.468" v="20"/>
+          <ac:spMkLst>
+            <pc:docMk/>
+            <pc:sldMk cId="2064114192" sldId="276"/>
+            <ac:spMk id="2" creationId="{00000000-0000-0000-0000-000000000000}"/>
+          </ac:spMkLst>
+        </pc:spChg>
+      </pc:sldChg>
+      <pc:sldChg chg="delSp">
+        <pc:chgData name="Khattab, Sherif" userId="c83b1e15-36f3-4f46-aceb-05aac24c545e" providerId="ADAL" clId="{EE78B4C3-BA47-2B47-8B84-4022815E3587}" dt="2019-05-14T13:30:07.468" v="20"/>
+        <pc:sldMkLst>
+          <pc:docMk/>
+          <pc:sldMk cId="1000435174" sldId="278"/>
+        </pc:sldMkLst>
+        <pc:spChg chg="del">
+          <ac:chgData name="Khattab, Sherif" userId="c83b1e15-36f3-4f46-aceb-05aac24c545e" providerId="ADAL" clId="{EE78B4C3-BA47-2B47-8B84-4022815E3587}" dt="2019-05-14T13:30:07.468" v="20"/>
+          <ac:spMkLst>
+            <pc:docMk/>
+            <pc:sldMk cId="1000435174" sldId="278"/>
+            <ac:spMk id="2" creationId="{00000000-0000-0000-0000-000000000000}"/>
+          </ac:spMkLst>
+        </pc:spChg>
+      </pc:sldChg>
+      <pc:sldChg chg="delSp">
+        <pc:chgData name="Khattab, Sherif" userId="c83b1e15-36f3-4f46-aceb-05aac24c545e" providerId="ADAL" clId="{EE78B4C3-BA47-2B47-8B84-4022815E3587}" dt="2019-05-14T13:30:07.468" v="20"/>
+        <pc:sldMkLst>
+          <pc:docMk/>
+          <pc:sldMk cId="2080017563" sldId="279"/>
+        </pc:sldMkLst>
+        <pc:spChg chg="del">
+          <ac:chgData name="Khattab, Sherif" userId="c83b1e15-36f3-4f46-aceb-05aac24c545e" providerId="ADAL" clId="{EE78B4C3-BA47-2B47-8B84-4022815E3587}" dt="2019-05-14T13:30:07.468" v="20"/>
+          <ac:spMkLst>
+            <pc:docMk/>
+            <pc:sldMk cId="2080017563" sldId="279"/>
+            <ac:spMk id="3" creationId="{00000000-0000-0000-0000-000000000000}"/>
+          </ac:spMkLst>
+        </pc:spChg>
+      </pc:sldChg>
+      <pc:sldChg chg="delSp">
+        <pc:chgData name="Khattab, Sherif" userId="c83b1e15-36f3-4f46-aceb-05aac24c545e" providerId="ADAL" clId="{EE78B4C3-BA47-2B47-8B84-4022815E3587}" dt="2019-05-14T13:30:07.468" v="20"/>
+        <pc:sldMkLst>
+          <pc:docMk/>
+          <pc:sldMk cId="1445345591" sldId="281"/>
+        </pc:sldMkLst>
+        <pc:spChg chg="del">
+          <ac:chgData name="Khattab, Sherif" userId="c83b1e15-36f3-4f46-aceb-05aac24c545e" providerId="ADAL" clId="{EE78B4C3-BA47-2B47-8B84-4022815E3587}" dt="2019-05-14T13:30:07.468" v="20"/>
+          <ac:spMkLst>
+            <pc:docMk/>
+            <pc:sldMk cId="1445345591" sldId="281"/>
+            <ac:spMk id="2" creationId="{00000000-0000-0000-0000-000000000000}"/>
+          </ac:spMkLst>
+        </pc:spChg>
+      </pc:sldChg>
+      <pc:sldChg chg="delSp">
+        <pc:chgData name="Khattab, Sherif" userId="c83b1e15-36f3-4f46-aceb-05aac24c545e" providerId="ADAL" clId="{EE78B4C3-BA47-2B47-8B84-4022815E3587}" dt="2019-05-14T13:30:07.468" v="20"/>
+        <pc:sldMkLst>
+          <pc:docMk/>
+          <pc:sldMk cId="306268545" sldId="282"/>
+        </pc:sldMkLst>
+        <pc:spChg chg="del">
+          <ac:chgData name="Khattab, Sherif" userId="c83b1e15-36f3-4f46-aceb-05aac24c545e" providerId="ADAL" clId="{EE78B4C3-BA47-2B47-8B84-4022815E3587}" dt="2019-05-14T13:30:07.468" v="20"/>
+          <ac:spMkLst>
+            <pc:docMk/>
+            <pc:sldMk cId="306268545" sldId="282"/>
+            <ac:spMk id="2" creationId="{00000000-0000-0000-0000-000000000000}"/>
+          </ac:spMkLst>
+        </pc:spChg>
+      </pc:sldChg>
+      <pc:sldChg chg="delSp add">
+        <pc:chgData name="Khattab, Sherif" userId="c83b1e15-36f3-4f46-aceb-05aac24c545e" providerId="ADAL" clId="{EE78B4C3-BA47-2B47-8B84-4022815E3587}" dt="2019-05-14T13:34:18.851" v="46"/>
+        <pc:sldMkLst>
+          <pc:docMk/>
+          <pc:sldMk cId="2710637777" sldId="322"/>
+        </pc:sldMkLst>
+        <pc:spChg chg="del">
+          <ac:chgData name="Khattab, Sherif" userId="c83b1e15-36f3-4f46-aceb-05aac24c545e" providerId="ADAL" clId="{EE78B4C3-BA47-2B47-8B84-4022815E3587}" dt="2019-05-14T13:34:18.851" v="46"/>
+          <ac:spMkLst>
+            <pc:docMk/>
+            <pc:sldMk cId="2710637777" sldId="322"/>
+            <ac:spMk id="6" creationId="{0700C6EC-DCCB-614E-A0F4-3418D2D78AC7}"/>
+          </ac:spMkLst>
+        </pc:spChg>
+      </pc:sldChg>
+      <pc:sldChg chg="delSp add">
+        <pc:chgData name="Khattab, Sherif" userId="c83b1e15-36f3-4f46-aceb-05aac24c545e" providerId="ADAL" clId="{EE78B4C3-BA47-2B47-8B84-4022815E3587}" dt="2019-05-14T13:34:18.851" v="46"/>
+        <pc:sldMkLst>
+          <pc:docMk/>
+          <pc:sldMk cId="3292918179" sldId="324"/>
+        </pc:sldMkLst>
+        <pc:spChg chg="del">
+          <ac:chgData name="Khattab, Sherif" userId="c83b1e15-36f3-4f46-aceb-05aac24c545e" providerId="ADAL" clId="{EE78B4C3-BA47-2B47-8B84-4022815E3587}" dt="2019-05-14T13:34:18.851" v="46"/>
+          <ac:spMkLst>
+            <pc:docMk/>
+            <pc:sldMk cId="3292918179" sldId="324"/>
+            <ac:spMk id="26" creationId="{3729950E-4F02-6B44-A5A4-B6238ABBD35B}"/>
+          </ac:spMkLst>
+        </pc:spChg>
+      </pc:sldChg>
+      <pc:sldChg chg="delSp add">
+        <pc:chgData name="Khattab, Sherif" userId="c83b1e15-36f3-4f46-aceb-05aac24c545e" providerId="ADAL" clId="{EE78B4C3-BA47-2B47-8B84-4022815E3587}" dt="2019-05-14T13:34:18.851" v="46"/>
+        <pc:sldMkLst>
+          <pc:docMk/>
+          <pc:sldMk cId="355119911" sldId="338"/>
+        </pc:sldMkLst>
+        <pc:spChg chg="del">
+          <ac:chgData name="Khattab, Sherif" userId="c83b1e15-36f3-4f46-aceb-05aac24c545e" providerId="ADAL" clId="{EE78B4C3-BA47-2B47-8B84-4022815E3587}" dt="2019-05-14T13:34:18.851" v="46"/>
+          <ac:spMkLst>
+            <pc:docMk/>
+            <pc:sldMk cId="355119911" sldId="338"/>
+            <ac:spMk id="7" creationId="{AC4B9F18-B1E5-C341-B953-6D96BAA0EB6C}"/>
+          </ac:spMkLst>
+        </pc:spChg>
+      </pc:sldChg>
+      <pc:sldChg chg="delSp add">
+        <pc:chgData name="Khattab, Sherif" userId="c83b1e15-36f3-4f46-aceb-05aac24c545e" providerId="ADAL" clId="{EE78B4C3-BA47-2B47-8B84-4022815E3587}" dt="2019-05-14T13:34:18.851" v="46"/>
+        <pc:sldMkLst>
+          <pc:docMk/>
+          <pc:sldMk cId="4223572414" sldId="339"/>
+        </pc:sldMkLst>
+        <pc:spChg chg="del">
+          <ac:chgData name="Khattab, Sherif" userId="c83b1e15-36f3-4f46-aceb-05aac24c545e" providerId="ADAL" clId="{EE78B4C3-BA47-2B47-8B84-4022815E3587}" dt="2019-05-14T13:34:18.851" v="46"/>
+          <ac:spMkLst>
+            <pc:docMk/>
+            <pc:sldMk cId="4223572414" sldId="339"/>
+            <ac:spMk id="6" creationId="{48879884-318D-6C49-B6B8-463E617B85F1}"/>
+          </ac:spMkLst>
+        </pc:spChg>
+      </pc:sldChg>
+      <pc:sldChg chg="delSp add">
+        <pc:chgData name="Khattab, Sherif" userId="c83b1e15-36f3-4f46-aceb-05aac24c545e" providerId="ADAL" clId="{EE78B4C3-BA47-2B47-8B84-4022815E3587}" dt="2019-05-14T13:34:18.851" v="46"/>
+        <pc:sldMkLst>
+          <pc:docMk/>
+          <pc:sldMk cId="470668490" sldId="340"/>
+        </pc:sldMkLst>
+        <pc:spChg chg="del">
+          <ac:chgData name="Khattab, Sherif" userId="c83b1e15-36f3-4f46-aceb-05aac24c545e" providerId="ADAL" clId="{EE78B4C3-BA47-2B47-8B84-4022815E3587}" dt="2019-05-14T13:34:18.851" v="46"/>
+          <ac:spMkLst>
+            <pc:docMk/>
+            <pc:sldMk cId="470668490" sldId="340"/>
+            <ac:spMk id="6" creationId="{32D0E818-62B1-0A49-9CFC-1DC58F40FEBE}"/>
+          </ac:spMkLst>
+        </pc:spChg>
+      </pc:sldChg>
+      <pc:sldChg chg="delSp add">
+        <pc:chgData name="Khattab, Sherif" userId="c83b1e15-36f3-4f46-aceb-05aac24c545e" providerId="ADAL" clId="{EE78B4C3-BA47-2B47-8B84-4022815E3587}" dt="2019-05-14T13:34:18.851" v="46"/>
+        <pc:sldMkLst>
+          <pc:docMk/>
+          <pc:sldMk cId="1205868326" sldId="341"/>
+        </pc:sldMkLst>
+        <pc:spChg chg="del">
+          <ac:chgData name="Khattab, Sherif" userId="c83b1e15-36f3-4f46-aceb-05aac24c545e" providerId="ADAL" clId="{EE78B4C3-BA47-2B47-8B84-4022815E3587}" dt="2019-05-14T13:34:18.851" v="46"/>
+          <ac:spMkLst>
+            <pc:docMk/>
+            <pc:sldMk cId="1205868326" sldId="341"/>
+            <ac:spMk id="6" creationId="{918B0854-EAA5-9D49-9ED0-EA7684377156}"/>
+          </ac:spMkLst>
+        </pc:spChg>
+      </pc:sldChg>
+      <pc:sldChg chg="delSp add">
+        <pc:chgData name="Khattab, Sherif" userId="c83b1e15-36f3-4f46-aceb-05aac24c545e" providerId="ADAL" clId="{EE78B4C3-BA47-2B47-8B84-4022815E3587}" dt="2019-05-14T13:34:18.851" v="46"/>
+        <pc:sldMkLst>
+          <pc:docMk/>
+          <pc:sldMk cId="1806563943" sldId="342"/>
+        </pc:sldMkLst>
+        <pc:spChg chg="del">
+          <ac:chgData name="Khattab, Sherif" userId="c83b1e15-36f3-4f46-aceb-05aac24c545e" providerId="ADAL" clId="{EE78B4C3-BA47-2B47-8B84-4022815E3587}" dt="2019-05-14T13:34:18.851" v="46"/>
+          <ac:spMkLst>
+            <pc:docMk/>
+            <pc:sldMk cId="1806563943" sldId="342"/>
+            <ac:spMk id="9" creationId="{712AC7F1-3CB0-3140-8620-EAE2154DEBDF}"/>
+          </ac:spMkLst>
+        </pc:spChg>
+      </pc:sldChg>
+      <pc:sldChg chg="delSp add">
+        <pc:chgData name="Khattab, Sherif" userId="c83b1e15-36f3-4f46-aceb-05aac24c545e" providerId="ADAL" clId="{EE78B4C3-BA47-2B47-8B84-4022815E3587}" dt="2019-05-14T13:34:18.851" v="46"/>
+        <pc:sldMkLst>
+          <pc:docMk/>
+          <pc:sldMk cId="1167711490" sldId="343"/>
+        </pc:sldMkLst>
+        <pc:spChg chg="del">
+          <ac:chgData name="Khattab, Sherif" userId="c83b1e15-36f3-4f46-aceb-05aac24c545e" providerId="ADAL" clId="{EE78B4C3-BA47-2B47-8B84-4022815E3587}" dt="2019-05-14T13:34:18.851" v="46"/>
+          <ac:spMkLst>
+            <pc:docMk/>
+            <pc:sldMk cId="1167711490" sldId="343"/>
+            <ac:spMk id="9" creationId="{7277E941-6A46-A141-896C-8CF8D763337C}"/>
+          </ac:spMkLst>
+        </pc:spChg>
+      </pc:sldChg>
+      <pc:sldChg chg="delSp add">
+        <pc:chgData name="Khattab, Sherif" userId="c83b1e15-36f3-4f46-aceb-05aac24c545e" providerId="ADAL" clId="{EE78B4C3-BA47-2B47-8B84-4022815E3587}" dt="2019-05-14T13:34:18.851" v="46"/>
+        <pc:sldMkLst>
+          <pc:docMk/>
+          <pc:sldMk cId="1271999567" sldId="349"/>
+        </pc:sldMkLst>
+        <pc:spChg chg="del">
+          <ac:chgData name="Khattab, Sherif" userId="c83b1e15-36f3-4f46-aceb-05aac24c545e" providerId="ADAL" clId="{EE78B4C3-BA47-2B47-8B84-4022815E3587}" dt="2019-05-14T13:34:18.851" v="46"/>
+          <ac:spMkLst>
+            <pc:docMk/>
+            <pc:sldMk cId="1271999567" sldId="349"/>
+            <ac:spMk id="8" creationId="{7BD79B2E-E2F2-FE40-AF15-AA838FE67060}"/>
+          </ac:spMkLst>
+        </pc:spChg>
+      </pc:sldChg>
+      <pc:sldChg chg="delSp add">
+        <pc:chgData name="Khattab, Sherif" userId="c83b1e15-36f3-4f46-aceb-05aac24c545e" providerId="ADAL" clId="{EE78B4C3-BA47-2B47-8B84-4022815E3587}" dt="2019-05-14T13:34:18.851" v="46"/>
+        <pc:sldMkLst>
+          <pc:docMk/>
+          <pc:sldMk cId="434376579" sldId="363"/>
+        </pc:sldMkLst>
+        <pc:spChg chg="del">
+          <ac:chgData name="Khattab, Sherif" userId="c83b1e15-36f3-4f46-aceb-05aac24c545e" providerId="ADAL" clId="{EE78B4C3-BA47-2B47-8B84-4022815E3587}" dt="2019-05-14T13:34:18.851" v="46"/>
+          <ac:spMkLst>
+            <pc:docMk/>
+            <pc:sldMk cId="434376579" sldId="363"/>
+            <ac:spMk id="15" creationId="{1190D209-83D1-A548-8C7B-C35DE4396F91}"/>
+          </ac:spMkLst>
+        </pc:spChg>
+      </pc:sldChg>
+      <pc:sldChg chg="delSp add">
+        <pc:chgData name="Khattab, Sherif" userId="c83b1e15-36f3-4f46-aceb-05aac24c545e" providerId="ADAL" clId="{EE78B4C3-BA47-2B47-8B84-4022815E3587}" dt="2019-05-14T13:34:18.851" v="46"/>
+        <pc:sldMkLst>
+          <pc:docMk/>
+          <pc:sldMk cId="815621424" sldId="364"/>
+        </pc:sldMkLst>
+        <pc:spChg chg="del">
+          <ac:chgData name="Khattab, Sherif" userId="c83b1e15-36f3-4f46-aceb-05aac24c545e" providerId="ADAL" clId="{EE78B4C3-BA47-2B47-8B84-4022815E3587}" dt="2019-05-14T13:34:18.851" v="46"/>
+          <ac:spMkLst>
+            <pc:docMk/>
+            <pc:sldMk cId="815621424" sldId="364"/>
+            <ac:spMk id="29" creationId="{6D10D6C8-49C6-BE4E-9E3F-EEC76AE056AA}"/>
+          </ac:spMkLst>
+        </pc:spChg>
+      </pc:sldChg>
+      <pc:sldChg chg="delSp add">
+        <pc:chgData name="Khattab, Sherif" userId="c83b1e15-36f3-4f46-aceb-05aac24c545e" providerId="ADAL" clId="{EE78B4C3-BA47-2B47-8B84-4022815E3587}" dt="2019-05-14T13:34:18.851" v="46"/>
+        <pc:sldMkLst>
+          <pc:docMk/>
+          <pc:sldMk cId="1934104099" sldId="365"/>
+        </pc:sldMkLst>
+        <pc:spChg chg="del">
+          <ac:chgData name="Khattab, Sherif" userId="c83b1e15-36f3-4f46-aceb-05aac24c545e" providerId="ADAL" clId="{EE78B4C3-BA47-2B47-8B84-4022815E3587}" dt="2019-05-14T13:34:18.851" v="46"/>
+          <ac:spMkLst>
+            <pc:docMk/>
+            <pc:sldMk cId="1934104099" sldId="365"/>
+            <ac:spMk id="10" creationId="{87886125-1D5E-014B-A276-636801877DB6}"/>
+          </ac:spMkLst>
+        </pc:spChg>
+      </pc:sldChg>
+      <pc:sldChg chg="delSp add">
+        <pc:chgData name="Khattab, Sherif" userId="c83b1e15-36f3-4f46-aceb-05aac24c545e" providerId="ADAL" clId="{EE78B4C3-BA47-2B47-8B84-4022815E3587}" dt="2019-05-14T13:34:18.851" v="46"/>
+        <pc:sldMkLst>
+          <pc:docMk/>
+          <pc:sldMk cId="2782429159" sldId="366"/>
+        </pc:sldMkLst>
+        <pc:spChg chg="del">
+          <ac:chgData name="Khattab, Sherif" userId="c83b1e15-36f3-4f46-aceb-05aac24c545e" providerId="ADAL" clId="{EE78B4C3-BA47-2B47-8B84-4022815E3587}" dt="2019-05-14T13:34:18.851" v="46"/>
+          <ac:spMkLst>
+            <pc:docMk/>
+            <pc:sldMk cId="2782429159" sldId="366"/>
+            <ac:spMk id="6" creationId="{35E278D3-0A71-264A-B99D-056EBFA58F06}"/>
+          </ac:spMkLst>
+        </pc:spChg>
+      </pc:sldChg>
+      <pc:sldChg chg="delSp add">
+        <pc:chgData name="Khattab, Sherif" userId="c83b1e15-36f3-4f46-aceb-05aac24c545e" providerId="ADAL" clId="{EE78B4C3-BA47-2B47-8B84-4022815E3587}" dt="2019-05-14T13:34:18.851" v="46"/>
+        <pc:sldMkLst>
+          <pc:docMk/>
+          <pc:sldMk cId="2251973667" sldId="367"/>
+        </pc:sldMkLst>
+        <pc:spChg chg="del">
+          <ac:chgData name="Khattab, Sherif" userId="c83b1e15-36f3-4f46-aceb-05aac24c545e" providerId="ADAL" clId="{EE78B4C3-BA47-2B47-8B84-4022815E3587}" dt="2019-05-14T13:34:18.851" v="46"/>
+          <ac:spMkLst>
+            <pc:docMk/>
+            <pc:sldMk cId="2251973667" sldId="367"/>
+            <ac:spMk id="6" creationId="{156F37D5-7C3B-D446-B495-19F8366B5AD6}"/>
+          </ac:spMkLst>
+        </pc:spChg>
+      </pc:sldChg>
+      <pc:sldChg chg="delSp add">
+        <pc:chgData name="Khattab, Sherif" userId="c83b1e15-36f3-4f46-aceb-05aac24c545e" providerId="ADAL" clId="{EE78B4C3-BA47-2B47-8B84-4022815E3587}" dt="2019-05-14T13:34:18.851" v="46"/>
+        <pc:sldMkLst>
+          <pc:docMk/>
+          <pc:sldMk cId="3138501136" sldId="368"/>
+        </pc:sldMkLst>
+        <pc:spChg chg="del">
+          <ac:chgData name="Khattab, Sherif" userId="c83b1e15-36f3-4f46-aceb-05aac24c545e" providerId="ADAL" clId="{EE78B4C3-BA47-2B47-8B84-4022815E3587}" dt="2019-05-14T13:34:18.851" v="46"/>
+          <ac:spMkLst>
+            <pc:docMk/>
+            <pc:sldMk cId="3138501136" sldId="368"/>
+            <ac:spMk id="9" creationId="{2996EA4B-3DC2-9F42-B065-0840F656E48E}"/>
+          </ac:spMkLst>
+        </pc:spChg>
+      </pc:sldChg>
+      <pc:sldChg chg="delSp add">
+        <pc:chgData name="Khattab, Sherif" userId="c83b1e15-36f3-4f46-aceb-05aac24c545e" providerId="ADAL" clId="{EE78B4C3-BA47-2B47-8B84-4022815E3587}" dt="2019-05-14T13:34:18.851" v="46"/>
+        <pc:sldMkLst>
+          <pc:docMk/>
+          <pc:sldMk cId="3210992163" sldId="369"/>
+        </pc:sldMkLst>
+        <pc:spChg chg="del">
+          <ac:chgData name="Khattab, Sherif" userId="c83b1e15-36f3-4f46-aceb-05aac24c545e" providerId="ADAL" clId="{EE78B4C3-BA47-2B47-8B84-4022815E3587}" dt="2019-05-14T13:34:18.851" v="46"/>
+          <ac:spMkLst>
+            <pc:docMk/>
+            <pc:sldMk cId="3210992163" sldId="369"/>
+            <ac:spMk id="6" creationId="{B0B02CAE-6A9B-A441-9498-BF8F3DB626EB}"/>
+          </ac:spMkLst>
+        </pc:spChg>
+      </pc:sldChg>
+      <pc:sldChg chg="delSp add">
+        <pc:chgData name="Khattab, Sherif" userId="c83b1e15-36f3-4f46-aceb-05aac24c545e" providerId="ADAL" clId="{EE78B4C3-BA47-2B47-8B84-4022815E3587}" dt="2019-05-14T13:34:18.851" v="46"/>
+        <pc:sldMkLst>
+          <pc:docMk/>
+          <pc:sldMk cId="4013065491" sldId="370"/>
+        </pc:sldMkLst>
+        <pc:spChg chg="del">
+          <ac:chgData name="Khattab, Sherif" userId="c83b1e15-36f3-4f46-aceb-05aac24c545e" providerId="ADAL" clId="{EE78B4C3-BA47-2B47-8B84-4022815E3587}" dt="2019-05-14T13:34:18.851" v="46"/>
+          <ac:spMkLst>
+            <pc:docMk/>
+            <pc:sldMk cId="4013065491" sldId="370"/>
+            <ac:spMk id="8" creationId="{D0EF7B2F-C2A6-4E4A-BA48-98165068EB9D}"/>
+          </ac:spMkLst>
+        </pc:spChg>
+      </pc:sldChg>
+      <pc:sldChg chg="delSp add">
+        <pc:chgData name="Khattab, Sherif" userId="c83b1e15-36f3-4f46-aceb-05aac24c545e" providerId="ADAL" clId="{EE78B4C3-BA47-2B47-8B84-4022815E3587}" dt="2019-05-14T13:34:18.851" v="46"/>
+        <pc:sldMkLst>
+          <pc:docMk/>
+          <pc:sldMk cId="2592968416" sldId="371"/>
+        </pc:sldMkLst>
+        <pc:spChg chg="del">
+          <ac:chgData name="Khattab, Sherif" userId="c83b1e15-36f3-4f46-aceb-05aac24c545e" providerId="ADAL" clId="{EE78B4C3-BA47-2B47-8B84-4022815E3587}" dt="2019-05-14T13:34:18.851" v="46"/>
+          <ac:spMkLst>
+            <pc:docMk/>
+            <pc:sldMk cId="2592968416" sldId="371"/>
+            <ac:spMk id="8" creationId="{61F73BD1-10AC-B146-B4D6-4D1B879CEAE3}"/>
+          </ac:spMkLst>
+        </pc:spChg>
+      </pc:sldChg>
+      <pc:sldChg chg="delSp add">
+        <pc:chgData name="Khattab, Sherif" userId="c83b1e15-36f3-4f46-aceb-05aac24c545e" providerId="ADAL" clId="{EE78B4C3-BA47-2B47-8B84-4022815E3587}" dt="2019-05-14T13:34:18.851" v="46"/>
+        <pc:sldMkLst>
+          <pc:docMk/>
+          <pc:sldMk cId="3848335379" sldId="372"/>
+        </pc:sldMkLst>
+        <pc:spChg chg="del">
+          <ac:chgData name="Khattab, Sherif" userId="c83b1e15-36f3-4f46-aceb-05aac24c545e" providerId="ADAL" clId="{EE78B4C3-BA47-2B47-8B84-4022815E3587}" dt="2019-05-14T13:34:18.851" v="46"/>
+          <ac:spMkLst>
+            <pc:docMk/>
+            <pc:sldMk cId="3848335379" sldId="372"/>
+            <ac:spMk id="9" creationId="{A9CB262F-7565-A04A-9FDE-A27BCA955EC0}"/>
+          </ac:spMkLst>
+        </pc:spChg>
+      </pc:sldChg>
+      <pc:sldChg chg="delSp add">
+        <pc:chgData name="Khattab, Sherif" userId="c83b1e15-36f3-4f46-aceb-05aac24c545e" providerId="ADAL" clId="{EE78B4C3-BA47-2B47-8B84-4022815E3587}" dt="2019-05-14T13:34:18.851" v="46"/>
+        <pc:sldMkLst>
+          <pc:docMk/>
+          <pc:sldMk cId="3161117264" sldId="373"/>
+        </pc:sldMkLst>
+        <pc:spChg chg="del">
+          <ac:chgData name="Khattab, Sherif" userId="c83b1e15-36f3-4f46-aceb-05aac24c545e" providerId="ADAL" clId="{EE78B4C3-BA47-2B47-8B84-4022815E3587}" dt="2019-05-14T13:34:18.851" v="46"/>
+          <ac:spMkLst>
+            <pc:docMk/>
+            <pc:sldMk cId="3161117264" sldId="373"/>
+            <ac:spMk id="6" creationId="{E9F1DC46-4FA4-D444-A7D6-705144867080}"/>
+          </ac:spMkLst>
+        </pc:spChg>
+      </pc:sldChg>
+      <pc:sldChg chg="delSp add">
+        <pc:chgData name="Khattab, Sherif" userId="c83b1e15-36f3-4f46-aceb-05aac24c545e" providerId="ADAL" clId="{EE78B4C3-BA47-2B47-8B84-4022815E3587}" dt="2019-05-14T13:34:18.851" v="46"/>
+        <pc:sldMkLst>
+          <pc:docMk/>
+          <pc:sldMk cId="1542066946" sldId="374"/>
+        </pc:sldMkLst>
+        <pc:spChg chg="del">
+          <ac:chgData name="Khattab, Sherif" userId="c83b1e15-36f3-4f46-aceb-05aac24c545e" providerId="ADAL" clId="{EE78B4C3-BA47-2B47-8B84-4022815E3587}" dt="2019-05-14T13:34:18.851" v="46"/>
+          <ac:spMkLst>
+            <pc:docMk/>
+            <pc:sldMk cId="1542066946" sldId="374"/>
+            <ac:spMk id="6" creationId="{D50D1AE2-A719-F648-ABE5-1D2605CF399A}"/>
+          </ac:spMkLst>
+        </pc:spChg>
+      </pc:sldChg>
+      <pc:sldChg chg="delSp add">
+        <pc:chgData name="Khattab, Sherif" userId="c83b1e15-36f3-4f46-aceb-05aac24c545e" providerId="ADAL" clId="{EE78B4C3-BA47-2B47-8B84-4022815E3587}" dt="2019-05-14T13:34:18.851" v="46"/>
+        <pc:sldMkLst>
+          <pc:docMk/>
+          <pc:sldMk cId="834112894" sldId="375"/>
+        </pc:sldMkLst>
+        <pc:spChg chg="del">
+          <ac:chgData name="Khattab, Sherif" userId="c83b1e15-36f3-4f46-aceb-05aac24c545e" providerId="ADAL" clId="{EE78B4C3-BA47-2B47-8B84-4022815E3587}" dt="2019-05-14T13:34:18.851" v="46"/>
+          <ac:spMkLst>
+            <pc:docMk/>
+            <pc:sldMk cId="834112894" sldId="375"/>
+            <ac:spMk id="6" creationId="{429B8308-B899-EF4A-97A6-3EEDF546FBBB}"/>
+          </ac:spMkLst>
+        </pc:spChg>
+      </pc:sldChg>
+      <pc:sldChg chg="delSp add">
+        <pc:chgData name="Khattab, Sherif" userId="c83b1e15-36f3-4f46-aceb-05aac24c545e" providerId="ADAL" clId="{EE78B4C3-BA47-2B47-8B84-4022815E3587}" dt="2019-05-14T13:34:18.851" v="46"/>
+        <pc:sldMkLst>
+          <pc:docMk/>
+          <pc:sldMk cId="1165577892" sldId="376"/>
+        </pc:sldMkLst>
+        <pc:spChg chg="del">
+          <ac:chgData name="Khattab, Sherif" userId="c83b1e15-36f3-4f46-aceb-05aac24c545e" providerId="ADAL" clId="{EE78B4C3-BA47-2B47-8B84-4022815E3587}" dt="2019-05-14T13:34:18.851" v="46"/>
+          <ac:spMkLst>
+            <pc:docMk/>
+            <pc:sldMk cId="1165577892" sldId="376"/>
+            <ac:spMk id="42" creationId="{27F42901-D1CE-084B-9E38-96413317B8CF}"/>
+          </ac:spMkLst>
+        </pc:spChg>
+      </pc:sldChg>
+      <pc:sldChg chg="delSp add">
+        <pc:chgData name="Khattab, Sherif" userId="c83b1e15-36f3-4f46-aceb-05aac24c545e" providerId="ADAL" clId="{EE78B4C3-BA47-2B47-8B84-4022815E3587}" dt="2019-05-14T13:34:18.851" v="46"/>
+        <pc:sldMkLst>
+          <pc:docMk/>
+          <pc:sldMk cId="1942139729" sldId="377"/>
+        </pc:sldMkLst>
+        <pc:spChg chg="del">
+          <ac:chgData name="Khattab, Sherif" userId="c83b1e15-36f3-4f46-aceb-05aac24c545e" providerId="ADAL" clId="{EE78B4C3-BA47-2B47-8B84-4022815E3587}" dt="2019-05-14T13:34:18.851" v="46"/>
+          <ac:spMkLst>
+            <pc:docMk/>
+            <pc:sldMk cId="1942139729" sldId="377"/>
+            <ac:spMk id="9" creationId="{68716DFF-FDE6-F443-A890-77FBFB539BEB}"/>
+          </ac:spMkLst>
+        </pc:spChg>
+      </pc:sldChg>
+      <pc:sldChg chg="delSp add">
+        <pc:chgData name="Khattab, Sherif" userId="c83b1e15-36f3-4f46-aceb-05aac24c545e" providerId="ADAL" clId="{EE78B4C3-BA47-2B47-8B84-4022815E3587}" dt="2019-05-14T13:34:18.851" v="46"/>
+        <pc:sldMkLst>
+          <pc:docMk/>
+          <pc:sldMk cId="3990797458" sldId="378"/>
+        </pc:sldMkLst>
+        <pc:spChg chg="del">
+          <ac:chgData name="Khattab, Sherif" userId="c83b1e15-36f3-4f46-aceb-05aac24c545e" providerId="ADAL" clId="{EE78B4C3-BA47-2B47-8B84-4022815E3587}" dt="2019-05-14T13:34:18.851" v="46"/>
+          <ac:spMkLst>
+            <pc:docMk/>
+            <pc:sldMk cId="3990797458" sldId="378"/>
+            <ac:spMk id="6" creationId="{ADE8E4C1-F96E-1346-A961-80E2D6A49C9A}"/>
+          </ac:spMkLst>
+        </pc:spChg>
+      </pc:sldChg>
+      <pc:sldChg chg="delSp add">
+        <pc:chgData name="Khattab, Sherif" userId="c83b1e15-36f3-4f46-aceb-05aac24c545e" providerId="ADAL" clId="{EE78B4C3-BA47-2B47-8B84-4022815E3587}" dt="2019-05-14T13:34:18.851" v="46"/>
+        <pc:sldMkLst>
+          <pc:docMk/>
+          <pc:sldMk cId="2736486443" sldId="379"/>
+        </pc:sldMkLst>
+        <pc:spChg chg="del">
+          <ac:chgData name="Khattab, Sherif" userId="c83b1e15-36f3-4f46-aceb-05aac24c545e" providerId="ADAL" clId="{EE78B4C3-BA47-2B47-8B84-4022815E3587}" dt="2019-05-14T13:34:18.851" v="46"/>
+          <ac:spMkLst>
+            <pc:docMk/>
+            <pc:sldMk cId="2736486443" sldId="379"/>
+            <ac:spMk id="9" creationId="{68630AFF-8EA0-D641-8FA2-6949259437AD}"/>
+          </ac:spMkLst>
+        </pc:spChg>
+      </pc:sldChg>
+      <pc:sldChg chg="delSp add">
+        <pc:chgData name="Khattab, Sherif" userId="c83b1e15-36f3-4f46-aceb-05aac24c545e" providerId="ADAL" clId="{EE78B4C3-BA47-2B47-8B84-4022815E3587}" dt="2019-05-14T13:34:18.851" v="46"/>
+        <pc:sldMkLst>
+          <pc:docMk/>
+          <pc:sldMk cId="541381985" sldId="380"/>
+        </pc:sldMkLst>
+        <pc:spChg chg="del">
+          <ac:chgData name="Khattab, Sherif" userId="c83b1e15-36f3-4f46-aceb-05aac24c545e" providerId="ADAL" clId="{EE78B4C3-BA47-2B47-8B84-4022815E3587}" dt="2019-05-14T13:34:18.851" v="46"/>
+          <ac:spMkLst>
+            <pc:docMk/>
+            <pc:sldMk cId="541381985" sldId="380"/>
+            <ac:spMk id="25" creationId="{4D20C47B-3C18-E64F-95ED-21B263511FAD}"/>
+          </ac:spMkLst>
+        </pc:spChg>
+      </pc:sldChg>
+      <pc:sldChg chg="delSp add">
+        <pc:chgData name="Khattab, Sherif" userId="c83b1e15-36f3-4f46-aceb-05aac24c545e" providerId="ADAL" clId="{EE78B4C3-BA47-2B47-8B84-4022815E3587}" dt="2019-05-14T13:34:18.851" v="46"/>
+        <pc:sldMkLst>
+          <pc:docMk/>
+          <pc:sldMk cId="2235897330" sldId="381"/>
+        </pc:sldMkLst>
+        <pc:spChg chg="del">
+          <ac:chgData name="Khattab, Sherif" userId="c83b1e15-36f3-4f46-aceb-05aac24c545e" providerId="ADAL" clId="{EE78B4C3-BA47-2B47-8B84-4022815E3587}" dt="2019-05-14T13:34:18.851" v="46"/>
+          <ac:spMkLst>
+            <pc:docMk/>
+            <pc:sldMk cId="2235897330" sldId="381"/>
+            <ac:spMk id="8" creationId="{9D3BDADA-F567-BD4E-9F02-7C5462E120E7}"/>
+          </ac:spMkLst>
+        </pc:spChg>
+      </pc:sldChg>
+      <pc:sldChg chg="delSp add">
+        <pc:chgData name="Khattab, Sherif" userId="c83b1e15-36f3-4f46-aceb-05aac24c545e" providerId="ADAL" clId="{EE78B4C3-BA47-2B47-8B84-4022815E3587}" dt="2019-05-14T13:34:18.851" v="46"/>
+        <pc:sldMkLst>
+          <pc:docMk/>
+          <pc:sldMk cId="3360044446" sldId="382"/>
+        </pc:sldMkLst>
+        <pc:spChg chg="del">
+          <ac:chgData name="Khattab, Sherif" userId="c83b1e15-36f3-4f46-aceb-05aac24c545e" providerId="ADAL" clId="{EE78B4C3-BA47-2B47-8B84-4022815E3587}" dt="2019-05-14T13:34:18.851" v="46"/>
+          <ac:spMkLst>
+            <pc:docMk/>
+            <pc:sldMk cId="3360044446" sldId="382"/>
+            <ac:spMk id="8" creationId="{90688045-CAEF-334F-9E8D-5DE392BB31B7}"/>
+          </ac:spMkLst>
+        </pc:spChg>
+      </pc:sldChg>
+      <pc:sldChg chg="delSp add">
+        <pc:chgData name="Khattab, Sherif" userId="c83b1e15-36f3-4f46-aceb-05aac24c545e" providerId="ADAL" clId="{EE78B4C3-BA47-2B47-8B84-4022815E3587}" dt="2019-05-14T13:34:18.851" v="46"/>
+        <pc:sldMkLst>
+          <pc:docMk/>
+          <pc:sldMk cId="1954384084" sldId="383"/>
+        </pc:sldMkLst>
+        <pc:spChg chg="del">
+          <ac:chgData name="Khattab, Sherif" userId="c83b1e15-36f3-4f46-aceb-05aac24c545e" providerId="ADAL" clId="{EE78B4C3-BA47-2B47-8B84-4022815E3587}" dt="2019-05-14T13:34:18.851" v="46"/>
+          <ac:spMkLst>
+            <pc:docMk/>
+            <pc:sldMk cId="1954384084" sldId="383"/>
+            <ac:spMk id="8" creationId="{307391A8-557A-8A4A-8E68-85B54349ED8F}"/>
+          </ac:spMkLst>
+        </pc:spChg>
+      </pc:sldChg>
+      <pc:sldChg chg="delSp add">
+        <pc:chgData name="Khattab, Sherif" userId="c83b1e15-36f3-4f46-aceb-05aac24c545e" providerId="ADAL" clId="{EE78B4C3-BA47-2B47-8B84-4022815E3587}" dt="2019-05-14T13:34:18.851" v="46"/>
+        <pc:sldMkLst>
+          <pc:docMk/>
+          <pc:sldMk cId="220759689" sldId="384"/>
+        </pc:sldMkLst>
+        <pc:spChg chg="del">
+          <ac:chgData name="Khattab, Sherif" userId="c83b1e15-36f3-4f46-aceb-05aac24c545e" providerId="ADAL" clId="{EE78B4C3-BA47-2B47-8B84-4022815E3587}" dt="2019-05-14T13:34:18.851" v="46"/>
+          <ac:spMkLst>
+            <pc:docMk/>
+            <pc:sldMk cId="220759689" sldId="384"/>
+            <ac:spMk id="6" creationId="{E1DC0099-5926-8C42-9144-C73482BF1FE7}"/>
+          </ac:spMkLst>
+        </pc:spChg>
+      </pc:sldChg>
+      <pc:sldChg chg="delSp add">
+        <pc:chgData name="Khattab, Sherif" userId="c83b1e15-36f3-4f46-aceb-05aac24c545e" providerId="ADAL" clId="{EE78B4C3-BA47-2B47-8B84-4022815E3587}" dt="2019-05-14T13:34:18.851" v="46"/>
+        <pc:sldMkLst>
+          <pc:docMk/>
+          <pc:sldMk cId="2809799376" sldId="385"/>
+        </pc:sldMkLst>
+        <pc:spChg chg="del">
+          <ac:chgData name="Khattab, Sherif" userId="c83b1e15-36f3-4f46-aceb-05aac24c545e" providerId="ADAL" clId="{EE78B4C3-BA47-2B47-8B84-4022815E3587}" dt="2019-05-14T13:34:18.851" v="46"/>
+          <ac:spMkLst>
+            <pc:docMk/>
+            <pc:sldMk cId="2809799376" sldId="385"/>
+            <ac:spMk id="8" creationId="{0E14A1DC-F2CD-F64B-A516-0E10067BD269}"/>
+          </ac:spMkLst>
+        </pc:spChg>
+      </pc:sldChg>
+    </pc:docChg>
+  </pc:docChgLst>
+  <pc:docChgLst>
     <pc:chgData name="Khattab, Sherif" userId="c83b1e15-36f3-4f46-aceb-05aac24c545e" providerId="ADAL" clId="{79D9A848-63DC-C04B-A37B-45CD4B398B25}"/>
     <pc:docChg chg="sldOrd">
       <pc:chgData name="Khattab, Sherif" userId="c83b1e15-36f3-4f46-aceb-05aac24c545e" providerId="ADAL" clId="{79D9A848-63DC-C04B-A37B-45CD4B398B25}" dt="2020-10-07T03:45:55.390" v="0" actId="20578"/>
@@ -7544,788 +8369,6 @@
           <pc:docMk/>
           <pc:sldMk cId="434376579" sldId="363"/>
         </pc:sldMkLst>
-      </pc:sldChg>
-    </pc:docChg>
-  </pc:docChgLst>
-  <pc:docChgLst>
-    <pc:chgData name="Khattab, Sherif" userId="c83b1e15-36f3-4f46-aceb-05aac24c545e" providerId="ADAL" clId="{EE78B4C3-BA47-2B47-8B84-4022815E3587}"/>
-    <pc:docChg chg="addSld delSld modSld">
-      <pc:chgData name="Khattab, Sherif" userId="c83b1e15-36f3-4f46-aceb-05aac24c545e" providerId="ADAL" clId="{EE78B4C3-BA47-2B47-8B84-4022815E3587}" dt="2019-05-14T13:34:18.851" v="46"/>
-      <pc:docMkLst>
-        <pc:docMk/>
-      </pc:docMkLst>
-      <pc:sldChg chg="modSp">
-        <pc:chgData name="Khattab, Sherif" userId="c83b1e15-36f3-4f46-aceb-05aac24c545e" providerId="ADAL" clId="{EE78B4C3-BA47-2B47-8B84-4022815E3587}" dt="2019-05-14T13:28:04.131" v="18" actId="20577"/>
-        <pc:sldMkLst>
-          <pc:docMk/>
-          <pc:sldMk cId="0" sldId="256"/>
-        </pc:sldMkLst>
-        <pc:spChg chg="mod">
-          <ac:chgData name="Khattab, Sherif" userId="c83b1e15-36f3-4f46-aceb-05aac24c545e" providerId="ADAL" clId="{EE78B4C3-BA47-2B47-8B84-4022815E3587}" dt="2019-05-14T13:28:04.131" v="18" actId="20577"/>
-          <ac:spMkLst>
-            <pc:docMk/>
-            <pc:sldMk cId="0" sldId="256"/>
-            <ac:spMk id="2" creationId="{00000000-0000-0000-0000-000000000000}"/>
-          </ac:spMkLst>
-        </pc:spChg>
-      </pc:sldChg>
-      <pc:sldChg chg="delSp">
-        <pc:chgData name="Khattab, Sherif" userId="c83b1e15-36f3-4f46-aceb-05aac24c545e" providerId="ADAL" clId="{EE78B4C3-BA47-2B47-8B84-4022815E3587}" dt="2019-05-14T13:30:07.468" v="20"/>
-        <pc:sldMkLst>
-          <pc:docMk/>
-          <pc:sldMk cId="1004035158" sldId="259"/>
-        </pc:sldMkLst>
-        <pc:spChg chg="del">
-          <ac:chgData name="Khattab, Sherif" userId="c83b1e15-36f3-4f46-aceb-05aac24c545e" providerId="ADAL" clId="{EE78B4C3-BA47-2B47-8B84-4022815E3587}" dt="2019-05-14T13:30:07.468" v="20"/>
-          <ac:spMkLst>
-            <pc:docMk/>
-            <pc:sldMk cId="1004035158" sldId="259"/>
-            <ac:spMk id="2" creationId="{00000000-0000-0000-0000-000000000000}"/>
-          </ac:spMkLst>
-        </pc:spChg>
-      </pc:sldChg>
-      <pc:sldChg chg="delSp">
-        <pc:chgData name="Khattab, Sherif" userId="c83b1e15-36f3-4f46-aceb-05aac24c545e" providerId="ADAL" clId="{EE78B4C3-BA47-2B47-8B84-4022815E3587}" dt="2019-05-14T13:30:07.468" v="20"/>
-        <pc:sldMkLst>
-          <pc:docMk/>
-          <pc:sldMk cId="1444142485" sldId="261"/>
-        </pc:sldMkLst>
-        <pc:spChg chg="del">
-          <ac:chgData name="Khattab, Sherif" userId="c83b1e15-36f3-4f46-aceb-05aac24c545e" providerId="ADAL" clId="{EE78B4C3-BA47-2B47-8B84-4022815E3587}" dt="2019-05-14T13:30:07.468" v="20"/>
-          <ac:spMkLst>
-            <pc:docMk/>
-            <pc:sldMk cId="1444142485" sldId="261"/>
-            <ac:spMk id="3" creationId="{00000000-0000-0000-0000-000000000000}"/>
-          </ac:spMkLst>
-        </pc:spChg>
-      </pc:sldChg>
-      <pc:sldChg chg="delSp">
-        <pc:chgData name="Khattab, Sherif" userId="c83b1e15-36f3-4f46-aceb-05aac24c545e" providerId="ADAL" clId="{EE78B4C3-BA47-2B47-8B84-4022815E3587}" dt="2019-05-14T13:30:07.468" v="20"/>
-        <pc:sldMkLst>
-          <pc:docMk/>
-          <pc:sldMk cId="516417489" sldId="262"/>
-        </pc:sldMkLst>
-        <pc:spChg chg="del">
-          <ac:chgData name="Khattab, Sherif" userId="c83b1e15-36f3-4f46-aceb-05aac24c545e" providerId="ADAL" clId="{EE78B4C3-BA47-2B47-8B84-4022815E3587}" dt="2019-05-14T13:30:07.468" v="20"/>
-          <ac:spMkLst>
-            <pc:docMk/>
-            <pc:sldMk cId="516417489" sldId="262"/>
-            <ac:spMk id="2" creationId="{00000000-0000-0000-0000-000000000000}"/>
-          </ac:spMkLst>
-        </pc:spChg>
-      </pc:sldChg>
-      <pc:sldChg chg="delSp">
-        <pc:chgData name="Khattab, Sherif" userId="c83b1e15-36f3-4f46-aceb-05aac24c545e" providerId="ADAL" clId="{EE78B4C3-BA47-2B47-8B84-4022815E3587}" dt="2019-05-14T13:30:07.468" v="20"/>
-        <pc:sldMkLst>
-          <pc:docMk/>
-          <pc:sldMk cId="561583903" sldId="263"/>
-        </pc:sldMkLst>
-        <pc:spChg chg="del">
-          <ac:chgData name="Khattab, Sherif" userId="c83b1e15-36f3-4f46-aceb-05aac24c545e" providerId="ADAL" clId="{EE78B4C3-BA47-2B47-8B84-4022815E3587}" dt="2019-05-14T13:30:07.468" v="20"/>
-          <ac:spMkLst>
-            <pc:docMk/>
-            <pc:sldMk cId="561583903" sldId="263"/>
-            <ac:spMk id="3" creationId="{00000000-0000-0000-0000-000000000000}"/>
-          </ac:spMkLst>
-        </pc:spChg>
-      </pc:sldChg>
-      <pc:sldChg chg="delSp">
-        <pc:chgData name="Khattab, Sherif" userId="c83b1e15-36f3-4f46-aceb-05aac24c545e" providerId="ADAL" clId="{EE78B4C3-BA47-2B47-8B84-4022815E3587}" dt="2019-05-14T13:30:07.468" v="20"/>
-        <pc:sldMkLst>
-          <pc:docMk/>
-          <pc:sldMk cId="982315759" sldId="264"/>
-        </pc:sldMkLst>
-        <pc:spChg chg="del">
-          <ac:chgData name="Khattab, Sherif" userId="c83b1e15-36f3-4f46-aceb-05aac24c545e" providerId="ADAL" clId="{EE78B4C3-BA47-2B47-8B84-4022815E3587}" dt="2019-05-14T13:30:07.468" v="20"/>
-          <ac:spMkLst>
-            <pc:docMk/>
-            <pc:sldMk cId="982315759" sldId="264"/>
-            <ac:spMk id="2" creationId="{00000000-0000-0000-0000-000000000000}"/>
-          </ac:spMkLst>
-        </pc:spChg>
-      </pc:sldChg>
-      <pc:sldChg chg="delSp modSp">
-        <pc:chgData name="Khattab, Sherif" userId="c83b1e15-36f3-4f46-aceb-05aac24c545e" providerId="ADAL" clId="{EE78B4C3-BA47-2B47-8B84-4022815E3587}" dt="2019-05-14T13:30:35.317" v="37" actId="20577"/>
-        <pc:sldMkLst>
-          <pc:docMk/>
-          <pc:sldMk cId="423130617" sldId="265"/>
-        </pc:sldMkLst>
-        <pc:spChg chg="del">
-          <ac:chgData name="Khattab, Sherif" userId="c83b1e15-36f3-4f46-aceb-05aac24c545e" providerId="ADAL" clId="{EE78B4C3-BA47-2B47-8B84-4022815E3587}" dt="2019-05-14T13:30:07.468" v="20"/>
-          <ac:spMkLst>
-            <pc:docMk/>
-            <pc:sldMk cId="423130617" sldId="265"/>
-            <ac:spMk id="3" creationId="{00000000-0000-0000-0000-000000000000}"/>
-          </ac:spMkLst>
-        </pc:spChg>
-        <pc:spChg chg="mod">
-          <ac:chgData name="Khattab, Sherif" userId="c83b1e15-36f3-4f46-aceb-05aac24c545e" providerId="ADAL" clId="{EE78B4C3-BA47-2B47-8B84-4022815E3587}" dt="2019-05-14T13:30:35.317" v="37" actId="20577"/>
-          <ac:spMkLst>
-            <pc:docMk/>
-            <pc:sldMk cId="423130617" sldId="265"/>
-            <ac:spMk id="12290" creationId="{00000000-0000-0000-0000-000000000000}"/>
-          </ac:spMkLst>
-        </pc:spChg>
-      </pc:sldChg>
-      <pc:sldChg chg="delSp">
-        <pc:chgData name="Khattab, Sherif" userId="c83b1e15-36f3-4f46-aceb-05aac24c545e" providerId="ADAL" clId="{EE78B4C3-BA47-2B47-8B84-4022815E3587}" dt="2019-05-14T13:30:07.468" v="20"/>
-        <pc:sldMkLst>
-          <pc:docMk/>
-          <pc:sldMk cId="661211275" sldId="267"/>
-        </pc:sldMkLst>
-        <pc:spChg chg="del">
-          <ac:chgData name="Khattab, Sherif" userId="c83b1e15-36f3-4f46-aceb-05aac24c545e" providerId="ADAL" clId="{EE78B4C3-BA47-2B47-8B84-4022815E3587}" dt="2019-05-14T13:30:07.468" v="20"/>
-          <ac:spMkLst>
-            <pc:docMk/>
-            <pc:sldMk cId="661211275" sldId="267"/>
-            <ac:spMk id="2" creationId="{00000000-0000-0000-0000-000000000000}"/>
-          </ac:spMkLst>
-        </pc:spChg>
-      </pc:sldChg>
-      <pc:sldChg chg="delSp">
-        <pc:chgData name="Khattab, Sherif" userId="c83b1e15-36f3-4f46-aceb-05aac24c545e" providerId="ADAL" clId="{EE78B4C3-BA47-2B47-8B84-4022815E3587}" dt="2019-05-14T13:30:07.468" v="20"/>
-        <pc:sldMkLst>
-          <pc:docMk/>
-          <pc:sldMk cId="1897509347" sldId="268"/>
-        </pc:sldMkLst>
-        <pc:spChg chg="del">
-          <ac:chgData name="Khattab, Sherif" userId="c83b1e15-36f3-4f46-aceb-05aac24c545e" providerId="ADAL" clId="{EE78B4C3-BA47-2B47-8B84-4022815E3587}" dt="2019-05-14T13:30:07.468" v="20"/>
-          <ac:spMkLst>
-            <pc:docMk/>
-            <pc:sldMk cId="1897509347" sldId="268"/>
-            <ac:spMk id="2" creationId="{00000000-0000-0000-0000-000000000000}"/>
-          </ac:spMkLst>
-        </pc:spChg>
-      </pc:sldChg>
-      <pc:sldChg chg="delSp">
-        <pc:chgData name="Khattab, Sherif" userId="c83b1e15-36f3-4f46-aceb-05aac24c545e" providerId="ADAL" clId="{EE78B4C3-BA47-2B47-8B84-4022815E3587}" dt="2019-05-14T13:30:07.468" v="20"/>
-        <pc:sldMkLst>
-          <pc:docMk/>
-          <pc:sldMk cId="1042310649" sldId="269"/>
-        </pc:sldMkLst>
-        <pc:spChg chg="del">
-          <ac:chgData name="Khattab, Sherif" userId="c83b1e15-36f3-4f46-aceb-05aac24c545e" providerId="ADAL" clId="{EE78B4C3-BA47-2B47-8B84-4022815E3587}" dt="2019-05-14T13:30:07.468" v="20"/>
-          <ac:spMkLst>
-            <pc:docMk/>
-            <pc:sldMk cId="1042310649" sldId="269"/>
-            <ac:spMk id="3" creationId="{00000000-0000-0000-0000-000000000000}"/>
-          </ac:spMkLst>
-        </pc:spChg>
-      </pc:sldChg>
-      <pc:sldChg chg="delSp">
-        <pc:chgData name="Khattab, Sherif" userId="c83b1e15-36f3-4f46-aceb-05aac24c545e" providerId="ADAL" clId="{EE78B4C3-BA47-2B47-8B84-4022815E3587}" dt="2019-05-14T13:30:07.468" v="20"/>
-        <pc:sldMkLst>
-          <pc:docMk/>
-          <pc:sldMk cId="703361262" sldId="270"/>
-        </pc:sldMkLst>
-        <pc:spChg chg="del">
-          <ac:chgData name="Khattab, Sherif" userId="c83b1e15-36f3-4f46-aceb-05aac24c545e" providerId="ADAL" clId="{EE78B4C3-BA47-2B47-8B84-4022815E3587}" dt="2019-05-14T13:30:07.468" v="20"/>
-          <ac:spMkLst>
-            <pc:docMk/>
-            <pc:sldMk cId="703361262" sldId="270"/>
-            <ac:spMk id="3" creationId="{00000000-0000-0000-0000-000000000000}"/>
-          </ac:spMkLst>
-        </pc:spChg>
-      </pc:sldChg>
-      <pc:sldChg chg="delSp">
-        <pc:chgData name="Khattab, Sherif" userId="c83b1e15-36f3-4f46-aceb-05aac24c545e" providerId="ADAL" clId="{EE78B4C3-BA47-2B47-8B84-4022815E3587}" dt="2019-05-14T13:30:07.468" v="20"/>
-        <pc:sldMkLst>
-          <pc:docMk/>
-          <pc:sldMk cId="1436808390" sldId="271"/>
-        </pc:sldMkLst>
-        <pc:spChg chg="del">
-          <ac:chgData name="Khattab, Sherif" userId="c83b1e15-36f3-4f46-aceb-05aac24c545e" providerId="ADAL" clId="{EE78B4C3-BA47-2B47-8B84-4022815E3587}" dt="2019-05-14T13:30:07.468" v="20"/>
-          <ac:spMkLst>
-            <pc:docMk/>
-            <pc:sldMk cId="1436808390" sldId="271"/>
-            <ac:spMk id="2" creationId="{00000000-0000-0000-0000-000000000000}"/>
-          </ac:spMkLst>
-        </pc:spChg>
-      </pc:sldChg>
-      <pc:sldChg chg="delSp">
-        <pc:chgData name="Khattab, Sherif" userId="c83b1e15-36f3-4f46-aceb-05aac24c545e" providerId="ADAL" clId="{EE78B4C3-BA47-2B47-8B84-4022815E3587}" dt="2019-05-14T13:30:07.468" v="20"/>
-        <pc:sldMkLst>
-          <pc:docMk/>
-          <pc:sldMk cId="1301683851" sldId="272"/>
-        </pc:sldMkLst>
-        <pc:spChg chg="del">
-          <ac:chgData name="Khattab, Sherif" userId="c83b1e15-36f3-4f46-aceb-05aac24c545e" providerId="ADAL" clId="{EE78B4C3-BA47-2B47-8B84-4022815E3587}" dt="2019-05-14T13:30:07.468" v="20"/>
-          <ac:spMkLst>
-            <pc:docMk/>
-            <pc:sldMk cId="1301683851" sldId="272"/>
-            <ac:spMk id="3" creationId="{00000000-0000-0000-0000-000000000000}"/>
-          </ac:spMkLst>
-        </pc:spChg>
-      </pc:sldChg>
-      <pc:sldChg chg="delSp">
-        <pc:chgData name="Khattab, Sherif" userId="c83b1e15-36f3-4f46-aceb-05aac24c545e" providerId="ADAL" clId="{EE78B4C3-BA47-2B47-8B84-4022815E3587}" dt="2019-05-14T13:30:07.468" v="20"/>
-        <pc:sldMkLst>
-          <pc:docMk/>
-          <pc:sldMk cId="55302999" sldId="274"/>
-        </pc:sldMkLst>
-        <pc:spChg chg="del">
-          <ac:chgData name="Khattab, Sherif" userId="c83b1e15-36f3-4f46-aceb-05aac24c545e" providerId="ADAL" clId="{EE78B4C3-BA47-2B47-8B84-4022815E3587}" dt="2019-05-14T13:30:07.468" v="20"/>
-          <ac:spMkLst>
-            <pc:docMk/>
-            <pc:sldMk cId="55302999" sldId="274"/>
-            <ac:spMk id="2" creationId="{00000000-0000-0000-0000-000000000000}"/>
-          </ac:spMkLst>
-        </pc:spChg>
-      </pc:sldChg>
-      <pc:sldChg chg="delSp">
-        <pc:chgData name="Khattab, Sherif" userId="c83b1e15-36f3-4f46-aceb-05aac24c545e" providerId="ADAL" clId="{EE78B4C3-BA47-2B47-8B84-4022815E3587}" dt="2019-05-14T13:30:07.468" v="20"/>
-        <pc:sldMkLst>
-          <pc:docMk/>
-          <pc:sldMk cId="2064114192" sldId="276"/>
-        </pc:sldMkLst>
-        <pc:spChg chg="del">
-          <ac:chgData name="Khattab, Sherif" userId="c83b1e15-36f3-4f46-aceb-05aac24c545e" providerId="ADAL" clId="{EE78B4C3-BA47-2B47-8B84-4022815E3587}" dt="2019-05-14T13:30:07.468" v="20"/>
-          <ac:spMkLst>
-            <pc:docMk/>
-            <pc:sldMk cId="2064114192" sldId="276"/>
-            <ac:spMk id="2" creationId="{00000000-0000-0000-0000-000000000000}"/>
-          </ac:spMkLst>
-        </pc:spChg>
-      </pc:sldChg>
-      <pc:sldChg chg="delSp">
-        <pc:chgData name="Khattab, Sherif" userId="c83b1e15-36f3-4f46-aceb-05aac24c545e" providerId="ADAL" clId="{EE78B4C3-BA47-2B47-8B84-4022815E3587}" dt="2019-05-14T13:30:07.468" v="20"/>
-        <pc:sldMkLst>
-          <pc:docMk/>
-          <pc:sldMk cId="1000435174" sldId="278"/>
-        </pc:sldMkLst>
-        <pc:spChg chg="del">
-          <ac:chgData name="Khattab, Sherif" userId="c83b1e15-36f3-4f46-aceb-05aac24c545e" providerId="ADAL" clId="{EE78B4C3-BA47-2B47-8B84-4022815E3587}" dt="2019-05-14T13:30:07.468" v="20"/>
-          <ac:spMkLst>
-            <pc:docMk/>
-            <pc:sldMk cId="1000435174" sldId="278"/>
-            <ac:spMk id="2" creationId="{00000000-0000-0000-0000-000000000000}"/>
-          </ac:spMkLst>
-        </pc:spChg>
-      </pc:sldChg>
-      <pc:sldChg chg="delSp">
-        <pc:chgData name="Khattab, Sherif" userId="c83b1e15-36f3-4f46-aceb-05aac24c545e" providerId="ADAL" clId="{EE78B4C3-BA47-2B47-8B84-4022815E3587}" dt="2019-05-14T13:30:07.468" v="20"/>
-        <pc:sldMkLst>
-          <pc:docMk/>
-          <pc:sldMk cId="2080017563" sldId="279"/>
-        </pc:sldMkLst>
-        <pc:spChg chg="del">
-          <ac:chgData name="Khattab, Sherif" userId="c83b1e15-36f3-4f46-aceb-05aac24c545e" providerId="ADAL" clId="{EE78B4C3-BA47-2B47-8B84-4022815E3587}" dt="2019-05-14T13:30:07.468" v="20"/>
-          <ac:spMkLst>
-            <pc:docMk/>
-            <pc:sldMk cId="2080017563" sldId="279"/>
-            <ac:spMk id="3" creationId="{00000000-0000-0000-0000-000000000000}"/>
-          </ac:spMkLst>
-        </pc:spChg>
-      </pc:sldChg>
-      <pc:sldChg chg="delSp">
-        <pc:chgData name="Khattab, Sherif" userId="c83b1e15-36f3-4f46-aceb-05aac24c545e" providerId="ADAL" clId="{EE78B4C3-BA47-2B47-8B84-4022815E3587}" dt="2019-05-14T13:30:07.468" v="20"/>
-        <pc:sldMkLst>
-          <pc:docMk/>
-          <pc:sldMk cId="1445345591" sldId="281"/>
-        </pc:sldMkLst>
-        <pc:spChg chg="del">
-          <ac:chgData name="Khattab, Sherif" userId="c83b1e15-36f3-4f46-aceb-05aac24c545e" providerId="ADAL" clId="{EE78B4C3-BA47-2B47-8B84-4022815E3587}" dt="2019-05-14T13:30:07.468" v="20"/>
-          <ac:spMkLst>
-            <pc:docMk/>
-            <pc:sldMk cId="1445345591" sldId="281"/>
-            <ac:spMk id="2" creationId="{00000000-0000-0000-0000-000000000000}"/>
-          </ac:spMkLst>
-        </pc:spChg>
-      </pc:sldChg>
-      <pc:sldChg chg="delSp">
-        <pc:chgData name="Khattab, Sherif" userId="c83b1e15-36f3-4f46-aceb-05aac24c545e" providerId="ADAL" clId="{EE78B4C3-BA47-2B47-8B84-4022815E3587}" dt="2019-05-14T13:30:07.468" v="20"/>
-        <pc:sldMkLst>
-          <pc:docMk/>
-          <pc:sldMk cId="306268545" sldId="282"/>
-        </pc:sldMkLst>
-        <pc:spChg chg="del">
-          <ac:chgData name="Khattab, Sherif" userId="c83b1e15-36f3-4f46-aceb-05aac24c545e" providerId="ADAL" clId="{EE78B4C3-BA47-2B47-8B84-4022815E3587}" dt="2019-05-14T13:30:07.468" v="20"/>
-          <ac:spMkLst>
-            <pc:docMk/>
-            <pc:sldMk cId="306268545" sldId="282"/>
-            <ac:spMk id="2" creationId="{00000000-0000-0000-0000-000000000000}"/>
-          </ac:spMkLst>
-        </pc:spChg>
-      </pc:sldChg>
-      <pc:sldChg chg="delSp add">
-        <pc:chgData name="Khattab, Sherif" userId="c83b1e15-36f3-4f46-aceb-05aac24c545e" providerId="ADAL" clId="{EE78B4C3-BA47-2B47-8B84-4022815E3587}" dt="2019-05-14T13:34:18.851" v="46"/>
-        <pc:sldMkLst>
-          <pc:docMk/>
-          <pc:sldMk cId="2710637777" sldId="322"/>
-        </pc:sldMkLst>
-        <pc:spChg chg="del">
-          <ac:chgData name="Khattab, Sherif" userId="c83b1e15-36f3-4f46-aceb-05aac24c545e" providerId="ADAL" clId="{EE78B4C3-BA47-2B47-8B84-4022815E3587}" dt="2019-05-14T13:34:18.851" v="46"/>
-          <ac:spMkLst>
-            <pc:docMk/>
-            <pc:sldMk cId="2710637777" sldId="322"/>
-            <ac:spMk id="6" creationId="{0700C6EC-DCCB-614E-A0F4-3418D2D78AC7}"/>
-          </ac:spMkLst>
-        </pc:spChg>
-      </pc:sldChg>
-      <pc:sldChg chg="delSp add">
-        <pc:chgData name="Khattab, Sherif" userId="c83b1e15-36f3-4f46-aceb-05aac24c545e" providerId="ADAL" clId="{EE78B4C3-BA47-2B47-8B84-4022815E3587}" dt="2019-05-14T13:34:18.851" v="46"/>
-        <pc:sldMkLst>
-          <pc:docMk/>
-          <pc:sldMk cId="3292918179" sldId="324"/>
-        </pc:sldMkLst>
-        <pc:spChg chg="del">
-          <ac:chgData name="Khattab, Sherif" userId="c83b1e15-36f3-4f46-aceb-05aac24c545e" providerId="ADAL" clId="{EE78B4C3-BA47-2B47-8B84-4022815E3587}" dt="2019-05-14T13:34:18.851" v="46"/>
-          <ac:spMkLst>
-            <pc:docMk/>
-            <pc:sldMk cId="3292918179" sldId="324"/>
-            <ac:spMk id="26" creationId="{3729950E-4F02-6B44-A5A4-B6238ABBD35B}"/>
-          </ac:spMkLst>
-        </pc:spChg>
-      </pc:sldChg>
-      <pc:sldChg chg="delSp add">
-        <pc:chgData name="Khattab, Sherif" userId="c83b1e15-36f3-4f46-aceb-05aac24c545e" providerId="ADAL" clId="{EE78B4C3-BA47-2B47-8B84-4022815E3587}" dt="2019-05-14T13:34:18.851" v="46"/>
-        <pc:sldMkLst>
-          <pc:docMk/>
-          <pc:sldMk cId="355119911" sldId="338"/>
-        </pc:sldMkLst>
-        <pc:spChg chg="del">
-          <ac:chgData name="Khattab, Sherif" userId="c83b1e15-36f3-4f46-aceb-05aac24c545e" providerId="ADAL" clId="{EE78B4C3-BA47-2B47-8B84-4022815E3587}" dt="2019-05-14T13:34:18.851" v="46"/>
-          <ac:spMkLst>
-            <pc:docMk/>
-            <pc:sldMk cId="355119911" sldId="338"/>
-            <ac:spMk id="7" creationId="{AC4B9F18-B1E5-C341-B953-6D96BAA0EB6C}"/>
-          </ac:spMkLst>
-        </pc:spChg>
-      </pc:sldChg>
-      <pc:sldChg chg="delSp add">
-        <pc:chgData name="Khattab, Sherif" userId="c83b1e15-36f3-4f46-aceb-05aac24c545e" providerId="ADAL" clId="{EE78B4C3-BA47-2B47-8B84-4022815E3587}" dt="2019-05-14T13:34:18.851" v="46"/>
-        <pc:sldMkLst>
-          <pc:docMk/>
-          <pc:sldMk cId="4223572414" sldId="339"/>
-        </pc:sldMkLst>
-        <pc:spChg chg="del">
-          <ac:chgData name="Khattab, Sherif" userId="c83b1e15-36f3-4f46-aceb-05aac24c545e" providerId="ADAL" clId="{EE78B4C3-BA47-2B47-8B84-4022815E3587}" dt="2019-05-14T13:34:18.851" v="46"/>
-          <ac:spMkLst>
-            <pc:docMk/>
-            <pc:sldMk cId="4223572414" sldId="339"/>
-            <ac:spMk id="6" creationId="{48879884-318D-6C49-B6B8-463E617B85F1}"/>
-          </ac:spMkLst>
-        </pc:spChg>
-      </pc:sldChg>
-      <pc:sldChg chg="delSp add">
-        <pc:chgData name="Khattab, Sherif" userId="c83b1e15-36f3-4f46-aceb-05aac24c545e" providerId="ADAL" clId="{EE78B4C3-BA47-2B47-8B84-4022815E3587}" dt="2019-05-14T13:34:18.851" v="46"/>
-        <pc:sldMkLst>
-          <pc:docMk/>
-          <pc:sldMk cId="470668490" sldId="340"/>
-        </pc:sldMkLst>
-        <pc:spChg chg="del">
-          <ac:chgData name="Khattab, Sherif" userId="c83b1e15-36f3-4f46-aceb-05aac24c545e" providerId="ADAL" clId="{EE78B4C3-BA47-2B47-8B84-4022815E3587}" dt="2019-05-14T13:34:18.851" v="46"/>
-          <ac:spMkLst>
-            <pc:docMk/>
-            <pc:sldMk cId="470668490" sldId="340"/>
-            <ac:spMk id="6" creationId="{32D0E818-62B1-0A49-9CFC-1DC58F40FEBE}"/>
-          </ac:spMkLst>
-        </pc:spChg>
-      </pc:sldChg>
-      <pc:sldChg chg="delSp add">
-        <pc:chgData name="Khattab, Sherif" userId="c83b1e15-36f3-4f46-aceb-05aac24c545e" providerId="ADAL" clId="{EE78B4C3-BA47-2B47-8B84-4022815E3587}" dt="2019-05-14T13:34:18.851" v="46"/>
-        <pc:sldMkLst>
-          <pc:docMk/>
-          <pc:sldMk cId="1205868326" sldId="341"/>
-        </pc:sldMkLst>
-        <pc:spChg chg="del">
-          <ac:chgData name="Khattab, Sherif" userId="c83b1e15-36f3-4f46-aceb-05aac24c545e" providerId="ADAL" clId="{EE78B4C3-BA47-2B47-8B84-4022815E3587}" dt="2019-05-14T13:34:18.851" v="46"/>
-          <ac:spMkLst>
-            <pc:docMk/>
-            <pc:sldMk cId="1205868326" sldId="341"/>
-            <ac:spMk id="6" creationId="{918B0854-EAA5-9D49-9ED0-EA7684377156}"/>
-          </ac:spMkLst>
-        </pc:spChg>
-      </pc:sldChg>
-      <pc:sldChg chg="delSp add">
-        <pc:chgData name="Khattab, Sherif" userId="c83b1e15-36f3-4f46-aceb-05aac24c545e" providerId="ADAL" clId="{EE78B4C3-BA47-2B47-8B84-4022815E3587}" dt="2019-05-14T13:34:18.851" v="46"/>
-        <pc:sldMkLst>
-          <pc:docMk/>
-          <pc:sldMk cId="1806563943" sldId="342"/>
-        </pc:sldMkLst>
-        <pc:spChg chg="del">
-          <ac:chgData name="Khattab, Sherif" userId="c83b1e15-36f3-4f46-aceb-05aac24c545e" providerId="ADAL" clId="{EE78B4C3-BA47-2B47-8B84-4022815E3587}" dt="2019-05-14T13:34:18.851" v="46"/>
-          <ac:spMkLst>
-            <pc:docMk/>
-            <pc:sldMk cId="1806563943" sldId="342"/>
-            <ac:spMk id="9" creationId="{712AC7F1-3CB0-3140-8620-EAE2154DEBDF}"/>
-          </ac:spMkLst>
-        </pc:spChg>
-      </pc:sldChg>
-      <pc:sldChg chg="delSp add">
-        <pc:chgData name="Khattab, Sherif" userId="c83b1e15-36f3-4f46-aceb-05aac24c545e" providerId="ADAL" clId="{EE78B4C3-BA47-2B47-8B84-4022815E3587}" dt="2019-05-14T13:34:18.851" v="46"/>
-        <pc:sldMkLst>
-          <pc:docMk/>
-          <pc:sldMk cId="1167711490" sldId="343"/>
-        </pc:sldMkLst>
-        <pc:spChg chg="del">
-          <ac:chgData name="Khattab, Sherif" userId="c83b1e15-36f3-4f46-aceb-05aac24c545e" providerId="ADAL" clId="{EE78B4C3-BA47-2B47-8B84-4022815E3587}" dt="2019-05-14T13:34:18.851" v="46"/>
-          <ac:spMkLst>
-            <pc:docMk/>
-            <pc:sldMk cId="1167711490" sldId="343"/>
-            <ac:spMk id="9" creationId="{7277E941-6A46-A141-896C-8CF8D763337C}"/>
-          </ac:spMkLst>
-        </pc:spChg>
-      </pc:sldChg>
-      <pc:sldChg chg="delSp add">
-        <pc:chgData name="Khattab, Sherif" userId="c83b1e15-36f3-4f46-aceb-05aac24c545e" providerId="ADAL" clId="{EE78B4C3-BA47-2B47-8B84-4022815E3587}" dt="2019-05-14T13:34:18.851" v="46"/>
-        <pc:sldMkLst>
-          <pc:docMk/>
-          <pc:sldMk cId="1271999567" sldId="349"/>
-        </pc:sldMkLst>
-        <pc:spChg chg="del">
-          <ac:chgData name="Khattab, Sherif" userId="c83b1e15-36f3-4f46-aceb-05aac24c545e" providerId="ADAL" clId="{EE78B4C3-BA47-2B47-8B84-4022815E3587}" dt="2019-05-14T13:34:18.851" v="46"/>
-          <ac:spMkLst>
-            <pc:docMk/>
-            <pc:sldMk cId="1271999567" sldId="349"/>
-            <ac:spMk id="8" creationId="{7BD79B2E-E2F2-FE40-AF15-AA838FE67060}"/>
-          </ac:spMkLst>
-        </pc:spChg>
-      </pc:sldChg>
-      <pc:sldChg chg="delSp add">
-        <pc:chgData name="Khattab, Sherif" userId="c83b1e15-36f3-4f46-aceb-05aac24c545e" providerId="ADAL" clId="{EE78B4C3-BA47-2B47-8B84-4022815E3587}" dt="2019-05-14T13:34:18.851" v="46"/>
-        <pc:sldMkLst>
-          <pc:docMk/>
-          <pc:sldMk cId="434376579" sldId="363"/>
-        </pc:sldMkLst>
-        <pc:spChg chg="del">
-          <ac:chgData name="Khattab, Sherif" userId="c83b1e15-36f3-4f46-aceb-05aac24c545e" providerId="ADAL" clId="{EE78B4C3-BA47-2B47-8B84-4022815E3587}" dt="2019-05-14T13:34:18.851" v="46"/>
-          <ac:spMkLst>
-            <pc:docMk/>
-            <pc:sldMk cId="434376579" sldId="363"/>
-            <ac:spMk id="15" creationId="{1190D209-83D1-A548-8C7B-C35DE4396F91}"/>
-          </ac:spMkLst>
-        </pc:spChg>
-      </pc:sldChg>
-      <pc:sldChg chg="delSp add">
-        <pc:chgData name="Khattab, Sherif" userId="c83b1e15-36f3-4f46-aceb-05aac24c545e" providerId="ADAL" clId="{EE78B4C3-BA47-2B47-8B84-4022815E3587}" dt="2019-05-14T13:34:18.851" v="46"/>
-        <pc:sldMkLst>
-          <pc:docMk/>
-          <pc:sldMk cId="815621424" sldId="364"/>
-        </pc:sldMkLst>
-        <pc:spChg chg="del">
-          <ac:chgData name="Khattab, Sherif" userId="c83b1e15-36f3-4f46-aceb-05aac24c545e" providerId="ADAL" clId="{EE78B4C3-BA47-2B47-8B84-4022815E3587}" dt="2019-05-14T13:34:18.851" v="46"/>
-          <ac:spMkLst>
-            <pc:docMk/>
-            <pc:sldMk cId="815621424" sldId="364"/>
-            <ac:spMk id="29" creationId="{6D10D6C8-49C6-BE4E-9E3F-EEC76AE056AA}"/>
-          </ac:spMkLst>
-        </pc:spChg>
-      </pc:sldChg>
-      <pc:sldChg chg="delSp add">
-        <pc:chgData name="Khattab, Sherif" userId="c83b1e15-36f3-4f46-aceb-05aac24c545e" providerId="ADAL" clId="{EE78B4C3-BA47-2B47-8B84-4022815E3587}" dt="2019-05-14T13:34:18.851" v="46"/>
-        <pc:sldMkLst>
-          <pc:docMk/>
-          <pc:sldMk cId="1934104099" sldId="365"/>
-        </pc:sldMkLst>
-        <pc:spChg chg="del">
-          <ac:chgData name="Khattab, Sherif" userId="c83b1e15-36f3-4f46-aceb-05aac24c545e" providerId="ADAL" clId="{EE78B4C3-BA47-2B47-8B84-4022815E3587}" dt="2019-05-14T13:34:18.851" v="46"/>
-          <ac:spMkLst>
-            <pc:docMk/>
-            <pc:sldMk cId="1934104099" sldId="365"/>
-            <ac:spMk id="10" creationId="{87886125-1D5E-014B-A276-636801877DB6}"/>
-          </ac:spMkLst>
-        </pc:spChg>
-      </pc:sldChg>
-      <pc:sldChg chg="delSp add">
-        <pc:chgData name="Khattab, Sherif" userId="c83b1e15-36f3-4f46-aceb-05aac24c545e" providerId="ADAL" clId="{EE78B4C3-BA47-2B47-8B84-4022815E3587}" dt="2019-05-14T13:34:18.851" v="46"/>
-        <pc:sldMkLst>
-          <pc:docMk/>
-          <pc:sldMk cId="2782429159" sldId="366"/>
-        </pc:sldMkLst>
-        <pc:spChg chg="del">
-          <ac:chgData name="Khattab, Sherif" userId="c83b1e15-36f3-4f46-aceb-05aac24c545e" providerId="ADAL" clId="{EE78B4C3-BA47-2B47-8B84-4022815E3587}" dt="2019-05-14T13:34:18.851" v="46"/>
-          <ac:spMkLst>
-            <pc:docMk/>
-            <pc:sldMk cId="2782429159" sldId="366"/>
-            <ac:spMk id="6" creationId="{35E278D3-0A71-264A-B99D-056EBFA58F06}"/>
-          </ac:spMkLst>
-        </pc:spChg>
-      </pc:sldChg>
-      <pc:sldChg chg="delSp add">
-        <pc:chgData name="Khattab, Sherif" userId="c83b1e15-36f3-4f46-aceb-05aac24c545e" providerId="ADAL" clId="{EE78B4C3-BA47-2B47-8B84-4022815E3587}" dt="2019-05-14T13:34:18.851" v="46"/>
-        <pc:sldMkLst>
-          <pc:docMk/>
-          <pc:sldMk cId="2251973667" sldId="367"/>
-        </pc:sldMkLst>
-        <pc:spChg chg="del">
-          <ac:chgData name="Khattab, Sherif" userId="c83b1e15-36f3-4f46-aceb-05aac24c545e" providerId="ADAL" clId="{EE78B4C3-BA47-2B47-8B84-4022815E3587}" dt="2019-05-14T13:34:18.851" v="46"/>
-          <ac:spMkLst>
-            <pc:docMk/>
-            <pc:sldMk cId="2251973667" sldId="367"/>
-            <ac:spMk id="6" creationId="{156F37D5-7C3B-D446-B495-19F8366B5AD6}"/>
-          </ac:spMkLst>
-        </pc:spChg>
-      </pc:sldChg>
-      <pc:sldChg chg="delSp add">
-        <pc:chgData name="Khattab, Sherif" userId="c83b1e15-36f3-4f46-aceb-05aac24c545e" providerId="ADAL" clId="{EE78B4C3-BA47-2B47-8B84-4022815E3587}" dt="2019-05-14T13:34:18.851" v="46"/>
-        <pc:sldMkLst>
-          <pc:docMk/>
-          <pc:sldMk cId="3138501136" sldId="368"/>
-        </pc:sldMkLst>
-        <pc:spChg chg="del">
-          <ac:chgData name="Khattab, Sherif" userId="c83b1e15-36f3-4f46-aceb-05aac24c545e" providerId="ADAL" clId="{EE78B4C3-BA47-2B47-8B84-4022815E3587}" dt="2019-05-14T13:34:18.851" v="46"/>
-          <ac:spMkLst>
-            <pc:docMk/>
-            <pc:sldMk cId="3138501136" sldId="368"/>
-            <ac:spMk id="9" creationId="{2996EA4B-3DC2-9F42-B065-0840F656E48E}"/>
-          </ac:spMkLst>
-        </pc:spChg>
-      </pc:sldChg>
-      <pc:sldChg chg="delSp add">
-        <pc:chgData name="Khattab, Sherif" userId="c83b1e15-36f3-4f46-aceb-05aac24c545e" providerId="ADAL" clId="{EE78B4C3-BA47-2B47-8B84-4022815E3587}" dt="2019-05-14T13:34:18.851" v="46"/>
-        <pc:sldMkLst>
-          <pc:docMk/>
-          <pc:sldMk cId="3210992163" sldId="369"/>
-        </pc:sldMkLst>
-        <pc:spChg chg="del">
-          <ac:chgData name="Khattab, Sherif" userId="c83b1e15-36f3-4f46-aceb-05aac24c545e" providerId="ADAL" clId="{EE78B4C3-BA47-2B47-8B84-4022815E3587}" dt="2019-05-14T13:34:18.851" v="46"/>
-          <ac:spMkLst>
-            <pc:docMk/>
-            <pc:sldMk cId="3210992163" sldId="369"/>
-            <ac:spMk id="6" creationId="{B0B02CAE-6A9B-A441-9498-BF8F3DB626EB}"/>
-          </ac:spMkLst>
-        </pc:spChg>
-      </pc:sldChg>
-      <pc:sldChg chg="delSp add">
-        <pc:chgData name="Khattab, Sherif" userId="c83b1e15-36f3-4f46-aceb-05aac24c545e" providerId="ADAL" clId="{EE78B4C3-BA47-2B47-8B84-4022815E3587}" dt="2019-05-14T13:34:18.851" v="46"/>
-        <pc:sldMkLst>
-          <pc:docMk/>
-          <pc:sldMk cId="4013065491" sldId="370"/>
-        </pc:sldMkLst>
-        <pc:spChg chg="del">
-          <ac:chgData name="Khattab, Sherif" userId="c83b1e15-36f3-4f46-aceb-05aac24c545e" providerId="ADAL" clId="{EE78B4C3-BA47-2B47-8B84-4022815E3587}" dt="2019-05-14T13:34:18.851" v="46"/>
-          <ac:spMkLst>
-            <pc:docMk/>
-            <pc:sldMk cId="4013065491" sldId="370"/>
-            <ac:spMk id="8" creationId="{D0EF7B2F-C2A6-4E4A-BA48-98165068EB9D}"/>
-          </ac:spMkLst>
-        </pc:spChg>
-      </pc:sldChg>
-      <pc:sldChg chg="delSp add">
-        <pc:chgData name="Khattab, Sherif" userId="c83b1e15-36f3-4f46-aceb-05aac24c545e" providerId="ADAL" clId="{EE78B4C3-BA47-2B47-8B84-4022815E3587}" dt="2019-05-14T13:34:18.851" v="46"/>
-        <pc:sldMkLst>
-          <pc:docMk/>
-          <pc:sldMk cId="2592968416" sldId="371"/>
-        </pc:sldMkLst>
-        <pc:spChg chg="del">
-          <ac:chgData name="Khattab, Sherif" userId="c83b1e15-36f3-4f46-aceb-05aac24c545e" providerId="ADAL" clId="{EE78B4C3-BA47-2B47-8B84-4022815E3587}" dt="2019-05-14T13:34:18.851" v="46"/>
-          <ac:spMkLst>
-            <pc:docMk/>
-            <pc:sldMk cId="2592968416" sldId="371"/>
-            <ac:spMk id="8" creationId="{61F73BD1-10AC-B146-B4D6-4D1B879CEAE3}"/>
-          </ac:spMkLst>
-        </pc:spChg>
-      </pc:sldChg>
-      <pc:sldChg chg="delSp add">
-        <pc:chgData name="Khattab, Sherif" userId="c83b1e15-36f3-4f46-aceb-05aac24c545e" providerId="ADAL" clId="{EE78B4C3-BA47-2B47-8B84-4022815E3587}" dt="2019-05-14T13:34:18.851" v="46"/>
-        <pc:sldMkLst>
-          <pc:docMk/>
-          <pc:sldMk cId="3848335379" sldId="372"/>
-        </pc:sldMkLst>
-        <pc:spChg chg="del">
-          <ac:chgData name="Khattab, Sherif" userId="c83b1e15-36f3-4f46-aceb-05aac24c545e" providerId="ADAL" clId="{EE78B4C3-BA47-2B47-8B84-4022815E3587}" dt="2019-05-14T13:34:18.851" v="46"/>
-          <ac:spMkLst>
-            <pc:docMk/>
-            <pc:sldMk cId="3848335379" sldId="372"/>
-            <ac:spMk id="9" creationId="{A9CB262F-7565-A04A-9FDE-A27BCA955EC0}"/>
-          </ac:spMkLst>
-        </pc:spChg>
-      </pc:sldChg>
-      <pc:sldChg chg="delSp add">
-        <pc:chgData name="Khattab, Sherif" userId="c83b1e15-36f3-4f46-aceb-05aac24c545e" providerId="ADAL" clId="{EE78B4C3-BA47-2B47-8B84-4022815E3587}" dt="2019-05-14T13:34:18.851" v="46"/>
-        <pc:sldMkLst>
-          <pc:docMk/>
-          <pc:sldMk cId="3161117264" sldId="373"/>
-        </pc:sldMkLst>
-        <pc:spChg chg="del">
-          <ac:chgData name="Khattab, Sherif" userId="c83b1e15-36f3-4f46-aceb-05aac24c545e" providerId="ADAL" clId="{EE78B4C3-BA47-2B47-8B84-4022815E3587}" dt="2019-05-14T13:34:18.851" v="46"/>
-          <ac:spMkLst>
-            <pc:docMk/>
-            <pc:sldMk cId="3161117264" sldId="373"/>
-            <ac:spMk id="6" creationId="{E9F1DC46-4FA4-D444-A7D6-705144867080}"/>
-          </ac:spMkLst>
-        </pc:spChg>
-      </pc:sldChg>
-      <pc:sldChg chg="delSp add">
-        <pc:chgData name="Khattab, Sherif" userId="c83b1e15-36f3-4f46-aceb-05aac24c545e" providerId="ADAL" clId="{EE78B4C3-BA47-2B47-8B84-4022815E3587}" dt="2019-05-14T13:34:18.851" v="46"/>
-        <pc:sldMkLst>
-          <pc:docMk/>
-          <pc:sldMk cId="1542066946" sldId="374"/>
-        </pc:sldMkLst>
-        <pc:spChg chg="del">
-          <ac:chgData name="Khattab, Sherif" userId="c83b1e15-36f3-4f46-aceb-05aac24c545e" providerId="ADAL" clId="{EE78B4C3-BA47-2B47-8B84-4022815E3587}" dt="2019-05-14T13:34:18.851" v="46"/>
-          <ac:spMkLst>
-            <pc:docMk/>
-            <pc:sldMk cId="1542066946" sldId="374"/>
-            <ac:spMk id="6" creationId="{D50D1AE2-A719-F648-ABE5-1D2605CF399A}"/>
-          </ac:spMkLst>
-        </pc:spChg>
-      </pc:sldChg>
-      <pc:sldChg chg="delSp add">
-        <pc:chgData name="Khattab, Sherif" userId="c83b1e15-36f3-4f46-aceb-05aac24c545e" providerId="ADAL" clId="{EE78B4C3-BA47-2B47-8B84-4022815E3587}" dt="2019-05-14T13:34:18.851" v="46"/>
-        <pc:sldMkLst>
-          <pc:docMk/>
-          <pc:sldMk cId="834112894" sldId="375"/>
-        </pc:sldMkLst>
-        <pc:spChg chg="del">
-          <ac:chgData name="Khattab, Sherif" userId="c83b1e15-36f3-4f46-aceb-05aac24c545e" providerId="ADAL" clId="{EE78B4C3-BA47-2B47-8B84-4022815E3587}" dt="2019-05-14T13:34:18.851" v="46"/>
-          <ac:spMkLst>
-            <pc:docMk/>
-            <pc:sldMk cId="834112894" sldId="375"/>
-            <ac:spMk id="6" creationId="{429B8308-B899-EF4A-97A6-3EEDF546FBBB}"/>
-          </ac:spMkLst>
-        </pc:spChg>
-      </pc:sldChg>
-      <pc:sldChg chg="delSp add">
-        <pc:chgData name="Khattab, Sherif" userId="c83b1e15-36f3-4f46-aceb-05aac24c545e" providerId="ADAL" clId="{EE78B4C3-BA47-2B47-8B84-4022815E3587}" dt="2019-05-14T13:34:18.851" v="46"/>
-        <pc:sldMkLst>
-          <pc:docMk/>
-          <pc:sldMk cId="1165577892" sldId="376"/>
-        </pc:sldMkLst>
-        <pc:spChg chg="del">
-          <ac:chgData name="Khattab, Sherif" userId="c83b1e15-36f3-4f46-aceb-05aac24c545e" providerId="ADAL" clId="{EE78B4C3-BA47-2B47-8B84-4022815E3587}" dt="2019-05-14T13:34:18.851" v="46"/>
-          <ac:spMkLst>
-            <pc:docMk/>
-            <pc:sldMk cId="1165577892" sldId="376"/>
-            <ac:spMk id="42" creationId="{27F42901-D1CE-084B-9E38-96413317B8CF}"/>
-          </ac:spMkLst>
-        </pc:spChg>
-      </pc:sldChg>
-      <pc:sldChg chg="delSp add">
-        <pc:chgData name="Khattab, Sherif" userId="c83b1e15-36f3-4f46-aceb-05aac24c545e" providerId="ADAL" clId="{EE78B4C3-BA47-2B47-8B84-4022815E3587}" dt="2019-05-14T13:34:18.851" v="46"/>
-        <pc:sldMkLst>
-          <pc:docMk/>
-          <pc:sldMk cId="1942139729" sldId="377"/>
-        </pc:sldMkLst>
-        <pc:spChg chg="del">
-          <ac:chgData name="Khattab, Sherif" userId="c83b1e15-36f3-4f46-aceb-05aac24c545e" providerId="ADAL" clId="{EE78B4C3-BA47-2B47-8B84-4022815E3587}" dt="2019-05-14T13:34:18.851" v="46"/>
-          <ac:spMkLst>
-            <pc:docMk/>
-            <pc:sldMk cId="1942139729" sldId="377"/>
-            <ac:spMk id="9" creationId="{68716DFF-FDE6-F443-A890-77FBFB539BEB}"/>
-          </ac:spMkLst>
-        </pc:spChg>
-      </pc:sldChg>
-      <pc:sldChg chg="delSp add">
-        <pc:chgData name="Khattab, Sherif" userId="c83b1e15-36f3-4f46-aceb-05aac24c545e" providerId="ADAL" clId="{EE78B4C3-BA47-2B47-8B84-4022815E3587}" dt="2019-05-14T13:34:18.851" v="46"/>
-        <pc:sldMkLst>
-          <pc:docMk/>
-          <pc:sldMk cId="3990797458" sldId="378"/>
-        </pc:sldMkLst>
-        <pc:spChg chg="del">
-          <ac:chgData name="Khattab, Sherif" userId="c83b1e15-36f3-4f46-aceb-05aac24c545e" providerId="ADAL" clId="{EE78B4C3-BA47-2B47-8B84-4022815E3587}" dt="2019-05-14T13:34:18.851" v="46"/>
-          <ac:spMkLst>
-            <pc:docMk/>
-            <pc:sldMk cId="3990797458" sldId="378"/>
-            <ac:spMk id="6" creationId="{ADE8E4C1-F96E-1346-A961-80E2D6A49C9A}"/>
-          </ac:spMkLst>
-        </pc:spChg>
-      </pc:sldChg>
-      <pc:sldChg chg="delSp add">
-        <pc:chgData name="Khattab, Sherif" userId="c83b1e15-36f3-4f46-aceb-05aac24c545e" providerId="ADAL" clId="{EE78B4C3-BA47-2B47-8B84-4022815E3587}" dt="2019-05-14T13:34:18.851" v="46"/>
-        <pc:sldMkLst>
-          <pc:docMk/>
-          <pc:sldMk cId="2736486443" sldId="379"/>
-        </pc:sldMkLst>
-        <pc:spChg chg="del">
-          <ac:chgData name="Khattab, Sherif" userId="c83b1e15-36f3-4f46-aceb-05aac24c545e" providerId="ADAL" clId="{EE78B4C3-BA47-2B47-8B84-4022815E3587}" dt="2019-05-14T13:34:18.851" v="46"/>
-          <ac:spMkLst>
-            <pc:docMk/>
-            <pc:sldMk cId="2736486443" sldId="379"/>
-            <ac:spMk id="9" creationId="{68630AFF-8EA0-D641-8FA2-6949259437AD}"/>
-          </ac:spMkLst>
-        </pc:spChg>
-      </pc:sldChg>
-      <pc:sldChg chg="delSp add">
-        <pc:chgData name="Khattab, Sherif" userId="c83b1e15-36f3-4f46-aceb-05aac24c545e" providerId="ADAL" clId="{EE78B4C3-BA47-2B47-8B84-4022815E3587}" dt="2019-05-14T13:34:18.851" v="46"/>
-        <pc:sldMkLst>
-          <pc:docMk/>
-          <pc:sldMk cId="541381985" sldId="380"/>
-        </pc:sldMkLst>
-        <pc:spChg chg="del">
-          <ac:chgData name="Khattab, Sherif" userId="c83b1e15-36f3-4f46-aceb-05aac24c545e" providerId="ADAL" clId="{EE78B4C3-BA47-2B47-8B84-4022815E3587}" dt="2019-05-14T13:34:18.851" v="46"/>
-          <ac:spMkLst>
-            <pc:docMk/>
-            <pc:sldMk cId="541381985" sldId="380"/>
-            <ac:spMk id="25" creationId="{4D20C47B-3C18-E64F-95ED-21B263511FAD}"/>
-          </ac:spMkLst>
-        </pc:spChg>
-      </pc:sldChg>
-      <pc:sldChg chg="delSp add">
-        <pc:chgData name="Khattab, Sherif" userId="c83b1e15-36f3-4f46-aceb-05aac24c545e" providerId="ADAL" clId="{EE78B4C3-BA47-2B47-8B84-4022815E3587}" dt="2019-05-14T13:34:18.851" v="46"/>
-        <pc:sldMkLst>
-          <pc:docMk/>
-          <pc:sldMk cId="2235897330" sldId="381"/>
-        </pc:sldMkLst>
-        <pc:spChg chg="del">
-          <ac:chgData name="Khattab, Sherif" userId="c83b1e15-36f3-4f46-aceb-05aac24c545e" providerId="ADAL" clId="{EE78B4C3-BA47-2B47-8B84-4022815E3587}" dt="2019-05-14T13:34:18.851" v="46"/>
-          <ac:spMkLst>
-            <pc:docMk/>
-            <pc:sldMk cId="2235897330" sldId="381"/>
-            <ac:spMk id="8" creationId="{9D3BDADA-F567-BD4E-9F02-7C5462E120E7}"/>
-          </ac:spMkLst>
-        </pc:spChg>
-      </pc:sldChg>
-      <pc:sldChg chg="delSp add">
-        <pc:chgData name="Khattab, Sherif" userId="c83b1e15-36f3-4f46-aceb-05aac24c545e" providerId="ADAL" clId="{EE78B4C3-BA47-2B47-8B84-4022815E3587}" dt="2019-05-14T13:34:18.851" v="46"/>
-        <pc:sldMkLst>
-          <pc:docMk/>
-          <pc:sldMk cId="3360044446" sldId="382"/>
-        </pc:sldMkLst>
-        <pc:spChg chg="del">
-          <ac:chgData name="Khattab, Sherif" userId="c83b1e15-36f3-4f46-aceb-05aac24c545e" providerId="ADAL" clId="{EE78B4C3-BA47-2B47-8B84-4022815E3587}" dt="2019-05-14T13:34:18.851" v="46"/>
-          <ac:spMkLst>
-            <pc:docMk/>
-            <pc:sldMk cId="3360044446" sldId="382"/>
-            <ac:spMk id="8" creationId="{90688045-CAEF-334F-9E8D-5DE392BB31B7}"/>
-          </ac:spMkLst>
-        </pc:spChg>
-      </pc:sldChg>
-      <pc:sldChg chg="delSp add">
-        <pc:chgData name="Khattab, Sherif" userId="c83b1e15-36f3-4f46-aceb-05aac24c545e" providerId="ADAL" clId="{EE78B4C3-BA47-2B47-8B84-4022815E3587}" dt="2019-05-14T13:34:18.851" v="46"/>
-        <pc:sldMkLst>
-          <pc:docMk/>
-          <pc:sldMk cId="1954384084" sldId="383"/>
-        </pc:sldMkLst>
-        <pc:spChg chg="del">
-          <ac:chgData name="Khattab, Sherif" userId="c83b1e15-36f3-4f46-aceb-05aac24c545e" providerId="ADAL" clId="{EE78B4C3-BA47-2B47-8B84-4022815E3587}" dt="2019-05-14T13:34:18.851" v="46"/>
-          <ac:spMkLst>
-            <pc:docMk/>
-            <pc:sldMk cId="1954384084" sldId="383"/>
-            <ac:spMk id="8" creationId="{307391A8-557A-8A4A-8E68-85B54349ED8F}"/>
-          </ac:spMkLst>
-        </pc:spChg>
-      </pc:sldChg>
-      <pc:sldChg chg="delSp add">
-        <pc:chgData name="Khattab, Sherif" userId="c83b1e15-36f3-4f46-aceb-05aac24c545e" providerId="ADAL" clId="{EE78B4C3-BA47-2B47-8B84-4022815E3587}" dt="2019-05-14T13:34:18.851" v="46"/>
-        <pc:sldMkLst>
-          <pc:docMk/>
-          <pc:sldMk cId="220759689" sldId="384"/>
-        </pc:sldMkLst>
-        <pc:spChg chg="del">
-          <ac:chgData name="Khattab, Sherif" userId="c83b1e15-36f3-4f46-aceb-05aac24c545e" providerId="ADAL" clId="{EE78B4C3-BA47-2B47-8B84-4022815E3587}" dt="2019-05-14T13:34:18.851" v="46"/>
-          <ac:spMkLst>
-            <pc:docMk/>
-            <pc:sldMk cId="220759689" sldId="384"/>
-            <ac:spMk id="6" creationId="{E1DC0099-5926-8C42-9144-C73482BF1FE7}"/>
-          </ac:spMkLst>
-        </pc:spChg>
-      </pc:sldChg>
-      <pc:sldChg chg="delSp add">
-        <pc:chgData name="Khattab, Sherif" userId="c83b1e15-36f3-4f46-aceb-05aac24c545e" providerId="ADAL" clId="{EE78B4C3-BA47-2B47-8B84-4022815E3587}" dt="2019-05-14T13:34:18.851" v="46"/>
-        <pc:sldMkLst>
-          <pc:docMk/>
-          <pc:sldMk cId="2809799376" sldId="385"/>
-        </pc:sldMkLst>
-        <pc:spChg chg="del">
-          <ac:chgData name="Khattab, Sherif" userId="c83b1e15-36f3-4f46-aceb-05aac24c545e" providerId="ADAL" clId="{EE78B4C3-BA47-2B47-8B84-4022815E3587}" dt="2019-05-14T13:34:18.851" v="46"/>
-          <ac:spMkLst>
-            <pc:docMk/>
-            <pc:sldMk cId="2809799376" sldId="385"/>
-            <ac:spMk id="8" creationId="{0E14A1DC-F2CD-F64B-A516-0E10067BD269}"/>
-          </ac:spMkLst>
-        </pc:spChg>
       </pc:sldChg>
     </pc:docChg>
   </pc:docChgLst>
@@ -10043,184 +10086,6 @@
     <p:extLst>
       <p:ext uri="{BB962C8B-B14F-4D97-AF65-F5344CB8AC3E}">
         <p14:creationId xmlns:p14="http://schemas.microsoft.com/office/powerpoint/2010/main" val="3068663691"/>
-      </p:ext>
-    </p:extLst>
-  </p:cSld>
-  <p:clrMapOvr>
-    <a:masterClrMapping/>
-  </p:clrMapOvr>
-</p:notes>
-</file>
-
-<file path=ppt/notesSlides/notesSlide2.xml><?xml version="1.0" encoding="utf-8"?>
-<p:notes xmlns:a="http://schemas.openxmlformats.org/drawingml/2006/main" xmlns:r="http://schemas.openxmlformats.org/officeDocument/2006/relationships" xmlns:p="http://schemas.openxmlformats.org/presentationml/2006/main">
-  <p:cSld>
-    <p:spTree>
-      <p:nvGrpSpPr>
-        <p:cNvPr id="1" name=""/>
-        <p:cNvGrpSpPr/>
-        <p:nvPr/>
-      </p:nvGrpSpPr>
-      <p:grpSpPr>
-        <a:xfrm>
-          <a:off x="0" y="0"/>
-          <a:ext cx="0" cy="0"/>
-          <a:chOff x="0" y="0"/>
-          <a:chExt cx="0" cy="0"/>
-        </a:xfrm>
-      </p:grpSpPr>
-      <p:sp>
-        <p:nvSpPr>
-          <p:cNvPr id="94210" name="Rectangle 2"/>
-          <p:cNvSpPr>
-            <a:spLocks noGrp="1" noRot="1" noChangeAspect="1" noChangeArrowheads="1" noTextEdit="1"/>
-          </p:cNvSpPr>
-          <p:nvPr>
-            <p:ph type="sldImg"/>
-          </p:nvPr>
-        </p:nvSpPr>
-        <p:spPr>
-          <a:ln/>
-        </p:spPr>
-      </p:sp>
-      <p:sp>
-        <p:nvSpPr>
-          <p:cNvPr id="94211" name="Rectangle 3"/>
-          <p:cNvSpPr>
-            <a:spLocks noGrp="1" noChangeArrowheads="1"/>
-          </p:cNvSpPr>
-          <p:nvPr>
-            <p:ph type="body" idx="1"/>
-          </p:nvPr>
-        </p:nvSpPr>
-        <p:spPr>
-          <a:noFill/>
-          <a:ln/>
-          <a:extLst>
-            <a:ext uri="{909E8E84-426E-40DD-AFC4-6F175D3DCCD1}">
-              <a14:hiddenFill xmlns:a14="http://schemas.microsoft.com/office/drawing/2010/main">
-                <a:solidFill>
-                  <a:srgbClr val="FFFFFF"/>
-                </a:solidFill>
-              </a14:hiddenFill>
-            </a:ext>
-            <a:ext uri="{91240B29-F687-4F45-9708-019B960494DF}">
-              <a14:hiddenLine xmlns:a14="http://schemas.microsoft.com/office/drawing/2010/main" w="9525">
-                <a:solidFill>
-                  <a:srgbClr val="000000"/>
-                </a:solidFill>
-                <a:miter lim="800000"/>
-                <a:headEnd/>
-                <a:tailEnd/>
-              </a14:hiddenLine>
-            </a:ext>
-            <a:ext uri="{FAA26D3D-D897-4be2-8F04-BA451C77F1D7}">
-              <ma14:placeholderFlag xmlns:ma14="http://schemas.microsoft.com/office/mac/drawingml/2011/main" xmlns="" val="1"/>
-            </a:ext>
-          </a:extLst>
-        </p:spPr>
-        <p:txBody>
-          <a:bodyPr/>
-          <a:lstStyle/>
-          <a:p>
-            <a:endParaRPr lang="en-US" altLang="en-US">
-              <a:ea typeface="MS PGothic" charset="-128"/>
-            </a:endParaRPr>
-          </a:p>
-        </p:txBody>
-      </p:sp>
-    </p:spTree>
-    <p:extLst>
-      <p:ext uri="{BB962C8B-B14F-4D97-AF65-F5344CB8AC3E}">
-        <p14:creationId xmlns:p14="http://schemas.microsoft.com/office/powerpoint/2010/main" val="2084617603"/>
-      </p:ext>
-    </p:extLst>
-  </p:cSld>
-  <p:clrMapOvr>
-    <a:masterClrMapping/>
-  </p:clrMapOvr>
-</p:notes>
-</file>
-
-<file path=ppt/notesSlides/notesSlide3.xml><?xml version="1.0" encoding="utf-8"?>
-<p:notes xmlns:a="http://schemas.openxmlformats.org/drawingml/2006/main" xmlns:r="http://schemas.openxmlformats.org/officeDocument/2006/relationships" xmlns:p="http://schemas.openxmlformats.org/presentationml/2006/main">
-  <p:cSld>
-    <p:spTree>
-      <p:nvGrpSpPr>
-        <p:cNvPr id="1" name=""/>
-        <p:cNvGrpSpPr/>
-        <p:nvPr/>
-      </p:nvGrpSpPr>
-      <p:grpSpPr>
-        <a:xfrm>
-          <a:off x="0" y="0"/>
-          <a:ext cx="0" cy="0"/>
-          <a:chOff x="0" y="0"/>
-          <a:chExt cx="0" cy="0"/>
-        </a:xfrm>
-      </p:grpSpPr>
-      <p:sp>
-        <p:nvSpPr>
-          <p:cNvPr id="2" name="Slide Image Placeholder 1"/>
-          <p:cNvSpPr>
-            <a:spLocks noGrp="1" noRot="1" noChangeAspect="1"/>
-          </p:cNvSpPr>
-          <p:nvPr>
-            <p:ph type="sldImg"/>
-          </p:nvPr>
-        </p:nvSpPr>
-        <p:spPr/>
-      </p:sp>
-      <p:sp>
-        <p:nvSpPr>
-          <p:cNvPr id="3" name="Notes Placeholder 2"/>
-          <p:cNvSpPr>
-            <a:spLocks noGrp="1"/>
-          </p:cNvSpPr>
-          <p:nvPr>
-            <p:ph type="body" idx="1"/>
-          </p:nvPr>
-        </p:nvSpPr>
-        <p:spPr/>
-        <p:txBody>
-          <a:bodyPr/>
-          <a:lstStyle/>
-          <a:p>
-            <a:r>
-              <a:rPr lang="en-US" dirty="0"/>
-              <a:t> </a:t>
-            </a:r>
-          </a:p>
-        </p:txBody>
-      </p:sp>
-      <p:sp>
-        <p:nvSpPr>
-          <p:cNvPr id="4" name="Slide Number Placeholder 3"/>
-          <p:cNvSpPr>
-            <a:spLocks noGrp="1"/>
-          </p:cNvSpPr>
-          <p:nvPr>
-            <p:ph type="sldNum"/>
-          </p:nvPr>
-        </p:nvSpPr>
-        <p:spPr/>
-        <p:txBody>
-          <a:bodyPr/>
-          <a:lstStyle/>
-          <a:p>
-            <a:fld id="{6BBF61AC-9675-4DE0-97B3-F33B7A218B95}" type="slidenum">
-              <a:rPr lang="en-GB" altLang="en-US" smtClean="0"/>
-              <a:pPr/>
-              <a:t>9</a:t>
-            </a:fld>
-            <a:endParaRPr lang="en-GB" altLang="en-US"/>
-          </a:p>
-        </p:txBody>
-      </p:sp>
-    </p:spTree>
-    <p:extLst>
-      <p:ext uri="{BB962C8B-B14F-4D97-AF65-F5344CB8AC3E}">
-        <p14:creationId xmlns:p14="http://schemas.microsoft.com/office/powerpoint/2010/main" val="2347785079"/>
       </p:ext>
     </p:extLst>
   </p:cSld>
@@ -11945,746 +11810,6 @@
       </p:par>
     </p:tnLst>
   </p:timing>
-</p:sld>
-</file>
-
-<file path=ppt/slides/slide10.xml><?xml version="1.0" encoding="utf-8"?>
-<p:sld xmlns:a="http://schemas.openxmlformats.org/drawingml/2006/main" xmlns:r="http://schemas.openxmlformats.org/officeDocument/2006/relationships" xmlns:p="http://schemas.openxmlformats.org/presentationml/2006/main">
-  <p:cSld>
-    <p:spTree>
-      <p:nvGrpSpPr>
-        <p:cNvPr id="1" name=""/>
-        <p:cNvGrpSpPr/>
-        <p:nvPr/>
-      </p:nvGrpSpPr>
-      <p:grpSpPr>
-        <a:xfrm>
-          <a:off x="0" y="0"/>
-          <a:ext cx="0" cy="0"/>
-          <a:chOff x="0" y="0"/>
-          <a:chExt cx="0" cy="0"/>
-        </a:xfrm>
-      </p:grpSpPr>
-      <p:sp>
-        <p:nvSpPr>
-          <p:cNvPr id="2" name="Title 1">
-            <a:extLst>
-              <a:ext uri="{FF2B5EF4-FFF2-40B4-BE49-F238E27FC236}">
-                <a16:creationId xmlns:a16="http://schemas.microsoft.com/office/drawing/2014/main" id="{9EB84ECC-A963-45D4-A10E-8ED34DA7EC35}"/>
-              </a:ext>
-            </a:extLst>
-          </p:cNvPr>
-          <p:cNvSpPr>
-            <a:spLocks noGrp="1"/>
-          </p:cNvSpPr>
-          <p:nvPr>
-            <p:ph type="title"/>
-          </p:nvPr>
-        </p:nvSpPr>
-        <p:spPr/>
-        <p:txBody>
-          <a:bodyPr/>
-          <a:lstStyle/>
-          <a:p>
-            <a:r>
-              <a:rPr lang="en-US" dirty="0"/>
-              <a:t>fork()’s of fork()’s</a:t>
-            </a:r>
-          </a:p>
-        </p:txBody>
-      </p:sp>
-      <p:sp>
-        <p:nvSpPr>
-          <p:cNvPr id="3" name="Content Placeholder 2">
-            <a:extLst>
-              <a:ext uri="{FF2B5EF4-FFF2-40B4-BE49-F238E27FC236}">
-                <a16:creationId xmlns:a16="http://schemas.microsoft.com/office/drawing/2014/main" id="{4BD0A427-7FF9-44C0-89AC-CDA907FC64C9}"/>
-              </a:ext>
-            </a:extLst>
-          </p:cNvPr>
-          <p:cNvSpPr>
-            <a:spLocks noGrp="1"/>
-          </p:cNvSpPr>
-          <p:nvPr>
-            <p:ph idx="1"/>
-          </p:nvPr>
-        </p:nvSpPr>
-        <p:spPr/>
-        <p:txBody>
-          <a:bodyPr/>
-          <a:lstStyle/>
-          <a:p>
-            <a:endParaRPr lang="en-US"/>
-          </a:p>
-        </p:txBody>
-      </p:sp>
-      <p:sp>
-        <p:nvSpPr>
-          <p:cNvPr id="4" name="Footer Placeholder 3">
-            <a:extLst>
-              <a:ext uri="{FF2B5EF4-FFF2-40B4-BE49-F238E27FC236}">
-                <a16:creationId xmlns:a16="http://schemas.microsoft.com/office/drawing/2014/main" id="{D89EF069-42A6-4C7D-A34F-6A405A2E2FFF}"/>
-              </a:ext>
-            </a:extLst>
-          </p:cNvPr>
-          <p:cNvSpPr>
-            <a:spLocks noGrp="1"/>
-          </p:cNvSpPr>
-          <p:nvPr>
-            <p:ph type="ftr" idx="11"/>
-          </p:nvPr>
-        </p:nvSpPr>
-        <p:spPr/>
-        <p:txBody>
-          <a:bodyPr/>
-          <a:lstStyle/>
-          <a:p>
-            <a:pPr>
-              <a:defRPr/>
-            </a:pPr>
-            <a:r>
-              <a:rPr lang="en-US">
-                <a:latin typeface="+mn-lt"/>
-              </a:rPr>
-              <a:t>CS/COE 1550 – Operating Systems – Sherif Khattab</a:t>
-            </a:r>
-            <a:endParaRPr lang="en-GB" dirty="0"/>
-          </a:p>
-        </p:txBody>
-      </p:sp>
-      <p:sp>
-        <p:nvSpPr>
-          <p:cNvPr id="5" name="Slide Number Placeholder 4">
-            <a:extLst>
-              <a:ext uri="{FF2B5EF4-FFF2-40B4-BE49-F238E27FC236}">
-                <a16:creationId xmlns:a16="http://schemas.microsoft.com/office/drawing/2014/main" id="{EB1B3408-586A-4307-9797-81AEC12B005E}"/>
-              </a:ext>
-            </a:extLst>
-          </p:cNvPr>
-          <p:cNvSpPr>
-            <a:spLocks noGrp="1"/>
-          </p:cNvSpPr>
-          <p:nvPr>
-            <p:ph type="sldNum" idx="12"/>
-          </p:nvPr>
-        </p:nvSpPr>
-        <p:spPr/>
-        <p:txBody>
-          <a:bodyPr/>
-          <a:lstStyle/>
-          <a:p>
-            <a:fld id="{65E435D9-63B0-4660-8D04-E83F5E2CA2AE}" type="slidenum">
-              <a:rPr lang="en-GB" altLang="en-US" smtClean="0"/>
-              <a:pPr/>
-              <a:t>10</a:t>
-            </a:fld>
-            <a:endParaRPr lang="en-GB" altLang="en-US" dirty="0"/>
-          </a:p>
-        </p:txBody>
-      </p:sp>
-      <p:pic>
-        <p:nvPicPr>
-          <p:cNvPr id="7" name="Picture 6">
-            <a:extLst>
-              <a:ext uri="{FF2B5EF4-FFF2-40B4-BE49-F238E27FC236}">
-                <a16:creationId xmlns:a16="http://schemas.microsoft.com/office/drawing/2014/main" id="{F2F5B2AD-A872-4FA9-A92F-14E4C405740D}"/>
-              </a:ext>
-            </a:extLst>
-          </p:cNvPr>
-          <p:cNvPicPr>
-            <a:picLocks noChangeAspect="1"/>
-          </p:cNvPicPr>
-          <p:nvPr/>
-        </p:nvPicPr>
-        <p:blipFill>
-          <a:blip r:embed="rId2"/>
-          <a:stretch>
-            <a:fillRect/>
-          </a:stretch>
-        </p:blipFill>
-        <p:spPr>
-          <a:xfrm>
-            <a:off x="904259" y="1192033"/>
-            <a:ext cx="8416570" cy="5612169"/>
-          </a:xfrm>
-          <a:prstGeom prst="rect">
-            <a:avLst/>
-          </a:prstGeom>
-        </p:spPr>
-      </p:pic>
-    </p:spTree>
-    <p:extLst>
-      <p:ext uri="{BB962C8B-B14F-4D97-AF65-F5344CB8AC3E}">
-        <p14:creationId xmlns:p14="http://schemas.microsoft.com/office/powerpoint/2010/main" val="2093362943"/>
-      </p:ext>
-    </p:extLst>
-  </p:cSld>
-  <p:clrMapOvr>
-    <a:masterClrMapping/>
-  </p:clrMapOvr>
-</p:sld>
-</file>
-
-<file path=ppt/slides/slide11.xml><?xml version="1.0" encoding="utf-8"?>
-<p:sld xmlns:a="http://schemas.openxmlformats.org/drawingml/2006/main" xmlns:r="http://schemas.openxmlformats.org/officeDocument/2006/relationships" xmlns:p="http://schemas.openxmlformats.org/presentationml/2006/main">
-  <p:cSld>
-    <p:spTree>
-      <p:nvGrpSpPr>
-        <p:cNvPr id="1" name=""/>
-        <p:cNvGrpSpPr/>
-        <p:nvPr/>
-      </p:nvGrpSpPr>
-      <p:grpSpPr>
-        <a:xfrm>
-          <a:off x="0" y="0"/>
-          <a:ext cx="0" cy="0"/>
-          <a:chOff x="0" y="0"/>
-          <a:chExt cx="0" cy="0"/>
-        </a:xfrm>
-      </p:grpSpPr>
-      <p:sp>
-        <p:nvSpPr>
-          <p:cNvPr id="2" name="Title 1">
-            <a:extLst>
-              <a:ext uri="{FF2B5EF4-FFF2-40B4-BE49-F238E27FC236}">
-                <a16:creationId xmlns:a16="http://schemas.microsoft.com/office/drawing/2014/main" id="{4CDF7C92-8AA2-4CD2-B245-54C2A5C9C9CD}"/>
-              </a:ext>
-            </a:extLst>
-          </p:cNvPr>
-          <p:cNvSpPr>
-            <a:spLocks noGrp="1"/>
-          </p:cNvSpPr>
-          <p:nvPr>
-            <p:ph type="title"/>
-          </p:nvPr>
-        </p:nvSpPr>
-        <p:spPr/>
-        <p:txBody>
-          <a:bodyPr/>
-          <a:lstStyle/>
-          <a:p>
-            <a:r>
-              <a:rPr lang="en-US" dirty="0"/>
-              <a:t>Orphan vs. Zombie Processes</a:t>
-            </a:r>
-          </a:p>
-        </p:txBody>
-      </p:sp>
-      <p:sp>
-        <p:nvSpPr>
-          <p:cNvPr id="3" name="Content Placeholder 2">
-            <a:extLst>
-              <a:ext uri="{FF2B5EF4-FFF2-40B4-BE49-F238E27FC236}">
-                <a16:creationId xmlns:a16="http://schemas.microsoft.com/office/drawing/2014/main" id="{47A150C5-F849-4D86-BCB3-6AA2007F50A4}"/>
-              </a:ext>
-            </a:extLst>
-          </p:cNvPr>
-          <p:cNvSpPr>
-            <a:spLocks noGrp="1"/>
-          </p:cNvSpPr>
-          <p:nvPr>
-            <p:ph idx="1"/>
-          </p:nvPr>
-        </p:nvSpPr>
-        <p:spPr/>
-        <p:txBody>
-          <a:bodyPr/>
-          <a:lstStyle/>
-          <a:p>
-            <a:endParaRPr lang="en-US"/>
-          </a:p>
-        </p:txBody>
-      </p:sp>
-      <p:sp>
-        <p:nvSpPr>
-          <p:cNvPr id="4" name="Footer Placeholder 3">
-            <a:extLst>
-              <a:ext uri="{FF2B5EF4-FFF2-40B4-BE49-F238E27FC236}">
-                <a16:creationId xmlns:a16="http://schemas.microsoft.com/office/drawing/2014/main" id="{D9AD5EC3-A110-499B-8B5A-593D0215BEBB}"/>
-              </a:ext>
-            </a:extLst>
-          </p:cNvPr>
-          <p:cNvSpPr>
-            <a:spLocks noGrp="1"/>
-          </p:cNvSpPr>
-          <p:nvPr>
-            <p:ph type="ftr" idx="11"/>
-          </p:nvPr>
-        </p:nvSpPr>
-        <p:spPr/>
-        <p:txBody>
-          <a:bodyPr/>
-          <a:lstStyle/>
-          <a:p>
-            <a:pPr>
-              <a:defRPr/>
-            </a:pPr>
-            <a:r>
-              <a:rPr lang="en-US">
-                <a:latin typeface="+mn-lt"/>
-              </a:rPr>
-              <a:t>CS/COE 1550 – Operating Systems – Sherif Khattab</a:t>
-            </a:r>
-            <a:endParaRPr lang="en-GB" dirty="0"/>
-          </a:p>
-        </p:txBody>
-      </p:sp>
-      <p:sp>
-        <p:nvSpPr>
-          <p:cNvPr id="5" name="Slide Number Placeholder 4">
-            <a:extLst>
-              <a:ext uri="{FF2B5EF4-FFF2-40B4-BE49-F238E27FC236}">
-                <a16:creationId xmlns:a16="http://schemas.microsoft.com/office/drawing/2014/main" id="{EBBAC7CF-0B62-44FB-A05B-29D5F8B40048}"/>
-              </a:ext>
-            </a:extLst>
-          </p:cNvPr>
-          <p:cNvSpPr>
-            <a:spLocks noGrp="1"/>
-          </p:cNvSpPr>
-          <p:nvPr>
-            <p:ph type="sldNum" idx="12"/>
-          </p:nvPr>
-        </p:nvSpPr>
-        <p:spPr/>
-        <p:txBody>
-          <a:bodyPr/>
-          <a:lstStyle/>
-          <a:p>
-            <a:fld id="{65E435D9-63B0-4660-8D04-E83F5E2CA2AE}" type="slidenum">
-              <a:rPr lang="en-GB" altLang="en-US" smtClean="0"/>
-              <a:pPr/>
-              <a:t>11</a:t>
-            </a:fld>
-            <a:endParaRPr lang="en-GB" altLang="en-US" dirty="0"/>
-          </a:p>
-        </p:txBody>
-      </p:sp>
-      <p:pic>
-        <p:nvPicPr>
-          <p:cNvPr id="7" name="Picture 6">
-            <a:extLst>
-              <a:ext uri="{FF2B5EF4-FFF2-40B4-BE49-F238E27FC236}">
-                <a16:creationId xmlns:a16="http://schemas.microsoft.com/office/drawing/2014/main" id="{238CB2BB-984B-497A-B1B0-CC96CC2896B9}"/>
-              </a:ext>
-            </a:extLst>
-          </p:cNvPr>
-          <p:cNvPicPr>
-            <a:picLocks noChangeAspect="1"/>
-          </p:cNvPicPr>
-          <p:nvPr/>
-        </p:nvPicPr>
-        <p:blipFill>
-          <a:blip r:embed="rId2"/>
-          <a:stretch>
-            <a:fillRect/>
-          </a:stretch>
-        </p:blipFill>
-        <p:spPr>
-          <a:xfrm>
-            <a:off x="527326" y="983635"/>
-            <a:ext cx="9041642" cy="6028967"/>
-          </a:xfrm>
-          <a:prstGeom prst="rect">
-            <a:avLst/>
-          </a:prstGeom>
-        </p:spPr>
-      </p:pic>
-    </p:spTree>
-    <p:extLst>
-      <p:ext uri="{BB962C8B-B14F-4D97-AF65-F5344CB8AC3E}">
-        <p14:creationId xmlns:p14="http://schemas.microsoft.com/office/powerpoint/2010/main" val="2804781805"/>
-      </p:ext>
-    </p:extLst>
-  </p:cSld>
-  <p:clrMapOvr>
-    <a:masterClrMapping/>
-  </p:clrMapOvr>
-</p:sld>
-</file>
-
-<file path=ppt/slides/slide12.xml><?xml version="1.0" encoding="utf-8"?>
-<p:sld xmlns:a="http://schemas.openxmlformats.org/drawingml/2006/main" xmlns:r="http://schemas.openxmlformats.org/officeDocument/2006/relationships" xmlns:p="http://schemas.openxmlformats.org/presentationml/2006/main">
-  <p:cSld>
-    <p:spTree>
-      <p:nvGrpSpPr>
-        <p:cNvPr id="1" name=""/>
-        <p:cNvGrpSpPr/>
-        <p:nvPr/>
-      </p:nvGrpSpPr>
-      <p:grpSpPr>
-        <a:xfrm>
-          <a:off x="0" y="0"/>
-          <a:ext cx="0" cy="0"/>
-          <a:chOff x="0" y="0"/>
-          <a:chExt cx="0" cy="0"/>
-        </a:xfrm>
-      </p:grpSpPr>
-      <p:sp>
-        <p:nvSpPr>
-          <p:cNvPr id="2" name="Title 1">
-            <a:extLst>
-              <a:ext uri="{FF2B5EF4-FFF2-40B4-BE49-F238E27FC236}">
-                <a16:creationId xmlns:a16="http://schemas.microsoft.com/office/drawing/2014/main" id="{7D38A7C9-4D12-4AD6-9D0C-96896D1174D6}"/>
-              </a:ext>
-            </a:extLst>
-          </p:cNvPr>
-          <p:cNvSpPr>
-            <a:spLocks noGrp="1"/>
-          </p:cNvSpPr>
-          <p:nvPr>
-            <p:ph type="title"/>
-          </p:nvPr>
-        </p:nvSpPr>
-        <p:spPr/>
-        <p:txBody>
-          <a:bodyPr/>
-          <a:lstStyle/>
-          <a:p>
-            <a:r>
-              <a:rPr lang="en-US" dirty="0"/>
-              <a:t>Benefits of Orphan Processes</a:t>
-            </a:r>
-          </a:p>
-        </p:txBody>
-      </p:sp>
-      <p:sp>
-        <p:nvSpPr>
-          <p:cNvPr id="3" name="Content Placeholder 2">
-            <a:extLst>
-              <a:ext uri="{FF2B5EF4-FFF2-40B4-BE49-F238E27FC236}">
-                <a16:creationId xmlns:a16="http://schemas.microsoft.com/office/drawing/2014/main" id="{41FE772B-EE09-4082-9520-F2B439890E12}"/>
-              </a:ext>
-            </a:extLst>
-          </p:cNvPr>
-          <p:cNvSpPr>
-            <a:spLocks noGrp="1"/>
-          </p:cNvSpPr>
-          <p:nvPr>
-            <p:ph idx="1"/>
-          </p:nvPr>
-        </p:nvSpPr>
-        <p:spPr/>
-        <p:txBody>
-          <a:bodyPr/>
-          <a:lstStyle/>
-          <a:p>
-            <a:r>
-              <a:rPr lang="en-US" dirty="0"/>
-              <a:t>Allow a long-running job to continue running even after session (e.g., </a:t>
-            </a:r>
-            <a:r>
-              <a:rPr lang="en-US" dirty="0" err="1"/>
-              <a:t>ssh</a:t>
-            </a:r>
-            <a:r>
-              <a:rPr lang="en-US" dirty="0"/>
-              <a:t> connection) ends.</a:t>
-            </a:r>
-          </a:p>
-          <a:p>
-            <a:pPr lvl="1"/>
-            <a:r>
-              <a:rPr lang="en-US" dirty="0"/>
-              <a:t>The </a:t>
-            </a:r>
-            <a:r>
-              <a:rPr lang="en-US" dirty="0" err="1"/>
-              <a:t>nohup</a:t>
-            </a:r>
-            <a:r>
-              <a:rPr lang="en-US" dirty="0"/>
-              <a:t> command does that</a:t>
-            </a:r>
-          </a:p>
-          <a:p>
-            <a:r>
-              <a:rPr lang="en-US" dirty="0"/>
-              <a:t>Create </a:t>
-            </a:r>
-            <a:r>
-              <a:rPr lang="en-US" dirty="0" err="1"/>
-              <a:t>deamon</a:t>
-            </a:r>
-            <a:r>
-              <a:rPr lang="en-US" dirty="0"/>
-              <a:t> processes</a:t>
-            </a:r>
-          </a:p>
-          <a:p>
-            <a:pPr lvl="1"/>
-            <a:r>
-              <a:rPr lang="en-US" dirty="0"/>
-              <a:t>Long-running background processes adopted by the </a:t>
-            </a:r>
-            <a:r>
-              <a:rPr lang="en-US" dirty="0" err="1"/>
-              <a:t>init</a:t>
-            </a:r>
-            <a:r>
-              <a:rPr lang="en-US"/>
-              <a:t> process.</a:t>
-            </a:r>
-            <a:endParaRPr lang="en-US" dirty="0"/>
-          </a:p>
-        </p:txBody>
-      </p:sp>
-      <p:sp>
-        <p:nvSpPr>
-          <p:cNvPr id="4" name="Footer Placeholder 3">
-            <a:extLst>
-              <a:ext uri="{FF2B5EF4-FFF2-40B4-BE49-F238E27FC236}">
-                <a16:creationId xmlns:a16="http://schemas.microsoft.com/office/drawing/2014/main" id="{CCE09C5D-B59D-4769-95E5-5A0868DC0891}"/>
-              </a:ext>
-            </a:extLst>
-          </p:cNvPr>
-          <p:cNvSpPr>
-            <a:spLocks noGrp="1"/>
-          </p:cNvSpPr>
-          <p:nvPr>
-            <p:ph type="ftr" idx="11"/>
-          </p:nvPr>
-        </p:nvSpPr>
-        <p:spPr/>
-        <p:txBody>
-          <a:bodyPr/>
-          <a:lstStyle/>
-          <a:p>
-            <a:pPr>
-              <a:defRPr/>
-            </a:pPr>
-            <a:r>
-              <a:rPr lang="en-US">
-                <a:latin typeface="+mn-lt"/>
-              </a:rPr>
-              <a:t>CS/COE 1550 – Operating Systems – Sherif Khattab</a:t>
-            </a:r>
-            <a:endParaRPr lang="en-GB" dirty="0"/>
-          </a:p>
-        </p:txBody>
-      </p:sp>
-      <p:sp>
-        <p:nvSpPr>
-          <p:cNvPr id="5" name="Slide Number Placeholder 4">
-            <a:extLst>
-              <a:ext uri="{FF2B5EF4-FFF2-40B4-BE49-F238E27FC236}">
-                <a16:creationId xmlns:a16="http://schemas.microsoft.com/office/drawing/2014/main" id="{2A5CC058-700E-48DA-A355-E64076CE21C8}"/>
-              </a:ext>
-            </a:extLst>
-          </p:cNvPr>
-          <p:cNvSpPr>
-            <a:spLocks noGrp="1"/>
-          </p:cNvSpPr>
-          <p:nvPr>
-            <p:ph type="sldNum" idx="12"/>
-          </p:nvPr>
-        </p:nvSpPr>
-        <p:spPr/>
-        <p:txBody>
-          <a:bodyPr/>
-          <a:lstStyle/>
-          <a:p>
-            <a:fld id="{65E435D9-63B0-4660-8D04-E83F5E2CA2AE}" type="slidenum">
-              <a:rPr lang="en-GB" altLang="en-US" smtClean="0"/>
-              <a:pPr/>
-              <a:t>12</a:t>
-            </a:fld>
-            <a:endParaRPr lang="en-GB" altLang="en-US" dirty="0"/>
-          </a:p>
-        </p:txBody>
-      </p:sp>
-    </p:spTree>
-    <p:extLst>
-      <p:ext uri="{BB962C8B-B14F-4D97-AF65-F5344CB8AC3E}">
-        <p14:creationId xmlns:p14="http://schemas.microsoft.com/office/powerpoint/2010/main" val="1525193433"/>
-      </p:ext>
-    </p:extLst>
-  </p:cSld>
-  <p:clrMapOvr>
-    <a:masterClrMapping/>
-  </p:clrMapOvr>
-</p:sld>
-</file>
-
-<file path=ppt/slides/slide13.xml><?xml version="1.0" encoding="utf-8"?>
-<p:sld xmlns:a="http://schemas.openxmlformats.org/drawingml/2006/main" xmlns:r="http://schemas.openxmlformats.org/officeDocument/2006/relationships" xmlns:p="http://schemas.openxmlformats.org/presentationml/2006/main">
-  <p:cSld>
-    <p:spTree>
-      <p:nvGrpSpPr>
-        <p:cNvPr id="1" name=""/>
-        <p:cNvGrpSpPr/>
-        <p:nvPr/>
-      </p:nvGrpSpPr>
-      <p:grpSpPr>
-        <a:xfrm>
-          <a:off x="0" y="0"/>
-          <a:ext cx="0" cy="0"/>
-          <a:chOff x="0" y="0"/>
-          <a:chExt cx="0" cy="0"/>
-        </a:xfrm>
-      </p:grpSpPr>
-      <p:sp>
-        <p:nvSpPr>
-          <p:cNvPr id="2" name="Title 1">
-            <a:extLst>
-              <a:ext uri="{FF2B5EF4-FFF2-40B4-BE49-F238E27FC236}">
-                <a16:creationId xmlns:a16="http://schemas.microsoft.com/office/drawing/2014/main" id="{8964C184-2D6E-E348-A72F-9EE120A124BE}"/>
-              </a:ext>
-            </a:extLst>
-          </p:cNvPr>
-          <p:cNvSpPr>
-            <a:spLocks noGrp="1"/>
-          </p:cNvSpPr>
-          <p:nvPr>
-            <p:ph type="title"/>
-          </p:nvPr>
-        </p:nvSpPr>
-        <p:spPr/>
-        <p:txBody>
-          <a:bodyPr/>
-          <a:lstStyle/>
-          <a:p>
-            <a:r>
-              <a:rPr lang="en-US" dirty="0"/>
-              <a:t>Xv6 Code Walkthrough</a:t>
-            </a:r>
-          </a:p>
-        </p:txBody>
-      </p:sp>
-      <p:sp>
-        <p:nvSpPr>
-          <p:cNvPr id="3" name="Content Placeholder 2">
-            <a:extLst>
-              <a:ext uri="{FF2B5EF4-FFF2-40B4-BE49-F238E27FC236}">
-                <a16:creationId xmlns:a16="http://schemas.microsoft.com/office/drawing/2014/main" id="{C9F2EE5E-BD27-8542-A295-3D984042E511}"/>
-              </a:ext>
-            </a:extLst>
-          </p:cNvPr>
-          <p:cNvSpPr>
-            <a:spLocks noGrp="1"/>
-          </p:cNvSpPr>
-          <p:nvPr>
-            <p:ph idx="1"/>
-          </p:nvPr>
-        </p:nvSpPr>
-        <p:spPr/>
-        <p:txBody>
-          <a:bodyPr/>
-          <a:lstStyle/>
-          <a:p>
-            <a:r>
-              <a:rPr lang="en-US" dirty="0"/>
-              <a:t>Context switching</a:t>
-            </a:r>
-          </a:p>
-          <a:p>
-            <a:pPr lvl="1"/>
-            <a:r>
-              <a:rPr lang="en-US" dirty="0"/>
-              <a:t>Calling of the </a:t>
-            </a:r>
-            <a:r>
-              <a:rPr lang="en-US" dirty="0" err="1"/>
-              <a:t>swtch</a:t>
-            </a:r>
-            <a:r>
-              <a:rPr lang="en-US" dirty="0"/>
-              <a:t> routine</a:t>
-            </a:r>
-          </a:p>
-          <a:p>
-            <a:r>
-              <a:rPr lang="en-US" dirty="0"/>
-              <a:t>fork()</a:t>
-            </a:r>
-          </a:p>
-          <a:p>
-            <a:r>
-              <a:rPr lang="en-US" dirty="0"/>
-              <a:t>exit()</a:t>
-            </a:r>
-          </a:p>
-          <a:p>
-            <a:r>
-              <a:rPr lang="en-US" dirty="0"/>
-              <a:t>wait()</a:t>
-            </a:r>
-          </a:p>
-        </p:txBody>
-      </p:sp>
-      <p:sp>
-        <p:nvSpPr>
-          <p:cNvPr id="4" name="Footer Placeholder 3">
-            <a:extLst>
-              <a:ext uri="{FF2B5EF4-FFF2-40B4-BE49-F238E27FC236}">
-                <a16:creationId xmlns:a16="http://schemas.microsoft.com/office/drawing/2014/main" id="{C1D0212D-6D34-3E4F-9A5A-06657E611481}"/>
-              </a:ext>
-            </a:extLst>
-          </p:cNvPr>
-          <p:cNvSpPr>
-            <a:spLocks noGrp="1"/>
-          </p:cNvSpPr>
-          <p:nvPr>
-            <p:ph type="ftr" idx="11"/>
-          </p:nvPr>
-        </p:nvSpPr>
-        <p:spPr/>
-        <p:txBody>
-          <a:bodyPr/>
-          <a:lstStyle/>
-          <a:p>
-            <a:pPr>
-              <a:defRPr/>
-            </a:pPr>
-            <a:r>
-              <a:rPr lang="en-US">
-                <a:latin typeface="+mn-lt"/>
-              </a:rPr>
-              <a:t>CS/COE 1550 – Operating Systems – Sherif Khattab</a:t>
-            </a:r>
-            <a:endParaRPr lang="en-GB" dirty="0"/>
-          </a:p>
-        </p:txBody>
-      </p:sp>
-      <p:sp>
-        <p:nvSpPr>
-          <p:cNvPr id="5" name="Slide Number Placeholder 4">
-            <a:extLst>
-              <a:ext uri="{FF2B5EF4-FFF2-40B4-BE49-F238E27FC236}">
-                <a16:creationId xmlns:a16="http://schemas.microsoft.com/office/drawing/2014/main" id="{F08E759B-5433-A143-981C-7E601CE20D89}"/>
-              </a:ext>
-            </a:extLst>
-          </p:cNvPr>
-          <p:cNvSpPr>
-            <a:spLocks noGrp="1"/>
-          </p:cNvSpPr>
-          <p:nvPr>
-            <p:ph type="sldNum" idx="12"/>
-          </p:nvPr>
-        </p:nvSpPr>
-        <p:spPr/>
-        <p:txBody>
-          <a:bodyPr/>
-          <a:lstStyle/>
-          <a:p>
-            <a:fld id="{65E435D9-63B0-4660-8D04-E83F5E2CA2AE}" type="slidenum">
-              <a:rPr lang="en-GB" altLang="en-US" smtClean="0"/>
-              <a:pPr/>
-              <a:t>13</a:t>
-            </a:fld>
-            <a:endParaRPr lang="en-GB" altLang="en-US" dirty="0"/>
-          </a:p>
-        </p:txBody>
-      </p:sp>
-    </p:spTree>
-    <p:extLst>
-      <p:ext uri="{BB962C8B-B14F-4D97-AF65-F5344CB8AC3E}">
-        <p14:creationId xmlns:p14="http://schemas.microsoft.com/office/powerpoint/2010/main" val="4120720973"/>
-      </p:ext>
-    </p:extLst>
-  </p:cSld>
-  <p:clrMapOvr>
-    <a:masterClrMapping/>
-  </p:clrMapOvr>
 </p:sld>
 </file>
 
@@ -15939,665 +15064,6 @@
 </p:sld>
 </file>
 
-<file path=ppt/slides/slide7.xml><?xml version="1.0" encoding="utf-8"?>
-<p:sld xmlns:a="http://schemas.openxmlformats.org/drawingml/2006/main" xmlns:r="http://schemas.openxmlformats.org/officeDocument/2006/relationships" xmlns:p="http://schemas.openxmlformats.org/presentationml/2006/main">
-  <p:cSld>
-    <p:spTree>
-      <p:nvGrpSpPr>
-        <p:cNvPr id="1" name=""/>
-        <p:cNvGrpSpPr/>
-        <p:nvPr/>
-      </p:nvGrpSpPr>
-      <p:grpSpPr>
-        <a:xfrm>
-          <a:off x="0" y="0"/>
-          <a:ext cx="0" cy="0"/>
-          <a:chOff x="0" y="0"/>
-          <a:chExt cx="0" cy="0"/>
-        </a:xfrm>
-      </p:grpSpPr>
-      <p:sp>
-        <p:nvSpPr>
-          <p:cNvPr id="2" name="Title 1">
-            <a:extLst>
-              <a:ext uri="{FF2B5EF4-FFF2-40B4-BE49-F238E27FC236}">
-                <a16:creationId xmlns:a16="http://schemas.microsoft.com/office/drawing/2014/main" id="{32DBCD6D-0035-48A2-AE34-43966A977589}"/>
-              </a:ext>
-            </a:extLst>
-          </p:cNvPr>
-          <p:cNvSpPr>
-            <a:spLocks noGrp="1"/>
-          </p:cNvSpPr>
-          <p:nvPr>
-            <p:ph type="title"/>
-          </p:nvPr>
-        </p:nvSpPr>
-        <p:spPr/>
-        <p:txBody>
-          <a:bodyPr/>
-          <a:lstStyle/>
-          <a:p>
-            <a:r>
-              <a:rPr lang="en-US" dirty="0"/>
-              <a:t>Process vs. Thread</a:t>
-            </a:r>
-          </a:p>
-        </p:txBody>
-      </p:sp>
-      <p:sp>
-        <p:nvSpPr>
-          <p:cNvPr id="4" name="Footer Placeholder 3">
-            <a:extLst>
-              <a:ext uri="{FF2B5EF4-FFF2-40B4-BE49-F238E27FC236}">
-                <a16:creationId xmlns:a16="http://schemas.microsoft.com/office/drawing/2014/main" id="{0E7B03E5-535D-472E-98AC-2E5577E357CA}"/>
-              </a:ext>
-            </a:extLst>
-          </p:cNvPr>
-          <p:cNvSpPr>
-            <a:spLocks noGrp="1"/>
-          </p:cNvSpPr>
-          <p:nvPr>
-            <p:ph type="ftr" idx="11"/>
-          </p:nvPr>
-        </p:nvSpPr>
-        <p:spPr/>
-        <p:txBody>
-          <a:bodyPr/>
-          <a:lstStyle/>
-          <a:p>
-            <a:pPr>
-              <a:defRPr/>
-            </a:pPr>
-            <a:r>
-              <a:rPr lang="en-US">
-                <a:latin typeface="+mn-lt"/>
-              </a:rPr>
-              <a:t>CS/COE 1550 – Operating Systems – Sherif Khattab</a:t>
-            </a:r>
-            <a:endParaRPr lang="en-GB" dirty="0"/>
-          </a:p>
-        </p:txBody>
-      </p:sp>
-      <p:sp>
-        <p:nvSpPr>
-          <p:cNvPr id="5" name="Slide Number Placeholder 4">
-            <a:extLst>
-              <a:ext uri="{FF2B5EF4-FFF2-40B4-BE49-F238E27FC236}">
-                <a16:creationId xmlns:a16="http://schemas.microsoft.com/office/drawing/2014/main" id="{78616229-F3A1-431A-B9BF-8875C967ADB4}"/>
-              </a:ext>
-            </a:extLst>
-          </p:cNvPr>
-          <p:cNvSpPr>
-            <a:spLocks noGrp="1"/>
-          </p:cNvSpPr>
-          <p:nvPr>
-            <p:ph type="sldNum" idx="12"/>
-          </p:nvPr>
-        </p:nvSpPr>
-        <p:spPr/>
-        <p:txBody>
-          <a:bodyPr/>
-          <a:lstStyle/>
-          <a:p>
-            <a:fld id="{65E435D9-63B0-4660-8D04-E83F5E2CA2AE}" type="slidenum">
-              <a:rPr lang="en-GB" altLang="en-US" smtClean="0"/>
-              <a:pPr/>
-              <a:t>7</a:t>
-            </a:fld>
-            <a:endParaRPr lang="en-GB" altLang="en-US" dirty="0"/>
-          </a:p>
-        </p:txBody>
-      </p:sp>
-      <p:pic>
-        <p:nvPicPr>
-          <p:cNvPr id="7" name="Picture 6">
-            <a:extLst>
-              <a:ext uri="{FF2B5EF4-FFF2-40B4-BE49-F238E27FC236}">
-                <a16:creationId xmlns:a16="http://schemas.microsoft.com/office/drawing/2014/main" id="{C19DB90B-C6A6-42C5-B88F-C71C9FC4E150}"/>
-              </a:ext>
-            </a:extLst>
-          </p:cNvPr>
-          <p:cNvPicPr>
-            <a:picLocks noChangeAspect="1"/>
-          </p:cNvPicPr>
-          <p:nvPr/>
-        </p:nvPicPr>
-        <p:blipFill>
-          <a:blip r:embed="rId2"/>
-          <a:stretch>
-            <a:fillRect/>
-          </a:stretch>
-        </p:blipFill>
-        <p:spPr>
-          <a:xfrm>
-            <a:off x="665909" y="962664"/>
-            <a:ext cx="8893270" cy="5930033"/>
-          </a:xfrm>
-          <a:prstGeom prst="rect">
-            <a:avLst/>
-          </a:prstGeom>
-        </p:spPr>
-      </p:pic>
-    </p:spTree>
-    <p:extLst>
-      <p:ext uri="{BB962C8B-B14F-4D97-AF65-F5344CB8AC3E}">
-        <p14:creationId xmlns:p14="http://schemas.microsoft.com/office/powerpoint/2010/main" val="2021183208"/>
-      </p:ext>
-    </p:extLst>
-  </p:cSld>
-  <p:clrMapOvr>
-    <a:masterClrMapping/>
-  </p:clrMapOvr>
-</p:sld>
-</file>
-
-<file path=ppt/slides/slide8.xml><?xml version="1.0" encoding="utf-8"?>
-<p:sld xmlns:a="http://schemas.openxmlformats.org/drawingml/2006/main" xmlns:r="http://schemas.openxmlformats.org/officeDocument/2006/relationships" xmlns:p="http://schemas.openxmlformats.org/presentationml/2006/main">
-  <p:cSld>
-    <p:spTree>
-      <p:nvGrpSpPr>
-        <p:cNvPr id="1" name=""/>
-        <p:cNvGrpSpPr/>
-        <p:nvPr/>
-      </p:nvGrpSpPr>
-      <p:grpSpPr>
-        <a:xfrm>
-          <a:off x="0" y="0"/>
-          <a:ext cx="0" cy="0"/>
-          <a:chOff x="0" y="0"/>
-          <a:chExt cx="0" cy="0"/>
-        </a:xfrm>
-      </p:grpSpPr>
-      <p:sp>
-        <p:nvSpPr>
-          <p:cNvPr id="29698" name="Rectangle 2"/>
-          <p:cNvSpPr>
-            <a:spLocks noGrp="1" noChangeArrowheads="1"/>
-          </p:cNvSpPr>
-          <p:nvPr>
-            <p:ph type="title"/>
-          </p:nvPr>
-        </p:nvSpPr>
-        <p:spPr/>
-        <p:txBody>
-          <a:bodyPr/>
-          <a:lstStyle/>
-          <a:p>
-            <a:pPr eaLnBrk="1" hangingPunct="1"/>
-            <a:r>
-              <a:rPr lang="en-US" altLang="en-US">
-                <a:ea typeface="MS PGothic" charset="-128"/>
-              </a:rPr>
-              <a:t>Process Termination</a:t>
-            </a:r>
-          </a:p>
-        </p:txBody>
-      </p:sp>
-      <p:sp>
-        <p:nvSpPr>
-          <p:cNvPr id="29699" name="Rectangle 3"/>
-          <p:cNvSpPr>
-            <a:spLocks noGrp="1" noChangeArrowheads="1"/>
-          </p:cNvSpPr>
-          <p:nvPr>
-            <p:ph idx="1"/>
-          </p:nvPr>
-        </p:nvSpPr>
-        <p:spPr/>
-        <p:txBody>
-          <a:bodyPr>
-            <a:normAutofit fontScale="85000" lnSpcReduction="10000"/>
-          </a:bodyPr>
-          <a:lstStyle/>
-          <a:p>
-            <a:pPr lvl="1"/>
-            <a:endParaRPr lang="en-US" altLang="en-US" sz="882" dirty="0">
-              <a:ea typeface="MS PGothic" charset="-128"/>
-            </a:endParaRPr>
-          </a:p>
-          <a:p>
-            <a:r>
-              <a:rPr lang="en-US" altLang="en-US" dirty="0">
-                <a:ea typeface="MS PGothic" charset="-128"/>
-              </a:rPr>
-              <a:t>Some operating systems do not allow a child to exist if its parent has terminated.  If a process terminates, then all its children must also be terminated.</a:t>
-            </a:r>
-          </a:p>
-          <a:p>
-            <a:pPr lvl="1"/>
-            <a:r>
-              <a:rPr lang="en-US" altLang="en-US" b="1" dirty="0">
-                <a:ea typeface="MS PGothic" charset="-128"/>
-              </a:rPr>
-              <a:t>cascading termination.  </a:t>
-            </a:r>
-            <a:r>
-              <a:rPr lang="en-US" altLang="en-US" dirty="0">
-                <a:ea typeface="MS PGothic" charset="-128"/>
-              </a:rPr>
-              <a:t>All children, grandchildren, etc.  are  terminated.</a:t>
-            </a:r>
-            <a:endParaRPr lang="en-US" altLang="en-US" b="1" dirty="0">
-              <a:ea typeface="MS PGothic" charset="-128"/>
-            </a:endParaRPr>
-          </a:p>
-          <a:p>
-            <a:pPr lvl="1"/>
-            <a:r>
-              <a:rPr lang="en-US" altLang="en-US" dirty="0">
-                <a:ea typeface="MS PGothic" charset="-128"/>
-              </a:rPr>
-              <a:t>The termination is initiated by the operating system.</a:t>
-            </a:r>
-            <a:endParaRPr lang="en-US" altLang="en-US" b="1" dirty="0">
-              <a:ea typeface="MS PGothic" charset="-128"/>
-            </a:endParaRPr>
-          </a:p>
-          <a:p>
-            <a:r>
-              <a:rPr lang="en-US" altLang="en-US" dirty="0">
-                <a:ea typeface="MS PGothic" charset="-128"/>
-              </a:rPr>
-              <a:t>The parent process may wait for termination of a child process by using the </a:t>
-            </a:r>
-            <a:r>
-              <a:rPr lang="en-US" altLang="en-US" b="1" dirty="0">
-                <a:solidFill>
-                  <a:srgbClr val="000000"/>
-                </a:solidFill>
-                <a:latin typeface="Courier New" charset="0"/>
-                <a:ea typeface="MS PGothic" charset="-128"/>
-              </a:rPr>
-              <a:t>wait()</a:t>
-            </a:r>
-            <a:r>
-              <a:rPr lang="en-US" altLang="en-US" dirty="0">
-                <a:ea typeface="MS PGothic" charset="-128"/>
-              </a:rPr>
-              <a:t>system call</a:t>
-            </a:r>
-            <a:r>
-              <a:rPr lang="en-US" altLang="en-US" b="1" dirty="0">
-                <a:solidFill>
-                  <a:srgbClr val="000000"/>
-                </a:solidFill>
-                <a:latin typeface="Courier New" charset="0"/>
-                <a:ea typeface="MS PGothic" charset="-128"/>
-              </a:rPr>
-              <a:t>. </a:t>
-            </a:r>
-            <a:r>
-              <a:rPr lang="en-US" altLang="en-US" dirty="0">
-                <a:ea typeface="MS PGothic" charset="-128"/>
-              </a:rPr>
-              <a:t>The call returns status information and the </a:t>
-            </a:r>
-            <a:r>
-              <a:rPr lang="en-US" altLang="en-US" dirty="0" err="1">
-                <a:ea typeface="MS PGothic" charset="-128"/>
-              </a:rPr>
-              <a:t>pid</a:t>
-            </a:r>
-            <a:r>
-              <a:rPr lang="en-US" altLang="en-US" dirty="0">
-                <a:ea typeface="MS PGothic" charset="-128"/>
-              </a:rPr>
-              <a:t> of the terminated process</a:t>
-            </a:r>
-            <a:endParaRPr lang="en-US" altLang="en-US" b="1" dirty="0">
-              <a:solidFill>
-                <a:srgbClr val="000000"/>
-              </a:solidFill>
-              <a:latin typeface="Courier New" charset="0"/>
-              <a:ea typeface="MS PGothic" charset="-128"/>
-            </a:endParaRPr>
-          </a:p>
-          <a:p>
-            <a:pPr>
-              <a:buFont typeface="Monotype Sorts" charset="2"/>
-              <a:buNone/>
-            </a:pPr>
-            <a:r>
-              <a:rPr lang="en-US" altLang="en-US" b="1" dirty="0">
-                <a:solidFill>
-                  <a:srgbClr val="000000"/>
-                </a:solidFill>
-                <a:latin typeface="Courier New" charset="0"/>
-                <a:ea typeface="MS PGothic" charset="-128"/>
-              </a:rPr>
-              <a:t>      </a:t>
-            </a:r>
-            <a:r>
-              <a:rPr lang="en-US" altLang="en-US" b="1" dirty="0" err="1">
-                <a:solidFill>
-                  <a:srgbClr val="000000"/>
-                </a:solidFill>
-                <a:latin typeface="Courier New" charset="0"/>
-                <a:ea typeface="MS PGothic" charset="-128"/>
-              </a:rPr>
-              <a:t>pid</a:t>
-            </a:r>
-            <a:r>
-              <a:rPr lang="en-US" altLang="en-US" b="1" dirty="0">
-                <a:solidFill>
-                  <a:srgbClr val="000000"/>
-                </a:solidFill>
-                <a:latin typeface="Courier New" charset="0"/>
-                <a:ea typeface="MS PGothic" charset="-128"/>
-              </a:rPr>
-              <a:t> = wait(&amp;status); </a:t>
-            </a:r>
-          </a:p>
-          <a:p>
-            <a:r>
-              <a:rPr lang="en-US" altLang="en-US" dirty="0">
-                <a:ea typeface="MS PGothic" charset="-128"/>
-              </a:rPr>
-              <a:t>If no parent waiting (did not invoke </a:t>
-            </a:r>
-            <a:r>
-              <a:rPr lang="en-US" altLang="en-US" b="1" dirty="0">
-                <a:solidFill>
-                  <a:srgbClr val="000000"/>
-                </a:solidFill>
-                <a:latin typeface="Courier New" charset="0"/>
-                <a:ea typeface="MS PGothic" charset="-128"/>
-              </a:rPr>
-              <a:t>wait()</a:t>
-            </a:r>
-            <a:r>
-              <a:rPr lang="en-US" altLang="en-US" dirty="0">
-                <a:ea typeface="MS PGothic" charset="-128"/>
-              </a:rPr>
-              <a:t>) process is a </a:t>
-            </a:r>
-            <a:r>
-              <a:rPr lang="en-US" altLang="en-US" b="1" dirty="0">
-                <a:solidFill>
-                  <a:srgbClr val="3366FF"/>
-                </a:solidFill>
-                <a:ea typeface="MS PGothic" charset="-128"/>
-              </a:rPr>
-              <a:t>zombie</a:t>
-            </a:r>
-          </a:p>
-          <a:p>
-            <a:r>
-              <a:rPr lang="en-US" altLang="en-US" dirty="0">
-                <a:ea typeface="MS PGothic" charset="-128"/>
-              </a:rPr>
-              <a:t>If parent terminated without invoking</a:t>
-            </a:r>
-            <a:r>
-              <a:rPr lang="en-US" altLang="en-US" b="1" dirty="0">
-                <a:solidFill>
-                  <a:srgbClr val="000000"/>
-                </a:solidFill>
-                <a:latin typeface="Courier New" charset="0"/>
-                <a:ea typeface="MS PGothic" charset="-128"/>
-              </a:rPr>
-              <a:t> wait</a:t>
-            </a:r>
-            <a:r>
-              <a:rPr lang="en-US" altLang="en-US" dirty="0">
-                <a:ea typeface="MS PGothic" charset="-128"/>
-              </a:rPr>
-              <a:t> , process is an </a:t>
-            </a:r>
-            <a:r>
-              <a:rPr lang="en-US" altLang="en-US" b="1" dirty="0">
-                <a:solidFill>
-                  <a:srgbClr val="3366FF"/>
-                </a:solidFill>
-                <a:ea typeface="MS PGothic" charset="-128"/>
-              </a:rPr>
-              <a:t>orphan</a:t>
-            </a:r>
-          </a:p>
-        </p:txBody>
-      </p:sp>
-      <p:sp>
-        <p:nvSpPr>
-          <p:cNvPr id="3" name="Footer Placeholder 2"/>
-          <p:cNvSpPr>
-            <a:spLocks noGrp="1"/>
-          </p:cNvSpPr>
-          <p:nvPr>
-            <p:ph type="ftr" idx="11"/>
-          </p:nvPr>
-        </p:nvSpPr>
-        <p:spPr/>
-        <p:txBody>
-          <a:bodyPr/>
-          <a:lstStyle/>
-          <a:p>
-            <a:pPr>
-              <a:defRPr/>
-            </a:pPr>
-            <a:r>
-              <a:rPr lang="en-US">
-                <a:latin typeface="+mn-lt"/>
-              </a:rPr>
-              <a:t>CS/COE 1550 – Operating Systems – Sherif Khattab</a:t>
-            </a:r>
-            <a:endParaRPr lang="en-GB" dirty="0"/>
-          </a:p>
-        </p:txBody>
-      </p:sp>
-      <p:sp>
-        <p:nvSpPr>
-          <p:cNvPr id="4" name="Slide Number Placeholder 3"/>
-          <p:cNvSpPr>
-            <a:spLocks noGrp="1"/>
-          </p:cNvSpPr>
-          <p:nvPr>
-            <p:ph type="sldNum" idx="12"/>
-          </p:nvPr>
-        </p:nvSpPr>
-        <p:spPr/>
-        <p:txBody>
-          <a:bodyPr/>
-          <a:lstStyle/>
-          <a:p>
-            <a:fld id="{65E435D9-63B0-4660-8D04-E83F5E2CA2AE}" type="slidenum">
-              <a:rPr lang="en-GB" altLang="en-US" smtClean="0"/>
-              <a:pPr/>
-              <a:t>8</a:t>
-            </a:fld>
-            <a:endParaRPr lang="en-GB" altLang="en-US" dirty="0"/>
-          </a:p>
-        </p:txBody>
-      </p:sp>
-    </p:spTree>
-    <p:extLst>
-      <p:ext uri="{BB962C8B-B14F-4D97-AF65-F5344CB8AC3E}">
-        <p14:creationId xmlns:p14="http://schemas.microsoft.com/office/powerpoint/2010/main" val="306268545"/>
-      </p:ext>
-    </p:extLst>
-  </p:cSld>
-  <p:clrMapOvr>
-    <a:masterClrMapping/>
-  </p:clrMapOvr>
-</p:sld>
-</file>
-
-<file path=ppt/slides/slide9.xml><?xml version="1.0" encoding="utf-8"?>
-<p:sld xmlns:a="http://schemas.openxmlformats.org/drawingml/2006/main" xmlns:r="http://schemas.openxmlformats.org/officeDocument/2006/relationships" xmlns:p="http://schemas.openxmlformats.org/presentationml/2006/main">
-  <p:cSld>
-    <p:spTree>
-      <p:nvGrpSpPr>
-        <p:cNvPr id="1" name=""/>
-        <p:cNvGrpSpPr/>
-        <p:nvPr/>
-      </p:nvGrpSpPr>
-      <p:grpSpPr>
-        <a:xfrm>
-          <a:off x="0" y="0"/>
-          <a:ext cx="0" cy="0"/>
-          <a:chOff x="0" y="0"/>
-          <a:chExt cx="0" cy="0"/>
-        </a:xfrm>
-      </p:grpSpPr>
-      <p:sp>
-        <p:nvSpPr>
-          <p:cNvPr id="2" name="Title 1">
-            <a:extLst>
-              <a:ext uri="{FF2B5EF4-FFF2-40B4-BE49-F238E27FC236}">
-                <a16:creationId xmlns:a16="http://schemas.microsoft.com/office/drawing/2014/main" id="{21B069AF-6569-4512-986F-E784F07B4C99}"/>
-              </a:ext>
-            </a:extLst>
-          </p:cNvPr>
-          <p:cNvSpPr>
-            <a:spLocks noGrp="1"/>
-          </p:cNvSpPr>
-          <p:nvPr>
-            <p:ph type="title"/>
-          </p:nvPr>
-        </p:nvSpPr>
-        <p:spPr/>
-        <p:txBody>
-          <a:bodyPr/>
-          <a:lstStyle/>
-          <a:p>
-            <a:r>
-              <a:rPr lang="en-US" dirty="0"/>
-              <a:t>fork() tracing</a:t>
-            </a:r>
-          </a:p>
-        </p:txBody>
-      </p:sp>
-      <p:sp>
-        <p:nvSpPr>
-          <p:cNvPr id="3" name="Content Placeholder 2">
-            <a:extLst>
-              <a:ext uri="{FF2B5EF4-FFF2-40B4-BE49-F238E27FC236}">
-                <a16:creationId xmlns:a16="http://schemas.microsoft.com/office/drawing/2014/main" id="{53DEEDDA-87CA-4C22-AA4E-82F071E2C328}"/>
-              </a:ext>
-            </a:extLst>
-          </p:cNvPr>
-          <p:cNvSpPr>
-            <a:spLocks noGrp="1"/>
-          </p:cNvSpPr>
-          <p:nvPr>
-            <p:ph idx="1"/>
-          </p:nvPr>
-        </p:nvSpPr>
-        <p:spPr/>
-        <p:txBody>
-          <a:bodyPr/>
-          <a:lstStyle/>
-          <a:p>
-            <a:endParaRPr lang="en-US"/>
-          </a:p>
-        </p:txBody>
-      </p:sp>
-      <p:sp>
-        <p:nvSpPr>
-          <p:cNvPr id="4" name="Footer Placeholder 3">
-            <a:extLst>
-              <a:ext uri="{FF2B5EF4-FFF2-40B4-BE49-F238E27FC236}">
-                <a16:creationId xmlns:a16="http://schemas.microsoft.com/office/drawing/2014/main" id="{BFF0C662-DC70-47C2-AC2A-9C1C793BEB82}"/>
-              </a:ext>
-            </a:extLst>
-          </p:cNvPr>
-          <p:cNvSpPr>
-            <a:spLocks noGrp="1"/>
-          </p:cNvSpPr>
-          <p:nvPr>
-            <p:ph type="ftr" idx="11"/>
-          </p:nvPr>
-        </p:nvSpPr>
-        <p:spPr/>
-        <p:txBody>
-          <a:bodyPr/>
-          <a:lstStyle/>
-          <a:p>
-            <a:pPr>
-              <a:defRPr/>
-            </a:pPr>
-            <a:r>
-              <a:rPr lang="en-US">
-                <a:latin typeface="+mn-lt"/>
-              </a:rPr>
-              <a:t>CS/COE 1550 – Operating Systems – Sherif Khattab</a:t>
-            </a:r>
-            <a:endParaRPr lang="en-GB" dirty="0"/>
-          </a:p>
-        </p:txBody>
-      </p:sp>
-      <p:sp>
-        <p:nvSpPr>
-          <p:cNvPr id="5" name="Slide Number Placeholder 4">
-            <a:extLst>
-              <a:ext uri="{FF2B5EF4-FFF2-40B4-BE49-F238E27FC236}">
-                <a16:creationId xmlns:a16="http://schemas.microsoft.com/office/drawing/2014/main" id="{D2CA52D2-BB6F-4762-A6E0-F33C2E590D20}"/>
-              </a:ext>
-            </a:extLst>
-          </p:cNvPr>
-          <p:cNvSpPr>
-            <a:spLocks noGrp="1"/>
-          </p:cNvSpPr>
-          <p:nvPr>
-            <p:ph type="sldNum" idx="12"/>
-          </p:nvPr>
-        </p:nvSpPr>
-        <p:spPr/>
-        <p:txBody>
-          <a:bodyPr/>
-          <a:lstStyle/>
-          <a:p>
-            <a:fld id="{65E435D9-63B0-4660-8D04-E83F5E2CA2AE}" type="slidenum">
-              <a:rPr lang="en-GB" altLang="en-US" smtClean="0"/>
-              <a:pPr/>
-              <a:t>9</a:t>
-            </a:fld>
-            <a:endParaRPr lang="en-GB" altLang="en-US" dirty="0"/>
-          </a:p>
-        </p:txBody>
-      </p:sp>
-      <p:pic>
-        <p:nvPicPr>
-          <p:cNvPr id="7" name="Picture 6">
-            <a:extLst>
-              <a:ext uri="{FF2B5EF4-FFF2-40B4-BE49-F238E27FC236}">
-                <a16:creationId xmlns:a16="http://schemas.microsoft.com/office/drawing/2014/main" id="{A2165A44-E543-4E5D-ADBC-6FFA9E6C6982}"/>
-              </a:ext>
-            </a:extLst>
-          </p:cNvPr>
-          <p:cNvPicPr>
-            <a:picLocks noChangeAspect="1"/>
-          </p:cNvPicPr>
-          <p:nvPr/>
-        </p:nvPicPr>
-        <p:blipFill>
-          <a:blip r:embed="rId3"/>
-          <a:stretch>
-            <a:fillRect/>
-          </a:stretch>
-        </p:blipFill>
-        <p:spPr>
-          <a:xfrm>
-            <a:off x="398314" y="996286"/>
-            <a:ext cx="8856622" cy="5905596"/>
-          </a:xfrm>
-          <a:prstGeom prst="rect">
-            <a:avLst/>
-          </a:prstGeom>
-        </p:spPr>
-      </p:pic>
-    </p:spTree>
-    <p:extLst>
-      <p:ext uri="{BB962C8B-B14F-4D97-AF65-F5344CB8AC3E}">
-        <p14:creationId xmlns:p14="http://schemas.microsoft.com/office/powerpoint/2010/main" val="1845419114"/>
-      </p:ext>
-    </p:extLst>
-  </p:cSld>
-  <p:clrMapOvr>
-    <a:masterClrMapping/>
-  </p:clrMapOvr>
-</p:sld>
-</file>
-
 <file path=ppt/theme/theme1.xml><?xml version="1.0" encoding="utf-8"?>
 <a:theme xmlns:a="http://schemas.openxmlformats.org/drawingml/2006/main" name="Office Theme">
   <a:themeElements>

--- a/DraftSlides/Lecture4.pptx
+++ b/DraftSlides/Lecture4.pptx
@@ -6,7 +6,7 @@
     <p:sldMasterId id="2147483652" r:id="rId2"/>
   </p:sldMasterIdLst>
   <p:notesMasterIdLst>
-    <p:notesMasterId r:id="rId14"/>
+    <p:notesMasterId r:id="rId24"/>
   </p:notesMasterIdLst>
   <p:sldIdLst>
     <p:sldId id="454" r:id="rId3"/>
@@ -15,11 +15,21 @@
     <p:sldId id="504" r:id="rId6"/>
     <p:sldId id="524" r:id="rId7"/>
     <p:sldId id="499" r:id="rId8"/>
-    <p:sldId id="369" r:id="rId9"/>
-    <p:sldId id="372" r:id="rId10"/>
-    <p:sldId id="497" r:id="rId11"/>
-    <p:sldId id="377" r:id="rId12"/>
-    <p:sldId id="536" r:id="rId13"/>
+    <p:sldId id="322" r:id="rId9"/>
+    <p:sldId id="512" r:id="rId10"/>
+    <p:sldId id="517" r:id="rId11"/>
+    <p:sldId id="508" r:id="rId12"/>
+    <p:sldId id="549" r:id="rId13"/>
+    <p:sldId id="282" r:id="rId14"/>
+    <p:sldId id="518" r:id="rId15"/>
+    <p:sldId id="519" r:id="rId16"/>
+    <p:sldId id="503" r:id="rId17"/>
+    <p:sldId id="501" r:id="rId18"/>
+    <p:sldId id="369" r:id="rId19"/>
+    <p:sldId id="372" r:id="rId20"/>
+    <p:sldId id="497" r:id="rId21"/>
+    <p:sldId id="377" r:id="rId22"/>
+    <p:sldId id="536" r:id="rId23"/>
   </p:sldIdLst>
   <p:sldSz cx="10080625" cy="7559675"/>
   <p:notesSz cx="7772400" cy="10058400"/>
@@ -224,7 +234,7 @@
 <file path=ppt/revisionInfo.xml><?xml version="1.0" encoding="utf-8"?>
 <p1510:revInfo xmlns:a="http://schemas.openxmlformats.org/drawingml/2006/main" xmlns:r="http://schemas.openxmlformats.org/officeDocument/2006/relationships" xmlns:p1510="http://schemas.microsoft.com/office/powerpoint/2015/10/main">
   <p1510:revLst>
-    <p1510:client id="{E2BF0542-8AC8-C546-A69D-6176F8674AAF}" v="9" dt="2022-01-20T05:43:06.434"/>
+    <p1510:client id="{E2BF0542-8AC8-C546-A69D-6176F8674AAF}" v="12" dt="2022-01-20T15:49:53.051"/>
   </p1510:revLst>
 </p1510:revInfo>
 </file>
@@ -1868,11 +1878,25 @@
   <pc:docChgLst>
     <pc:chgData name="Khattab, Sherif" userId="c83b1e15-36f3-4f46-aceb-05aac24c545e" providerId="ADAL" clId="{E2BF0542-8AC8-C546-A69D-6176F8674AAF}"/>
     <pc:docChg chg="addSld delSld modSld">
-      <pc:chgData name="Khattab, Sherif" userId="c83b1e15-36f3-4f46-aceb-05aac24c545e" providerId="ADAL" clId="{E2BF0542-8AC8-C546-A69D-6176F8674AAF}" dt="2022-01-20T05:43:06.433" v="8"/>
+      <pc:chgData name="Khattab, Sherif" userId="c83b1e15-36f3-4f46-aceb-05aac24c545e" providerId="ADAL" clId="{E2BF0542-8AC8-C546-A69D-6176F8674AAF}" dt="2022-01-20T15:49:53.050" v="11"/>
       <pc:docMkLst>
         <pc:docMk/>
       </pc:docMkLst>
       <pc:sldChg chg="add del">
+        <pc:chgData name="Khattab, Sherif" userId="c83b1e15-36f3-4f46-aceb-05aac24c545e" providerId="ADAL" clId="{E2BF0542-8AC8-C546-A69D-6176F8674AAF}" dt="2022-01-20T15:49:53.050" v="11"/>
+        <pc:sldMkLst>
+          <pc:docMk/>
+          <pc:sldMk cId="306268545" sldId="282"/>
+        </pc:sldMkLst>
+      </pc:sldChg>
+      <pc:sldChg chg="add del">
+        <pc:chgData name="Khattab, Sherif" userId="c83b1e15-36f3-4f46-aceb-05aac24c545e" providerId="ADAL" clId="{E2BF0542-8AC8-C546-A69D-6176F8674AAF}" dt="2022-01-20T15:49:53.050" v="11"/>
+        <pc:sldMkLst>
+          <pc:docMk/>
+          <pc:sldMk cId="2685283246" sldId="322"/>
+        </pc:sldMkLst>
+      </pc:sldChg>
+      <pc:sldChg chg="add del">
         <pc:chgData name="Khattab, Sherif" userId="c83b1e15-36f3-4f46-aceb-05aac24c545e" providerId="ADAL" clId="{E2BF0542-8AC8-C546-A69D-6176F8674AAF}" dt="2022-01-20T05:38:47.129" v="2"/>
         <pc:sldMkLst>
           <pc:docMk/>
@@ -1901,10 +1925,66 @@
         </pc:sldMkLst>
       </pc:sldChg>
       <pc:sldChg chg="add del">
+        <pc:chgData name="Khattab, Sherif" userId="c83b1e15-36f3-4f46-aceb-05aac24c545e" providerId="ADAL" clId="{E2BF0542-8AC8-C546-A69D-6176F8674AAF}" dt="2022-01-20T15:49:53.050" v="11"/>
+        <pc:sldMkLst>
+          <pc:docMk/>
+          <pc:sldMk cId="3419089429" sldId="501"/>
+        </pc:sldMkLst>
+      </pc:sldChg>
+      <pc:sldChg chg="add del">
+        <pc:chgData name="Khattab, Sherif" userId="c83b1e15-36f3-4f46-aceb-05aac24c545e" providerId="ADAL" clId="{E2BF0542-8AC8-C546-A69D-6176F8674AAF}" dt="2022-01-20T15:49:53.050" v="11"/>
+        <pc:sldMkLst>
+          <pc:docMk/>
+          <pc:sldMk cId="4120720973" sldId="503"/>
+        </pc:sldMkLst>
+      </pc:sldChg>
+      <pc:sldChg chg="add del">
+        <pc:chgData name="Khattab, Sherif" userId="c83b1e15-36f3-4f46-aceb-05aac24c545e" providerId="ADAL" clId="{E2BF0542-8AC8-C546-A69D-6176F8674AAF}" dt="2022-01-20T15:49:53.050" v="11"/>
+        <pc:sldMkLst>
+          <pc:docMk/>
+          <pc:sldMk cId="2093362943" sldId="508"/>
+        </pc:sldMkLst>
+      </pc:sldChg>
+      <pc:sldChg chg="add del">
+        <pc:chgData name="Khattab, Sherif" userId="c83b1e15-36f3-4f46-aceb-05aac24c545e" providerId="ADAL" clId="{E2BF0542-8AC8-C546-A69D-6176F8674AAF}" dt="2022-01-20T15:49:53.050" v="11"/>
+        <pc:sldMkLst>
+          <pc:docMk/>
+          <pc:sldMk cId="2743959136" sldId="512"/>
+        </pc:sldMkLst>
+      </pc:sldChg>
+      <pc:sldChg chg="add del">
+        <pc:chgData name="Khattab, Sherif" userId="c83b1e15-36f3-4f46-aceb-05aac24c545e" providerId="ADAL" clId="{E2BF0542-8AC8-C546-A69D-6176F8674AAF}" dt="2022-01-20T15:49:53.050" v="11"/>
+        <pc:sldMkLst>
+          <pc:docMk/>
+          <pc:sldMk cId="1845419114" sldId="517"/>
+        </pc:sldMkLst>
+      </pc:sldChg>
+      <pc:sldChg chg="add del">
+        <pc:chgData name="Khattab, Sherif" userId="c83b1e15-36f3-4f46-aceb-05aac24c545e" providerId="ADAL" clId="{E2BF0542-8AC8-C546-A69D-6176F8674AAF}" dt="2022-01-20T15:49:53.050" v="11"/>
+        <pc:sldMkLst>
+          <pc:docMk/>
+          <pc:sldMk cId="2804781805" sldId="518"/>
+        </pc:sldMkLst>
+      </pc:sldChg>
+      <pc:sldChg chg="add del">
+        <pc:chgData name="Khattab, Sherif" userId="c83b1e15-36f3-4f46-aceb-05aac24c545e" providerId="ADAL" clId="{E2BF0542-8AC8-C546-A69D-6176F8674AAF}" dt="2022-01-20T15:49:53.050" v="11"/>
+        <pc:sldMkLst>
+          <pc:docMk/>
+          <pc:sldMk cId="1525193433" sldId="519"/>
+        </pc:sldMkLst>
+      </pc:sldChg>
+      <pc:sldChg chg="add del">
         <pc:chgData name="Khattab, Sherif" userId="c83b1e15-36f3-4f46-aceb-05aac24c545e" providerId="ADAL" clId="{E2BF0542-8AC8-C546-A69D-6176F8674AAF}" dt="2022-01-20T05:43:06.433" v="8"/>
         <pc:sldMkLst>
           <pc:docMk/>
           <pc:sldMk cId="3742099282" sldId="536"/>
+        </pc:sldMkLst>
+      </pc:sldChg>
+      <pc:sldChg chg="add del">
+        <pc:chgData name="Khattab, Sherif" userId="c83b1e15-36f3-4f46-aceb-05aac24c545e" providerId="ADAL" clId="{E2BF0542-8AC8-C546-A69D-6176F8674AAF}" dt="2022-01-20T15:49:53.050" v="11"/>
+        <pc:sldMkLst>
+          <pc:docMk/>
+          <pc:sldMk cId="2710097941" sldId="549"/>
         </pc:sldMkLst>
       </pc:sldChg>
     </pc:docChg>
@@ -10206,6 +10286,257 @@
     <p:extLst>
       <p:ext uri="{BB962C8B-B14F-4D97-AF65-F5344CB8AC3E}">
         <p14:creationId xmlns:p14="http://schemas.microsoft.com/office/powerpoint/2010/main" val="3068663691"/>
+      </p:ext>
+    </p:extLst>
+  </p:cSld>
+  <p:clrMapOvr>
+    <a:masterClrMapping/>
+  </p:clrMapOvr>
+</p:notes>
+</file>
+
+<file path=ppt/notesSlides/notesSlide2.xml><?xml version="1.0" encoding="utf-8"?>
+<p:notes xmlns:a="http://schemas.openxmlformats.org/drawingml/2006/main" xmlns:r="http://schemas.openxmlformats.org/officeDocument/2006/relationships" xmlns:p="http://schemas.openxmlformats.org/presentationml/2006/main">
+  <p:cSld>
+    <p:spTree>
+      <p:nvGrpSpPr>
+        <p:cNvPr id="1" name=""/>
+        <p:cNvGrpSpPr/>
+        <p:nvPr/>
+      </p:nvGrpSpPr>
+      <p:grpSpPr>
+        <a:xfrm>
+          <a:off x="0" y="0"/>
+          <a:ext cx="0" cy="0"/>
+          <a:chOff x="0" y="0"/>
+          <a:chExt cx="0" cy="0"/>
+        </a:xfrm>
+      </p:grpSpPr>
+      <p:sp>
+        <p:nvSpPr>
+          <p:cNvPr id="2" name="Slide Image Placeholder 1"/>
+          <p:cNvSpPr>
+            <a:spLocks noGrp="1" noRot="1" noChangeAspect="1"/>
+          </p:cNvSpPr>
+          <p:nvPr>
+            <p:ph type="sldImg"/>
+          </p:nvPr>
+        </p:nvSpPr>
+        <p:spPr/>
+      </p:sp>
+      <p:sp>
+        <p:nvSpPr>
+          <p:cNvPr id="3" name="Notes Placeholder 2"/>
+          <p:cNvSpPr>
+            <a:spLocks noGrp="1"/>
+          </p:cNvSpPr>
+          <p:nvPr>
+            <p:ph type="body" idx="1"/>
+          </p:nvPr>
+        </p:nvSpPr>
+        <p:spPr/>
+        <p:txBody>
+          <a:bodyPr/>
+          <a:lstStyle/>
+          <a:p>
+            <a:r>
+              <a:rPr lang="en-US" dirty="0"/>
+              <a:t> </a:t>
+            </a:r>
+          </a:p>
+        </p:txBody>
+      </p:sp>
+      <p:sp>
+        <p:nvSpPr>
+          <p:cNvPr id="4" name="Slide Number Placeholder 3"/>
+          <p:cNvSpPr>
+            <a:spLocks noGrp="1"/>
+          </p:cNvSpPr>
+          <p:nvPr>
+            <p:ph type="sldNum"/>
+          </p:nvPr>
+        </p:nvSpPr>
+        <p:spPr/>
+        <p:txBody>
+          <a:bodyPr/>
+          <a:lstStyle/>
+          <a:p>
+            <a:pPr marL="0" marR="0" lvl="0" indent="0" algn="r" defTabSz="457200" rtl="0" eaLnBrk="1" fontAlgn="base" latinLnBrk="0" hangingPunct="0">
+              <a:lnSpc>
+                <a:spcPct val="96000"/>
+              </a:lnSpc>
+              <a:spcBef>
+                <a:spcPct val="0"/>
+              </a:spcBef>
+              <a:spcAft>
+                <a:spcPct val="0"/>
+              </a:spcAft>
+              <a:buClr>
+                <a:srgbClr val="000000"/>
+              </a:buClr>
+              <a:buSzPct val="100000"/>
+              <a:buFont typeface="Times New Roman" panose="02020603050405020304" pitchFamily="18" charset="0"/>
+              <a:buNone/>
+              <a:tabLst>
+                <a:tab pos="723900" algn="l"/>
+                <a:tab pos="1447800" algn="l"/>
+                <a:tab pos="2171700" algn="l"/>
+                <a:tab pos="2895600" algn="l"/>
+              </a:tabLst>
+              <a:defRPr/>
+            </a:pPr>
+            <a:fld id="{6BBF61AC-9675-4DE0-97B3-F33B7A218B95}" type="slidenum">
+              <a:rPr kumimoji="0" lang="en-GB" altLang="en-US" sz="1400" b="0" i="0" u="none" strike="noStrike" kern="1200" cap="none" spc="0" normalizeH="0" baseline="0" noProof="0" smtClean="0">
+                <a:ln>
+                  <a:noFill/>
+                </a:ln>
+                <a:solidFill>
+                  <a:srgbClr val="000000"/>
+                </a:solidFill>
+                <a:effectLst/>
+                <a:uLnTx/>
+                <a:uFillTx/>
+                <a:latin typeface="Times New Roman" panose="02020603050405020304" pitchFamily="18" charset="0"/>
+                <a:ea typeface="Arial Unicode MS" panose="020B0604020202020204" pitchFamily="34" charset="-128"/>
+                <a:cs typeface="Arial Unicode MS" panose="020B0604020202020204" pitchFamily="34" charset="-128"/>
+              </a:rPr>
+              <a:pPr marL="0" marR="0" lvl="0" indent="0" algn="r" defTabSz="457200" rtl="0" eaLnBrk="1" fontAlgn="base" latinLnBrk="0" hangingPunct="0">
+                <a:lnSpc>
+                  <a:spcPct val="96000"/>
+                </a:lnSpc>
+                <a:spcBef>
+                  <a:spcPct val="0"/>
+                </a:spcBef>
+                <a:spcAft>
+                  <a:spcPct val="0"/>
+                </a:spcAft>
+                <a:buClr>
+                  <a:srgbClr val="000000"/>
+                </a:buClr>
+                <a:buSzPct val="100000"/>
+                <a:buFont typeface="Times New Roman" panose="02020603050405020304" pitchFamily="18" charset="0"/>
+                <a:buNone/>
+                <a:tabLst>
+                  <a:tab pos="723900" algn="l"/>
+                  <a:tab pos="1447800" algn="l"/>
+                  <a:tab pos="2171700" algn="l"/>
+                  <a:tab pos="2895600" algn="l"/>
+                </a:tabLst>
+                <a:defRPr/>
+              </a:pPr>
+              <a:t>9</a:t>
+            </a:fld>
+            <a:endParaRPr kumimoji="0" lang="en-GB" altLang="en-US" sz="1400" b="0" i="0" u="none" strike="noStrike" kern="1200" cap="none" spc="0" normalizeH="0" baseline="0" noProof="0">
+              <a:ln>
+                <a:noFill/>
+              </a:ln>
+              <a:solidFill>
+                <a:srgbClr val="000000"/>
+              </a:solidFill>
+              <a:effectLst/>
+              <a:uLnTx/>
+              <a:uFillTx/>
+              <a:latin typeface="Times New Roman" panose="02020603050405020304" pitchFamily="18" charset="0"/>
+              <a:ea typeface="Arial Unicode MS" panose="020B0604020202020204" pitchFamily="34" charset="-128"/>
+              <a:cs typeface="Arial Unicode MS" panose="020B0604020202020204" pitchFamily="34" charset="-128"/>
+            </a:endParaRPr>
+          </a:p>
+        </p:txBody>
+      </p:sp>
+    </p:spTree>
+    <p:extLst>
+      <p:ext uri="{BB962C8B-B14F-4D97-AF65-F5344CB8AC3E}">
+        <p14:creationId xmlns:p14="http://schemas.microsoft.com/office/powerpoint/2010/main" val="2347785079"/>
+      </p:ext>
+    </p:extLst>
+  </p:cSld>
+  <p:clrMapOvr>
+    <a:masterClrMapping/>
+  </p:clrMapOvr>
+</p:notes>
+</file>
+
+<file path=ppt/notesSlides/notesSlide3.xml><?xml version="1.0" encoding="utf-8"?>
+<p:notes xmlns:a="http://schemas.openxmlformats.org/drawingml/2006/main" xmlns:r="http://schemas.openxmlformats.org/officeDocument/2006/relationships" xmlns:p="http://schemas.openxmlformats.org/presentationml/2006/main">
+  <p:cSld>
+    <p:spTree>
+      <p:nvGrpSpPr>
+        <p:cNvPr id="1" name=""/>
+        <p:cNvGrpSpPr/>
+        <p:nvPr/>
+      </p:nvGrpSpPr>
+      <p:grpSpPr>
+        <a:xfrm>
+          <a:off x="0" y="0"/>
+          <a:ext cx="0" cy="0"/>
+          <a:chOff x="0" y="0"/>
+          <a:chExt cx="0" cy="0"/>
+        </a:xfrm>
+      </p:grpSpPr>
+      <p:sp>
+        <p:nvSpPr>
+          <p:cNvPr id="94210" name="Rectangle 2"/>
+          <p:cNvSpPr>
+            <a:spLocks noGrp="1" noRot="1" noChangeAspect="1" noChangeArrowheads="1" noTextEdit="1"/>
+          </p:cNvSpPr>
+          <p:nvPr>
+            <p:ph type="sldImg"/>
+          </p:nvPr>
+        </p:nvSpPr>
+        <p:spPr>
+          <a:ln/>
+        </p:spPr>
+      </p:sp>
+      <p:sp>
+        <p:nvSpPr>
+          <p:cNvPr id="94211" name="Rectangle 3"/>
+          <p:cNvSpPr>
+            <a:spLocks noGrp="1" noChangeArrowheads="1"/>
+          </p:cNvSpPr>
+          <p:nvPr>
+            <p:ph type="body" idx="1"/>
+          </p:nvPr>
+        </p:nvSpPr>
+        <p:spPr>
+          <a:noFill/>
+          <a:ln/>
+          <a:extLst>
+            <a:ext uri="{909E8E84-426E-40DD-AFC4-6F175D3DCCD1}">
+              <a14:hiddenFill xmlns:a14="http://schemas.microsoft.com/office/drawing/2010/main">
+                <a:solidFill>
+                  <a:srgbClr val="FFFFFF"/>
+                </a:solidFill>
+              </a14:hiddenFill>
+            </a:ext>
+            <a:ext uri="{91240B29-F687-4F45-9708-019B960494DF}">
+              <a14:hiddenLine xmlns:a14="http://schemas.microsoft.com/office/drawing/2010/main" w="9525">
+                <a:solidFill>
+                  <a:srgbClr val="000000"/>
+                </a:solidFill>
+                <a:miter lim="800000"/>
+                <a:headEnd/>
+                <a:tailEnd/>
+              </a14:hiddenLine>
+            </a:ext>
+            <a:ext uri="{FAA26D3D-D897-4be2-8F04-BA451C77F1D7}">
+              <ma14:placeholderFlag xmlns="" xmlns:ma14="http://schemas.microsoft.com/office/mac/drawingml/2011/main" val="1"/>
+            </a:ext>
+          </a:extLst>
+        </p:spPr>
+        <p:txBody>
+          <a:bodyPr/>
+          <a:lstStyle/>
+          <a:p>
+            <a:endParaRPr lang="en-US" altLang="en-US">
+              <a:ea typeface="MS PGothic" charset="-128"/>
+            </a:endParaRPr>
+          </a:p>
+        </p:txBody>
+      </p:sp>
+    </p:spTree>
+    <p:extLst>
+      <p:ext uri="{BB962C8B-B14F-4D97-AF65-F5344CB8AC3E}">
+        <p14:creationId xmlns:p14="http://schemas.microsoft.com/office/powerpoint/2010/main" val="2084617603"/>
       </p:ext>
     </p:extLst>
   </p:cSld>
@@ -13325,10 +13656,3013 @@
       </p:grpSpPr>
       <p:sp>
         <p:nvSpPr>
-          <p:cNvPr id="114693" name="Rectangle 5">
+          <p:cNvPr id="2" name="Title 1">
             <a:extLst>
               <a:ext uri="{FF2B5EF4-FFF2-40B4-BE49-F238E27FC236}">
-                <a16:creationId xmlns:a16="http://schemas.microsoft.com/office/drawing/2014/main" id="{2AAD9DE3-45D5-A249-B337-D99D281826B9}"/>
+                <a16:creationId xmlns:a16="http://schemas.microsoft.com/office/drawing/2014/main" id="{9EB84ECC-A963-45D4-A10E-8ED34DA7EC35}"/>
+              </a:ext>
+            </a:extLst>
+          </p:cNvPr>
+          <p:cNvSpPr>
+            <a:spLocks noGrp="1"/>
+          </p:cNvSpPr>
+          <p:nvPr>
+            <p:ph type="title"/>
+          </p:nvPr>
+        </p:nvSpPr>
+        <p:spPr/>
+        <p:txBody>
+          <a:bodyPr/>
+          <a:lstStyle/>
+          <a:p>
+            <a:r>
+              <a:rPr lang="en-US" dirty="0"/>
+              <a:t>fork()’s of fork()’s</a:t>
+            </a:r>
+          </a:p>
+        </p:txBody>
+      </p:sp>
+      <p:sp>
+        <p:nvSpPr>
+          <p:cNvPr id="3" name="Content Placeholder 2">
+            <a:extLst>
+              <a:ext uri="{FF2B5EF4-FFF2-40B4-BE49-F238E27FC236}">
+                <a16:creationId xmlns:a16="http://schemas.microsoft.com/office/drawing/2014/main" id="{4BD0A427-7FF9-44C0-89AC-CDA907FC64C9}"/>
+              </a:ext>
+            </a:extLst>
+          </p:cNvPr>
+          <p:cNvSpPr>
+            <a:spLocks noGrp="1"/>
+          </p:cNvSpPr>
+          <p:nvPr>
+            <p:ph idx="1"/>
+          </p:nvPr>
+        </p:nvSpPr>
+        <p:spPr/>
+        <p:txBody>
+          <a:bodyPr/>
+          <a:lstStyle/>
+          <a:p>
+            <a:endParaRPr lang="en-US"/>
+          </a:p>
+        </p:txBody>
+      </p:sp>
+      <p:sp>
+        <p:nvSpPr>
+          <p:cNvPr id="4" name="Footer Placeholder 3">
+            <a:extLst>
+              <a:ext uri="{FF2B5EF4-FFF2-40B4-BE49-F238E27FC236}">
+                <a16:creationId xmlns:a16="http://schemas.microsoft.com/office/drawing/2014/main" id="{D89EF069-42A6-4C7D-A34F-6A405A2E2FFF}"/>
+              </a:ext>
+            </a:extLst>
+          </p:cNvPr>
+          <p:cNvSpPr>
+            <a:spLocks noGrp="1"/>
+          </p:cNvSpPr>
+          <p:nvPr>
+            <p:ph type="ftr" idx="11"/>
+          </p:nvPr>
+        </p:nvSpPr>
+        <p:spPr/>
+        <p:txBody>
+          <a:bodyPr/>
+          <a:lstStyle/>
+          <a:p>
+            <a:pPr marL="0" marR="0" lvl="0" indent="0" algn="ctr" defTabSz="457200" rtl="0" eaLnBrk="1" fontAlgn="base" latinLnBrk="0" hangingPunct="0">
+              <a:lnSpc>
+                <a:spcPct val="96000"/>
+              </a:lnSpc>
+              <a:spcBef>
+                <a:spcPct val="0"/>
+              </a:spcBef>
+              <a:spcAft>
+                <a:spcPct val="0"/>
+              </a:spcAft>
+              <a:buClr>
+                <a:srgbClr val="000000"/>
+              </a:buClr>
+              <a:buSzPct val="100000"/>
+              <a:buFont typeface="Times New Roman" pitchFamily="16" charset="0"/>
+              <a:buNone/>
+              <a:tabLst>
+                <a:tab pos="0" algn="l"/>
+                <a:tab pos="457200" algn="l"/>
+                <a:tab pos="914400" algn="l"/>
+                <a:tab pos="1371600" algn="l"/>
+                <a:tab pos="1828800" algn="l"/>
+                <a:tab pos="2286000" algn="l"/>
+                <a:tab pos="2743200" algn="l"/>
+                <a:tab pos="3200400" algn="l"/>
+                <a:tab pos="3657600" algn="l"/>
+                <a:tab pos="4114800" algn="l"/>
+                <a:tab pos="4572000" algn="l"/>
+                <a:tab pos="5029200" algn="l"/>
+                <a:tab pos="5486400" algn="l"/>
+                <a:tab pos="5943600" algn="l"/>
+                <a:tab pos="6400800" algn="l"/>
+                <a:tab pos="6858000" algn="l"/>
+                <a:tab pos="7315200" algn="l"/>
+                <a:tab pos="7772400" algn="l"/>
+                <a:tab pos="8229600" algn="l"/>
+                <a:tab pos="8686800" algn="l"/>
+                <a:tab pos="9144000" algn="l"/>
+              </a:tabLst>
+              <a:defRPr/>
+            </a:pPr>
+            <a:r>
+              <a:rPr kumimoji="0" lang="en-US" sz="1400" b="0" i="0" u="none" strike="noStrike" kern="1200" cap="none" spc="0" normalizeH="0" baseline="0" noProof="0">
+                <a:ln>
+                  <a:noFill/>
+                </a:ln>
+                <a:solidFill>
+                  <a:srgbClr val="000000"/>
+                </a:solidFill>
+                <a:effectLst/>
+                <a:uLnTx/>
+                <a:uFillTx/>
+                <a:latin typeface="Arial"/>
+                <a:ea typeface="+mn-ea"/>
+                <a:cs typeface="Arial" charset="0"/>
+              </a:rPr>
+              <a:t>CS/COE 1550 – Operating Systems – Sherif Khattab</a:t>
+            </a:r>
+            <a:endParaRPr kumimoji="0" lang="en-GB" sz="1400" b="0" i="0" u="none" strike="noStrike" kern="1200" cap="none" spc="0" normalizeH="0" baseline="0" noProof="0" dirty="0">
+              <a:ln>
+                <a:noFill/>
+              </a:ln>
+              <a:solidFill>
+                <a:srgbClr val="000000"/>
+              </a:solidFill>
+              <a:effectLst/>
+              <a:uLnTx/>
+              <a:uFillTx/>
+              <a:latin typeface="Times New Roman" pitchFamily="16" charset="0"/>
+              <a:ea typeface="+mn-ea"/>
+              <a:cs typeface="Arial" charset="0"/>
+            </a:endParaRPr>
+          </a:p>
+        </p:txBody>
+      </p:sp>
+      <p:sp>
+        <p:nvSpPr>
+          <p:cNvPr id="5" name="Slide Number Placeholder 4">
+            <a:extLst>
+              <a:ext uri="{FF2B5EF4-FFF2-40B4-BE49-F238E27FC236}">
+                <a16:creationId xmlns:a16="http://schemas.microsoft.com/office/drawing/2014/main" id="{EB1B3408-586A-4307-9797-81AEC12B005E}"/>
+              </a:ext>
+            </a:extLst>
+          </p:cNvPr>
+          <p:cNvSpPr>
+            <a:spLocks noGrp="1"/>
+          </p:cNvSpPr>
+          <p:nvPr>
+            <p:ph type="sldNum" idx="12"/>
+          </p:nvPr>
+        </p:nvSpPr>
+        <p:spPr/>
+        <p:txBody>
+          <a:bodyPr/>
+          <a:lstStyle/>
+          <a:p>
+            <a:pPr marL="0" marR="0" lvl="0" indent="0" algn="r" defTabSz="457200" rtl="0" eaLnBrk="1" fontAlgn="base" latinLnBrk="0" hangingPunct="0">
+              <a:lnSpc>
+                <a:spcPct val="96000"/>
+              </a:lnSpc>
+              <a:spcBef>
+                <a:spcPct val="0"/>
+              </a:spcBef>
+              <a:spcAft>
+                <a:spcPct val="0"/>
+              </a:spcAft>
+              <a:buClr>
+                <a:srgbClr val="000000"/>
+              </a:buClr>
+              <a:buSzPct val="100000"/>
+              <a:buFont typeface="Times New Roman" panose="02020603050405020304" pitchFamily="18" charset="0"/>
+              <a:buNone/>
+              <a:tabLst/>
+              <a:defRPr/>
+            </a:pPr>
+            <a:fld id="{65E435D9-63B0-4660-8D04-E83F5E2CA2AE}" type="slidenum">
+              <a:rPr kumimoji="0" lang="en-GB" altLang="en-US" sz="1400" b="0" i="0" u="none" strike="noStrike" kern="1200" cap="none" spc="0" normalizeH="0" baseline="0" noProof="0" smtClean="0">
+                <a:ln>
+                  <a:noFill/>
+                </a:ln>
+                <a:solidFill>
+                  <a:srgbClr val="000000"/>
+                </a:solidFill>
+                <a:effectLst/>
+                <a:uLnTx/>
+                <a:uFillTx/>
+                <a:latin typeface="Times New Roman" panose="02020603050405020304" pitchFamily="18" charset="0"/>
+                <a:ea typeface="+mn-ea"/>
+                <a:cs typeface="Arial" panose="020B0604020202020204" pitchFamily="34" charset="0"/>
+              </a:rPr>
+              <a:pPr marL="0" marR="0" lvl="0" indent="0" algn="r" defTabSz="457200" rtl="0" eaLnBrk="1" fontAlgn="base" latinLnBrk="0" hangingPunct="0">
+                <a:lnSpc>
+                  <a:spcPct val="96000"/>
+                </a:lnSpc>
+                <a:spcBef>
+                  <a:spcPct val="0"/>
+                </a:spcBef>
+                <a:spcAft>
+                  <a:spcPct val="0"/>
+                </a:spcAft>
+                <a:buClr>
+                  <a:srgbClr val="000000"/>
+                </a:buClr>
+                <a:buSzPct val="100000"/>
+                <a:buFont typeface="Times New Roman" panose="02020603050405020304" pitchFamily="18" charset="0"/>
+                <a:buNone/>
+                <a:tabLst/>
+                <a:defRPr/>
+              </a:pPr>
+              <a:t>10</a:t>
+            </a:fld>
+            <a:endParaRPr kumimoji="0" lang="en-GB" altLang="en-US" sz="1400" b="0" i="0" u="none" strike="noStrike" kern="1200" cap="none" spc="0" normalizeH="0" baseline="0" noProof="0" dirty="0">
+              <a:ln>
+                <a:noFill/>
+              </a:ln>
+              <a:solidFill>
+                <a:srgbClr val="000000"/>
+              </a:solidFill>
+              <a:effectLst/>
+              <a:uLnTx/>
+              <a:uFillTx/>
+              <a:latin typeface="Times New Roman" panose="02020603050405020304" pitchFamily="18" charset="0"/>
+              <a:ea typeface="+mn-ea"/>
+              <a:cs typeface="Arial" panose="020B0604020202020204" pitchFamily="34" charset="0"/>
+            </a:endParaRPr>
+          </a:p>
+        </p:txBody>
+      </p:sp>
+      <p:pic>
+        <p:nvPicPr>
+          <p:cNvPr id="7" name="Picture 6">
+            <a:extLst>
+              <a:ext uri="{FF2B5EF4-FFF2-40B4-BE49-F238E27FC236}">
+                <a16:creationId xmlns:a16="http://schemas.microsoft.com/office/drawing/2014/main" id="{F2F5B2AD-A872-4FA9-A92F-14E4C405740D}"/>
+              </a:ext>
+            </a:extLst>
+          </p:cNvPr>
+          <p:cNvPicPr>
+            <a:picLocks noChangeAspect="1"/>
+          </p:cNvPicPr>
+          <p:nvPr/>
+        </p:nvPicPr>
+        <p:blipFill>
+          <a:blip r:embed="rId2"/>
+          <a:stretch>
+            <a:fillRect/>
+          </a:stretch>
+        </p:blipFill>
+        <p:spPr>
+          <a:xfrm>
+            <a:off x="904259" y="1192033"/>
+            <a:ext cx="8416570" cy="5612169"/>
+          </a:xfrm>
+          <a:prstGeom prst="rect">
+            <a:avLst/>
+          </a:prstGeom>
+        </p:spPr>
+      </p:pic>
+    </p:spTree>
+    <p:extLst>
+      <p:ext uri="{BB962C8B-B14F-4D97-AF65-F5344CB8AC3E}">
+        <p14:creationId xmlns:p14="http://schemas.microsoft.com/office/powerpoint/2010/main" val="2093362943"/>
+      </p:ext>
+    </p:extLst>
+  </p:cSld>
+  <p:clrMapOvr>
+    <a:masterClrMapping/>
+  </p:clrMapOvr>
+</p:sld>
+</file>
+
+<file path=ppt/slides/slide11.xml><?xml version="1.0" encoding="utf-8"?>
+<p:sld xmlns:a="http://schemas.openxmlformats.org/drawingml/2006/main" xmlns:r="http://schemas.openxmlformats.org/officeDocument/2006/relationships" xmlns:p="http://schemas.openxmlformats.org/presentationml/2006/main">
+  <p:cSld>
+    <p:spTree>
+      <p:nvGrpSpPr>
+        <p:cNvPr id="1" name=""/>
+        <p:cNvGrpSpPr/>
+        <p:nvPr/>
+      </p:nvGrpSpPr>
+      <p:grpSpPr>
+        <a:xfrm>
+          <a:off x="0" y="0"/>
+          <a:ext cx="0" cy="0"/>
+          <a:chOff x="0" y="0"/>
+          <a:chExt cx="0" cy="0"/>
+        </a:xfrm>
+      </p:grpSpPr>
+      <p:sp>
+        <p:nvSpPr>
+          <p:cNvPr id="2" name="Title 1">
+            <a:extLst>
+              <a:ext uri="{FF2B5EF4-FFF2-40B4-BE49-F238E27FC236}">
+                <a16:creationId xmlns:a16="http://schemas.microsoft.com/office/drawing/2014/main" id="{863A8B5D-0DA9-1B40-B4F4-ACA6740ABCE2}"/>
+              </a:ext>
+            </a:extLst>
+          </p:cNvPr>
+          <p:cNvSpPr>
+            <a:spLocks noGrp="1"/>
+          </p:cNvSpPr>
+          <p:nvPr>
+            <p:ph type="title"/>
+          </p:nvPr>
+        </p:nvSpPr>
+        <p:spPr/>
+        <p:txBody>
+          <a:bodyPr/>
+          <a:lstStyle/>
+          <a:p>
+            <a:r>
+              <a:rPr lang="en-US" dirty="0"/>
+              <a:t>Process Lifecycle (AKA Process States)</a:t>
+            </a:r>
+          </a:p>
+        </p:txBody>
+      </p:sp>
+      <p:sp>
+        <p:nvSpPr>
+          <p:cNvPr id="3" name="Content Placeholder 2">
+            <a:extLst>
+              <a:ext uri="{FF2B5EF4-FFF2-40B4-BE49-F238E27FC236}">
+                <a16:creationId xmlns:a16="http://schemas.microsoft.com/office/drawing/2014/main" id="{ACD38833-3898-7F4F-A16C-3155350CEC94}"/>
+              </a:ext>
+            </a:extLst>
+          </p:cNvPr>
+          <p:cNvSpPr>
+            <a:spLocks noGrp="1"/>
+          </p:cNvSpPr>
+          <p:nvPr>
+            <p:ph idx="1"/>
+          </p:nvPr>
+        </p:nvSpPr>
+        <p:spPr/>
+        <p:txBody>
+          <a:bodyPr/>
+          <a:lstStyle/>
+          <a:p>
+            <a:endParaRPr lang="en-US"/>
+          </a:p>
+        </p:txBody>
+      </p:sp>
+      <p:sp>
+        <p:nvSpPr>
+          <p:cNvPr id="4" name="Footer Placeholder 3">
+            <a:extLst>
+              <a:ext uri="{FF2B5EF4-FFF2-40B4-BE49-F238E27FC236}">
+                <a16:creationId xmlns:a16="http://schemas.microsoft.com/office/drawing/2014/main" id="{1A44B5F0-571B-A540-A3A4-9FBA101355D0}"/>
+              </a:ext>
+            </a:extLst>
+          </p:cNvPr>
+          <p:cNvSpPr>
+            <a:spLocks noGrp="1"/>
+          </p:cNvSpPr>
+          <p:nvPr>
+            <p:ph type="ftr" idx="11"/>
+          </p:nvPr>
+        </p:nvSpPr>
+        <p:spPr/>
+        <p:txBody>
+          <a:bodyPr/>
+          <a:lstStyle/>
+          <a:p>
+            <a:pPr marL="0" marR="0" lvl="0" indent="0" algn="ctr" defTabSz="457200" rtl="0" eaLnBrk="1" fontAlgn="base" latinLnBrk="0" hangingPunct="0">
+              <a:lnSpc>
+                <a:spcPct val="96000"/>
+              </a:lnSpc>
+              <a:spcBef>
+                <a:spcPct val="0"/>
+              </a:spcBef>
+              <a:spcAft>
+                <a:spcPct val="0"/>
+              </a:spcAft>
+              <a:buClr>
+                <a:srgbClr val="000000"/>
+              </a:buClr>
+              <a:buSzPct val="100000"/>
+              <a:buFont typeface="Times New Roman" pitchFamily="16" charset="0"/>
+              <a:buNone/>
+              <a:tabLst>
+                <a:tab pos="0" algn="l"/>
+                <a:tab pos="457200" algn="l"/>
+                <a:tab pos="914400" algn="l"/>
+                <a:tab pos="1371600" algn="l"/>
+                <a:tab pos="1828800" algn="l"/>
+                <a:tab pos="2286000" algn="l"/>
+                <a:tab pos="2743200" algn="l"/>
+                <a:tab pos="3200400" algn="l"/>
+                <a:tab pos="3657600" algn="l"/>
+                <a:tab pos="4114800" algn="l"/>
+                <a:tab pos="4572000" algn="l"/>
+                <a:tab pos="5029200" algn="l"/>
+                <a:tab pos="5486400" algn="l"/>
+                <a:tab pos="5943600" algn="l"/>
+                <a:tab pos="6400800" algn="l"/>
+                <a:tab pos="6858000" algn="l"/>
+                <a:tab pos="7315200" algn="l"/>
+                <a:tab pos="7772400" algn="l"/>
+                <a:tab pos="8229600" algn="l"/>
+                <a:tab pos="8686800" algn="l"/>
+                <a:tab pos="9144000" algn="l"/>
+              </a:tabLst>
+              <a:defRPr/>
+            </a:pPr>
+            <a:r>
+              <a:rPr kumimoji="0" lang="en-US" sz="1400" b="0" i="0" u="none" strike="noStrike" kern="1200" cap="none" spc="0" normalizeH="0" baseline="0" noProof="0">
+                <a:ln>
+                  <a:noFill/>
+                </a:ln>
+                <a:solidFill>
+                  <a:srgbClr val="000000"/>
+                </a:solidFill>
+                <a:effectLst/>
+                <a:uLnTx/>
+                <a:uFillTx/>
+                <a:latin typeface="Arial"/>
+                <a:ea typeface="+mn-ea"/>
+                <a:cs typeface="Arial" charset="0"/>
+              </a:rPr>
+              <a:t>CS/COE 1550 – Operating Systems – Sherif Khattab</a:t>
+            </a:r>
+            <a:endParaRPr kumimoji="0" lang="en-GB" sz="1400" b="0" i="0" u="none" strike="noStrike" kern="1200" cap="none" spc="0" normalizeH="0" baseline="0" noProof="0" dirty="0">
+              <a:ln>
+                <a:noFill/>
+              </a:ln>
+              <a:solidFill>
+                <a:srgbClr val="000000"/>
+              </a:solidFill>
+              <a:effectLst/>
+              <a:uLnTx/>
+              <a:uFillTx/>
+              <a:latin typeface="Times New Roman" pitchFamily="16" charset="0"/>
+              <a:ea typeface="+mn-ea"/>
+              <a:cs typeface="Arial" charset="0"/>
+            </a:endParaRPr>
+          </a:p>
+        </p:txBody>
+      </p:sp>
+      <p:sp>
+        <p:nvSpPr>
+          <p:cNvPr id="5" name="Slide Number Placeholder 4">
+            <a:extLst>
+              <a:ext uri="{FF2B5EF4-FFF2-40B4-BE49-F238E27FC236}">
+                <a16:creationId xmlns:a16="http://schemas.microsoft.com/office/drawing/2014/main" id="{CBC9F8A7-D797-6F40-9697-18D4AD3C7B79}"/>
+              </a:ext>
+            </a:extLst>
+          </p:cNvPr>
+          <p:cNvSpPr>
+            <a:spLocks noGrp="1"/>
+          </p:cNvSpPr>
+          <p:nvPr>
+            <p:ph type="sldNum" idx="12"/>
+          </p:nvPr>
+        </p:nvSpPr>
+        <p:spPr/>
+        <p:txBody>
+          <a:bodyPr/>
+          <a:lstStyle/>
+          <a:p>
+            <a:pPr marL="0" marR="0" lvl="0" indent="0" algn="r" defTabSz="457200" rtl="0" eaLnBrk="1" fontAlgn="base" latinLnBrk="0" hangingPunct="0">
+              <a:lnSpc>
+                <a:spcPct val="96000"/>
+              </a:lnSpc>
+              <a:spcBef>
+                <a:spcPct val="0"/>
+              </a:spcBef>
+              <a:spcAft>
+                <a:spcPct val="0"/>
+              </a:spcAft>
+              <a:buClr>
+                <a:srgbClr val="000000"/>
+              </a:buClr>
+              <a:buSzPct val="100000"/>
+              <a:buFont typeface="Times New Roman" panose="02020603050405020304" pitchFamily="18" charset="0"/>
+              <a:buNone/>
+              <a:tabLst/>
+              <a:defRPr/>
+            </a:pPr>
+            <a:fld id="{65E435D9-63B0-4660-8D04-E83F5E2CA2AE}" type="slidenum">
+              <a:rPr kumimoji="0" lang="en-GB" altLang="en-US" sz="1400" b="0" i="0" u="none" strike="noStrike" kern="1200" cap="none" spc="0" normalizeH="0" baseline="0" noProof="0" smtClean="0">
+                <a:ln>
+                  <a:noFill/>
+                </a:ln>
+                <a:solidFill>
+                  <a:srgbClr val="000000"/>
+                </a:solidFill>
+                <a:effectLst/>
+                <a:uLnTx/>
+                <a:uFillTx/>
+                <a:latin typeface="Times New Roman" panose="02020603050405020304" pitchFamily="18" charset="0"/>
+                <a:ea typeface="+mn-ea"/>
+                <a:cs typeface="Arial" panose="020B0604020202020204" pitchFamily="34" charset="0"/>
+              </a:rPr>
+              <a:pPr marL="0" marR="0" lvl="0" indent="0" algn="r" defTabSz="457200" rtl="0" eaLnBrk="1" fontAlgn="base" latinLnBrk="0" hangingPunct="0">
+                <a:lnSpc>
+                  <a:spcPct val="96000"/>
+                </a:lnSpc>
+                <a:spcBef>
+                  <a:spcPct val="0"/>
+                </a:spcBef>
+                <a:spcAft>
+                  <a:spcPct val="0"/>
+                </a:spcAft>
+                <a:buClr>
+                  <a:srgbClr val="000000"/>
+                </a:buClr>
+                <a:buSzPct val="100000"/>
+                <a:buFont typeface="Times New Roman" panose="02020603050405020304" pitchFamily="18" charset="0"/>
+                <a:buNone/>
+                <a:tabLst/>
+                <a:defRPr/>
+              </a:pPr>
+              <a:t>11</a:t>
+            </a:fld>
+            <a:endParaRPr kumimoji="0" lang="en-GB" altLang="en-US" sz="1400" b="0" i="0" u="none" strike="noStrike" kern="1200" cap="none" spc="0" normalizeH="0" baseline="0" noProof="0" dirty="0">
+              <a:ln>
+                <a:noFill/>
+              </a:ln>
+              <a:solidFill>
+                <a:srgbClr val="000000"/>
+              </a:solidFill>
+              <a:effectLst/>
+              <a:uLnTx/>
+              <a:uFillTx/>
+              <a:latin typeface="Times New Roman" panose="02020603050405020304" pitchFamily="18" charset="0"/>
+              <a:ea typeface="+mn-ea"/>
+              <a:cs typeface="Arial" panose="020B0604020202020204" pitchFamily="34" charset="0"/>
+            </a:endParaRPr>
+          </a:p>
+        </p:txBody>
+      </p:sp>
+      <p:pic>
+        <p:nvPicPr>
+          <p:cNvPr id="6" name="Picture 9">
+            <a:extLst>
+              <a:ext uri="{FF2B5EF4-FFF2-40B4-BE49-F238E27FC236}">
+                <a16:creationId xmlns:a16="http://schemas.microsoft.com/office/drawing/2014/main" id="{CBBDCD2A-B380-8C47-B634-E57BFDD137F1}"/>
+              </a:ext>
+            </a:extLst>
+          </p:cNvPr>
+          <p:cNvPicPr>
+            <a:picLocks noChangeAspect="1" noChangeArrowheads="1"/>
+          </p:cNvPicPr>
+          <p:nvPr/>
+        </p:nvPicPr>
+        <p:blipFill>
+          <a:blip r:embed="rId2">
+            <a:extLst>
+              <a:ext uri="{28A0092B-C50C-407E-A947-70E740481C1C}">
+                <a14:useLocalDpi xmlns:a14="http://schemas.microsoft.com/office/drawing/2010/main" val="0"/>
+              </a:ext>
+            </a:extLst>
+          </a:blip>
+          <a:srcRect/>
+          <a:stretch>
+            <a:fillRect/>
+          </a:stretch>
+        </p:blipFill>
+        <p:spPr bwMode="auto">
+          <a:xfrm>
+            <a:off x="304800" y="1806293"/>
+            <a:ext cx="9728200" cy="3879644"/>
+          </a:xfrm>
+          <a:prstGeom prst="rect">
+            <a:avLst/>
+          </a:prstGeom>
+          <a:noFill/>
+          <a:ln>
+            <a:noFill/>
+          </a:ln>
+          <a:extLst>
+            <a:ext uri="{909E8E84-426E-40DD-AFC4-6F175D3DCCD1}">
+              <a14:hiddenFill xmlns:a14="http://schemas.microsoft.com/office/drawing/2010/main">
+                <a:solidFill>
+                  <a:srgbClr val="FFFFFF"/>
+                </a:solidFill>
+              </a14:hiddenFill>
+            </a:ext>
+            <a:ext uri="{91240B29-F687-4F45-9708-019B960494DF}">
+              <a14:hiddenLine xmlns:a14="http://schemas.microsoft.com/office/drawing/2010/main" w="9525">
+                <a:solidFill>
+                  <a:srgbClr val="000000"/>
+                </a:solidFill>
+                <a:miter lim="800000"/>
+                <a:headEnd/>
+                <a:tailEnd/>
+              </a14:hiddenLine>
+            </a:ext>
+          </a:extLst>
+        </p:spPr>
+      </p:pic>
+    </p:spTree>
+    <p:extLst>
+      <p:ext uri="{BB962C8B-B14F-4D97-AF65-F5344CB8AC3E}">
+        <p14:creationId xmlns:p14="http://schemas.microsoft.com/office/powerpoint/2010/main" val="2710097941"/>
+      </p:ext>
+    </p:extLst>
+  </p:cSld>
+  <p:clrMapOvr>
+    <a:masterClrMapping/>
+  </p:clrMapOvr>
+</p:sld>
+</file>
+
+<file path=ppt/slides/slide12.xml><?xml version="1.0" encoding="utf-8"?>
+<p:sld xmlns:a="http://schemas.openxmlformats.org/drawingml/2006/main" xmlns:r="http://schemas.openxmlformats.org/officeDocument/2006/relationships" xmlns:p="http://schemas.openxmlformats.org/presentationml/2006/main">
+  <p:cSld>
+    <p:spTree>
+      <p:nvGrpSpPr>
+        <p:cNvPr id="1" name=""/>
+        <p:cNvGrpSpPr/>
+        <p:nvPr/>
+      </p:nvGrpSpPr>
+      <p:grpSpPr>
+        <a:xfrm>
+          <a:off x="0" y="0"/>
+          <a:ext cx="0" cy="0"/>
+          <a:chOff x="0" y="0"/>
+          <a:chExt cx="0" cy="0"/>
+        </a:xfrm>
+      </p:grpSpPr>
+      <p:sp>
+        <p:nvSpPr>
+          <p:cNvPr id="29698" name="Rectangle 2"/>
+          <p:cNvSpPr>
+            <a:spLocks noGrp="1" noChangeArrowheads="1"/>
+          </p:cNvSpPr>
+          <p:nvPr>
+            <p:ph type="title"/>
+          </p:nvPr>
+        </p:nvSpPr>
+        <p:spPr/>
+        <p:txBody>
+          <a:bodyPr/>
+          <a:lstStyle/>
+          <a:p>
+            <a:pPr eaLnBrk="1" hangingPunct="1"/>
+            <a:r>
+              <a:rPr lang="en-US" altLang="en-US">
+                <a:ea typeface="MS PGothic" charset="-128"/>
+              </a:rPr>
+              <a:t>Process Termination</a:t>
+            </a:r>
+          </a:p>
+        </p:txBody>
+      </p:sp>
+      <p:sp>
+        <p:nvSpPr>
+          <p:cNvPr id="29699" name="Rectangle 3"/>
+          <p:cNvSpPr>
+            <a:spLocks noGrp="1" noChangeArrowheads="1"/>
+          </p:cNvSpPr>
+          <p:nvPr>
+            <p:ph idx="1"/>
+          </p:nvPr>
+        </p:nvSpPr>
+        <p:spPr/>
+        <p:txBody>
+          <a:bodyPr>
+            <a:normAutofit lnSpcReduction="10000"/>
+          </a:bodyPr>
+          <a:lstStyle/>
+          <a:p>
+            <a:pPr lvl="1"/>
+            <a:endParaRPr lang="en-US" altLang="en-US" sz="882" dirty="0">
+              <a:ea typeface="MS PGothic" charset="-128"/>
+            </a:endParaRPr>
+          </a:p>
+          <a:p>
+            <a:r>
+              <a:rPr lang="en-US" altLang="en-US" dirty="0">
+                <a:ea typeface="MS PGothic" charset="-128"/>
+              </a:rPr>
+              <a:t>Via </a:t>
+            </a:r>
+            <a:r>
+              <a:rPr lang="en-US" altLang="en-US" b="1" dirty="0">
+                <a:latin typeface="Courier New" charset="0"/>
+                <a:ea typeface="MS PGothic" charset="-128"/>
+              </a:rPr>
+              <a:t>exit</a:t>
+            </a:r>
+            <a:r>
+              <a:rPr lang="en-US" altLang="en-US" dirty="0">
+                <a:ea typeface="MS PGothic" charset="-128"/>
+              </a:rPr>
+              <a:t>() or </a:t>
+            </a:r>
+            <a:r>
+              <a:rPr lang="en-US" altLang="en-US" b="1" dirty="0">
+                <a:latin typeface="Courier New" charset="0"/>
+                <a:ea typeface="MS PGothic" charset="-128"/>
+              </a:rPr>
+              <a:t>abort</a:t>
+            </a:r>
+            <a:r>
+              <a:rPr lang="en-US" altLang="en-US" dirty="0">
+                <a:ea typeface="MS PGothic" charset="-128"/>
+              </a:rPr>
+              <a:t>() </a:t>
+            </a:r>
+            <a:r>
+              <a:rPr lang="en-US" altLang="en-US" dirty="0" err="1">
+                <a:ea typeface="MS PGothic" charset="-128"/>
+              </a:rPr>
+              <a:t>syscalls</a:t>
+            </a:r>
+            <a:endParaRPr lang="en-US" altLang="en-US" dirty="0">
+              <a:ea typeface="MS PGothic" charset="-128"/>
+            </a:endParaRPr>
+          </a:p>
+          <a:p>
+            <a:r>
+              <a:rPr lang="en-US" altLang="en-US" dirty="0">
+                <a:ea typeface="MS PGothic" charset="-128"/>
+              </a:rPr>
+              <a:t>The parent process may wait for termination of a child process by using the </a:t>
+            </a:r>
+            <a:r>
+              <a:rPr lang="en-US" altLang="en-US" b="1" dirty="0">
+                <a:solidFill>
+                  <a:srgbClr val="000000"/>
+                </a:solidFill>
+                <a:latin typeface="Courier New" charset="0"/>
+                <a:ea typeface="MS PGothic" charset="-128"/>
+              </a:rPr>
+              <a:t>wait()</a:t>
+            </a:r>
+            <a:r>
+              <a:rPr lang="en-US" altLang="en-US" dirty="0">
+                <a:ea typeface="MS PGothic" charset="-128"/>
+              </a:rPr>
+              <a:t>system </a:t>
+            </a:r>
+            <a:r>
+              <a:rPr lang="en-US" altLang="en-US" dirty="0" err="1">
+                <a:ea typeface="MS PGothic" charset="-128"/>
+              </a:rPr>
+              <a:t>call</a:t>
+            </a:r>
+            <a:r>
+              <a:rPr lang="en-US" altLang="en-US" b="1" dirty="0" err="1">
+                <a:solidFill>
+                  <a:srgbClr val="000000"/>
+                </a:solidFill>
+                <a:latin typeface="Courier New" charset="0"/>
+                <a:ea typeface="MS PGothic" charset="-128"/>
+              </a:rPr>
+              <a:t>.</a:t>
+            </a:r>
+            <a:r>
+              <a:rPr lang="en-US" altLang="en-US" dirty="0" err="1">
+                <a:ea typeface="MS PGothic" charset="-128"/>
+              </a:rPr>
+              <a:t>The</a:t>
+            </a:r>
+            <a:r>
+              <a:rPr lang="en-US" altLang="en-US" dirty="0">
+                <a:ea typeface="MS PGothic" charset="-128"/>
+              </a:rPr>
+              <a:t> call returns status information and the </a:t>
+            </a:r>
+            <a:r>
+              <a:rPr lang="en-US" altLang="en-US" dirty="0" err="1">
+                <a:ea typeface="MS PGothic" charset="-128"/>
+              </a:rPr>
+              <a:t>pid</a:t>
+            </a:r>
+            <a:r>
+              <a:rPr lang="en-US" altLang="en-US" dirty="0">
+                <a:ea typeface="MS PGothic" charset="-128"/>
+              </a:rPr>
+              <a:t> of the terminated process</a:t>
+            </a:r>
+            <a:endParaRPr lang="en-US" altLang="en-US" b="1" dirty="0">
+              <a:solidFill>
+                <a:srgbClr val="000000"/>
+              </a:solidFill>
+              <a:latin typeface="Courier New" charset="0"/>
+              <a:ea typeface="MS PGothic" charset="-128"/>
+            </a:endParaRPr>
+          </a:p>
+          <a:p>
+            <a:pPr>
+              <a:buFont typeface="Monotype Sorts" charset="2"/>
+              <a:buNone/>
+            </a:pPr>
+            <a:r>
+              <a:rPr lang="en-US" altLang="en-US" b="1" dirty="0">
+                <a:solidFill>
+                  <a:srgbClr val="000000"/>
+                </a:solidFill>
+                <a:latin typeface="Courier New" charset="0"/>
+                <a:ea typeface="MS PGothic" charset="-128"/>
+              </a:rPr>
+              <a:t>      </a:t>
+            </a:r>
+            <a:r>
+              <a:rPr lang="en-US" altLang="en-US" b="1" dirty="0" err="1">
+                <a:solidFill>
+                  <a:srgbClr val="000000"/>
+                </a:solidFill>
+                <a:latin typeface="Courier New" charset="0"/>
+                <a:ea typeface="MS PGothic" charset="-128"/>
+              </a:rPr>
+              <a:t>pid</a:t>
+            </a:r>
+            <a:r>
+              <a:rPr lang="en-US" altLang="en-US" b="1" dirty="0">
+                <a:solidFill>
+                  <a:srgbClr val="000000"/>
+                </a:solidFill>
+                <a:latin typeface="Courier New" charset="0"/>
+                <a:ea typeface="MS PGothic" charset="-128"/>
+              </a:rPr>
+              <a:t> = wait(&amp;status); </a:t>
+            </a:r>
+          </a:p>
+          <a:p>
+            <a:r>
+              <a:rPr lang="en-US" altLang="en-US" dirty="0">
+                <a:ea typeface="MS PGothic" charset="-128"/>
+              </a:rPr>
+              <a:t>When a process terminates</a:t>
+            </a:r>
+          </a:p>
+          <a:p>
+            <a:pPr lvl="1"/>
+            <a:r>
+              <a:rPr lang="en-US" altLang="en-US" dirty="0">
+                <a:ea typeface="MS PGothic" charset="-128"/>
+              </a:rPr>
+              <a:t>If no parent waiting (did not invoke </a:t>
+            </a:r>
+            <a:r>
+              <a:rPr lang="en-US" altLang="en-US" b="1" dirty="0">
+                <a:solidFill>
+                  <a:srgbClr val="000000"/>
+                </a:solidFill>
+                <a:latin typeface="Courier New" charset="0"/>
+                <a:ea typeface="MS PGothic" charset="-128"/>
+              </a:rPr>
+              <a:t>wait()</a:t>
+            </a:r>
+            <a:r>
+              <a:rPr lang="en-US" altLang="en-US" dirty="0">
+                <a:ea typeface="MS PGothic" charset="-128"/>
+              </a:rPr>
+              <a:t>) process is a </a:t>
+            </a:r>
+            <a:r>
+              <a:rPr lang="en-US" altLang="en-US" b="1" dirty="0">
+                <a:solidFill>
+                  <a:srgbClr val="3366FF"/>
+                </a:solidFill>
+                <a:ea typeface="MS PGothic" charset="-128"/>
+              </a:rPr>
+              <a:t>zombie</a:t>
+            </a:r>
+          </a:p>
+          <a:p>
+            <a:pPr lvl="1"/>
+            <a:r>
+              <a:rPr lang="en-US" altLang="en-US" dirty="0">
+                <a:ea typeface="MS PGothic" charset="-128"/>
+              </a:rPr>
+              <a:t>If parent terminated without invoking</a:t>
+            </a:r>
+            <a:r>
+              <a:rPr lang="en-US" altLang="en-US" b="1" dirty="0">
+                <a:solidFill>
+                  <a:srgbClr val="000000"/>
+                </a:solidFill>
+                <a:latin typeface="Courier New" charset="0"/>
+                <a:ea typeface="MS PGothic" charset="-128"/>
+              </a:rPr>
+              <a:t> wait</a:t>
+            </a:r>
+            <a:r>
+              <a:rPr lang="en-US" altLang="en-US" dirty="0">
+                <a:ea typeface="MS PGothic" charset="-128"/>
+              </a:rPr>
+              <a:t> , process is an </a:t>
+            </a:r>
+            <a:r>
+              <a:rPr lang="en-US" altLang="en-US" b="1" dirty="0">
+                <a:solidFill>
+                  <a:srgbClr val="3366FF"/>
+                </a:solidFill>
+                <a:ea typeface="MS PGothic" charset="-128"/>
+              </a:rPr>
+              <a:t>orphan</a:t>
+            </a:r>
+          </a:p>
+          <a:p>
+            <a:pPr lvl="2"/>
+            <a:r>
+              <a:rPr lang="en-US" altLang="en-US" sz="2800" dirty="0">
+                <a:ea typeface="MS PGothic" charset="-128"/>
+              </a:rPr>
+              <a:t>adopted by the </a:t>
+            </a:r>
+            <a:r>
+              <a:rPr lang="en-US" altLang="en-US" sz="3200" b="1" dirty="0" err="1">
+                <a:latin typeface="Courier New" charset="0"/>
+                <a:ea typeface="MS PGothic" charset="-128"/>
+              </a:rPr>
+              <a:t>init</a:t>
+            </a:r>
+            <a:r>
+              <a:rPr lang="en-US" altLang="en-US" sz="2800" dirty="0">
+                <a:ea typeface="MS PGothic" charset="-128"/>
+              </a:rPr>
+              <a:t> process</a:t>
+            </a:r>
+          </a:p>
+        </p:txBody>
+      </p:sp>
+      <p:sp>
+        <p:nvSpPr>
+          <p:cNvPr id="3" name="Footer Placeholder 2"/>
+          <p:cNvSpPr>
+            <a:spLocks noGrp="1"/>
+          </p:cNvSpPr>
+          <p:nvPr>
+            <p:ph type="ftr" idx="11"/>
+          </p:nvPr>
+        </p:nvSpPr>
+        <p:spPr/>
+        <p:txBody>
+          <a:bodyPr/>
+          <a:lstStyle/>
+          <a:p>
+            <a:pPr marL="0" marR="0" lvl="0" indent="0" algn="ctr" defTabSz="457200" rtl="0" eaLnBrk="1" fontAlgn="base" latinLnBrk="0" hangingPunct="0">
+              <a:lnSpc>
+                <a:spcPct val="96000"/>
+              </a:lnSpc>
+              <a:spcBef>
+                <a:spcPct val="0"/>
+              </a:spcBef>
+              <a:spcAft>
+                <a:spcPct val="0"/>
+              </a:spcAft>
+              <a:buClr>
+                <a:srgbClr val="000000"/>
+              </a:buClr>
+              <a:buSzPct val="100000"/>
+              <a:buFont typeface="Times New Roman" pitchFamily="16" charset="0"/>
+              <a:buNone/>
+              <a:tabLst>
+                <a:tab pos="0" algn="l"/>
+                <a:tab pos="457200" algn="l"/>
+                <a:tab pos="914400" algn="l"/>
+                <a:tab pos="1371600" algn="l"/>
+                <a:tab pos="1828800" algn="l"/>
+                <a:tab pos="2286000" algn="l"/>
+                <a:tab pos="2743200" algn="l"/>
+                <a:tab pos="3200400" algn="l"/>
+                <a:tab pos="3657600" algn="l"/>
+                <a:tab pos="4114800" algn="l"/>
+                <a:tab pos="4572000" algn="l"/>
+                <a:tab pos="5029200" algn="l"/>
+                <a:tab pos="5486400" algn="l"/>
+                <a:tab pos="5943600" algn="l"/>
+                <a:tab pos="6400800" algn="l"/>
+                <a:tab pos="6858000" algn="l"/>
+                <a:tab pos="7315200" algn="l"/>
+                <a:tab pos="7772400" algn="l"/>
+                <a:tab pos="8229600" algn="l"/>
+                <a:tab pos="8686800" algn="l"/>
+                <a:tab pos="9144000" algn="l"/>
+              </a:tabLst>
+              <a:defRPr/>
+            </a:pPr>
+            <a:r>
+              <a:rPr kumimoji="0" lang="en-US" sz="1400" b="0" i="0" u="none" strike="noStrike" kern="1200" cap="none" spc="0" normalizeH="0" baseline="0" noProof="0">
+                <a:ln>
+                  <a:noFill/>
+                </a:ln>
+                <a:solidFill>
+                  <a:srgbClr val="000000"/>
+                </a:solidFill>
+                <a:effectLst/>
+                <a:uLnTx/>
+                <a:uFillTx/>
+                <a:latin typeface="Arial"/>
+                <a:ea typeface="+mn-ea"/>
+                <a:cs typeface="Arial" charset="0"/>
+              </a:rPr>
+              <a:t>CS/COE 1550 – Operating Systems – Sherif Khattab</a:t>
+            </a:r>
+            <a:endParaRPr kumimoji="0" lang="en-GB" sz="1400" b="0" i="0" u="none" strike="noStrike" kern="1200" cap="none" spc="0" normalizeH="0" baseline="0" noProof="0" dirty="0">
+              <a:ln>
+                <a:noFill/>
+              </a:ln>
+              <a:solidFill>
+                <a:srgbClr val="000000"/>
+              </a:solidFill>
+              <a:effectLst/>
+              <a:uLnTx/>
+              <a:uFillTx/>
+              <a:latin typeface="Times New Roman" pitchFamily="16" charset="0"/>
+              <a:ea typeface="+mn-ea"/>
+              <a:cs typeface="Arial" charset="0"/>
+            </a:endParaRPr>
+          </a:p>
+        </p:txBody>
+      </p:sp>
+      <p:sp>
+        <p:nvSpPr>
+          <p:cNvPr id="4" name="Slide Number Placeholder 3"/>
+          <p:cNvSpPr>
+            <a:spLocks noGrp="1"/>
+          </p:cNvSpPr>
+          <p:nvPr>
+            <p:ph type="sldNum" idx="12"/>
+          </p:nvPr>
+        </p:nvSpPr>
+        <p:spPr/>
+        <p:txBody>
+          <a:bodyPr/>
+          <a:lstStyle/>
+          <a:p>
+            <a:pPr marL="0" marR="0" lvl="0" indent="0" algn="r" defTabSz="457200" rtl="0" eaLnBrk="1" fontAlgn="base" latinLnBrk="0" hangingPunct="0">
+              <a:lnSpc>
+                <a:spcPct val="96000"/>
+              </a:lnSpc>
+              <a:spcBef>
+                <a:spcPct val="0"/>
+              </a:spcBef>
+              <a:spcAft>
+                <a:spcPct val="0"/>
+              </a:spcAft>
+              <a:buClr>
+                <a:srgbClr val="000000"/>
+              </a:buClr>
+              <a:buSzPct val="100000"/>
+              <a:buFont typeface="Times New Roman" panose="02020603050405020304" pitchFamily="18" charset="0"/>
+              <a:buNone/>
+              <a:tabLst/>
+              <a:defRPr/>
+            </a:pPr>
+            <a:fld id="{65E435D9-63B0-4660-8D04-E83F5E2CA2AE}" type="slidenum">
+              <a:rPr kumimoji="0" lang="en-GB" altLang="en-US" sz="1400" b="0" i="0" u="none" strike="noStrike" kern="1200" cap="none" spc="0" normalizeH="0" baseline="0" noProof="0" smtClean="0">
+                <a:ln>
+                  <a:noFill/>
+                </a:ln>
+                <a:solidFill>
+                  <a:srgbClr val="000000"/>
+                </a:solidFill>
+                <a:effectLst/>
+                <a:uLnTx/>
+                <a:uFillTx/>
+                <a:latin typeface="Times New Roman" panose="02020603050405020304" pitchFamily="18" charset="0"/>
+                <a:ea typeface="+mn-ea"/>
+                <a:cs typeface="Arial" panose="020B0604020202020204" pitchFamily="34" charset="0"/>
+              </a:rPr>
+              <a:pPr marL="0" marR="0" lvl="0" indent="0" algn="r" defTabSz="457200" rtl="0" eaLnBrk="1" fontAlgn="base" latinLnBrk="0" hangingPunct="0">
+                <a:lnSpc>
+                  <a:spcPct val="96000"/>
+                </a:lnSpc>
+                <a:spcBef>
+                  <a:spcPct val="0"/>
+                </a:spcBef>
+                <a:spcAft>
+                  <a:spcPct val="0"/>
+                </a:spcAft>
+                <a:buClr>
+                  <a:srgbClr val="000000"/>
+                </a:buClr>
+                <a:buSzPct val="100000"/>
+                <a:buFont typeface="Times New Roman" panose="02020603050405020304" pitchFamily="18" charset="0"/>
+                <a:buNone/>
+                <a:tabLst/>
+                <a:defRPr/>
+              </a:pPr>
+              <a:t>12</a:t>
+            </a:fld>
+            <a:endParaRPr kumimoji="0" lang="en-GB" altLang="en-US" sz="1400" b="0" i="0" u="none" strike="noStrike" kern="1200" cap="none" spc="0" normalizeH="0" baseline="0" noProof="0" dirty="0">
+              <a:ln>
+                <a:noFill/>
+              </a:ln>
+              <a:solidFill>
+                <a:srgbClr val="000000"/>
+              </a:solidFill>
+              <a:effectLst/>
+              <a:uLnTx/>
+              <a:uFillTx/>
+              <a:latin typeface="Times New Roman" panose="02020603050405020304" pitchFamily="18" charset="0"/>
+              <a:ea typeface="+mn-ea"/>
+              <a:cs typeface="Arial" panose="020B0604020202020204" pitchFamily="34" charset="0"/>
+            </a:endParaRPr>
+          </a:p>
+        </p:txBody>
+      </p:sp>
+    </p:spTree>
+    <p:extLst>
+      <p:ext uri="{BB962C8B-B14F-4D97-AF65-F5344CB8AC3E}">
+        <p14:creationId xmlns:p14="http://schemas.microsoft.com/office/powerpoint/2010/main" val="306268545"/>
+      </p:ext>
+    </p:extLst>
+  </p:cSld>
+  <p:clrMapOvr>
+    <a:masterClrMapping/>
+  </p:clrMapOvr>
+  <p:timing>
+    <p:tnLst>
+      <p:par>
+        <p:cTn id="1" dur="indefinite" restart="never" nodeType="tmRoot">
+          <p:childTnLst>
+            <p:seq concurrent="1" nextAc="seek">
+              <p:cTn id="2" dur="indefinite" nodeType="mainSeq">
+                <p:childTnLst>
+                  <p:par>
+                    <p:cTn id="3" fill="hold">
+                      <p:stCondLst>
+                        <p:cond delay="indefinite"/>
+                      </p:stCondLst>
+                      <p:childTnLst>
+                        <p:par>
+                          <p:cTn id="4" fill="hold">
+                            <p:stCondLst>
+                              <p:cond delay="0"/>
+                            </p:stCondLst>
+                            <p:childTnLst>
+                              <p:par>
+                                <p:cTn id="5" presetID="1" presetClass="entr" presetSubtype="0" fill="hold" nodeType="clickEffect">
+                                  <p:stCondLst>
+                                    <p:cond delay="0"/>
+                                  </p:stCondLst>
+                                  <p:childTnLst>
+                                    <p:set>
+                                      <p:cBhvr>
+                                        <p:cTn id="6" dur="1" fill="hold">
+                                          <p:stCondLst>
+                                            <p:cond delay="0"/>
+                                          </p:stCondLst>
+                                        </p:cTn>
+                                        <p:tgtEl>
+                                          <p:spTgt spid="29699">
+                                            <p:txEl>
+                                              <p:pRg st="1" end="1"/>
+                                            </p:txEl>
+                                          </p:spTgt>
+                                        </p:tgtEl>
+                                        <p:attrNameLst>
+                                          <p:attrName>style.visibility</p:attrName>
+                                        </p:attrNameLst>
+                                      </p:cBhvr>
+                                      <p:to>
+                                        <p:strVal val="visible"/>
+                                      </p:to>
+                                    </p:set>
+                                  </p:childTnLst>
+                                </p:cTn>
+                              </p:par>
+                            </p:childTnLst>
+                          </p:cTn>
+                        </p:par>
+                      </p:childTnLst>
+                    </p:cTn>
+                  </p:par>
+                  <p:par>
+                    <p:cTn id="7" fill="hold">
+                      <p:stCondLst>
+                        <p:cond delay="indefinite"/>
+                      </p:stCondLst>
+                      <p:childTnLst>
+                        <p:par>
+                          <p:cTn id="8" fill="hold">
+                            <p:stCondLst>
+                              <p:cond delay="0"/>
+                            </p:stCondLst>
+                            <p:childTnLst>
+                              <p:par>
+                                <p:cTn id="9" presetID="1" presetClass="entr" presetSubtype="0" fill="hold" nodeType="clickEffect">
+                                  <p:stCondLst>
+                                    <p:cond delay="0"/>
+                                  </p:stCondLst>
+                                  <p:childTnLst>
+                                    <p:set>
+                                      <p:cBhvr>
+                                        <p:cTn id="10" dur="1" fill="hold">
+                                          <p:stCondLst>
+                                            <p:cond delay="0"/>
+                                          </p:stCondLst>
+                                        </p:cTn>
+                                        <p:tgtEl>
+                                          <p:spTgt spid="29699">
+                                            <p:txEl>
+                                              <p:pRg st="2" end="2"/>
+                                            </p:txEl>
+                                          </p:spTgt>
+                                        </p:tgtEl>
+                                        <p:attrNameLst>
+                                          <p:attrName>style.visibility</p:attrName>
+                                        </p:attrNameLst>
+                                      </p:cBhvr>
+                                      <p:to>
+                                        <p:strVal val="visible"/>
+                                      </p:to>
+                                    </p:set>
+                                  </p:childTnLst>
+                                </p:cTn>
+                              </p:par>
+                            </p:childTnLst>
+                          </p:cTn>
+                        </p:par>
+                      </p:childTnLst>
+                    </p:cTn>
+                  </p:par>
+                  <p:par>
+                    <p:cTn id="11" fill="hold">
+                      <p:stCondLst>
+                        <p:cond delay="indefinite"/>
+                      </p:stCondLst>
+                      <p:childTnLst>
+                        <p:par>
+                          <p:cTn id="12" fill="hold">
+                            <p:stCondLst>
+                              <p:cond delay="0"/>
+                            </p:stCondLst>
+                            <p:childTnLst>
+                              <p:par>
+                                <p:cTn id="13" presetID="1" presetClass="entr" presetSubtype="0" fill="hold" nodeType="clickEffect">
+                                  <p:stCondLst>
+                                    <p:cond delay="0"/>
+                                  </p:stCondLst>
+                                  <p:childTnLst>
+                                    <p:set>
+                                      <p:cBhvr>
+                                        <p:cTn id="14" dur="1" fill="hold">
+                                          <p:stCondLst>
+                                            <p:cond delay="0"/>
+                                          </p:stCondLst>
+                                        </p:cTn>
+                                        <p:tgtEl>
+                                          <p:spTgt spid="29699">
+                                            <p:txEl>
+                                              <p:pRg st="3" end="3"/>
+                                            </p:txEl>
+                                          </p:spTgt>
+                                        </p:tgtEl>
+                                        <p:attrNameLst>
+                                          <p:attrName>style.visibility</p:attrName>
+                                        </p:attrNameLst>
+                                      </p:cBhvr>
+                                      <p:to>
+                                        <p:strVal val="visible"/>
+                                      </p:to>
+                                    </p:set>
+                                  </p:childTnLst>
+                                </p:cTn>
+                              </p:par>
+                            </p:childTnLst>
+                          </p:cTn>
+                        </p:par>
+                      </p:childTnLst>
+                    </p:cTn>
+                  </p:par>
+                  <p:par>
+                    <p:cTn id="15" fill="hold">
+                      <p:stCondLst>
+                        <p:cond delay="indefinite"/>
+                      </p:stCondLst>
+                      <p:childTnLst>
+                        <p:par>
+                          <p:cTn id="16" fill="hold">
+                            <p:stCondLst>
+                              <p:cond delay="0"/>
+                            </p:stCondLst>
+                            <p:childTnLst>
+                              <p:par>
+                                <p:cTn id="17" presetID="1" presetClass="entr" presetSubtype="0" fill="hold" nodeType="clickEffect">
+                                  <p:stCondLst>
+                                    <p:cond delay="0"/>
+                                  </p:stCondLst>
+                                  <p:childTnLst>
+                                    <p:set>
+                                      <p:cBhvr>
+                                        <p:cTn id="18" dur="1" fill="hold">
+                                          <p:stCondLst>
+                                            <p:cond delay="0"/>
+                                          </p:stCondLst>
+                                        </p:cTn>
+                                        <p:tgtEl>
+                                          <p:spTgt spid="29699">
+                                            <p:txEl>
+                                              <p:pRg st="4" end="4"/>
+                                            </p:txEl>
+                                          </p:spTgt>
+                                        </p:tgtEl>
+                                        <p:attrNameLst>
+                                          <p:attrName>style.visibility</p:attrName>
+                                        </p:attrNameLst>
+                                      </p:cBhvr>
+                                      <p:to>
+                                        <p:strVal val="visible"/>
+                                      </p:to>
+                                    </p:set>
+                                  </p:childTnLst>
+                                </p:cTn>
+                              </p:par>
+                            </p:childTnLst>
+                          </p:cTn>
+                        </p:par>
+                      </p:childTnLst>
+                    </p:cTn>
+                  </p:par>
+                  <p:par>
+                    <p:cTn id="19" fill="hold">
+                      <p:stCondLst>
+                        <p:cond delay="indefinite"/>
+                      </p:stCondLst>
+                      <p:childTnLst>
+                        <p:par>
+                          <p:cTn id="20" fill="hold">
+                            <p:stCondLst>
+                              <p:cond delay="0"/>
+                            </p:stCondLst>
+                            <p:childTnLst>
+                              <p:par>
+                                <p:cTn id="21" presetID="1" presetClass="entr" presetSubtype="0" fill="hold" nodeType="clickEffect">
+                                  <p:stCondLst>
+                                    <p:cond delay="0"/>
+                                  </p:stCondLst>
+                                  <p:childTnLst>
+                                    <p:set>
+                                      <p:cBhvr>
+                                        <p:cTn id="22" dur="1" fill="hold">
+                                          <p:stCondLst>
+                                            <p:cond delay="0"/>
+                                          </p:stCondLst>
+                                        </p:cTn>
+                                        <p:tgtEl>
+                                          <p:spTgt spid="29699">
+                                            <p:txEl>
+                                              <p:pRg st="5" end="5"/>
+                                            </p:txEl>
+                                          </p:spTgt>
+                                        </p:tgtEl>
+                                        <p:attrNameLst>
+                                          <p:attrName>style.visibility</p:attrName>
+                                        </p:attrNameLst>
+                                      </p:cBhvr>
+                                      <p:to>
+                                        <p:strVal val="visible"/>
+                                      </p:to>
+                                    </p:set>
+                                  </p:childTnLst>
+                                </p:cTn>
+                              </p:par>
+                            </p:childTnLst>
+                          </p:cTn>
+                        </p:par>
+                      </p:childTnLst>
+                    </p:cTn>
+                  </p:par>
+                  <p:par>
+                    <p:cTn id="23" fill="hold">
+                      <p:stCondLst>
+                        <p:cond delay="indefinite"/>
+                      </p:stCondLst>
+                      <p:childTnLst>
+                        <p:par>
+                          <p:cTn id="24" fill="hold">
+                            <p:stCondLst>
+                              <p:cond delay="0"/>
+                            </p:stCondLst>
+                            <p:childTnLst>
+                              <p:par>
+                                <p:cTn id="25" presetID="1" presetClass="entr" presetSubtype="0" fill="hold" nodeType="clickEffect">
+                                  <p:stCondLst>
+                                    <p:cond delay="0"/>
+                                  </p:stCondLst>
+                                  <p:childTnLst>
+                                    <p:set>
+                                      <p:cBhvr>
+                                        <p:cTn id="26" dur="1" fill="hold">
+                                          <p:stCondLst>
+                                            <p:cond delay="0"/>
+                                          </p:stCondLst>
+                                        </p:cTn>
+                                        <p:tgtEl>
+                                          <p:spTgt spid="29699">
+                                            <p:txEl>
+                                              <p:pRg st="6" end="6"/>
+                                            </p:txEl>
+                                          </p:spTgt>
+                                        </p:tgtEl>
+                                        <p:attrNameLst>
+                                          <p:attrName>style.visibility</p:attrName>
+                                        </p:attrNameLst>
+                                      </p:cBhvr>
+                                      <p:to>
+                                        <p:strVal val="visible"/>
+                                      </p:to>
+                                    </p:set>
+                                  </p:childTnLst>
+                                </p:cTn>
+                              </p:par>
+                            </p:childTnLst>
+                          </p:cTn>
+                        </p:par>
+                      </p:childTnLst>
+                    </p:cTn>
+                  </p:par>
+                  <p:par>
+                    <p:cTn id="27" fill="hold">
+                      <p:stCondLst>
+                        <p:cond delay="indefinite"/>
+                      </p:stCondLst>
+                      <p:childTnLst>
+                        <p:par>
+                          <p:cTn id="28" fill="hold">
+                            <p:stCondLst>
+                              <p:cond delay="0"/>
+                            </p:stCondLst>
+                            <p:childTnLst>
+                              <p:par>
+                                <p:cTn id="29" presetID="1" presetClass="entr" presetSubtype="0" fill="hold" nodeType="clickEffect">
+                                  <p:stCondLst>
+                                    <p:cond delay="0"/>
+                                  </p:stCondLst>
+                                  <p:childTnLst>
+                                    <p:set>
+                                      <p:cBhvr>
+                                        <p:cTn id="30" dur="1" fill="hold">
+                                          <p:stCondLst>
+                                            <p:cond delay="0"/>
+                                          </p:stCondLst>
+                                        </p:cTn>
+                                        <p:tgtEl>
+                                          <p:spTgt spid="29699">
+                                            <p:txEl>
+                                              <p:pRg st="7" end="7"/>
+                                            </p:txEl>
+                                          </p:spTgt>
+                                        </p:tgtEl>
+                                        <p:attrNameLst>
+                                          <p:attrName>style.visibility</p:attrName>
+                                        </p:attrNameLst>
+                                      </p:cBhvr>
+                                      <p:to>
+                                        <p:strVal val="visible"/>
+                                      </p:to>
+                                    </p:set>
+                                  </p:childTnLst>
+                                </p:cTn>
+                              </p:par>
+                            </p:childTnLst>
+                          </p:cTn>
+                        </p:par>
+                      </p:childTnLst>
+                    </p:cTn>
+                  </p:par>
+                </p:childTnLst>
+              </p:cTn>
+              <p:prevCondLst>
+                <p:cond evt="onPrev" delay="0">
+                  <p:tgtEl>
+                    <p:sldTgt/>
+                  </p:tgtEl>
+                </p:cond>
+              </p:prevCondLst>
+              <p:nextCondLst>
+                <p:cond evt="onNext" delay="0">
+                  <p:tgtEl>
+                    <p:sldTgt/>
+                  </p:tgtEl>
+                </p:cond>
+              </p:nextCondLst>
+            </p:seq>
+          </p:childTnLst>
+        </p:cTn>
+      </p:par>
+    </p:tnLst>
+  </p:timing>
+</p:sld>
+</file>
+
+<file path=ppt/slides/slide13.xml><?xml version="1.0" encoding="utf-8"?>
+<p:sld xmlns:a="http://schemas.openxmlformats.org/drawingml/2006/main" xmlns:r="http://schemas.openxmlformats.org/officeDocument/2006/relationships" xmlns:p="http://schemas.openxmlformats.org/presentationml/2006/main">
+  <p:cSld>
+    <p:spTree>
+      <p:nvGrpSpPr>
+        <p:cNvPr id="1" name=""/>
+        <p:cNvGrpSpPr/>
+        <p:nvPr/>
+      </p:nvGrpSpPr>
+      <p:grpSpPr>
+        <a:xfrm>
+          <a:off x="0" y="0"/>
+          <a:ext cx="0" cy="0"/>
+          <a:chOff x="0" y="0"/>
+          <a:chExt cx="0" cy="0"/>
+        </a:xfrm>
+      </p:grpSpPr>
+      <p:sp>
+        <p:nvSpPr>
+          <p:cNvPr id="2" name="Title 1">
+            <a:extLst>
+              <a:ext uri="{FF2B5EF4-FFF2-40B4-BE49-F238E27FC236}">
+                <a16:creationId xmlns:a16="http://schemas.microsoft.com/office/drawing/2014/main" id="{4CDF7C92-8AA2-4CD2-B245-54C2A5C9C9CD}"/>
+              </a:ext>
+            </a:extLst>
+          </p:cNvPr>
+          <p:cNvSpPr>
+            <a:spLocks noGrp="1"/>
+          </p:cNvSpPr>
+          <p:nvPr>
+            <p:ph type="title"/>
+          </p:nvPr>
+        </p:nvSpPr>
+        <p:spPr/>
+        <p:txBody>
+          <a:bodyPr/>
+          <a:lstStyle/>
+          <a:p>
+            <a:r>
+              <a:rPr lang="en-US" dirty="0"/>
+              <a:t>Orphan vs. Zombie Processes</a:t>
+            </a:r>
+          </a:p>
+        </p:txBody>
+      </p:sp>
+      <p:sp>
+        <p:nvSpPr>
+          <p:cNvPr id="3" name="Content Placeholder 2">
+            <a:extLst>
+              <a:ext uri="{FF2B5EF4-FFF2-40B4-BE49-F238E27FC236}">
+                <a16:creationId xmlns:a16="http://schemas.microsoft.com/office/drawing/2014/main" id="{47A150C5-F849-4D86-BCB3-6AA2007F50A4}"/>
+              </a:ext>
+            </a:extLst>
+          </p:cNvPr>
+          <p:cNvSpPr>
+            <a:spLocks noGrp="1"/>
+          </p:cNvSpPr>
+          <p:nvPr>
+            <p:ph idx="1"/>
+          </p:nvPr>
+        </p:nvSpPr>
+        <p:spPr/>
+        <p:txBody>
+          <a:bodyPr/>
+          <a:lstStyle/>
+          <a:p>
+            <a:endParaRPr lang="en-US"/>
+          </a:p>
+        </p:txBody>
+      </p:sp>
+      <p:sp>
+        <p:nvSpPr>
+          <p:cNvPr id="4" name="Footer Placeholder 3">
+            <a:extLst>
+              <a:ext uri="{FF2B5EF4-FFF2-40B4-BE49-F238E27FC236}">
+                <a16:creationId xmlns:a16="http://schemas.microsoft.com/office/drawing/2014/main" id="{D9AD5EC3-A110-499B-8B5A-593D0215BEBB}"/>
+              </a:ext>
+            </a:extLst>
+          </p:cNvPr>
+          <p:cNvSpPr>
+            <a:spLocks noGrp="1"/>
+          </p:cNvSpPr>
+          <p:nvPr>
+            <p:ph type="ftr" idx="11"/>
+          </p:nvPr>
+        </p:nvSpPr>
+        <p:spPr/>
+        <p:txBody>
+          <a:bodyPr/>
+          <a:lstStyle/>
+          <a:p>
+            <a:pPr marL="0" marR="0" lvl="0" indent="0" algn="ctr" defTabSz="457200" rtl="0" eaLnBrk="1" fontAlgn="base" latinLnBrk="0" hangingPunct="0">
+              <a:lnSpc>
+                <a:spcPct val="96000"/>
+              </a:lnSpc>
+              <a:spcBef>
+                <a:spcPct val="0"/>
+              </a:spcBef>
+              <a:spcAft>
+                <a:spcPct val="0"/>
+              </a:spcAft>
+              <a:buClr>
+                <a:srgbClr val="000000"/>
+              </a:buClr>
+              <a:buSzPct val="100000"/>
+              <a:buFont typeface="Times New Roman" pitchFamily="16" charset="0"/>
+              <a:buNone/>
+              <a:tabLst>
+                <a:tab pos="0" algn="l"/>
+                <a:tab pos="457200" algn="l"/>
+                <a:tab pos="914400" algn="l"/>
+                <a:tab pos="1371600" algn="l"/>
+                <a:tab pos="1828800" algn="l"/>
+                <a:tab pos="2286000" algn="l"/>
+                <a:tab pos="2743200" algn="l"/>
+                <a:tab pos="3200400" algn="l"/>
+                <a:tab pos="3657600" algn="l"/>
+                <a:tab pos="4114800" algn="l"/>
+                <a:tab pos="4572000" algn="l"/>
+                <a:tab pos="5029200" algn="l"/>
+                <a:tab pos="5486400" algn="l"/>
+                <a:tab pos="5943600" algn="l"/>
+                <a:tab pos="6400800" algn="l"/>
+                <a:tab pos="6858000" algn="l"/>
+                <a:tab pos="7315200" algn="l"/>
+                <a:tab pos="7772400" algn="l"/>
+                <a:tab pos="8229600" algn="l"/>
+                <a:tab pos="8686800" algn="l"/>
+                <a:tab pos="9144000" algn="l"/>
+              </a:tabLst>
+              <a:defRPr/>
+            </a:pPr>
+            <a:r>
+              <a:rPr kumimoji="0" lang="en-US" sz="1400" b="0" i="0" u="none" strike="noStrike" kern="1200" cap="none" spc="0" normalizeH="0" baseline="0" noProof="0">
+                <a:ln>
+                  <a:noFill/>
+                </a:ln>
+                <a:solidFill>
+                  <a:srgbClr val="000000"/>
+                </a:solidFill>
+                <a:effectLst/>
+                <a:uLnTx/>
+                <a:uFillTx/>
+                <a:latin typeface="Arial"/>
+                <a:ea typeface="+mn-ea"/>
+                <a:cs typeface="Arial" charset="0"/>
+              </a:rPr>
+              <a:t>CS/COE 1550 – Operating Systems – Sherif Khattab</a:t>
+            </a:r>
+            <a:endParaRPr kumimoji="0" lang="en-GB" sz="1400" b="0" i="0" u="none" strike="noStrike" kern="1200" cap="none" spc="0" normalizeH="0" baseline="0" noProof="0" dirty="0">
+              <a:ln>
+                <a:noFill/>
+              </a:ln>
+              <a:solidFill>
+                <a:srgbClr val="000000"/>
+              </a:solidFill>
+              <a:effectLst/>
+              <a:uLnTx/>
+              <a:uFillTx/>
+              <a:latin typeface="Times New Roman" pitchFamily="16" charset="0"/>
+              <a:ea typeface="+mn-ea"/>
+              <a:cs typeface="Arial" charset="0"/>
+            </a:endParaRPr>
+          </a:p>
+        </p:txBody>
+      </p:sp>
+      <p:sp>
+        <p:nvSpPr>
+          <p:cNvPr id="5" name="Slide Number Placeholder 4">
+            <a:extLst>
+              <a:ext uri="{FF2B5EF4-FFF2-40B4-BE49-F238E27FC236}">
+                <a16:creationId xmlns:a16="http://schemas.microsoft.com/office/drawing/2014/main" id="{EBBAC7CF-0B62-44FB-A05B-29D5F8B40048}"/>
+              </a:ext>
+            </a:extLst>
+          </p:cNvPr>
+          <p:cNvSpPr>
+            <a:spLocks noGrp="1"/>
+          </p:cNvSpPr>
+          <p:nvPr>
+            <p:ph type="sldNum" idx="12"/>
+          </p:nvPr>
+        </p:nvSpPr>
+        <p:spPr/>
+        <p:txBody>
+          <a:bodyPr/>
+          <a:lstStyle/>
+          <a:p>
+            <a:pPr marL="0" marR="0" lvl="0" indent="0" algn="r" defTabSz="457200" rtl="0" eaLnBrk="1" fontAlgn="base" latinLnBrk="0" hangingPunct="0">
+              <a:lnSpc>
+                <a:spcPct val="96000"/>
+              </a:lnSpc>
+              <a:spcBef>
+                <a:spcPct val="0"/>
+              </a:spcBef>
+              <a:spcAft>
+                <a:spcPct val="0"/>
+              </a:spcAft>
+              <a:buClr>
+                <a:srgbClr val="000000"/>
+              </a:buClr>
+              <a:buSzPct val="100000"/>
+              <a:buFont typeface="Times New Roman" panose="02020603050405020304" pitchFamily="18" charset="0"/>
+              <a:buNone/>
+              <a:tabLst/>
+              <a:defRPr/>
+            </a:pPr>
+            <a:fld id="{65E435D9-63B0-4660-8D04-E83F5E2CA2AE}" type="slidenum">
+              <a:rPr kumimoji="0" lang="en-GB" altLang="en-US" sz="1400" b="0" i="0" u="none" strike="noStrike" kern="1200" cap="none" spc="0" normalizeH="0" baseline="0" noProof="0" smtClean="0">
+                <a:ln>
+                  <a:noFill/>
+                </a:ln>
+                <a:solidFill>
+                  <a:srgbClr val="000000"/>
+                </a:solidFill>
+                <a:effectLst/>
+                <a:uLnTx/>
+                <a:uFillTx/>
+                <a:latin typeface="Times New Roman" panose="02020603050405020304" pitchFamily="18" charset="0"/>
+                <a:ea typeface="+mn-ea"/>
+                <a:cs typeface="Arial" panose="020B0604020202020204" pitchFamily="34" charset="0"/>
+              </a:rPr>
+              <a:pPr marL="0" marR="0" lvl="0" indent="0" algn="r" defTabSz="457200" rtl="0" eaLnBrk="1" fontAlgn="base" latinLnBrk="0" hangingPunct="0">
+                <a:lnSpc>
+                  <a:spcPct val="96000"/>
+                </a:lnSpc>
+                <a:spcBef>
+                  <a:spcPct val="0"/>
+                </a:spcBef>
+                <a:spcAft>
+                  <a:spcPct val="0"/>
+                </a:spcAft>
+                <a:buClr>
+                  <a:srgbClr val="000000"/>
+                </a:buClr>
+                <a:buSzPct val="100000"/>
+                <a:buFont typeface="Times New Roman" panose="02020603050405020304" pitchFamily="18" charset="0"/>
+                <a:buNone/>
+                <a:tabLst/>
+                <a:defRPr/>
+              </a:pPr>
+              <a:t>13</a:t>
+            </a:fld>
+            <a:endParaRPr kumimoji="0" lang="en-GB" altLang="en-US" sz="1400" b="0" i="0" u="none" strike="noStrike" kern="1200" cap="none" spc="0" normalizeH="0" baseline="0" noProof="0" dirty="0">
+              <a:ln>
+                <a:noFill/>
+              </a:ln>
+              <a:solidFill>
+                <a:srgbClr val="000000"/>
+              </a:solidFill>
+              <a:effectLst/>
+              <a:uLnTx/>
+              <a:uFillTx/>
+              <a:latin typeface="Times New Roman" panose="02020603050405020304" pitchFamily="18" charset="0"/>
+              <a:ea typeface="+mn-ea"/>
+              <a:cs typeface="Arial" panose="020B0604020202020204" pitchFamily="34" charset="0"/>
+            </a:endParaRPr>
+          </a:p>
+        </p:txBody>
+      </p:sp>
+      <p:pic>
+        <p:nvPicPr>
+          <p:cNvPr id="7" name="Picture 6">
+            <a:extLst>
+              <a:ext uri="{FF2B5EF4-FFF2-40B4-BE49-F238E27FC236}">
+                <a16:creationId xmlns:a16="http://schemas.microsoft.com/office/drawing/2014/main" id="{238CB2BB-984B-497A-B1B0-CC96CC2896B9}"/>
+              </a:ext>
+            </a:extLst>
+          </p:cNvPr>
+          <p:cNvPicPr>
+            <a:picLocks noChangeAspect="1"/>
+          </p:cNvPicPr>
+          <p:nvPr/>
+        </p:nvPicPr>
+        <p:blipFill>
+          <a:blip r:embed="rId2"/>
+          <a:stretch>
+            <a:fillRect/>
+          </a:stretch>
+        </p:blipFill>
+        <p:spPr>
+          <a:xfrm>
+            <a:off x="527326" y="983635"/>
+            <a:ext cx="9041642" cy="6028967"/>
+          </a:xfrm>
+          <a:prstGeom prst="rect">
+            <a:avLst/>
+          </a:prstGeom>
+        </p:spPr>
+      </p:pic>
+    </p:spTree>
+    <p:extLst>
+      <p:ext uri="{BB962C8B-B14F-4D97-AF65-F5344CB8AC3E}">
+        <p14:creationId xmlns:p14="http://schemas.microsoft.com/office/powerpoint/2010/main" val="2804781805"/>
+      </p:ext>
+    </p:extLst>
+  </p:cSld>
+  <p:clrMapOvr>
+    <a:masterClrMapping/>
+  </p:clrMapOvr>
+</p:sld>
+</file>
+
+<file path=ppt/slides/slide14.xml><?xml version="1.0" encoding="utf-8"?>
+<p:sld xmlns:a="http://schemas.openxmlformats.org/drawingml/2006/main" xmlns:r="http://schemas.openxmlformats.org/officeDocument/2006/relationships" xmlns:p="http://schemas.openxmlformats.org/presentationml/2006/main">
+  <p:cSld>
+    <p:spTree>
+      <p:nvGrpSpPr>
+        <p:cNvPr id="1" name=""/>
+        <p:cNvGrpSpPr/>
+        <p:nvPr/>
+      </p:nvGrpSpPr>
+      <p:grpSpPr>
+        <a:xfrm>
+          <a:off x="0" y="0"/>
+          <a:ext cx="0" cy="0"/>
+          <a:chOff x="0" y="0"/>
+          <a:chExt cx="0" cy="0"/>
+        </a:xfrm>
+      </p:grpSpPr>
+      <p:sp>
+        <p:nvSpPr>
+          <p:cNvPr id="2" name="Title 1">
+            <a:extLst>
+              <a:ext uri="{FF2B5EF4-FFF2-40B4-BE49-F238E27FC236}">
+                <a16:creationId xmlns:a16="http://schemas.microsoft.com/office/drawing/2014/main" id="{7D38A7C9-4D12-4AD6-9D0C-96896D1174D6}"/>
+              </a:ext>
+            </a:extLst>
+          </p:cNvPr>
+          <p:cNvSpPr>
+            <a:spLocks noGrp="1"/>
+          </p:cNvSpPr>
+          <p:nvPr>
+            <p:ph type="title"/>
+          </p:nvPr>
+        </p:nvSpPr>
+        <p:spPr/>
+        <p:txBody>
+          <a:bodyPr/>
+          <a:lstStyle/>
+          <a:p>
+            <a:r>
+              <a:rPr lang="en-US" dirty="0"/>
+              <a:t>Benefits of Orphan Processes</a:t>
+            </a:r>
+          </a:p>
+        </p:txBody>
+      </p:sp>
+      <p:sp>
+        <p:nvSpPr>
+          <p:cNvPr id="3" name="Content Placeholder 2">
+            <a:extLst>
+              <a:ext uri="{FF2B5EF4-FFF2-40B4-BE49-F238E27FC236}">
+                <a16:creationId xmlns:a16="http://schemas.microsoft.com/office/drawing/2014/main" id="{41FE772B-EE09-4082-9520-F2B439890E12}"/>
+              </a:ext>
+            </a:extLst>
+          </p:cNvPr>
+          <p:cNvSpPr>
+            <a:spLocks noGrp="1"/>
+          </p:cNvSpPr>
+          <p:nvPr>
+            <p:ph idx="1"/>
+          </p:nvPr>
+        </p:nvSpPr>
+        <p:spPr/>
+        <p:txBody>
+          <a:bodyPr/>
+          <a:lstStyle/>
+          <a:p>
+            <a:r>
+              <a:rPr lang="en-US" dirty="0"/>
+              <a:t>Allow a long-running job to continue running even after session (e.g., </a:t>
+            </a:r>
+            <a:r>
+              <a:rPr lang="en-US" dirty="0" err="1"/>
+              <a:t>ssh</a:t>
+            </a:r>
+            <a:r>
+              <a:rPr lang="en-US" dirty="0"/>
+              <a:t> connection) ends.</a:t>
+            </a:r>
+          </a:p>
+          <a:p>
+            <a:pPr lvl="1"/>
+            <a:r>
+              <a:rPr lang="en-US" dirty="0"/>
+              <a:t>The </a:t>
+            </a:r>
+            <a:r>
+              <a:rPr lang="en-US" dirty="0" err="1"/>
+              <a:t>nohup</a:t>
+            </a:r>
+            <a:r>
+              <a:rPr lang="en-US" dirty="0"/>
+              <a:t> command does that</a:t>
+            </a:r>
+          </a:p>
+          <a:p>
+            <a:r>
+              <a:rPr lang="en-US" dirty="0"/>
+              <a:t>Create daemon processes</a:t>
+            </a:r>
+          </a:p>
+          <a:p>
+            <a:pPr lvl="1"/>
+            <a:r>
+              <a:rPr lang="en-US" dirty="0"/>
+              <a:t>Long-running background processes adopted by the </a:t>
+            </a:r>
+            <a:r>
+              <a:rPr lang="en-US" dirty="0" err="1"/>
+              <a:t>init</a:t>
+            </a:r>
+            <a:r>
+              <a:rPr lang="en-US" dirty="0"/>
+              <a:t> process.</a:t>
+            </a:r>
+          </a:p>
+        </p:txBody>
+      </p:sp>
+      <p:sp>
+        <p:nvSpPr>
+          <p:cNvPr id="4" name="Footer Placeholder 3">
+            <a:extLst>
+              <a:ext uri="{FF2B5EF4-FFF2-40B4-BE49-F238E27FC236}">
+                <a16:creationId xmlns:a16="http://schemas.microsoft.com/office/drawing/2014/main" id="{CCE09C5D-B59D-4769-95E5-5A0868DC0891}"/>
+              </a:ext>
+            </a:extLst>
+          </p:cNvPr>
+          <p:cNvSpPr>
+            <a:spLocks noGrp="1"/>
+          </p:cNvSpPr>
+          <p:nvPr>
+            <p:ph type="ftr" idx="11"/>
+          </p:nvPr>
+        </p:nvSpPr>
+        <p:spPr/>
+        <p:txBody>
+          <a:bodyPr/>
+          <a:lstStyle/>
+          <a:p>
+            <a:pPr marL="0" marR="0" lvl="0" indent="0" algn="ctr" defTabSz="457200" rtl="0" eaLnBrk="1" fontAlgn="base" latinLnBrk="0" hangingPunct="0">
+              <a:lnSpc>
+                <a:spcPct val="96000"/>
+              </a:lnSpc>
+              <a:spcBef>
+                <a:spcPct val="0"/>
+              </a:spcBef>
+              <a:spcAft>
+                <a:spcPct val="0"/>
+              </a:spcAft>
+              <a:buClr>
+                <a:srgbClr val="000000"/>
+              </a:buClr>
+              <a:buSzPct val="100000"/>
+              <a:buFont typeface="Times New Roman" pitchFamily="16" charset="0"/>
+              <a:buNone/>
+              <a:tabLst>
+                <a:tab pos="0" algn="l"/>
+                <a:tab pos="457200" algn="l"/>
+                <a:tab pos="914400" algn="l"/>
+                <a:tab pos="1371600" algn="l"/>
+                <a:tab pos="1828800" algn="l"/>
+                <a:tab pos="2286000" algn="l"/>
+                <a:tab pos="2743200" algn="l"/>
+                <a:tab pos="3200400" algn="l"/>
+                <a:tab pos="3657600" algn="l"/>
+                <a:tab pos="4114800" algn="l"/>
+                <a:tab pos="4572000" algn="l"/>
+                <a:tab pos="5029200" algn="l"/>
+                <a:tab pos="5486400" algn="l"/>
+                <a:tab pos="5943600" algn="l"/>
+                <a:tab pos="6400800" algn="l"/>
+                <a:tab pos="6858000" algn="l"/>
+                <a:tab pos="7315200" algn="l"/>
+                <a:tab pos="7772400" algn="l"/>
+                <a:tab pos="8229600" algn="l"/>
+                <a:tab pos="8686800" algn="l"/>
+                <a:tab pos="9144000" algn="l"/>
+              </a:tabLst>
+              <a:defRPr/>
+            </a:pPr>
+            <a:r>
+              <a:rPr kumimoji="0" lang="en-US" sz="1400" b="0" i="0" u="none" strike="noStrike" kern="1200" cap="none" spc="0" normalizeH="0" baseline="0" noProof="0">
+                <a:ln>
+                  <a:noFill/>
+                </a:ln>
+                <a:solidFill>
+                  <a:srgbClr val="000000"/>
+                </a:solidFill>
+                <a:effectLst/>
+                <a:uLnTx/>
+                <a:uFillTx/>
+                <a:latin typeface="Arial"/>
+                <a:ea typeface="+mn-ea"/>
+                <a:cs typeface="Arial" charset="0"/>
+              </a:rPr>
+              <a:t>CS/COE 1550 – Operating Systems – Sherif Khattab</a:t>
+            </a:r>
+            <a:endParaRPr kumimoji="0" lang="en-GB" sz="1400" b="0" i="0" u="none" strike="noStrike" kern="1200" cap="none" spc="0" normalizeH="0" baseline="0" noProof="0" dirty="0">
+              <a:ln>
+                <a:noFill/>
+              </a:ln>
+              <a:solidFill>
+                <a:srgbClr val="000000"/>
+              </a:solidFill>
+              <a:effectLst/>
+              <a:uLnTx/>
+              <a:uFillTx/>
+              <a:latin typeface="Times New Roman" pitchFamily="16" charset="0"/>
+              <a:ea typeface="+mn-ea"/>
+              <a:cs typeface="Arial" charset="0"/>
+            </a:endParaRPr>
+          </a:p>
+        </p:txBody>
+      </p:sp>
+      <p:sp>
+        <p:nvSpPr>
+          <p:cNvPr id="5" name="Slide Number Placeholder 4">
+            <a:extLst>
+              <a:ext uri="{FF2B5EF4-FFF2-40B4-BE49-F238E27FC236}">
+                <a16:creationId xmlns:a16="http://schemas.microsoft.com/office/drawing/2014/main" id="{2A5CC058-700E-48DA-A355-E64076CE21C8}"/>
+              </a:ext>
+            </a:extLst>
+          </p:cNvPr>
+          <p:cNvSpPr>
+            <a:spLocks noGrp="1"/>
+          </p:cNvSpPr>
+          <p:nvPr>
+            <p:ph type="sldNum" idx="12"/>
+          </p:nvPr>
+        </p:nvSpPr>
+        <p:spPr/>
+        <p:txBody>
+          <a:bodyPr/>
+          <a:lstStyle/>
+          <a:p>
+            <a:pPr marL="0" marR="0" lvl="0" indent="0" algn="r" defTabSz="457200" rtl="0" eaLnBrk="1" fontAlgn="base" latinLnBrk="0" hangingPunct="0">
+              <a:lnSpc>
+                <a:spcPct val="96000"/>
+              </a:lnSpc>
+              <a:spcBef>
+                <a:spcPct val="0"/>
+              </a:spcBef>
+              <a:spcAft>
+                <a:spcPct val="0"/>
+              </a:spcAft>
+              <a:buClr>
+                <a:srgbClr val="000000"/>
+              </a:buClr>
+              <a:buSzPct val="100000"/>
+              <a:buFont typeface="Times New Roman" panose="02020603050405020304" pitchFamily="18" charset="0"/>
+              <a:buNone/>
+              <a:tabLst/>
+              <a:defRPr/>
+            </a:pPr>
+            <a:fld id="{65E435D9-63B0-4660-8D04-E83F5E2CA2AE}" type="slidenum">
+              <a:rPr kumimoji="0" lang="en-GB" altLang="en-US" sz="1400" b="0" i="0" u="none" strike="noStrike" kern="1200" cap="none" spc="0" normalizeH="0" baseline="0" noProof="0" smtClean="0">
+                <a:ln>
+                  <a:noFill/>
+                </a:ln>
+                <a:solidFill>
+                  <a:srgbClr val="000000"/>
+                </a:solidFill>
+                <a:effectLst/>
+                <a:uLnTx/>
+                <a:uFillTx/>
+                <a:latin typeface="Times New Roman" panose="02020603050405020304" pitchFamily="18" charset="0"/>
+                <a:ea typeface="+mn-ea"/>
+                <a:cs typeface="Arial" panose="020B0604020202020204" pitchFamily="34" charset="0"/>
+              </a:rPr>
+              <a:pPr marL="0" marR="0" lvl="0" indent="0" algn="r" defTabSz="457200" rtl="0" eaLnBrk="1" fontAlgn="base" latinLnBrk="0" hangingPunct="0">
+                <a:lnSpc>
+                  <a:spcPct val="96000"/>
+                </a:lnSpc>
+                <a:spcBef>
+                  <a:spcPct val="0"/>
+                </a:spcBef>
+                <a:spcAft>
+                  <a:spcPct val="0"/>
+                </a:spcAft>
+                <a:buClr>
+                  <a:srgbClr val="000000"/>
+                </a:buClr>
+                <a:buSzPct val="100000"/>
+                <a:buFont typeface="Times New Roman" panose="02020603050405020304" pitchFamily="18" charset="0"/>
+                <a:buNone/>
+                <a:tabLst/>
+                <a:defRPr/>
+              </a:pPr>
+              <a:t>14</a:t>
+            </a:fld>
+            <a:endParaRPr kumimoji="0" lang="en-GB" altLang="en-US" sz="1400" b="0" i="0" u="none" strike="noStrike" kern="1200" cap="none" spc="0" normalizeH="0" baseline="0" noProof="0" dirty="0">
+              <a:ln>
+                <a:noFill/>
+              </a:ln>
+              <a:solidFill>
+                <a:srgbClr val="000000"/>
+              </a:solidFill>
+              <a:effectLst/>
+              <a:uLnTx/>
+              <a:uFillTx/>
+              <a:latin typeface="Times New Roman" panose="02020603050405020304" pitchFamily="18" charset="0"/>
+              <a:ea typeface="+mn-ea"/>
+              <a:cs typeface="Arial" panose="020B0604020202020204" pitchFamily="34" charset="0"/>
+            </a:endParaRPr>
+          </a:p>
+        </p:txBody>
+      </p:sp>
+    </p:spTree>
+    <p:extLst>
+      <p:ext uri="{BB962C8B-B14F-4D97-AF65-F5344CB8AC3E}">
+        <p14:creationId xmlns:p14="http://schemas.microsoft.com/office/powerpoint/2010/main" val="1525193433"/>
+      </p:ext>
+    </p:extLst>
+  </p:cSld>
+  <p:clrMapOvr>
+    <a:masterClrMapping/>
+  </p:clrMapOvr>
+</p:sld>
+</file>
+
+<file path=ppt/slides/slide15.xml><?xml version="1.0" encoding="utf-8"?>
+<p:sld xmlns:a="http://schemas.openxmlformats.org/drawingml/2006/main" xmlns:r="http://schemas.openxmlformats.org/officeDocument/2006/relationships" xmlns:p="http://schemas.openxmlformats.org/presentationml/2006/main">
+  <p:cSld>
+    <p:spTree>
+      <p:nvGrpSpPr>
+        <p:cNvPr id="1" name=""/>
+        <p:cNvGrpSpPr/>
+        <p:nvPr/>
+      </p:nvGrpSpPr>
+      <p:grpSpPr>
+        <a:xfrm>
+          <a:off x="0" y="0"/>
+          <a:ext cx="0" cy="0"/>
+          <a:chOff x="0" y="0"/>
+          <a:chExt cx="0" cy="0"/>
+        </a:xfrm>
+      </p:grpSpPr>
+      <p:sp>
+        <p:nvSpPr>
+          <p:cNvPr id="2" name="Title 1">
+            <a:extLst>
+              <a:ext uri="{FF2B5EF4-FFF2-40B4-BE49-F238E27FC236}">
+                <a16:creationId xmlns:a16="http://schemas.microsoft.com/office/drawing/2014/main" id="{8964C184-2D6E-E348-A72F-9EE120A124BE}"/>
+              </a:ext>
+            </a:extLst>
+          </p:cNvPr>
+          <p:cNvSpPr>
+            <a:spLocks noGrp="1"/>
+          </p:cNvSpPr>
+          <p:nvPr>
+            <p:ph type="title"/>
+          </p:nvPr>
+        </p:nvSpPr>
+        <p:spPr/>
+        <p:txBody>
+          <a:bodyPr/>
+          <a:lstStyle/>
+          <a:p>
+            <a:r>
+              <a:rPr lang="en-US" dirty="0"/>
+              <a:t>Xv6 Code Walkthrough</a:t>
+            </a:r>
+          </a:p>
+        </p:txBody>
+      </p:sp>
+      <p:sp>
+        <p:nvSpPr>
+          <p:cNvPr id="3" name="Content Placeholder 2">
+            <a:extLst>
+              <a:ext uri="{FF2B5EF4-FFF2-40B4-BE49-F238E27FC236}">
+                <a16:creationId xmlns:a16="http://schemas.microsoft.com/office/drawing/2014/main" id="{C9F2EE5E-BD27-8542-A295-3D984042E511}"/>
+              </a:ext>
+            </a:extLst>
+          </p:cNvPr>
+          <p:cNvSpPr>
+            <a:spLocks noGrp="1"/>
+          </p:cNvSpPr>
+          <p:nvPr>
+            <p:ph idx="1"/>
+          </p:nvPr>
+        </p:nvSpPr>
+        <p:spPr/>
+        <p:txBody>
+          <a:bodyPr/>
+          <a:lstStyle/>
+          <a:p>
+            <a:r>
+              <a:rPr lang="en-US" dirty="0"/>
+              <a:t>fork()</a:t>
+            </a:r>
+          </a:p>
+          <a:p>
+            <a:r>
+              <a:rPr lang="en-US" dirty="0"/>
+              <a:t>exit()</a:t>
+            </a:r>
+          </a:p>
+          <a:p>
+            <a:r>
+              <a:rPr lang="en-US" dirty="0"/>
+              <a:t>wait()</a:t>
+            </a:r>
+          </a:p>
+        </p:txBody>
+      </p:sp>
+      <p:sp>
+        <p:nvSpPr>
+          <p:cNvPr id="4" name="Footer Placeholder 3">
+            <a:extLst>
+              <a:ext uri="{FF2B5EF4-FFF2-40B4-BE49-F238E27FC236}">
+                <a16:creationId xmlns:a16="http://schemas.microsoft.com/office/drawing/2014/main" id="{C1D0212D-6D34-3E4F-9A5A-06657E611481}"/>
+              </a:ext>
+            </a:extLst>
+          </p:cNvPr>
+          <p:cNvSpPr>
+            <a:spLocks noGrp="1"/>
+          </p:cNvSpPr>
+          <p:nvPr>
+            <p:ph type="ftr" idx="11"/>
+          </p:nvPr>
+        </p:nvSpPr>
+        <p:spPr/>
+        <p:txBody>
+          <a:bodyPr/>
+          <a:lstStyle/>
+          <a:p>
+            <a:pPr marL="0" marR="0" lvl="0" indent="0" algn="ctr" defTabSz="457200" rtl="0" eaLnBrk="1" fontAlgn="base" latinLnBrk="0" hangingPunct="0">
+              <a:lnSpc>
+                <a:spcPct val="96000"/>
+              </a:lnSpc>
+              <a:spcBef>
+                <a:spcPct val="0"/>
+              </a:spcBef>
+              <a:spcAft>
+                <a:spcPct val="0"/>
+              </a:spcAft>
+              <a:buClr>
+                <a:srgbClr val="000000"/>
+              </a:buClr>
+              <a:buSzPct val="100000"/>
+              <a:buFont typeface="Times New Roman" pitchFamily="16" charset="0"/>
+              <a:buNone/>
+              <a:tabLst>
+                <a:tab pos="0" algn="l"/>
+                <a:tab pos="457200" algn="l"/>
+                <a:tab pos="914400" algn="l"/>
+                <a:tab pos="1371600" algn="l"/>
+                <a:tab pos="1828800" algn="l"/>
+                <a:tab pos="2286000" algn="l"/>
+                <a:tab pos="2743200" algn="l"/>
+                <a:tab pos="3200400" algn="l"/>
+                <a:tab pos="3657600" algn="l"/>
+                <a:tab pos="4114800" algn="l"/>
+                <a:tab pos="4572000" algn="l"/>
+                <a:tab pos="5029200" algn="l"/>
+                <a:tab pos="5486400" algn="l"/>
+                <a:tab pos="5943600" algn="l"/>
+                <a:tab pos="6400800" algn="l"/>
+                <a:tab pos="6858000" algn="l"/>
+                <a:tab pos="7315200" algn="l"/>
+                <a:tab pos="7772400" algn="l"/>
+                <a:tab pos="8229600" algn="l"/>
+                <a:tab pos="8686800" algn="l"/>
+                <a:tab pos="9144000" algn="l"/>
+              </a:tabLst>
+              <a:defRPr/>
+            </a:pPr>
+            <a:r>
+              <a:rPr kumimoji="0" lang="en-US" sz="1400" b="0" i="0" u="none" strike="noStrike" kern="1200" cap="none" spc="0" normalizeH="0" baseline="0" noProof="0">
+                <a:ln>
+                  <a:noFill/>
+                </a:ln>
+                <a:solidFill>
+                  <a:srgbClr val="000000"/>
+                </a:solidFill>
+                <a:effectLst/>
+                <a:uLnTx/>
+                <a:uFillTx/>
+                <a:latin typeface="Arial"/>
+                <a:ea typeface="+mn-ea"/>
+                <a:cs typeface="Arial" charset="0"/>
+              </a:rPr>
+              <a:t>CS/COE 1550 – Operating Systems – Sherif Khattab</a:t>
+            </a:r>
+            <a:endParaRPr kumimoji="0" lang="en-GB" sz="1400" b="0" i="0" u="none" strike="noStrike" kern="1200" cap="none" spc="0" normalizeH="0" baseline="0" noProof="0" dirty="0">
+              <a:ln>
+                <a:noFill/>
+              </a:ln>
+              <a:solidFill>
+                <a:srgbClr val="000000"/>
+              </a:solidFill>
+              <a:effectLst/>
+              <a:uLnTx/>
+              <a:uFillTx/>
+              <a:latin typeface="Times New Roman" pitchFamily="16" charset="0"/>
+              <a:ea typeface="+mn-ea"/>
+              <a:cs typeface="Arial" charset="0"/>
+            </a:endParaRPr>
+          </a:p>
+        </p:txBody>
+      </p:sp>
+      <p:sp>
+        <p:nvSpPr>
+          <p:cNvPr id="5" name="Slide Number Placeholder 4">
+            <a:extLst>
+              <a:ext uri="{FF2B5EF4-FFF2-40B4-BE49-F238E27FC236}">
+                <a16:creationId xmlns:a16="http://schemas.microsoft.com/office/drawing/2014/main" id="{F08E759B-5433-A143-981C-7E601CE20D89}"/>
+              </a:ext>
+            </a:extLst>
+          </p:cNvPr>
+          <p:cNvSpPr>
+            <a:spLocks noGrp="1"/>
+          </p:cNvSpPr>
+          <p:nvPr>
+            <p:ph type="sldNum" idx="12"/>
+          </p:nvPr>
+        </p:nvSpPr>
+        <p:spPr/>
+        <p:txBody>
+          <a:bodyPr/>
+          <a:lstStyle/>
+          <a:p>
+            <a:pPr marL="0" marR="0" lvl="0" indent="0" algn="r" defTabSz="457200" rtl="0" eaLnBrk="1" fontAlgn="base" latinLnBrk="0" hangingPunct="0">
+              <a:lnSpc>
+                <a:spcPct val="96000"/>
+              </a:lnSpc>
+              <a:spcBef>
+                <a:spcPct val="0"/>
+              </a:spcBef>
+              <a:spcAft>
+                <a:spcPct val="0"/>
+              </a:spcAft>
+              <a:buClr>
+                <a:srgbClr val="000000"/>
+              </a:buClr>
+              <a:buSzPct val="100000"/>
+              <a:buFont typeface="Times New Roman" panose="02020603050405020304" pitchFamily="18" charset="0"/>
+              <a:buNone/>
+              <a:tabLst/>
+              <a:defRPr/>
+            </a:pPr>
+            <a:fld id="{65E435D9-63B0-4660-8D04-E83F5E2CA2AE}" type="slidenum">
+              <a:rPr kumimoji="0" lang="en-GB" altLang="en-US" sz="1400" b="0" i="0" u="none" strike="noStrike" kern="1200" cap="none" spc="0" normalizeH="0" baseline="0" noProof="0" smtClean="0">
+                <a:ln>
+                  <a:noFill/>
+                </a:ln>
+                <a:solidFill>
+                  <a:srgbClr val="000000"/>
+                </a:solidFill>
+                <a:effectLst/>
+                <a:uLnTx/>
+                <a:uFillTx/>
+                <a:latin typeface="Times New Roman" panose="02020603050405020304" pitchFamily="18" charset="0"/>
+                <a:ea typeface="+mn-ea"/>
+                <a:cs typeface="Arial" panose="020B0604020202020204" pitchFamily="34" charset="0"/>
+              </a:rPr>
+              <a:pPr marL="0" marR="0" lvl="0" indent="0" algn="r" defTabSz="457200" rtl="0" eaLnBrk="1" fontAlgn="base" latinLnBrk="0" hangingPunct="0">
+                <a:lnSpc>
+                  <a:spcPct val="96000"/>
+                </a:lnSpc>
+                <a:spcBef>
+                  <a:spcPct val="0"/>
+                </a:spcBef>
+                <a:spcAft>
+                  <a:spcPct val="0"/>
+                </a:spcAft>
+                <a:buClr>
+                  <a:srgbClr val="000000"/>
+                </a:buClr>
+                <a:buSzPct val="100000"/>
+                <a:buFont typeface="Times New Roman" panose="02020603050405020304" pitchFamily="18" charset="0"/>
+                <a:buNone/>
+                <a:tabLst/>
+                <a:defRPr/>
+              </a:pPr>
+              <a:t>15</a:t>
+            </a:fld>
+            <a:endParaRPr kumimoji="0" lang="en-GB" altLang="en-US" sz="1400" b="0" i="0" u="none" strike="noStrike" kern="1200" cap="none" spc="0" normalizeH="0" baseline="0" noProof="0" dirty="0">
+              <a:ln>
+                <a:noFill/>
+              </a:ln>
+              <a:solidFill>
+                <a:srgbClr val="000000"/>
+              </a:solidFill>
+              <a:effectLst/>
+              <a:uLnTx/>
+              <a:uFillTx/>
+              <a:latin typeface="Times New Roman" panose="02020603050405020304" pitchFamily="18" charset="0"/>
+              <a:ea typeface="+mn-ea"/>
+              <a:cs typeface="Arial" panose="020B0604020202020204" pitchFamily="34" charset="0"/>
+            </a:endParaRPr>
+          </a:p>
+        </p:txBody>
+      </p:sp>
+    </p:spTree>
+    <p:extLst>
+      <p:ext uri="{BB962C8B-B14F-4D97-AF65-F5344CB8AC3E}">
+        <p14:creationId xmlns:p14="http://schemas.microsoft.com/office/powerpoint/2010/main" val="4120720973"/>
+      </p:ext>
+    </p:extLst>
+  </p:cSld>
+  <p:clrMapOvr>
+    <a:masterClrMapping/>
+  </p:clrMapOvr>
+  <p:timing>
+    <p:tnLst>
+      <p:par>
+        <p:cTn id="1" dur="indefinite" restart="never" nodeType="tmRoot">
+          <p:childTnLst>
+            <p:seq concurrent="1" nextAc="seek">
+              <p:cTn id="2" dur="indefinite" nodeType="mainSeq">
+                <p:childTnLst>
+                  <p:par>
+                    <p:cTn id="3" fill="hold">
+                      <p:stCondLst>
+                        <p:cond delay="indefinite"/>
+                      </p:stCondLst>
+                      <p:childTnLst>
+                        <p:par>
+                          <p:cTn id="4" fill="hold">
+                            <p:stCondLst>
+                              <p:cond delay="0"/>
+                            </p:stCondLst>
+                            <p:childTnLst>
+                              <p:par>
+                                <p:cTn id="5" presetID="1" presetClass="entr" presetSubtype="0" fill="hold" nodeType="clickEffect">
+                                  <p:stCondLst>
+                                    <p:cond delay="0"/>
+                                  </p:stCondLst>
+                                  <p:childTnLst>
+                                    <p:set>
+                                      <p:cBhvr>
+                                        <p:cTn id="6" dur="1" fill="hold">
+                                          <p:stCondLst>
+                                            <p:cond delay="0"/>
+                                          </p:stCondLst>
+                                        </p:cTn>
+                                        <p:tgtEl>
+                                          <p:spTgt spid="3">
+                                            <p:txEl>
+                                              <p:pRg st="0" end="0"/>
+                                            </p:txEl>
+                                          </p:spTgt>
+                                        </p:tgtEl>
+                                        <p:attrNameLst>
+                                          <p:attrName>style.visibility</p:attrName>
+                                        </p:attrNameLst>
+                                      </p:cBhvr>
+                                      <p:to>
+                                        <p:strVal val="visible"/>
+                                      </p:to>
+                                    </p:set>
+                                  </p:childTnLst>
+                                </p:cTn>
+                              </p:par>
+                            </p:childTnLst>
+                          </p:cTn>
+                        </p:par>
+                      </p:childTnLst>
+                    </p:cTn>
+                  </p:par>
+                  <p:par>
+                    <p:cTn id="7" fill="hold">
+                      <p:stCondLst>
+                        <p:cond delay="indefinite"/>
+                      </p:stCondLst>
+                      <p:childTnLst>
+                        <p:par>
+                          <p:cTn id="8" fill="hold">
+                            <p:stCondLst>
+                              <p:cond delay="0"/>
+                            </p:stCondLst>
+                            <p:childTnLst>
+                              <p:par>
+                                <p:cTn id="9" presetID="1" presetClass="entr" presetSubtype="0" fill="hold" nodeType="clickEffect">
+                                  <p:stCondLst>
+                                    <p:cond delay="0"/>
+                                  </p:stCondLst>
+                                  <p:childTnLst>
+                                    <p:set>
+                                      <p:cBhvr>
+                                        <p:cTn id="10" dur="1" fill="hold">
+                                          <p:stCondLst>
+                                            <p:cond delay="0"/>
+                                          </p:stCondLst>
+                                        </p:cTn>
+                                        <p:tgtEl>
+                                          <p:spTgt spid="3">
+                                            <p:txEl>
+                                              <p:pRg st="1" end="1"/>
+                                            </p:txEl>
+                                          </p:spTgt>
+                                        </p:tgtEl>
+                                        <p:attrNameLst>
+                                          <p:attrName>style.visibility</p:attrName>
+                                        </p:attrNameLst>
+                                      </p:cBhvr>
+                                      <p:to>
+                                        <p:strVal val="visible"/>
+                                      </p:to>
+                                    </p:set>
+                                  </p:childTnLst>
+                                </p:cTn>
+                              </p:par>
+                            </p:childTnLst>
+                          </p:cTn>
+                        </p:par>
+                      </p:childTnLst>
+                    </p:cTn>
+                  </p:par>
+                  <p:par>
+                    <p:cTn id="11" fill="hold">
+                      <p:stCondLst>
+                        <p:cond delay="indefinite"/>
+                      </p:stCondLst>
+                      <p:childTnLst>
+                        <p:par>
+                          <p:cTn id="12" fill="hold">
+                            <p:stCondLst>
+                              <p:cond delay="0"/>
+                            </p:stCondLst>
+                            <p:childTnLst>
+                              <p:par>
+                                <p:cTn id="13" presetID="1" presetClass="entr" presetSubtype="0" fill="hold" nodeType="clickEffect">
+                                  <p:stCondLst>
+                                    <p:cond delay="0"/>
+                                  </p:stCondLst>
+                                  <p:childTnLst>
+                                    <p:set>
+                                      <p:cBhvr>
+                                        <p:cTn id="14" dur="1" fill="hold">
+                                          <p:stCondLst>
+                                            <p:cond delay="0"/>
+                                          </p:stCondLst>
+                                        </p:cTn>
+                                        <p:tgtEl>
+                                          <p:spTgt spid="3">
+                                            <p:txEl>
+                                              <p:pRg st="2" end="2"/>
+                                            </p:txEl>
+                                          </p:spTgt>
+                                        </p:tgtEl>
+                                        <p:attrNameLst>
+                                          <p:attrName>style.visibility</p:attrName>
+                                        </p:attrNameLst>
+                                      </p:cBhvr>
+                                      <p:to>
+                                        <p:strVal val="visible"/>
+                                      </p:to>
+                                    </p:set>
+                                  </p:childTnLst>
+                                </p:cTn>
+                              </p:par>
+                            </p:childTnLst>
+                          </p:cTn>
+                        </p:par>
+                      </p:childTnLst>
+                    </p:cTn>
+                  </p:par>
+                </p:childTnLst>
+              </p:cTn>
+              <p:prevCondLst>
+                <p:cond evt="onPrev" delay="0">
+                  <p:tgtEl>
+                    <p:sldTgt/>
+                  </p:tgtEl>
+                </p:cond>
+              </p:prevCondLst>
+              <p:nextCondLst>
+                <p:cond evt="onNext" delay="0">
+                  <p:tgtEl>
+                    <p:sldTgt/>
+                  </p:tgtEl>
+                </p:cond>
+              </p:nextCondLst>
+            </p:seq>
+          </p:childTnLst>
+        </p:cTn>
+      </p:par>
+    </p:tnLst>
+  </p:timing>
+</p:sld>
+</file>
+
+<file path=ppt/slides/slide16.xml><?xml version="1.0" encoding="utf-8"?>
+<p:sld xmlns:a="http://schemas.openxmlformats.org/drawingml/2006/main" xmlns:r="http://schemas.openxmlformats.org/officeDocument/2006/relationships" xmlns:p="http://schemas.openxmlformats.org/presentationml/2006/main">
+  <p:cSld>
+    <p:spTree>
+      <p:nvGrpSpPr>
+        <p:cNvPr id="1" name=""/>
+        <p:cNvGrpSpPr/>
+        <p:nvPr/>
+      </p:nvGrpSpPr>
+      <p:grpSpPr>
+        <a:xfrm>
+          <a:off x="0" y="0"/>
+          <a:ext cx="0" cy="0"/>
+          <a:chOff x="0" y="0"/>
+          <a:chExt cx="0" cy="0"/>
+        </a:xfrm>
+      </p:grpSpPr>
+      <p:sp>
+        <p:nvSpPr>
+          <p:cNvPr id="2" name="Title 1">
+            <a:extLst>
+              <a:ext uri="{FF2B5EF4-FFF2-40B4-BE49-F238E27FC236}">
+                <a16:creationId xmlns:a16="http://schemas.microsoft.com/office/drawing/2014/main" id="{FFE12BC5-5EA7-C845-A8E0-F8F61DD0257D}"/>
+              </a:ext>
+            </a:extLst>
+          </p:cNvPr>
+          <p:cNvSpPr>
+            <a:spLocks noGrp="1"/>
+          </p:cNvSpPr>
+          <p:nvPr>
+            <p:ph type="title"/>
+          </p:nvPr>
+        </p:nvSpPr>
+        <p:spPr/>
+        <p:txBody>
+          <a:bodyPr/>
+          <a:lstStyle/>
+          <a:p>
+            <a:r>
+              <a:rPr lang="en-US" dirty="0"/>
+              <a:t>Killing a waiting process</a:t>
+            </a:r>
+          </a:p>
+        </p:txBody>
+      </p:sp>
+      <p:sp>
+        <p:nvSpPr>
+          <p:cNvPr id="3" name="Content Placeholder 2">
+            <a:extLst>
+              <a:ext uri="{FF2B5EF4-FFF2-40B4-BE49-F238E27FC236}">
+                <a16:creationId xmlns:a16="http://schemas.microsoft.com/office/drawing/2014/main" id="{00D4CFE1-2AF7-B84A-972E-76BB11415F3C}"/>
+              </a:ext>
+            </a:extLst>
+          </p:cNvPr>
+          <p:cNvSpPr>
+            <a:spLocks noGrp="1"/>
+          </p:cNvSpPr>
+          <p:nvPr>
+            <p:ph idx="1"/>
+          </p:nvPr>
+        </p:nvSpPr>
+        <p:spPr/>
+        <p:txBody>
+          <a:bodyPr/>
+          <a:lstStyle/>
+          <a:p>
+            <a:endParaRPr lang="en-US"/>
+          </a:p>
+        </p:txBody>
+      </p:sp>
+      <p:sp>
+        <p:nvSpPr>
+          <p:cNvPr id="4" name="Footer Placeholder 3">
+            <a:extLst>
+              <a:ext uri="{FF2B5EF4-FFF2-40B4-BE49-F238E27FC236}">
+                <a16:creationId xmlns:a16="http://schemas.microsoft.com/office/drawing/2014/main" id="{7DCBAAFD-3B47-8648-9382-F0B483886D5C}"/>
+              </a:ext>
+            </a:extLst>
+          </p:cNvPr>
+          <p:cNvSpPr>
+            <a:spLocks noGrp="1"/>
+          </p:cNvSpPr>
+          <p:nvPr>
+            <p:ph type="ftr" idx="11"/>
+          </p:nvPr>
+        </p:nvSpPr>
+        <p:spPr/>
+        <p:txBody>
+          <a:bodyPr/>
+          <a:lstStyle/>
+          <a:p>
+            <a:pPr marL="0" marR="0" lvl="0" indent="0" algn="ctr" defTabSz="457200" rtl="0" eaLnBrk="1" fontAlgn="base" latinLnBrk="0" hangingPunct="0">
+              <a:lnSpc>
+                <a:spcPct val="96000"/>
+              </a:lnSpc>
+              <a:spcBef>
+                <a:spcPct val="0"/>
+              </a:spcBef>
+              <a:spcAft>
+                <a:spcPct val="0"/>
+              </a:spcAft>
+              <a:buClr>
+                <a:srgbClr val="000000"/>
+              </a:buClr>
+              <a:buSzPct val="100000"/>
+              <a:buFont typeface="Times New Roman" pitchFamily="16" charset="0"/>
+              <a:buNone/>
+              <a:tabLst>
+                <a:tab pos="0" algn="l"/>
+                <a:tab pos="457200" algn="l"/>
+                <a:tab pos="914400" algn="l"/>
+                <a:tab pos="1371600" algn="l"/>
+                <a:tab pos="1828800" algn="l"/>
+                <a:tab pos="2286000" algn="l"/>
+                <a:tab pos="2743200" algn="l"/>
+                <a:tab pos="3200400" algn="l"/>
+                <a:tab pos="3657600" algn="l"/>
+                <a:tab pos="4114800" algn="l"/>
+                <a:tab pos="4572000" algn="l"/>
+                <a:tab pos="5029200" algn="l"/>
+                <a:tab pos="5486400" algn="l"/>
+                <a:tab pos="5943600" algn="l"/>
+                <a:tab pos="6400800" algn="l"/>
+                <a:tab pos="6858000" algn="l"/>
+                <a:tab pos="7315200" algn="l"/>
+                <a:tab pos="7772400" algn="l"/>
+                <a:tab pos="8229600" algn="l"/>
+                <a:tab pos="8686800" algn="l"/>
+                <a:tab pos="9144000" algn="l"/>
+              </a:tabLst>
+              <a:defRPr/>
+            </a:pPr>
+            <a:r>
+              <a:rPr kumimoji="0" lang="en-US" sz="1400" b="0" i="0" u="none" strike="noStrike" kern="1200" cap="none" spc="0" normalizeH="0" baseline="0" noProof="0">
+                <a:ln>
+                  <a:noFill/>
+                </a:ln>
+                <a:solidFill>
+                  <a:srgbClr val="000000"/>
+                </a:solidFill>
+                <a:effectLst/>
+                <a:uLnTx/>
+                <a:uFillTx/>
+                <a:latin typeface="Arial"/>
+                <a:ea typeface="+mn-ea"/>
+                <a:cs typeface="Arial" charset="0"/>
+              </a:rPr>
+              <a:t>CS/COE 1550 – Operating Systems – Sherif Khattab</a:t>
+            </a:r>
+            <a:endParaRPr kumimoji="0" lang="en-GB" sz="1400" b="0" i="0" u="none" strike="noStrike" kern="1200" cap="none" spc="0" normalizeH="0" baseline="0" noProof="0" dirty="0">
+              <a:ln>
+                <a:noFill/>
+              </a:ln>
+              <a:solidFill>
+                <a:srgbClr val="000000"/>
+              </a:solidFill>
+              <a:effectLst/>
+              <a:uLnTx/>
+              <a:uFillTx/>
+              <a:latin typeface="Times New Roman" pitchFamily="16" charset="0"/>
+              <a:ea typeface="+mn-ea"/>
+              <a:cs typeface="Arial" charset="0"/>
+            </a:endParaRPr>
+          </a:p>
+        </p:txBody>
+      </p:sp>
+      <p:sp>
+        <p:nvSpPr>
+          <p:cNvPr id="5" name="Slide Number Placeholder 4">
+            <a:extLst>
+              <a:ext uri="{FF2B5EF4-FFF2-40B4-BE49-F238E27FC236}">
+                <a16:creationId xmlns:a16="http://schemas.microsoft.com/office/drawing/2014/main" id="{B2B12042-41F9-B944-BAE9-A00F32F5FF54}"/>
+              </a:ext>
+            </a:extLst>
+          </p:cNvPr>
+          <p:cNvSpPr>
+            <a:spLocks noGrp="1"/>
+          </p:cNvSpPr>
+          <p:nvPr>
+            <p:ph type="sldNum" idx="12"/>
+          </p:nvPr>
+        </p:nvSpPr>
+        <p:spPr/>
+        <p:txBody>
+          <a:bodyPr/>
+          <a:lstStyle/>
+          <a:p>
+            <a:pPr marL="0" marR="0" lvl="0" indent="0" algn="r" defTabSz="457200" rtl="0" eaLnBrk="1" fontAlgn="base" latinLnBrk="0" hangingPunct="0">
+              <a:lnSpc>
+                <a:spcPct val="96000"/>
+              </a:lnSpc>
+              <a:spcBef>
+                <a:spcPct val="0"/>
+              </a:spcBef>
+              <a:spcAft>
+                <a:spcPct val="0"/>
+              </a:spcAft>
+              <a:buClr>
+                <a:srgbClr val="000000"/>
+              </a:buClr>
+              <a:buSzPct val="100000"/>
+              <a:buFont typeface="Times New Roman" panose="02020603050405020304" pitchFamily="18" charset="0"/>
+              <a:buNone/>
+              <a:tabLst/>
+              <a:defRPr/>
+            </a:pPr>
+            <a:fld id="{65E435D9-63B0-4660-8D04-E83F5E2CA2AE}" type="slidenum">
+              <a:rPr kumimoji="0" lang="en-GB" altLang="en-US" sz="1400" b="0" i="0" u="none" strike="noStrike" kern="1200" cap="none" spc="0" normalizeH="0" baseline="0" noProof="0" smtClean="0">
+                <a:ln>
+                  <a:noFill/>
+                </a:ln>
+                <a:solidFill>
+                  <a:srgbClr val="000000"/>
+                </a:solidFill>
+                <a:effectLst/>
+                <a:uLnTx/>
+                <a:uFillTx/>
+                <a:latin typeface="Times New Roman" panose="02020603050405020304" pitchFamily="18" charset="0"/>
+                <a:ea typeface="+mn-ea"/>
+                <a:cs typeface="Arial" panose="020B0604020202020204" pitchFamily="34" charset="0"/>
+              </a:rPr>
+              <a:pPr marL="0" marR="0" lvl="0" indent="0" algn="r" defTabSz="457200" rtl="0" eaLnBrk="1" fontAlgn="base" latinLnBrk="0" hangingPunct="0">
+                <a:lnSpc>
+                  <a:spcPct val="96000"/>
+                </a:lnSpc>
+                <a:spcBef>
+                  <a:spcPct val="0"/>
+                </a:spcBef>
+                <a:spcAft>
+                  <a:spcPct val="0"/>
+                </a:spcAft>
+                <a:buClr>
+                  <a:srgbClr val="000000"/>
+                </a:buClr>
+                <a:buSzPct val="100000"/>
+                <a:buFont typeface="Times New Roman" panose="02020603050405020304" pitchFamily="18" charset="0"/>
+                <a:buNone/>
+                <a:tabLst/>
+                <a:defRPr/>
+              </a:pPr>
+              <a:t>16</a:t>
+            </a:fld>
+            <a:endParaRPr kumimoji="0" lang="en-GB" altLang="en-US" sz="1400" b="0" i="0" u="none" strike="noStrike" kern="1200" cap="none" spc="0" normalizeH="0" baseline="0" noProof="0" dirty="0">
+              <a:ln>
+                <a:noFill/>
+              </a:ln>
+              <a:solidFill>
+                <a:srgbClr val="000000"/>
+              </a:solidFill>
+              <a:effectLst/>
+              <a:uLnTx/>
+              <a:uFillTx/>
+              <a:latin typeface="Times New Roman" panose="02020603050405020304" pitchFamily="18" charset="0"/>
+              <a:ea typeface="+mn-ea"/>
+              <a:cs typeface="Arial" panose="020B0604020202020204" pitchFamily="34" charset="0"/>
+            </a:endParaRPr>
+          </a:p>
+        </p:txBody>
+      </p:sp>
+      <p:pic>
+        <p:nvPicPr>
+          <p:cNvPr id="6" name="Picture 5">
+            <a:extLst>
+              <a:ext uri="{FF2B5EF4-FFF2-40B4-BE49-F238E27FC236}">
+                <a16:creationId xmlns:a16="http://schemas.microsoft.com/office/drawing/2014/main" id="{96E479EE-72EA-5E4A-917B-FDE32F354919}"/>
+              </a:ext>
+            </a:extLst>
+          </p:cNvPr>
+          <p:cNvPicPr>
+            <a:picLocks noChangeAspect="1"/>
+          </p:cNvPicPr>
+          <p:nvPr/>
+        </p:nvPicPr>
+        <p:blipFill>
+          <a:blip r:embed="rId2"/>
+          <a:stretch>
+            <a:fillRect/>
+          </a:stretch>
+        </p:blipFill>
+        <p:spPr>
+          <a:xfrm>
+            <a:off x="387818" y="828692"/>
+            <a:ext cx="4141694" cy="3498451"/>
+          </a:xfrm>
+          <a:prstGeom prst="rect">
+            <a:avLst/>
+          </a:prstGeom>
+        </p:spPr>
+      </p:pic>
+      <p:pic>
+        <p:nvPicPr>
+          <p:cNvPr id="7" name="Picture 6">
+            <a:extLst>
+              <a:ext uri="{FF2B5EF4-FFF2-40B4-BE49-F238E27FC236}">
+                <a16:creationId xmlns:a16="http://schemas.microsoft.com/office/drawing/2014/main" id="{CE8A8D63-F641-DB4C-93B9-D4BFCDD98673}"/>
+              </a:ext>
+            </a:extLst>
+          </p:cNvPr>
+          <p:cNvPicPr>
+            <a:picLocks noChangeAspect="1"/>
+          </p:cNvPicPr>
+          <p:nvPr/>
+        </p:nvPicPr>
+        <p:blipFill>
+          <a:blip r:embed="rId3"/>
+          <a:stretch>
+            <a:fillRect/>
+          </a:stretch>
+        </p:blipFill>
+        <p:spPr>
+          <a:xfrm>
+            <a:off x="197644" y="4789861"/>
+            <a:ext cx="9829800" cy="2070100"/>
+          </a:xfrm>
+          <a:prstGeom prst="rect">
+            <a:avLst/>
+          </a:prstGeom>
+        </p:spPr>
+      </p:pic>
+    </p:spTree>
+    <p:extLst>
+      <p:ext uri="{BB962C8B-B14F-4D97-AF65-F5344CB8AC3E}">
+        <p14:creationId xmlns:p14="http://schemas.microsoft.com/office/powerpoint/2010/main" val="3419089429"/>
+      </p:ext>
+    </p:extLst>
+  </p:cSld>
+  <p:clrMapOvr>
+    <a:masterClrMapping/>
+  </p:clrMapOvr>
+  <p:timing>
+    <p:tnLst>
+      <p:par>
+        <p:cTn id="1" dur="indefinite" restart="never" nodeType="tmRoot">
+          <p:childTnLst>
+            <p:seq concurrent="1" nextAc="seek">
+              <p:cTn id="2" dur="indefinite" nodeType="mainSeq">
+                <p:childTnLst>
+                  <p:par>
+                    <p:cTn id="3" fill="hold">
+                      <p:stCondLst>
+                        <p:cond delay="indefinite"/>
+                      </p:stCondLst>
+                      <p:childTnLst>
+                        <p:par>
+                          <p:cTn id="4" fill="hold">
+                            <p:stCondLst>
+                              <p:cond delay="0"/>
+                            </p:stCondLst>
+                            <p:childTnLst>
+                              <p:par>
+                                <p:cTn id="5" presetID="1" presetClass="entr" presetSubtype="0" fill="hold" nodeType="clickEffect">
+                                  <p:stCondLst>
+                                    <p:cond delay="0"/>
+                                  </p:stCondLst>
+                                  <p:childTnLst>
+                                    <p:set>
+                                      <p:cBhvr>
+                                        <p:cTn id="6" dur="1" fill="hold">
+                                          <p:stCondLst>
+                                            <p:cond delay="0"/>
+                                          </p:stCondLst>
+                                        </p:cTn>
+                                        <p:tgtEl>
+                                          <p:spTgt spid="7"/>
+                                        </p:tgtEl>
+                                        <p:attrNameLst>
+                                          <p:attrName>style.visibility</p:attrName>
+                                        </p:attrNameLst>
+                                      </p:cBhvr>
+                                      <p:to>
+                                        <p:strVal val="visible"/>
+                                      </p:to>
+                                    </p:set>
+                                  </p:childTnLst>
+                                </p:cTn>
+                              </p:par>
+                            </p:childTnLst>
+                          </p:cTn>
+                        </p:par>
+                      </p:childTnLst>
+                    </p:cTn>
+                  </p:par>
+                </p:childTnLst>
+              </p:cTn>
+              <p:prevCondLst>
+                <p:cond evt="onPrev" delay="0">
+                  <p:tgtEl>
+                    <p:sldTgt/>
+                  </p:tgtEl>
+                </p:cond>
+              </p:prevCondLst>
+              <p:nextCondLst>
+                <p:cond evt="onNext" delay="0">
+                  <p:tgtEl>
+                    <p:sldTgt/>
+                  </p:tgtEl>
+                </p:cond>
+              </p:nextCondLst>
+            </p:seq>
+          </p:childTnLst>
+        </p:cTn>
+      </p:par>
+    </p:tnLst>
+  </p:timing>
+</p:sld>
+</file>
+
+<file path=ppt/slides/slide17.xml><?xml version="1.0" encoding="utf-8"?>
+<p:sld xmlns:a="http://schemas.openxmlformats.org/drawingml/2006/main" xmlns:r="http://schemas.openxmlformats.org/officeDocument/2006/relationships" xmlns:p="http://schemas.openxmlformats.org/presentationml/2006/main">
+  <p:cSld>
+    <p:spTree>
+      <p:nvGrpSpPr>
+        <p:cNvPr id="1" name=""/>
+        <p:cNvGrpSpPr/>
+        <p:nvPr/>
+      </p:nvGrpSpPr>
+      <p:grpSpPr>
+        <a:xfrm>
+          <a:off x="0" y="0"/>
+          <a:ext cx="0" cy="0"/>
+          <a:chOff x="0" y="0"/>
+          <a:chExt cx="0" cy="0"/>
+        </a:xfrm>
+      </p:grpSpPr>
+      <p:sp>
+        <p:nvSpPr>
+          <p:cNvPr id="100354" name="Rectangle 2">
+            <a:extLst>
+              <a:ext uri="{FF2B5EF4-FFF2-40B4-BE49-F238E27FC236}">
+                <a16:creationId xmlns:a16="http://schemas.microsoft.com/office/drawing/2014/main" id="{E957CE05-A4BD-144F-A0C4-0AAE7BD7009B}"/>
               </a:ext>
             </a:extLst>
           </p:cNvPr>
@@ -13341,25 +16675,26 @@
         </p:nvSpPr>
         <p:spPr/>
         <p:txBody>
-          <a:bodyPr>
-            <a:noAutofit/>
+          <a:bodyPr vert="horz" wrap="square" lIns="95343" tIns="47672" rIns="95343" bIns="47672" numCol="1" anchor="t" anchorCtr="0" compatLnSpc="1">
+            <a:prstTxWarp prst="textNoShape">
+              <a:avLst/>
+            </a:prstTxWarp>
           </a:bodyPr>
           <a:lstStyle/>
           <a:p>
             <a:r>
-              <a:rPr lang="en-US" sz="3200" dirty="0"/>
-              <a:t>Semaphore Usage Problem: Deadlock and Starvation</a:t>
+              <a:rPr lang="en-US" altLang="en-US" dirty="0"/>
+              <a:t>Implications of Busy Waiting</a:t>
             </a:r>
-            <a:endParaRPr lang="en-US" altLang="en-US" sz="3200" dirty="0"/>
           </a:p>
         </p:txBody>
       </p:sp>
       <p:sp>
         <p:nvSpPr>
-          <p:cNvPr id="114694" name="Rectangle 6">
+          <p:cNvPr id="100355" name="Rectangle 3">
             <a:extLst>
               <a:ext uri="{FF2B5EF4-FFF2-40B4-BE49-F238E27FC236}">
-                <a16:creationId xmlns:a16="http://schemas.microsoft.com/office/drawing/2014/main" id="{BBDAC104-BD98-9A47-A516-EE144AE2C4FF}"/>
+                <a16:creationId xmlns:a16="http://schemas.microsoft.com/office/drawing/2014/main" id="{0C36604A-A763-A345-B88E-8E6F2BF0C1FE}"/>
               </a:ext>
             </a:extLst>
           </p:cNvPr>
@@ -13372,68 +16707,96 @@
         </p:nvSpPr>
         <p:spPr>
           <a:xfrm>
-            <a:off x="0" y="775504"/>
-            <a:ext cx="5193364" cy="6506358"/>
+            <a:off x="0" y="714375"/>
+            <a:ext cx="4905955" cy="6567487"/>
           </a:xfrm>
         </p:spPr>
         <p:txBody>
-          <a:bodyPr/>
+          <a:bodyPr vert="horz" wrap="square" lIns="95343" tIns="47672" rIns="95343" bIns="47672" numCol="1" anchor="t" anchorCtr="0" compatLnSpc="1">
+            <a:prstTxWarp prst="textNoShape">
+              <a:avLst/>
+            </a:prstTxWarp>
+          </a:bodyPr>
           <a:lstStyle/>
           <a:p>
+            <a:pPr>
+              <a:lnSpc>
+                <a:spcPct val="90000"/>
+              </a:lnSpc>
+            </a:pPr>
             <a:r>
-              <a:rPr lang="en-US" altLang="en-US" sz="1984" dirty="0"/>
-              <a:t>Deadlock: two or more processes are waiting indefinitely for an event that can only be caused by a waiting process</a:t>
+              <a:rPr lang="en-US" altLang="en-US" sz="2646" dirty="0"/>
+              <a:t>Subproblem: </a:t>
             </a:r>
-          </a:p>
-          <a:p>
-            <a:pPr lvl="1"/>
             <a:r>
-              <a:rPr lang="en-US" altLang="en-US" sz="1764" dirty="0"/>
-              <a:t>P0 gets A, needs B</a:t>
+              <a:rPr lang="en-US" altLang="en-US" sz="2646" i="1" dirty="0"/>
+              <a:t>priority inversion</a:t>
             </a:r>
-          </a:p>
-          <a:p>
-            <a:pPr lvl="1"/>
             <a:r>
-              <a:rPr lang="en-US" altLang="en-US" sz="1764" dirty="0"/>
-              <a:t>P1 gets B, needs A</a:t>
+              <a:rPr lang="en-US" altLang="en-US" sz="2646" dirty="0"/>
+              <a:t> (higher priority process waits for lower priority process)</a:t>
             </a:r>
           </a:p>
           <a:p>
-            <a:pPr lvl="1"/>
+            <a:pPr>
+              <a:lnSpc>
+                <a:spcPct val="90000"/>
+              </a:lnSpc>
+            </a:pPr>
+            <a:endParaRPr lang="en-US" altLang="en-US" sz="2646" dirty="0"/>
+          </a:p>
+          <a:p>
+            <a:pPr>
+              <a:lnSpc>
+                <a:spcPct val="90000"/>
+              </a:lnSpc>
+            </a:pPr>
+            <a:endParaRPr lang="en-US" altLang="en-US" sz="2646" dirty="0"/>
+          </a:p>
+          <a:p>
+            <a:pPr>
+              <a:lnSpc>
+                <a:spcPct val="90000"/>
+              </a:lnSpc>
+            </a:pPr>
+            <a:endParaRPr lang="en-US" altLang="en-US" sz="2646" dirty="0"/>
+          </a:p>
+          <a:p>
+            <a:pPr>
+              <a:lnSpc>
+                <a:spcPct val="90000"/>
+              </a:lnSpc>
+            </a:pPr>
+            <a:endParaRPr lang="en-US" altLang="en-US" sz="2646" dirty="0"/>
+          </a:p>
+          <a:p>
+            <a:pPr>
+              <a:lnSpc>
+                <a:spcPct val="90000"/>
+              </a:lnSpc>
+            </a:pPr>
             <a:r>
-              <a:rPr lang="en-US" altLang="en-US" sz="1764" dirty="0"/>
-              <a:t>Each process waiting for the other to signal</a:t>
+              <a:rPr lang="en-US" altLang="en-US" sz="2646" dirty="0"/>
+              <a:t>Subproblem 2: compiler and/or hardware instruction reordering</a:t>
             </a:r>
           </a:p>
           <a:p>
-            <a:r>
-              <a:rPr lang="en-US" altLang="en-US" sz="1984" dirty="0"/>
-              <a:t>Starvation: indefinite blocking</a:t>
-            </a:r>
-          </a:p>
-          <a:p>
-            <a:pPr lvl="1"/>
-            <a:r>
-              <a:rPr lang="en-US" altLang="en-US" sz="1764" dirty="0"/>
-              <a:t>Process is never removed from the semaphore queue in which its suspended</a:t>
-            </a:r>
-          </a:p>
-          <a:p>
-            <a:pPr lvl="1"/>
-            <a:r>
-              <a:rPr lang="en-US" altLang="en-US" sz="1764" dirty="0"/>
-              <a:t>May be caused by ordering in queues (priority) </a:t>
-            </a:r>
+            <a:pPr marL="0" indent="0">
+              <a:lnSpc>
+                <a:spcPct val="90000"/>
+              </a:lnSpc>
+              <a:buNone/>
+            </a:pPr>
+            <a:endParaRPr lang="en-US" altLang="en-US" sz="2205" dirty="0"/>
           </a:p>
         </p:txBody>
       </p:sp>
       <p:sp>
         <p:nvSpPr>
-          <p:cNvPr id="7" name="Footer Placeholder 4">
+          <p:cNvPr id="4" name="Footer Placeholder 3">
             <a:extLst>
               <a:ext uri="{FF2B5EF4-FFF2-40B4-BE49-F238E27FC236}">
-                <a16:creationId xmlns:a16="http://schemas.microsoft.com/office/drawing/2014/main" id="{0E336C6B-24E5-C547-995B-7595329F8449}"/>
+                <a16:creationId xmlns:a16="http://schemas.microsoft.com/office/drawing/2014/main" id="{73DBA84E-7D96-E442-8FC3-A0C3749B1CC1}"/>
               </a:ext>
             </a:extLst>
           </p:cNvPr>
@@ -13510,10 +16873,10 @@
       </p:sp>
       <p:sp>
         <p:nvSpPr>
-          <p:cNvPr id="8" name="Slide Number Placeholder 5">
+          <p:cNvPr id="5" name="Slide Number Placeholder 4">
             <a:extLst>
               <a:ext uri="{FF2B5EF4-FFF2-40B4-BE49-F238E27FC236}">
-                <a16:creationId xmlns:a16="http://schemas.microsoft.com/office/drawing/2014/main" id="{E0264D84-51E2-CF40-866C-B9902608A9A7}"/>
+                <a16:creationId xmlns:a16="http://schemas.microsoft.com/office/drawing/2014/main" id="{B9F1484A-3D19-CA4A-81F0-82E85A0AC7BB}"/>
               </a:ext>
             </a:extLst>
           </p:cNvPr>
@@ -13546,7 +16909,7 @@
               <a:tabLst/>
               <a:defRPr/>
             </a:pPr>
-            <a:fld id="{E337E8CE-DEE4-9F4D-8381-0482A1B8891D}" type="slidenum">
+            <a:fld id="{49DE1B45-5713-6E42-A4BB-3D73C968C33F}" type="slidenum">
               <a:rPr kumimoji="0" lang="en-US" altLang="en-US" sz="1400" b="0" i="0" u="none" strike="noStrike" kern="1200" cap="none" spc="0" normalizeH="0" baseline="0" noProof="0">
                 <a:ln>
                   <a:noFill/>
@@ -13578,7 +16941,7 @@
                 <a:tabLst/>
                 <a:defRPr/>
               </a:pPr>
-              <a:t>10</a:t>
+              <a:t>17</a:t>
             </a:fld>
             <a:endParaRPr kumimoji="0" lang="en-US" altLang="en-US" sz="1400" b="0" i="0" u="none" strike="noStrike" kern="1200" cap="none" spc="0" normalizeH="0" baseline="0" noProof="0">
               <a:ln>
@@ -13597,12 +16960,713 @@
           </a:p>
         </p:txBody>
       </p:sp>
+      <p:pic>
+        <p:nvPicPr>
+          <p:cNvPr id="7" name="Picture 6">
+            <a:extLst>
+              <a:ext uri="{FF2B5EF4-FFF2-40B4-BE49-F238E27FC236}">
+                <a16:creationId xmlns:a16="http://schemas.microsoft.com/office/drawing/2014/main" id="{8289F39E-20D4-48DB-B0D7-920A9B1D2C84}"/>
+              </a:ext>
+            </a:extLst>
+          </p:cNvPr>
+          <p:cNvPicPr>
+            <a:picLocks noChangeAspect="1"/>
+          </p:cNvPicPr>
+          <p:nvPr/>
+        </p:nvPicPr>
+        <p:blipFill>
+          <a:blip r:embed="rId2"/>
+          <a:stretch>
+            <a:fillRect/>
+          </a:stretch>
+        </p:blipFill>
+        <p:spPr>
+          <a:xfrm>
+            <a:off x="5592644" y="1018513"/>
+            <a:ext cx="4090798" cy="2727744"/>
+          </a:xfrm>
+          <a:prstGeom prst="rect">
+            <a:avLst/>
+          </a:prstGeom>
+        </p:spPr>
+      </p:pic>
+      <mc:AlternateContent xmlns:mc="http://schemas.openxmlformats.org/markup-compatibility/2006">
+        <mc:Choice xmlns:p14="http://schemas.microsoft.com/office/powerpoint/2010/main" Requires="p14">
+          <p:contentPart p14:bwMode="auto" r:id="rId3">
+            <p14:nvContentPartPr>
+              <p14:cNvPr id="9" name="Ink 8">
+                <a:extLst>
+                  <a:ext uri="{FF2B5EF4-FFF2-40B4-BE49-F238E27FC236}">
+                    <a16:creationId xmlns:a16="http://schemas.microsoft.com/office/drawing/2014/main" id="{65902BB3-D968-4B54-8B69-A55E7B9FC9C7}"/>
+                  </a:ext>
+                </a:extLst>
+              </p14:cNvPr>
+              <p14:cNvContentPartPr/>
+              <p14:nvPr/>
+            </p14:nvContentPartPr>
+            <p14:xfrm flipV="1">
+              <a:off x="4151722" y="1651971"/>
+              <a:ext cx="1440921" cy="800672"/>
+            </p14:xfrm>
+          </p:contentPart>
+        </mc:Choice>
+        <mc:Fallback>
+          <p:pic>
+            <p:nvPicPr>
+              <p:cNvPr id="9" name="Ink 8">
+                <a:extLst>
+                  <a:ext uri="{FF2B5EF4-FFF2-40B4-BE49-F238E27FC236}">
+                    <a16:creationId xmlns:a16="http://schemas.microsoft.com/office/drawing/2014/main" id="{65902BB3-D968-4B54-8B69-A55E7B9FC9C7}"/>
+                  </a:ext>
+                </a:extLst>
+              </p:cNvPr>
+              <p:cNvPicPr/>
+              <p:nvPr/>
+            </p:nvPicPr>
+            <p:blipFill>
+              <a:blip r:embed="rId4"/>
+              <a:stretch>
+                <a:fillRect/>
+              </a:stretch>
+            </p:blipFill>
+            <p:spPr>
+              <a:xfrm flipV="1">
+                <a:off x="4142725" y="1643335"/>
+                <a:ext cx="1458555" cy="818305"/>
+              </a:xfrm>
+              <a:prstGeom prst="rect">
+                <a:avLst/>
+              </a:prstGeom>
+            </p:spPr>
+          </p:pic>
+        </mc:Fallback>
+      </mc:AlternateContent>
+      <mc:AlternateContent xmlns:mc="http://schemas.openxmlformats.org/markup-compatibility/2006">
+        <mc:Choice xmlns:p14="http://schemas.microsoft.com/office/powerpoint/2010/main" Requires="p14">
+          <p:contentPart p14:bwMode="auto" r:id="rId5">
+            <p14:nvContentPartPr>
+              <p14:cNvPr id="10" name="Ink 9">
+                <a:extLst>
+                  <a:ext uri="{FF2B5EF4-FFF2-40B4-BE49-F238E27FC236}">
+                    <a16:creationId xmlns:a16="http://schemas.microsoft.com/office/drawing/2014/main" id="{877346C0-8418-41AB-AD05-4613E1FE78DF}"/>
+                  </a:ext>
+                </a:extLst>
+              </p14:cNvPr>
+              <p14:cNvContentPartPr/>
+              <p14:nvPr/>
+            </p14:nvContentPartPr>
+            <p14:xfrm>
+              <a:off x="4159772" y="4510754"/>
+              <a:ext cx="1547871" cy="506957"/>
+            </p14:xfrm>
+          </p:contentPart>
+        </mc:Choice>
+        <mc:Fallback>
+          <p:pic>
+            <p:nvPicPr>
+              <p:cNvPr id="10" name="Ink 9">
+                <a:extLst>
+                  <a:ext uri="{FF2B5EF4-FFF2-40B4-BE49-F238E27FC236}">
+                    <a16:creationId xmlns:a16="http://schemas.microsoft.com/office/drawing/2014/main" id="{877346C0-8418-41AB-AD05-4613E1FE78DF}"/>
+                  </a:ext>
+                </a:extLst>
+              </p:cNvPr>
+              <p:cNvPicPr/>
+              <p:nvPr/>
+            </p:nvPicPr>
+            <p:blipFill>
+              <a:blip r:embed="rId6"/>
+              <a:stretch>
+                <a:fillRect/>
+              </a:stretch>
+            </p:blipFill>
+            <p:spPr>
+              <a:xfrm>
+                <a:off x="4150771" y="4501746"/>
+                <a:ext cx="1565514" cy="524612"/>
+              </a:xfrm>
+              <a:prstGeom prst="rect">
+                <a:avLst/>
+              </a:prstGeom>
+            </p:spPr>
+          </p:pic>
+        </mc:Fallback>
+      </mc:AlternateContent>
+      <p:pic>
+        <p:nvPicPr>
+          <p:cNvPr id="11" name="Picture 10">
+            <a:extLst>
+              <a:ext uri="{FF2B5EF4-FFF2-40B4-BE49-F238E27FC236}">
+                <a16:creationId xmlns:a16="http://schemas.microsoft.com/office/drawing/2014/main" id="{F566B0BC-E242-4A61-8CE5-99090A62E50D}"/>
+              </a:ext>
+            </a:extLst>
+          </p:cNvPr>
+          <p:cNvPicPr>
+            <a:picLocks noChangeAspect="1"/>
+          </p:cNvPicPr>
+          <p:nvPr/>
+        </p:nvPicPr>
+        <p:blipFill>
+          <a:blip r:embed="rId7"/>
+          <a:stretch>
+            <a:fillRect/>
+          </a:stretch>
+        </p:blipFill>
+        <p:spPr>
+          <a:xfrm>
+            <a:off x="5920853" y="4432236"/>
+            <a:ext cx="3434381" cy="2290045"/>
+          </a:xfrm>
+          <a:prstGeom prst="rect">
+            <a:avLst/>
+          </a:prstGeom>
+        </p:spPr>
+      </p:pic>
+    </p:spTree>
+    <p:extLst>
+      <p:ext uri="{BB962C8B-B14F-4D97-AF65-F5344CB8AC3E}">
+        <p14:creationId xmlns:p14="http://schemas.microsoft.com/office/powerpoint/2010/main" val="3210992163"/>
+      </p:ext>
+    </p:extLst>
+  </p:cSld>
+  <p:clrMapOvr>
+    <a:masterClrMapping/>
+  </p:clrMapOvr>
+  <p:timing>
+    <p:tnLst>
+      <p:par>
+        <p:cTn id="1" dur="indefinite" restart="never" nodeType="tmRoot">
+          <p:childTnLst>
+            <p:seq concurrent="1" nextAc="seek">
+              <p:cTn id="2" dur="indefinite" nodeType="mainSeq">
+                <p:childTnLst>
+                  <p:par>
+                    <p:cTn id="3" fill="hold">
+                      <p:stCondLst>
+                        <p:cond delay="indefinite"/>
+                      </p:stCondLst>
+                      <p:childTnLst>
+                        <p:par>
+                          <p:cTn id="4" fill="hold">
+                            <p:stCondLst>
+                              <p:cond delay="0"/>
+                            </p:stCondLst>
+                            <p:childTnLst>
+                              <p:par>
+                                <p:cTn id="5" presetID="1" presetClass="entr" presetSubtype="0" fill="hold" nodeType="clickEffect">
+                                  <p:stCondLst>
+                                    <p:cond delay="0"/>
+                                  </p:stCondLst>
+                                  <p:childTnLst>
+                                    <p:set>
+                                      <p:cBhvr>
+                                        <p:cTn id="6" dur="1" fill="hold">
+                                          <p:stCondLst>
+                                            <p:cond delay="0"/>
+                                          </p:stCondLst>
+                                        </p:cTn>
+                                        <p:tgtEl>
+                                          <p:spTgt spid="100355">
+                                            <p:txEl>
+                                              <p:pRg st="0" end="0"/>
+                                            </p:txEl>
+                                          </p:spTgt>
+                                        </p:tgtEl>
+                                        <p:attrNameLst>
+                                          <p:attrName>style.visibility</p:attrName>
+                                        </p:attrNameLst>
+                                      </p:cBhvr>
+                                      <p:to>
+                                        <p:strVal val="visible"/>
+                                      </p:to>
+                                    </p:set>
+                                  </p:childTnLst>
+                                </p:cTn>
+                              </p:par>
+                            </p:childTnLst>
+                          </p:cTn>
+                        </p:par>
+                      </p:childTnLst>
+                    </p:cTn>
+                  </p:par>
+                  <p:par>
+                    <p:cTn id="7" fill="hold">
+                      <p:stCondLst>
+                        <p:cond delay="indefinite"/>
+                      </p:stCondLst>
+                      <p:childTnLst>
+                        <p:par>
+                          <p:cTn id="8" fill="hold">
+                            <p:stCondLst>
+                              <p:cond delay="0"/>
+                            </p:stCondLst>
+                            <p:childTnLst>
+                              <p:par>
+                                <p:cTn id="9" presetID="1" presetClass="entr" presetSubtype="0" fill="hold" nodeType="clickEffect">
+                                  <p:stCondLst>
+                                    <p:cond delay="0"/>
+                                  </p:stCondLst>
+                                  <p:childTnLst>
+                                    <p:set>
+                                      <p:cBhvr>
+                                        <p:cTn id="10" dur="1" fill="hold">
+                                          <p:stCondLst>
+                                            <p:cond delay="0"/>
+                                          </p:stCondLst>
+                                        </p:cTn>
+                                        <p:tgtEl>
+                                          <p:spTgt spid="7"/>
+                                        </p:tgtEl>
+                                        <p:attrNameLst>
+                                          <p:attrName>style.visibility</p:attrName>
+                                        </p:attrNameLst>
+                                      </p:cBhvr>
+                                      <p:to>
+                                        <p:strVal val="visible"/>
+                                      </p:to>
+                                    </p:set>
+                                  </p:childTnLst>
+                                </p:cTn>
+                              </p:par>
+                              <p:par>
+                                <p:cTn id="11" presetID="1" presetClass="entr" presetSubtype="0" fill="hold" nodeType="withEffect">
+                                  <p:stCondLst>
+                                    <p:cond delay="0"/>
+                                  </p:stCondLst>
+                                  <p:childTnLst>
+                                    <p:set>
+                                      <p:cBhvr>
+                                        <p:cTn id="12" dur="1" fill="hold">
+                                          <p:stCondLst>
+                                            <p:cond delay="0"/>
+                                          </p:stCondLst>
+                                        </p:cTn>
+                                        <p:tgtEl>
+                                          <p:spTgt spid="9"/>
+                                        </p:tgtEl>
+                                        <p:attrNameLst>
+                                          <p:attrName>style.visibility</p:attrName>
+                                        </p:attrNameLst>
+                                      </p:cBhvr>
+                                      <p:to>
+                                        <p:strVal val="visible"/>
+                                      </p:to>
+                                    </p:set>
+                                  </p:childTnLst>
+                                </p:cTn>
+                              </p:par>
+                            </p:childTnLst>
+                          </p:cTn>
+                        </p:par>
+                      </p:childTnLst>
+                    </p:cTn>
+                  </p:par>
+                  <p:par>
+                    <p:cTn id="13" fill="hold">
+                      <p:stCondLst>
+                        <p:cond delay="indefinite"/>
+                      </p:stCondLst>
+                      <p:childTnLst>
+                        <p:par>
+                          <p:cTn id="14" fill="hold">
+                            <p:stCondLst>
+                              <p:cond delay="0"/>
+                            </p:stCondLst>
+                            <p:childTnLst>
+                              <p:par>
+                                <p:cTn id="15" presetID="1" presetClass="entr" presetSubtype="0" fill="hold" nodeType="clickEffect">
+                                  <p:stCondLst>
+                                    <p:cond delay="0"/>
+                                  </p:stCondLst>
+                                  <p:childTnLst>
+                                    <p:set>
+                                      <p:cBhvr>
+                                        <p:cTn id="16" dur="1" fill="hold">
+                                          <p:stCondLst>
+                                            <p:cond delay="0"/>
+                                          </p:stCondLst>
+                                        </p:cTn>
+                                        <p:tgtEl>
+                                          <p:spTgt spid="100355">
+                                            <p:txEl>
+                                              <p:pRg st="5" end="5"/>
+                                            </p:txEl>
+                                          </p:spTgt>
+                                        </p:tgtEl>
+                                        <p:attrNameLst>
+                                          <p:attrName>style.visibility</p:attrName>
+                                        </p:attrNameLst>
+                                      </p:cBhvr>
+                                      <p:to>
+                                        <p:strVal val="visible"/>
+                                      </p:to>
+                                    </p:set>
+                                  </p:childTnLst>
+                                </p:cTn>
+                              </p:par>
+                            </p:childTnLst>
+                          </p:cTn>
+                        </p:par>
+                      </p:childTnLst>
+                    </p:cTn>
+                  </p:par>
+                  <p:par>
+                    <p:cTn id="17" fill="hold">
+                      <p:stCondLst>
+                        <p:cond delay="indefinite"/>
+                      </p:stCondLst>
+                      <p:childTnLst>
+                        <p:par>
+                          <p:cTn id="18" fill="hold">
+                            <p:stCondLst>
+                              <p:cond delay="0"/>
+                            </p:stCondLst>
+                            <p:childTnLst>
+                              <p:par>
+                                <p:cTn id="19" presetID="1" presetClass="entr" presetSubtype="0" fill="hold" nodeType="clickEffect">
+                                  <p:stCondLst>
+                                    <p:cond delay="0"/>
+                                  </p:stCondLst>
+                                  <p:childTnLst>
+                                    <p:set>
+                                      <p:cBhvr>
+                                        <p:cTn id="20" dur="1" fill="hold">
+                                          <p:stCondLst>
+                                            <p:cond delay="0"/>
+                                          </p:stCondLst>
+                                        </p:cTn>
+                                        <p:tgtEl>
+                                          <p:spTgt spid="10"/>
+                                        </p:tgtEl>
+                                        <p:attrNameLst>
+                                          <p:attrName>style.visibility</p:attrName>
+                                        </p:attrNameLst>
+                                      </p:cBhvr>
+                                      <p:to>
+                                        <p:strVal val="visible"/>
+                                      </p:to>
+                                    </p:set>
+                                  </p:childTnLst>
+                                </p:cTn>
+                              </p:par>
+                              <p:par>
+                                <p:cTn id="21" presetID="1" presetClass="entr" presetSubtype="0" fill="hold" nodeType="withEffect">
+                                  <p:stCondLst>
+                                    <p:cond delay="0"/>
+                                  </p:stCondLst>
+                                  <p:childTnLst>
+                                    <p:set>
+                                      <p:cBhvr>
+                                        <p:cTn id="22" dur="1" fill="hold">
+                                          <p:stCondLst>
+                                            <p:cond delay="0"/>
+                                          </p:stCondLst>
+                                        </p:cTn>
+                                        <p:tgtEl>
+                                          <p:spTgt spid="11"/>
+                                        </p:tgtEl>
+                                        <p:attrNameLst>
+                                          <p:attrName>style.visibility</p:attrName>
+                                        </p:attrNameLst>
+                                      </p:cBhvr>
+                                      <p:to>
+                                        <p:strVal val="visible"/>
+                                      </p:to>
+                                    </p:set>
+                                  </p:childTnLst>
+                                </p:cTn>
+                              </p:par>
+                            </p:childTnLst>
+                          </p:cTn>
+                        </p:par>
+                      </p:childTnLst>
+                    </p:cTn>
+                  </p:par>
+                </p:childTnLst>
+              </p:cTn>
+              <p:prevCondLst>
+                <p:cond evt="onPrev" delay="0">
+                  <p:tgtEl>
+                    <p:sldTgt/>
+                  </p:tgtEl>
+                </p:cond>
+              </p:prevCondLst>
+              <p:nextCondLst>
+                <p:cond evt="onNext" delay="0">
+                  <p:tgtEl>
+                    <p:sldTgt/>
+                  </p:tgtEl>
+                </p:cond>
+              </p:nextCondLst>
+            </p:seq>
+          </p:childTnLst>
+        </p:cTn>
+      </p:par>
+    </p:tnLst>
+  </p:timing>
+</p:sld>
+</file>
+
+<file path=ppt/slides/slide18.xml><?xml version="1.0" encoding="utf-8"?>
+<p:sld xmlns:a="http://schemas.openxmlformats.org/drawingml/2006/main" xmlns:r="http://schemas.openxmlformats.org/officeDocument/2006/relationships" xmlns:p="http://schemas.openxmlformats.org/presentationml/2006/main">
+  <p:cSld>
+    <p:spTree>
+      <p:nvGrpSpPr>
+        <p:cNvPr id="1" name=""/>
+        <p:cNvGrpSpPr/>
+        <p:nvPr/>
+      </p:nvGrpSpPr>
+      <p:grpSpPr>
+        <a:xfrm>
+          <a:off x="0" y="0"/>
+          <a:ext cx="0" cy="0"/>
+          <a:chOff x="0" y="0"/>
+          <a:chExt cx="0" cy="0"/>
+        </a:xfrm>
+      </p:grpSpPr>
       <p:sp>
         <p:nvSpPr>
-          <p:cNvPr id="114690" name="Text Box 2">
+          <p:cNvPr id="103429" name="Rectangle 5">
             <a:extLst>
               <a:ext uri="{FF2B5EF4-FFF2-40B4-BE49-F238E27FC236}">
-                <a16:creationId xmlns:a16="http://schemas.microsoft.com/office/drawing/2014/main" id="{8A90C91A-62E9-3047-B42B-3324CC92C62C}"/>
+                <a16:creationId xmlns:a16="http://schemas.microsoft.com/office/drawing/2014/main" id="{8D930911-1A6D-B54F-B76E-66809DD1728E}"/>
+              </a:ext>
+            </a:extLst>
+          </p:cNvPr>
+          <p:cNvSpPr>
+            <a:spLocks noGrp="1" noChangeArrowheads="1"/>
+          </p:cNvSpPr>
+          <p:nvPr>
+            <p:ph type="title"/>
+          </p:nvPr>
+        </p:nvSpPr>
+        <p:spPr/>
+        <p:txBody>
+          <a:bodyPr/>
+          <a:lstStyle/>
+          <a:p>
+            <a:r>
+              <a:rPr lang="en-US" altLang="en-US" sz="3527"/>
+              <a:t>Semaphores for general synchronization</a:t>
+            </a:r>
+          </a:p>
+        </p:txBody>
+      </p:sp>
+      <p:sp>
+        <p:nvSpPr>
+          <p:cNvPr id="103430" name="Rectangle 6">
+            <a:extLst>
+              <a:ext uri="{FF2B5EF4-FFF2-40B4-BE49-F238E27FC236}">
+                <a16:creationId xmlns:a16="http://schemas.microsoft.com/office/drawing/2014/main" id="{0CA11B9E-1475-6C4F-9C95-B08141F31ADC}"/>
+              </a:ext>
+            </a:extLst>
+          </p:cNvPr>
+          <p:cNvSpPr>
+            <a:spLocks noGrp="1" noChangeArrowheads="1"/>
+          </p:cNvSpPr>
+          <p:nvPr>
+            <p:ph idx="1"/>
+          </p:nvPr>
+        </p:nvSpPr>
+        <p:spPr/>
+        <p:txBody>
+          <a:bodyPr/>
+          <a:lstStyle/>
+          <a:p>
+            <a:r>
+              <a:rPr lang="en-US" altLang="en-US" sz="2646"/>
+              <a:t>We want to execute B in P1 only after A executes in P0</a:t>
+            </a:r>
+          </a:p>
+          <a:p>
+            <a:r>
+              <a:rPr lang="en-US" altLang="en-US" sz="2646"/>
+              <a:t>Use a semaphore initialized to 0</a:t>
+            </a:r>
+          </a:p>
+          <a:p>
+            <a:r>
+              <a:rPr lang="en-US" altLang="en-US" sz="2646"/>
+              <a:t>Use up() to notify P1 at the appropriate time</a:t>
+            </a:r>
+          </a:p>
+        </p:txBody>
+      </p:sp>
+      <p:sp>
+        <p:nvSpPr>
+          <p:cNvPr id="7" name="Footer Placeholder 4">
+            <a:extLst>
+              <a:ext uri="{FF2B5EF4-FFF2-40B4-BE49-F238E27FC236}">
+                <a16:creationId xmlns:a16="http://schemas.microsoft.com/office/drawing/2014/main" id="{1C1CA73E-1E55-D244-B89B-B72382873627}"/>
+              </a:ext>
+            </a:extLst>
+          </p:cNvPr>
+          <p:cNvSpPr>
+            <a:spLocks noGrp="1"/>
+          </p:cNvSpPr>
+          <p:nvPr>
+            <p:ph type="ftr" idx="11"/>
+          </p:nvPr>
+        </p:nvSpPr>
+        <p:spPr/>
+        <p:txBody>
+          <a:bodyPr/>
+          <a:lstStyle/>
+          <a:p>
+            <a:pPr marL="0" marR="0" lvl="0" indent="0" algn="ctr" defTabSz="1007943" rtl="0" eaLnBrk="1" fontAlgn="base" latinLnBrk="0" hangingPunct="0">
+              <a:lnSpc>
+                <a:spcPct val="100000"/>
+              </a:lnSpc>
+              <a:spcBef>
+                <a:spcPct val="0"/>
+              </a:spcBef>
+              <a:spcAft>
+                <a:spcPct val="0"/>
+              </a:spcAft>
+              <a:buClrTx/>
+              <a:buSzTx/>
+              <a:buFont typeface="Times New Roman" pitchFamily="16" charset="0"/>
+              <a:buNone/>
+              <a:tabLst>
+                <a:tab pos="0" algn="l"/>
+                <a:tab pos="457200" algn="l"/>
+                <a:tab pos="914400" algn="l"/>
+                <a:tab pos="1371600" algn="l"/>
+                <a:tab pos="1828800" algn="l"/>
+                <a:tab pos="2286000" algn="l"/>
+                <a:tab pos="2743200" algn="l"/>
+                <a:tab pos="3200400" algn="l"/>
+                <a:tab pos="3657600" algn="l"/>
+                <a:tab pos="4114800" algn="l"/>
+                <a:tab pos="4572000" algn="l"/>
+                <a:tab pos="5029200" algn="l"/>
+                <a:tab pos="5486400" algn="l"/>
+                <a:tab pos="5943600" algn="l"/>
+                <a:tab pos="6400800" algn="l"/>
+                <a:tab pos="6858000" algn="l"/>
+                <a:tab pos="7315200" algn="l"/>
+                <a:tab pos="7772400" algn="l"/>
+                <a:tab pos="8229600" algn="l"/>
+                <a:tab pos="8686800" algn="l"/>
+                <a:tab pos="9144000" algn="l"/>
+              </a:tabLst>
+              <a:defRPr/>
+            </a:pPr>
+            <a:r>
+              <a:rPr kumimoji="0" lang="en-US" altLang="en-US" sz="1400" b="0" i="0" u="none" strike="noStrike" kern="1200" cap="none" spc="0" normalizeH="0" baseline="0" noProof="0">
+                <a:ln>
+                  <a:noFill/>
+                </a:ln>
+                <a:solidFill>
+                  <a:srgbClr val="000000"/>
+                </a:solidFill>
+                <a:effectLst/>
+                <a:uLnTx/>
+                <a:uFillTx/>
+                <a:latin typeface="Arial"/>
+                <a:ea typeface="+mn-ea"/>
+                <a:cs typeface="Arial"/>
+              </a:rPr>
+              <a:t>CS/COE 1550 – Operating Systems – Sherif Khattab</a:t>
+            </a:r>
+          </a:p>
+        </p:txBody>
+      </p:sp>
+      <p:sp>
+        <p:nvSpPr>
+          <p:cNvPr id="8" name="Slide Number Placeholder 5">
+            <a:extLst>
+              <a:ext uri="{FF2B5EF4-FFF2-40B4-BE49-F238E27FC236}">
+                <a16:creationId xmlns:a16="http://schemas.microsoft.com/office/drawing/2014/main" id="{79E131D4-95F6-D248-9154-AE15F551EEE7}"/>
+              </a:ext>
+            </a:extLst>
+          </p:cNvPr>
+          <p:cNvSpPr>
+            <a:spLocks noGrp="1"/>
+          </p:cNvSpPr>
+          <p:nvPr>
+            <p:ph type="sldNum" idx="12"/>
+          </p:nvPr>
+        </p:nvSpPr>
+        <p:spPr/>
+        <p:txBody>
+          <a:bodyPr/>
+          <a:lstStyle/>
+          <a:p>
+            <a:pPr marL="0" marR="0" lvl="0" indent="0" algn="r" defTabSz="1007943" rtl="0" eaLnBrk="1" fontAlgn="base" latinLnBrk="0" hangingPunct="0">
+              <a:lnSpc>
+                <a:spcPct val="100000"/>
+              </a:lnSpc>
+              <a:spcBef>
+                <a:spcPct val="0"/>
+              </a:spcBef>
+              <a:spcAft>
+                <a:spcPct val="0"/>
+              </a:spcAft>
+              <a:buClrTx/>
+              <a:buSzTx/>
+              <a:buFont typeface="Times New Roman" panose="02020603050405020304" pitchFamily="18" charset="0"/>
+              <a:buNone/>
+              <a:tabLst/>
+              <a:defRPr/>
+            </a:pPr>
+            <a:fld id="{166D23BB-7175-8C4F-A270-BA0CD4EEFE55}" type="slidenum">
+              <a:rPr kumimoji="0" lang="en-US" altLang="en-US" sz="1400" b="0" i="0" u="none" strike="noStrike" kern="1200" cap="none" spc="0" normalizeH="0" baseline="0" noProof="0">
+                <a:ln>
+                  <a:noFill/>
+                </a:ln>
+                <a:solidFill>
+                  <a:srgbClr val="000000"/>
+                </a:solidFill>
+                <a:effectLst/>
+                <a:uLnTx/>
+                <a:uFillTx/>
+                <a:latin typeface="Arial"/>
+                <a:ea typeface="+mn-ea"/>
+                <a:cs typeface="Arial"/>
+              </a:rPr>
+              <a:pPr marL="0" marR="0" lvl="0" indent="0" algn="r" defTabSz="1007943" rtl="0" eaLnBrk="1" fontAlgn="base" latinLnBrk="0" hangingPunct="0">
+                <a:lnSpc>
+                  <a:spcPct val="100000"/>
+                </a:lnSpc>
+                <a:spcBef>
+                  <a:spcPct val="0"/>
+                </a:spcBef>
+                <a:spcAft>
+                  <a:spcPct val="0"/>
+                </a:spcAft>
+                <a:buClrTx/>
+                <a:buSzTx/>
+                <a:buFont typeface="Times New Roman" panose="02020603050405020304" pitchFamily="18" charset="0"/>
+                <a:buNone/>
+                <a:tabLst/>
+                <a:defRPr/>
+              </a:pPr>
+              <a:t>18</a:t>
+            </a:fld>
+            <a:endParaRPr kumimoji="0" lang="en-US" altLang="en-US" sz="1400" b="0" i="0" u="none" strike="noStrike" kern="1200" cap="none" spc="0" normalizeH="0" baseline="0" noProof="0">
+              <a:ln>
+                <a:noFill/>
+              </a:ln>
+              <a:solidFill>
+                <a:srgbClr val="000000"/>
+              </a:solidFill>
+              <a:effectLst/>
+              <a:uLnTx/>
+              <a:uFillTx/>
+              <a:latin typeface="Arial"/>
+              <a:ea typeface="+mn-ea"/>
+              <a:cs typeface="Arial"/>
+            </a:endParaRPr>
+          </a:p>
+        </p:txBody>
+      </p:sp>
+      <p:sp>
+        <p:nvSpPr>
+          <p:cNvPr id="103426" name="Text Box 2">
+            <a:extLst>
+              <a:ext uri="{FF2B5EF4-FFF2-40B4-BE49-F238E27FC236}">
+                <a16:creationId xmlns:a16="http://schemas.microsoft.com/office/drawing/2014/main" id="{716C1A1D-15C4-9640-B5E6-336D2DEC9050}"/>
               </a:ext>
             </a:extLst>
           </p:cNvPr>
@@ -13613,8 +17677,8 @@
         </p:nvSpPr>
         <p:spPr bwMode="auto">
           <a:xfrm>
-            <a:off x="5544291" y="3071118"/>
-            <a:ext cx="1735925" cy="2505268"/>
+            <a:off x="800245" y="4567304"/>
+            <a:ext cx="4240067" cy="1928443"/>
           </a:xfrm>
           <a:prstGeom prst="rect">
             <a:avLst/>
@@ -13850,43 +17914,7 @@
                 <a:ea typeface="+mn-ea"/>
                 <a:cs typeface="Arial"/>
               </a:rPr>
-              <a:t>A.down();</a:t>
-            </a:r>
-          </a:p>
-          <a:p>
-            <a:pPr marL="0" marR="0" lvl="0" indent="0" algn="l" defTabSz="953697" rtl="0" eaLnBrk="0" fontAlgn="base" latinLnBrk="0" hangingPunct="0">
-              <a:lnSpc>
-                <a:spcPct val="100000"/>
-              </a:lnSpc>
-              <a:spcBef>
-                <a:spcPct val="0"/>
-              </a:spcBef>
-              <a:spcAft>
-                <a:spcPct val="0"/>
-              </a:spcAft>
-              <a:buClrTx/>
-              <a:buSzTx/>
-              <a:buFont typeface="Times New Roman" panose="02020603050405020304" pitchFamily="18" charset="0"/>
-              <a:buNone/>
-              <a:tabLst/>
-              <a:defRPr/>
-            </a:pPr>
-            <a:r>
-              <a:rPr kumimoji="0" lang="en-US" altLang="en-US" sz="1874" b="0" i="0" u="none" strike="noStrike" kern="1200" cap="none" spc="0" normalizeH="0" baseline="0" noProof="0">
-                <a:ln>
-                  <a:noFill/>
-                </a:ln>
-                <a:solidFill>
-                  <a:srgbClr val="000000"/>
-                </a:solidFill>
-                <a:effectLst/>
-                <a:uLnTx/>
-                <a:uFillTx/>
-                <a:latin typeface="Courier" pitchFamily="2" charset="0"/>
-                <a:ea typeface="+mn-ea"/>
-                <a:cs typeface="Arial"/>
-              </a:rPr>
-              <a:t>B.down();</a:t>
+              <a:t>   .</a:t>
             </a:r>
           </a:p>
           <a:p>
@@ -13994,7 +18022,7 @@
                 <a:ea typeface="+mn-ea"/>
                 <a:cs typeface="Arial"/>
               </a:rPr>
-              <a:t>   .</a:t>
+              <a:t>// Execute code for A</a:t>
             </a:r>
           </a:p>
           <a:p>
@@ -14030,53 +18058,17 @@
                 <a:ea typeface="+mn-ea"/>
                 <a:cs typeface="Arial"/>
               </a:rPr>
-              <a:t>B.up();</a:t>
-            </a:r>
-          </a:p>
-          <a:p>
-            <a:pPr marL="0" marR="0" lvl="0" indent="0" algn="l" defTabSz="953697" rtl="0" eaLnBrk="0" fontAlgn="base" latinLnBrk="0" hangingPunct="0">
-              <a:lnSpc>
-                <a:spcPct val="100000"/>
-              </a:lnSpc>
-              <a:spcBef>
-                <a:spcPct val="0"/>
-              </a:spcBef>
-              <a:spcAft>
-                <a:spcPct val="0"/>
-              </a:spcAft>
-              <a:buClrTx/>
-              <a:buSzTx/>
-              <a:buFont typeface="Times New Roman" panose="02020603050405020304" pitchFamily="18" charset="0"/>
-              <a:buNone/>
-              <a:tabLst/>
-              <a:defRPr/>
-            </a:pPr>
-            <a:r>
-              <a:rPr kumimoji="0" lang="en-US" altLang="en-US" sz="1874" b="0" i="0" u="none" strike="noStrike" kern="1200" cap="none" spc="0" normalizeH="0" baseline="0" noProof="0">
-                <a:ln>
-                  <a:noFill/>
-                </a:ln>
-                <a:solidFill>
-                  <a:srgbClr val="000000"/>
-                </a:solidFill>
-                <a:effectLst/>
-                <a:uLnTx/>
-                <a:uFillTx/>
-                <a:latin typeface="Courier" pitchFamily="2" charset="0"/>
-                <a:ea typeface="+mn-ea"/>
-                <a:cs typeface="Arial"/>
-              </a:rPr>
-              <a:t>A.up();</a:t>
+              <a:t>flag.up ();</a:t>
             </a:r>
           </a:p>
         </p:txBody>
       </p:sp>
       <p:sp>
         <p:nvSpPr>
-          <p:cNvPr id="114691" name="Text Box 3">
+          <p:cNvPr id="103427" name="Text Box 3">
             <a:extLst>
               <a:ext uri="{FF2B5EF4-FFF2-40B4-BE49-F238E27FC236}">
-                <a16:creationId xmlns:a16="http://schemas.microsoft.com/office/drawing/2014/main" id="{2DBD1A57-BF08-1644-8297-2A67DFC96098}"/>
+                <a16:creationId xmlns:a16="http://schemas.microsoft.com/office/drawing/2014/main" id="{3195CB6A-75F9-E044-B429-462724B01BFC}"/>
               </a:ext>
             </a:extLst>
           </p:cNvPr>
@@ -14087,8 +18079,8 @@
         </p:nvSpPr>
         <p:spPr bwMode="auto">
           <a:xfrm>
-            <a:off x="7439460" y="3071118"/>
-            <a:ext cx="1716676" cy="2505268"/>
+            <a:off x="5199556" y="4567304"/>
+            <a:ext cx="4240067" cy="1928443"/>
           </a:xfrm>
           <a:prstGeom prst="rect">
             <a:avLst/>
@@ -14324,43 +18316,7 @@
                 <a:ea typeface="+mn-ea"/>
                 <a:cs typeface="Arial"/>
               </a:rPr>
-              <a:t>B.down();</a:t>
-            </a:r>
-          </a:p>
-          <a:p>
-            <a:pPr marL="0" marR="0" lvl="0" indent="0" algn="l" defTabSz="953697" rtl="0" eaLnBrk="0" fontAlgn="base" latinLnBrk="0" hangingPunct="0">
-              <a:lnSpc>
-                <a:spcPct val="100000"/>
-              </a:lnSpc>
-              <a:spcBef>
-                <a:spcPct val="0"/>
-              </a:spcBef>
-              <a:spcAft>
-                <a:spcPct val="0"/>
-              </a:spcAft>
-              <a:buClrTx/>
-              <a:buSzTx/>
-              <a:buFont typeface="Times New Roman" panose="02020603050405020304" pitchFamily="18" charset="0"/>
-              <a:buNone/>
-              <a:tabLst/>
-              <a:defRPr/>
-            </a:pPr>
-            <a:r>
-              <a:rPr kumimoji="0" lang="en-US" altLang="en-US" sz="1874" b="0" i="0" u="none" strike="noStrike" kern="1200" cap="none" spc="0" normalizeH="0" baseline="0" noProof="0">
-                <a:ln>
-                  <a:noFill/>
-                </a:ln>
-                <a:solidFill>
-                  <a:srgbClr val="000000"/>
-                </a:solidFill>
-                <a:effectLst/>
-                <a:uLnTx/>
-                <a:uFillTx/>
-                <a:latin typeface="Courier" pitchFamily="2" charset="0"/>
-                <a:ea typeface="+mn-ea"/>
-                <a:cs typeface="Arial"/>
-              </a:rPr>
-              <a:t>A.down();</a:t>
+              <a:t>   .</a:t>
             </a:r>
           </a:p>
           <a:p>
@@ -14468,7 +18424,7 @@
                 <a:ea typeface="+mn-ea"/>
                 <a:cs typeface="Arial"/>
               </a:rPr>
-              <a:t>   .</a:t>
+              <a:t>flag.down ();</a:t>
             </a:r>
           </a:p>
           <a:p>
@@ -14504,53 +18460,17 @@
                 <a:ea typeface="+mn-ea"/>
                 <a:cs typeface="Arial"/>
               </a:rPr>
-              <a:t>A.up();</a:t>
-            </a:r>
-          </a:p>
-          <a:p>
-            <a:pPr marL="0" marR="0" lvl="0" indent="0" algn="l" defTabSz="953697" rtl="0" eaLnBrk="0" fontAlgn="base" latinLnBrk="0" hangingPunct="0">
-              <a:lnSpc>
-                <a:spcPct val="100000"/>
-              </a:lnSpc>
-              <a:spcBef>
-                <a:spcPct val="0"/>
-              </a:spcBef>
-              <a:spcAft>
-                <a:spcPct val="0"/>
-              </a:spcAft>
-              <a:buClrTx/>
-              <a:buSzTx/>
-              <a:buFont typeface="Times New Roman" panose="02020603050405020304" pitchFamily="18" charset="0"/>
-              <a:buNone/>
-              <a:tabLst/>
-              <a:defRPr/>
-            </a:pPr>
-            <a:r>
-              <a:rPr kumimoji="0" lang="en-US" altLang="en-US" sz="1874" b="0" i="0" u="none" strike="noStrike" kern="1200" cap="none" spc="0" normalizeH="0" baseline="0" noProof="0">
-                <a:ln>
-                  <a:noFill/>
-                </a:ln>
-                <a:solidFill>
-                  <a:srgbClr val="000000"/>
-                </a:solidFill>
-                <a:effectLst/>
-                <a:uLnTx/>
-                <a:uFillTx/>
-                <a:latin typeface="Courier" pitchFamily="2" charset="0"/>
-                <a:ea typeface="+mn-ea"/>
-                <a:cs typeface="Arial"/>
-              </a:rPr>
-              <a:t>B.up();</a:t>
+              <a:t>// Execute code for B</a:t>
             </a:r>
           </a:p>
         </p:txBody>
       </p:sp>
       <p:sp>
         <p:nvSpPr>
-          <p:cNvPr id="114692" name="Text Box 4">
+          <p:cNvPr id="103428" name="Text Box 4">
             <a:extLst>
               <a:ext uri="{FF2B5EF4-FFF2-40B4-BE49-F238E27FC236}">
-                <a16:creationId xmlns:a16="http://schemas.microsoft.com/office/drawing/2014/main" id="{6F71246C-6734-D144-966A-A447A4309C4E}"/>
+                <a16:creationId xmlns:a16="http://schemas.microsoft.com/office/drawing/2014/main" id="{A91BC9E7-33A1-9347-899F-CCEFE80B5E85}"/>
               </a:ext>
             </a:extLst>
           </p:cNvPr>
@@ -14561,8 +18481,8 @@
         </p:nvSpPr>
         <p:spPr bwMode="auto">
           <a:xfrm>
-            <a:off x="5544290" y="1968665"/>
-            <a:ext cx="3611845" cy="774794"/>
+            <a:off x="2880906" y="3149864"/>
+            <a:ext cx="4240068" cy="1063206"/>
           </a:xfrm>
           <a:prstGeom prst="rect">
             <a:avLst/>
@@ -14717,7 +18637,7 @@
               <a:defRPr/>
             </a:pPr>
             <a:r>
-              <a:rPr kumimoji="0" lang="en-US" altLang="en-US" sz="2535" b="0" i="0" u="none" strike="noStrike" kern="1200" cap="none" spc="0" normalizeH="0" baseline="0" noProof="0">
+              <a:rPr kumimoji="0" lang="en-US" altLang="en-US" sz="2535" b="0" i="0" u="none" strike="noStrike" kern="1200" cap="none" spc="0" normalizeH="0" baseline="0" noProof="0" dirty="0">
                 <a:ln>
                   <a:noFill/>
                 </a:ln>
@@ -14733,7 +18653,7 @@
               </a:rPr>
               <a:t>Shared variables</a:t>
             </a:r>
-            <a:endParaRPr kumimoji="0" lang="en-US" altLang="en-US" sz="1874" b="0" i="0" u="none" strike="noStrike" kern="1200" cap="none" spc="0" normalizeH="0" baseline="0" noProof="0">
+            <a:endParaRPr kumimoji="0" lang="en-US" altLang="en-US" sz="1874" b="0" i="0" u="none" strike="noStrike" kern="1200" cap="none" spc="0" normalizeH="0" baseline="0" noProof="0" dirty="0">
               <a:ln>
                 <a:noFill/>
               </a:ln>
@@ -14767,7 +18687,7 @@
               <a:defRPr/>
             </a:pPr>
             <a:r>
-              <a:rPr kumimoji="0" lang="en-US" altLang="en-US" sz="1874" b="0" i="0" u="none" strike="noStrike" kern="1200" cap="none" spc="0" normalizeH="0" baseline="0" noProof="0">
+              <a:rPr kumimoji="0" lang="en-US" altLang="en-US" sz="1874" b="0" i="0" u="none" strike="noStrike" kern="1200" cap="none" spc="0" normalizeH="0" baseline="0" noProof="0" dirty="0">
                 <a:ln>
                   <a:noFill/>
                 </a:ln>
@@ -14781,7 +18701,43 @@
                 <a:ea typeface="+mn-ea"/>
                 <a:cs typeface="Arial"/>
               </a:rPr>
-              <a:t>Semaphore A(1),B(1);</a:t>
+              <a:t>// flag initialized to 0</a:t>
+            </a:r>
+          </a:p>
+          <a:p>
+            <a:pPr marL="0" marR="0" lvl="0" indent="0" algn="l" defTabSz="953697" rtl="0" eaLnBrk="0" fontAlgn="base" latinLnBrk="0" hangingPunct="0">
+              <a:lnSpc>
+                <a:spcPct val="100000"/>
+              </a:lnSpc>
+              <a:spcBef>
+                <a:spcPct val="0"/>
+              </a:spcBef>
+              <a:spcAft>
+                <a:spcPct val="0"/>
+              </a:spcAft>
+              <a:buClrTx/>
+              <a:buSzTx/>
+              <a:buFont typeface="Times New Roman" panose="02020603050405020304" pitchFamily="18" charset="0"/>
+              <a:buNone/>
+              <a:tabLst/>
+              <a:defRPr/>
+            </a:pPr>
+            <a:r>
+              <a:rPr kumimoji="0" lang="en-US" altLang="en-US" sz="1874" b="0" i="0" u="none" strike="noStrike" kern="1200" cap="none" spc="0" normalizeH="0" baseline="0" noProof="0" dirty="0">
+                <a:ln>
+                  <a:noFill/>
+                </a:ln>
+                <a:solidFill>
+                  <a:srgbClr val="000000"/>
+                </a:solidFill>
+                <a:effectLst/>
+                <a:uLnTx/>
+                <a:uFillTx/>
+                <a:latin typeface="Courier" pitchFamily="2" charset="0"/>
+                <a:ea typeface="+mn-ea"/>
+                <a:cs typeface="Arial"/>
+              </a:rPr>
+              <a:t>Semaphore flag(0);</a:t>
             </a:r>
           </a:p>
         </p:txBody>
@@ -14789,7 +18745,7 @@
     </p:spTree>
     <p:extLst>
       <p:ext uri="{BB962C8B-B14F-4D97-AF65-F5344CB8AC3E}">
-        <p14:creationId xmlns:p14="http://schemas.microsoft.com/office/powerpoint/2010/main" val="583513582"/>
+        <p14:creationId xmlns:p14="http://schemas.microsoft.com/office/powerpoint/2010/main" val="3848335379"/>
       </p:ext>
     </p:extLst>
   </p:cSld>
@@ -14799,7 +18755,7 @@
 </p:sld>
 </file>
 
-<file path=ppt/slides/slide11.xml><?xml version="1.0" encoding="utf-8"?>
+<file path=ppt/slides/slide19.xml><?xml version="1.0" encoding="utf-8"?>
 <p:sld xmlns:a="http://schemas.openxmlformats.org/drawingml/2006/main" xmlns:r="http://schemas.openxmlformats.org/officeDocument/2006/relationships" xmlns:p="http://schemas.openxmlformats.org/presentationml/2006/main">
   <p:cSld>
     <p:spTree>
@@ -14821,7 +18777,7 @@
           <p:cNvPr id="2" name="Title 1">
             <a:extLst>
               <a:ext uri="{FF2B5EF4-FFF2-40B4-BE49-F238E27FC236}">
-                <a16:creationId xmlns:a16="http://schemas.microsoft.com/office/drawing/2014/main" id="{E3658AD3-AF70-4629-BEA7-54DD04929497}"/>
+                <a16:creationId xmlns:a16="http://schemas.microsoft.com/office/drawing/2014/main" id="{3BD3413F-6868-458B-BDB5-4C663C7953C2}"/>
               </a:ext>
             </a:extLst>
           </p:cNvPr>
@@ -14840,8 +18796,8 @@
           <a:lstStyle/>
           <a:p>
             <a:r>
-              <a:rPr lang="en-US" sz="3600" dirty="0"/>
-              <a:t>Semaphore Usage Problem: Priority Inversion</a:t>
+              <a:rPr lang="en-US" sz="2800" dirty="0"/>
+              <a:t>Semaphore Usage Problem: Compromising Mutual Exclusion</a:t>
             </a:r>
           </a:p>
         </p:txBody>
@@ -14851,7 +18807,7 @@
           <p:cNvPr id="3" name="Content Placeholder 2">
             <a:extLst>
               <a:ext uri="{FF2B5EF4-FFF2-40B4-BE49-F238E27FC236}">
-                <a16:creationId xmlns:a16="http://schemas.microsoft.com/office/drawing/2014/main" id="{E25963B9-99F2-488F-8009-23E0F6DFA4AD}"/>
+                <a16:creationId xmlns:a16="http://schemas.microsoft.com/office/drawing/2014/main" id="{80D7DCF8-D0B1-4FAC-AB7E-388730635948}"/>
               </a:ext>
             </a:extLst>
           </p:cNvPr>
@@ -14869,21 +18825,36 @@
           <a:p>
             <a:r>
               <a:rPr lang="en-US" dirty="0"/>
-              <a:t>Priority inversion is still possible using semaphores</a:t>
+              <a:t>Any process can up() the semaphore</a:t>
             </a:r>
           </a:p>
           <a:p>
-            <a:pPr lvl="1"/>
+            <a:endParaRPr lang="en-US" dirty="0"/>
+          </a:p>
+          <a:p>
+            <a:endParaRPr lang="en-US" dirty="0"/>
+          </a:p>
+          <a:p>
+            <a:endParaRPr lang="en-US" dirty="0"/>
+          </a:p>
+          <a:p>
+            <a:endParaRPr lang="en-US" dirty="0"/>
+          </a:p>
+          <a:p>
+            <a:endParaRPr lang="en-US" dirty="0"/>
+          </a:p>
+          <a:p>
             <a:r>
               <a:rPr lang="en-US" dirty="0"/>
-              <a:t>Slightly less likely</a:t>
+              <a:t>Solution: A </a:t>
             </a:r>
-          </a:p>
-          <a:p>
-            <a:pPr lvl="1"/>
+            <a:r>
+              <a:rPr lang="en-US" b="1" dirty="0"/>
+              <a:t>Mutex</a:t>
+            </a:r>
             <a:r>
               <a:rPr lang="en-US" dirty="0"/>
-              <a:t>Needs at least three processes</a:t>
+              <a:t> can be up()’d only by the same process that down()’d it</a:t>
             </a:r>
           </a:p>
         </p:txBody>
@@ -14893,7 +18864,7 @@
           <p:cNvPr id="4" name="Footer Placeholder 3">
             <a:extLst>
               <a:ext uri="{FF2B5EF4-FFF2-40B4-BE49-F238E27FC236}">
-                <a16:creationId xmlns:a16="http://schemas.microsoft.com/office/drawing/2014/main" id="{EA4FBA9A-06C2-4541-8533-91EE6CF5CEA6}"/>
+                <a16:creationId xmlns:a16="http://schemas.microsoft.com/office/drawing/2014/main" id="{C68DACC1-0680-4586-9359-C43F3787F20A}"/>
               </a:ext>
             </a:extLst>
           </p:cNvPr>
@@ -14989,7 +18960,7 @@
           <p:cNvPr id="5" name="Slide Number Placeholder 4">
             <a:extLst>
               <a:ext uri="{FF2B5EF4-FFF2-40B4-BE49-F238E27FC236}">
-                <a16:creationId xmlns:a16="http://schemas.microsoft.com/office/drawing/2014/main" id="{8E1635EE-6786-4B20-9FC4-357E40A19C9D}"/>
+                <a16:creationId xmlns:a16="http://schemas.microsoft.com/office/drawing/2014/main" id="{56313D3E-746A-4972-81F2-2FEA88DE4F84}"/>
               </a:ext>
             </a:extLst>
           </p:cNvPr>
@@ -15058,7 +19029,7 @@
                 <a:tabLst/>
                 <a:defRPr/>
               </a:pPr>
-              <a:t>11</a:t>
+              <a:t>19</a:t>
             </a:fld>
             <a:endParaRPr kumimoji="0" lang="en-GB" altLang="en-US" sz="1400" b="0" i="0" u="none" strike="noStrike" kern="1200" cap="none" spc="0" normalizeH="0" baseline="0" noProof="0" dirty="0">
               <a:ln>
@@ -15082,7 +19053,7 @@
           <p:cNvPr id="7" name="Picture 6">
             <a:extLst>
               <a:ext uri="{FF2B5EF4-FFF2-40B4-BE49-F238E27FC236}">
-                <a16:creationId xmlns:a16="http://schemas.microsoft.com/office/drawing/2014/main" id="{86BCAD15-E5E4-45AF-BB15-419D6488E301}"/>
+                <a16:creationId xmlns:a16="http://schemas.microsoft.com/office/drawing/2014/main" id="{4201D6AF-33D2-4017-8DBD-878E4F209F08}"/>
               </a:ext>
             </a:extLst>
           </p:cNvPr>
@@ -15099,8 +19070,8 @@
         </p:blipFill>
         <p:spPr>
           <a:xfrm>
-            <a:off x="1820760" y="2704653"/>
-            <a:ext cx="6116878" cy="4078734"/>
+            <a:off x="1637968" y="1224502"/>
+            <a:ext cx="5008989" cy="3339994"/>
           </a:xfrm>
           <a:prstGeom prst="rect">
             <a:avLst/>
@@ -15110,7 +19081,7 @@
     </p:spTree>
     <p:extLst>
       <p:ext uri="{BB962C8B-B14F-4D97-AF65-F5344CB8AC3E}">
-        <p14:creationId xmlns:p14="http://schemas.microsoft.com/office/powerpoint/2010/main" val="3742099282"/>
+        <p14:creationId xmlns:p14="http://schemas.microsoft.com/office/powerpoint/2010/main" val="2782489002"/>
       </p:ext>
     </p:extLst>
   </p:cSld>
@@ -15735,6 +19706,1820 @@
       </p:par>
     </p:tnLst>
   </p:timing>
+</p:sld>
+</file>
+
+<file path=ppt/slides/slide20.xml><?xml version="1.0" encoding="utf-8"?>
+<p:sld xmlns:a="http://schemas.openxmlformats.org/drawingml/2006/main" xmlns:r="http://schemas.openxmlformats.org/officeDocument/2006/relationships" xmlns:p="http://schemas.openxmlformats.org/presentationml/2006/main">
+  <p:cSld>
+    <p:spTree>
+      <p:nvGrpSpPr>
+        <p:cNvPr id="1" name=""/>
+        <p:cNvGrpSpPr/>
+        <p:nvPr/>
+      </p:nvGrpSpPr>
+      <p:grpSpPr>
+        <a:xfrm>
+          <a:off x="0" y="0"/>
+          <a:ext cx="0" cy="0"/>
+          <a:chOff x="0" y="0"/>
+          <a:chExt cx="0" cy="0"/>
+        </a:xfrm>
+      </p:grpSpPr>
+      <p:sp>
+        <p:nvSpPr>
+          <p:cNvPr id="114693" name="Rectangle 5">
+            <a:extLst>
+              <a:ext uri="{FF2B5EF4-FFF2-40B4-BE49-F238E27FC236}">
+                <a16:creationId xmlns:a16="http://schemas.microsoft.com/office/drawing/2014/main" id="{2AAD9DE3-45D5-A249-B337-D99D281826B9}"/>
+              </a:ext>
+            </a:extLst>
+          </p:cNvPr>
+          <p:cNvSpPr>
+            <a:spLocks noGrp="1" noChangeArrowheads="1"/>
+          </p:cNvSpPr>
+          <p:nvPr>
+            <p:ph type="title"/>
+          </p:nvPr>
+        </p:nvSpPr>
+        <p:spPr/>
+        <p:txBody>
+          <a:bodyPr>
+            <a:noAutofit/>
+          </a:bodyPr>
+          <a:lstStyle/>
+          <a:p>
+            <a:r>
+              <a:rPr lang="en-US" sz="3200" dirty="0"/>
+              <a:t>Semaphore Usage Problem: Deadlock and Starvation</a:t>
+            </a:r>
+            <a:endParaRPr lang="en-US" altLang="en-US" sz="3200" dirty="0"/>
+          </a:p>
+        </p:txBody>
+      </p:sp>
+      <p:sp>
+        <p:nvSpPr>
+          <p:cNvPr id="114694" name="Rectangle 6">
+            <a:extLst>
+              <a:ext uri="{FF2B5EF4-FFF2-40B4-BE49-F238E27FC236}">
+                <a16:creationId xmlns:a16="http://schemas.microsoft.com/office/drawing/2014/main" id="{BBDAC104-BD98-9A47-A516-EE144AE2C4FF}"/>
+              </a:ext>
+            </a:extLst>
+          </p:cNvPr>
+          <p:cNvSpPr>
+            <a:spLocks noGrp="1" noChangeArrowheads="1"/>
+          </p:cNvSpPr>
+          <p:nvPr>
+            <p:ph idx="1"/>
+          </p:nvPr>
+        </p:nvSpPr>
+        <p:spPr>
+          <a:xfrm>
+            <a:off x="0" y="775504"/>
+            <a:ext cx="5193364" cy="6506358"/>
+          </a:xfrm>
+        </p:spPr>
+        <p:txBody>
+          <a:bodyPr/>
+          <a:lstStyle/>
+          <a:p>
+            <a:r>
+              <a:rPr lang="en-US" altLang="en-US" sz="1984" dirty="0"/>
+              <a:t>Deadlock: two or more processes are waiting indefinitely for an event that can only be caused by a waiting process</a:t>
+            </a:r>
+          </a:p>
+          <a:p>
+            <a:pPr lvl="1"/>
+            <a:r>
+              <a:rPr lang="en-US" altLang="en-US" sz="1764" dirty="0"/>
+              <a:t>P0 gets A, needs B</a:t>
+            </a:r>
+          </a:p>
+          <a:p>
+            <a:pPr lvl="1"/>
+            <a:r>
+              <a:rPr lang="en-US" altLang="en-US" sz="1764" dirty="0"/>
+              <a:t>P1 gets B, needs A</a:t>
+            </a:r>
+          </a:p>
+          <a:p>
+            <a:pPr lvl="1"/>
+            <a:r>
+              <a:rPr lang="en-US" altLang="en-US" sz="1764" dirty="0"/>
+              <a:t>Each process waiting for the other to signal</a:t>
+            </a:r>
+          </a:p>
+          <a:p>
+            <a:r>
+              <a:rPr lang="en-US" altLang="en-US" sz="1984" dirty="0"/>
+              <a:t>Starvation: indefinite blocking</a:t>
+            </a:r>
+          </a:p>
+          <a:p>
+            <a:pPr lvl="1"/>
+            <a:r>
+              <a:rPr lang="en-US" altLang="en-US" sz="1764" dirty="0"/>
+              <a:t>Process is never removed from the semaphore queue in which its suspended</a:t>
+            </a:r>
+          </a:p>
+          <a:p>
+            <a:pPr lvl="1"/>
+            <a:r>
+              <a:rPr lang="en-US" altLang="en-US" sz="1764" dirty="0"/>
+              <a:t>May be caused by ordering in queues (priority) </a:t>
+            </a:r>
+          </a:p>
+        </p:txBody>
+      </p:sp>
+      <p:sp>
+        <p:nvSpPr>
+          <p:cNvPr id="7" name="Footer Placeholder 4">
+            <a:extLst>
+              <a:ext uri="{FF2B5EF4-FFF2-40B4-BE49-F238E27FC236}">
+                <a16:creationId xmlns:a16="http://schemas.microsoft.com/office/drawing/2014/main" id="{0E336C6B-24E5-C547-995B-7595329F8449}"/>
+              </a:ext>
+            </a:extLst>
+          </p:cNvPr>
+          <p:cNvSpPr>
+            <a:spLocks noGrp="1"/>
+          </p:cNvSpPr>
+          <p:nvPr>
+            <p:ph type="ftr" idx="11"/>
+          </p:nvPr>
+        </p:nvSpPr>
+        <p:spPr/>
+        <p:txBody>
+          <a:bodyPr/>
+          <a:lstStyle/>
+          <a:p>
+            <a:pPr marL="0" marR="0" lvl="0" indent="0" algn="ctr" defTabSz="1007943" rtl="0" eaLnBrk="1" fontAlgn="base" latinLnBrk="0" hangingPunct="0">
+              <a:lnSpc>
+                <a:spcPct val="100000"/>
+              </a:lnSpc>
+              <a:spcBef>
+                <a:spcPct val="0"/>
+              </a:spcBef>
+              <a:spcAft>
+                <a:spcPct val="0"/>
+              </a:spcAft>
+              <a:buClrTx/>
+              <a:buSzTx/>
+              <a:buFont typeface="Times New Roman" pitchFamily="16" charset="0"/>
+              <a:buNone/>
+              <a:tabLst>
+                <a:tab pos="0" algn="l"/>
+                <a:tab pos="457200" algn="l"/>
+                <a:tab pos="914400" algn="l"/>
+                <a:tab pos="1371600" algn="l"/>
+                <a:tab pos="1828800" algn="l"/>
+                <a:tab pos="2286000" algn="l"/>
+                <a:tab pos="2743200" algn="l"/>
+                <a:tab pos="3200400" algn="l"/>
+                <a:tab pos="3657600" algn="l"/>
+                <a:tab pos="4114800" algn="l"/>
+                <a:tab pos="4572000" algn="l"/>
+                <a:tab pos="5029200" algn="l"/>
+                <a:tab pos="5486400" algn="l"/>
+                <a:tab pos="5943600" algn="l"/>
+                <a:tab pos="6400800" algn="l"/>
+                <a:tab pos="6858000" algn="l"/>
+                <a:tab pos="7315200" algn="l"/>
+                <a:tab pos="7772400" algn="l"/>
+                <a:tab pos="8229600" algn="l"/>
+                <a:tab pos="8686800" algn="l"/>
+                <a:tab pos="9144000" algn="l"/>
+              </a:tabLst>
+              <a:defRPr/>
+            </a:pPr>
+            <a:r>
+              <a:rPr kumimoji="0" lang="en-US" altLang="en-US" sz="1400" b="0" i="0" u="none" strike="noStrike" kern="1200" cap="none" spc="0" normalizeH="0" baseline="0" noProof="0">
+                <a:ln>
+                  <a:noFill/>
+                </a:ln>
+                <a:solidFill>
+                  <a:srgbClr val="000000"/>
+                </a:solidFill>
+                <a:effectLst/>
+                <a:uLnTx/>
+                <a:uFillTx/>
+                <a:latin typeface="Arial"/>
+                <a:ea typeface="+mn-ea"/>
+                <a:cs typeface="Arial"/>
+              </a:rPr>
+              <a:t>CS/COE 1550 – Operating Systems – Sherif Khattab</a:t>
+            </a:r>
+          </a:p>
+        </p:txBody>
+      </p:sp>
+      <p:sp>
+        <p:nvSpPr>
+          <p:cNvPr id="8" name="Slide Number Placeholder 5">
+            <a:extLst>
+              <a:ext uri="{FF2B5EF4-FFF2-40B4-BE49-F238E27FC236}">
+                <a16:creationId xmlns:a16="http://schemas.microsoft.com/office/drawing/2014/main" id="{E0264D84-51E2-CF40-866C-B9902608A9A7}"/>
+              </a:ext>
+            </a:extLst>
+          </p:cNvPr>
+          <p:cNvSpPr>
+            <a:spLocks noGrp="1"/>
+          </p:cNvSpPr>
+          <p:nvPr>
+            <p:ph type="sldNum" idx="12"/>
+          </p:nvPr>
+        </p:nvSpPr>
+        <p:spPr/>
+        <p:txBody>
+          <a:bodyPr/>
+          <a:lstStyle/>
+          <a:p>
+            <a:pPr marL="0" marR="0" lvl="0" indent="0" algn="r" defTabSz="1007943" rtl="0" eaLnBrk="1" fontAlgn="base" latinLnBrk="0" hangingPunct="0">
+              <a:lnSpc>
+                <a:spcPct val="100000"/>
+              </a:lnSpc>
+              <a:spcBef>
+                <a:spcPct val="0"/>
+              </a:spcBef>
+              <a:spcAft>
+                <a:spcPct val="0"/>
+              </a:spcAft>
+              <a:buClrTx/>
+              <a:buSzTx/>
+              <a:buFont typeface="Times New Roman" panose="02020603050405020304" pitchFamily="18" charset="0"/>
+              <a:buNone/>
+              <a:tabLst/>
+              <a:defRPr/>
+            </a:pPr>
+            <a:fld id="{E337E8CE-DEE4-9F4D-8381-0482A1B8891D}" type="slidenum">
+              <a:rPr kumimoji="0" lang="en-US" altLang="en-US" sz="1400" b="0" i="0" u="none" strike="noStrike" kern="1200" cap="none" spc="0" normalizeH="0" baseline="0" noProof="0">
+                <a:ln>
+                  <a:noFill/>
+                </a:ln>
+                <a:solidFill>
+                  <a:srgbClr val="000000"/>
+                </a:solidFill>
+                <a:effectLst/>
+                <a:uLnTx/>
+                <a:uFillTx/>
+                <a:latin typeface="Arial"/>
+                <a:ea typeface="+mn-ea"/>
+                <a:cs typeface="Arial"/>
+              </a:rPr>
+              <a:pPr marL="0" marR="0" lvl="0" indent="0" algn="r" defTabSz="1007943" rtl="0" eaLnBrk="1" fontAlgn="base" latinLnBrk="0" hangingPunct="0">
+                <a:lnSpc>
+                  <a:spcPct val="100000"/>
+                </a:lnSpc>
+                <a:spcBef>
+                  <a:spcPct val="0"/>
+                </a:spcBef>
+                <a:spcAft>
+                  <a:spcPct val="0"/>
+                </a:spcAft>
+                <a:buClrTx/>
+                <a:buSzTx/>
+                <a:buFont typeface="Times New Roman" panose="02020603050405020304" pitchFamily="18" charset="0"/>
+                <a:buNone/>
+                <a:tabLst/>
+                <a:defRPr/>
+              </a:pPr>
+              <a:t>20</a:t>
+            </a:fld>
+            <a:endParaRPr kumimoji="0" lang="en-US" altLang="en-US" sz="1400" b="0" i="0" u="none" strike="noStrike" kern="1200" cap="none" spc="0" normalizeH="0" baseline="0" noProof="0">
+              <a:ln>
+                <a:noFill/>
+              </a:ln>
+              <a:solidFill>
+                <a:srgbClr val="000000"/>
+              </a:solidFill>
+              <a:effectLst/>
+              <a:uLnTx/>
+              <a:uFillTx/>
+              <a:latin typeface="Arial"/>
+              <a:ea typeface="+mn-ea"/>
+              <a:cs typeface="Arial"/>
+            </a:endParaRPr>
+          </a:p>
+        </p:txBody>
+      </p:sp>
+      <p:sp>
+        <p:nvSpPr>
+          <p:cNvPr id="114690" name="Text Box 2">
+            <a:extLst>
+              <a:ext uri="{FF2B5EF4-FFF2-40B4-BE49-F238E27FC236}">
+                <a16:creationId xmlns:a16="http://schemas.microsoft.com/office/drawing/2014/main" id="{8A90C91A-62E9-3047-B42B-3324CC92C62C}"/>
+              </a:ext>
+            </a:extLst>
+          </p:cNvPr>
+          <p:cNvSpPr txBox="1">
+            <a:spLocks noChangeArrowheads="1"/>
+          </p:cNvSpPr>
+          <p:nvPr/>
+        </p:nvSpPr>
+        <p:spPr bwMode="auto">
+          <a:xfrm>
+            <a:off x="5544291" y="3071118"/>
+            <a:ext cx="1735925" cy="2505268"/>
+          </a:xfrm>
+          <a:prstGeom prst="rect">
+            <a:avLst/>
+          </a:prstGeom>
+          <a:noFill/>
+          <a:ln w="6350">
+            <a:solidFill>
+              <a:schemeClr val="tx1"/>
+            </a:solidFill>
+            <a:miter lim="800000"/>
+            <a:headEnd/>
+            <a:tailEnd/>
+          </a:ln>
+          <a:effectLst/>
+          <a:extLst>
+            <a:ext uri="{909E8E84-426E-40DD-AFC4-6F175D3DCCD1}">
+              <a14:hiddenFill xmlns:a14="http://schemas.microsoft.com/office/drawing/2010/main">
+                <a:solidFill>
+                  <a:schemeClr val="accent1"/>
+                </a:solidFill>
+              </a14:hiddenFill>
+            </a:ext>
+            <a:ext uri="{AF507438-7753-43E0-B8FC-AC1667EBCBE1}">
+              <a14:hiddenEffects xmlns:a14="http://schemas.microsoft.com/office/drawing/2010/main">
+                <a:effectLst>
+                  <a:outerShdw dist="35921" dir="2700000" algn="ctr" rotWithShape="0">
+                    <a:schemeClr val="bg2"/>
+                  </a:outerShdw>
+                </a:effectLst>
+              </a14:hiddenEffects>
+            </a:ext>
+          </a:extLst>
+        </p:spPr>
+        <p:txBody>
+          <a:bodyPr lIns="95343" tIns="47672" rIns="95343" bIns="47672">
+            <a:spAutoFit/>
+          </a:bodyPr>
+          <a:lstStyle>
+            <a:lvl1pPr defTabSz="865188">
+              <a:defRPr sz="2400">
+                <a:solidFill>
+                  <a:schemeClr val="tx1"/>
+                </a:solidFill>
+                <a:latin typeface="Times" pitchFamily="2" charset="0"/>
+              </a:defRPr>
+            </a:lvl1pPr>
+            <a:lvl2pPr marL="431800" defTabSz="865188">
+              <a:defRPr sz="2400">
+                <a:solidFill>
+                  <a:schemeClr val="tx1"/>
+                </a:solidFill>
+                <a:latin typeface="Times" pitchFamily="2" charset="0"/>
+              </a:defRPr>
+            </a:lvl2pPr>
+            <a:lvl3pPr marL="865188" defTabSz="865188">
+              <a:defRPr sz="2400">
+                <a:solidFill>
+                  <a:schemeClr val="tx1"/>
+                </a:solidFill>
+                <a:latin typeface="Times" pitchFamily="2" charset="0"/>
+              </a:defRPr>
+            </a:lvl3pPr>
+            <a:lvl4pPr marL="1296988" defTabSz="865188">
+              <a:defRPr sz="2400">
+                <a:solidFill>
+                  <a:schemeClr val="tx1"/>
+                </a:solidFill>
+                <a:latin typeface="Times" pitchFamily="2" charset="0"/>
+              </a:defRPr>
+            </a:lvl4pPr>
+            <a:lvl5pPr marL="1730375" defTabSz="865188">
+              <a:defRPr sz="2400">
+                <a:solidFill>
+                  <a:schemeClr val="tx1"/>
+                </a:solidFill>
+                <a:latin typeface="Times" pitchFamily="2" charset="0"/>
+              </a:defRPr>
+            </a:lvl5pPr>
+            <a:lvl6pPr marL="2187575" defTabSz="865188" eaLnBrk="0" fontAlgn="base" hangingPunct="0">
+              <a:spcBef>
+                <a:spcPct val="0"/>
+              </a:spcBef>
+              <a:spcAft>
+                <a:spcPct val="0"/>
+              </a:spcAft>
+              <a:defRPr sz="2400">
+                <a:solidFill>
+                  <a:schemeClr val="tx1"/>
+                </a:solidFill>
+                <a:latin typeface="Times" pitchFamily="2" charset="0"/>
+              </a:defRPr>
+            </a:lvl6pPr>
+            <a:lvl7pPr marL="2644775" defTabSz="865188" eaLnBrk="0" fontAlgn="base" hangingPunct="0">
+              <a:spcBef>
+                <a:spcPct val="0"/>
+              </a:spcBef>
+              <a:spcAft>
+                <a:spcPct val="0"/>
+              </a:spcAft>
+              <a:defRPr sz="2400">
+                <a:solidFill>
+                  <a:schemeClr val="tx1"/>
+                </a:solidFill>
+                <a:latin typeface="Times" pitchFamily="2" charset="0"/>
+              </a:defRPr>
+            </a:lvl7pPr>
+            <a:lvl8pPr marL="3101975" defTabSz="865188" eaLnBrk="0" fontAlgn="base" hangingPunct="0">
+              <a:spcBef>
+                <a:spcPct val="0"/>
+              </a:spcBef>
+              <a:spcAft>
+                <a:spcPct val="0"/>
+              </a:spcAft>
+              <a:defRPr sz="2400">
+                <a:solidFill>
+                  <a:schemeClr val="tx1"/>
+                </a:solidFill>
+                <a:latin typeface="Times" pitchFamily="2" charset="0"/>
+              </a:defRPr>
+            </a:lvl8pPr>
+            <a:lvl9pPr marL="3559175" defTabSz="865188" eaLnBrk="0" fontAlgn="base" hangingPunct="0">
+              <a:spcBef>
+                <a:spcPct val="0"/>
+              </a:spcBef>
+              <a:spcAft>
+                <a:spcPct val="0"/>
+              </a:spcAft>
+              <a:defRPr sz="2400">
+                <a:solidFill>
+                  <a:schemeClr val="tx1"/>
+                </a:solidFill>
+                <a:latin typeface="Times" pitchFamily="2" charset="0"/>
+              </a:defRPr>
+            </a:lvl9pPr>
+          </a:lstStyle>
+          <a:p>
+            <a:pPr marL="0" marR="0" lvl="0" indent="0" algn="l" defTabSz="953697" rtl="0" eaLnBrk="0" fontAlgn="base" latinLnBrk="0" hangingPunct="0">
+              <a:lnSpc>
+                <a:spcPct val="100000"/>
+              </a:lnSpc>
+              <a:spcBef>
+                <a:spcPct val="0"/>
+              </a:spcBef>
+              <a:spcAft>
+                <a:spcPct val="0"/>
+              </a:spcAft>
+              <a:buClrTx/>
+              <a:buSzTx/>
+              <a:buFont typeface="Times New Roman" panose="02020603050405020304" pitchFamily="18" charset="0"/>
+              <a:buNone/>
+              <a:tabLst/>
+              <a:defRPr/>
+            </a:pPr>
+            <a:r>
+              <a:rPr kumimoji="0" lang="en-US" altLang="en-US" sz="2535" b="0" i="0" u="none" strike="noStrike" kern="1200" cap="none" spc="0" normalizeH="0" baseline="0" noProof="0">
+                <a:ln>
+                  <a:noFill/>
+                </a:ln>
+                <a:solidFill>
+                  <a:srgbClr val="000000"/>
+                </a:solidFill>
+                <a:effectLst/>
+                <a:uLnTx/>
+                <a:uFillTx/>
+                <a:latin typeface="Times" pitchFamily="2" charset="0"/>
+                <a:ea typeface="+mn-ea"/>
+                <a:cs typeface="Arial"/>
+              </a:rPr>
+              <a:t>Process P</a:t>
+            </a:r>
+            <a:r>
+              <a:rPr kumimoji="0" lang="en-US" altLang="en-US" sz="2535" b="0" i="0" u="none" strike="noStrike" kern="1200" cap="none" spc="0" normalizeH="0" baseline="-25000" noProof="0">
+                <a:ln>
+                  <a:noFill/>
+                </a:ln>
+                <a:solidFill>
+                  <a:srgbClr val="000000"/>
+                </a:solidFill>
+                <a:effectLst/>
+                <a:uLnTx/>
+                <a:uFillTx/>
+                <a:latin typeface="Times" pitchFamily="2" charset="0"/>
+                <a:ea typeface="+mn-ea"/>
+                <a:cs typeface="Arial"/>
+              </a:rPr>
+              <a:t>0</a:t>
+            </a:r>
+            <a:endParaRPr kumimoji="0" lang="en-US" altLang="en-US" sz="1874" b="0" i="0" u="none" strike="noStrike" kern="1200" cap="none" spc="0" normalizeH="0" baseline="0" noProof="0">
+              <a:ln>
+                <a:noFill/>
+              </a:ln>
+              <a:solidFill>
+                <a:srgbClr val="000000"/>
+              </a:solidFill>
+              <a:effectLst/>
+              <a:uLnTx/>
+              <a:uFillTx/>
+              <a:latin typeface="Courier" pitchFamily="2" charset="0"/>
+              <a:ea typeface="+mn-ea"/>
+              <a:cs typeface="Arial"/>
+            </a:endParaRPr>
+          </a:p>
+          <a:p>
+            <a:pPr marL="0" marR="0" lvl="0" indent="0" algn="l" defTabSz="953697" rtl="0" eaLnBrk="0" fontAlgn="base" latinLnBrk="0" hangingPunct="0">
+              <a:lnSpc>
+                <a:spcPct val="100000"/>
+              </a:lnSpc>
+              <a:spcBef>
+                <a:spcPct val="0"/>
+              </a:spcBef>
+              <a:spcAft>
+                <a:spcPct val="0"/>
+              </a:spcAft>
+              <a:buClrTx/>
+              <a:buSzTx/>
+              <a:buFont typeface="Times New Roman" panose="02020603050405020304" pitchFamily="18" charset="0"/>
+              <a:buNone/>
+              <a:tabLst/>
+              <a:defRPr/>
+            </a:pPr>
+            <a:r>
+              <a:rPr kumimoji="0" lang="en-US" altLang="en-US" sz="1874" b="0" i="0" u="none" strike="noStrike" kern="1200" cap="none" spc="0" normalizeH="0" baseline="0" noProof="0">
+                <a:ln>
+                  <a:noFill/>
+                </a:ln>
+                <a:solidFill>
+                  <a:srgbClr val="000000"/>
+                </a:solidFill>
+                <a:effectLst/>
+                <a:uLnTx/>
+                <a:uFillTx/>
+                <a:latin typeface="Courier" pitchFamily="2" charset="0"/>
+                <a:ea typeface="+mn-ea"/>
+                <a:cs typeface="Arial"/>
+              </a:rPr>
+              <a:t>A.down();</a:t>
+            </a:r>
+          </a:p>
+          <a:p>
+            <a:pPr marL="0" marR="0" lvl="0" indent="0" algn="l" defTabSz="953697" rtl="0" eaLnBrk="0" fontAlgn="base" latinLnBrk="0" hangingPunct="0">
+              <a:lnSpc>
+                <a:spcPct val="100000"/>
+              </a:lnSpc>
+              <a:spcBef>
+                <a:spcPct val="0"/>
+              </a:spcBef>
+              <a:spcAft>
+                <a:spcPct val="0"/>
+              </a:spcAft>
+              <a:buClrTx/>
+              <a:buSzTx/>
+              <a:buFont typeface="Times New Roman" panose="02020603050405020304" pitchFamily="18" charset="0"/>
+              <a:buNone/>
+              <a:tabLst/>
+              <a:defRPr/>
+            </a:pPr>
+            <a:r>
+              <a:rPr kumimoji="0" lang="en-US" altLang="en-US" sz="1874" b="0" i="0" u="none" strike="noStrike" kern="1200" cap="none" spc="0" normalizeH="0" baseline="0" noProof="0">
+                <a:ln>
+                  <a:noFill/>
+                </a:ln>
+                <a:solidFill>
+                  <a:srgbClr val="000000"/>
+                </a:solidFill>
+                <a:effectLst/>
+                <a:uLnTx/>
+                <a:uFillTx/>
+                <a:latin typeface="Courier" pitchFamily="2" charset="0"/>
+                <a:ea typeface="+mn-ea"/>
+                <a:cs typeface="Arial"/>
+              </a:rPr>
+              <a:t>B.down();</a:t>
+            </a:r>
+          </a:p>
+          <a:p>
+            <a:pPr marL="0" marR="0" lvl="0" indent="0" algn="l" defTabSz="953697" rtl="0" eaLnBrk="0" fontAlgn="base" latinLnBrk="0" hangingPunct="0">
+              <a:lnSpc>
+                <a:spcPct val="100000"/>
+              </a:lnSpc>
+              <a:spcBef>
+                <a:spcPct val="0"/>
+              </a:spcBef>
+              <a:spcAft>
+                <a:spcPct val="0"/>
+              </a:spcAft>
+              <a:buClrTx/>
+              <a:buSzTx/>
+              <a:buFont typeface="Times New Roman" panose="02020603050405020304" pitchFamily="18" charset="0"/>
+              <a:buNone/>
+              <a:tabLst/>
+              <a:defRPr/>
+            </a:pPr>
+            <a:r>
+              <a:rPr kumimoji="0" lang="en-US" altLang="en-US" sz="1874" b="0" i="0" u="none" strike="noStrike" kern="1200" cap="none" spc="0" normalizeH="0" baseline="0" noProof="0">
+                <a:ln>
+                  <a:noFill/>
+                </a:ln>
+                <a:solidFill>
+                  <a:srgbClr val="000000"/>
+                </a:solidFill>
+                <a:effectLst/>
+                <a:uLnTx/>
+                <a:uFillTx/>
+                <a:latin typeface="Courier" pitchFamily="2" charset="0"/>
+                <a:ea typeface="+mn-ea"/>
+                <a:cs typeface="Arial"/>
+              </a:rPr>
+              <a:t>   .</a:t>
+            </a:r>
+          </a:p>
+          <a:p>
+            <a:pPr marL="0" marR="0" lvl="0" indent="0" algn="l" defTabSz="953697" rtl="0" eaLnBrk="0" fontAlgn="base" latinLnBrk="0" hangingPunct="0">
+              <a:lnSpc>
+                <a:spcPct val="100000"/>
+              </a:lnSpc>
+              <a:spcBef>
+                <a:spcPct val="0"/>
+              </a:spcBef>
+              <a:spcAft>
+                <a:spcPct val="0"/>
+              </a:spcAft>
+              <a:buClrTx/>
+              <a:buSzTx/>
+              <a:buFont typeface="Times New Roman" panose="02020603050405020304" pitchFamily="18" charset="0"/>
+              <a:buNone/>
+              <a:tabLst/>
+              <a:defRPr/>
+            </a:pPr>
+            <a:r>
+              <a:rPr kumimoji="0" lang="en-US" altLang="en-US" sz="1874" b="0" i="0" u="none" strike="noStrike" kern="1200" cap="none" spc="0" normalizeH="0" baseline="0" noProof="0">
+                <a:ln>
+                  <a:noFill/>
+                </a:ln>
+                <a:solidFill>
+                  <a:srgbClr val="000000"/>
+                </a:solidFill>
+                <a:effectLst/>
+                <a:uLnTx/>
+                <a:uFillTx/>
+                <a:latin typeface="Courier" pitchFamily="2" charset="0"/>
+                <a:ea typeface="+mn-ea"/>
+                <a:cs typeface="Arial"/>
+              </a:rPr>
+              <a:t>   .</a:t>
+            </a:r>
+          </a:p>
+          <a:p>
+            <a:pPr marL="0" marR="0" lvl="0" indent="0" algn="l" defTabSz="953697" rtl="0" eaLnBrk="0" fontAlgn="base" latinLnBrk="0" hangingPunct="0">
+              <a:lnSpc>
+                <a:spcPct val="100000"/>
+              </a:lnSpc>
+              <a:spcBef>
+                <a:spcPct val="0"/>
+              </a:spcBef>
+              <a:spcAft>
+                <a:spcPct val="0"/>
+              </a:spcAft>
+              <a:buClrTx/>
+              <a:buSzTx/>
+              <a:buFont typeface="Times New Roman" panose="02020603050405020304" pitchFamily="18" charset="0"/>
+              <a:buNone/>
+              <a:tabLst/>
+              <a:defRPr/>
+            </a:pPr>
+            <a:r>
+              <a:rPr kumimoji="0" lang="en-US" altLang="en-US" sz="1874" b="0" i="0" u="none" strike="noStrike" kern="1200" cap="none" spc="0" normalizeH="0" baseline="0" noProof="0">
+                <a:ln>
+                  <a:noFill/>
+                </a:ln>
+                <a:solidFill>
+                  <a:srgbClr val="000000"/>
+                </a:solidFill>
+                <a:effectLst/>
+                <a:uLnTx/>
+                <a:uFillTx/>
+                <a:latin typeface="Courier" pitchFamily="2" charset="0"/>
+                <a:ea typeface="+mn-ea"/>
+                <a:cs typeface="Arial"/>
+              </a:rPr>
+              <a:t>   .</a:t>
+            </a:r>
+          </a:p>
+          <a:p>
+            <a:pPr marL="0" marR="0" lvl="0" indent="0" algn="l" defTabSz="953697" rtl="0" eaLnBrk="0" fontAlgn="base" latinLnBrk="0" hangingPunct="0">
+              <a:lnSpc>
+                <a:spcPct val="100000"/>
+              </a:lnSpc>
+              <a:spcBef>
+                <a:spcPct val="0"/>
+              </a:spcBef>
+              <a:spcAft>
+                <a:spcPct val="0"/>
+              </a:spcAft>
+              <a:buClrTx/>
+              <a:buSzTx/>
+              <a:buFont typeface="Times New Roman" panose="02020603050405020304" pitchFamily="18" charset="0"/>
+              <a:buNone/>
+              <a:tabLst/>
+              <a:defRPr/>
+            </a:pPr>
+            <a:r>
+              <a:rPr kumimoji="0" lang="en-US" altLang="en-US" sz="1874" b="0" i="0" u="none" strike="noStrike" kern="1200" cap="none" spc="0" normalizeH="0" baseline="0" noProof="0">
+                <a:ln>
+                  <a:noFill/>
+                </a:ln>
+                <a:solidFill>
+                  <a:srgbClr val="000000"/>
+                </a:solidFill>
+                <a:effectLst/>
+                <a:uLnTx/>
+                <a:uFillTx/>
+                <a:latin typeface="Courier" pitchFamily="2" charset="0"/>
+                <a:ea typeface="+mn-ea"/>
+                <a:cs typeface="Arial"/>
+              </a:rPr>
+              <a:t>B.up();</a:t>
+            </a:r>
+          </a:p>
+          <a:p>
+            <a:pPr marL="0" marR="0" lvl="0" indent="0" algn="l" defTabSz="953697" rtl="0" eaLnBrk="0" fontAlgn="base" latinLnBrk="0" hangingPunct="0">
+              <a:lnSpc>
+                <a:spcPct val="100000"/>
+              </a:lnSpc>
+              <a:spcBef>
+                <a:spcPct val="0"/>
+              </a:spcBef>
+              <a:spcAft>
+                <a:spcPct val="0"/>
+              </a:spcAft>
+              <a:buClrTx/>
+              <a:buSzTx/>
+              <a:buFont typeface="Times New Roman" panose="02020603050405020304" pitchFamily="18" charset="0"/>
+              <a:buNone/>
+              <a:tabLst/>
+              <a:defRPr/>
+            </a:pPr>
+            <a:r>
+              <a:rPr kumimoji="0" lang="en-US" altLang="en-US" sz="1874" b="0" i="0" u="none" strike="noStrike" kern="1200" cap="none" spc="0" normalizeH="0" baseline="0" noProof="0">
+                <a:ln>
+                  <a:noFill/>
+                </a:ln>
+                <a:solidFill>
+                  <a:srgbClr val="000000"/>
+                </a:solidFill>
+                <a:effectLst/>
+                <a:uLnTx/>
+                <a:uFillTx/>
+                <a:latin typeface="Courier" pitchFamily="2" charset="0"/>
+                <a:ea typeface="+mn-ea"/>
+                <a:cs typeface="Arial"/>
+              </a:rPr>
+              <a:t>A.up();</a:t>
+            </a:r>
+          </a:p>
+        </p:txBody>
+      </p:sp>
+      <p:sp>
+        <p:nvSpPr>
+          <p:cNvPr id="114691" name="Text Box 3">
+            <a:extLst>
+              <a:ext uri="{FF2B5EF4-FFF2-40B4-BE49-F238E27FC236}">
+                <a16:creationId xmlns:a16="http://schemas.microsoft.com/office/drawing/2014/main" id="{2DBD1A57-BF08-1644-8297-2A67DFC96098}"/>
+              </a:ext>
+            </a:extLst>
+          </p:cNvPr>
+          <p:cNvSpPr txBox="1">
+            <a:spLocks noChangeArrowheads="1"/>
+          </p:cNvSpPr>
+          <p:nvPr/>
+        </p:nvSpPr>
+        <p:spPr bwMode="auto">
+          <a:xfrm>
+            <a:off x="7439460" y="3071118"/>
+            <a:ext cx="1716676" cy="2505268"/>
+          </a:xfrm>
+          <a:prstGeom prst="rect">
+            <a:avLst/>
+          </a:prstGeom>
+          <a:noFill/>
+          <a:ln w="6350">
+            <a:solidFill>
+              <a:schemeClr val="tx1"/>
+            </a:solidFill>
+            <a:miter lim="800000"/>
+            <a:headEnd/>
+            <a:tailEnd/>
+          </a:ln>
+          <a:effectLst/>
+          <a:extLst>
+            <a:ext uri="{909E8E84-426E-40DD-AFC4-6F175D3DCCD1}">
+              <a14:hiddenFill xmlns:a14="http://schemas.microsoft.com/office/drawing/2010/main">
+                <a:solidFill>
+                  <a:schemeClr val="accent1"/>
+                </a:solidFill>
+              </a14:hiddenFill>
+            </a:ext>
+            <a:ext uri="{AF507438-7753-43E0-B8FC-AC1667EBCBE1}">
+              <a14:hiddenEffects xmlns:a14="http://schemas.microsoft.com/office/drawing/2010/main">
+                <a:effectLst>
+                  <a:outerShdw dist="35921" dir="2700000" algn="ctr" rotWithShape="0">
+                    <a:schemeClr val="bg2"/>
+                  </a:outerShdw>
+                </a:effectLst>
+              </a14:hiddenEffects>
+            </a:ext>
+          </a:extLst>
+        </p:spPr>
+        <p:txBody>
+          <a:bodyPr lIns="95343" tIns="47672" rIns="95343" bIns="47672">
+            <a:spAutoFit/>
+          </a:bodyPr>
+          <a:lstStyle>
+            <a:lvl1pPr defTabSz="865188">
+              <a:defRPr sz="2400">
+                <a:solidFill>
+                  <a:schemeClr val="tx1"/>
+                </a:solidFill>
+                <a:latin typeface="Times" pitchFamily="2" charset="0"/>
+              </a:defRPr>
+            </a:lvl1pPr>
+            <a:lvl2pPr marL="431800" defTabSz="865188">
+              <a:defRPr sz="2400">
+                <a:solidFill>
+                  <a:schemeClr val="tx1"/>
+                </a:solidFill>
+                <a:latin typeface="Times" pitchFamily="2" charset="0"/>
+              </a:defRPr>
+            </a:lvl2pPr>
+            <a:lvl3pPr marL="865188" defTabSz="865188">
+              <a:defRPr sz="2400">
+                <a:solidFill>
+                  <a:schemeClr val="tx1"/>
+                </a:solidFill>
+                <a:latin typeface="Times" pitchFamily="2" charset="0"/>
+              </a:defRPr>
+            </a:lvl3pPr>
+            <a:lvl4pPr marL="1296988" defTabSz="865188">
+              <a:defRPr sz="2400">
+                <a:solidFill>
+                  <a:schemeClr val="tx1"/>
+                </a:solidFill>
+                <a:latin typeface="Times" pitchFamily="2" charset="0"/>
+              </a:defRPr>
+            </a:lvl4pPr>
+            <a:lvl5pPr marL="1730375" defTabSz="865188">
+              <a:defRPr sz="2400">
+                <a:solidFill>
+                  <a:schemeClr val="tx1"/>
+                </a:solidFill>
+                <a:latin typeface="Times" pitchFamily="2" charset="0"/>
+              </a:defRPr>
+            </a:lvl5pPr>
+            <a:lvl6pPr marL="2187575" defTabSz="865188" eaLnBrk="0" fontAlgn="base" hangingPunct="0">
+              <a:spcBef>
+                <a:spcPct val="0"/>
+              </a:spcBef>
+              <a:spcAft>
+                <a:spcPct val="0"/>
+              </a:spcAft>
+              <a:defRPr sz="2400">
+                <a:solidFill>
+                  <a:schemeClr val="tx1"/>
+                </a:solidFill>
+                <a:latin typeface="Times" pitchFamily="2" charset="0"/>
+              </a:defRPr>
+            </a:lvl6pPr>
+            <a:lvl7pPr marL="2644775" defTabSz="865188" eaLnBrk="0" fontAlgn="base" hangingPunct="0">
+              <a:spcBef>
+                <a:spcPct val="0"/>
+              </a:spcBef>
+              <a:spcAft>
+                <a:spcPct val="0"/>
+              </a:spcAft>
+              <a:defRPr sz="2400">
+                <a:solidFill>
+                  <a:schemeClr val="tx1"/>
+                </a:solidFill>
+                <a:latin typeface="Times" pitchFamily="2" charset="0"/>
+              </a:defRPr>
+            </a:lvl7pPr>
+            <a:lvl8pPr marL="3101975" defTabSz="865188" eaLnBrk="0" fontAlgn="base" hangingPunct="0">
+              <a:spcBef>
+                <a:spcPct val="0"/>
+              </a:spcBef>
+              <a:spcAft>
+                <a:spcPct val="0"/>
+              </a:spcAft>
+              <a:defRPr sz="2400">
+                <a:solidFill>
+                  <a:schemeClr val="tx1"/>
+                </a:solidFill>
+                <a:latin typeface="Times" pitchFamily="2" charset="0"/>
+              </a:defRPr>
+            </a:lvl8pPr>
+            <a:lvl9pPr marL="3559175" defTabSz="865188" eaLnBrk="0" fontAlgn="base" hangingPunct="0">
+              <a:spcBef>
+                <a:spcPct val="0"/>
+              </a:spcBef>
+              <a:spcAft>
+                <a:spcPct val="0"/>
+              </a:spcAft>
+              <a:defRPr sz="2400">
+                <a:solidFill>
+                  <a:schemeClr val="tx1"/>
+                </a:solidFill>
+                <a:latin typeface="Times" pitchFamily="2" charset="0"/>
+              </a:defRPr>
+            </a:lvl9pPr>
+          </a:lstStyle>
+          <a:p>
+            <a:pPr marL="0" marR="0" lvl="0" indent="0" algn="l" defTabSz="953697" rtl="0" eaLnBrk="0" fontAlgn="base" latinLnBrk="0" hangingPunct="0">
+              <a:lnSpc>
+                <a:spcPct val="100000"/>
+              </a:lnSpc>
+              <a:spcBef>
+                <a:spcPct val="0"/>
+              </a:spcBef>
+              <a:spcAft>
+                <a:spcPct val="0"/>
+              </a:spcAft>
+              <a:buClrTx/>
+              <a:buSzTx/>
+              <a:buFont typeface="Times New Roman" panose="02020603050405020304" pitchFamily="18" charset="0"/>
+              <a:buNone/>
+              <a:tabLst/>
+              <a:defRPr/>
+            </a:pPr>
+            <a:r>
+              <a:rPr kumimoji="0" lang="en-US" altLang="en-US" sz="2535" b="0" i="0" u="none" strike="noStrike" kern="1200" cap="none" spc="0" normalizeH="0" baseline="0" noProof="0">
+                <a:ln>
+                  <a:noFill/>
+                </a:ln>
+                <a:solidFill>
+                  <a:srgbClr val="000000"/>
+                </a:solidFill>
+                <a:effectLst/>
+                <a:uLnTx/>
+                <a:uFillTx/>
+                <a:latin typeface="Times" pitchFamily="2" charset="0"/>
+                <a:ea typeface="+mn-ea"/>
+                <a:cs typeface="Arial"/>
+              </a:rPr>
+              <a:t>Process P</a:t>
+            </a:r>
+            <a:r>
+              <a:rPr kumimoji="0" lang="en-US" altLang="en-US" sz="2535" b="0" i="0" u="none" strike="noStrike" kern="1200" cap="none" spc="0" normalizeH="0" baseline="-25000" noProof="0">
+                <a:ln>
+                  <a:noFill/>
+                </a:ln>
+                <a:solidFill>
+                  <a:srgbClr val="000000"/>
+                </a:solidFill>
+                <a:effectLst/>
+                <a:uLnTx/>
+                <a:uFillTx/>
+                <a:latin typeface="Times" pitchFamily="2" charset="0"/>
+                <a:ea typeface="+mn-ea"/>
+                <a:cs typeface="Arial"/>
+              </a:rPr>
+              <a:t>1</a:t>
+            </a:r>
+            <a:endParaRPr kumimoji="0" lang="en-US" altLang="en-US" sz="1874" b="0" i="0" u="none" strike="noStrike" kern="1200" cap="none" spc="0" normalizeH="0" baseline="0" noProof="0">
+              <a:ln>
+                <a:noFill/>
+              </a:ln>
+              <a:solidFill>
+                <a:srgbClr val="000000"/>
+              </a:solidFill>
+              <a:effectLst/>
+              <a:uLnTx/>
+              <a:uFillTx/>
+              <a:latin typeface="Courier" pitchFamily="2" charset="0"/>
+              <a:ea typeface="+mn-ea"/>
+              <a:cs typeface="Arial"/>
+            </a:endParaRPr>
+          </a:p>
+          <a:p>
+            <a:pPr marL="0" marR="0" lvl="0" indent="0" algn="l" defTabSz="953697" rtl="0" eaLnBrk="0" fontAlgn="base" latinLnBrk="0" hangingPunct="0">
+              <a:lnSpc>
+                <a:spcPct val="100000"/>
+              </a:lnSpc>
+              <a:spcBef>
+                <a:spcPct val="0"/>
+              </a:spcBef>
+              <a:spcAft>
+                <a:spcPct val="0"/>
+              </a:spcAft>
+              <a:buClrTx/>
+              <a:buSzTx/>
+              <a:buFont typeface="Times New Roman" panose="02020603050405020304" pitchFamily="18" charset="0"/>
+              <a:buNone/>
+              <a:tabLst/>
+              <a:defRPr/>
+            </a:pPr>
+            <a:r>
+              <a:rPr kumimoji="0" lang="en-US" altLang="en-US" sz="1874" b="0" i="0" u="none" strike="noStrike" kern="1200" cap="none" spc="0" normalizeH="0" baseline="0" noProof="0">
+                <a:ln>
+                  <a:noFill/>
+                </a:ln>
+                <a:solidFill>
+                  <a:srgbClr val="000000"/>
+                </a:solidFill>
+                <a:effectLst/>
+                <a:uLnTx/>
+                <a:uFillTx/>
+                <a:latin typeface="Courier" pitchFamily="2" charset="0"/>
+                <a:ea typeface="+mn-ea"/>
+                <a:cs typeface="Arial"/>
+              </a:rPr>
+              <a:t>B.down();</a:t>
+            </a:r>
+          </a:p>
+          <a:p>
+            <a:pPr marL="0" marR="0" lvl="0" indent="0" algn="l" defTabSz="953697" rtl="0" eaLnBrk="0" fontAlgn="base" latinLnBrk="0" hangingPunct="0">
+              <a:lnSpc>
+                <a:spcPct val="100000"/>
+              </a:lnSpc>
+              <a:spcBef>
+                <a:spcPct val="0"/>
+              </a:spcBef>
+              <a:spcAft>
+                <a:spcPct val="0"/>
+              </a:spcAft>
+              <a:buClrTx/>
+              <a:buSzTx/>
+              <a:buFont typeface="Times New Roman" panose="02020603050405020304" pitchFamily="18" charset="0"/>
+              <a:buNone/>
+              <a:tabLst/>
+              <a:defRPr/>
+            </a:pPr>
+            <a:r>
+              <a:rPr kumimoji="0" lang="en-US" altLang="en-US" sz="1874" b="0" i="0" u="none" strike="noStrike" kern="1200" cap="none" spc="0" normalizeH="0" baseline="0" noProof="0">
+                <a:ln>
+                  <a:noFill/>
+                </a:ln>
+                <a:solidFill>
+                  <a:srgbClr val="000000"/>
+                </a:solidFill>
+                <a:effectLst/>
+                <a:uLnTx/>
+                <a:uFillTx/>
+                <a:latin typeface="Courier" pitchFamily="2" charset="0"/>
+                <a:ea typeface="+mn-ea"/>
+                <a:cs typeface="Arial"/>
+              </a:rPr>
+              <a:t>A.down();</a:t>
+            </a:r>
+          </a:p>
+          <a:p>
+            <a:pPr marL="0" marR="0" lvl="0" indent="0" algn="l" defTabSz="953697" rtl="0" eaLnBrk="0" fontAlgn="base" latinLnBrk="0" hangingPunct="0">
+              <a:lnSpc>
+                <a:spcPct val="100000"/>
+              </a:lnSpc>
+              <a:spcBef>
+                <a:spcPct val="0"/>
+              </a:spcBef>
+              <a:spcAft>
+                <a:spcPct val="0"/>
+              </a:spcAft>
+              <a:buClrTx/>
+              <a:buSzTx/>
+              <a:buFont typeface="Times New Roman" panose="02020603050405020304" pitchFamily="18" charset="0"/>
+              <a:buNone/>
+              <a:tabLst/>
+              <a:defRPr/>
+            </a:pPr>
+            <a:r>
+              <a:rPr kumimoji="0" lang="en-US" altLang="en-US" sz="1874" b="0" i="0" u="none" strike="noStrike" kern="1200" cap="none" spc="0" normalizeH="0" baseline="0" noProof="0">
+                <a:ln>
+                  <a:noFill/>
+                </a:ln>
+                <a:solidFill>
+                  <a:srgbClr val="000000"/>
+                </a:solidFill>
+                <a:effectLst/>
+                <a:uLnTx/>
+                <a:uFillTx/>
+                <a:latin typeface="Courier" pitchFamily="2" charset="0"/>
+                <a:ea typeface="+mn-ea"/>
+                <a:cs typeface="Arial"/>
+              </a:rPr>
+              <a:t>   .</a:t>
+            </a:r>
+          </a:p>
+          <a:p>
+            <a:pPr marL="0" marR="0" lvl="0" indent="0" algn="l" defTabSz="953697" rtl="0" eaLnBrk="0" fontAlgn="base" latinLnBrk="0" hangingPunct="0">
+              <a:lnSpc>
+                <a:spcPct val="100000"/>
+              </a:lnSpc>
+              <a:spcBef>
+                <a:spcPct val="0"/>
+              </a:spcBef>
+              <a:spcAft>
+                <a:spcPct val="0"/>
+              </a:spcAft>
+              <a:buClrTx/>
+              <a:buSzTx/>
+              <a:buFont typeface="Times New Roman" panose="02020603050405020304" pitchFamily="18" charset="0"/>
+              <a:buNone/>
+              <a:tabLst/>
+              <a:defRPr/>
+            </a:pPr>
+            <a:r>
+              <a:rPr kumimoji="0" lang="en-US" altLang="en-US" sz="1874" b="0" i="0" u="none" strike="noStrike" kern="1200" cap="none" spc="0" normalizeH="0" baseline="0" noProof="0">
+                <a:ln>
+                  <a:noFill/>
+                </a:ln>
+                <a:solidFill>
+                  <a:srgbClr val="000000"/>
+                </a:solidFill>
+                <a:effectLst/>
+                <a:uLnTx/>
+                <a:uFillTx/>
+                <a:latin typeface="Courier" pitchFamily="2" charset="0"/>
+                <a:ea typeface="+mn-ea"/>
+                <a:cs typeface="Arial"/>
+              </a:rPr>
+              <a:t>   .</a:t>
+            </a:r>
+          </a:p>
+          <a:p>
+            <a:pPr marL="0" marR="0" lvl="0" indent="0" algn="l" defTabSz="953697" rtl="0" eaLnBrk="0" fontAlgn="base" latinLnBrk="0" hangingPunct="0">
+              <a:lnSpc>
+                <a:spcPct val="100000"/>
+              </a:lnSpc>
+              <a:spcBef>
+                <a:spcPct val="0"/>
+              </a:spcBef>
+              <a:spcAft>
+                <a:spcPct val="0"/>
+              </a:spcAft>
+              <a:buClrTx/>
+              <a:buSzTx/>
+              <a:buFont typeface="Times New Roman" panose="02020603050405020304" pitchFamily="18" charset="0"/>
+              <a:buNone/>
+              <a:tabLst/>
+              <a:defRPr/>
+            </a:pPr>
+            <a:r>
+              <a:rPr kumimoji="0" lang="en-US" altLang="en-US" sz="1874" b="0" i="0" u="none" strike="noStrike" kern="1200" cap="none" spc="0" normalizeH="0" baseline="0" noProof="0">
+                <a:ln>
+                  <a:noFill/>
+                </a:ln>
+                <a:solidFill>
+                  <a:srgbClr val="000000"/>
+                </a:solidFill>
+                <a:effectLst/>
+                <a:uLnTx/>
+                <a:uFillTx/>
+                <a:latin typeface="Courier" pitchFamily="2" charset="0"/>
+                <a:ea typeface="+mn-ea"/>
+                <a:cs typeface="Arial"/>
+              </a:rPr>
+              <a:t>   .</a:t>
+            </a:r>
+          </a:p>
+          <a:p>
+            <a:pPr marL="0" marR="0" lvl="0" indent="0" algn="l" defTabSz="953697" rtl="0" eaLnBrk="0" fontAlgn="base" latinLnBrk="0" hangingPunct="0">
+              <a:lnSpc>
+                <a:spcPct val="100000"/>
+              </a:lnSpc>
+              <a:spcBef>
+                <a:spcPct val="0"/>
+              </a:spcBef>
+              <a:spcAft>
+                <a:spcPct val="0"/>
+              </a:spcAft>
+              <a:buClrTx/>
+              <a:buSzTx/>
+              <a:buFont typeface="Times New Roman" panose="02020603050405020304" pitchFamily="18" charset="0"/>
+              <a:buNone/>
+              <a:tabLst/>
+              <a:defRPr/>
+            </a:pPr>
+            <a:r>
+              <a:rPr kumimoji="0" lang="en-US" altLang="en-US" sz="1874" b="0" i="0" u="none" strike="noStrike" kern="1200" cap="none" spc="0" normalizeH="0" baseline="0" noProof="0">
+                <a:ln>
+                  <a:noFill/>
+                </a:ln>
+                <a:solidFill>
+                  <a:srgbClr val="000000"/>
+                </a:solidFill>
+                <a:effectLst/>
+                <a:uLnTx/>
+                <a:uFillTx/>
+                <a:latin typeface="Courier" pitchFamily="2" charset="0"/>
+                <a:ea typeface="+mn-ea"/>
+                <a:cs typeface="Arial"/>
+              </a:rPr>
+              <a:t>A.up();</a:t>
+            </a:r>
+          </a:p>
+          <a:p>
+            <a:pPr marL="0" marR="0" lvl="0" indent="0" algn="l" defTabSz="953697" rtl="0" eaLnBrk="0" fontAlgn="base" latinLnBrk="0" hangingPunct="0">
+              <a:lnSpc>
+                <a:spcPct val="100000"/>
+              </a:lnSpc>
+              <a:spcBef>
+                <a:spcPct val="0"/>
+              </a:spcBef>
+              <a:spcAft>
+                <a:spcPct val="0"/>
+              </a:spcAft>
+              <a:buClrTx/>
+              <a:buSzTx/>
+              <a:buFont typeface="Times New Roman" panose="02020603050405020304" pitchFamily="18" charset="0"/>
+              <a:buNone/>
+              <a:tabLst/>
+              <a:defRPr/>
+            </a:pPr>
+            <a:r>
+              <a:rPr kumimoji="0" lang="en-US" altLang="en-US" sz="1874" b="0" i="0" u="none" strike="noStrike" kern="1200" cap="none" spc="0" normalizeH="0" baseline="0" noProof="0">
+                <a:ln>
+                  <a:noFill/>
+                </a:ln>
+                <a:solidFill>
+                  <a:srgbClr val="000000"/>
+                </a:solidFill>
+                <a:effectLst/>
+                <a:uLnTx/>
+                <a:uFillTx/>
+                <a:latin typeface="Courier" pitchFamily="2" charset="0"/>
+                <a:ea typeface="+mn-ea"/>
+                <a:cs typeface="Arial"/>
+              </a:rPr>
+              <a:t>B.up();</a:t>
+            </a:r>
+          </a:p>
+        </p:txBody>
+      </p:sp>
+      <p:sp>
+        <p:nvSpPr>
+          <p:cNvPr id="114692" name="Text Box 4">
+            <a:extLst>
+              <a:ext uri="{FF2B5EF4-FFF2-40B4-BE49-F238E27FC236}">
+                <a16:creationId xmlns:a16="http://schemas.microsoft.com/office/drawing/2014/main" id="{6F71246C-6734-D144-966A-A447A4309C4E}"/>
+              </a:ext>
+            </a:extLst>
+          </p:cNvPr>
+          <p:cNvSpPr txBox="1">
+            <a:spLocks noChangeArrowheads="1"/>
+          </p:cNvSpPr>
+          <p:nvPr/>
+        </p:nvSpPr>
+        <p:spPr bwMode="auto">
+          <a:xfrm>
+            <a:off x="5544290" y="1968665"/>
+            <a:ext cx="3611845" cy="774794"/>
+          </a:xfrm>
+          <a:prstGeom prst="rect">
+            <a:avLst/>
+          </a:prstGeom>
+          <a:noFill/>
+          <a:ln w="6350">
+            <a:solidFill>
+              <a:schemeClr val="tx1"/>
+            </a:solidFill>
+            <a:miter lim="800000"/>
+            <a:headEnd/>
+            <a:tailEnd/>
+          </a:ln>
+          <a:effectLst/>
+          <a:extLst>
+            <a:ext uri="{909E8E84-426E-40DD-AFC4-6F175D3DCCD1}">
+              <a14:hiddenFill xmlns:a14="http://schemas.microsoft.com/office/drawing/2010/main">
+                <a:solidFill>
+                  <a:schemeClr val="accent1"/>
+                </a:solidFill>
+              </a14:hiddenFill>
+            </a:ext>
+            <a:ext uri="{AF507438-7753-43E0-B8FC-AC1667EBCBE1}">
+              <a14:hiddenEffects xmlns:a14="http://schemas.microsoft.com/office/drawing/2010/main">
+                <a:effectLst>
+                  <a:outerShdw dist="35921" dir="2700000" algn="ctr" rotWithShape="0">
+                    <a:schemeClr val="bg2"/>
+                  </a:outerShdw>
+                </a:effectLst>
+              </a14:hiddenEffects>
+            </a:ext>
+          </a:extLst>
+        </p:spPr>
+        <p:txBody>
+          <a:bodyPr lIns="95343" tIns="47672" rIns="95343" bIns="47672">
+            <a:spAutoFit/>
+          </a:bodyPr>
+          <a:lstStyle>
+            <a:lvl1pPr defTabSz="865188">
+              <a:defRPr sz="2400">
+                <a:solidFill>
+                  <a:schemeClr val="tx1"/>
+                </a:solidFill>
+                <a:latin typeface="Times" pitchFamily="2" charset="0"/>
+              </a:defRPr>
+            </a:lvl1pPr>
+            <a:lvl2pPr marL="431800" defTabSz="865188">
+              <a:defRPr sz="2400">
+                <a:solidFill>
+                  <a:schemeClr val="tx1"/>
+                </a:solidFill>
+                <a:latin typeface="Times" pitchFamily="2" charset="0"/>
+              </a:defRPr>
+            </a:lvl2pPr>
+            <a:lvl3pPr marL="865188" defTabSz="865188">
+              <a:defRPr sz="2400">
+                <a:solidFill>
+                  <a:schemeClr val="tx1"/>
+                </a:solidFill>
+                <a:latin typeface="Times" pitchFamily="2" charset="0"/>
+              </a:defRPr>
+            </a:lvl3pPr>
+            <a:lvl4pPr marL="1296988" defTabSz="865188">
+              <a:defRPr sz="2400">
+                <a:solidFill>
+                  <a:schemeClr val="tx1"/>
+                </a:solidFill>
+                <a:latin typeface="Times" pitchFamily="2" charset="0"/>
+              </a:defRPr>
+            </a:lvl4pPr>
+            <a:lvl5pPr marL="1730375" defTabSz="865188">
+              <a:defRPr sz="2400">
+                <a:solidFill>
+                  <a:schemeClr val="tx1"/>
+                </a:solidFill>
+                <a:latin typeface="Times" pitchFamily="2" charset="0"/>
+              </a:defRPr>
+            </a:lvl5pPr>
+            <a:lvl6pPr marL="2187575" defTabSz="865188" eaLnBrk="0" fontAlgn="base" hangingPunct="0">
+              <a:spcBef>
+                <a:spcPct val="0"/>
+              </a:spcBef>
+              <a:spcAft>
+                <a:spcPct val="0"/>
+              </a:spcAft>
+              <a:defRPr sz="2400">
+                <a:solidFill>
+                  <a:schemeClr val="tx1"/>
+                </a:solidFill>
+                <a:latin typeface="Times" pitchFamily="2" charset="0"/>
+              </a:defRPr>
+            </a:lvl6pPr>
+            <a:lvl7pPr marL="2644775" defTabSz="865188" eaLnBrk="0" fontAlgn="base" hangingPunct="0">
+              <a:spcBef>
+                <a:spcPct val="0"/>
+              </a:spcBef>
+              <a:spcAft>
+                <a:spcPct val="0"/>
+              </a:spcAft>
+              <a:defRPr sz="2400">
+                <a:solidFill>
+                  <a:schemeClr val="tx1"/>
+                </a:solidFill>
+                <a:latin typeface="Times" pitchFamily="2" charset="0"/>
+              </a:defRPr>
+            </a:lvl7pPr>
+            <a:lvl8pPr marL="3101975" defTabSz="865188" eaLnBrk="0" fontAlgn="base" hangingPunct="0">
+              <a:spcBef>
+                <a:spcPct val="0"/>
+              </a:spcBef>
+              <a:spcAft>
+                <a:spcPct val="0"/>
+              </a:spcAft>
+              <a:defRPr sz="2400">
+                <a:solidFill>
+                  <a:schemeClr val="tx1"/>
+                </a:solidFill>
+                <a:latin typeface="Times" pitchFamily="2" charset="0"/>
+              </a:defRPr>
+            </a:lvl8pPr>
+            <a:lvl9pPr marL="3559175" defTabSz="865188" eaLnBrk="0" fontAlgn="base" hangingPunct="0">
+              <a:spcBef>
+                <a:spcPct val="0"/>
+              </a:spcBef>
+              <a:spcAft>
+                <a:spcPct val="0"/>
+              </a:spcAft>
+              <a:defRPr sz="2400">
+                <a:solidFill>
+                  <a:schemeClr val="tx1"/>
+                </a:solidFill>
+                <a:latin typeface="Times" pitchFamily="2" charset="0"/>
+              </a:defRPr>
+            </a:lvl9pPr>
+          </a:lstStyle>
+          <a:p>
+            <a:pPr marL="0" marR="0" lvl="0" indent="0" algn="l" defTabSz="953697" rtl="0" eaLnBrk="0" fontAlgn="base" latinLnBrk="0" hangingPunct="0">
+              <a:lnSpc>
+                <a:spcPct val="100000"/>
+              </a:lnSpc>
+              <a:spcBef>
+                <a:spcPct val="0"/>
+              </a:spcBef>
+              <a:spcAft>
+                <a:spcPct val="0"/>
+              </a:spcAft>
+              <a:buClrTx/>
+              <a:buSzTx/>
+              <a:buFont typeface="Times New Roman" panose="02020603050405020304" pitchFamily="18" charset="0"/>
+              <a:buNone/>
+              <a:tabLst/>
+              <a:defRPr/>
+            </a:pPr>
+            <a:r>
+              <a:rPr kumimoji="0" lang="en-US" altLang="en-US" sz="2535" b="0" i="0" u="none" strike="noStrike" kern="1200" cap="none" spc="0" normalizeH="0" baseline="0" noProof="0">
+                <a:ln>
+                  <a:noFill/>
+                </a:ln>
+                <a:solidFill>
+                  <a:srgbClr val="000000"/>
+                </a:solidFill>
+                <a:effectLst/>
+                <a:uLnTx/>
+                <a:uFillTx/>
+                <a:latin typeface="Times" pitchFamily="2" charset="0"/>
+                <a:ea typeface="+mn-ea"/>
+                <a:cs typeface="Arial"/>
+              </a:rPr>
+              <a:t>Shared variables</a:t>
+            </a:r>
+            <a:endParaRPr kumimoji="0" lang="en-US" altLang="en-US" sz="1874" b="0" i="0" u="none" strike="noStrike" kern="1200" cap="none" spc="0" normalizeH="0" baseline="0" noProof="0">
+              <a:ln>
+                <a:noFill/>
+              </a:ln>
+              <a:solidFill>
+                <a:srgbClr val="000000"/>
+              </a:solidFill>
+              <a:effectLst/>
+              <a:uLnTx/>
+              <a:uFillTx/>
+              <a:latin typeface="Courier" pitchFamily="2" charset="0"/>
+              <a:ea typeface="+mn-ea"/>
+              <a:cs typeface="Arial"/>
+            </a:endParaRPr>
+          </a:p>
+          <a:p>
+            <a:pPr marL="0" marR="0" lvl="0" indent="0" algn="l" defTabSz="953697" rtl="0" eaLnBrk="0" fontAlgn="base" latinLnBrk="0" hangingPunct="0">
+              <a:lnSpc>
+                <a:spcPct val="100000"/>
+              </a:lnSpc>
+              <a:spcBef>
+                <a:spcPct val="0"/>
+              </a:spcBef>
+              <a:spcAft>
+                <a:spcPct val="0"/>
+              </a:spcAft>
+              <a:buClrTx/>
+              <a:buSzTx/>
+              <a:buFont typeface="Times New Roman" panose="02020603050405020304" pitchFamily="18" charset="0"/>
+              <a:buNone/>
+              <a:tabLst/>
+              <a:defRPr/>
+            </a:pPr>
+            <a:r>
+              <a:rPr kumimoji="0" lang="en-US" altLang="en-US" sz="1874" b="0" i="0" u="none" strike="noStrike" kern="1200" cap="none" spc="0" normalizeH="0" baseline="0" noProof="0">
+                <a:ln>
+                  <a:noFill/>
+                </a:ln>
+                <a:solidFill>
+                  <a:srgbClr val="000000"/>
+                </a:solidFill>
+                <a:effectLst/>
+                <a:uLnTx/>
+                <a:uFillTx/>
+                <a:latin typeface="Courier" pitchFamily="2" charset="0"/>
+                <a:ea typeface="+mn-ea"/>
+                <a:cs typeface="Arial"/>
+              </a:rPr>
+              <a:t>Semaphore A(1),B(1);</a:t>
+            </a:r>
+          </a:p>
+        </p:txBody>
+      </p:sp>
+    </p:spTree>
+    <p:extLst>
+      <p:ext uri="{BB962C8B-B14F-4D97-AF65-F5344CB8AC3E}">
+        <p14:creationId xmlns:p14="http://schemas.microsoft.com/office/powerpoint/2010/main" val="583513582"/>
+      </p:ext>
+    </p:extLst>
+  </p:cSld>
+  <p:clrMapOvr>
+    <a:masterClrMapping/>
+  </p:clrMapOvr>
+</p:sld>
+</file>
+
+<file path=ppt/slides/slide21.xml><?xml version="1.0" encoding="utf-8"?>
+<p:sld xmlns:a="http://schemas.openxmlformats.org/drawingml/2006/main" xmlns:r="http://schemas.openxmlformats.org/officeDocument/2006/relationships" xmlns:p="http://schemas.openxmlformats.org/presentationml/2006/main">
+  <p:cSld>
+    <p:spTree>
+      <p:nvGrpSpPr>
+        <p:cNvPr id="1" name=""/>
+        <p:cNvGrpSpPr/>
+        <p:nvPr/>
+      </p:nvGrpSpPr>
+      <p:grpSpPr>
+        <a:xfrm>
+          <a:off x="0" y="0"/>
+          <a:ext cx="0" cy="0"/>
+          <a:chOff x="0" y="0"/>
+          <a:chExt cx="0" cy="0"/>
+        </a:xfrm>
+      </p:grpSpPr>
+      <p:sp>
+        <p:nvSpPr>
+          <p:cNvPr id="2" name="Title 1">
+            <a:extLst>
+              <a:ext uri="{FF2B5EF4-FFF2-40B4-BE49-F238E27FC236}">
+                <a16:creationId xmlns:a16="http://schemas.microsoft.com/office/drawing/2014/main" id="{E3658AD3-AF70-4629-BEA7-54DD04929497}"/>
+              </a:ext>
+            </a:extLst>
+          </p:cNvPr>
+          <p:cNvSpPr>
+            <a:spLocks noGrp="1"/>
+          </p:cNvSpPr>
+          <p:nvPr>
+            <p:ph type="title"/>
+          </p:nvPr>
+        </p:nvSpPr>
+        <p:spPr/>
+        <p:txBody>
+          <a:bodyPr>
+            <a:noAutofit/>
+          </a:bodyPr>
+          <a:lstStyle/>
+          <a:p>
+            <a:r>
+              <a:rPr lang="en-US" sz="3600" dirty="0"/>
+              <a:t>Semaphore Usage Problem: Priority Inversion</a:t>
+            </a:r>
+          </a:p>
+        </p:txBody>
+      </p:sp>
+      <p:sp>
+        <p:nvSpPr>
+          <p:cNvPr id="3" name="Content Placeholder 2">
+            <a:extLst>
+              <a:ext uri="{FF2B5EF4-FFF2-40B4-BE49-F238E27FC236}">
+                <a16:creationId xmlns:a16="http://schemas.microsoft.com/office/drawing/2014/main" id="{E25963B9-99F2-488F-8009-23E0F6DFA4AD}"/>
+              </a:ext>
+            </a:extLst>
+          </p:cNvPr>
+          <p:cNvSpPr>
+            <a:spLocks noGrp="1"/>
+          </p:cNvSpPr>
+          <p:nvPr>
+            <p:ph idx="1"/>
+          </p:nvPr>
+        </p:nvSpPr>
+        <p:spPr/>
+        <p:txBody>
+          <a:bodyPr/>
+          <a:lstStyle/>
+          <a:p>
+            <a:r>
+              <a:rPr lang="en-US" dirty="0"/>
+              <a:t>Priority inversion is still possible using semaphores</a:t>
+            </a:r>
+          </a:p>
+          <a:p>
+            <a:pPr lvl="1"/>
+            <a:r>
+              <a:rPr lang="en-US" dirty="0"/>
+              <a:t>Slightly less likely</a:t>
+            </a:r>
+          </a:p>
+          <a:p>
+            <a:pPr lvl="1"/>
+            <a:r>
+              <a:rPr lang="en-US" dirty="0"/>
+              <a:t>Needs at least three processes</a:t>
+            </a:r>
+          </a:p>
+        </p:txBody>
+      </p:sp>
+      <p:sp>
+        <p:nvSpPr>
+          <p:cNvPr id="4" name="Footer Placeholder 3">
+            <a:extLst>
+              <a:ext uri="{FF2B5EF4-FFF2-40B4-BE49-F238E27FC236}">
+                <a16:creationId xmlns:a16="http://schemas.microsoft.com/office/drawing/2014/main" id="{EA4FBA9A-06C2-4541-8533-91EE6CF5CEA6}"/>
+              </a:ext>
+            </a:extLst>
+          </p:cNvPr>
+          <p:cNvSpPr>
+            <a:spLocks noGrp="1"/>
+          </p:cNvSpPr>
+          <p:nvPr>
+            <p:ph type="ftr" idx="11"/>
+          </p:nvPr>
+        </p:nvSpPr>
+        <p:spPr/>
+        <p:txBody>
+          <a:bodyPr/>
+          <a:lstStyle/>
+          <a:p>
+            <a:pPr marL="0" marR="0" lvl="0" indent="0" algn="ctr" defTabSz="457200" rtl="0" eaLnBrk="1" fontAlgn="base" latinLnBrk="0" hangingPunct="0">
+              <a:lnSpc>
+                <a:spcPct val="96000"/>
+              </a:lnSpc>
+              <a:spcBef>
+                <a:spcPct val="0"/>
+              </a:spcBef>
+              <a:spcAft>
+                <a:spcPct val="0"/>
+              </a:spcAft>
+              <a:buClr>
+                <a:srgbClr val="000000"/>
+              </a:buClr>
+              <a:buSzPct val="100000"/>
+              <a:buFont typeface="Times New Roman" pitchFamily="16" charset="0"/>
+              <a:buNone/>
+              <a:tabLst>
+                <a:tab pos="0" algn="l"/>
+                <a:tab pos="457200" algn="l"/>
+                <a:tab pos="914400" algn="l"/>
+                <a:tab pos="1371600" algn="l"/>
+                <a:tab pos="1828800" algn="l"/>
+                <a:tab pos="2286000" algn="l"/>
+                <a:tab pos="2743200" algn="l"/>
+                <a:tab pos="3200400" algn="l"/>
+                <a:tab pos="3657600" algn="l"/>
+                <a:tab pos="4114800" algn="l"/>
+                <a:tab pos="4572000" algn="l"/>
+                <a:tab pos="5029200" algn="l"/>
+                <a:tab pos="5486400" algn="l"/>
+                <a:tab pos="5943600" algn="l"/>
+                <a:tab pos="6400800" algn="l"/>
+                <a:tab pos="6858000" algn="l"/>
+                <a:tab pos="7315200" algn="l"/>
+                <a:tab pos="7772400" algn="l"/>
+                <a:tab pos="8229600" algn="l"/>
+                <a:tab pos="8686800" algn="l"/>
+                <a:tab pos="9144000" algn="l"/>
+              </a:tabLst>
+              <a:defRPr/>
+            </a:pPr>
+            <a:r>
+              <a:rPr kumimoji="0" lang="en-US" sz="1400" b="0" i="0" u="none" strike="noStrike" kern="1200" cap="none" spc="0" normalizeH="0" baseline="0" noProof="0">
+                <a:ln>
+                  <a:noFill/>
+                </a:ln>
+                <a:solidFill>
+                  <a:srgbClr val="000000"/>
+                </a:solidFill>
+                <a:effectLst/>
+                <a:uLnTx/>
+                <a:uFillTx/>
+                <a:latin typeface="Arial"/>
+                <a:ea typeface="+mn-ea"/>
+                <a:cs typeface="Arial" charset="0"/>
+              </a:rPr>
+              <a:t>CS/COE 1550 – Operating Systems – Sherif Khattab</a:t>
+            </a:r>
+            <a:endParaRPr kumimoji="0" lang="en-GB" sz="1400" b="0" i="0" u="none" strike="noStrike" kern="1200" cap="none" spc="0" normalizeH="0" baseline="0" noProof="0" dirty="0">
+              <a:ln>
+                <a:noFill/>
+              </a:ln>
+              <a:solidFill>
+                <a:srgbClr val="000000"/>
+              </a:solidFill>
+              <a:effectLst/>
+              <a:uLnTx/>
+              <a:uFillTx/>
+              <a:latin typeface="Times New Roman" pitchFamily="16" charset="0"/>
+              <a:ea typeface="+mn-ea"/>
+              <a:cs typeface="Arial" charset="0"/>
+            </a:endParaRPr>
+          </a:p>
+        </p:txBody>
+      </p:sp>
+      <p:sp>
+        <p:nvSpPr>
+          <p:cNvPr id="5" name="Slide Number Placeholder 4">
+            <a:extLst>
+              <a:ext uri="{FF2B5EF4-FFF2-40B4-BE49-F238E27FC236}">
+                <a16:creationId xmlns:a16="http://schemas.microsoft.com/office/drawing/2014/main" id="{8E1635EE-6786-4B20-9FC4-357E40A19C9D}"/>
+              </a:ext>
+            </a:extLst>
+          </p:cNvPr>
+          <p:cNvSpPr>
+            <a:spLocks noGrp="1"/>
+          </p:cNvSpPr>
+          <p:nvPr>
+            <p:ph type="sldNum" idx="12"/>
+          </p:nvPr>
+        </p:nvSpPr>
+        <p:spPr/>
+        <p:txBody>
+          <a:bodyPr/>
+          <a:lstStyle/>
+          <a:p>
+            <a:pPr marL="0" marR="0" lvl="0" indent="0" algn="r" defTabSz="457200" rtl="0" eaLnBrk="1" fontAlgn="base" latinLnBrk="0" hangingPunct="0">
+              <a:lnSpc>
+                <a:spcPct val="96000"/>
+              </a:lnSpc>
+              <a:spcBef>
+                <a:spcPct val="0"/>
+              </a:spcBef>
+              <a:spcAft>
+                <a:spcPct val="0"/>
+              </a:spcAft>
+              <a:buClr>
+                <a:srgbClr val="000000"/>
+              </a:buClr>
+              <a:buSzPct val="100000"/>
+              <a:buFont typeface="Times New Roman" panose="02020603050405020304" pitchFamily="18" charset="0"/>
+              <a:buNone/>
+              <a:tabLst/>
+              <a:defRPr/>
+            </a:pPr>
+            <a:fld id="{65E435D9-63B0-4660-8D04-E83F5E2CA2AE}" type="slidenum">
+              <a:rPr kumimoji="0" lang="en-GB" altLang="en-US" sz="1400" b="0" i="0" u="none" strike="noStrike" kern="1200" cap="none" spc="0" normalizeH="0" baseline="0" noProof="0" smtClean="0">
+                <a:ln>
+                  <a:noFill/>
+                </a:ln>
+                <a:solidFill>
+                  <a:srgbClr val="000000"/>
+                </a:solidFill>
+                <a:effectLst/>
+                <a:uLnTx/>
+                <a:uFillTx/>
+                <a:latin typeface="Times New Roman" panose="02020603050405020304" pitchFamily="18" charset="0"/>
+                <a:ea typeface="+mn-ea"/>
+                <a:cs typeface="Arial" panose="020B0604020202020204" pitchFamily="34" charset="0"/>
+              </a:rPr>
+              <a:pPr marL="0" marR="0" lvl="0" indent="0" algn="r" defTabSz="457200" rtl="0" eaLnBrk="1" fontAlgn="base" latinLnBrk="0" hangingPunct="0">
+                <a:lnSpc>
+                  <a:spcPct val="96000"/>
+                </a:lnSpc>
+                <a:spcBef>
+                  <a:spcPct val="0"/>
+                </a:spcBef>
+                <a:spcAft>
+                  <a:spcPct val="0"/>
+                </a:spcAft>
+                <a:buClr>
+                  <a:srgbClr val="000000"/>
+                </a:buClr>
+                <a:buSzPct val="100000"/>
+                <a:buFont typeface="Times New Roman" panose="02020603050405020304" pitchFamily="18" charset="0"/>
+                <a:buNone/>
+                <a:tabLst/>
+                <a:defRPr/>
+              </a:pPr>
+              <a:t>21</a:t>
+            </a:fld>
+            <a:endParaRPr kumimoji="0" lang="en-GB" altLang="en-US" sz="1400" b="0" i="0" u="none" strike="noStrike" kern="1200" cap="none" spc="0" normalizeH="0" baseline="0" noProof="0" dirty="0">
+              <a:ln>
+                <a:noFill/>
+              </a:ln>
+              <a:solidFill>
+                <a:srgbClr val="000000"/>
+              </a:solidFill>
+              <a:effectLst/>
+              <a:uLnTx/>
+              <a:uFillTx/>
+              <a:latin typeface="Times New Roman" panose="02020603050405020304" pitchFamily="18" charset="0"/>
+              <a:ea typeface="+mn-ea"/>
+              <a:cs typeface="Arial" panose="020B0604020202020204" pitchFamily="34" charset="0"/>
+            </a:endParaRPr>
+          </a:p>
+        </p:txBody>
+      </p:sp>
+      <p:pic>
+        <p:nvPicPr>
+          <p:cNvPr id="7" name="Picture 6">
+            <a:extLst>
+              <a:ext uri="{FF2B5EF4-FFF2-40B4-BE49-F238E27FC236}">
+                <a16:creationId xmlns:a16="http://schemas.microsoft.com/office/drawing/2014/main" id="{86BCAD15-E5E4-45AF-BB15-419D6488E301}"/>
+              </a:ext>
+            </a:extLst>
+          </p:cNvPr>
+          <p:cNvPicPr>
+            <a:picLocks noChangeAspect="1"/>
+          </p:cNvPicPr>
+          <p:nvPr/>
+        </p:nvPicPr>
+        <p:blipFill>
+          <a:blip r:embed="rId2"/>
+          <a:stretch>
+            <a:fillRect/>
+          </a:stretch>
+        </p:blipFill>
+        <p:spPr>
+          <a:xfrm>
+            <a:off x="1820760" y="2704653"/>
+            <a:ext cx="6116878" cy="4078734"/>
+          </a:xfrm>
+          <a:prstGeom prst="rect">
+            <a:avLst/>
+          </a:prstGeom>
+        </p:spPr>
+      </p:pic>
+    </p:spTree>
+    <p:extLst>
+      <p:ext uri="{BB962C8B-B14F-4D97-AF65-F5344CB8AC3E}">
+        <p14:creationId xmlns:p14="http://schemas.microsoft.com/office/powerpoint/2010/main" val="3742099282"/>
+      </p:ext>
+    </p:extLst>
+  </p:cSld>
+  <p:clrMapOvr>
+    <a:masterClrMapping/>
+  </p:clrMapOvr>
 </p:sld>
 </file>
 
@@ -18390,10 +24175,10 @@
       </p:grpSpPr>
       <p:sp>
         <p:nvSpPr>
-          <p:cNvPr id="100354" name="Rectangle 2">
+          <p:cNvPr id="90114" name="Rectangle 2">
             <a:extLst>
               <a:ext uri="{FF2B5EF4-FFF2-40B4-BE49-F238E27FC236}">
-                <a16:creationId xmlns:a16="http://schemas.microsoft.com/office/drawing/2014/main" id="{E957CE05-A4BD-144F-A0C4-0AAE7BD7009B}"/>
+                <a16:creationId xmlns:a16="http://schemas.microsoft.com/office/drawing/2014/main" id="{308C4648-C13A-A547-ABA8-14DA70E0773D}"/>
               </a:ext>
             </a:extLst>
           </p:cNvPr>
@@ -18406,26 +24191,22 @@
         </p:nvSpPr>
         <p:spPr/>
         <p:txBody>
-          <a:bodyPr vert="horz" wrap="square" lIns="95343" tIns="47672" rIns="95343" bIns="47672" numCol="1" anchor="t" anchorCtr="0" compatLnSpc="1">
-            <a:prstTxWarp prst="textNoShape">
-              <a:avLst/>
-            </a:prstTxWarp>
-          </a:bodyPr>
+          <a:bodyPr/>
           <a:lstStyle/>
           <a:p>
             <a:r>
               <a:rPr lang="en-US" altLang="en-US" dirty="0"/>
-              <a:t>Implications of Busy Waiting</a:t>
+              <a:t>Why do we need Synchronization?</a:t>
             </a:r>
           </a:p>
         </p:txBody>
       </p:sp>
       <p:sp>
         <p:nvSpPr>
-          <p:cNvPr id="100355" name="Rectangle 3">
+          <p:cNvPr id="90115" name="Rectangle 3">
             <a:extLst>
               <a:ext uri="{FF2B5EF4-FFF2-40B4-BE49-F238E27FC236}">
-                <a16:creationId xmlns:a16="http://schemas.microsoft.com/office/drawing/2014/main" id="{0C36604A-A763-A345-B88E-8E6F2BF0C1FE}"/>
+                <a16:creationId xmlns:a16="http://schemas.microsoft.com/office/drawing/2014/main" id="{691666FD-EDA0-044F-A826-5F64B00DC362}"/>
               </a:ext>
             </a:extLst>
           </p:cNvPr>
@@ -18436,89 +24217,67 @@
             <p:ph idx="1"/>
           </p:nvPr>
         </p:nvSpPr>
-        <p:spPr>
-          <a:xfrm>
-            <a:off x="0" y="714375"/>
-            <a:ext cx="4905955" cy="6567487"/>
-          </a:xfrm>
-        </p:spPr>
+        <p:spPr/>
         <p:txBody>
-          <a:bodyPr vert="horz" wrap="square" lIns="95343" tIns="47672" rIns="95343" bIns="47672" numCol="1" anchor="t" anchorCtr="0" compatLnSpc="1">
-            <a:prstTxWarp prst="textNoShape">
-              <a:avLst/>
-            </a:prstTxWarp>
-          </a:bodyPr>
+          <a:bodyPr/>
           <a:lstStyle/>
           <a:p>
-            <a:pPr>
-              <a:lnSpc>
-                <a:spcPct val="90000"/>
-              </a:lnSpc>
-            </a:pPr>
             <a:r>
-              <a:rPr lang="en-US" altLang="en-US" sz="2646" dirty="0"/>
-              <a:t>Subproblem: </a:t>
+              <a:rPr lang="en-US" altLang="en-US"/>
+              <a:t>Each process operates sequentially</a:t>
+            </a:r>
+          </a:p>
+          <a:p>
+            <a:r>
+              <a:rPr lang="en-US" altLang="en-US"/>
+              <a:t>All is fine until processes want to share data</a:t>
+            </a:r>
+          </a:p>
+          <a:p>
+            <a:pPr lvl="1"/>
+            <a:r>
+              <a:rPr lang="en-US" altLang="en-US"/>
+              <a:t>Exchange data between multiple processes</a:t>
+            </a:r>
+          </a:p>
+          <a:p>
+            <a:pPr lvl="1"/>
+            <a:r>
+              <a:rPr lang="en-US" altLang="en-US"/>
+              <a:t>Allow processes to navigate </a:t>
             </a:r>
             <a:r>
-              <a:rPr lang="en-US" altLang="en-US" sz="2646" i="1" dirty="0"/>
-              <a:t>priority inversion</a:t>
+              <a:rPr lang="en-US" altLang="en-US" i="1"/>
+              <a:t>critical regions</a:t>
             </a:r>
+            <a:endParaRPr lang="en-US" altLang="en-US"/>
+          </a:p>
+          <a:p>
+            <a:pPr lvl="1"/>
             <a:r>
-              <a:rPr lang="en-US" altLang="en-US" sz="2646" dirty="0"/>
-              <a:t> (higher priority process waits for lower priority process)</a:t>
+              <a:rPr lang="en-US" altLang="en-US"/>
+              <a:t>Maintain proper sequencing of actions in multiple processes</a:t>
             </a:r>
           </a:p>
           <a:p>
-            <a:pPr>
-              <a:lnSpc>
-                <a:spcPct val="90000"/>
-              </a:lnSpc>
-            </a:pPr>
-            <a:endParaRPr lang="en-US" altLang="en-US" sz="2646" dirty="0"/>
-          </a:p>
-          <a:p>
-            <a:pPr>
-              <a:lnSpc>
-                <a:spcPct val="90000"/>
-              </a:lnSpc>
-            </a:pPr>
-            <a:endParaRPr lang="en-US" altLang="en-US" sz="2646" dirty="0"/>
-          </a:p>
-          <a:p>
-            <a:pPr>
-              <a:lnSpc>
-                <a:spcPct val="90000"/>
-              </a:lnSpc>
-            </a:pPr>
-            <a:endParaRPr lang="en-US" altLang="en-US" sz="2646" dirty="0"/>
-          </a:p>
-          <a:p>
-            <a:pPr>
-              <a:lnSpc>
-                <a:spcPct val="90000"/>
-              </a:lnSpc>
-            </a:pPr>
-            <a:endParaRPr lang="en-US" altLang="en-US" sz="2646" dirty="0"/>
-          </a:p>
-          <a:p>
-            <a:pPr>
-              <a:lnSpc>
-                <a:spcPct val="90000"/>
-              </a:lnSpc>
-            </a:pPr>
             <a:r>
-              <a:rPr lang="en-US" altLang="en-US" sz="2646" dirty="0"/>
-              <a:t>Subproblem 2: compiler and/or hardware instruction reordering</a:t>
+              <a:rPr lang="en-US" altLang="en-US"/>
+              <a:t>These issues apply to threads as well	</a:t>
             </a:r>
           </a:p>
           <a:p>
-            <a:pPr marL="0" indent="0">
-              <a:lnSpc>
-                <a:spcPct val="90000"/>
-              </a:lnSpc>
-              <a:buNone/>
-            </a:pPr>
-            <a:endParaRPr lang="en-US" altLang="en-US" sz="2205" dirty="0"/>
+            <a:pPr lvl="1"/>
+            <a:r>
+              <a:rPr lang="en-US" altLang="en-US"/>
+              <a:t>Threads can share data easily (same address space)</a:t>
+            </a:r>
+          </a:p>
+          <a:p>
+            <a:pPr lvl="1"/>
+            <a:r>
+              <a:rPr lang="en-US" altLang="en-US"/>
+              <a:t>Other two issues apply to threads</a:t>
+            </a:r>
           </a:p>
         </p:txBody>
       </p:sp>
@@ -18527,7 +24286,7 @@
           <p:cNvPr id="4" name="Footer Placeholder 3">
             <a:extLst>
               <a:ext uri="{FF2B5EF4-FFF2-40B4-BE49-F238E27FC236}">
-                <a16:creationId xmlns:a16="http://schemas.microsoft.com/office/drawing/2014/main" id="{73DBA84E-7D96-E442-8FC3-A0C3749B1CC1}"/>
+                <a16:creationId xmlns:a16="http://schemas.microsoft.com/office/drawing/2014/main" id="{98D70E46-AD06-A84D-A403-48FFDDB68BC6}"/>
               </a:ext>
             </a:extLst>
           </p:cNvPr>
@@ -18607,7 +24366,7 @@
           <p:cNvPr id="5" name="Slide Number Placeholder 4">
             <a:extLst>
               <a:ext uri="{FF2B5EF4-FFF2-40B4-BE49-F238E27FC236}">
-                <a16:creationId xmlns:a16="http://schemas.microsoft.com/office/drawing/2014/main" id="{B9F1484A-3D19-CA4A-81F0-82E85A0AC7BB}"/>
+                <a16:creationId xmlns:a16="http://schemas.microsoft.com/office/drawing/2014/main" id="{68F74981-ADDA-9144-ACB5-CE4649DD2D8F}"/>
               </a:ext>
             </a:extLst>
           </p:cNvPr>
@@ -18640,7 +24399,7 @@
               <a:tabLst/>
               <a:defRPr/>
             </a:pPr>
-            <a:fld id="{49DE1B45-5713-6E42-A4BB-3D73C968C33F}" type="slidenum">
+            <a:fld id="{84EF06AB-4700-6A49-AA92-7F6FC9BCAFBB}" type="slidenum">
               <a:rPr kumimoji="0" lang="en-US" altLang="en-US" sz="1400" b="0" i="0" u="none" strike="noStrike" kern="1200" cap="none" spc="0" normalizeH="0" baseline="0" noProof="0">
                 <a:ln>
                   <a:noFill/>
@@ -18691,450 +24450,16 @@
           </a:p>
         </p:txBody>
       </p:sp>
-      <p:pic>
-        <p:nvPicPr>
-          <p:cNvPr id="7" name="Picture 6">
-            <a:extLst>
-              <a:ext uri="{FF2B5EF4-FFF2-40B4-BE49-F238E27FC236}">
-                <a16:creationId xmlns:a16="http://schemas.microsoft.com/office/drawing/2014/main" id="{8289F39E-20D4-48DB-B0D7-920A9B1D2C84}"/>
-              </a:ext>
-            </a:extLst>
-          </p:cNvPr>
-          <p:cNvPicPr>
-            <a:picLocks noChangeAspect="1"/>
-          </p:cNvPicPr>
-          <p:nvPr/>
-        </p:nvPicPr>
-        <p:blipFill>
-          <a:blip r:embed="rId2"/>
-          <a:stretch>
-            <a:fillRect/>
-          </a:stretch>
-        </p:blipFill>
-        <p:spPr>
-          <a:xfrm>
-            <a:off x="5592644" y="1018513"/>
-            <a:ext cx="4090798" cy="2727744"/>
-          </a:xfrm>
-          <a:prstGeom prst="rect">
-            <a:avLst/>
-          </a:prstGeom>
-        </p:spPr>
-      </p:pic>
-      <mc:AlternateContent xmlns:mc="http://schemas.openxmlformats.org/markup-compatibility/2006">
-        <mc:Choice xmlns:p14="http://schemas.microsoft.com/office/powerpoint/2010/main" Requires="p14">
-          <p:contentPart p14:bwMode="auto" r:id="rId3">
-            <p14:nvContentPartPr>
-              <p14:cNvPr id="9" name="Ink 8">
-                <a:extLst>
-                  <a:ext uri="{FF2B5EF4-FFF2-40B4-BE49-F238E27FC236}">
-                    <a16:creationId xmlns:a16="http://schemas.microsoft.com/office/drawing/2014/main" id="{65902BB3-D968-4B54-8B69-A55E7B9FC9C7}"/>
-                  </a:ext>
-                </a:extLst>
-              </p14:cNvPr>
-              <p14:cNvContentPartPr/>
-              <p14:nvPr/>
-            </p14:nvContentPartPr>
-            <p14:xfrm flipV="1">
-              <a:off x="4151722" y="1651971"/>
-              <a:ext cx="1440921" cy="800672"/>
-            </p14:xfrm>
-          </p:contentPart>
-        </mc:Choice>
-        <mc:Fallback>
-          <p:pic>
-            <p:nvPicPr>
-              <p:cNvPr id="9" name="Ink 8">
-                <a:extLst>
-                  <a:ext uri="{FF2B5EF4-FFF2-40B4-BE49-F238E27FC236}">
-                    <a16:creationId xmlns:a16="http://schemas.microsoft.com/office/drawing/2014/main" id="{65902BB3-D968-4B54-8B69-A55E7B9FC9C7}"/>
-                  </a:ext>
-                </a:extLst>
-              </p:cNvPr>
-              <p:cNvPicPr/>
-              <p:nvPr/>
-            </p:nvPicPr>
-            <p:blipFill>
-              <a:blip r:embed="rId4"/>
-              <a:stretch>
-                <a:fillRect/>
-              </a:stretch>
-            </p:blipFill>
-            <p:spPr>
-              <a:xfrm flipV="1">
-                <a:off x="4142725" y="1643335"/>
-                <a:ext cx="1458555" cy="818305"/>
-              </a:xfrm>
-              <a:prstGeom prst="rect">
-                <a:avLst/>
-              </a:prstGeom>
-            </p:spPr>
-          </p:pic>
-        </mc:Fallback>
-      </mc:AlternateContent>
-      <mc:AlternateContent xmlns:mc="http://schemas.openxmlformats.org/markup-compatibility/2006">
-        <mc:Choice xmlns:p14="http://schemas.microsoft.com/office/powerpoint/2010/main" Requires="p14">
-          <p:contentPart p14:bwMode="auto" r:id="rId5">
-            <p14:nvContentPartPr>
-              <p14:cNvPr id="10" name="Ink 9">
-                <a:extLst>
-                  <a:ext uri="{FF2B5EF4-FFF2-40B4-BE49-F238E27FC236}">
-                    <a16:creationId xmlns:a16="http://schemas.microsoft.com/office/drawing/2014/main" id="{877346C0-8418-41AB-AD05-4613E1FE78DF}"/>
-                  </a:ext>
-                </a:extLst>
-              </p14:cNvPr>
-              <p14:cNvContentPartPr/>
-              <p14:nvPr/>
-            </p14:nvContentPartPr>
-            <p14:xfrm>
-              <a:off x="4159772" y="4510754"/>
-              <a:ext cx="1547871" cy="506957"/>
-            </p14:xfrm>
-          </p:contentPart>
-        </mc:Choice>
-        <mc:Fallback>
-          <p:pic>
-            <p:nvPicPr>
-              <p:cNvPr id="10" name="Ink 9">
-                <a:extLst>
-                  <a:ext uri="{FF2B5EF4-FFF2-40B4-BE49-F238E27FC236}">
-                    <a16:creationId xmlns:a16="http://schemas.microsoft.com/office/drawing/2014/main" id="{877346C0-8418-41AB-AD05-4613E1FE78DF}"/>
-                  </a:ext>
-                </a:extLst>
-              </p:cNvPr>
-              <p:cNvPicPr/>
-              <p:nvPr/>
-            </p:nvPicPr>
-            <p:blipFill>
-              <a:blip r:embed="rId6"/>
-              <a:stretch>
-                <a:fillRect/>
-              </a:stretch>
-            </p:blipFill>
-            <p:spPr>
-              <a:xfrm>
-                <a:off x="4150771" y="4501746"/>
-                <a:ext cx="1565514" cy="524612"/>
-              </a:xfrm>
-              <a:prstGeom prst="rect">
-                <a:avLst/>
-              </a:prstGeom>
-            </p:spPr>
-          </p:pic>
-        </mc:Fallback>
-      </mc:AlternateContent>
-      <p:pic>
-        <p:nvPicPr>
-          <p:cNvPr id="11" name="Picture 10">
-            <a:extLst>
-              <a:ext uri="{FF2B5EF4-FFF2-40B4-BE49-F238E27FC236}">
-                <a16:creationId xmlns:a16="http://schemas.microsoft.com/office/drawing/2014/main" id="{F566B0BC-E242-4A61-8CE5-99090A62E50D}"/>
-              </a:ext>
-            </a:extLst>
-          </p:cNvPr>
-          <p:cNvPicPr>
-            <a:picLocks noChangeAspect="1"/>
-          </p:cNvPicPr>
-          <p:nvPr/>
-        </p:nvPicPr>
-        <p:blipFill>
-          <a:blip r:embed="rId7"/>
-          <a:stretch>
-            <a:fillRect/>
-          </a:stretch>
-        </p:blipFill>
-        <p:spPr>
-          <a:xfrm>
-            <a:off x="5920853" y="4432236"/>
-            <a:ext cx="3434381" cy="2290045"/>
-          </a:xfrm>
-          <a:prstGeom prst="rect">
-            <a:avLst/>
-          </a:prstGeom>
-        </p:spPr>
-      </p:pic>
     </p:spTree>
     <p:extLst>
       <p:ext uri="{BB962C8B-B14F-4D97-AF65-F5344CB8AC3E}">
-        <p14:creationId xmlns:p14="http://schemas.microsoft.com/office/powerpoint/2010/main" val="3210992163"/>
+        <p14:creationId xmlns:p14="http://schemas.microsoft.com/office/powerpoint/2010/main" val="2685283246"/>
       </p:ext>
     </p:extLst>
   </p:cSld>
   <p:clrMapOvr>
     <a:masterClrMapping/>
   </p:clrMapOvr>
-  <p:timing>
-    <p:tnLst>
-      <p:par>
-        <p:cTn id="1" dur="indefinite" restart="never" nodeType="tmRoot">
-          <p:childTnLst>
-            <p:seq concurrent="1" nextAc="seek">
-              <p:cTn id="2" dur="indefinite" nodeType="mainSeq">
-                <p:childTnLst>
-                  <p:par>
-                    <p:cTn id="3" fill="hold">
-                      <p:stCondLst>
-                        <p:cond delay="indefinite"/>
-                      </p:stCondLst>
-                      <p:childTnLst>
-                        <p:par>
-                          <p:cTn id="4" fill="hold">
-                            <p:stCondLst>
-                              <p:cond delay="0"/>
-                            </p:stCondLst>
-                            <p:childTnLst>
-                              <p:par>
-                                <p:cTn id="5" presetID="1" presetClass="entr" presetSubtype="0" fill="hold" nodeType="clickEffect">
-                                  <p:stCondLst>
-                                    <p:cond delay="0"/>
-                                  </p:stCondLst>
-                                  <p:childTnLst>
-                                    <p:set>
-                                      <p:cBhvr>
-                                        <p:cTn id="6" dur="1" fill="hold">
-                                          <p:stCondLst>
-                                            <p:cond delay="0"/>
-                                          </p:stCondLst>
-                                        </p:cTn>
-                                        <p:tgtEl>
-                                          <p:spTgt spid="100355">
-                                            <p:txEl>
-                                              <p:pRg st="0" end="0"/>
-                                            </p:txEl>
-                                          </p:spTgt>
-                                        </p:tgtEl>
-                                        <p:attrNameLst>
-                                          <p:attrName>style.visibility</p:attrName>
-                                        </p:attrNameLst>
-                                      </p:cBhvr>
-                                      <p:to>
-                                        <p:strVal val="visible"/>
-                                      </p:to>
-                                    </p:set>
-                                  </p:childTnLst>
-                                </p:cTn>
-                              </p:par>
-                            </p:childTnLst>
-                          </p:cTn>
-                        </p:par>
-                      </p:childTnLst>
-                    </p:cTn>
-                  </p:par>
-                  <p:par>
-                    <p:cTn id="7" fill="hold">
-                      <p:stCondLst>
-                        <p:cond delay="indefinite"/>
-                      </p:stCondLst>
-                      <p:childTnLst>
-                        <p:par>
-                          <p:cTn id="8" fill="hold">
-                            <p:stCondLst>
-                              <p:cond delay="0"/>
-                            </p:stCondLst>
-                            <p:childTnLst>
-                              <p:par>
-                                <p:cTn id="9" presetID="1" presetClass="entr" presetSubtype="0" fill="hold" nodeType="clickEffect">
-                                  <p:stCondLst>
-                                    <p:cond delay="0"/>
-                                  </p:stCondLst>
-                                  <p:childTnLst>
-                                    <p:set>
-                                      <p:cBhvr>
-                                        <p:cTn id="10" dur="1" fill="hold">
-                                          <p:stCondLst>
-                                            <p:cond delay="0"/>
-                                          </p:stCondLst>
-                                        </p:cTn>
-                                        <p:tgtEl>
-                                          <p:spTgt spid="7"/>
-                                        </p:tgtEl>
-                                        <p:attrNameLst>
-                                          <p:attrName>style.visibility</p:attrName>
-                                        </p:attrNameLst>
-                                      </p:cBhvr>
-                                      <p:to>
-                                        <p:strVal val="visible"/>
-                                      </p:to>
-                                    </p:set>
-                                  </p:childTnLst>
-                                </p:cTn>
-                              </p:par>
-                              <p:par>
-                                <p:cTn id="11" presetID="1" presetClass="entr" presetSubtype="0" fill="hold" nodeType="withEffect">
-                                  <p:stCondLst>
-                                    <p:cond delay="0"/>
-                                  </p:stCondLst>
-                                  <p:childTnLst>
-                                    <p:set>
-                                      <p:cBhvr>
-                                        <p:cTn id="12" dur="1" fill="hold">
-                                          <p:stCondLst>
-                                            <p:cond delay="0"/>
-                                          </p:stCondLst>
-                                        </p:cTn>
-                                        <p:tgtEl>
-                                          <p:spTgt spid="9"/>
-                                        </p:tgtEl>
-                                        <p:attrNameLst>
-                                          <p:attrName>style.visibility</p:attrName>
-                                        </p:attrNameLst>
-                                      </p:cBhvr>
-                                      <p:to>
-                                        <p:strVal val="visible"/>
-                                      </p:to>
-                                    </p:set>
-                                  </p:childTnLst>
-                                </p:cTn>
-                              </p:par>
-                            </p:childTnLst>
-                          </p:cTn>
-                        </p:par>
-                      </p:childTnLst>
-                    </p:cTn>
-                  </p:par>
-                  <p:par>
-                    <p:cTn id="13" fill="hold">
-                      <p:stCondLst>
-                        <p:cond delay="indefinite"/>
-                      </p:stCondLst>
-                      <p:childTnLst>
-                        <p:par>
-                          <p:cTn id="14" fill="hold">
-                            <p:stCondLst>
-                              <p:cond delay="0"/>
-                            </p:stCondLst>
-                            <p:childTnLst>
-                              <p:par>
-                                <p:cTn id="15" presetID="1" presetClass="entr" presetSubtype="0" fill="hold" nodeType="clickEffect">
-                                  <p:stCondLst>
-                                    <p:cond delay="0"/>
-                                  </p:stCondLst>
-                                  <p:childTnLst>
-                                    <p:set>
-                                      <p:cBhvr>
-                                        <p:cTn id="16" dur="1" fill="hold">
-                                          <p:stCondLst>
-                                            <p:cond delay="0"/>
-                                          </p:stCondLst>
-                                        </p:cTn>
-                                        <p:tgtEl>
-                                          <p:spTgt spid="100355">
-                                            <p:txEl>
-                                              <p:pRg st="5" end="5"/>
-                                            </p:txEl>
-                                          </p:spTgt>
-                                        </p:tgtEl>
-                                        <p:attrNameLst>
-                                          <p:attrName>style.visibility</p:attrName>
-                                        </p:attrNameLst>
-                                      </p:cBhvr>
-                                      <p:to>
-                                        <p:strVal val="visible"/>
-                                      </p:to>
-                                    </p:set>
-                                  </p:childTnLst>
-                                </p:cTn>
-                              </p:par>
-                            </p:childTnLst>
-                          </p:cTn>
-                        </p:par>
-                      </p:childTnLst>
-                    </p:cTn>
-                  </p:par>
-                  <p:par>
-                    <p:cTn id="17" fill="hold">
-                      <p:stCondLst>
-                        <p:cond delay="indefinite"/>
-                      </p:stCondLst>
-                      <p:childTnLst>
-                        <p:par>
-                          <p:cTn id="18" fill="hold">
-                            <p:stCondLst>
-                              <p:cond delay="0"/>
-                            </p:stCondLst>
-                            <p:childTnLst>
-                              <p:par>
-                                <p:cTn id="19" presetID="1" presetClass="entr" presetSubtype="0" fill="hold" nodeType="clickEffect">
-                                  <p:stCondLst>
-                                    <p:cond delay="0"/>
-                                  </p:stCondLst>
-                                  <p:childTnLst>
-                                    <p:set>
-                                      <p:cBhvr>
-                                        <p:cTn id="20" dur="1" fill="hold">
-                                          <p:stCondLst>
-                                            <p:cond delay="0"/>
-                                          </p:stCondLst>
-                                        </p:cTn>
-                                        <p:tgtEl>
-                                          <p:spTgt spid="10"/>
-                                        </p:tgtEl>
-                                        <p:attrNameLst>
-                                          <p:attrName>style.visibility</p:attrName>
-                                        </p:attrNameLst>
-                                      </p:cBhvr>
-                                      <p:to>
-                                        <p:strVal val="visible"/>
-                                      </p:to>
-                                    </p:set>
-                                  </p:childTnLst>
-                                </p:cTn>
-                              </p:par>
-                              <p:par>
-                                <p:cTn id="21" presetID="1" presetClass="entr" presetSubtype="0" fill="hold" nodeType="withEffect">
-                                  <p:stCondLst>
-                                    <p:cond delay="0"/>
-                                  </p:stCondLst>
-                                  <p:childTnLst>
-                                    <p:set>
-                                      <p:cBhvr>
-                                        <p:cTn id="22" dur="1" fill="hold">
-                                          <p:stCondLst>
-                                            <p:cond delay="0"/>
-                                          </p:stCondLst>
-                                        </p:cTn>
-                                        <p:tgtEl>
-                                          <p:spTgt spid="11"/>
-                                        </p:tgtEl>
-                                        <p:attrNameLst>
-                                          <p:attrName>style.visibility</p:attrName>
-                                        </p:attrNameLst>
-                                      </p:cBhvr>
-                                      <p:to>
-                                        <p:strVal val="visible"/>
-                                      </p:to>
-                                    </p:set>
-                                  </p:childTnLst>
-                                </p:cTn>
-                              </p:par>
-                            </p:childTnLst>
-                          </p:cTn>
-                        </p:par>
-                      </p:childTnLst>
-                    </p:cTn>
-                  </p:par>
-                </p:childTnLst>
-              </p:cTn>
-              <p:prevCondLst>
-                <p:cond evt="onPrev" delay="0">
-                  <p:tgtEl>
-                    <p:sldTgt/>
-                  </p:tgtEl>
-                </p:cond>
-              </p:prevCondLst>
-              <p:nextCondLst>
-                <p:cond evt="onNext" delay="0">
-                  <p:tgtEl>
-                    <p:sldTgt/>
-                  </p:tgtEl>
-                </p:cond>
-              </p:nextCondLst>
-            </p:seq>
-          </p:childTnLst>
-        </p:cTn>
-      </p:par>
-    </p:tnLst>
-  </p:timing>
 </p:sld>
 </file>
 
@@ -19157,1358 +24482,10 @@
       </p:grpSpPr>
       <p:sp>
         <p:nvSpPr>
-          <p:cNvPr id="103429" name="Rectangle 5">
-            <a:extLst>
-              <a:ext uri="{FF2B5EF4-FFF2-40B4-BE49-F238E27FC236}">
-                <a16:creationId xmlns:a16="http://schemas.microsoft.com/office/drawing/2014/main" id="{8D930911-1A6D-B54F-B76E-66809DD1728E}"/>
-              </a:ext>
-            </a:extLst>
-          </p:cNvPr>
-          <p:cNvSpPr>
-            <a:spLocks noGrp="1" noChangeArrowheads="1"/>
-          </p:cNvSpPr>
-          <p:nvPr>
-            <p:ph type="title"/>
-          </p:nvPr>
-        </p:nvSpPr>
-        <p:spPr/>
-        <p:txBody>
-          <a:bodyPr/>
-          <a:lstStyle/>
-          <a:p>
-            <a:r>
-              <a:rPr lang="en-US" altLang="en-US" sz="3527"/>
-              <a:t>Semaphores for general synchronization</a:t>
-            </a:r>
-          </a:p>
-        </p:txBody>
-      </p:sp>
-      <p:sp>
-        <p:nvSpPr>
-          <p:cNvPr id="103430" name="Rectangle 6">
-            <a:extLst>
-              <a:ext uri="{FF2B5EF4-FFF2-40B4-BE49-F238E27FC236}">
-                <a16:creationId xmlns:a16="http://schemas.microsoft.com/office/drawing/2014/main" id="{0CA11B9E-1475-6C4F-9C95-B08141F31ADC}"/>
-              </a:ext>
-            </a:extLst>
-          </p:cNvPr>
-          <p:cNvSpPr>
-            <a:spLocks noGrp="1" noChangeArrowheads="1"/>
-          </p:cNvSpPr>
-          <p:nvPr>
-            <p:ph idx="1"/>
-          </p:nvPr>
-        </p:nvSpPr>
-        <p:spPr/>
-        <p:txBody>
-          <a:bodyPr/>
-          <a:lstStyle/>
-          <a:p>
-            <a:r>
-              <a:rPr lang="en-US" altLang="en-US" sz="2646"/>
-              <a:t>We want to execute B in P1 only after A executes in P0</a:t>
-            </a:r>
-          </a:p>
-          <a:p>
-            <a:r>
-              <a:rPr lang="en-US" altLang="en-US" sz="2646"/>
-              <a:t>Use a semaphore initialized to 0</a:t>
-            </a:r>
-          </a:p>
-          <a:p>
-            <a:r>
-              <a:rPr lang="en-US" altLang="en-US" sz="2646"/>
-              <a:t>Use up() to notify P1 at the appropriate time</a:t>
-            </a:r>
-          </a:p>
-        </p:txBody>
-      </p:sp>
-      <p:sp>
-        <p:nvSpPr>
-          <p:cNvPr id="7" name="Footer Placeholder 4">
-            <a:extLst>
-              <a:ext uri="{FF2B5EF4-FFF2-40B4-BE49-F238E27FC236}">
-                <a16:creationId xmlns:a16="http://schemas.microsoft.com/office/drawing/2014/main" id="{1C1CA73E-1E55-D244-B89B-B72382873627}"/>
-              </a:ext>
-            </a:extLst>
-          </p:cNvPr>
-          <p:cNvSpPr>
-            <a:spLocks noGrp="1"/>
-          </p:cNvSpPr>
-          <p:nvPr>
-            <p:ph type="ftr" idx="11"/>
-          </p:nvPr>
-        </p:nvSpPr>
-        <p:spPr/>
-        <p:txBody>
-          <a:bodyPr/>
-          <a:lstStyle/>
-          <a:p>
-            <a:pPr marL="0" marR="0" lvl="0" indent="0" algn="ctr" defTabSz="1007943" rtl="0" eaLnBrk="1" fontAlgn="base" latinLnBrk="0" hangingPunct="0">
-              <a:lnSpc>
-                <a:spcPct val="100000"/>
-              </a:lnSpc>
-              <a:spcBef>
-                <a:spcPct val="0"/>
-              </a:spcBef>
-              <a:spcAft>
-                <a:spcPct val="0"/>
-              </a:spcAft>
-              <a:buClrTx/>
-              <a:buSzTx/>
-              <a:buFont typeface="Times New Roman" pitchFamily="16" charset="0"/>
-              <a:buNone/>
-              <a:tabLst>
-                <a:tab pos="0" algn="l"/>
-                <a:tab pos="457200" algn="l"/>
-                <a:tab pos="914400" algn="l"/>
-                <a:tab pos="1371600" algn="l"/>
-                <a:tab pos="1828800" algn="l"/>
-                <a:tab pos="2286000" algn="l"/>
-                <a:tab pos="2743200" algn="l"/>
-                <a:tab pos="3200400" algn="l"/>
-                <a:tab pos="3657600" algn="l"/>
-                <a:tab pos="4114800" algn="l"/>
-                <a:tab pos="4572000" algn="l"/>
-                <a:tab pos="5029200" algn="l"/>
-                <a:tab pos="5486400" algn="l"/>
-                <a:tab pos="5943600" algn="l"/>
-                <a:tab pos="6400800" algn="l"/>
-                <a:tab pos="6858000" algn="l"/>
-                <a:tab pos="7315200" algn="l"/>
-                <a:tab pos="7772400" algn="l"/>
-                <a:tab pos="8229600" algn="l"/>
-                <a:tab pos="8686800" algn="l"/>
-                <a:tab pos="9144000" algn="l"/>
-              </a:tabLst>
-              <a:defRPr/>
-            </a:pPr>
-            <a:r>
-              <a:rPr kumimoji="0" lang="en-US" altLang="en-US" sz="1400" b="0" i="0" u="none" strike="noStrike" kern="1200" cap="none" spc="0" normalizeH="0" baseline="0" noProof="0">
-                <a:ln>
-                  <a:noFill/>
-                </a:ln>
-                <a:solidFill>
-                  <a:srgbClr val="000000"/>
-                </a:solidFill>
-                <a:effectLst/>
-                <a:uLnTx/>
-                <a:uFillTx/>
-                <a:latin typeface="Arial"/>
-                <a:ea typeface="+mn-ea"/>
-                <a:cs typeface="Arial"/>
-              </a:rPr>
-              <a:t>CS/COE 1550 – Operating Systems – Sherif Khattab</a:t>
-            </a:r>
-          </a:p>
-        </p:txBody>
-      </p:sp>
-      <p:sp>
-        <p:nvSpPr>
-          <p:cNvPr id="8" name="Slide Number Placeholder 5">
-            <a:extLst>
-              <a:ext uri="{FF2B5EF4-FFF2-40B4-BE49-F238E27FC236}">
-                <a16:creationId xmlns:a16="http://schemas.microsoft.com/office/drawing/2014/main" id="{79E131D4-95F6-D248-9154-AE15F551EEE7}"/>
-              </a:ext>
-            </a:extLst>
-          </p:cNvPr>
-          <p:cNvSpPr>
-            <a:spLocks noGrp="1"/>
-          </p:cNvSpPr>
-          <p:nvPr>
-            <p:ph type="sldNum" idx="12"/>
-          </p:nvPr>
-        </p:nvSpPr>
-        <p:spPr/>
-        <p:txBody>
-          <a:bodyPr/>
-          <a:lstStyle/>
-          <a:p>
-            <a:pPr marL="0" marR="0" lvl="0" indent="0" algn="r" defTabSz="1007943" rtl="0" eaLnBrk="1" fontAlgn="base" latinLnBrk="0" hangingPunct="0">
-              <a:lnSpc>
-                <a:spcPct val="100000"/>
-              </a:lnSpc>
-              <a:spcBef>
-                <a:spcPct val="0"/>
-              </a:spcBef>
-              <a:spcAft>
-                <a:spcPct val="0"/>
-              </a:spcAft>
-              <a:buClrTx/>
-              <a:buSzTx/>
-              <a:buFont typeface="Times New Roman" panose="02020603050405020304" pitchFamily="18" charset="0"/>
-              <a:buNone/>
-              <a:tabLst/>
-              <a:defRPr/>
-            </a:pPr>
-            <a:fld id="{166D23BB-7175-8C4F-A270-BA0CD4EEFE55}" type="slidenum">
-              <a:rPr kumimoji="0" lang="en-US" altLang="en-US" sz="1400" b="0" i="0" u="none" strike="noStrike" kern="1200" cap="none" spc="0" normalizeH="0" baseline="0" noProof="0">
-                <a:ln>
-                  <a:noFill/>
-                </a:ln>
-                <a:solidFill>
-                  <a:srgbClr val="000000"/>
-                </a:solidFill>
-                <a:effectLst/>
-                <a:uLnTx/>
-                <a:uFillTx/>
-                <a:latin typeface="Arial"/>
-                <a:ea typeface="+mn-ea"/>
-                <a:cs typeface="Arial"/>
-              </a:rPr>
-              <a:pPr marL="0" marR="0" lvl="0" indent="0" algn="r" defTabSz="1007943" rtl="0" eaLnBrk="1" fontAlgn="base" latinLnBrk="0" hangingPunct="0">
-                <a:lnSpc>
-                  <a:spcPct val="100000"/>
-                </a:lnSpc>
-                <a:spcBef>
-                  <a:spcPct val="0"/>
-                </a:spcBef>
-                <a:spcAft>
-                  <a:spcPct val="0"/>
-                </a:spcAft>
-                <a:buClrTx/>
-                <a:buSzTx/>
-                <a:buFont typeface="Times New Roman" panose="02020603050405020304" pitchFamily="18" charset="0"/>
-                <a:buNone/>
-                <a:tabLst/>
-                <a:defRPr/>
-              </a:pPr>
-              <a:t>8</a:t>
-            </a:fld>
-            <a:endParaRPr kumimoji="0" lang="en-US" altLang="en-US" sz="1400" b="0" i="0" u="none" strike="noStrike" kern="1200" cap="none" spc="0" normalizeH="0" baseline="0" noProof="0">
-              <a:ln>
-                <a:noFill/>
-              </a:ln>
-              <a:solidFill>
-                <a:srgbClr val="000000"/>
-              </a:solidFill>
-              <a:effectLst/>
-              <a:uLnTx/>
-              <a:uFillTx/>
-              <a:latin typeface="Arial"/>
-              <a:ea typeface="+mn-ea"/>
-              <a:cs typeface="Arial"/>
-            </a:endParaRPr>
-          </a:p>
-        </p:txBody>
-      </p:sp>
-      <p:sp>
-        <p:nvSpPr>
-          <p:cNvPr id="103426" name="Text Box 2">
-            <a:extLst>
-              <a:ext uri="{FF2B5EF4-FFF2-40B4-BE49-F238E27FC236}">
-                <a16:creationId xmlns:a16="http://schemas.microsoft.com/office/drawing/2014/main" id="{716C1A1D-15C4-9640-B5E6-336D2DEC9050}"/>
-              </a:ext>
-            </a:extLst>
-          </p:cNvPr>
-          <p:cNvSpPr txBox="1">
-            <a:spLocks noChangeArrowheads="1"/>
-          </p:cNvSpPr>
-          <p:nvPr/>
-        </p:nvSpPr>
-        <p:spPr bwMode="auto">
-          <a:xfrm>
-            <a:off x="800245" y="4567304"/>
-            <a:ext cx="4240067" cy="1928443"/>
-          </a:xfrm>
-          <a:prstGeom prst="rect">
-            <a:avLst/>
-          </a:prstGeom>
-          <a:noFill/>
-          <a:ln w="6350">
-            <a:solidFill>
-              <a:schemeClr val="tx1"/>
-            </a:solidFill>
-            <a:miter lim="800000"/>
-            <a:headEnd/>
-            <a:tailEnd/>
-          </a:ln>
-          <a:effectLst/>
-          <a:extLst>
-            <a:ext uri="{909E8E84-426E-40DD-AFC4-6F175D3DCCD1}">
-              <a14:hiddenFill xmlns:a14="http://schemas.microsoft.com/office/drawing/2010/main">
-                <a:solidFill>
-                  <a:schemeClr val="accent1"/>
-                </a:solidFill>
-              </a14:hiddenFill>
-            </a:ext>
-            <a:ext uri="{AF507438-7753-43E0-B8FC-AC1667EBCBE1}">
-              <a14:hiddenEffects xmlns:a14="http://schemas.microsoft.com/office/drawing/2010/main">
-                <a:effectLst>
-                  <a:outerShdw dist="35921" dir="2700000" algn="ctr" rotWithShape="0">
-                    <a:schemeClr val="bg2"/>
-                  </a:outerShdw>
-                </a:effectLst>
-              </a14:hiddenEffects>
-            </a:ext>
-          </a:extLst>
-        </p:spPr>
-        <p:txBody>
-          <a:bodyPr lIns="95343" tIns="47672" rIns="95343" bIns="47672">
-            <a:spAutoFit/>
-          </a:bodyPr>
-          <a:lstStyle>
-            <a:lvl1pPr defTabSz="865188">
-              <a:defRPr sz="2400">
-                <a:solidFill>
-                  <a:schemeClr val="tx1"/>
-                </a:solidFill>
-                <a:latin typeface="Times" pitchFamily="2" charset="0"/>
-              </a:defRPr>
-            </a:lvl1pPr>
-            <a:lvl2pPr marL="431800" defTabSz="865188">
-              <a:defRPr sz="2400">
-                <a:solidFill>
-                  <a:schemeClr val="tx1"/>
-                </a:solidFill>
-                <a:latin typeface="Times" pitchFamily="2" charset="0"/>
-              </a:defRPr>
-            </a:lvl2pPr>
-            <a:lvl3pPr marL="865188" defTabSz="865188">
-              <a:defRPr sz="2400">
-                <a:solidFill>
-                  <a:schemeClr val="tx1"/>
-                </a:solidFill>
-                <a:latin typeface="Times" pitchFamily="2" charset="0"/>
-              </a:defRPr>
-            </a:lvl3pPr>
-            <a:lvl4pPr marL="1296988" defTabSz="865188">
-              <a:defRPr sz="2400">
-                <a:solidFill>
-                  <a:schemeClr val="tx1"/>
-                </a:solidFill>
-                <a:latin typeface="Times" pitchFamily="2" charset="0"/>
-              </a:defRPr>
-            </a:lvl4pPr>
-            <a:lvl5pPr marL="1730375" defTabSz="865188">
-              <a:defRPr sz="2400">
-                <a:solidFill>
-                  <a:schemeClr val="tx1"/>
-                </a:solidFill>
-                <a:latin typeface="Times" pitchFamily="2" charset="0"/>
-              </a:defRPr>
-            </a:lvl5pPr>
-            <a:lvl6pPr marL="2187575" defTabSz="865188" eaLnBrk="0" fontAlgn="base" hangingPunct="0">
-              <a:spcBef>
-                <a:spcPct val="0"/>
-              </a:spcBef>
-              <a:spcAft>
-                <a:spcPct val="0"/>
-              </a:spcAft>
-              <a:defRPr sz="2400">
-                <a:solidFill>
-                  <a:schemeClr val="tx1"/>
-                </a:solidFill>
-                <a:latin typeface="Times" pitchFamily="2" charset="0"/>
-              </a:defRPr>
-            </a:lvl6pPr>
-            <a:lvl7pPr marL="2644775" defTabSz="865188" eaLnBrk="0" fontAlgn="base" hangingPunct="0">
-              <a:spcBef>
-                <a:spcPct val="0"/>
-              </a:spcBef>
-              <a:spcAft>
-                <a:spcPct val="0"/>
-              </a:spcAft>
-              <a:defRPr sz="2400">
-                <a:solidFill>
-                  <a:schemeClr val="tx1"/>
-                </a:solidFill>
-                <a:latin typeface="Times" pitchFamily="2" charset="0"/>
-              </a:defRPr>
-            </a:lvl7pPr>
-            <a:lvl8pPr marL="3101975" defTabSz="865188" eaLnBrk="0" fontAlgn="base" hangingPunct="0">
-              <a:spcBef>
-                <a:spcPct val="0"/>
-              </a:spcBef>
-              <a:spcAft>
-                <a:spcPct val="0"/>
-              </a:spcAft>
-              <a:defRPr sz="2400">
-                <a:solidFill>
-                  <a:schemeClr val="tx1"/>
-                </a:solidFill>
-                <a:latin typeface="Times" pitchFamily="2" charset="0"/>
-              </a:defRPr>
-            </a:lvl8pPr>
-            <a:lvl9pPr marL="3559175" defTabSz="865188" eaLnBrk="0" fontAlgn="base" hangingPunct="0">
-              <a:spcBef>
-                <a:spcPct val="0"/>
-              </a:spcBef>
-              <a:spcAft>
-                <a:spcPct val="0"/>
-              </a:spcAft>
-              <a:defRPr sz="2400">
-                <a:solidFill>
-                  <a:schemeClr val="tx1"/>
-                </a:solidFill>
-                <a:latin typeface="Times" pitchFamily="2" charset="0"/>
-              </a:defRPr>
-            </a:lvl9pPr>
-          </a:lstStyle>
-          <a:p>
-            <a:pPr marL="0" marR="0" lvl="0" indent="0" algn="l" defTabSz="953697" rtl="0" eaLnBrk="0" fontAlgn="base" latinLnBrk="0" hangingPunct="0">
-              <a:lnSpc>
-                <a:spcPct val="100000"/>
-              </a:lnSpc>
-              <a:spcBef>
-                <a:spcPct val="0"/>
-              </a:spcBef>
-              <a:spcAft>
-                <a:spcPct val="0"/>
-              </a:spcAft>
-              <a:buClrTx/>
-              <a:buSzTx/>
-              <a:buFont typeface="Times New Roman" panose="02020603050405020304" pitchFamily="18" charset="0"/>
-              <a:buNone/>
-              <a:tabLst/>
-              <a:defRPr/>
-            </a:pPr>
-            <a:r>
-              <a:rPr kumimoji="0" lang="en-US" altLang="en-US" sz="2535" b="0" i="0" u="none" strike="noStrike" kern="1200" cap="none" spc="0" normalizeH="0" baseline="0" noProof="0">
-                <a:ln>
-                  <a:noFill/>
-                </a:ln>
-                <a:solidFill>
-                  <a:srgbClr val="000000"/>
-                </a:solidFill>
-                <a:effectLst/>
-                <a:uLnTx/>
-                <a:uFillTx/>
-                <a:latin typeface="Times" pitchFamily="2" charset="0"/>
-                <a:ea typeface="+mn-ea"/>
-                <a:cs typeface="Arial"/>
-              </a:rPr>
-              <a:t>Process P</a:t>
-            </a:r>
-            <a:r>
-              <a:rPr kumimoji="0" lang="en-US" altLang="en-US" sz="2535" b="0" i="0" u="none" strike="noStrike" kern="1200" cap="none" spc="0" normalizeH="0" baseline="-25000" noProof="0">
-                <a:ln>
-                  <a:noFill/>
-                </a:ln>
-                <a:solidFill>
-                  <a:srgbClr val="000000"/>
-                </a:solidFill>
-                <a:effectLst/>
-                <a:uLnTx/>
-                <a:uFillTx/>
-                <a:latin typeface="Times" pitchFamily="2" charset="0"/>
-                <a:ea typeface="+mn-ea"/>
-                <a:cs typeface="Arial"/>
-              </a:rPr>
-              <a:t>0</a:t>
-            </a:r>
-            <a:endParaRPr kumimoji="0" lang="en-US" altLang="en-US" sz="1874" b="0" i="0" u="none" strike="noStrike" kern="1200" cap="none" spc="0" normalizeH="0" baseline="0" noProof="0">
-              <a:ln>
-                <a:noFill/>
-              </a:ln>
-              <a:solidFill>
-                <a:srgbClr val="000000"/>
-              </a:solidFill>
-              <a:effectLst/>
-              <a:uLnTx/>
-              <a:uFillTx/>
-              <a:latin typeface="Courier" pitchFamily="2" charset="0"/>
-              <a:ea typeface="+mn-ea"/>
-              <a:cs typeface="Arial"/>
-            </a:endParaRPr>
-          </a:p>
-          <a:p>
-            <a:pPr marL="0" marR="0" lvl="0" indent="0" algn="l" defTabSz="953697" rtl="0" eaLnBrk="0" fontAlgn="base" latinLnBrk="0" hangingPunct="0">
-              <a:lnSpc>
-                <a:spcPct val="100000"/>
-              </a:lnSpc>
-              <a:spcBef>
-                <a:spcPct val="0"/>
-              </a:spcBef>
-              <a:spcAft>
-                <a:spcPct val="0"/>
-              </a:spcAft>
-              <a:buClrTx/>
-              <a:buSzTx/>
-              <a:buFont typeface="Times New Roman" panose="02020603050405020304" pitchFamily="18" charset="0"/>
-              <a:buNone/>
-              <a:tabLst/>
-              <a:defRPr/>
-            </a:pPr>
-            <a:r>
-              <a:rPr kumimoji="0" lang="en-US" altLang="en-US" sz="1874" b="0" i="0" u="none" strike="noStrike" kern="1200" cap="none" spc="0" normalizeH="0" baseline="0" noProof="0">
-                <a:ln>
-                  <a:noFill/>
-                </a:ln>
-                <a:solidFill>
-                  <a:srgbClr val="000000"/>
-                </a:solidFill>
-                <a:effectLst/>
-                <a:uLnTx/>
-                <a:uFillTx/>
-                <a:latin typeface="Courier" pitchFamily="2" charset="0"/>
-                <a:ea typeface="+mn-ea"/>
-                <a:cs typeface="Arial"/>
-              </a:rPr>
-              <a:t>   .</a:t>
-            </a:r>
-          </a:p>
-          <a:p>
-            <a:pPr marL="0" marR="0" lvl="0" indent="0" algn="l" defTabSz="953697" rtl="0" eaLnBrk="0" fontAlgn="base" latinLnBrk="0" hangingPunct="0">
-              <a:lnSpc>
-                <a:spcPct val="100000"/>
-              </a:lnSpc>
-              <a:spcBef>
-                <a:spcPct val="0"/>
-              </a:spcBef>
-              <a:spcAft>
-                <a:spcPct val="0"/>
-              </a:spcAft>
-              <a:buClrTx/>
-              <a:buSzTx/>
-              <a:buFont typeface="Times New Roman" panose="02020603050405020304" pitchFamily="18" charset="0"/>
-              <a:buNone/>
-              <a:tabLst/>
-              <a:defRPr/>
-            </a:pPr>
-            <a:r>
-              <a:rPr kumimoji="0" lang="en-US" altLang="en-US" sz="1874" b="0" i="0" u="none" strike="noStrike" kern="1200" cap="none" spc="0" normalizeH="0" baseline="0" noProof="0">
-                <a:ln>
-                  <a:noFill/>
-                </a:ln>
-                <a:solidFill>
-                  <a:srgbClr val="000000"/>
-                </a:solidFill>
-                <a:effectLst/>
-                <a:uLnTx/>
-                <a:uFillTx/>
-                <a:latin typeface="Courier" pitchFamily="2" charset="0"/>
-                <a:ea typeface="+mn-ea"/>
-                <a:cs typeface="Arial"/>
-              </a:rPr>
-              <a:t>   .</a:t>
-            </a:r>
-          </a:p>
-          <a:p>
-            <a:pPr marL="0" marR="0" lvl="0" indent="0" algn="l" defTabSz="953697" rtl="0" eaLnBrk="0" fontAlgn="base" latinLnBrk="0" hangingPunct="0">
-              <a:lnSpc>
-                <a:spcPct val="100000"/>
-              </a:lnSpc>
-              <a:spcBef>
-                <a:spcPct val="0"/>
-              </a:spcBef>
-              <a:spcAft>
-                <a:spcPct val="0"/>
-              </a:spcAft>
-              <a:buClrTx/>
-              <a:buSzTx/>
-              <a:buFont typeface="Times New Roman" panose="02020603050405020304" pitchFamily="18" charset="0"/>
-              <a:buNone/>
-              <a:tabLst/>
-              <a:defRPr/>
-            </a:pPr>
-            <a:r>
-              <a:rPr kumimoji="0" lang="en-US" altLang="en-US" sz="1874" b="0" i="0" u="none" strike="noStrike" kern="1200" cap="none" spc="0" normalizeH="0" baseline="0" noProof="0">
-                <a:ln>
-                  <a:noFill/>
-                </a:ln>
-                <a:solidFill>
-                  <a:srgbClr val="000000"/>
-                </a:solidFill>
-                <a:effectLst/>
-                <a:uLnTx/>
-                <a:uFillTx/>
-                <a:latin typeface="Courier" pitchFamily="2" charset="0"/>
-                <a:ea typeface="+mn-ea"/>
-                <a:cs typeface="Arial"/>
-              </a:rPr>
-              <a:t>   .</a:t>
-            </a:r>
-          </a:p>
-          <a:p>
-            <a:pPr marL="0" marR="0" lvl="0" indent="0" algn="l" defTabSz="953697" rtl="0" eaLnBrk="0" fontAlgn="base" latinLnBrk="0" hangingPunct="0">
-              <a:lnSpc>
-                <a:spcPct val="100000"/>
-              </a:lnSpc>
-              <a:spcBef>
-                <a:spcPct val="0"/>
-              </a:spcBef>
-              <a:spcAft>
-                <a:spcPct val="0"/>
-              </a:spcAft>
-              <a:buClrTx/>
-              <a:buSzTx/>
-              <a:buFont typeface="Times New Roman" panose="02020603050405020304" pitchFamily="18" charset="0"/>
-              <a:buNone/>
-              <a:tabLst/>
-              <a:defRPr/>
-            </a:pPr>
-            <a:r>
-              <a:rPr kumimoji="0" lang="en-US" altLang="en-US" sz="1874" b="0" i="0" u="none" strike="noStrike" kern="1200" cap="none" spc="0" normalizeH="0" baseline="0" noProof="0">
-                <a:ln>
-                  <a:noFill/>
-                </a:ln>
-                <a:solidFill>
-                  <a:srgbClr val="000000"/>
-                </a:solidFill>
-                <a:effectLst/>
-                <a:uLnTx/>
-                <a:uFillTx/>
-                <a:latin typeface="Courier" pitchFamily="2" charset="0"/>
-                <a:ea typeface="+mn-ea"/>
-                <a:cs typeface="Arial"/>
-              </a:rPr>
-              <a:t>// Execute code for A</a:t>
-            </a:r>
-          </a:p>
-          <a:p>
-            <a:pPr marL="0" marR="0" lvl="0" indent="0" algn="l" defTabSz="953697" rtl="0" eaLnBrk="0" fontAlgn="base" latinLnBrk="0" hangingPunct="0">
-              <a:lnSpc>
-                <a:spcPct val="100000"/>
-              </a:lnSpc>
-              <a:spcBef>
-                <a:spcPct val="0"/>
-              </a:spcBef>
-              <a:spcAft>
-                <a:spcPct val="0"/>
-              </a:spcAft>
-              <a:buClrTx/>
-              <a:buSzTx/>
-              <a:buFont typeface="Times New Roman" panose="02020603050405020304" pitchFamily="18" charset="0"/>
-              <a:buNone/>
-              <a:tabLst/>
-              <a:defRPr/>
-            </a:pPr>
-            <a:r>
-              <a:rPr kumimoji="0" lang="en-US" altLang="en-US" sz="1874" b="0" i="0" u="none" strike="noStrike" kern="1200" cap="none" spc="0" normalizeH="0" baseline="0" noProof="0">
-                <a:ln>
-                  <a:noFill/>
-                </a:ln>
-                <a:solidFill>
-                  <a:srgbClr val="000000"/>
-                </a:solidFill>
-                <a:effectLst/>
-                <a:uLnTx/>
-                <a:uFillTx/>
-                <a:latin typeface="Courier" pitchFamily="2" charset="0"/>
-                <a:ea typeface="+mn-ea"/>
-                <a:cs typeface="Arial"/>
-              </a:rPr>
-              <a:t>flag.up ();</a:t>
-            </a:r>
-          </a:p>
-        </p:txBody>
-      </p:sp>
-      <p:sp>
-        <p:nvSpPr>
-          <p:cNvPr id="103427" name="Text Box 3">
-            <a:extLst>
-              <a:ext uri="{FF2B5EF4-FFF2-40B4-BE49-F238E27FC236}">
-                <a16:creationId xmlns:a16="http://schemas.microsoft.com/office/drawing/2014/main" id="{3195CB6A-75F9-E044-B429-462724B01BFC}"/>
-              </a:ext>
-            </a:extLst>
-          </p:cNvPr>
-          <p:cNvSpPr txBox="1">
-            <a:spLocks noChangeArrowheads="1"/>
-          </p:cNvSpPr>
-          <p:nvPr/>
-        </p:nvSpPr>
-        <p:spPr bwMode="auto">
-          <a:xfrm>
-            <a:off x="5199556" y="4567304"/>
-            <a:ext cx="4240067" cy="1928443"/>
-          </a:xfrm>
-          <a:prstGeom prst="rect">
-            <a:avLst/>
-          </a:prstGeom>
-          <a:noFill/>
-          <a:ln w="6350">
-            <a:solidFill>
-              <a:schemeClr val="tx1"/>
-            </a:solidFill>
-            <a:miter lim="800000"/>
-            <a:headEnd/>
-            <a:tailEnd/>
-          </a:ln>
-          <a:effectLst/>
-          <a:extLst>
-            <a:ext uri="{909E8E84-426E-40DD-AFC4-6F175D3DCCD1}">
-              <a14:hiddenFill xmlns:a14="http://schemas.microsoft.com/office/drawing/2010/main">
-                <a:solidFill>
-                  <a:schemeClr val="accent1"/>
-                </a:solidFill>
-              </a14:hiddenFill>
-            </a:ext>
-            <a:ext uri="{AF507438-7753-43E0-B8FC-AC1667EBCBE1}">
-              <a14:hiddenEffects xmlns:a14="http://schemas.microsoft.com/office/drawing/2010/main">
-                <a:effectLst>
-                  <a:outerShdw dist="35921" dir="2700000" algn="ctr" rotWithShape="0">
-                    <a:schemeClr val="bg2"/>
-                  </a:outerShdw>
-                </a:effectLst>
-              </a14:hiddenEffects>
-            </a:ext>
-          </a:extLst>
-        </p:spPr>
-        <p:txBody>
-          <a:bodyPr lIns="95343" tIns="47672" rIns="95343" bIns="47672">
-            <a:spAutoFit/>
-          </a:bodyPr>
-          <a:lstStyle>
-            <a:lvl1pPr defTabSz="865188">
-              <a:defRPr sz="2400">
-                <a:solidFill>
-                  <a:schemeClr val="tx1"/>
-                </a:solidFill>
-                <a:latin typeface="Times" pitchFamily="2" charset="0"/>
-              </a:defRPr>
-            </a:lvl1pPr>
-            <a:lvl2pPr marL="431800" defTabSz="865188">
-              <a:defRPr sz="2400">
-                <a:solidFill>
-                  <a:schemeClr val="tx1"/>
-                </a:solidFill>
-                <a:latin typeface="Times" pitchFamily="2" charset="0"/>
-              </a:defRPr>
-            </a:lvl2pPr>
-            <a:lvl3pPr marL="865188" defTabSz="865188">
-              <a:defRPr sz="2400">
-                <a:solidFill>
-                  <a:schemeClr val="tx1"/>
-                </a:solidFill>
-                <a:latin typeface="Times" pitchFamily="2" charset="0"/>
-              </a:defRPr>
-            </a:lvl3pPr>
-            <a:lvl4pPr marL="1296988" defTabSz="865188">
-              <a:defRPr sz="2400">
-                <a:solidFill>
-                  <a:schemeClr val="tx1"/>
-                </a:solidFill>
-                <a:latin typeface="Times" pitchFamily="2" charset="0"/>
-              </a:defRPr>
-            </a:lvl4pPr>
-            <a:lvl5pPr marL="1730375" defTabSz="865188">
-              <a:defRPr sz="2400">
-                <a:solidFill>
-                  <a:schemeClr val="tx1"/>
-                </a:solidFill>
-                <a:latin typeface="Times" pitchFamily="2" charset="0"/>
-              </a:defRPr>
-            </a:lvl5pPr>
-            <a:lvl6pPr marL="2187575" defTabSz="865188" eaLnBrk="0" fontAlgn="base" hangingPunct="0">
-              <a:spcBef>
-                <a:spcPct val="0"/>
-              </a:spcBef>
-              <a:spcAft>
-                <a:spcPct val="0"/>
-              </a:spcAft>
-              <a:defRPr sz="2400">
-                <a:solidFill>
-                  <a:schemeClr val="tx1"/>
-                </a:solidFill>
-                <a:latin typeface="Times" pitchFamily="2" charset="0"/>
-              </a:defRPr>
-            </a:lvl6pPr>
-            <a:lvl7pPr marL="2644775" defTabSz="865188" eaLnBrk="0" fontAlgn="base" hangingPunct="0">
-              <a:spcBef>
-                <a:spcPct val="0"/>
-              </a:spcBef>
-              <a:spcAft>
-                <a:spcPct val="0"/>
-              </a:spcAft>
-              <a:defRPr sz="2400">
-                <a:solidFill>
-                  <a:schemeClr val="tx1"/>
-                </a:solidFill>
-                <a:latin typeface="Times" pitchFamily="2" charset="0"/>
-              </a:defRPr>
-            </a:lvl7pPr>
-            <a:lvl8pPr marL="3101975" defTabSz="865188" eaLnBrk="0" fontAlgn="base" hangingPunct="0">
-              <a:spcBef>
-                <a:spcPct val="0"/>
-              </a:spcBef>
-              <a:spcAft>
-                <a:spcPct val="0"/>
-              </a:spcAft>
-              <a:defRPr sz="2400">
-                <a:solidFill>
-                  <a:schemeClr val="tx1"/>
-                </a:solidFill>
-                <a:latin typeface="Times" pitchFamily="2" charset="0"/>
-              </a:defRPr>
-            </a:lvl8pPr>
-            <a:lvl9pPr marL="3559175" defTabSz="865188" eaLnBrk="0" fontAlgn="base" hangingPunct="0">
-              <a:spcBef>
-                <a:spcPct val="0"/>
-              </a:spcBef>
-              <a:spcAft>
-                <a:spcPct val="0"/>
-              </a:spcAft>
-              <a:defRPr sz="2400">
-                <a:solidFill>
-                  <a:schemeClr val="tx1"/>
-                </a:solidFill>
-                <a:latin typeface="Times" pitchFamily="2" charset="0"/>
-              </a:defRPr>
-            </a:lvl9pPr>
-          </a:lstStyle>
-          <a:p>
-            <a:pPr marL="0" marR="0" lvl="0" indent="0" algn="l" defTabSz="953697" rtl="0" eaLnBrk="0" fontAlgn="base" latinLnBrk="0" hangingPunct="0">
-              <a:lnSpc>
-                <a:spcPct val="100000"/>
-              </a:lnSpc>
-              <a:spcBef>
-                <a:spcPct val="0"/>
-              </a:spcBef>
-              <a:spcAft>
-                <a:spcPct val="0"/>
-              </a:spcAft>
-              <a:buClrTx/>
-              <a:buSzTx/>
-              <a:buFont typeface="Times New Roman" panose="02020603050405020304" pitchFamily="18" charset="0"/>
-              <a:buNone/>
-              <a:tabLst/>
-              <a:defRPr/>
-            </a:pPr>
-            <a:r>
-              <a:rPr kumimoji="0" lang="en-US" altLang="en-US" sz="2535" b="0" i="0" u="none" strike="noStrike" kern="1200" cap="none" spc="0" normalizeH="0" baseline="0" noProof="0">
-                <a:ln>
-                  <a:noFill/>
-                </a:ln>
-                <a:solidFill>
-                  <a:srgbClr val="000000"/>
-                </a:solidFill>
-                <a:effectLst/>
-                <a:uLnTx/>
-                <a:uFillTx/>
-                <a:latin typeface="Times" pitchFamily="2" charset="0"/>
-                <a:ea typeface="+mn-ea"/>
-                <a:cs typeface="Arial"/>
-              </a:rPr>
-              <a:t>Process P</a:t>
-            </a:r>
-            <a:r>
-              <a:rPr kumimoji="0" lang="en-US" altLang="en-US" sz="2535" b="0" i="0" u="none" strike="noStrike" kern="1200" cap="none" spc="0" normalizeH="0" baseline="-25000" noProof="0">
-                <a:ln>
-                  <a:noFill/>
-                </a:ln>
-                <a:solidFill>
-                  <a:srgbClr val="000000"/>
-                </a:solidFill>
-                <a:effectLst/>
-                <a:uLnTx/>
-                <a:uFillTx/>
-                <a:latin typeface="Times" pitchFamily="2" charset="0"/>
-                <a:ea typeface="+mn-ea"/>
-                <a:cs typeface="Arial"/>
-              </a:rPr>
-              <a:t>1</a:t>
-            </a:r>
-            <a:endParaRPr kumimoji="0" lang="en-US" altLang="en-US" sz="1874" b="0" i="0" u="none" strike="noStrike" kern="1200" cap="none" spc="0" normalizeH="0" baseline="0" noProof="0">
-              <a:ln>
-                <a:noFill/>
-              </a:ln>
-              <a:solidFill>
-                <a:srgbClr val="000000"/>
-              </a:solidFill>
-              <a:effectLst/>
-              <a:uLnTx/>
-              <a:uFillTx/>
-              <a:latin typeface="Courier" pitchFamily="2" charset="0"/>
-              <a:ea typeface="+mn-ea"/>
-              <a:cs typeface="Arial"/>
-            </a:endParaRPr>
-          </a:p>
-          <a:p>
-            <a:pPr marL="0" marR="0" lvl="0" indent="0" algn="l" defTabSz="953697" rtl="0" eaLnBrk="0" fontAlgn="base" latinLnBrk="0" hangingPunct="0">
-              <a:lnSpc>
-                <a:spcPct val="100000"/>
-              </a:lnSpc>
-              <a:spcBef>
-                <a:spcPct val="0"/>
-              </a:spcBef>
-              <a:spcAft>
-                <a:spcPct val="0"/>
-              </a:spcAft>
-              <a:buClrTx/>
-              <a:buSzTx/>
-              <a:buFont typeface="Times New Roman" panose="02020603050405020304" pitchFamily="18" charset="0"/>
-              <a:buNone/>
-              <a:tabLst/>
-              <a:defRPr/>
-            </a:pPr>
-            <a:r>
-              <a:rPr kumimoji="0" lang="en-US" altLang="en-US" sz="1874" b="0" i="0" u="none" strike="noStrike" kern="1200" cap="none" spc="0" normalizeH="0" baseline="0" noProof="0">
-                <a:ln>
-                  <a:noFill/>
-                </a:ln>
-                <a:solidFill>
-                  <a:srgbClr val="000000"/>
-                </a:solidFill>
-                <a:effectLst/>
-                <a:uLnTx/>
-                <a:uFillTx/>
-                <a:latin typeface="Courier" pitchFamily="2" charset="0"/>
-                <a:ea typeface="+mn-ea"/>
-                <a:cs typeface="Arial"/>
-              </a:rPr>
-              <a:t>   .</a:t>
-            </a:r>
-          </a:p>
-          <a:p>
-            <a:pPr marL="0" marR="0" lvl="0" indent="0" algn="l" defTabSz="953697" rtl="0" eaLnBrk="0" fontAlgn="base" latinLnBrk="0" hangingPunct="0">
-              <a:lnSpc>
-                <a:spcPct val="100000"/>
-              </a:lnSpc>
-              <a:spcBef>
-                <a:spcPct val="0"/>
-              </a:spcBef>
-              <a:spcAft>
-                <a:spcPct val="0"/>
-              </a:spcAft>
-              <a:buClrTx/>
-              <a:buSzTx/>
-              <a:buFont typeface="Times New Roman" panose="02020603050405020304" pitchFamily="18" charset="0"/>
-              <a:buNone/>
-              <a:tabLst/>
-              <a:defRPr/>
-            </a:pPr>
-            <a:r>
-              <a:rPr kumimoji="0" lang="en-US" altLang="en-US" sz="1874" b="0" i="0" u="none" strike="noStrike" kern="1200" cap="none" spc="0" normalizeH="0" baseline="0" noProof="0">
-                <a:ln>
-                  <a:noFill/>
-                </a:ln>
-                <a:solidFill>
-                  <a:srgbClr val="000000"/>
-                </a:solidFill>
-                <a:effectLst/>
-                <a:uLnTx/>
-                <a:uFillTx/>
-                <a:latin typeface="Courier" pitchFamily="2" charset="0"/>
-                <a:ea typeface="+mn-ea"/>
-                <a:cs typeface="Arial"/>
-              </a:rPr>
-              <a:t>   .</a:t>
-            </a:r>
-          </a:p>
-          <a:p>
-            <a:pPr marL="0" marR="0" lvl="0" indent="0" algn="l" defTabSz="953697" rtl="0" eaLnBrk="0" fontAlgn="base" latinLnBrk="0" hangingPunct="0">
-              <a:lnSpc>
-                <a:spcPct val="100000"/>
-              </a:lnSpc>
-              <a:spcBef>
-                <a:spcPct val="0"/>
-              </a:spcBef>
-              <a:spcAft>
-                <a:spcPct val="0"/>
-              </a:spcAft>
-              <a:buClrTx/>
-              <a:buSzTx/>
-              <a:buFont typeface="Times New Roman" panose="02020603050405020304" pitchFamily="18" charset="0"/>
-              <a:buNone/>
-              <a:tabLst/>
-              <a:defRPr/>
-            </a:pPr>
-            <a:r>
-              <a:rPr kumimoji="0" lang="en-US" altLang="en-US" sz="1874" b="0" i="0" u="none" strike="noStrike" kern="1200" cap="none" spc="0" normalizeH="0" baseline="0" noProof="0">
-                <a:ln>
-                  <a:noFill/>
-                </a:ln>
-                <a:solidFill>
-                  <a:srgbClr val="000000"/>
-                </a:solidFill>
-                <a:effectLst/>
-                <a:uLnTx/>
-                <a:uFillTx/>
-                <a:latin typeface="Courier" pitchFamily="2" charset="0"/>
-                <a:ea typeface="+mn-ea"/>
-                <a:cs typeface="Arial"/>
-              </a:rPr>
-              <a:t>   .</a:t>
-            </a:r>
-          </a:p>
-          <a:p>
-            <a:pPr marL="0" marR="0" lvl="0" indent="0" algn="l" defTabSz="953697" rtl="0" eaLnBrk="0" fontAlgn="base" latinLnBrk="0" hangingPunct="0">
-              <a:lnSpc>
-                <a:spcPct val="100000"/>
-              </a:lnSpc>
-              <a:spcBef>
-                <a:spcPct val="0"/>
-              </a:spcBef>
-              <a:spcAft>
-                <a:spcPct val="0"/>
-              </a:spcAft>
-              <a:buClrTx/>
-              <a:buSzTx/>
-              <a:buFont typeface="Times New Roman" panose="02020603050405020304" pitchFamily="18" charset="0"/>
-              <a:buNone/>
-              <a:tabLst/>
-              <a:defRPr/>
-            </a:pPr>
-            <a:r>
-              <a:rPr kumimoji="0" lang="en-US" altLang="en-US" sz="1874" b="0" i="0" u="none" strike="noStrike" kern="1200" cap="none" spc="0" normalizeH="0" baseline="0" noProof="0">
-                <a:ln>
-                  <a:noFill/>
-                </a:ln>
-                <a:solidFill>
-                  <a:srgbClr val="000000"/>
-                </a:solidFill>
-                <a:effectLst/>
-                <a:uLnTx/>
-                <a:uFillTx/>
-                <a:latin typeface="Courier" pitchFamily="2" charset="0"/>
-                <a:ea typeface="+mn-ea"/>
-                <a:cs typeface="Arial"/>
-              </a:rPr>
-              <a:t>flag.down ();</a:t>
-            </a:r>
-          </a:p>
-          <a:p>
-            <a:pPr marL="0" marR="0" lvl="0" indent="0" algn="l" defTabSz="953697" rtl="0" eaLnBrk="0" fontAlgn="base" latinLnBrk="0" hangingPunct="0">
-              <a:lnSpc>
-                <a:spcPct val="100000"/>
-              </a:lnSpc>
-              <a:spcBef>
-                <a:spcPct val="0"/>
-              </a:spcBef>
-              <a:spcAft>
-                <a:spcPct val="0"/>
-              </a:spcAft>
-              <a:buClrTx/>
-              <a:buSzTx/>
-              <a:buFont typeface="Times New Roman" panose="02020603050405020304" pitchFamily="18" charset="0"/>
-              <a:buNone/>
-              <a:tabLst/>
-              <a:defRPr/>
-            </a:pPr>
-            <a:r>
-              <a:rPr kumimoji="0" lang="en-US" altLang="en-US" sz="1874" b="0" i="0" u="none" strike="noStrike" kern="1200" cap="none" spc="0" normalizeH="0" baseline="0" noProof="0">
-                <a:ln>
-                  <a:noFill/>
-                </a:ln>
-                <a:solidFill>
-                  <a:srgbClr val="000000"/>
-                </a:solidFill>
-                <a:effectLst/>
-                <a:uLnTx/>
-                <a:uFillTx/>
-                <a:latin typeface="Courier" pitchFamily="2" charset="0"/>
-                <a:ea typeface="+mn-ea"/>
-                <a:cs typeface="Arial"/>
-              </a:rPr>
-              <a:t>// Execute code for B</a:t>
-            </a:r>
-          </a:p>
-        </p:txBody>
-      </p:sp>
-      <p:sp>
-        <p:nvSpPr>
-          <p:cNvPr id="103428" name="Text Box 4">
-            <a:extLst>
-              <a:ext uri="{FF2B5EF4-FFF2-40B4-BE49-F238E27FC236}">
-                <a16:creationId xmlns:a16="http://schemas.microsoft.com/office/drawing/2014/main" id="{A91BC9E7-33A1-9347-899F-CCEFE80B5E85}"/>
-              </a:ext>
-            </a:extLst>
-          </p:cNvPr>
-          <p:cNvSpPr txBox="1">
-            <a:spLocks noChangeArrowheads="1"/>
-          </p:cNvSpPr>
-          <p:nvPr/>
-        </p:nvSpPr>
-        <p:spPr bwMode="auto">
-          <a:xfrm>
-            <a:off x="2880906" y="3149864"/>
-            <a:ext cx="4240068" cy="1063206"/>
-          </a:xfrm>
-          <a:prstGeom prst="rect">
-            <a:avLst/>
-          </a:prstGeom>
-          <a:noFill/>
-          <a:ln w="6350">
-            <a:solidFill>
-              <a:schemeClr val="tx1"/>
-            </a:solidFill>
-            <a:miter lim="800000"/>
-            <a:headEnd/>
-            <a:tailEnd/>
-          </a:ln>
-          <a:effectLst/>
-          <a:extLst>
-            <a:ext uri="{909E8E84-426E-40DD-AFC4-6F175D3DCCD1}">
-              <a14:hiddenFill xmlns:a14="http://schemas.microsoft.com/office/drawing/2010/main">
-                <a:solidFill>
-                  <a:schemeClr val="accent1"/>
-                </a:solidFill>
-              </a14:hiddenFill>
-            </a:ext>
-            <a:ext uri="{AF507438-7753-43E0-B8FC-AC1667EBCBE1}">
-              <a14:hiddenEffects xmlns:a14="http://schemas.microsoft.com/office/drawing/2010/main">
-                <a:effectLst>
-                  <a:outerShdw dist="35921" dir="2700000" algn="ctr" rotWithShape="0">
-                    <a:schemeClr val="bg2"/>
-                  </a:outerShdw>
-                </a:effectLst>
-              </a14:hiddenEffects>
-            </a:ext>
-          </a:extLst>
-        </p:spPr>
-        <p:txBody>
-          <a:bodyPr lIns="95343" tIns="47672" rIns="95343" bIns="47672">
-            <a:spAutoFit/>
-          </a:bodyPr>
-          <a:lstStyle>
-            <a:lvl1pPr defTabSz="865188">
-              <a:defRPr sz="2400">
-                <a:solidFill>
-                  <a:schemeClr val="tx1"/>
-                </a:solidFill>
-                <a:latin typeface="Times" pitchFamily="2" charset="0"/>
-              </a:defRPr>
-            </a:lvl1pPr>
-            <a:lvl2pPr marL="431800" defTabSz="865188">
-              <a:defRPr sz="2400">
-                <a:solidFill>
-                  <a:schemeClr val="tx1"/>
-                </a:solidFill>
-                <a:latin typeface="Times" pitchFamily="2" charset="0"/>
-              </a:defRPr>
-            </a:lvl2pPr>
-            <a:lvl3pPr marL="865188" defTabSz="865188">
-              <a:defRPr sz="2400">
-                <a:solidFill>
-                  <a:schemeClr val="tx1"/>
-                </a:solidFill>
-                <a:latin typeface="Times" pitchFamily="2" charset="0"/>
-              </a:defRPr>
-            </a:lvl3pPr>
-            <a:lvl4pPr marL="1296988" defTabSz="865188">
-              <a:defRPr sz="2400">
-                <a:solidFill>
-                  <a:schemeClr val="tx1"/>
-                </a:solidFill>
-                <a:latin typeface="Times" pitchFamily="2" charset="0"/>
-              </a:defRPr>
-            </a:lvl4pPr>
-            <a:lvl5pPr marL="1730375" defTabSz="865188">
-              <a:defRPr sz="2400">
-                <a:solidFill>
-                  <a:schemeClr val="tx1"/>
-                </a:solidFill>
-                <a:latin typeface="Times" pitchFamily="2" charset="0"/>
-              </a:defRPr>
-            </a:lvl5pPr>
-            <a:lvl6pPr marL="2187575" defTabSz="865188" eaLnBrk="0" fontAlgn="base" hangingPunct="0">
-              <a:spcBef>
-                <a:spcPct val="0"/>
-              </a:spcBef>
-              <a:spcAft>
-                <a:spcPct val="0"/>
-              </a:spcAft>
-              <a:defRPr sz="2400">
-                <a:solidFill>
-                  <a:schemeClr val="tx1"/>
-                </a:solidFill>
-                <a:latin typeface="Times" pitchFamily="2" charset="0"/>
-              </a:defRPr>
-            </a:lvl6pPr>
-            <a:lvl7pPr marL="2644775" defTabSz="865188" eaLnBrk="0" fontAlgn="base" hangingPunct="0">
-              <a:spcBef>
-                <a:spcPct val="0"/>
-              </a:spcBef>
-              <a:spcAft>
-                <a:spcPct val="0"/>
-              </a:spcAft>
-              <a:defRPr sz="2400">
-                <a:solidFill>
-                  <a:schemeClr val="tx1"/>
-                </a:solidFill>
-                <a:latin typeface="Times" pitchFamily="2" charset="0"/>
-              </a:defRPr>
-            </a:lvl7pPr>
-            <a:lvl8pPr marL="3101975" defTabSz="865188" eaLnBrk="0" fontAlgn="base" hangingPunct="0">
-              <a:spcBef>
-                <a:spcPct val="0"/>
-              </a:spcBef>
-              <a:spcAft>
-                <a:spcPct val="0"/>
-              </a:spcAft>
-              <a:defRPr sz="2400">
-                <a:solidFill>
-                  <a:schemeClr val="tx1"/>
-                </a:solidFill>
-                <a:latin typeface="Times" pitchFamily="2" charset="0"/>
-              </a:defRPr>
-            </a:lvl8pPr>
-            <a:lvl9pPr marL="3559175" defTabSz="865188" eaLnBrk="0" fontAlgn="base" hangingPunct="0">
-              <a:spcBef>
-                <a:spcPct val="0"/>
-              </a:spcBef>
-              <a:spcAft>
-                <a:spcPct val="0"/>
-              </a:spcAft>
-              <a:defRPr sz="2400">
-                <a:solidFill>
-                  <a:schemeClr val="tx1"/>
-                </a:solidFill>
-                <a:latin typeface="Times" pitchFamily="2" charset="0"/>
-              </a:defRPr>
-            </a:lvl9pPr>
-          </a:lstStyle>
-          <a:p>
-            <a:pPr marL="0" marR="0" lvl="0" indent="0" algn="l" defTabSz="953697" rtl="0" eaLnBrk="0" fontAlgn="base" latinLnBrk="0" hangingPunct="0">
-              <a:lnSpc>
-                <a:spcPct val="100000"/>
-              </a:lnSpc>
-              <a:spcBef>
-                <a:spcPct val="0"/>
-              </a:spcBef>
-              <a:spcAft>
-                <a:spcPct val="0"/>
-              </a:spcAft>
-              <a:buClrTx/>
-              <a:buSzTx/>
-              <a:buFont typeface="Times New Roman" panose="02020603050405020304" pitchFamily="18" charset="0"/>
-              <a:buNone/>
-              <a:tabLst/>
-              <a:defRPr/>
-            </a:pPr>
-            <a:r>
-              <a:rPr kumimoji="0" lang="en-US" altLang="en-US" sz="2535" b="0" i="0" u="none" strike="noStrike" kern="1200" cap="none" spc="0" normalizeH="0" baseline="0" noProof="0" dirty="0">
-                <a:ln>
-                  <a:noFill/>
-                </a:ln>
-                <a:solidFill>
-                  <a:srgbClr val="000000"/>
-                </a:solidFill>
-                <a:effectLst/>
-                <a:uLnTx/>
-                <a:uFillTx/>
-                <a:latin typeface="Times" pitchFamily="2" charset="0"/>
-                <a:ea typeface="+mn-ea"/>
-                <a:cs typeface="Arial"/>
-              </a:rPr>
-              <a:t>Shared variables</a:t>
-            </a:r>
-            <a:endParaRPr kumimoji="0" lang="en-US" altLang="en-US" sz="1874" b="0" i="0" u="none" strike="noStrike" kern="1200" cap="none" spc="0" normalizeH="0" baseline="0" noProof="0" dirty="0">
-              <a:ln>
-                <a:noFill/>
-              </a:ln>
-              <a:solidFill>
-                <a:srgbClr val="000000"/>
-              </a:solidFill>
-              <a:effectLst/>
-              <a:uLnTx/>
-              <a:uFillTx/>
-              <a:latin typeface="Courier" pitchFamily="2" charset="0"/>
-              <a:ea typeface="+mn-ea"/>
-              <a:cs typeface="Arial"/>
-            </a:endParaRPr>
-          </a:p>
-          <a:p>
-            <a:pPr marL="0" marR="0" lvl="0" indent="0" algn="l" defTabSz="953697" rtl="0" eaLnBrk="0" fontAlgn="base" latinLnBrk="0" hangingPunct="0">
-              <a:lnSpc>
-                <a:spcPct val="100000"/>
-              </a:lnSpc>
-              <a:spcBef>
-                <a:spcPct val="0"/>
-              </a:spcBef>
-              <a:spcAft>
-                <a:spcPct val="0"/>
-              </a:spcAft>
-              <a:buClrTx/>
-              <a:buSzTx/>
-              <a:buFont typeface="Times New Roman" panose="02020603050405020304" pitchFamily="18" charset="0"/>
-              <a:buNone/>
-              <a:tabLst/>
-              <a:defRPr/>
-            </a:pPr>
-            <a:r>
-              <a:rPr kumimoji="0" lang="en-US" altLang="en-US" sz="1874" b="0" i="0" u="none" strike="noStrike" kern="1200" cap="none" spc="0" normalizeH="0" baseline="0" noProof="0" dirty="0">
-                <a:ln>
-                  <a:noFill/>
-                </a:ln>
-                <a:solidFill>
-                  <a:srgbClr val="000000"/>
-                </a:solidFill>
-                <a:effectLst/>
-                <a:uLnTx/>
-                <a:uFillTx/>
-                <a:latin typeface="Courier" pitchFamily="2" charset="0"/>
-                <a:ea typeface="+mn-ea"/>
-                <a:cs typeface="Arial"/>
-              </a:rPr>
-              <a:t>// flag initialized to 0</a:t>
-            </a:r>
-          </a:p>
-          <a:p>
-            <a:pPr marL="0" marR="0" lvl="0" indent="0" algn="l" defTabSz="953697" rtl="0" eaLnBrk="0" fontAlgn="base" latinLnBrk="0" hangingPunct="0">
-              <a:lnSpc>
-                <a:spcPct val="100000"/>
-              </a:lnSpc>
-              <a:spcBef>
-                <a:spcPct val="0"/>
-              </a:spcBef>
-              <a:spcAft>
-                <a:spcPct val="0"/>
-              </a:spcAft>
-              <a:buClrTx/>
-              <a:buSzTx/>
-              <a:buFont typeface="Times New Roman" panose="02020603050405020304" pitchFamily="18" charset="0"/>
-              <a:buNone/>
-              <a:tabLst/>
-              <a:defRPr/>
-            </a:pPr>
-            <a:r>
-              <a:rPr kumimoji="0" lang="en-US" altLang="en-US" sz="1874" b="0" i="0" u="none" strike="noStrike" kern="1200" cap="none" spc="0" normalizeH="0" baseline="0" noProof="0" dirty="0">
-                <a:ln>
-                  <a:noFill/>
-                </a:ln>
-                <a:solidFill>
-                  <a:srgbClr val="000000"/>
-                </a:solidFill>
-                <a:effectLst/>
-                <a:uLnTx/>
-                <a:uFillTx/>
-                <a:latin typeface="Courier" pitchFamily="2" charset="0"/>
-                <a:ea typeface="+mn-ea"/>
-                <a:cs typeface="Arial"/>
-              </a:rPr>
-              <a:t>Semaphore flag(0);</a:t>
-            </a:r>
-          </a:p>
-        </p:txBody>
-      </p:sp>
-    </p:spTree>
-    <p:extLst>
-      <p:ext uri="{BB962C8B-B14F-4D97-AF65-F5344CB8AC3E}">
-        <p14:creationId xmlns:p14="http://schemas.microsoft.com/office/powerpoint/2010/main" val="3848335379"/>
-      </p:ext>
-    </p:extLst>
-  </p:cSld>
-  <p:clrMapOvr>
-    <a:masterClrMapping/>
-  </p:clrMapOvr>
-</p:sld>
-</file>
-
-<file path=ppt/slides/slide9.xml><?xml version="1.0" encoding="utf-8"?>
-<p:sld xmlns:a="http://schemas.openxmlformats.org/drawingml/2006/main" xmlns:r="http://schemas.openxmlformats.org/officeDocument/2006/relationships" xmlns:p="http://schemas.openxmlformats.org/presentationml/2006/main">
-  <p:cSld>
-    <p:spTree>
-      <p:nvGrpSpPr>
-        <p:cNvPr id="1" name=""/>
-        <p:cNvGrpSpPr/>
-        <p:nvPr/>
-      </p:nvGrpSpPr>
-      <p:grpSpPr>
-        <a:xfrm>
-          <a:off x="0" y="0"/>
-          <a:ext cx="0" cy="0"/>
-          <a:chOff x="0" y="0"/>
-          <a:chExt cx="0" cy="0"/>
-        </a:xfrm>
-      </p:grpSpPr>
-      <p:sp>
-        <p:nvSpPr>
           <p:cNvPr id="2" name="Title 1">
             <a:extLst>
               <a:ext uri="{FF2B5EF4-FFF2-40B4-BE49-F238E27FC236}">
-                <a16:creationId xmlns:a16="http://schemas.microsoft.com/office/drawing/2014/main" id="{3BD3413F-6868-458B-BDB5-4C663C7953C2}"/>
+                <a16:creationId xmlns:a16="http://schemas.microsoft.com/office/drawing/2014/main" id="{32DBCD6D-0035-48A2-AE34-43966A977589}"/>
               </a:ext>
             </a:extLst>
           </p:cNvPr>
@@ -20521,71 +24498,12 @@
         </p:nvSpPr>
         <p:spPr/>
         <p:txBody>
-          <a:bodyPr>
-            <a:noAutofit/>
-          </a:bodyPr>
-          <a:lstStyle/>
-          <a:p>
-            <a:r>
-              <a:rPr lang="en-US" sz="2800" dirty="0"/>
-              <a:t>Semaphore Usage Problem: Compromising Mutual Exclusion</a:t>
-            </a:r>
-          </a:p>
-        </p:txBody>
-      </p:sp>
-      <p:sp>
-        <p:nvSpPr>
-          <p:cNvPr id="3" name="Content Placeholder 2">
-            <a:extLst>
-              <a:ext uri="{FF2B5EF4-FFF2-40B4-BE49-F238E27FC236}">
-                <a16:creationId xmlns:a16="http://schemas.microsoft.com/office/drawing/2014/main" id="{80D7DCF8-D0B1-4FAC-AB7E-388730635948}"/>
-              </a:ext>
-            </a:extLst>
-          </p:cNvPr>
-          <p:cNvSpPr>
-            <a:spLocks noGrp="1"/>
-          </p:cNvSpPr>
-          <p:nvPr>
-            <p:ph idx="1"/>
-          </p:nvPr>
-        </p:nvSpPr>
-        <p:spPr/>
-        <p:txBody>
           <a:bodyPr/>
           <a:lstStyle/>
           <a:p>
             <a:r>
               <a:rPr lang="en-US" dirty="0"/>
-              <a:t>Any process can up() the semaphore</a:t>
-            </a:r>
-          </a:p>
-          <a:p>
-            <a:endParaRPr lang="en-US" dirty="0"/>
-          </a:p>
-          <a:p>
-            <a:endParaRPr lang="en-US" dirty="0"/>
-          </a:p>
-          <a:p>
-            <a:endParaRPr lang="en-US" dirty="0"/>
-          </a:p>
-          <a:p>
-            <a:endParaRPr lang="en-US" dirty="0"/>
-          </a:p>
-          <a:p>
-            <a:endParaRPr lang="en-US" dirty="0"/>
-          </a:p>
-          <a:p>
-            <a:r>
-              <a:rPr lang="en-US" dirty="0"/>
-              <a:t>Solution: A </a:t>
-            </a:r>
-            <a:r>
-              <a:rPr lang="en-US" b="1" dirty="0"/>
-              <a:t>Mutex</a:t>
-            </a:r>
-            <a:r>
-              <a:rPr lang="en-US" dirty="0"/>
-              <a:t> can be up()’d only by the same process that down()’d it</a:t>
+              <a:t>Process vs. Thread</a:t>
             </a:r>
           </a:p>
         </p:txBody>
@@ -20595,7 +24513,7 @@
           <p:cNvPr id="4" name="Footer Placeholder 3">
             <a:extLst>
               <a:ext uri="{FF2B5EF4-FFF2-40B4-BE49-F238E27FC236}">
-                <a16:creationId xmlns:a16="http://schemas.microsoft.com/office/drawing/2014/main" id="{C68DACC1-0680-4586-9359-C43F3787F20A}"/>
+                <a16:creationId xmlns:a16="http://schemas.microsoft.com/office/drawing/2014/main" id="{0E7B03E5-535D-472E-98AC-2E5577E357CA}"/>
               </a:ext>
             </a:extLst>
           </p:cNvPr>
@@ -20691,7 +24609,309 @@
           <p:cNvPr id="5" name="Slide Number Placeholder 4">
             <a:extLst>
               <a:ext uri="{FF2B5EF4-FFF2-40B4-BE49-F238E27FC236}">
-                <a16:creationId xmlns:a16="http://schemas.microsoft.com/office/drawing/2014/main" id="{56313D3E-746A-4972-81F2-2FEA88DE4F84}"/>
+                <a16:creationId xmlns:a16="http://schemas.microsoft.com/office/drawing/2014/main" id="{78616229-F3A1-431A-B9BF-8875C967ADB4}"/>
+              </a:ext>
+            </a:extLst>
+          </p:cNvPr>
+          <p:cNvSpPr>
+            <a:spLocks noGrp="1"/>
+          </p:cNvSpPr>
+          <p:nvPr>
+            <p:ph type="sldNum" idx="12"/>
+          </p:nvPr>
+        </p:nvSpPr>
+        <p:spPr/>
+        <p:txBody>
+          <a:bodyPr/>
+          <a:lstStyle/>
+          <a:p>
+            <a:pPr marL="0" marR="0" lvl="0" indent="0" algn="r" defTabSz="457200" rtl="0" eaLnBrk="1" fontAlgn="base" latinLnBrk="0" hangingPunct="0">
+              <a:lnSpc>
+                <a:spcPct val="96000"/>
+              </a:lnSpc>
+              <a:spcBef>
+                <a:spcPct val="0"/>
+              </a:spcBef>
+              <a:spcAft>
+                <a:spcPct val="0"/>
+              </a:spcAft>
+              <a:buClr>
+                <a:srgbClr val="000000"/>
+              </a:buClr>
+              <a:buSzPct val="100000"/>
+              <a:buFont typeface="Times New Roman" panose="02020603050405020304" pitchFamily="18" charset="0"/>
+              <a:buNone/>
+              <a:tabLst/>
+              <a:defRPr/>
+            </a:pPr>
+            <a:fld id="{65E435D9-63B0-4660-8D04-E83F5E2CA2AE}" type="slidenum">
+              <a:rPr kumimoji="0" lang="en-GB" altLang="en-US" sz="1400" b="0" i="0" u="none" strike="noStrike" kern="1200" cap="none" spc="0" normalizeH="0" baseline="0" noProof="0" smtClean="0">
+                <a:ln>
+                  <a:noFill/>
+                </a:ln>
+                <a:solidFill>
+                  <a:srgbClr val="000000"/>
+                </a:solidFill>
+                <a:effectLst/>
+                <a:uLnTx/>
+                <a:uFillTx/>
+                <a:latin typeface="Times New Roman" panose="02020603050405020304" pitchFamily="18" charset="0"/>
+                <a:ea typeface="+mn-ea"/>
+                <a:cs typeface="Arial" panose="020B0604020202020204" pitchFamily="34" charset="0"/>
+              </a:rPr>
+              <a:pPr marL="0" marR="0" lvl="0" indent="0" algn="r" defTabSz="457200" rtl="0" eaLnBrk="1" fontAlgn="base" latinLnBrk="0" hangingPunct="0">
+                <a:lnSpc>
+                  <a:spcPct val="96000"/>
+                </a:lnSpc>
+                <a:spcBef>
+                  <a:spcPct val="0"/>
+                </a:spcBef>
+                <a:spcAft>
+                  <a:spcPct val="0"/>
+                </a:spcAft>
+                <a:buClr>
+                  <a:srgbClr val="000000"/>
+                </a:buClr>
+                <a:buSzPct val="100000"/>
+                <a:buFont typeface="Times New Roman" panose="02020603050405020304" pitchFamily="18" charset="0"/>
+                <a:buNone/>
+                <a:tabLst/>
+                <a:defRPr/>
+              </a:pPr>
+              <a:t>8</a:t>
+            </a:fld>
+            <a:endParaRPr kumimoji="0" lang="en-GB" altLang="en-US" sz="1400" b="0" i="0" u="none" strike="noStrike" kern="1200" cap="none" spc="0" normalizeH="0" baseline="0" noProof="0" dirty="0">
+              <a:ln>
+                <a:noFill/>
+              </a:ln>
+              <a:solidFill>
+                <a:srgbClr val="000000"/>
+              </a:solidFill>
+              <a:effectLst/>
+              <a:uLnTx/>
+              <a:uFillTx/>
+              <a:latin typeface="Times New Roman" panose="02020603050405020304" pitchFamily="18" charset="0"/>
+              <a:ea typeface="+mn-ea"/>
+              <a:cs typeface="Arial" panose="020B0604020202020204" pitchFamily="34" charset="0"/>
+            </a:endParaRPr>
+          </a:p>
+        </p:txBody>
+      </p:sp>
+      <p:pic>
+        <p:nvPicPr>
+          <p:cNvPr id="7" name="Picture 6">
+            <a:extLst>
+              <a:ext uri="{FF2B5EF4-FFF2-40B4-BE49-F238E27FC236}">
+                <a16:creationId xmlns:a16="http://schemas.microsoft.com/office/drawing/2014/main" id="{C19DB90B-C6A6-42C5-B88F-C71C9FC4E150}"/>
+              </a:ext>
+            </a:extLst>
+          </p:cNvPr>
+          <p:cNvPicPr>
+            <a:picLocks noChangeAspect="1"/>
+          </p:cNvPicPr>
+          <p:nvPr/>
+        </p:nvPicPr>
+        <p:blipFill>
+          <a:blip r:embed="rId2"/>
+          <a:stretch>
+            <a:fillRect/>
+          </a:stretch>
+        </p:blipFill>
+        <p:spPr>
+          <a:xfrm>
+            <a:off x="665909" y="962664"/>
+            <a:ext cx="8893270" cy="5930033"/>
+          </a:xfrm>
+          <a:prstGeom prst="rect">
+            <a:avLst/>
+          </a:prstGeom>
+        </p:spPr>
+      </p:pic>
+    </p:spTree>
+    <p:extLst>
+      <p:ext uri="{BB962C8B-B14F-4D97-AF65-F5344CB8AC3E}">
+        <p14:creationId xmlns:p14="http://schemas.microsoft.com/office/powerpoint/2010/main" val="2743959136"/>
+      </p:ext>
+    </p:extLst>
+  </p:cSld>
+  <p:clrMapOvr>
+    <a:masterClrMapping/>
+  </p:clrMapOvr>
+</p:sld>
+</file>
+
+<file path=ppt/slides/slide9.xml><?xml version="1.0" encoding="utf-8"?>
+<p:sld xmlns:a="http://schemas.openxmlformats.org/drawingml/2006/main" xmlns:r="http://schemas.openxmlformats.org/officeDocument/2006/relationships" xmlns:p="http://schemas.openxmlformats.org/presentationml/2006/main">
+  <p:cSld>
+    <p:spTree>
+      <p:nvGrpSpPr>
+        <p:cNvPr id="1" name=""/>
+        <p:cNvGrpSpPr/>
+        <p:nvPr/>
+      </p:nvGrpSpPr>
+      <p:grpSpPr>
+        <a:xfrm>
+          <a:off x="0" y="0"/>
+          <a:ext cx="0" cy="0"/>
+          <a:chOff x="0" y="0"/>
+          <a:chExt cx="0" cy="0"/>
+        </a:xfrm>
+      </p:grpSpPr>
+      <p:sp>
+        <p:nvSpPr>
+          <p:cNvPr id="2" name="Title 1">
+            <a:extLst>
+              <a:ext uri="{FF2B5EF4-FFF2-40B4-BE49-F238E27FC236}">
+                <a16:creationId xmlns:a16="http://schemas.microsoft.com/office/drawing/2014/main" id="{21B069AF-6569-4512-986F-E784F07B4C99}"/>
+              </a:ext>
+            </a:extLst>
+          </p:cNvPr>
+          <p:cNvSpPr>
+            <a:spLocks noGrp="1"/>
+          </p:cNvSpPr>
+          <p:nvPr>
+            <p:ph type="title"/>
+          </p:nvPr>
+        </p:nvSpPr>
+        <p:spPr/>
+        <p:txBody>
+          <a:bodyPr/>
+          <a:lstStyle/>
+          <a:p>
+            <a:r>
+              <a:rPr lang="en-US" dirty="0"/>
+              <a:t>fork() tracing</a:t>
+            </a:r>
+          </a:p>
+        </p:txBody>
+      </p:sp>
+      <p:sp>
+        <p:nvSpPr>
+          <p:cNvPr id="3" name="Content Placeholder 2">
+            <a:extLst>
+              <a:ext uri="{FF2B5EF4-FFF2-40B4-BE49-F238E27FC236}">
+                <a16:creationId xmlns:a16="http://schemas.microsoft.com/office/drawing/2014/main" id="{53DEEDDA-87CA-4C22-AA4E-82F071E2C328}"/>
+              </a:ext>
+            </a:extLst>
+          </p:cNvPr>
+          <p:cNvSpPr>
+            <a:spLocks noGrp="1"/>
+          </p:cNvSpPr>
+          <p:nvPr>
+            <p:ph idx="1"/>
+          </p:nvPr>
+        </p:nvSpPr>
+        <p:spPr/>
+        <p:txBody>
+          <a:bodyPr/>
+          <a:lstStyle/>
+          <a:p>
+            <a:endParaRPr lang="en-US"/>
+          </a:p>
+        </p:txBody>
+      </p:sp>
+      <p:sp>
+        <p:nvSpPr>
+          <p:cNvPr id="4" name="Footer Placeholder 3">
+            <a:extLst>
+              <a:ext uri="{FF2B5EF4-FFF2-40B4-BE49-F238E27FC236}">
+                <a16:creationId xmlns:a16="http://schemas.microsoft.com/office/drawing/2014/main" id="{BFF0C662-DC70-47C2-AC2A-9C1C793BEB82}"/>
+              </a:ext>
+            </a:extLst>
+          </p:cNvPr>
+          <p:cNvSpPr>
+            <a:spLocks noGrp="1"/>
+          </p:cNvSpPr>
+          <p:nvPr>
+            <p:ph type="ftr" idx="11"/>
+          </p:nvPr>
+        </p:nvSpPr>
+        <p:spPr/>
+        <p:txBody>
+          <a:bodyPr/>
+          <a:lstStyle/>
+          <a:p>
+            <a:pPr marL="0" marR="0" lvl="0" indent="0" algn="ctr" defTabSz="457200" rtl="0" eaLnBrk="1" fontAlgn="base" latinLnBrk="0" hangingPunct="0">
+              <a:lnSpc>
+                <a:spcPct val="96000"/>
+              </a:lnSpc>
+              <a:spcBef>
+                <a:spcPct val="0"/>
+              </a:spcBef>
+              <a:spcAft>
+                <a:spcPct val="0"/>
+              </a:spcAft>
+              <a:buClr>
+                <a:srgbClr val="000000"/>
+              </a:buClr>
+              <a:buSzPct val="100000"/>
+              <a:buFont typeface="Times New Roman" pitchFamily="16" charset="0"/>
+              <a:buNone/>
+              <a:tabLst>
+                <a:tab pos="0" algn="l"/>
+                <a:tab pos="457200" algn="l"/>
+                <a:tab pos="914400" algn="l"/>
+                <a:tab pos="1371600" algn="l"/>
+                <a:tab pos="1828800" algn="l"/>
+                <a:tab pos="2286000" algn="l"/>
+                <a:tab pos="2743200" algn="l"/>
+                <a:tab pos="3200400" algn="l"/>
+                <a:tab pos="3657600" algn="l"/>
+                <a:tab pos="4114800" algn="l"/>
+                <a:tab pos="4572000" algn="l"/>
+                <a:tab pos="5029200" algn="l"/>
+                <a:tab pos="5486400" algn="l"/>
+                <a:tab pos="5943600" algn="l"/>
+                <a:tab pos="6400800" algn="l"/>
+                <a:tab pos="6858000" algn="l"/>
+                <a:tab pos="7315200" algn="l"/>
+                <a:tab pos="7772400" algn="l"/>
+                <a:tab pos="8229600" algn="l"/>
+                <a:tab pos="8686800" algn="l"/>
+                <a:tab pos="9144000" algn="l"/>
+              </a:tabLst>
+              <a:defRPr/>
+            </a:pPr>
+            <a:r>
+              <a:rPr kumimoji="0" lang="en-US" sz="1400" b="0" i="0" u="none" strike="noStrike" kern="1200" cap="none" spc="0" normalizeH="0" baseline="0" noProof="0">
+                <a:ln>
+                  <a:noFill/>
+                </a:ln>
+                <a:solidFill>
+                  <a:srgbClr val="000000"/>
+                </a:solidFill>
+                <a:effectLst/>
+                <a:uLnTx/>
+                <a:uFillTx/>
+                <a:latin typeface="Arial"/>
+                <a:ea typeface="+mn-ea"/>
+                <a:cs typeface="Arial" charset="0"/>
+              </a:rPr>
+              <a:t>CS/COE 1550 – Operating Systems – Sherif Khattab</a:t>
+            </a:r>
+            <a:endParaRPr kumimoji="0" lang="en-GB" sz="1400" b="0" i="0" u="none" strike="noStrike" kern="1200" cap="none" spc="0" normalizeH="0" baseline="0" noProof="0" dirty="0">
+              <a:ln>
+                <a:noFill/>
+              </a:ln>
+              <a:solidFill>
+                <a:srgbClr val="000000"/>
+              </a:solidFill>
+              <a:effectLst/>
+              <a:uLnTx/>
+              <a:uFillTx/>
+              <a:latin typeface="Times New Roman" pitchFamily="16" charset="0"/>
+              <a:ea typeface="+mn-ea"/>
+              <a:cs typeface="Arial" charset="0"/>
+            </a:endParaRPr>
+          </a:p>
+        </p:txBody>
+      </p:sp>
+      <p:sp>
+        <p:nvSpPr>
+          <p:cNvPr id="5" name="Slide Number Placeholder 4">
+            <a:extLst>
+              <a:ext uri="{FF2B5EF4-FFF2-40B4-BE49-F238E27FC236}">
+                <a16:creationId xmlns:a16="http://schemas.microsoft.com/office/drawing/2014/main" id="{D2CA52D2-BB6F-4762-A6E0-F33C2E590D20}"/>
               </a:ext>
             </a:extLst>
           </p:cNvPr>
@@ -20784,7 +25004,7 @@
           <p:cNvPr id="7" name="Picture 6">
             <a:extLst>
               <a:ext uri="{FF2B5EF4-FFF2-40B4-BE49-F238E27FC236}">
-                <a16:creationId xmlns:a16="http://schemas.microsoft.com/office/drawing/2014/main" id="{4201D6AF-33D2-4017-8DBD-878E4F209F08}"/>
+                <a16:creationId xmlns:a16="http://schemas.microsoft.com/office/drawing/2014/main" id="{A2165A44-E543-4E5D-ADBC-6FFA9E6C6982}"/>
               </a:ext>
             </a:extLst>
           </p:cNvPr>
@@ -20794,15 +25014,15 @@
           <p:nvPr/>
         </p:nvPicPr>
         <p:blipFill>
-          <a:blip r:embed="rId2"/>
+          <a:blip r:embed="rId3"/>
           <a:stretch>
             <a:fillRect/>
           </a:stretch>
         </p:blipFill>
         <p:spPr>
           <a:xfrm>
-            <a:off x="1637968" y="1224502"/>
-            <a:ext cx="5008989" cy="3339994"/>
+            <a:off x="398314" y="996286"/>
+            <a:ext cx="8856622" cy="5905596"/>
           </a:xfrm>
           <a:prstGeom prst="rect">
             <a:avLst/>
@@ -20812,7 +25032,7 @@
     </p:spTree>
     <p:extLst>
       <p:ext uri="{BB962C8B-B14F-4D97-AF65-F5344CB8AC3E}">
-        <p14:creationId xmlns:p14="http://schemas.microsoft.com/office/powerpoint/2010/main" val="2782489002"/>
+        <p14:creationId xmlns:p14="http://schemas.microsoft.com/office/powerpoint/2010/main" val="1845419114"/>
       </p:ext>
     </p:extLst>
   </p:cSld>

--- a/DraftSlides/Lecture4.pptx
+++ b/DraftSlides/Lecture4.pptx
@@ -6,30 +6,31 @@
     <p:sldMasterId id="2147483652" r:id="rId2"/>
   </p:sldMasterIdLst>
   <p:notesMasterIdLst>
-    <p:notesMasterId r:id="rId24"/>
+    <p:notesMasterId r:id="rId25"/>
   </p:notesMasterIdLst>
   <p:sldIdLst>
     <p:sldId id="454" r:id="rId3"/>
     <p:sldId id="496" r:id="rId4"/>
-    <p:sldId id="523" r:id="rId5"/>
-    <p:sldId id="504" r:id="rId6"/>
-    <p:sldId id="524" r:id="rId7"/>
-    <p:sldId id="499" r:id="rId8"/>
-    <p:sldId id="322" r:id="rId9"/>
-    <p:sldId id="512" r:id="rId10"/>
-    <p:sldId id="517" r:id="rId11"/>
-    <p:sldId id="508" r:id="rId12"/>
-    <p:sldId id="549" r:id="rId13"/>
-    <p:sldId id="282" r:id="rId14"/>
-    <p:sldId id="518" r:id="rId15"/>
-    <p:sldId id="519" r:id="rId16"/>
-    <p:sldId id="503" r:id="rId17"/>
-    <p:sldId id="501" r:id="rId18"/>
-    <p:sldId id="369" r:id="rId19"/>
-    <p:sldId id="372" r:id="rId20"/>
-    <p:sldId id="497" r:id="rId21"/>
-    <p:sldId id="377" r:id="rId22"/>
-    <p:sldId id="536" r:id="rId23"/>
+    <p:sldId id="504" r:id="rId5"/>
+    <p:sldId id="524" r:id="rId6"/>
+    <p:sldId id="552" r:id="rId7"/>
+    <p:sldId id="553" r:id="rId8"/>
+    <p:sldId id="497" r:id="rId9"/>
+    <p:sldId id="377" r:id="rId10"/>
+    <p:sldId id="536" r:id="rId11"/>
+    <p:sldId id="517" r:id="rId12"/>
+    <p:sldId id="508" r:id="rId13"/>
+    <p:sldId id="549" r:id="rId14"/>
+    <p:sldId id="282" r:id="rId15"/>
+    <p:sldId id="518" r:id="rId16"/>
+    <p:sldId id="519" r:id="rId17"/>
+    <p:sldId id="503" r:id="rId18"/>
+    <p:sldId id="550" r:id="rId19"/>
+    <p:sldId id="501" r:id="rId20"/>
+    <p:sldId id="551" r:id="rId21"/>
+    <p:sldId id="512" r:id="rId22"/>
+    <p:sldId id="322" r:id="rId23"/>
+    <p:sldId id="372" r:id="rId24"/>
   </p:sldIdLst>
   <p:sldSz cx="10080625" cy="7559675"/>
   <p:notesSz cx="7772400" cy="10058400"/>
@@ -234,7 +235,7 @@
 <file path=ppt/revisionInfo.xml><?xml version="1.0" encoding="utf-8"?>
 <p1510:revInfo xmlns:a="http://schemas.openxmlformats.org/drawingml/2006/main" xmlns:r="http://schemas.openxmlformats.org/officeDocument/2006/relationships" xmlns:p1510="http://schemas.microsoft.com/office/powerpoint/2015/10/main">
   <p1510:revLst>
-    <p1510:client id="{E2BF0542-8AC8-C546-A69D-6176F8674AAF}" v="12" dt="2022-01-20T15:49:53.051"/>
+    <p1510:client id="{E2BF0542-8AC8-C546-A69D-6176F8674AAF}" v="223" dt="2022-01-25T14:23:31.722"/>
   </p1510:revLst>
 </p1510:revInfo>
 </file>
@@ -1877,8 +1878,8 @@
   </pc:docChgLst>
   <pc:docChgLst>
     <pc:chgData name="Khattab, Sherif" userId="c83b1e15-36f3-4f46-aceb-05aac24c545e" providerId="ADAL" clId="{E2BF0542-8AC8-C546-A69D-6176F8674AAF}"/>
-    <pc:docChg chg="addSld delSld modSld">
-      <pc:chgData name="Khattab, Sherif" userId="c83b1e15-36f3-4f46-aceb-05aac24c545e" providerId="ADAL" clId="{E2BF0542-8AC8-C546-A69D-6176F8674AAF}" dt="2022-01-20T15:49:53.050" v="11"/>
+    <pc:docChg chg="custSel addSld delSld modSld sldOrd">
+      <pc:chgData name="Khattab, Sherif" userId="c83b1e15-36f3-4f46-aceb-05aac24c545e" providerId="ADAL" clId="{E2BF0542-8AC8-C546-A69D-6176F8674AAF}" dt="2022-01-25T14:23:31.722" v="504"/>
       <pc:docMkLst>
         <pc:docMk/>
       </pc:docMkLst>
@@ -1890,38 +1891,125 @@
         </pc:sldMkLst>
       </pc:sldChg>
       <pc:sldChg chg="add del">
-        <pc:chgData name="Khattab, Sherif" userId="c83b1e15-36f3-4f46-aceb-05aac24c545e" providerId="ADAL" clId="{E2BF0542-8AC8-C546-A69D-6176F8674AAF}" dt="2022-01-20T15:49:53.050" v="11"/>
+        <pc:chgData name="Khattab, Sherif" userId="c83b1e15-36f3-4f46-aceb-05aac24c545e" providerId="ADAL" clId="{E2BF0542-8AC8-C546-A69D-6176F8674AAF}" dt="2022-01-25T14:11:15.365" v="228" actId="2696"/>
         <pc:sldMkLst>
           <pc:docMk/>
           <pc:sldMk cId="2685283246" sldId="322"/>
         </pc:sldMkLst>
       </pc:sldChg>
+      <pc:sldChg chg="modSp add mod">
+        <pc:chgData name="Khattab, Sherif" userId="c83b1e15-36f3-4f46-aceb-05aac24c545e" providerId="ADAL" clId="{E2BF0542-8AC8-C546-A69D-6176F8674AAF}" dt="2022-01-25T14:13:37.809" v="284" actId="20577"/>
+        <pc:sldMkLst>
+          <pc:docMk/>
+          <pc:sldMk cId="3793174663" sldId="322"/>
+        </pc:sldMkLst>
+        <pc:spChg chg="mod">
+          <ac:chgData name="Khattab, Sherif" userId="c83b1e15-36f3-4f46-aceb-05aac24c545e" providerId="ADAL" clId="{E2BF0542-8AC8-C546-A69D-6176F8674AAF}" dt="2022-01-25T14:13:37.809" v="284" actId="20577"/>
+          <ac:spMkLst>
+            <pc:docMk/>
+            <pc:sldMk cId="3793174663" sldId="322"/>
+            <ac:spMk id="90115" creationId="{691666FD-EDA0-044F-A826-5F64B00DC362}"/>
+          </ac:spMkLst>
+        </pc:spChg>
+      </pc:sldChg>
       <pc:sldChg chg="add del">
-        <pc:chgData name="Khattab, Sherif" userId="c83b1e15-36f3-4f46-aceb-05aac24c545e" providerId="ADAL" clId="{E2BF0542-8AC8-C546-A69D-6176F8674AAF}" dt="2022-01-20T05:38:47.129" v="2"/>
+        <pc:chgData name="Khattab, Sherif" userId="c83b1e15-36f3-4f46-aceb-05aac24c545e" providerId="ADAL" clId="{E2BF0542-8AC8-C546-A69D-6176F8674AAF}" dt="2022-01-25T14:11:24.690" v="230"/>
+        <pc:sldMkLst>
+          <pc:docMk/>
+          <pc:sldMk cId="3932649277" sldId="322"/>
+        </pc:sldMkLst>
+      </pc:sldChg>
+      <pc:sldChg chg="add del">
+        <pc:chgData name="Khattab, Sherif" userId="c83b1e15-36f3-4f46-aceb-05aac24c545e" providerId="ADAL" clId="{E2BF0542-8AC8-C546-A69D-6176F8674AAF}" dt="2022-01-25T14:10:00.482" v="225" actId="2696"/>
         <pc:sldMkLst>
           <pc:docMk/>
           <pc:sldMk cId="3210992163" sldId="369"/>
         </pc:sldMkLst>
       </pc:sldChg>
+      <pc:sldChg chg="add del ord">
+        <pc:chgData name="Khattab, Sherif" userId="c83b1e15-36f3-4f46-aceb-05aac24c545e" providerId="ADAL" clId="{E2BF0542-8AC8-C546-A69D-6176F8674AAF}" dt="2022-01-25T14:12:40.252" v="239" actId="20578"/>
+        <pc:sldMkLst>
+          <pc:docMk/>
+          <pc:sldMk cId="3848335379" sldId="372"/>
+        </pc:sldMkLst>
+      </pc:sldChg>
       <pc:sldChg chg="add del">
-        <pc:chgData name="Khattab, Sherif" userId="c83b1e15-36f3-4f46-aceb-05aac24c545e" providerId="ADAL" clId="{E2BF0542-8AC8-C546-A69D-6176F8674AAF}" dt="2022-01-20T05:42:16.631" v="5"/>
-        <pc:sldMkLst>
-          <pc:docMk/>
-          <pc:sldMk cId="3848335379" sldId="372"/>
+        <pc:chgData name="Khattab, Sherif" userId="c83b1e15-36f3-4f46-aceb-05aac24c545e" providerId="ADAL" clId="{E2BF0542-8AC8-C546-A69D-6176F8674AAF}" dt="2022-01-25T14:11:40.790" v="232" actId="2696"/>
+        <pc:sldMkLst>
+          <pc:docMk/>
+          <pc:sldMk cId="583513582" sldId="377"/>
+        </pc:sldMkLst>
+      </pc:sldChg>
+      <pc:sldChg chg="add modAnim">
+        <pc:chgData name="Khattab, Sherif" userId="c83b1e15-36f3-4f46-aceb-05aac24c545e" providerId="ADAL" clId="{E2BF0542-8AC8-C546-A69D-6176F8674AAF}" dt="2022-01-25T14:14:11.063" v="286"/>
+        <pc:sldMkLst>
+          <pc:docMk/>
+          <pc:sldMk cId="729370554" sldId="377"/>
         </pc:sldMkLst>
       </pc:sldChg>
       <pc:sldChg chg="add del">
-        <pc:chgData name="Khattab, Sherif" userId="c83b1e15-36f3-4f46-aceb-05aac24c545e" providerId="ADAL" clId="{E2BF0542-8AC8-C546-A69D-6176F8674AAF}" dt="2022-01-20T05:43:06.433" v="8"/>
-        <pc:sldMkLst>
-          <pc:docMk/>
-          <pc:sldMk cId="583513582" sldId="377"/>
+        <pc:chgData name="Khattab, Sherif" userId="c83b1e15-36f3-4f46-aceb-05aac24c545e" providerId="ADAL" clId="{E2BF0542-8AC8-C546-A69D-6176F8674AAF}" dt="2022-01-25T14:11:50.347" v="234"/>
+        <pc:sldMkLst>
+          <pc:docMk/>
+          <pc:sldMk cId="3975598408" sldId="377"/>
+        </pc:sldMkLst>
+      </pc:sldChg>
+      <pc:sldChg chg="modSp mod">
+        <pc:chgData name="Khattab, Sherif" userId="c83b1e15-36f3-4f46-aceb-05aac24c545e" providerId="ADAL" clId="{E2BF0542-8AC8-C546-A69D-6176F8674AAF}" dt="2022-01-25T14:07:25.952" v="19" actId="20577"/>
+        <pc:sldMkLst>
+          <pc:docMk/>
+          <pc:sldMk cId="1330366002" sldId="454"/>
+        </pc:sldMkLst>
+        <pc:spChg chg="mod">
+          <ac:chgData name="Khattab, Sherif" userId="c83b1e15-36f3-4f46-aceb-05aac24c545e" providerId="ADAL" clId="{E2BF0542-8AC8-C546-A69D-6176F8674AAF}" dt="2022-01-25T14:07:25.952" v="19" actId="20577"/>
+          <ac:spMkLst>
+            <pc:docMk/>
+            <pc:sldMk cId="1330366002" sldId="454"/>
+            <ac:spMk id="3" creationId="{00000000-0000-0000-0000-000000000000}"/>
+          </ac:spMkLst>
+        </pc:spChg>
+      </pc:sldChg>
+      <pc:sldChg chg="modSp mod modAnim">
+        <pc:chgData name="Khattab, Sherif" userId="c83b1e15-36f3-4f46-aceb-05aac24c545e" providerId="ADAL" clId="{E2BF0542-8AC8-C546-A69D-6176F8674AAF}" dt="2022-01-25T14:08:53.573" v="137"/>
+        <pc:sldMkLst>
+          <pc:docMk/>
+          <pc:sldMk cId="702367729" sldId="496"/>
+        </pc:sldMkLst>
+        <pc:spChg chg="mod">
+          <ac:chgData name="Khattab, Sherif" userId="c83b1e15-36f3-4f46-aceb-05aac24c545e" providerId="ADAL" clId="{E2BF0542-8AC8-C546-A69D-6176F8674AAF}" dt="2022-01-25T14:08:34.877" v="132" actId="20577"/>
+          <ac:spMkLst>
+            <pc:docMk/>
+            <pc:sldMk cId="702367729" sldId="496"/>
+            <ac:spMk id="3" creationId="{2466C52D-9A48-4683-BE7F-268D8DB7FAAD}"/>
+          </ac:spMkLst>
+        </pc:spChg>
+      </pc:sldChg>
+      <pc:sldChg chg="add">
+        <pc:chgData name="Khattab, Sherif" userId="c83b1e15-36f3-4f46-aceb-05aac24c545e" providerId="ADAL" clId="{E2BF0542-8AC8-C546-A69D-6176F8674AAF}" dt="2022-01-25T14:11:50.413" v="235"/>
+        <pc:sldMkLst>
+          <pc:docMk/>
+          <pc:sldMk cId="740097054" sldId="497"/>
         </pc:sldMkLst>
       </pc:sldChg>
       <pc:sldChg chg="add del">
-        <pc:chgData name="Khattab, Sherif" userId="c83b1e15-36f3-4f46-aceb-05aac24c545e" providerId="ADAL" clId="{E2BF0542-8AC8-C546-A69D-6176F8674AAF}" dt="2022-01-20T05:43:06.433" v="8"/>
+        <pc:chgData name="Khattab, Sherif" userId="c83b1e15-36f3-4f46-aceb-05aac24c545e" providerId="ADAL" clId="{E2BF0542-8AC8-C546-A69D-6176F8674AAF}" dt="2022-01-25T14:11:40.790" v="232" actId="2696"/>
         <pc:sldMkLst>
           <pc:docMk/>
           <pc:sldMk cId="2782489002" sldId="497"/>
+        </pc:sldMkLst>
+      </pc:sldChg>
+      <pc:sldChg chg="add del">
+        <pc:chgData name="Khattab, Sherif" userId="c83b1e15-36f3-4f46-aceb-05aac24c545e" providerId="ADAL" clId="{E2BF0542-8AC8-C546-A69D-6176F8674AAF}" dt="2022-01-25T14:11:50.347" v="234"/>
+        <pc:sldMkLst>
+          <pc:docMk/>
+          <pc:sldMk cId="4243326550" sldId="497"/>
+        </pc:sldMkLst>
+      </pc:sldChg>
+      <pc:sldChg chg="del">
+        <pc:chgData name="Khattab, Sherif" userId="c83b1e15-36f3-4f46-aceb-05aac24c545e" providerId="ADAL" clId="{E2BF0542-8AC8-C546-A69D-6176F8674AAF}" dt="2022-01-25T14:09:42.818" v="224" actId="2696"/>
+        <pc:sldMkLst>
+          <pc:docMk/>
+          <pc:sldMk cId="3238743984" sldId="499"/>
         </pc:sldMkLst>
       </pc:sldChg>
       <pc:sldChg chg="add del">
@@ -1938,6 +2026,29 @@
           <pc:sldMk cId="4120720973" sldId="503"/>
         </pc:sldMkLst>
       </pc:sldChg>
+      <pc:sldChg chg="modSp mod">
+        <pc:chgData name="Khattab, Sherif" userId="c83b1e15-36f3-4f46-aceb-05aac24c545e" providerId="ADAL" clId="{E2BF0542-8AC8-C546-A69D-6176F8674AAF}" dt="2022-01-25T14:09:23.851" v="223" actId="20577"/>
+        <pc:sldMkLst>
+          <pc:docMk/>
+          <pc:sldMk cId="747882086" sldId="504"/>
+        </pc:sldMkLst>
+        <pc:spChg chg="mod">
+          <ac:chgData name="Khattab, Sherif" userId="c83b1e15-36f3-4f46-aceb-05aac24c545e" providerId="ADAL" clId="{E2BF0542-8AC8-C546-A69D-6176F8674AAF}" dt="2022-01-25T14:09:00.964" v="146" actId="20577"/>
+          <ac:spMkLst>
+            <pc:docMk/>
+            <pc:sldMk cId="747882086" sldId="504"/>
+            <ac:spMk id="2" creationId="{E097A24C-0B49-6145-9835-7406BF7C245B}"/>
+          </ac:spMkLst>
+        </pc:spChg>
+        <pc:spChg chg="mod">
+          <ac:chgData name="Khattab, Sherif" userId="c83b1e15-36f3-4f46-aceb-05aac24c545e" providerId="ADAL" clId="{E2BF0542-8AC8-C546-A69D-6176F8674AAF}" dt="2022-01-25T14:09:23.851" v="223" actId="20577"/>
+          <ac:spMkLst>
+            <pc:docMk/>
+            <pc:sldMk cId="747882086" sldId="504"/>
+            <ac:spMk id="3" creationId="{93532249-5E17-2A4B-B649-961DDDF1F5F6}"/>
+          </ac:spMkLst>
+        </pc:spChg>
+      </pc:sldChg>
       <pc:sldChg chg="add del">
         <pc:chgData name="Khattab, Sherif" userId="c83b1e15-36f3-4f46-aceb-05aac24c545e" providerId="ADAL" clId="{E2BF0542-8AC8-C546-A69D-6176F8674AAF}" dt="2022-01-20T15:49:53.050" v="11"/>
         <pc:sldMkLst>
@@ -1946,10 +2057,24 @@
         </pc:sldMkLst>
       </pc:sldChg>
       <pc:sldChg chg="add del">
-        <pc:chgData name="Khattab, Sherif" userId="c83b1e15-36f3-4f46-aceb-05aac24c545e" providerId="ADAL" clId="{E2BF0542-8AC8-C546-A69D-6176F8674AAF}" dt="2022-01-20T15:49:53.050" v="11"/>
+        <pc:chgData name="Khattab, Sherif" userId="c83b1e15-36f3-4f46-aceb-05aac24c545e" providerId="ADAL" clId="{E2BF0542-8AC8-C546-A69D-6176F8674AAF}" dt="2022-01-25T14:11:15.365" v="228" actId="2696"/>
         <pc:sldMkLst>
           <pc:docMk/>
           <pc:sldMk cId="2743959136" sldId="512"/>
+        </pc:sldMkLst>
+      </pc:sldChg>
+      <pc:sldChg chg="add ord">
+        <pc:chgData name="Khattab, Sherif" userId="c83b1e15-36f3-4f46-aceb-05aac24c545e" providerId="ADAL" clId="{E2BF0542-8AC8-C546-A69D-6176F8674AAF}" dt="2022-01-25T14:12:42.551" v="240" actId="20578"/>
+        <pc:sldMkLst>
+          <pc:docMk/>
+          <pc:sldMk cId="2801866406" sldId="512"/>
+        </pc:sldMkLst>
+      </pc:sldChg>
+      <pc:sldChg chg="add del">
+        <pc:chgData name="Khattab, Sherif" userId="c83b1e15-36f3-4f46-aceb-05aac24c545e" providerId="ADAL" clId="{E2BF0542-8AC8-C546-A69D-6176F8674AAF}" dt="2022-01-25T14:11:24.690" v="230"/>
+        <pc:sldMkLst>
+          <pc:docMk/>
+          <pc:sldMk cId="3873111975" sldId="512"/>
         </pc:sldMkLst>
       </pc:sldChg>
       <pc:sldChg chg="add del">
@@ -1959,33 +2084,152 @@
           <pc:sldMk cId="1845419114" sldId="517"/>
         </pc:sldMkLst>
       </pc:sldChg>
+      <pc:sldChg chg="add del modAnim">
+        <pc:chgData name="Khattab, Sherif" userId="c83b1e15-36f3-4f46-aceb-05aac24c545e" providerId="ADAL" clId="{E2BF0542-8AC8-C546-A69D-6176F8674AAF}" dt="2022-01-25T14:14:40.143" v="290"/>
+        <pc:sldMkLst>
+          <pc:docMk/>
+          <pc:sldMk cId="2804781805" sldId="518"/>
+        </pc:sldMkLst>
+      </pc:sldChg>
+      <pc:sldChg chg="add del modAnim">
+        <pc:chgData name="Khattab, Sherif" userId="c83b1e15-36f3-4f46-aceb-05aac24c545e" providerId="ADAL" clId="{E2BF0542-8AC8-C546-A69D-6176F8674AAF}" dt="2022-01-25T14:14:48.744" v="292"/>
+        <pc:sldMkLst>
+          <pc:docMk/>
+          <pc:sldMk cId="1525193433" sldId="519"/>
+        </pc:sldMkLst>
+      </pc:sldChg>
+      <pc:sldChg chg="del">
+        <pc:chgData name="Khattab, Sherif" userId="c83b1e15-36f3-4f46-aceb-05aac24c545e" providerId="ADAL" clId="{E2BF0542-8AC8-C546-A69D-6176F8674AAF}" dt="2022-01-25T14:08:56.945" v="138" actId="2696"/>
+        <pc:sldMkLst>
+          <pc:docMk/>
+          <pc:sldMk cId="300931632" sldId="523"/>
+        </pc:sldMkLst>
+      </pc:sldChg>
+      <pc:sldChg chg="modSp mod modAnim">
+        <pc:chgData name="Khattab, Sherif" userId="c83b1e15-36f3-4f46-aceb-05aac24c545e" providerId="ADAL" clId="{E2BF0542-8AC8-C546-A69D-6176F8674AAF}" dt="2022-01-25T14:23:31.722" v="504"/>
+        <pc:sldMkLst>
+          <pc:docMk/>
+          <pc:sldMk cId="2601559611" sldId="524"/>
+        </pc:sldMkLst>
+        <pc:spChg chg="mod">
+          <ac:chgData name="Khattab, Sherif" userId="c83b1e15-36f3-4f46-aceb-05aac24c545e" providerId="ADAL" clId="{E2BF0542-8AC8-C546-A69D-6176F8674AAF}" dt="2022-01-25T14:23:03.962" v="494" actId="27636"/>
+          <ac:spMkLst>
+            <pc:docMk/>
+            <pc:sldMk cId="2601559611" sldId="524"/>
+            <ac:spMk id="3" creationId="{9DEBC682-0C7C-456E-94E7-AE960EDA31D0}"/>
+          </ac:spMkLst>
+        </pc:spChg>
+      </pc:sldChg>
+      <pc:sldChg chg="add modAnim">
+        <pc:chgData name="Khattab, Sherif" userId="c83b1e15-36f3-4f46-aceb-05aac24c545e" providerId="ADAL" clId="{E2BF0542-8AC8-C546-A69D-6176F8674AAF}" dt="2022-01-25T14:14:19.496" v="288"/>
+        <pc:sldMkLst>
+          <pc:docMk/>
+          <pc:sldMk cId="834553574" sldId="536"/>
+        </pc:sldMkLst>
+      </pc:sldChg>
+      <pc:sldChg chg="add del">
+        <pc:chgData name="Khattab, Sherif" userId="c83b1e15-36f3-4f46-aceb-05aac24c545e" providerId="ADAL" clId="{E2BF0542-8AC8-C546-A69D-6176F8674AAF}" dt="2022-01-25T14:11:50.347" v="234"/>
+        <pc:sldMkLst>
+          <pc:docMk/>
+          <pc:sldMk cId="1605556259" sldId="536"/>
+        </pc:sldMkLst>
+      </pc:sldChg>
+      <pc:sldChg chg="add del">
+        <pc:chgData name="Khattab, Sherif" userId="c83b1e15-36f3-4f46-aceb-05aac24c545e" providerId="ADAL" clId="{E2BF0542-8AC8-C546-A69D-6176F8674AAF}" dt="2022-01-25T14:11:40.790" v="232" actId="2696"/>
+        <pc:sldMkLst>
+          <pc:docMk/>
+          <pc:sldMk cId="3742099282" sldId="536"/>
+        </pc:sldMkLst>
+      </pc:sldChg>
       <pc:sldChg chg="add del">
         <pc:chgData name="Khattab, Sherif" userId="c83b1e15-36f3-4f46-aceb-05aac24c545e" providerId="ADAL" clId="{E2BF0542-8AC8-C546-A69D-6176F8674AAF}" dt="2022-01-20T15:49:53.050" v="11"/>
         <pc:sldMkLst>
           <pc:docMk/>
-          <pc:sldMk cId="2804781805" sldId="518"/>
+          <pc:sldMk cId="2710097941" sldId="549"/>
         </pc:sldMkLst>
       </pc:sldChg>
       <pc:sldChg chg="add del">
-        <pc:chgData name="Khattab, Sherif" userId="c83b1e15-36f3-4f46-aceb-05aac24c545e" providerId="ADAL" clId="{E2BF0542-8AC8-C546-A69D-6176F8674AAF}" dt="2022-01-20T15:49:53.050" v="11"/>
-        <pc:sldMkLst>
-          <pc:docMk/>
-          <pc:sldMk cId="1525193433" sldId="519"/>
-        </pc:sldMkLst>
-      </pc:sldChg>
-      <pc:sldChg chg="add del">
-        <pc:chgData name="Khattab, Sherif" userId="c83b1e15-36f3-4f46-aceb-05aac24c545e" providerId="ADAL" clId="{E2BF0542-8AC8-C546-A69D-6176F8674AAF}" dt="2022-01-20T05:43:06.433" v="8"/>
-        <pc:sldMkLst>
-          <pc:docMk/>
-          <pc:sldMk cId="3742099282" sldId="536"/>
-        </pc:sldMkLst>
-      </pc:sldChg>
-      <pc:sldChg chg="add del">
-        <pc:chgData name="Khattab, Sherif" userId="c83b1e15-36f3-4f46-aceb-05aac24c545e" providerId="ADAL" clId="{E2BF0542-8AC8-C546-A69D-6176F8674AAF}" dt="2022-01-20T15:49:53.050" v="11"/>
-        <pc:sldMkLst>
-          <pc:docMk/>
-          <pc:sldMk cId="2710097941" sldId="549"/>
-        </pc:sldMkLst>
+        <pc:chgData name="Khattab, Sherif" userId="c83b1e15-36f3-4f46-aceb-05aac24c545e" providerId="ADAL" clId="{E2BF0542-8AC8-C546-A69D-6176F8674AAF}" dt="2022-01-25T14:12:24.114" v="237"/>
+        <pc:sldMkLst>
+          <pc:docMk/>
+          <pc:sldMk cId="1464919975" sldId="550"/>
+        </pc:sldMkLst>
+      </pc:sldChg>
+      <pc:sldChg chg="add">
+        <pc:chgData name="Khattab, Sherif" userId="c83b1e15-36f3-4f46-aceb-05aac24c545e" providerId="ADAL" clId="{E2BF0542-8AC8-C546-A69D-6176F8674AAF}" dt="2022-01-25T14:12:24.175" v="238"/>
+        <pc:sldMkLst>
+          <pc:docMk/>
+          <pc:sldMk cId="2879040013" sldId="550"/>
+        </pc:sldMkLst>
+      </pc:sldChg>
+      <pc:sldChg chg="modSp add mod">
+        <pc:chgData name="Khattab, Sherif" userId="c83b1e15-36f3-4f46-aceb-05aac24c545e" providerId="ADAL" clId="{E2BF0542-8AC8-C546-A69D-6176F8674AAF}" dt="2022-01-25T14:13:30.083" v="283" actId="20577"/>
+        <pc:sldMkLst>
+          <pc:docMk/>
+          <pc:sldMk cId="3856647210" sldId="551"/>
+        </pc:sldMkLst>
+        <pc:spChg chg="mod">
+          <ac:chgData name="Khattab, Sherif" userId="c83b1e15-36f3-4f46-aceb-05aac24c545e" providerId="ADAL" clId="{E2BF0542-8AC8-C546-A69D-6176F8674AAF}" dt="2022-01-25T14:13:30.083" v="283" actId="20577"/>
+          <ac:spMkLst>
+            <pc:docMk/>
+            <pc:sldMk cId="3856647210" sldId="551"/>
+            <ac:spMk id="90114" creationId="{308C4648-C13A-A547-ABA8-14DA70E0773D}"/>
+          </ac:spMkLst>
+        </pc:spChg>
+        <pc:spChg chg="mod">
+          <ac:chgData name="Khattab, Sherif" userId="c83b1e15-36f3-4f46-aceb-05aac24c545e" providerId="ADAL" clId="{E2BF0542-8AC8-C546-A69D-6176F8674AAF}" dt="2022-01-25T14:13:20.974" v="261" actId="5793"/>
+          <ac:spMkLst>
+            <pc:docMk/>
+            <pc:sldMk cId="3856647210" sldId="551"/>
+            <ac:spMk id="90115" creationId="{691666FD-EDA0-044F-A826-5F64B00DC362}"/>
+          </ac:spMkLst>
+        </pc:spChg>
+      </pc:sldChg>
+      <pc:sldChg chg="modSp new mod modAnim">
+        <pc:chgData name="Khattab, Sherif" userId="c83b1e15-36f3-4f46-aceb-05aac24c545e" providerId="ADAL" clId="{E2BF0542-8AC8-C546-A69D-6176F8674AAF}" dt="2022-01-25T14:23:20.744" v="501"/>
+        <pc:sldMkLst>
+          <pc:docMk/>
+          <pc:sldMk cId="4255082963" sldId="552"/>
+        </pc:sldMkLst>
+        <pc:spChg chg="mod">
+          <ac:chgData name="Khattab, Sherif" userId="c83b1e15-36f3-4f46-aceb-05aac24c545e" providerId="ADAL" clId="{E2BF0542-8AC8-C546-A69D-6176F8674AAF}" dt="2022-01-25T14:22:52.066" v="492" actId="20577"/>
+          <ac:spMkLst>
+            <pc:docMk/>
+            <pc:sldMk cId="4255082963" sldId="552"/>
+            <ac:spMk id="2" creationId="{518DE74E-6C64-D24C-9396-4381160CAC33}"/>
+          </ac:spMkLst>
+        </pc:spChg>
+        <pc:spChg chg="mod">
+          <ac:chgData name="Khattab, Sherif" userId="c83b1e15-36f3-4f46-aceb-05aac24c545e" providerId="ADAL" clId="{E2BF0542-8AC8-C546-A69D-6176F8674AAF}" dt="2022-01-25T14:23:13.400" v="499" actId="6549"/>
+          <ac:spMkLst>
+            <pc:docMk/>
+            <pc:sldMk cId="4255082963" sldId="552"/>
+            <ac:spMk id="3" creationId="{D92E72B7-E017-BA43-ACBB-90B57EC4A1EE}"/>
+          </ac:spMkLst>
+        </pc:spChg>
+      </pc:sldChg>
+      <pc:sldChg chg="modSp new mod modAnim">
+        <pc:chgData name="Khattab, Sherif" userId="c83b1e15-36f3-4f46-aceb-05aac24c545e" providerId="ADAL" clId="{E2BF0542-8AC8-C546-A69D-6176F8674AAF}" dt="2022-01-25T14:22:44.378" v="471"/>
+        <pc:sldMkLst>
+          <pc:docMk/>
+          <pc:sldMk cId="3412417812" sldId="553"/>
+        </pc:sldMkLst>
+        <pc:spChg chg="mod">
+          <ac:chgData name="Khattab, Sherif" userId="c83b1e15-36f3-4f46-aceb-05aac24c545e" providerId="ADAL" clId="{E2BF0542-8AC8-C546-A69D-6176F8674AAF}" dt="2022-01-25T14:22:26.779" v="463" actId="20577"/>
+          <ac:spMkLst>
+            <pc:docMk/>
+            <pc:sldMk cId="3412417812" sldId="553"/>
+            <ac:spMk id="2" creationId="{707FC16F-115C-334C-A368-5CED5FF4DD88}"/>
+          </ac:spMkLst>
+        </pc:spChg>
+        <pc:spChg chg="mod">
+          <ac:chgData name="Khattab, Sherif" userId="c83b1e15-36f3-4f46-aceb-05aac24c545e" providerId="ADAL" clId="{E2BF0542-8AC8-C546-A69D-6176F8674AAF}" dt="2022-01-25T14:22:38.394" v="469" actId="20577"/>
+          <ac:spMkLst>
+            <pc:docMk/>
+            <pc:sldMk cId="3412417812" sldId="553"/>
+            <ac:spMk id="3" creationId="{C030CFE4-24B5-6749-8C90-C5B735AD3E11}"/>
+          </ac:spMkLst>
+        </pc:spChg>
       </pc:sldChg>
     </pc:docChg>
   </pc:docChgLst>
@@ -8535,68 +8779,6 @@
     </pc:docChg>
   </pc:docChgLst>
 </pc:chgInfo>
-</file>
-
-<file path=ppt/ink/ink1.xml><?xml version="1.0" encoding="utf-8"?>
-<inkml:ink xmlns:inkml="http://www.w3.org/2003/InkML">
-  <inkml:definitions>
-    <inkml:context xml:id="ctx0">
-      <inkml:inkSource xml:id="inkSrc0">
-        <inkml:traceFormat>
-          <inkml:channel name="X" type="integer" min="-2.14748E9" max="2.14748E9" units="cm"/>
-          <inkml:channel name="Y" type="integer" min="-2.14748E9" max="2.14748E9" units="cm"/>
-          <inkml:channel name="F" type="integer" max="32767" units="dev"/>
-          <inkml:channel name="OA" type="integer" max="360" units="deg"/>
-          <inkml:channel name="OE" type="integer" max="90" units="deg"/>
-        </inkml:traceFormat>
-        <inkml:channelProperties>
-          <inkml:channelProperty channel="X" name="resolution" value="1000" units="1/cm"/>
-          <inkml:channelProperty channel="Y" name="resolution" value="1000" units="1/cm"/>
-          <inkml:channelProperty channel="F" name="resolution" value="0" units="1/dev"/>
-          <inkml:channelProperty channel="OA" name="resolution" value="1000" units="1/deg"/>
-          <inkml:channelProperty channel="OE" name="resolution" value="1000" units="1/deg"/>
-        </inkml:channelProperties>
-      </inkml:inkSource>
-      <inkml:timestamp xml:id="ts0" timeString="2021-02-03T02:08:22.077"/>
-    </inkml:context>
-    <inkml:brush xml:id="br0">
-      <inkml:brushProperty name="width" value="0.05" units="cm"/>
-      <inkml:brushProperty name="height" value="0.05" units="cm"/>
-    </inkml:brush>
-  </inkml:definitions>
-  <inkml:trace contextRef="#ctx0" brushRef="#br0">0 0 4144 0 0,'0'0'191'0'0,"4"2"-11"0"0,48 16 3536 0 0,71 14 1 0 0,-63-18-3105 0 0,98 40-337 0 0,-107-35-177 0 0,79 21 1 0 0,-88-28 79 0 0,2 2 1 0 0,-1 4-1 0 0,-1 0 1 0 0,-2 2 0 0 0,66 42-1 0 0,37 18 213 0 0,-41-25-207 0 0,-32-19 104 0 0,135 54-1 0 0,-149-68-128 0 0,-1 2 0 0 0,-1 4 0 0 0,0 0 0 0 0,78 61 0 0 0,-59-41 86 0 0,-31-20 20 0 0,46 40 0 0 0,0 1 146 0 0,-67-51-356 0 0,-1-4 0 0 0,42 26-1 0 0,-12-12-29 0 0,6 12 42 0 0,-26-20-55 0 0,45 24 0 0 0,33 13 43 0 0,91 41-57 0 0,-149-74 77 0 0,-2 4 0 0 0,79 54-1 0 0,-89-58-81 0 0,0-1-1 0 0,58 27 0 0 0,1-4-131 0 0,206 139 287 0 0,-167-107 34 0 0,-86-46-329 0 0,-44-28 128 0 0,0 0 0 0 0,0 0 0 0 0,0 0 0 0 0,0 0 0 0 0,0-2 0 0 0,2 2 0 0 0,-2-2 0 0 0,9 4 0 0 0,-5-4 16 0 0,0 0 0 0 0,0 2 0 0 0,0 0 0 0 0,-2 0 1 0 0,16 8-1 0 0,30 16 2 0 0,-4 2 1 0 0,-10-3 0 0 0,-18-15 0 0 0,3 0 0 0 0,-13 6 11 0 0,-10-14 42 0 0,-6-4 13 0 0,-281 0 224 0 0,278 0-283 0 0,3 0 0 0 0,0-2-1 0 0,-2 2 1 0 0,2-2-1 0 0,0 2 1 0 0,-2-2-1 0 0,2 0 1 0 0,-6-2-1 0 0,6 2 2 0 0,-2 0-1 0 0,2 0 0 0 0,-2 0 0 0 0,2 2 1 0 0,-2-2-1 0 0,2 2 0 0 0,-2-2 0 0 0,-6 2 0 0 0,6 0-7 0 0,0 2 0 0 0,0-4 0 0 0,0 2 0 0 0,0 0 0 0 0,-2 0 0 0 0,2-2 0 0 0,-8-2 0 0 0,-6 0 0 0 0,-28 4 0 0 0,40 0 0 0 0,6-2 0 0 0,-2 2 0 0 0,2 0 0 0 0,-2 0 0 0 0,2 0 0 0 0,-2 0 0 0 0,2 0 0 0 0,-2 0 0 0 0,2 0 0 0 0,-2 0 0 0 0,2 2 0 0 0,-2-2 0 0 0,-3 2 0 0 0,-19 4 0 0 0,2-4 0 0 0,12-2 11 0 0,10 0 786 0 0,6 2-737 0 0,38 12-48 0 0,-38-12-12 0 0,-2 0 0 0 0,2-2 0 0 0,0 2 0 0 0,0-2 0 0 0,1 2 0 0 0,-1-2 0 0 0,-2 0 0 0 0,2 0-1 0 0,0 0 1 0 0,8 0 0 0 0,22 0 1 0 0,54 0-1 0 0,-54 0 0 0 0,14 0 18 0 0,-44 0 66 0 0,2 2 5 0 0,14 4-10 0 0,-12-4-52 0 0,1 2 0 0 0,-1-2 0 0 0,0 0 0 0 0,0 0 0 0 0,16 0 0 0 0,-20-2-23 0 0,0 0 3 0 0,0 0 0 0 0,0 0 0 0 0,0 0 0 0 0,0 0 1 0 0,0 2-1 0 0,0-2 0 0 0,0 0 0 0 0,0 2 0 0 0,-2-2 0 0 0,2 2 0 0 0,0 0 0 0 0,6 2 0 0 0,10 16 9 0 0,-14-18-14 0 0,-2-2-2 0 0,-2-2-1 0 0,2 2 1 0 0,0 0 0 0 0,0 0 0 0 0,0-2 0 0 0,-2 2 0 0 0,2 2 0 0 0,0-2 0 0 0,0 0 0 0 0,0 0 0 0 0,6 2-1 0 0,-8 0 1 0 0,-2-2 0 0 0,2 0-1 0 0,0 0 1 0 0,0 0 0 0 0,0 2-1 0 0,-2-2 1 0 0,2 0-1 0 0,0 2 1 0 0,0-2 0 0 0,0 2-1 0 0,-2-2 1 0 0,4 4 0 0 0,16 8 58 0 0,-2-2-37 0 0,-4 8 34 0 0,-12-14 14 0 0,-4-10-14 0 0,-14-58-44 0 0,14 48-11 0 0,-2 0 0 0 0,-10-28-1 0 0,-16-23 1 0 0,18 41 0 0 0,0 0 0 0 0,-8-28 0 0 0,-68-193 70 0 0,48 139-76 0 0,34 92 13 0 0,-2 2-1 0 0,2-1 1 0 0,-5 1-1 0 0,-7-14 0 0 0,-20-36-1007 0 0,10 12-3612 0 0,-8 8-1556 0 0</inkml:trace>
-</inkml:ink>
-</file>
-
-<file path=ppt/ink/ink2.xml><?xml version="1.0" encoding="utf-8"?>
-<inkml:ink xmlns:inkml="http://www.w3.org/2003/InkML">
-  <inkml:definitions>
-    <inkml:context xml:id="ctx0">
-      <inkml:inkSource xml:id="inkSrc0">
-        <inkml:traceFormat>
-          <inkml:channel name="X" type="integer" min="-2.14748E9" max="2.14748E9" units="cm"/>
-          <inkml:channel name="Y" type="integer" min="-2.14748E9" max="2.14748E9" units="cm"/>
-          <inkml:channel name="F" type="integer" max="32767" units="dev"/>
-          <inkml:channel name="OA" type="integer" max="360" units="deg"/>
-          <inkml:channel name="OE" type="integer" max="90" units="deg"/>
-        </inkml:traceFormat>
-        <inkml:channelProperties>
-          <inkml:channelProperty channel="X" name="resolution" value="1000" units="1/cm"/>
-          <inkml:channelProperty channel="Y" name="resolution" value="1000" units="1/cm"/>
-          <inkml:channelProperty channel="F" name="resolution" value="0" units="1/dev"/>
-          <inkml:channelProperty channel="OA" name="resolution" value="1000" units="1/deg"/>
-          <inkml:channelProperty channel="OE" name="resolution" value="1000" units="1/deg"/>
-        </inkml:channelProperties>
-      </inkml:inkSource>
-      <inkml:timestamp xml:id="ts0" timeString="2021-02-03T02:08:25.434"/>
-    </inkml:context>
-    <inkml:brush xml:id="br0">
-      <inkml:brushProperty name="width" value="0.05" units="cm"/>
-      <inkml:brushProperty name="height" value="0.05" units="cm"/>
-    </inkml:brush>
-  </inkml:definitions>
-  <inkml:trace contextRef="#ctx0" brushRef="#br0">1 1 4608 0 0,'0'0'1792'0'0,"4"1"-322"0"0,2 1-978 0 0,2-2 0 0 0,-1 1-1 0 0,0-1 1 0 0,1 0-1 0 0,-1 0 1 0 0,13-3 0 0 0,-9 3-455 0 0,0 0 1 0 0,0 0 0 0 0,0 3-1 0 0,0-2 1 0 0,-1 2 0 0 0,0-1-1 0 0,1 1 1 0 0,-1 1 0 0 0,12 5-1 0 0,2 0-37 0 0,102 31 113 0 0,-104-35-99 0 0,-1 0-1 0 0,2-1 0 0 0,38 0 0 0 0,67 6 743 0 0,-34 0-126 0 0,-75-9-482 0 0,1 1 0 0 0,-1 1 0 0 0,29 7 0 0 0,88 23 357 0 0,22 7-306 0 0,-32 0-203 0 0,121 44 90 0 0,115 32 18 0 0,-342-111-81 0 0,126 32 352 0 0,44 4 313 0 0,-13-3-170 0 0,-116-22-365 0 0,75 11-1 0 0,115 17 104 0 0,16 0-58 0 0,-227-36-193 0 0,52 18 0 0 0,13 4 49 0 0,275 71 192 0 0,-238-50-68 0 0,-98-33-153 0 0,-33-12-10 0 0,-1-2 0 0 0,0-1 0 0 0,2 1 0 0 0,16 3 0 0 0,14 3 130 0 0,-33-6-101 0 0,0-3 1 0 0,0 2-1 0 0,0-2 0 0 0,16 2 0 0 0,-22-2-25 0 0,1-1 0 0 0,0 1 0 0 0,0 1 0 0 0,0-2-1 0 0,0 1 1 0 0,0 0 0 0 0,0 2 0 0 0,5 2 0 0 0,-7-4 20 0 0,0 1 1 0 0,0-1-1 0 0,1 0 1 0 0,-1 0-1 0 0,1-1 1 0 0,0 2-1 0 0,-1-1 0 0 0,2-1 1 0 0,-1 1-1 0 0,-1-1 1 0 0,1 0-1 0 0,-1 0 1 0 0,1 0-1 0 0,3 0 1 0 0,-4 0-28 0 0,-1 0 0 0 0,0 0 0 0 0,1 0 0 0 0,-1 0 0 0 0,0 0 1 0 0,0 0-1 0 0,1 2 0 0 0,-1-2 0 0 0,0 0 0 0 0,-1 0 0 0 0,2 1 0 0 0,1 0 1 0 0,0 0 11 0 0,1 1 632 0 0,0-10-520 0 0,-4 8-130 0 0,0 0 1 0 0,1 0 0 0 0,-1 0 0 0 0,0-1 0 0 0,0 1 0 0 0,1 0 0 0 0,-1 0 0 0 0,0-2 0 0 0,0 2-1 0 0,2 0 1 0 0,-2-1 0 0 0,0 1 0 0 0,0 0 0 0 0,0-1 0 0 0,0 1 0 0 0,0 0 0 0 0,1-1 0 0 0,-1 1-1 0 0,0 0 1 0 0,0-2 0 0 0,0 2 0 0 0,0 0 0 0 0,0-1 0 0 0,0 1 0 0 0,0 0 0 0 0,0-1 0 0 0,0-1-1 0 0,3-18 156 0 0,-2 17-141 0 0,-1 0 0 0 0,1 0 0 0 0,-1 0 0 0 0,0 0 0 0 0,1 1 0 0 0,-1-1 0 0 0,0 1-1 0 0,-1-2 1 0 0,1 1 0 0 0,0 1 0 0 0,0-1 0 0 0,-1 0 0 0 0,1 1 0 0 0,-1-1 0 0 0,-2-4-1 0 0,-3-3 54 0 0,-1 1 0 0 0,-1 0 0 0 0,2 2-1 0 0,-2-2 1 0 0,0 1 0 0 0,-12-9-1 0 0,0-1 31 0 0,2 2-37 0 0,0 2 0 0 0,0 0 0 0 0,-25-13 0 0 0,-7-11-67 0 0,45 36 0 0 0,-1-1 0 0 0,3-1 0 0 0,-3 2 0 0 0,1 0 0 0 0,0 0 0 0 0,0 0 0 0 0,-8-1 0 0 0,-3-3 0 0 0,9-1 0 0 0,-1 0-10 0 0,7 6-48 0 0,2 5-79 0 0,3 4 132 0 0,-3-3-3 0 0,2 0 0 0 0,-2-1 0 0 0,2 1 0 0 0,-1 0 0 0 0,1-1 0 0 0,1 0 0 0 0,-2 1 0 0 0,6 4 0 0 0,33 23-16 0 0,85 55 0 0 0,-63-46-6 0 0,-42-28 30 0 0,31 29 0 0 0,-19-14 2 0 0,-20-19 17 0 0,-3 0-1 0 0,2 2 0 0 0,-2-1 1 0 0,1 0-1 0 0,12 20 0 0 0,-22-27 344 0 0,-2-1-312 0 0,1 1 1 0 0,-1-2-1 0 0,1 2 1 0 0,-2-1 0 0 0,1 1-1 0 0,1-2 1 0 0,-1 2-1 0 0,0-1 1 0 0,-1 0 0 0 0,1 0-1 0 0,0 0 1 0 0,-2-1-1 0 0,2 1 1 0 0,-3 2 0 0 0,-26 21 332 0 0,11-11-131 0 0,-3-1 0 0 0,1 0 0 0 0,-33 13 0 0 0,-72 20 126 0 0,-16 9-246 0 0,-13 12-39 0 0,117-53-488 0 0,1-2 0 0 0,-48 8 0 0 0,70-17 135 0 0,2-2-1 0 0,-1 1 1 0 0,1-2 0 0 0,0 0 0 0 0,-1 0 0 0 0,1-2 0 0 0,-1 0 0 0 0,1-1 0 0 0,-15-5-1 0 0,6 1-411 0 0,-35-18 0 0 0</inkml:trace>
-</inkml:ink>
 </file>
 
 <file path=ppt/notesMasters/notesMaster1.xml><?xml version="1.0" encoding="utf-8"?>
@@ -10424,7 +10606,7 @@
                 </a:tabLst>
                 <a:defRPr/>
               </a:pPr>
-              <a:t>9</a:t>
+              <a:t>10</a:t>
             </a:fld>
             <a:endParaRPr kumimoji="0" lang="en-GB" altLang="en-US" sz="1400" b="0" i="0" u="none" strike="noStrike" kern="1200" cap="none" spc="0" normalizeH="0" baseline="0" noProof="0">
               <a:ln>
@@ -10519,7 +10701,7 @@
               </a14:hiddenLine>
             </a:ext>
             <a:ext uri="{FAA26D3D-D897-4be2-8F04-BA451C77F1D7}">
-              <ma14:placeholderFlag xmlns="" xmlns:ma14="http://schemas.microsoft.com/office/mac/drawingml/2011/main" val="1"/>
+              <ma14:placeholderFlag xmlns:ma14="http://schemas.microsoft.com/office/mac/drawingml/2011/main" xmlns="" val="1"/>
             </a:ext>
           </a:extLst>
         </p:spPr>
@@ -13384,8 +13566,8 @@
           <a:lstStyle/>
           <a:p>
             <a:r>
-              <a:rPr lang="en-US"/>
-              <a:t>Fall 2021</a:t>
+              <a:rPr lang="en-US" dirty="0"/>
+              <a:t>Spring 2022</a:t>
             </a:r>
           </a:p>
           <a:p>
@@ -13395,12 +13577,8 @@
               </a:lnSpc>
             </a:pPr>
             <a:r>
-              <a:rPr lang="en-GB" altLang="en-US" sz="4000"/>
-              <a:t>Sherif </a:t>
-            </a:r>
-            <a:r>
               <a:rPr lang="en-GB" altLang="en-US" sz="4000" dirty="0"/>
-              <a:t>Khattab</a:t>
+              <a:t>Sherif Khattab</a:t>
             </a:r>
           </a:p>
           <a:p>
@@ -13659,6 +13837,308 @@
           <p:cNvPr id="2" name="Title 1">
             <a:extLst>
               <a:ext uri="{FF2B5EF4-FFF2-40B4-BE49-F238E27FC236}">
+                <a16:creationId xmlns:a16="http://schemas.microsoft.com/office/drawing/2014/main" id="{21B069AF-6569-4512-986F-E784F07B4C99}"/>
+              </a:ext>
+            </a:extLst>
+          </p:cNvPr>
+          <p:cNvSpPr>
+            <a:spLocks noGrp="1"/>
+          </p:cNvSpPr>
+          <p:nvPr>
+            <p:ph type="title"/>
+          </p:nvPr>
+        </p:nvSpPr>
+        <p:spPr/>
+        <p:txBody>
+          <a:bodyPr/>
+          <a:lstStyle/>
+          <a:p>
+            <a:r>
+              <a:rPr lang="en-US" dirty="0"/>
+              <a:t>fork() tracing</a:t>
+            </a:r>
+          </a:p>
+        </p:txBody>
+      </p:sp>
+      <p:sp>
+        <p:nvSpPr>
+          <p:cNvPr id="3" name="Content Placeholder 2">
+            <a:extLst>
+              <a:ext uri="{FF2B5EF4-FFF2-40B4-BE49-F238E27FC236}">
+                <a16:creationId xmlns:a16="http://schemas.microsoft.com/office/drawing/2014/main" id="{53DEEDDA-87CA-4C22-AA4E-82F071E2C328}"/>
+              </a:ext>
+            </a:extLst>
+          </p:cNvPr>
+          <p:cNvSpPr>
+            <a:spLocks noGrp="1"/>
+          </p:cNvSpPr>
+          <p:nvPr>
+            <p:ph idx="1"/>
+          </p:nvPr>
+        </p:nvSpPr>
+        <p:spPr/>
+        <p:txBody>
+          <a:bodyPr/>
+          <a:lstStyle/>
+          <a:p>
+            <a:endParaRPr lang="en-US"/>
+          </a:p>
+        </p:txBody>
+      </p:sp>
+      <p:sp>
+        <p:nvSpPr>
+          <p:cNvPr id="4" name="Footer Placeholder 3">
+            <a:extLst>
+              <a:ext uri="{FF2B5EF4-FFF2-40B4-BE49-F238E27FC236}">
+                <a16:creationId xmlns:a16="http://schemas.microsoft.com/office/drawing/2014/main" id="{BFF0C662-DC70-47C2-AC2A-9C1C793BEB82}"/>
+              </a:ext>
+            </a:extLst>
+          </p:cNvPr>
+          <p:cNvSpPr>
+            <a:spLocks noGrp="1"/>
+          </p:cNvSpPr>
+          <p:nvPr>
+            <p:ph type="ftr" idx="11"/>
+          </p:nvPr>
+        </p:nvSpPr>
+        <p:spPr/>
+        <p:txBody>
+          <a:bodyPr/>
+          <a:lstStyle/>
+          <a:p>
+            <a:pPr marL="0" marR="0" lvl="0" indent="0" algn="ctr" defTabSz="457200" rtl="0" eaLnBrk="1" fontAlgn="base" latinLnBrk="0" hangingPunct="0">
+              <a:lnSpc>
+                <a:spcPct val="96000"/>
+              </a:lnSpc>
+              <a:spcBef>
+                <a:spcPct val="0"/>
+              </a:spcBef>
+              <a:spcAft>
+                <a:spcPct val="0"/>
+              </a:spcAft>
+              <a:buClr>
+                <a:srgbClr val="000000"/>
+              </a:buClr>
+              <a:buSzPct val="100000"/>
+              <a:buFont typeface="Times New Roman" pitchFamily="16" charset="0"/>
+              <a:buNone/>
+              <a:tabLst>
+                <a:tab pos="0" algn="l"/>
+                <a:tab pos="457200" algn="l"/>
+                <a:tab pos="914400" algn="l"/>
+                <a:tab pos="1371600" algn="l"/>
+                <a:tab pos="1828800" algn="l"/>
+                <a:tab pos="2286000" algn="l"/>
+                <a:tab pos="2743200" algn="l"/>
+                <a:tab pos="3200400" algn="l"/>
+                <a:tab pos="3657600" algn="l"/>
+                <a:tab pos="4114800" algn="l"/>
+                <a:tab pos="4572000" algn="l"/>
+                <a:tab pos="5029200" algn="l"/>
+                <a:tab pos="5486400" algn="l"/>
+                <a:tab pos="5943600" algn="l"/>
+                <a:tab pos="6400800" algn="l"/>
+                <a:tab pos="6858000" algn="l"/>
+                <a:tab pos="7315200" algn="l"/>
+                <a:tab pos="7772400" algn="l"/>
+                <a:tab pos="8229600" algn="l"/>
+                <a:tab pos="8686800" algn="l"/>
+                <a:tab pos="9144000" algn="l"/>
+              </a:tabLst>
+              <a:defRPr/>
+            </a:pPr>
+            <a:r>
+              <a:rPr kumimoji="0" lang="en-US" sz="1400" b="0" i="0" u="none" strike="noStrike" kern="1200" cap="none" spc="0" normalizeH="0" baseline="0" noProof="0">
+                <a:ln>
+                  <a:noFill/>
+                </a:ln>
+                <a:solidFill>
+                  <a:srgbClr val="000000"/>
+                </a:solidFill>
+                <a:effectLst/>
+                <a:uLnTx/>
+                <a:uFillTx/>
+                <a:latin typeface="Arial"/>
+                <a:ea typeface="+mn-ea"/>
+                <a:cs typeface="Arial" charset="0"/>
+              </a:rPr>
+              <a:t>CS/COE 1550 – Operating Systems – Sherif Khattab</a:t>
+            </a:r>
+            <a:endParaRPr kumimoji="0" lang="en-GB" sz="1400" b="0" i="0" u="none" strike="noStrike" kern="1200" cap="none" spc="0" normalizeH="0" baseline="0" noProof="0" dirty="0">
+              <a:ln>
+                <a:noFill/>
+              </a:ln>
+              <a:solidFill>
+                <a:srgbClr val="000000"/>
+              </a:solidFill>
+              <a:effectLst/>
+              <a:uLnTx/>
+              <a:uFillTx/>
+              <a:latin typeface="Times New Roman" pitchFamily="16" charset="0"/>
+              <a:ea typeface="+mn-ea"/>
+              <a:cs typeface="Arial" charset="0"/>
+            </a:endParaRPr>
+          </a:p>
+        </p:txBody>
+      </p:sp>
+      <p:sp>
+        <p:nvSpPr>
+          <p:cNvPr id="5" name="Slide Number Placeholder 4">
+            <a:extLst>
+              <a:ext uri="{FF2B5EF4-FFF2-40B4-BE49-F238E27FC236}">
+                <a16:creationId xmlns:a16="http://schemas.microsoft.com/office/drawing/2014/main" id="{D2CA52D2-BB6F-4762-A6E0-F33C2E590D20}"/>
+              </a:ext>
+            </a:extLst>
+          </p:cNvPr>
+          <p:cNvSpPr>
+            <a:spLocks noGrp="1"/>
+          </p:cNvSpPr>
+          <p:nvPr>
+            <p:ph type="sldNum" idx="12"/>
+          </p:nvPr>
+        </p:nvSpPr>
+        <p:spPr/>
+        <p:txBody>
+          <a:bodyPr/>
+          <a:lstStyle/>
+          <a:p>
+            <a:pPr marL="0" marR="0" lvl="0" indent="0" algn="r" defTabSz="457200" rtl="0" eaLnBrk="1" fontAlgn="base" latinLnBrk="0" hangingPunct="0">
+              <a:lnSpc>
+                <a:spcPct val="96000"/>
+              </a:lnSpc>
+              <a:spcBef>
+                <a:spcPct val="0"/>
+              </a:spcBef>
+              <a:spcAft>
+                <a:spcPct val="0"/>
+              </a:spcAft>
+              <a:buClr>
+                <a:srgbClr val="000000"/>
+              </a:buClr>
+              <a:buSzPct val="100000"/>
+              <a:buFont typeface="Times New Roman" panose="02020603050405020304" pitchFamily="18" charset="0"/>
+              <a:buNone/>
+              <a:tabLst/>
+              <a:defRPr/>
+            </a:pPr>
+            <a:fld id="{65E435D9-63B0-4660-8D04-E83F5E2CA2AE}" type="slidenum">
+              <a:rPr kumimoji="0" lang="en-GB" altLang="en-US" sz="1400" b="0" i="0" u="none" strike="noStrike" kern="1200" cap="none" spc="0" normalizeH="0" baseline="0" noProof="0" smtClean="0">
+                <a:ln>
+                  <a:noFill/>
+                </a:ln>
+                <a:solidFill>
+                  <a:srgbClr val="000000"/>
+                </a:solidFill>
+                <a:effectLst/>
+                <a:uLnTx/>
+                <a:uFillTx/>
+                <a:latin typeface="Times New Roman" panose="02020603050405020304" pitchFamily="18" charset="0"/>
+                <a:ea typeface="+mn-ea"/>
+                <a:cs typeface="Arial" panose="020B0604020202020204" pitchFamily="34" charset="0"/>
+              </a:rPr>
+              <a:pPr marL="0" marR="0" lvl="0" indent="0" algn="r" defTabSz="457200" rtl="0" eaLnBrk="1" fontAlgn="base" latinLnBrk="0" hangingPunct="0">
+                <a:lnSpc>
+                  <a:spcPct val="96000"/>
+                </a:lnSpc>
+                <a:spcBef>
+                  <a:spcPct val="0"/>
+                </a:spcBef>
+                <a:spcAft>
+                  <a:spcPct val="0"/>
+                </a:spcAft>
+                <a:buClr>
+                  <a:srgbClr val="000000"/>
+                </a:buClr>
+                <a:buSzPct val="100000"/>
+                <a:buFont typeface="Times New Roman" panose="02020603050405020304" pitchFamily="18" charset="0"/>
+                <a:buNone/>
+                <a:tabLst/>
+                <a:defRPr/>
+              </a:pPr>
+              <a:t>10</a:t>
+            </a:fld>
+            <a:endParaRPr kumimoji="0" lang="en-GB" altLang="en-US" sz="1400" b="0" i="0" u="none" strike="noStrike" kern="1200" cap="none" spc="0" normalizeH="0" baseline="0" noProof="0" dirty="0">
+              <a:ln>
+                <a:noFill/>
+              </a:ln>
+              <a:solidFill>
+                <a:srgbClr val="000000"/>
+              </a:solidFill>
+              <a:effectLst/>
+              <a:uLnTx/>
+              <a:uFillTx/>
+              <a:latin typeface="Times New Roman" panose="02020603050405020304" pitchFamily="18" charset="0"/>
+              <a:ea typeface="+mn-ea"/>
+              <a:cs typeface="Arial" panose="020B0604020202020204" pitchFamily="34" charset="0"/>
+            </a:endParaRPr>
+          </a:p>
+        </p:txBody>
+      </p:sp>
+      <p:pic>
+        <p:nvPicPr>
+          <p:cNvPr id="7" name="Picture 6">
+            <a:extLst>
+              <a:ext uri="{FF2B5EF4-FFF2-40B4-BE49-F238E27FC236}">
+                <a16:creationId xmlns:a16="http://schemas.microsoft.com/office/drawing/2014/main" id="{A2165A44-E543-4E5D-ADBC-6FFA9E6C6982}"/>
+              </a:ext>
+            </a:extLst>
+          </p:cNvPr>
+          <p:cNvPicPr>
+            <a:picLocks noChangeAspect="1"/>
+          </p:cNvPicPr>
+          <p:nvPr/>
+        </p:nvPicPr>
+        <p:blipFill>
+          <a:blip r:embed="rId3"/>
+          <a:stretch>
+            <a:fillRect/>
+          </a:stretch>
+        </p:blipFill>
+        <p:spPr>
+          <a:xfrm>
+            <a:off x="398314" y="996286"/>
+            <a:ext cx="8856622" cy="5905596"/>
+          </a:xfrm>
+          <a:prstGeom prst="rect">
+            <a:avLst/>
+          </a:prstGeom>
+        </p:spPr>
+      </p:pic>
+    </p:spTree>
+    <p:extLst>
+      <p:ext uri="{BB962C8B-B14F-4D97-AF65-F5344CB8AC3E}">
+        <p14:creationId xmlns:p14="http://schemas.microsoft.com/office/powerpoint/2010/main" val="1845419114"/>
+      </p:ext>
+    </p:extLst>
+  </p:cSld>
+  <p:clrMapOvr>
+    <a:masterClrMapping/>
+  </p:clrMapOvr>
+</p:sld>
+</file>
+
+<file path=ppt/slides/slide11.xml><?xml version="1.0" encoding="utf-8"?>
+<p:sld xmlns:a="http://schemas.openxmlformats.org/drawingml/2006/main" xmlns:r="http://schemas.openxmlformats.org/officeDocument/2006/relationships" xmlns:p="http://schemas.openxmlformats.org/presentationml/2006/main">
+  <p:cSld>
+    <p:spTree>
+      <p:nvGrpSpPr>
+        <p:cNvPr id="1" name=""/>
+        <p:cNvGrpSpPr/>
+        <p:nvPr/>
+      </p:nvGrpSpPr>
+      <p:grpSpPr>
+        <a:xfrm>
+          <a:off x="0" y="0"/>
+          <a:ext cx="0" cy="0"/>
+          <a:chOff x="0" y="0"/>
+          <a:chExt cx="0" cy="0"/>
+        </a:xfrm>
+      </p:grpSpPr>
+      <p:sp>
+        <p:nvSpPr>
+          <p:cNvPr id="2" name="Title 1">
+            <a:extLst>
+              <a:ext uri="{FF2B5EF4-FFF2-40B4-BE49-F238E27FC236}">
                 <a16:creationId xmlns:a16="http://schemas.microsoft.com/office/drawing/2014/main" id="{9EB84ECC-A963-45D4-A10E-8ED34DA7EC35}"/>
               </a:ext>
             </a:extLst>
@@ -13877,7 +14357,7 @@
                 <a:tabLst/>
                 <a:defRPr/>
               </a:pPr>
-              <a:t>10</a:t>
+              <a:t>11</a:t>
             </a:fld>
             <a:endParaRPr kumimoji="0" lang="en-GB" altLang="en-US" sz="1400" b="0" i="0" u="none" strike="noStrike" kern="1200" cap="none" spc="0" normalizeH="0" baseline="0" noProof="0" dirty="0">
               <a:ln>
@@ -13939,7 +14419,7 @@
 </p:sld>
 </file>
 
-<file path=ppt/slides/slide11.xml><?xml version="1.0" encoding="utf-8"?>
+<file path=ppt/slides/slide12.xml><?xml version="1.0" encoding="utf-8"?>
 <p:sld xmlns:a="http://schemas.openxmlformats.org/drawingml/2006/main" xmlns:r="http://schemas.openxmlformats.org/officeDocument/2006/relationships" xmlns:p="http://schemas.openxmlformats.org/presentationml/2006/main">
   <p:cSld>
     <p:spTree>
@@ -14179,7 +14659,7 @@
                 <a:tabLst/>
                 <a:defRPr/>
               </a:pPr>
-              <a:t>11</a:t>
+              <a:t>12</a:t>
             </a:fld>
             <a:endParaRPr kumimoji="0" lang="en-GB" altLang="en-US" sz="1400" b="0" i="0" u="none" strike="noStrike" kern="1200" cap="none" spc="0" normalizeH="0" baseline="0" noProof="0" dirty="0">
               <a:ln>
@@ -14271,7 +14751,7 @@
 </p:sld>
 </file>
 
-<file path=ppt/slides/slide12.xml><?xml version="1.0" encoding="utf-8"?>
+<file path=ppt/slides/slide13.xml><?xml version="1.0" encoding="utf-8"?>
 <p:sld xmlns:a="http://schemas.openxmlformats.org/drawingml/2006/main" xmlns:r="http://schemas.openxmlformats.org/officeDocument/2006/relationships" xmlns:p="http://schemas.openxmlformats.org/presentationml/2006/main">
   <p:cSld>
     <p:spTree>
@@ -14743,7 +15223,7 @@
                 <a:tabLst/>
                 <a:defRPr/>
               </a:pPr>
-              <a:t>12</a:t>
+              <a:t>13</a:t>
             </a:fld>
             <a:endParaRPr kumimoji="0" lang="en-GB" altLang="en-US" sz="1400" b="0" i="0" u="none" strike="noStrike" kern="1200" cap="none" spc="0" normalizeH="0" baseline="0" noProof="0" dirty="0">
               <a:ln>
@@ -15148,7 +15628,7 @@
 </p:sld>
 </file>
 
-<file path=ppt/slides/slide13.xml><?xml version="1.0" encoding="utf-8"?>
+<file path=ppt/slides/slide14.xml><?xml version="1.0" encoding="utf-8"?>
 <p:sld xmlns:a="http://schemas.openxmlformats.org/drawingml/2006/main" xmlns:r="http://schemas.openxmlformats.org/officeDocument/2006/relationships" xmlns:p="http://schemas.openxmlformats.org/presentationml/2006/main">
   <p:cSld>
     <p:spTree>
@@ -15388,7 +15868,7 @@
                 <a:tabLst/>
                 <a:defRPr/>
               </a:pPr>
-              <a:t>13</a:t>
+              <a:t>14</a:t>
             </a:fld>
             <a:endParaRPr kumimoji="0" lang="en-GB" altLang="en-US" sz="1400" b="0" i="0" u="none" strike="noStrike" kern="1200" cap="none" spc="0" normalizeH="0" baseline="0" noProof="0" dirty="0">
               <a:ln>
@@ -15447,10 +15927,130 @@
   <p:clrMapOvr>
     <a:masterClrMapping/>
   </p:clrMapOvr>
+  <p:timing>
+    <p:tnLst>
+      <p:par>
+        <p:cTn id="1" dur="indefinite" restart="never" nodeType="tmRoot">
+          <p:childTnLst>
+            <p:seq concurrent="1" nextAc="seek">
+              <p:cTn id="2" dur="indefinite" nodeType="mainSeq">
+                <p:childTnLst>
+                  <p:par>
+                    <p:cTn id="3" fill="hold">
+                      <p:stCondLst>
+                        <p:cond delay="indefinite"/>
+                      </p:stCondLst>
+                      <p:childTnLst>
+                        <p:par>
+                          <p:cTn id="4" fill="hold">
+                            <p:stCondLst>
+                              <p:cond delay="0"/>
+                            </p:stCondLst>
+                            <p:childTnLst>
+                              <p:par>
+                                <p:cTn id="5" presetID="1" presetClass="entr" presetSubtype="0" fill="hold" nodeType="clickEffect">
+                                  <p:stCondLst>
+                                    <p:cond delay="0"/>
+                                  </p:stCondLst>
+                                  <p:childTnLst>
+                                    <p:set>
+                                      <p:cBhvr>
+                                        <p:cTn id="6" dur="1" fill="hold">
+                                          <p:stCondLst>
+                                            <p:cond delay="0"/>
+                                          </p:stCondLst>
+                                        </p:cTn>
+                                        <p:tgtEl>
+                                          <p:spTgt spid="7"/>
+                                        </p:tgtEl>
+                                        <p:attrNameLst>
+                                          <p:attrName>style.visibility</p:attrName>
+                                        </p:attrNameLst>
+                                      </p:cBhvr>
+                                      <p:to>
+                                        <p:strVal val="visible"/>
+                                      </p:to>
+                                    </p:set>
+                                  </p:childTnLst>
+                                </p:cTn>
+                              </p:par>
+                            </p:childTnLst>
+                          </p:cTn>
+                        </p:par>
+                      </p:childTnLst>
+                    </p:cTn>
+                  </p:par>
+                  <p:par>
+                    <p:cTn id="7" fill="hold">
+                      <p:stCondLst>
+                        <p:cond delay="indefinite"/>
+                      </p:stCondLst>
+                      <p:childTnLst>
+                        <p:par>
+                          <p:cTn id="8" fill="hold">
+                            <p:stCondLst>
+                              <p:cond delay="0"/>
+                            </p:stCondLst>
+                            <p:childTnLst>
+                              <p:par>
+                                <p:cTn id="9" presetID="1" presetClass="entr" presetSubtype="0" fill="hold" nodeType="clickEffect">
+                                  <p:stCondLst>
+                                    <p:cond delay="0"/>
+                                  </p:stCondLst>
+                                  <p:childTnLst>
+                                    <p:set>
+                                      <p:cBhvr>
+                                        <p:cTn id="10" dur="1" fill="hold">
+                                          <p:stCondLst>
+                                            <p:cond delay="0"/>
+                                          </p:stCondLst>
+                                        </p:cTn>
+                                        <p:tgtEl>
+                                          <p:spTgt spid="7"/>
+                                        </p:tgtEl>
+                                        <p:attrNameLst>
+                                          <p:attrName>style.visibility</p:attrName>
+                                        </p:attrNameLst>
+                                      </p:cBhvr>
+                                      <p:to>
+                                        <p:strVal val="visible"/>
+                                      </p:to>
+                                    </p:set>
+                                  </p:childTnLst>
+                                </p:cTn>
+                              </p:par>
+                            </p:childTnLst>
+                          </p:cTn>
+                        </p:par>
+                      </p:childTnLst>
+                    </p:cTn>
+                  </p:par>
+                </p:childTnLst>
+              </p:cTn>
+              <p:prevCondLst>
+                <p:cond evt="onPrev" delay="0">
+                  <p:tgtEl>
+                    <p:sldTgt/>
+                  </p:tgtEl>
+                </p:cond>
+              </p:prevCondLst>
+              <p:nextCondLst>
+                <p:cond evt="onNext" delay="0">
+                  <p:tgtEl>
+                    <p:sldTgt/>
+                  </p:tgtEl>
+                </p:cond>
+              </p:nextCondLst>
+            </p:seq>
+          </p:childTnLst>
+        </p:cTn>
+      </p:par>
+    </p:tnLst>
+  </p:timing>
 </p:sld>
 </file>
 
-<file path=ppt/slides/slide14.xml><?xml version="1.0" encoding="utf-8"?>
+<file path=ppt/slides/slide15.xml><?xml version="1.0" encoding="utf-8"?>
 <p:sld xmlns:a="http://schemas.openxmlformats.org/drawingml/2006/main" xmlns:r="http://schemas.openxmlformats.org/officeDocument/2006/relationships" xmlns:p="http://schemas.openxmlformats.org/presentationml/2006/main">
   <p:cSld>
     <p:spTree>
@@ -15737,7 +16337,7 @@
                 <a:tabLst/>
                 <a:defRPr/>
               </a:pPr>
-              <a:t>14</a:t>
+              <a:t>15</a:t>
             </a:fld>
             <a:endParaRPr kumimoji="0" lang="en-GB" altLang="en-US" sz="1400" b="0" i="0" u="none" strike="noStrike" kern="1200" cap="none" spc="0" normalizeH="0" baseline="0" noProof="0" dirty="0">
               <a:ln>
@@ -15766,10 +16366,236 @@
   <p:clrMapOvr>
     <a:masterClrMapping/>
   </p:clrMapOvr>
+  <p:timing>
+    <p:tnLst>
+      <p:par>
+        <p:cTn id="1" dur="indefinite" restart="never" nodeType="tmRoot">
+          <p:childTnLst>
+            <p:seq concurrent="1" nextAc="seek">
+              <p:cTn id="2" dur="indefinite" nodeType="mainSeq">
+                <p:childTnLst>
+                  <p:par>
+                    <p:cTn id="3" fill="hold">
+                      <p:stCondLst>
+                        <p:cond delay="indefinite"/>
+                      </p:stCondLst>
+                      <p:childTnLst>
+                        <p:par>
+                          <p:cTn id="4" fill="hold">
+                            <p:stCondLst>
+                              <p:cond delay="0"/>
+                            </p:stCondLst>
+                            <p:childTnLst>
+                              <p:par>
+                                <p:cTn id="5" presetID="1" presetClass="entr" presetSubtype="0" fill="hold" nodeType="clickEffect">
+                                  <p:stCondLst>
+                                    <p:cond delay="0"/>
+                                  </p:stCondLst>
+                                  <p:childTnLst>
+                                    <p:set>
+                                      <p:cBhvr>
+                                        <p:cTn id="6" dur="1" fill="hold">
+                                          <p:stCondLst>
+                                            <p:cond delay="0"/>
+                                          </p:stCondLst>
+                                        </p:cTn>
+                                        <p:tgtEl>
+                                          <p:spTgt spid="3">
+                                            <p:txEl>
+                                              <p:pRg st="0" end="0"/>
+                                            </p:txEl>
+                                          </p:spTgt>
+                                        </p:tgtEl>
+                                        <p:attrNameLst>
+                                          <p:attrName>style.visibility</p:attrName>
+                                        </p:attrNameLst>
+                                      </p:cBhvr>
+                                      <p:to>
+                                        <p:strVal val="visible"/>
+                                      </p:to>
+                                    </p:set>
+                                  </p:childTnLst>
+                                </p:cTn>
+                              </p:par>
+                            </p:childTnLst>
+                          </p:cTn>
+                        </p:par>
+                      </p:childTnLst>
+                    </p:cTn>
+                  </p:par>
+                  <p:par>
+                    <p:cTn id="7" fill="hold">
+                      <p:stCondLst>
+                        <p:cond delay="indefinite"/>
+                      </p:stCondLst>
+                      <p:childTnLst>
+                        <p:par>
+                          <p:cTn id="8" fill="hold">
+                            <p:stCondLst>
+                              <p:cond delay="0"/>
+                            </p:stCondLst>
+                            <p:childTnLst>
+                              <p:par>
+                                <p:cTn id="9" presetID="1" presetClass="entr" presetSubtype="0" fill="hold" nodeType="clickEffect">
+                                  <p:stCondLst>
+                                    <p:cond delay="0"/>
+                                  </p:stCondLst>
+                                  <p:childTnLst>
+                                    <p:set>
+                                      <p:cBhvr>
+                                        <p:cTn id="10" dur="1" fill="hold">
+                                          <p:stCondLst>
+                                            <p:cond delay="0"/>
+                                          </p:stCondLst>
+                                        </p:cTn>
+                                        <p:tgtEl>
+                                          <p:spTgt spid="3">
+                                            <p:txEl>
+                                              <p:pRg st="1" end="1"/>
+                                            </p:txEl>
+                                          </p:spTgt>
+                                        </p:tgtEl>
+                                        <p:attrNameLst>
+                                          <p:attrName>style.visibility</p:attrName>
+                                        </p:attrNameLst>
+                                      </p:cBhvr>
+                                      <p:to>
+                                        <p:strVal val="visible"/>
+                                      </p:to>
+                                    </p:set>
+                                  </p:childTnLst>
+                                </p:cTn>
+                              </p:par>
+                            </p:childTnLst>
+                          </p:cTn>
+                        </p:par>
+                      </p:childTnLst>
+                    </p:cTn>
+                  </p:par>
+                  <p:par>
+                    <p:cTn id="11" fill="hold">
+                      <p:stCondLst>
+                        <p:cond delay="indefinite"/>
+                      </p:stCondLst>
+                      <p:childTnLst>
+                        <p:par>
+                          <p:cTn id="12" fill="hold">
+                            <p:stCondLst>
+                              <p:cond delay="0"/>
+                            </p:stCondLst>
+                            <p:childTnLst>
+                              <p:par>
+                                <p:cTn id="13" presetID="1" presetClass="entr" presetSubtype="0" fill="hold" nodeType="clickEffect">
+                                  <p:stCondLst>
+                                    <p:cond delay="0"/>
+                                  </p:stCondLst>
+                                  <p:childTnLst>
+                                    <p:set>
+                                      <p:cBhvr>
+                                        <p:cTn id="14" dur="1" fill="hold">
+                                          <p:stCondLst>
+                                            <p:cond delay="0"/>
+                                          </p:stCondLst>
+                                        </p:cTn>
+                                        <p:tgtEl>
+                                          <p:spTgt spid="3">
+                                            <p:txEl>
+                                              <p:pRg st="2" end="2"/>
+                                            </p:txEl>
+                                          </p:spTgt>
+                                        </p:tgtEl>
+                                        <p:attrNameLst>
+                                          <p:attrName>style.visibility</p:attrName>
+                                        </p:attrNameLst>
+                                      </p:cBhvr>
+                                      <p:to>
+                                        <p:strVal val="visible"/>
+                                      </p:to>
+                                    </p:set>
+                                  </p:childTnLst>
+                                </p:cTn>
+                              </p:par>
+                            </p:childTnLst>
+                          </p:cTn>
+                        </p:par>
+                      </p:childTnLst>
+                    </p:cTn>
+                  </p:par>
+                  <p:par>
+                    <p:cTn id="15" fill="hold">
+                      <p:stCondLst>
+                        <p:cond delay="indefinite"/>
+                      </p:stCondLst>
+                      <p:childTnLst>
+                        <p:par>
+                          <p:cTn id="16" fill="hold">
+                            <p:stCondLst>
+                              <p:cond delay="0"/>
+                            </p:stCondLst>
+                            <p:childTnLst>
+                              <p:par>
+                                <p:cTn id="17" presetID="1" presetClass="entr" presetSubtype="0" fill="hold" nodeType="clickEffect">
+                                  <p:stCondLst>
+                                    <p:cond delay="0"/>
+                                  </p:stCondLst>
+                                  <p:childTnLst>
+                                    <p:set>
+                                      <p:cBhvr>
+                                        <p:cTn id="18" dur="1" fill="hold">
+                                          <p:stCondLst>
+                                            <p:cond delay="0"/>
+                                          </p:stCondLst>
+                                        </p:cTn>
+                                        <p:tgtEl>
+                                          <p:spTgt spid="3">
+                                            <p:txEl>
+                                              <p:pRg st="3" end="3"/>
+                                            </p:txEl>
+                                          </p:spTgt>
+                                        </p:tgtEl>
+                                        <p:attrNameLst>
+                                          <p:attrName>style.visibility</p:attrName>
+                                        </p:attrNameLst>
+                                      </p:cBhvr>
+                                      <p:to>
+                                        <p:strVal val="visible"/>
+                                      </p:to>
+                                    </p:set>
+                                  </p:childTnLst>
+                                </p:cTn>
+                              </p:par>
+                            </p:childTnLst>
+                          </p:cTn>
+                        </p:par>
+                      </p:childTnLst>
+                    </p:cTn>
+                  </p:par>
+                </p:childTnLst>
+              </p:cTn>
+              <p:prevCondLst>
+                <p:cond evt="onPrev" delay="0">
+                  <p:tgtEl>
+                    <p:sldTgt/>
+                  </p:tgtEl>
+                </p:cond>
+              </p:prevCondLst>
+              <p:nextCondLst>
+                <p:cond evt="onNext" delay="0">
+                  <p:tgtEl>
+                    <p:sldTgt/>
+                  </p:tgtEl>
+                </p:cond>
+              </p:nextCondLst>
+            </p:seq>
+          </p:childTnLst>
+        </p:cTn>
+      </p:par>
+    </p:tnLst>
+  </p:timing>
 </p:sld>
 </file>
 
-<file path=ppt/slides/slide15.xml><?xml version="1.0" encoding="utf-8"?>
+<file path=ppt/slides/slide16.xml><?xml version="1.0" encoding="utf-8"?>
 <p:sld xmlns:a="http://schemas.openxmlformats.org/drawingml/2006/main" xmlns:r="http://schemas.openxmlformats.org/officeDocument/2006/relationships" xmlns:p="http://schemas.openxmlformats.org/presentationml/2006/main">
   <p:cSld>
     <p:spTree>
@@ -16024,7 +16850,7 @@
                 <a:tabLst/>
                 <a:defRPr/>
               </a:pPr>
-              <a:t>15</a:t>
+              <a:t>16</a:t>
             </a:fld>
             <a:endParaRPr kumimoji="0" lang="en-GB" altLang="en-US" sz="1400" b="0" i="0" u="none" strike="noStrike" kern="1200" cap="none" spc="0" normalizeH="0" baseline="0" noProof="0" dirty="0">
               <a:ln>
@@ -16233,7 +17059,339 @@
 </p:sld>
 </file>
 
-<file path=ppt/slides/slide16.xml><?xml version="1.0" encoding="utf-8"?>
+<file path=ppt/slides/slide17.xml><?xml version="1.0" encoding="utf-8"?>
+<p:sld xmlns:a="http://schemas.openxmlformats.org/drawingml/2006/main" xmlns:r="http://schemas.openxmlformats.org/officeDocument/2006/relationships" xmlns:p="http://schemas.openxmlformats.org/presentationml/2006/main">
+  <p:cSld>
+    <p:spTree>
+      <p:nvGrpSpPr>
+        <p:cNvPr id="1" name=""/>
+        <p:cNvGrpSpPr/>
+        <p:nvPr/>
+      </p:nvGrpSpPr>
+      <p:grpSpPr>
+        <a:xfrm>
+          <a:off x="0" y="0"/>
+          <a:ext cx="0" cy="0"/>
+          <a:chOff x="0" y="0"/>
+          <a:chExt cx="0" cy="0"/>
+        </a:xfrm>
+      </p:grpSpPr>
+      <p:sp>
+        <p:nvSpPr>
+          <p:cNvPr id="2" name="Title 1">
+            <a:extLst>
+              <a:ext uri="{FF2B5EF4-FFF2-40B4-BE49-F238E27FC236}">
+                <a16:creationId xmlns:a16="http://schemas.microsoft.com/office/drawing/2014/main" id="{863A8B5D-0DA9-1B40-B4F4-ACA6740ABCE2}"/>
+              </a:ext>
+            </a:extLst>
+          </p:cNvPr>
+          <p:cNvSpPr>
+            <a:spLocks noGrp="1"/>
+          </p:cNvSpPr>
+          <p:nvPr>
+            <p:ph type="title"/>
+          </p:nvPr>
+        </p:nvSpPr>
+        <p:spPr/>
+        <p:txBody>
+          <a:bodyPr/>
+          <a:lstStyle/>
+          <a:p>
+            <a:r>
+              <a:rPr lang="en-US" dirty="0"/>
+              <a:t>Process Lifecycle (AKA Process States)</a:t>
+            </a:r>
+          </a:p>
+        </p:txBody>
+      </p:sp>
+      <p:sp>
+        <p:nvSpPr>
+          <p:cNvPr id="3" name="Content Placeholder 2">
+            <a:extLst>
+              <a:ext uri="{FF2B5EF4-FFF2-40B4-BE49-F238E27FC236}">
+                <a16:creationId xmlns:a16="http://schemas.microsoft.com/office/drawing/2014/main" id="{ACD38833-3898-7F4F-A16C-3155350CEC94}"/>
+              </a:ext>
+            </a:extLst>
+          </p:cNvPr>
+          <p:cNvSpPr>
+            <a:spLocks noGrp="1"/>
+          </p:cNvSpPr>
+          <p:nvPr>
+            <p:ph idx="1"/>
+          </p:nvPr>
+        </p:nvSpPr>
+        <p:spPr/>
+        <p:txBody>
+          <a:bodyPr/>
+          <a:lstStyle/>
+          <a:p>
+            <a:endParaRPr lang="en-US"/>
+          </a:p>
+        </p:txBody>
+      </p:sp>
+      <p:sp>
+        <p:nvSpPr>
+          <p:cNvPr id="4" name="Footer Placeholder 3">
+            <a:extLst>
+              <a:ext uri="{FF2B5EF4-FFF2-40B4-BE49-F238E27FC236}">
+                <a16:creationId xmlns:a16="http://schemas.microsoft.com/office/drawing/2014/main" id="{1A44B5F0-571B-A540-A3A4-9FBA101355D0}"/>
+              </a:ext>
+            </a:extLst>
+          </p:cNvPr>
+          <p:cNvSpPr>
+            <a:spLocks noGrp="1"/>
+          </p:cNvSpPr>
+          <p:nvPr>
+            <p:ph type="ftr" idx="11"/>
+          </p:nvPr>
+        </p:nvSpPr>
+        <p:spPr/>
+        <p:txBody>
+          <a:bodyPr/>
+          <a:lstStyle/>
+          <a:p>
+            <a:pPr marL="0" marR="0" lvl="0" indent="0" algn="ctr" defTabSz="457200" rtl="0" eaLnBrk="1" fontAlgn="base" latinLnBrk="0" hangingPunct="0">
+              <a:lnSpc>
+                <a:spcPct val="96000"/>
+              </a:lnSpc>
+              <a:spcBef>
+                <a:spcPct val="0"/>
+              </a:spcBef>
+              <a:spcAft>
+                <a:spcPct val="0"/>
+              </a:spcAft>
+              <a:buClr>
+                <a:srgbClr val="000000"/>
+              </a:buClr>
+              <a:buSzPct val="100000"/>
+              <a:buFont typeface="Times New Roman" pitchFamily="16" charset="0"/>
+              <a:buNone/>
+              <a:tabLst>
+                <a:tab pos="0" algn="l"/>
+                <a:tab pos="457200" algn="l"/>
+                <a:tab pos="914400" algn="l"/>
+                <a:tab pos="1371600" algn="l"/>
+                <a:tab pos="1828800" algn="l"/>
+                <a:tab pos="2286000" algn="l"/>
+                <a:tab pos="2743200" algn="l"/>
+                <a:tab pos="3200400" algn="l"/>
+                <a:tab pos="3657600" algn="l"/>
+                <a:tab pos="4114800" algn="l"/>
+                <a:tab pos="4572000" algn="l"/>
+                <a:tab pos="5029200" algn="l"/>
+                <a:tab pos="5486400" algn="l"/>
+                <a:tab pos="5943600" algn="l"/>
+                <a:tab pos="6400800" algn="l"/>
+                <a:tab pos="6858000" algn="l"/>
+                <a:tab pos="7315200" algn="l"/>
+                <a:tab pos="7772400" algn="l"/>
+                <a:tab pos="8229600" algn="l"/>
+                <a:tab pos="8686800" algn="l"/>
+                <a:tab pos="9144000" algn="l"/>
+              </a:tabLst>
+              <a:defRPr/>
+            </a:pPr>
+            <a:r>
+              <a:rPr kumimoji="0" lang="en-US" sz="1400" b="0" i="0" u="none" strike="noStrike" kern="1200" cap="none" spc="0" normalizeH="0" baseline="0" noProof="0">
+                <a:ln>
+                  <a:noFill/>
+                </a:ln>
+                <a:solidFill>
+                  <a:srgbClr val="000000"/>
+                </a:solidFill>
+                <a:effectLst/>
+                <a:uLnTx/>
+                <a:uFillTx/>
+                <a:latin typeface="Arial"/>
+                <a:ea typeface="+mn-ea"/>
+                <a:cs typeface="Arial" charset="0"/>
+              </a:rPr>
+              <a:t>CS/COE 1550 – Operating Systems – Sherif Khattab</a:t>
+            </a:r>
+            <a:endParaRPr kumimoji="0" lang="en-GB" sz="1400" b="0" i="0" u="none" strike="noStrike" kern="1200" cap="none" spc="0" normalizeH="0" baseline="0" noProof="0" dirty="0">
+              <a:ln>
+                <a:noFill/>
+              </a:ln>
+              <a:solidFill>
+                <a:srgbClr val="000000"/>
+              </a:solidFill>
+              <a:effectLst/>
+              <a:uLnTx/>
+              <a:uFillTx/>
+              <a:latin typeface="Times New Roman" pitchFamily="16" charset="0"/>
+              <a:ea typeface="+mn-ea"/>
+              <a:cs typeface="Arial" charset="0"/>
+            </a:endParaRPr>
+          </a:p>
+        </p:txBody>
+      </p:sp>
+      <p:sp>
+        <p:nvSpPr>
+          <p:cNvPr id="5" name="Slide Number Placeholder 4">
+            <a:extLst>
+              <a:ext uri="{FF2B5EF4-FFF2-40B4-BE49-F238E27FC236}">
+                <a16:creationId xmlns:a16="http://schemas.microsoft.com/office/drawing/2014/main" id="{CBC9F8A7-D797-6F40-9697-18D4AD3C7B79}"/>
+              </a:ext>
+            </a:extLst>
+          </p:cNvPr>
+          <p:cNvSpPr>
+            <a:spLocks noGrp="1"/>
+          </p:cNvSpPr>
+          <p:nvPr>
+            <p:ph type="sldNum" idx="12"/>
+          </p:nvPr>
+        </p:nvSpPr>
+        <p:spPr/>
+        <p:txBody>
+          <a:bodyPr/>
+          <a:lstStyle/>
+          <a:p>
+            <a:pPr marL="0" marR="0" lvl="0" indent="0" algn="r" defTabSz="457200" rtl="0" eaLnBrk="1" fontAlgn="base" latinLnBrk="0" hangingPunct="0">
+              <a:lnSpc>
+                <a:spcPct val="96000"/>
+              </a:lnSpc>
+              <a:spcBef>
+                <a:spcPct val="0"/>
+              </a:spcBef>
+              <a:spcAft>
+                <a:spcPct val="0"/>
+              </a:spcAft>
+              <a:buClr>
+                <a:srgbClr val="000000"/>
+              </a:buClr>
+              <a:buSzPct val="100000"/>
+              <a:buFont typeface="Times New Roman" panose="02020603050405020304" pitchFamily="18" charset="0"/>
+              <a:buNone/>
+              <a:tabLst/>
+              <a:defRPr/>
+            </a:pPr>
+            <a:fld id="{65E435D9-63B0-4660-8D04-E83F5E2CA2AE}" type="slidenum">
+              <a:rPr kumimoji="0" lang="en-GB" altLang="en-US" sz="1400" b="0" i="0" u="none" strike="noStrike" kern="1200" cap="none" spc="0" normalizeH="0" baseline="0" noProof="0" smtClean="0">
+                <a:ln>
+                  <a:noFill/>
+                </a:ln>
+                <a:solidFill>
+                  <a:srgbClr val="000000"/>
+                </a:solidFill>
+                <a:effectLst/>
+                <a:uLnTx/>
+                <a:uFillTx/>
+                <a:latin typeface="Times New Roman" panose="02020603050405020304" pitchFamily="18" charset="0"/>
+                <a:ea typeface="+mn-ea"/>
+                <a:cs typeface="Arial" panose="020B0604020202020204" pitchFamily="34" charset="0"/>
+              </a:rPr>
+              <a:pPr marL="0" marR="0" lvl="0" indent="0" algn="r" defTabSz="457200" rtl="0" eaLnBrk="1" fontAlgn="base" latinLnBrk="0" hangingPunct="0">
+                <a:lnSpc>
+                  <a:spcPct val="96000"/>
+                </a:lnSpc>
+                <a:spcBef>
+                  <a:spcPct val="0"/>
+                </a:spcBef>
+                <a:spcAft>
+                  <a:spcPct val="0"/>
+                </a:spcAft>
+                <a:buClr>
+                  <a:srgbClr val="000000"/>
+                </a:buClr>
+                <a:buSzPct val="100000"/>
+                <a:buFont typeface="Times New Roman" panose="02020603050405020304" pitchFamily="18" charset="0"/>
+                <a:buNone/>
+                <a:tabLst/>
+                <a:defRPr/>
+              </a:pPr>
+              <a:t>17</a:t>
+            </a:fld>
+            <a:endParaRPr kumimoji="0" lang="en-GB" altLang="en-US" sz="1400" b="0" i="0" u="none" strike="noStrike" kern="1200" cap="none" spc="0" normalizeH="0" baseline="0" noProof="0" dirty="0">
+              <a:ln>
+                <a:noFill/>
+              </a:ln>
+              <a:solidFill>
+                <a:srgbClr val="000000"/>
+              </a:solidFill>
+              <a:effectLst/>
+              <a:uLnTx/>
+              <a:uFillTx/>
+              <a:latin typeface="Times New Roman" panose="02020603050405020304" pitchFamily="18" charset="0"/>
+              <a:ea typeface="+mn-ea"/>
+              <a:cs typeface="Arial" panose="020B0604020202020204" pitchFamily="34" charset="0"/>
+            </a:endParaRPr>
+          </a:p>
+        </p:txBody>
+      </p:sp>
+      <p:pic>
+        <p:nvPicPr>
+          <p:cNvPr id="6" name="Picture 9">
+            <a:extLst>
+              <a:ext uri="{FF2B5EF4-FFF2-40B4-BE49-F238E27FC236}">
+                <a16:creationId xmlns:a16="http://schemas.microsoft.com/office/drawing/2014/main" id="{CBBDCD2A-B380-8C47-B634-E57BFDD137F1}"/>
+              </a:ext>
+            </a:extLst>
+          </p:cNvPr>
+          <p:cNvPicPr>
+            <a:picLocks noChangeAspect="1" noChangeArrowheads="1"/>
+          </p:cNvPicPr>
+          <p:nvPr/>
+        </p:nvPicPr>
+        <p:blipFill>
+          <a:blip r:embed="rId2">
+            <a:extLst>
+              <a:ext uri="{28A0092B-C50C-407E-A947-70E740481C1C}">
+                <a14:useLocalDpi xmlns:a14="http://schemas.microsoft.com/office/drawing/2010/main" val="0"/>
+              </a:ext>
+            </a:extLst>
+          </a:blip>
+          <a:srcRect/>
+          <a:stretch>
+            <a:fillRect/>
+          </a:stretch>
+        </p:blipFill>
+        <p:spPr bwMode="auto">
+          <a:xfrm>
+            <a:off x="304800" y="1806293"/>
+            <a:ext cx="9728200" cy="3879644"/>
+          </a:xfrm>
+          <a:prstGeom prst="rect">
+            <a:avLst/>
+          </a:prstGeom>
+          <a:noFill/>
+          <a:ln>
+            <a:noFill/>
+          </a:ln>
+          <a:extLst>
+            <a:ext uri="{909E8E84-426E-40DD-AFC4-6F175D3DCCD1}">
+              <a14:hiddenFill xmlns:a14="http://schemas.microsoft.com/office/drawing/2010/main">
+                <a:solidFill>
+                  <a:srgbClr val="FFFFFF"/>
+                </a:solidFill>
+              </a14:hiddenFill>
+            </a:ext>
+            <a:ext uri="{91240B29-F687-4F45-9708-019B960494DF}">
+              <a14:hiddenLine xmlns:a14="http://schemas.microsoft.com/office/drawing/2010/main" w="9525">
+                <a:solidFill>
+                  <a:srgbClr val="000000"/>
+                </a:solidFill>
+                <a:miter lim="800000"/>
+                <a:headEnd/>
+                <a:tailEnd/>
+              </a14:hiddenLine>
+            </a:ext>
+          </a:extLst>
+        </p:spPr>
+      </p:pic>
+    </p:spTree>
+    <p:extLst>
+      <p:ext uri="{BB962C8B-B14F-4D97-AF65-F5344CB8AC3E}">
+        <p14:creationId xmlns:p14="http://schemas.microsoft.com/office/powerpoint/2010/main" val="2879040013"/>
+      </p:ext>
+    </p:extLst>
+  </p:cSld>
+  <p:clrMapOvr>
+    <a:masterClrMapping/>
+  </p:clrMapOvr>
+</p:sld>
+</file>
+
+<file path=ppt/slides/slide18.xml><?xml version="1.0" encoding="utf-8"?>
 <p:sld xmlns:a="http://schemas.openxmlformats.org/drawingml/2006/main" xmlns:r="http://schemas.openxmlformats.org/officeDocument/2006/relationships" xmlns:p="http://schemas.openxmlformats.org/presentationml/2006/main">
   <p:cSld>
     <p:spTree>
@@ -16473,7 +17631,7 @@
                 <a:tabLst/>
                 <a:defRPr/>
               </a:pPr>
-              <a:t>16</a:t>
+              <a:t>18</a:t>
             </a:fld>
             <a:endParaRPr kumimoji="0" lang="en-GB" altLang="en-US" sz="1400" b="0" i="0" u="none" strike="noStrike" kern="1200" cap="none" spc="0" normalizeH="0" baseline="0" noProof="0" dirty="0">
               <a:ln>
@@ -16640,7 +17798,7 @@
 </p:sld>
 </file>
 
-<file path=ppt/slides/slide17.xml><?xml version="1.0" encoding="utf-8"?>
+<file path=ppt/slides/slide19.xml><?xml version="1.0" encoding="utf-8"?>
 <p:sld xmlns:a="http://schemas.openxmlformats.org/drawingml/2006/main" xmlns:r="http://schemas.openxmlformats.org/officeDocument/2006/relationships" xmlns:p="http://schemas.openxmlformats.org/presentationml/2006/main">
   <p:cSld>
     <p:spTree>
@@ -16659,10 +17817,10 @@
       </p:grpSpPr>
       <p:sp>
         <p:nvSpPr>
-          <p:cNvPr id="100354" name="Rectangle 2">
+          <p:cNvPr id="90114" name="Rectangle 2">
             <a:extLst>
               <a:ext uri="{FF2B5EF4-FFF2-40B4-BE49-F238E27FC236}">
-                <a16:creationId xmlns:a16="http://schemas.microsoft.com/office/drawing/2014/main" id="{E957CE05-A4BD-144F-A0C4-0AAE7BD7009B}"/>
+                <a16:creationId xmlns:a16="http://schemas.microsoft.com/office/drawing/2014/main" id="{308C4648-C13A-A547-ABA8-14DA70E0773D}"/>
               </a:ext>
             </a:extLst>
           </p:cNvPr>
@@ -16675,26 +17833,22 @@
         </p:nvSpPr>
         <p:spPr/>
         <p:txBody>
-          <a:bodyPr vert="horz" wrap="square" lIns="95343" tIns="47672" rIns="95343" bIns="47672" numCol="1" anchor="t" anchorCtr="0" compatLnSpc="1">
-            <a:prstTxWarp prst="textNoShape">
-              <a:avLst/>
-            </a:prstTxWarp>
-          </a:bodyPr>
+          <a:bodyPr/>
           <a:lstStyle/>
           <a:p>
             <a:r>
               <a:rPr lang="en-US" altLang="en-US" dirty="0"/>
-              <a:t>Implications of Busy Waiting</a:t>
+              <a:t>Thread Synchronization</a:t>
             </a:r>
           </a:p>
         </p:txBody>
       </p:sp>
       <p:sp>
         <p:nvSpPr>
-          <p:cNvPr id="100355" name="Rectangle 3">
+          <p:cNvPr id="90115" name="Rectangle 3">
             <a:extLst>
               <a:ext uri="{FF2B5EF4-FFF2-40B4-BE49-F238E27FC236}">
-                <a16:creationId xmlns:a16="http://schemas.microsoft.com/office/drawing/2014/main" id="{0C36604A-A763-A345-B88E-8E6F2BF0C1FE}"/>
+                <a16:creationId xmlns:a16="http://schemas.microsoft.com/office/drawing/2014/main" id="{691666FD-EDA0-044F-A826-5F64B00DC362}"/>
               </a:ext>
             </a:extLst>
           </p:cNvPr>
@@ -16705,89 +17859,40 @@
             <p:ph idx="1"/>
           </p:nvPr>
         </p:nvSpPr>
-        <p:spPr>
-          <a:xfrm>
-            <a:off x="0" y="714375"/>
-            <a:ext cx="4905955" cy="6567487"/>
-          </a:xfrm>
-        </p:spPr>
+        <p:spPr/>
         <p:txBody>
-          <a:bodyPr vert="horz" wrap="square" lIns="95343" tIns="47672" rIns="95343" bIns="47672" numCol="1" anchor="t" anchorCtr="0" compatLnSpc="1">
-            <a:prstTxWarp prst="textNoShape">
-              <a:avLst/>
-            </a:prstTxWarp>
-          </a:bodyPr>
+          <a:bodyPr/>
           <a:lstStyle/>
           <a:p>
-            <a:pPr>
-              <a:lnSpc>
-                <a:spcPct val="90000"/>
-              </a:lnSpc>
+            <a:pPr marL="0" indent="0">
+              <a:buNone/>
             </a:pPr>
             <a:r>
-              <a:rPr lang="en-US" altLang="en-US" sz="2646" dirty="0"/>
-              <a:t>Subproblem: </a:t>
+              <a:rPr lang="en-US" altLang="en-US" dirty="0"/>
+              <a:t>Synchronization issues apply to </a:t>
             </a:r>
             <a:r>
-              <a:rPr lang="en-US" altLang="en-US" sz="2646" i="1" dirty="0"/>
-              <a:t>priority inversion</a:t>
+              <a:rPr lang="en-US" altLang="en-US" i="1" u="sng" dirty="0"/>
+              <a:t>threads</a:t>
             </a:r>
             <a:r>
-              <a:rPr lang="en-US" altLang="en-US" sz="2646" dirty="0"/>
-              <a:t> (higher priority process waits for lower priority process)</a:t>
+              <a:rPr lang="en-US" altLang="en-US" dirty="0"/>
+              <a:t> as well	</a:t>
             </a:r>
           </a:p>
           <a:p>
-            <a:pPr>
-              <a:lnSpc>
-                <a:spcPct val="90000"/>
-              </a:lnSpc>
-            </a:pPr>
-            <a:endParaRPr lang="en-US" altLang="en-US" sz="2646" dirty="0"/>
-          </a:p>
-          <a:p>
-            <a:pPr>
-              <a:lnSpc>
-                <a:spcPct val="90000"/>
-              </a:lnSpc>
-            </a:pPr>
-            <a:endParaRPr lang="en-US" altLang="en-US" sz="2646" dirty="0"/>
-          </a:p>
-          <a:p>
-            <a:pPr>
-              <a:lnSpc>
-                <a:spcPct val="90000"/>
-              </a:lnSpc>
-            </a:pPr>
-            <a:endParaRPr lang="en-US" altLang="en-US" sz="2646" dirty="0"/>
-          </a:p>
-          <a:p>
-            <a:pPr>
-              <a:lnSpc>
-                <a:spcPct val="90000"/>
-              </a:lnSpc>
-            </a:pPr>
-            <a:endParaRPr lang="en-US" altLang="en-US" sz="2646" dirty="0"/>
-          </a:p>
-          <a:p>
-            <a:pPr>
-              <a:lnSpc>
-                <a:spcPct val="90000"/>
-              </a:lnSpc>
-            </a:pPr>
+            <a:pPr lvl="1"/>
             <a:r>
-              <a:rPr lang="en-US" altLang="en-US" sz="2646" dirty="0"/>
-              <a:t>Subproblem 2: compiler and/or hardware instruction reordering</a:t>
+              <a:rPr lang="en-US" altLang="en-US" dirty="0"/>
+              <a:t>Threads can share data easily (same address space)</a:t>
             </a:r>
           </a:p>
           <a:p>
-            <a:pPr marL="0" indent="0">
-              <a:lnSpc>
-                <a:spcPct val="90000"/>
-              </a:lnSpc>
-              <a:buNone/>
-            </a:pPr>
-            <a:endParaRPr lang="en-US" altLang="en-US" sz="2205" dirty="0"/>
+            <a:pPr lvl="1"/>
+            <a:r>
+              <a:rPr lang="en-US" altLang="en-US" dirty="0"/>
+              <a:t>Other two issues apply to threads</a:t>
+            </a:r>
           </a:p>
         </p:txBody>
       </p:sp>
@@ -16796,7 +17901,7 @@
           <p:cNvPr id="4" name="Footer Placeholder 3">
             <a:extLst>
               <a:ext uri="{FF2B5EF4-FFF2-40B4-BE49-F238E27FC236}">
-                <a16:creationId xmlns:a16="http://schemas.microsoft.com/office/drawing/2014/main" id="{73DBA84E-7D96-E442-8FC3-A0C3749B1CC1}"/>
+                <a16:creationId xmlns:a16="http://schemas.microsoft.com/office/drawing/2014/main" id="{98D70E46-AD06-A84D-A403-48FFDDB68BC6}"/>
               </a:ext>
             </a:extLst>
           </p:cNvPr>
@@ -16876,7 +17981,7 @@
           <p:cNvPr id="5" name="Slide Number Placeholder 4">
             <a:extLst>
               <a:ext uri="{FF2B5EF4-FFF2-40B4-BE49-F238E27FC236}">
-                <a16:creationId xmlns:a16="http://schemas.microsoft.com/office/drawing/2014/main" id="{B9F1484A-3D19-CA4A-81F0-82E85A0AC7BB}"/>
+                <a16:creationId xmlns:a16="http://schemas.microsoft.com/office/drawing/2014/main" id="{68F74981-ADDA-9144-ACB5-CE4649DD2D8F}"/>
               </a:ext>
             </a:extLst>
           </p:cNvPr>
@@ -16909,7 +18014,7 @@
               <a:tabLst/>
               <a:defRPr/>
             </a:pPr>
-            <a:fld id="{49DE1B45-5713-6E42-A4BB-3D73C968C33F}" type="slidenum">
+            <a:fld id="{84EF06AB-4700-6A49-AA92-7F6FC9BCAFBB}" type="slidenum">
               <a:rPr kumimoji="0" lang="en-US" altLang="en-US" sz="1400" b="0" i="0" u="none" strike="noStrike" kern="1200" cap="none" spc="0" normalizeH="0" baseline="0" noProof="0">
                 <a:ln>
                   <a:noFill/>
@@ -16941,7 +18046,7 @@
                 <a:tabLst/>
                 <a:defRPr/>
               </a:pPr>
-              <a:t>17</a:t>
+              <a:t>19</a:t>
             </a:fld>
             <a:endParaRPr kumimoji="0" lang="en-US" altLang="en-US" sz="1400" b="0" i="0" u="none" strike="noStrike" kern="1200" cap="none" spc="0" normalizeH="0" baseline="0" noProof="0">
               <a:ln>
@@ -16960,172 +18065,196 @@
           </a:p>
         </p:txBody>
       </p:sp>
-      <p:pic>
-        <p:nvPicPr>
-          <p:cNvPr id="7" name="Picture 6">
+    </p:spTree>
+    <p:extLst>
+      <p:ext uri="{BB962C8B-B14F-4D97-AF65-F5344CB8AC3E}">
+        <p14:creationId xmlns:p14="http://schemas.microsoft.com/office/powerpoint/2010/main" val="3856647210"/>
+      </p:ext>
+    </p:extLst>
+  </p:cSld>
+  <p:clrMapOvr>
+    <a:masterClrMapping/>
+  </p:clrMapOvr>
+</p:sld>
+</file>
+
+<file path=ppt/slides/slide2.xml><?xml version="1.0" encoding="utf-8"?>
+<p:sld xmlns:a="http://schemas.openxmlformats.org/drawingml/2006/main" xmlns:r="http://schemas.openxmlformats.org/officeDocument/2006/relationships" xmlns:p="http://schemas.openxmlformats.org/presentationml/2006/main">
+  <p:cSld>
+    <p:spTree>
+      <p:nvGrpSpPr>
+        <p:cNvPr id="1" name=""/>
+        <p:cNvGrpSpPr/>
+        <p:nvPr/>
+      </p:nvGrpSpPr>
+      <p:grpSpPr>
+        <a:xfrm>
+          <a:off x="0" y="0"/>
+          <a:ext cx="0" cy="0"/>
+          <a:chOff x="0" y="0"/>
+          <a:chExt cx="0" cy="0"/>
+        </a:xfrm>
+      </p:grpSpPr>
+      <p:sp>
+        <p:nvSpPr>
+          <p:cNvPr id="2" name="Title 1">
             <a:extLst>
               <a:ext uri="{FF2B5EF4-FFF2-40B4-BE49-F238E27FC236}">
-                <a16:creationId xmlns:a16="http://schemas.microsoft.com/office/drawing/2014/main" id="{8289F39E-20D4-48DB-B0D7-920A9B1D2C84}"/>
+                <a16:creationId xmlns:a16="http://schemas.microsoft.com/office/drawing/2014/main" id="{AB9EA720-F5B4-463B-B14C-1970BB85B2C8}"/>
               </a:ext>
             </a:extLst>
           </p:cNvPr>
-          <p:cNvPicPr>
-            <a:picLocks noChangeAspect="1"/>
-          </p:cNvPicPr>
-          <p:nvPr/>
-        </p:nvPicPr>
-        <p:blipFill>
-          <a:blip r:embed="rId2"/>
-          <a:stretch>
-            <a:fillRect/>
-          </a:stretch>
-        </p:blipFill>
-        <p:spPr>
-          <a:xfrm>
-            <a:off x="5592644" y="1018513"/>
-            <a:ext cx="4090798" cy="2727744"/>
-          </a:xfrm>
-          <a:prstGeom prst="rect">
-            <a:avLst/>
-          </a:prstGeom>
-        </p:spPr>
-      </p:pic>
-      <mc:AlternateContent xmlns:mc="http://schemas.openxmlformats.org/markup-compatibility/2006">
-        <mc:Choice xmlns:p14="http://schemas.microsoft.com/office/powerpoint/2010/main" Requires="p14">
-          <p:contentPart p14:bwMode="auto" r:id="rId3">
-            <p14:nvContentPartPr>
-              <p14:cNvPr id="9" name="Ink 8">
-                <a:extLst>
-                  <a:ext uri="{FF2B5EF4-FFF2-40B4-BE49-F238E27FC236}">
-                    <a16:creationId xmlns:a16="http://schemas.microsoft.com/office/drawing/2014/main" id="{65902BB3-D968-4B54-8B69-A55E7B9FC9C7}"/>
-                  </a:ext>
-                </a:extLst>
-              </p14:cNvPr>
-              <p14:cNvContentPartPr/>
-              <p14:nvPr/>
-            </p14:nvContentPartPr>
-            <p14:xfrm flipV="1">
-              <a:off x="4151722" y="1651971"/>
-              <a:ext cx="1440921" cy="800672"/>
-            </p14:xfrm>
-          </p:contentPart>
-        </mc:Choice>
-        <mc:Fallback>
-          <p:pic>
-            <p:nvPicPr>
-              <p:cNvPr id="9" name="Ink 8">
-                <a:extLst>
-                  <a:ext uri="{FF2B5EF4-FFF2-40B4-BE49-F238E27FC236}">
-                    <a16:creationId xmlns:a16="http://schemas.microsoft.com/office/drawing/2014/main" id="{65902BB3-D968-4B54-8B69-A55E7B9FC9C7}"/>
-                  </a:ext>
-                </a:extLst>
-              </p:cNvPr>
-              <p:cNvPicPr/>
-              <p:nvPr/>
-            </p:nvPicPr>
-            <p:blipFill>
-              <a:blip r:embed="rId4"/>
-              <a:stretch>
-                <a:fillRect/>
-              </a:stretch>
-            </p:blipFill>
-            <p:spPr>
-              <a:xfrm flipV="1">
-                <a:off x="4142725" y="1643335"/>
-                <a:ext cx="1458555" cy="818305"/>
-              </a:xfrm>
-              <a:prstGeom prst="rect">
-                <a:avLst/>
-              </a:prstGeom>
-            </p:spPr>
-          </p:pic>
-        </mc:Fallback>
-      </mc:AlternateContent>
-      <mc:AlternateContent xmlns:mc="http://schemas.openxmlformats.org/markup-compatibility/2006">
-        <mc:Choice xmlns:p14="http://schemas.microsoft.com/office/powerpoint/2010/main" Requires="p14">
-          <p:contentPart p14:bwMode="auto" r:id="rId5">
-            <p14:nvContentPartPr>
-              <p14:cNvPr id="10" name="Ink 9">
-                <a:extLst>
-                  <a:ext uri="{FF2B5EF4-FFF2-40B4-BE49-F238E27FC236}">
-                    <a16:creationId xmlns:a16="http://schemas.microsoft.com/office/drawing/2014/main" id="{877346C0-8418-41AB-AD05-4613E1FE78DF}"/>
-                  </a:ext>
-                </a:extLst>
-              </p14:cNvPr>
-              <p14:cNvContentPartPr/>
-              <p14:nvPr/>
-            </p14:nvContentPartPr>
-            <p14:xfrm>
-              <a:off x="4159772" y="4510754"/>
-              <a:ext cx="1547871" cy="506957"/>
-            </p14:xfrm>
-          </p:contentPart>
-        </mc:Choice>
-        <mc:Fallback>
-          <p:pic>
-            <p:nvPicPr>
-              <p:cNvPr id="10" name="Ink 9">
-                <a:extLst>
-                  <a:ext uri="{FF2B5EF4-FFF2-40B4-BE49-F238E27FC236}">
-                    <a16:creationId xmlns:a16="http://schemas.microsoft.com/office/drawing/2014/main" id="{877346C0-8418-41AB-AD05-4613E1FE78DF}"/>
-                  </a:ext>
-                </a:extLst>
-              </p:cNvPr>
-              <p:cNvPicPr/>
-              <p:nvPr/>
-            </p:nvPicPr>
-            <p:blipFill>
-              <a:blip r:embed="rId6"/>
-              <a:stretch>
-                <a:fillRect/>
-              </a:stretch>
-            </p:blipFill>
-            <p:spPr>
-              <a:xfrm>
-                <a:off x="4150771" y="4501746"/>
-                <a:ext cx="1565514" cy="524612"/>
-              </a:xfrm>
-              <a:prstGeom prst="rect">
-                <a:avLst/>
-              </a:prstGeom>
-            </p:spPr>
-          </p:pic>
-        </mc:Fallback>
-      </mc:AlternateContent>
-      <p:pic>
-        <p:nvPicPr>
-          <p:cNvPr id="11" name="Picture 10">
+          <p:cNvSpPr>
+            <a:spLocks noGrp="1"/>
+          </p:cNvSpPr>
+          <p:nvPr>
+            <p:ph type="title"/>
+          </p:nvPr>
+        </p:nvSpPr>
+        <p:spPr/>
+        <p:txBody>
+          <a:bodyPr/>
+          <a:lstStyle/>
+          <a:p>
+            <a:r>
+              <a:rPr lang="en-US" dirty="0"/>
+              <a:t>Announcements</a:t>
+            </a:r>
+          </a:p>
+        </p:txBody>
+      </p:sp>
+      <p:sp>
+        <p:nvSpPr>
+          <p:cNvPr id="3" name="Content Placeholder 2">
             <a:extLst>
               <a:ext uri="{FF2B5EF4-FFF2-40B4-BE49-F238E27FC236}">
-                <a16:creationId xmlns:a16="http://schemas.microsoft.com/office/drawing/2014/main" id="{F566B0BC-E242-4A61-8CE5-99090A62E50D}"/>
+                <a16:creationId xmlns:a16="http://schemas.microsoft.com/office/drawing/2014/main" id="{2466C52D-9A48-4683-BE7F-268D8DB7FAAD}"/>
               </a:ext>
             </a:extLst>
           </p:cNvPr>
-          <p:cNvPicPr>
-            <a:picLocks noChangeAspect="1"/>
-          </p:cNvPicPr>
-          <p:nvPr/>
-        </p:nvPicPr>
-        <p:blipFill>
-          <a:blip r:embed="rId7"/>
-          <a:stretch>
-            <a:fillRect/>
-          </a:stretch>
-        </p:blipFill>
-        <p:spPr>
-          <a:xfrm>
-            <a:off x="5920853" y="4432236"/>
-            <a:ext cx="3434381" cy="2290045"/>
-          </a:xfrm>
-          <a:prstGeom prst="rect">
-            <a:avLst/>
-          </a:prstGeom>
-        </p:spPr>
-      </p:pic>
+          <p:cNvSpPr>
+            <a:spLocks noGrp="1"/>
+          </p:cNvSpPr>
+          <p:nvPr>
+            <p:ph idx="1"/>
+          </p:nvPr>
+        </p:nvSpPr>
+        <p:spPr/>
+        <p:txBody>
+          <a:bodyPr>
+            <a:normAutofit/>
+          </a:bodyPr>
+          <a:lstStyle/>
+          <a:p>
+            <a:r>
+              <a:rPr lang="en-US" dirty="0"/>
+              <a:t>Upcoming deadlines</a:t>
+            </a:r>
+          </a:p>
+          <a:p>
+            <a:pPr lvl="1"/>
+            <a:r>
+              <a:rPr lang="en-US" dirty="0"/>
+              <a:t>Homework 1 is due today at 11:59 pm</a:t>
+            </a:r>
+          </a:p>
+          <a:p>
+            <a:pPr lvl="1"/>
+            <a:r>
+              <a:rPr lang="en-US" dirty="0"/>
+              <a:t>Homework 2 is due next Monday at 11:59 pm</a:t>
+            </a:r>
+          </a:p>
+          <a:p>
+            <a:pPr lvl="1"/>
+            <a:r>
+              <a:rPr lang="en-US" dirty="0"/>
+              <a:t>Lab 1 is due on 2/4 at 11:59 pm</a:t>
+            </a:r>
+          </a:p>
+          <a:p>
+            <a:pPr lvl="1"/>
+            <a:r>
+              <a:rPr lang="en-US" dirty="0"/>
+              <a:t>Project 1 is due on 2/18 at 11:59 pm</a:t>
+            </a:r>
+          </a:p>
+          <a:p>
+            <a:r>
+              <a:rPr lang="en-US" dirty="0"/>
+              <a:t>TA Office hours available on the syllabus page</a:t>
+            </a:r>
+          </a:p>
+        </p:txBody>
+      </p:sp>
+      <p:sp>
+        <p:nvSpPr>
+          <p:cNvPr id="4" name="Footer Placeholder 3">
+            <a:extLst>
+              <a:ext uri="{FF2B5EF4-FFF2-40B4-BE49-F238E27FC236}">
+                <a16:creationId xmlns:a16="http://schemas.microsoft.com/office/drawing/2014/main" id="{1F01509E-F3AE-471C-8BB2-E55078C4C863}"/>
+              </a:ext>
+            </a:extLst>
+          </p:cNvPr>
+          <p:cNvSpPr>
+            <a:spLocks noGrp="1"/>
+          </p:cNvSpPr>
+          <p:nvPr>
+            <p:ph type="ftr" idx="11"/>
+          </p:nvPr>
+        </p:nvSpPr>
+        <p:spPr/>
+        <p:txBody>
+          <a:bodyPr/>
+          <a:lstStyle/>
+          <a:p>
+            <a:pPr>
+              <a:defRPr/>
+            </a:pPr>
+            <a:r>
+              <a:rPr lang="en-US">
+                <a:latin typeface="+mn-lt"/>
+              </a:rPr>
+              <a:t>CS/COE 1550 – Operating Systems – Sherif Khattab</a:t>
+            </a:r>
+            <a:endParaRPr lang="en-GB" dirty="0"/>
+          </a:p>
+        </p:txBody>
+      </p:sp>
+      <p:sp>
+        <p:nvSpPr>
+          <p:cNvPr id="5" name="Slide Number Placeholder 4">
+            <a:extLst>
+              <a:ext uri="{FF2B5EF4-FFF2-40B4-BE49-F238E27FC236}">
+                <a16:creationId xmlns:a16="http://schemas.microsoft.com/office/drawing/2014/main" id="{481CF72B-4081-461A-85F0-AEE6A7897B6A}"/>
+              </a:ext>
+            </a:extLst>
+          </p:cNvPr>
+          <p:cNvSpPr>
+            <a:spLocks noGrp="1"/>
+          </p:cNvSpPr>
+          <p:nvPr>
+            <p:ph type="sldNum" idx="12"/>
+          </p:nvPr>
+        </p:nvSpPr>
+        <p:spPr/>
+        <p:txBody>
+          <a:bodyPr/>
+          <a:lstStyle/>
+          <a:p>
+            <a:fld id="{65E435D9-63B0-4660-8D04-E83F5E2CA2AE}" type="slidenum">
+              <a:rPr lang="en-GB" altLang="en-US" smtClean="0"/>
+              <a:pPr/>
+              <a:t>2</a:t>
+            </a:fld>
+            <a:endParaRPr lang="en-GB" altLang="en-US" dirty="0"/>
+          </a:p>
+        </p:txBody>
+      </p:sp>
     </p:spTree>
     <p:extLst>
       <p:ext uri="{BB962C8B-B14F-4D97-AF65-F5344CB8AC3E}">
-        <p14:creationId xmlns:p14="http://schemas.microsoft.com/office/powerpoint/2010/main" val="3210992163"/>
+        <p14:creationId xmlns:p14="http://schemas.microsoft.com/office/powerpoint/2010/main" val="702367729"/>
       </p:ext>
     </p:extLst>
   </p:cSld>
@@ -17166,7 +18295,7 @@
                                           </p:stCondLst>
                                         </p:cTn>
                                         <p:tgtEl>
-                                          <p:spTgt spid="100355">
+                                          <p:spTgt spid="3">
                                             <p:txEl>
                                               <p:pRg st="0" end="0"/>
                                             </p:txEl>
@@ -17215,81 +18344,9 @@
                                           </p:stCondLst>
                                         </p:cTn>
                                         <p:tgtEl>
-                                          <p:spTgt spid="7"/>
-                                        </p:tgtEl>
-                                        <p:attrNameLst>
-                                          <p:attrName>style.visibility</p:attrName>
-                                        </p:attrNameLst>
-                                      </p:cBhvr>
-                                      <p:to>
-                                        <p:strVal val="visible"/>
-                                      </p:to>
-                                    </p:set>
-                                  </p:childTnLst>
-                                </p:cTn>
-                              </p:par>
-                              <p:par>
-                                <p:cTn id="11" presetID="1" presetClass="entr" presetSubtype="0" fill="hold" nodeType="withEffect">
-                                  <p:stCondLst>
-                                    <p:cond delay="0"/>
-                                  </p:stCondLst>
-                                  <p:childTnLst>
-                                    <p:set>
-                                      <p:cBhvr>
-                                        <p:cTn id="12" dur="1" fill="hold">
-                                          <p:stCondLst>
-                                            <p:cond delay="0"/>
-                                          </p:stCondLst>
-                                        </p:cTn>
-                                        <p:tgtEl>
-                                          <p:spTgt spid="9"/>
-                                        </p:tgtEl>
-                                        <p:attrNameLst>
-                                          <p:attrName>style.visibility</p:attrName>
-                                        </p:attrNameLst>
-                                      </p:cBhvr>
-                                      <p:to>
-                                        <p:strVal val="visible"/>
-                                      </p:to>
-                                    </p:set>
-                                  </p:childTnLst>
-                                </p:cTn>
-                              </p:par>
-                            </p:childTnLst>
-                          </p:cTn>
-                        </p:par>
-                      </p:childTnLst>
-                    </p:cTn>
-                  </p:par>
-                  <p:par>
-                    <p:cTn id="13" fill="hold">
-                      <p:stCondLst>
-                        <p:cond delay="indefinite"/>
-                      </p:stCondLst>
-                      <p:childTnLst>
-                        <p:par>
-                          <p:cTn id="14" fill="hold">
-                            <p:stCondLst>
-                              <p:cond delay="0"/>
-                            </p:stCondLst>
-                            <p:childTnLst>
-                              <p:par>
-                                <p:cTn id="15" presetID="1" presetClass="entr" presetSubtype="0" fill="hold" nodeType="clickEffect">
-                                  <p:stCondLst>
-                                    <p:cond delay="0"/>
-                                  </p:stCondLst>
-                                  <p:childTnLst>
-                                    <p:set>
-                                      <p:cBhvr>
-                                        <p:cTn id="16" dur="1" fill="hold">
-                                          <p:stCondLst>
-                                            <p:cond delay="0"/>
-                                          </p:stCondLst>
-                                        </p:cTn>
-                                        <p:tgtEl>
-                                          <p:spTgt spid="100355">
+                                          <p:spTgt spid="3">
                                             <p:txEl>
-                                              <p:pRg st="5" end="5"/>
+                                              <p:pRg st="1" end="1"/>
                                             </p:txEl>
                                           </p:spTgt>
                                         </p:tgtEl>
@@ -17311,32 +18368,36 @@
                     </p:cTn>
                   </p:par>
                   <p:par>
-                    <p:cTn id="17" fill="hold">
+                    <p:cTn id="11" fill="hold">
                       <p:stCondLst>
                         <p:cond delay="indefinite"/>
                       </p:stCondLst>
                       <p:childTnLst>
                         <p:par>
-                          <p:cTn id="18" fill="hold">
+                          <p:cTn id="12" fill="hold">
                             <p:stCondLst>
                               <p:cond delay="0"/>
                             </p:stCondLst>
                             <p:childTnLst>
                               <p:par>
-                                <p:cTn id="19" presetID="1" presetClass="entr" presetSubtype="0" fill="hold" nodeType="clickEffect">
+                                <p:cTn id="13" presetID="1" presetClass="entr" presetSubtype="0" fill="hold" nodeType="clickEffect">
                                   <p:stCondLst>
                                     <p:cond delay="0"/>
                                   </p:stCondLst>
                                   <p:childTnLst>
                                     <p:set>
                                       <p:cBhvr>
-                                        <p:cTn id="20" dur="1" fill="hold">
+                                        <p:cTn id="14" dur="1" fill="hold">
                                           <p:stCondLst>
                                             <p:cond delay="0"/>
                                           </p:stCondLst>
                                         </p:cTn>
                                         <p:tgtEl>
-                                          <p:spTgt spid="10"/>
+                                          <p:spTgt spid="3">
+                                            <p:txEl>
+                                              <p:pRg st="2" end="2"/>
+                                            </p:txEl>
+                                          </p:spTgt>
                                         </p:tgtEl>
                                         <p:attrNameLst>
                                           <p:attrName>style.visibility</p:attrName>
@@ -17349,8 +18410,75 @@
                                   </p:childTnLst>
                                 </p:cTn>
                               </p:par>
+                            </p:childTnLst>
+                          </p:cTn>
+                        </p:par>
+                      </p:childTnLst>
+                    </p:cTn>
+                  </p:par>
+                  <p:par>
+                    <p:cTn id="15" fill="hold">
+                      <p:stCondLst>
+                        <p:cond delay="indefinite"/>
+                      </p:stCondLst>
+                      <p:childTnLst>
+                        <p:par>
+                          <p:cTn id="16" fill="hold">
+                            <p:stCondLst>
+                              <p:cond delay="0"/>
+                            </p:stCondLst>
+                            <p:childTnLst>
                               <p:par>
-                                <p:cTn id="21" presetID="1" presetClass="entr" presetSubtype="0" fill="hold" nodeType="withEffect">
+                                <p:cTn id="17" presetID="1" presetClass="entr" presetSubtype="0" fill="hold" nodeType="clickEffect">
+                                  <p:stCondLst>
+                                    <p:cond delay="0"/>
+                                  </p:stCondLst>
+                                  <p:childTnLst>
+                                    <p:set>
+                                      <p:cBhvr>
+                                        <p:cTn id="18" dur="1" fill="hold">
+                                          <p:stCondLst>
+                                            <p:cond delay="0"/>
+                                          </p:stCondLst>
+                                        </p:cTn>
+                                        <p:tgtEl>
+                                          <p:spTgt spid="3">
+                                            <p:txEl>
+                                              <p:pRg st="3" end="3"/>
+                                            </p:txEl>
+                                          </p:spTgt>
+                                        </p:tgtEl>
+                                        <p:attrNameLst>
+                                          <p:attrName>style.visibility</p:attrName>
+                                        </p:attrNameLst>
+                                      </p:cBhvr>
+                                      <p:to>
+                                        <p:strVal val="visible"/>
+                                      </p:to>
+                                    </p:set>
+                                  </p:childTnLst>
+                                </p:cTn>
+                              </p:par>
+                            </p:childTnLst>
+                          </p:cTn>
+                        </p:par>
+                      </p:childTnLst>
+                    </p:cTn>
+                  </p:par>
+                  <p:par>
+                    <p:cTn id="19" fill="hold">
+                      <p:stCondLst>
+                        <p:cond delay="indefinite"/>
+                      </p:stCondLst>
+                      <p:childTnLst>
+                        <p:par>
+                          <p:cTn id="20" fill="hold">
+                            <p:stCondLst>
+                              <p:cond delay="0"/>
+                            </p:stCondLst>
+                            <p:childTnLst>
+                              <p:par>
+                                <p:cTn id="21" presetID="1" presetClass="entr" presetSubtype="0" fill="hold" nodeType="clickEffect">
                                   <p:stCondLst>
                                     <p:cond delay="0"/>
                                   </p:stCondLst>
@@ -17363,7 +18491,60 @@
                                           </p:stCondLst>
                                         </p:cTn>
                                         <p:tgtEl>
-                                          <p:spTgt spid="11"/>
+                                          <p:spTgt spid="3">
+                                            <p:txEl>
+                                              <p:pRg st="4" end="4"/>
+                                            </p:txEl>
+                                          </p:spTgt>
+                                        </p:tgtEl>
+                                        <p:attrNameLst>
+                                          <p:attrName>style.visibility</p:attrName>
+                                        </p:attrNameLst>
+                                      </p:cBhvr>
+                                      <p:to>
+                                        <p:strVal val="visible"/>
+                                      </p:to>
+                                    </p:set>
+                                  </p:childTnLst>
+                                </p:cTn>
+                              </p:par>
+                            </p:childTnLst>
+                          </p:cTn>
+                        </p:par>
+                      </p:childTnLst>
+                    </p:cTn>
+                  </p:par>
+                  <p:par>
+                    <p:cTn id="23" fill="hold">
+                      <p:stCondLst>
+                        <p:cond delay="indefinite"/>
+                      </p:stCondLst>
+                      <p:childTnLst>
+                        <p:par>
+                          <p:cTn id="24" fill="hold">
+                            <p:stCondLst>
+                              <p:cond delay="0"/>
+                            </p:stCondLst>
+                            <p:childTnLst>
+                              <p:par>
+                                <p:cTn id="25" presetID="1" presetClass="entr" presetSubtype="0" fill="hold" nodeType="clickEffect">
+                                  <p:stCondLst>
+                                    <p:cond delay="0"/>
+                                  </p:stCondLst>
+                                  <p:childTnLst>
+                                    <p:set>
+                                      <p:cBhvr>
+                                        <p:cTn id="26" dur="1" fill="hold">
+                                          <p:stCondLst>
+                                            <p:cond delay="0"/>
+                                          </p:stCondLst>
+                                        </p:cTn>
+                                        <p:tgtEl>
+                                          <p:spTgt spid="3">
+                                            <p:txEl>
+                                              <p:pRg st="5" end="5"/>
+                                            </p:txEl>
+                                          </p:spTgt>
                                         </p:tgtEl>
                                         <p:attrNameLst>
                                           <p:attrName>style.visibility</p:attrName>
@@ -17407,7 +18588,571 @@
 </p:sld>
 </file>
 
-<file path=ppt/slides/slide18.xml><?xml version="1.0" encoding="utf-8"?>
+<file path=ppt/slides/slide20.xml><?xml version="1.0" encoding="utf-8"?>
+<p:sld xmlns:a="http://schemas.openxmlformats.org/drawingml/2006/main" xmlns:r="http://schemas.openxmlformats.org/officeDocument/2006/relationships" xmlns:p="http://schemas.openxmlformats.org/presentationml/2006/main">
+  <p:cSld>
+    <p:spTree>
+      <p:nvGrpSpPr>
+        <p:cNvPr id="1" name=""/>
+        <p:cNvGrpSpPr/>
+        <p:nvPr/>
+      </p:nvGrpSpPr>
+      <p:grpSpPr>
+        <a:xfrm>
+          <a:off x="0" y="0"/>
+          <a:ext cx="0" cy="0"/>
+          <a:chOff x="0" y="0"/>
+          <a:chExt cx="0" cy="0"/>
+        </a:xfrm>
+      </p:grpSpPr>
+      <p:sp>
+        <p:nvSpPr>
+          <p:cNvPr id="2" name="Title 1">
+            <a:extLst>
+              <a:ext uri="{FF2B5EF4-FFF2-40B4-BE49-F238E27FC236}">
+                <a16:creationId xmlns:a16="http://schemas.microsoft.com/office/drawing/2014/main" id="{32DBCD6D-0035-48A2-AE34-43966A977589}"/>
+              </a:ext>
+            </a:extLst>
+          </p:cNvPr>
+          <p:cNvSpPr>
+            <a:spLocks noGrp="1"/>
+          </p:cNvSpPr>
+          <p:nvPr>
+            <p:ph type="title"/>
+          </p:nvPr>
+        </p:nvSpPr>
+        <p:spPr/>
+        <p:txBody>
+          <a:bodyPr/>
+          <a:lstStyle/>
+          <a:p>
+            <a:r>
+              <a:rPr lang="en-US" dirty="0"/>
+              <a:t>Process vs. Thread</a:t>
+            </a:r>
+          </a:p>
+        </p:txBody>
+      </p:sp>
+      <p:sp>
+        <p:nvSpPr>
+          <p:cNvPr id="4" name="Footer Placeholder 3">
+            <a:extLst>
+              <a:ext uri="{FF2B5EF4-FFF2-40B4-BE49-F238E27FC236}">
+                <a16:creationId xmlns:a16="http://schemas.microsoft.com/office/drawing/2014/main" id="{0E7B03E5-535D-472E-98AC-2E5577E357CA}"/>
+              </a:ext>
+            </a:extLst>
+          </p:cNvPr>
+          <p:cNvSpPr>
+            <a:spLocks noGrp="1"/>
+          </p:cNvSpPr>
+          <p:nvPr>
+            <p:ph type="ftr" idx="11"/>
+          </p:nvPr>
+        </p:nvSpPr>
+        <p:spPr/>
+        <p:txBody>
+          <a:bodyPr/>
+          <a:lstStyle/>
+          <a:p>
+            <a:pPr marL="0" marR="0" lvl="0" indent="0" algn="ctr" defTabSz="457200" rtl="0" eaLnBrk="1" fontAlgn="base" latinLnBrk="0" hangingPunct="0">
+              <a:lnSpc>
+                <a:spcPct val="96000"/>
+              </a:lnSpc>
+              <a:spcBef>
+                <a:spcPct val="0"/>
+              </a:spcBef>
+              <a:spcAft>
+                <a:spcPct val="0"/>
+              </a:spcAft>
+              <a:buClr>
+                <a:srgbClr val="000000"/>
+              </a:buClr>
+              <a:buSzPct val="100000"/>
+              <a:buFont typeface="Times New Roman" pitchFamily="16" charset="0"/>
+              <a:buNone/>
+              <a:tabLst>
+                <a:tab pos="0" algn="l"/>
+                <a:tab pos="457200" algn="l"/>
+                <a:tab pos="914400" algn="l"/>
+                <a:tab pos="1371600" algn="l"/>
+                <a:tab pos="1828800" algn="l"/>
+                <a:tab pos="2286000" algn="l"/>
+                <a:tab pos="2743200" algn="l"/>
+                <a:tab pos="3200400" algn="l"/>
+                <a:tab pos="3657600" algn="l"/>
+                <a:tab pos="4114800" algn="l"/>
+                <a:tab pos="4572000" algn="l"/>
+                <a:tab pos="5029200" algn="l"/>
+                <a:tab pos="5486400" algn="l"/>
+                <a:tab pos="5943600" algn="l"/>
+                <a:tab pos="6400800" algn="l"/>
+                <a:tab pos="6858000" algn="l"/>
+                <a:tab pos="7315200" algn="l"/>
+                <a:tab pos="7772400" algn="l"/>
+                <a:tab pos="8229600" algn="l"/>
+                <a:tab pos="8686800" algn="l"/>
+                <a:tab pos="9144000" algn="l"/>
+              </a:tabLst>
+              <a:defRPr/>
+            </a:pPr>
+            <a:r>
+              <a:rPr kumimoji="0" lang="en-US" sz="1400" b="0" i="0" u="none" strike="noStrike" kern="1200" cap="none" spc="0" normalizeH="0" baseline="0" noProof="0">
+                <a:ln>
+                  <a:noFill/>
+                </a:ln>
+                <a:solidFill>
+                  <a:srgbClr val="000000"/>
+                </a:solidFill>
+                <a:effectLst/>
+                <a:uLnTx/>
+                <a:uFillTx/>
+                <a:latin typeface="Arial"/>
+                <a:ea typeface="+mn-ea"/>
+                <a:cs typeface="Arial" charset="0"/>
+              </a:rPr>
+              <a:t>CS/COE 1550 – Operating Systems – Sherif Khattab</a:t>
+            </a:r>
+            <a:endParaRPr kumimoji="0" lang="en-GB" sz="1400" b="0" i="0" u="none" strike="noStrike" kern="1200" cap="none" spc="0" normalizeH="0" baseline="0" noProof="0" dirty="0">
+              <a:ln>
+                <a:noFill/>
+              </a:ln>
+              <a:solidFill>
+                <a:srgbClr val="000000"/>
+              </a:solidFill>
+              <a:effectLst/>
+              <a:uLnTx/>
+              <a:uFillTx/>
+              <a:latin typeface="Times New Roman" pitchFamily="16" charset="0"/>
+              <a:ea typeface="+mn-ea"/>
+              <a:cs typeface="Arial" charset="0"/>
+            </a:endParaRPr>
+          </a:p>
+        </p:txBody>
+      </p:sp>
+      <p:sp>
+        <p:nvSpPr>
+          <p:cNvPr id="5" name="Slide Number Placeholder 4">
+            <a:extLst>
+              <a:ext uri="{FF2B5EF4-FFF2-40B4-BE49-F238E27FC236}">
+                <a16:creationId xmlns:a16="http://schemas.microsoft.com/office/drawing/2014/main" id="{78616229-F3A1-431A-B9BF-8875C967ADB4}"/>
+              </a:ext>
+            </a:extLst>
+          </p:cNvPr>
+          <p:cNvSpPr>
+            <a:spLocks noGrp="1"/>
+          </p:cNvSpPr>
+          <p:nvPr>
+            <p:ph type="sldNum" idx="12"/>
+          </p:nvPr>
+        </p:nvSpPr>
+        <p:spPr/>
+        <p:txBody>
+          <a:bodyPr/>
+          <a:lstStyle/>
+          <a:p>
+            <a:pPr marL="0" marR="0" lvl="0" indent="0" algn="r" defTabSz="457200" rtl="0" eaLnBrk="1" fontAlgn="base" latinLnBrk="0" hangingPunct="0">
+              <a:lnSpc>
+                <a:spcPct val="96000"/>
+              </a:lnSpc>
+              <a:spcBef>
+                <a:spcPct val="0"/>
+              </a:spcBef>
+              <a:spcAft>
+                <a:spcPct val="0"/>
+              </a:spcAft>
+              <a:buClr>
+                <a:srgbClr val="000000"/>
+              </a:buClr>
+              <a:buSzPct val="100000"/>
+              <a:buFont typeface="Times New Roman" panose="02020603050405020304" pitchFamily="18" charset="0"/>
+              <a:buNone/>
+              <a:tabLst/>
+              <a:defRPr/>
+            </a:pPr>
+            <a:fld id="{65E435D9-63B0-4660-8D04-E83F5E2CA2AE}" type="slidenum">
+              <a:rPr kumimoji="0" lang="en-GB" altLang="en-US" sz="1400" b="0" i="0" u="none" strike="noStrike" kern="1200" cap="none" spc="0" normalizeH="0" baseline="0" noProof="0" smtClean="0">
+                <a:ln>
+                  <a:noFill/>
+                </a:ln>
+                <a:solidFill>
+                  <a:srgbClr val="000000"/>
+                </a:solidFill>
+                <a:effectLst/>
+                <a:uLnTx/>
+                <a:uFillTx/>
+                <a:latin typeface="Times New Roman" panose="02020603050405020304" pitchFamily="18" charset="0"/>
+                <a:ea typeface="+mn-ea"/>
+                <a:cs typeface="Arial" panose="020B0604020202020204" pitchFamily="34" charset="0"/>
+              </a:rPr>
+              <a:pPr marL="0" marR="0" lvl="0" indent="0" algn="r" defTabSz="457200" rtl="0" eaLnBrk="1" fontAlgn="base" latinLnBrk="0" hangingPunct="0">
+                <a:lnSpc>
+                  <a:spcPct val="96000"/>
+                </a:lnSpc>
+                <a:spcBef>
+                  <a:spcPct val="0"/>
+                </a:spcBef>
+                <a:spcAft>
+                  <a:spcPct val="0"/>
+                </a:spcAft>
+                <a:buClr>
+                  <a:srgbClr val="000000"/>
+                </a:buClr>
+                <a:buSzPct val="100000"/>
+                <a:buFont typeface="Times New Roman" panose="02020603050405020304" pitchFamily="18" charset="0"/>
+                <a:buNone/>
+                <a:tabLst/>
+                <a:defRPr/>
+              </a:pPr>
+              <a:t>20</a:t>
+            </a:fld>
+            <a:endParaRPr kumimoji="0" lang="en-GB" altLang="en-US" sz="1400" b="0" i="0" u="none" strike="noStrike" kern="1200" cap="none" spc="0" normalizeH="0" baseline="0" noProof="0" dirty="0">
+              <a:ln>
+                <a:noFill/>
+              </a:ln>
+              <a:solidFill>
+                <a:srgbClr val="000000"/>
+              </a:solidFill>
+              <a:effectLst/>
+              <a:uLnTx/>
+              <a:uFillTx/>
+              <a:latin typeface="Times New Roman" panose="02020603050405020304" pitchFamily="18" charset="0"/>
+              <a:ea typeface="+mn-ea"/>
+              <a:cs typeface="Arial" panose="020B0604020202020204" pitchFamily="34" charset="0"/>
+            </a:endParaRPr>
+          </a:p>
+        </p:txBody>
+      </p:sp>
+      <p:pic>
+        <p:nvPicPr>
+          <p:cNvPr id="7" name="Picture 6">
+            <a:extLst>
+              <a:ext uri="{FF2B5EF4-FFF2-40B4-BE49-F238E27FC236}">
+                <a16:creationId xmlns:a16="http://schemas.microsoft.com/office/drawing/2014/main" id="{C19DB90B-C6A6-42C5-B88F-C71C9FC4E150}"/>
+              </a:ext>
+            </a:extLst>
+          </p:cNvPr>
+          <p:cNvPicPr>
+            <a:picLocks noChangeAspect="1"/>
+          </p:cNvPicPr>
+          <p:nvPr/>
+        </p:nvPicPr>
+        <p:blipFill>
+          <a:blip r:embed="rId2"/>
+          <a:stretch>
+            <a:fillRect/>
+          </a:stretch>
+        </p:blipFill>
+        <p:spPr>
+          <a:xfrm>
+            <a:off x="665909" y="962664"/>
+            <a:ext cx="8893270" cy="5930033"/>
+          </a:xfrm>
+          <a:prstGeom prst="rect">
+            <a:avLst/>
+          </a:prstGeom>
+        </p:spPr>
+      </p:pic>
+    </p:spTree>
+    <p:extLst>
+      <p:ext uri="{BB962C8B-B14F-4D97-AF65-F5344CB8AC3E}">
+        <p14:creationId xmlns:p14="http://schemas.microsoft.com/office/powerpoint/2010/main" val="2801866406"/>
+      </p:ext>
+    </p:extLst>
+  </p:cSld>
+  <p:clrMapOvr>
+    <a:masterClrMapping/>
+  </p:clrMapOvr>
+</p:sld>
+</file>
+
+<file path=ppt/slides/slide21.xml><?xml version="1.0" encoding="utf-8"?>
+<p:sld xmlns:a="http://schemas.openxmlformats.org/drawingml/2006/main" xmlns:r="http://schemas.openxmlformats.org/officeDocument/2006/relationships" xmlns:p="http://schemas.openxmlformats.org/presentationml/2006/main">
+  <p:cSld>
+    <p:spTree>
+      <p:nvGrpSpPr>
+        <p:cNvPr id="1" name=""/>
+        <p:cNvGrpSpPr/>
+        <p:nvPr/>
+      </p:nvGrpSpPr>
+      <p:grpSpPr>
+        <a:xfrm>
+          <a:off x="0" y="0"/>
+          <a:ext cx="0" cy="0"/>
+          <a:chOff x="0" y="0"/>
+          <a:chExt cx="0" cy="0"/>
+        </a:xfrm>
+      </p:grpSpPr>
+      <p:sp>
+        <p:nvSpPr>
+          <p:cNvPr id="90114" name="Rectangle 2">
+            <a:extLst>
+              <a:ext uri="{FF2B5EF4-FFF2-40B4-BE49-F238E27FC236}">
+                <a16:creationId xmlns:a16="http://schemas.microsoft.com/office/drawing/2014/main" id="{308C4648-C13A-A547-ABA8-14DA70E0773D}"/>
+              </a:ext>
+            </a:extLst>
+          </p:cNvPr>
+          <p:cNvSpPr>
+            <a:spLocks noGrp="1" noChangeArrowheads="1"/>
+          </p:cNvSpPr>
+          <p:nvPr>
+            <p:ph type="title"/>
+          </p:nvPr>
+        </p:nvSpPr>
+        <p:spPr/>
+        <p:txBody>
+          <a:bodyPr/>
+          <a:lstStyle/>
+          <a:p>
+            <a:r>
+              <a:rPr lang="en-US" altLang="en-US" dirty="0"/>
+              <a:t>Why do we need Synchronization?</a:t>
+            </a:r>
+          </a:p>
+        </p:txBody>
+      </p:sp>
+      <p:sp>
+        <p:nvSpPr>
+          <p:cNvPr id="90115" name="Rectangle 3">
+            <a:extLst>
+              <a:ext uri="{FF2B5EF4-FFF2-40B4-BE49-F238E27FC236}">
+                <a16:creationId xmlns:a16="http://schemas.microsoft.com/office/drawing/2014/main" id="{691666FD-EDA0-044F-A826-5F64B00DC362}"/>
+              </a:ext>
+            </a:extLst>
+          </p:cNvPr>
+          <p:cNvSpPr>
+            <a:spLocks noGrp="1" noChangeArrowheads="1"/>
+          </p:cNvSpPr>
+          <p:nvPr>
+            <p:ph idx="1"/>
+          </p:nvPr>
+        </p:nvSpPr>
+        <p:spPr/>
+        <p:txBody>
+          <a:bodyPr/>
+          <a:lstStyle/>
+          <a:p>
+            <a:r>
+              <a:rPr lang="en-US" altLang="en-US" dirty="0"/>
+              <a:t>Each process operates sequentially</a:t>
+            </a:r>
+          </a:p>
+          <a:p>
+            <a:r>
+              <a:rPr lang="en-US" altLang="en-US" dirty="0"/>
+              <a:t>All is fine until processes want to share data</a:t>
+            </a:r>
+          </a:p>
+          <a:p>
+            <a:pPr lvl="1"/>
+            <a:r>
+              <a:rPr lang="en-US" altLang="en-US" dirty="0"/>
+              <a:t>Exchange data between multiple processes</a:t>
+            </a:r>
+          </a:p>
+          <a:p>
+            <a:pPr lvl="1"/>
+            <a:r>
+              <a:rPr lang="en-US" altLang="en-US" dirty="0"/>
+              <a:t>Allow processes to navigate </a:t>
+            </a:r>
+            <a:r>
+              <a:rPr lang="en-US" altLang="en-US" i="1" dirty="0"/>
+              <a:t>critical regions</a:t>
+            </a:r>
+            <a:endParaRPr lang="en-US" altLang="en-US" dirty="0"/>
+          </a:p>
+          <a:p>
+            <a:pPr lvl="1"/>
+            <a:r>
+              <a:rPr lang="en-US" altLang="en-US" b="1" dirty="0"/>
+              <a:t>Maintain proper sequencing of actions in multiple processes</a:t>
+            </a:r>
+          </a:p>
+        </p:txBody>
+      </p:sp>
+      <p:sp>
+        <p:nvSpPr>
+          <p:cNvPr id="4" name="Footer Placeholder 3">
+            <a:extLst>
+              <a:ext uri="{FF2B5EF4-FFF2-40B4-BE49-F238E27FC236}">
+                <a16:creationId xmlns:a16="http://schemas.microsoft.com/office/drawing/2014/main" id="{98D70E46-AD06-A84D-A403-48FFDDB68BC6}"/>
+              </a:ext>
+            </a:extLst>
+          </p:cNvPr>
+          <p:cNvSpPr>
+            <a:spLocks noGrp="1"/>
+          </p:cNvSpPr>
+          <p:nvPr>
+            <p:ph type="ftr" idx="11"/>
+          </p:nvPr>
+        </p:nvSpPr>
+        <p:spPr/>
+        <p:txBody>
+          <a:bodyPr/>
+          <a:lstStyle/>
+          <a:p>
+            <a:pPr marL="0" marR="0" lvl="0" indent="0" algn="ctr" defTabSz="1007943" rtl="0" eaLnBrk="1" fontAlgn="base" latinLnBrk="0" hangingPunct="0">
+              <a:lnSpc>
+                <a:spcPct val="100000"/>
+              </a:lnSpc>
+              <a:spcBef>
+                <a:spcPct val="0"/>
+              </a:spcBef>
+              <a:spcAft>
+                <a:spcPct val="0"/>
+              </a:spcAft>
+              <a:buClrTx/>
+              <a:buSzTx/>
+              <a:buFont typeface="Times New Roman" pitchFamily="16" charset="0"/>
+              <a:buNone/>
+              <a:tabLst>
+                <a:tab pos="0" algn="l"/>
+                <a:tab pos="457200" algn="l"/>
+                <a:tab pos="914400" algn="l"/>
+                <a:tab pos="1371600" algn="l"/>
+                <a:tab pos="1828800" algn="l"/>
+                <a:tab pos="2286000" algn="l"/>
+                <a:tab pos="2743200" algn="l"/>
+                <a:tab pos="3200400" algn="l"/>
+                <a:tab pos="3657600" algn="l"/>
+                <a:tab pos="4114800" algn="l"/>
+                <a:tab pos="4572000" algn="l"/>
+                <a:tab pos="5029200" algn="l"/>
+                <a:tab pos="5486400" algn="l"/>
+                <a:tab pos="5943600" algn="l"/>
+                <a:tab pos="6400800" algn="l"/>
+                <a:tab pos="6858000" algn="l"/>
+                <a:tab pos="7315200" algn="l"/>
+                <a:tab pos="7772400" algn="l"/>
+                <a:tab pos="8229600" algn="l"/>
+                <a:tab pos="8686800" algn="l"/>
+                <a:tab pos="9144000" algn="l"/>
+              </a:tabLst>
+              <a:defRPr/>
+            </a:pPr>
+            <a:r>
+              <a:rPr kumimoji="0" lang="en-US" altLang="en-US" sz="1400" b="0" i="0" u="none" strike="noStrike" kern="1200" cap="none" spc="0" normalizeH="0" baseline="0" noProof="0">
+                <a:ln>
+                  <a:noFill/>
+                </a:ln>
+                <a:solidFill>
+                  <a:srgbClr val="000000"/>
+                </a:solidFill>
+                <a:effectLst/>
+                <a:uLnTx/>
+                <a:uFillTx/>
+                <a:latin typeface="Arial"/>
+                <a:ea typeface="+mn-ea"/>
+                <a:cs typeface="Arial"/>
+              </a:rPr>
+              <a:t>CS/COE 1550 – Operating Systems – Sherif Khattab</a:t>
+            </a:r>
+          </a:p>
+        </p:txBody>
+      </p:sp>
+      <p:sp>
+        <p:nvSpPr>
+          <p:cNvPr id="5" name="Slide Number Placeholder 4">
+            <a:extLst>
+              <a:ext uri="{FF2B5EF4-FFF2-40B4-BE49-F238E27FC236}">
+                <a16:creationId xmlns:a16="http://schemas.microsoft.com/office/drawing/2014/main" id="{68F74981-ADDA-9144-ACB5-CE4649DD2D8F}"/>
+              </a:ext>
+            </a:extLst>
+          </p:cNvPr>
+          <p:cNvSpPr>
+            <a:spLocks noGrp="1"/>
+          </p:cNvSpPr>
+          <p:nvPr>
+            <p:ph type="sldNum" idx="12"/>
+          </p:nvPr>
+        </p:nvSpPr>
+        <p:spPr/>
+        <p:txBody>
+          <a:bodyPr/>
+          <a:lstStyle/>
+          <a:p>
+            <a:pPr marL="0" marR="0" lvl="0" indent="0" algn="r" defTabSz="1007943" rtl="0" eaLnBrk="1" fontAlgn="base" latinLnBrk="0" hangingPunct="0">
+              <a:lnSpc>
+                <a:spcPct val="100000"/>
+              </a:lnSpc>
+              <a:spcBef>
+                <a:spcPct val="0"/>
+              </a:spcBef>
+              <a:spcAft>
+                <a:spcPct val="0"/>
+              </a:spcAft>
+              <a:buClrTx/>
+              <a:buSzTx/>
+              <a:buFont typeface="Times New Roman" panose="02020603050405020304" pitchFamily="18" charset="0"/>
+              <a:buNone/>
+              <a:tabLst/>
+              <a:defRPr/>
+            </a:pPr>
+            <a:fld id="{84EF06AB-4700-6A49-AA92-7F6FC9BCAFBB}" type="slidenum">
+              <a:rPr kumimoji="0" lang="en-US" altLang="en-US" sz="1400" b="0" i="0" u="none" strike="noStrike" kern="1200" cap="none" spc="0" normalizeH="0" baseline="0" noProof="0">
+                <a:ln>
+                  <a:noFill/>
+                </a:ln>
+                <a:solidFill>
+                  <a:srgbClr val="000000"/>
+                </a:solidFill>
+                <a:effectLst/>
+                <a:uLnTx/>
+                <a:uFillTx/>
+                <a:latin typeface="Arial"/>
+                <a:ea typeface="+mn-ea"/>
+                <a:cs typeface="Arial"/>
+              </a:rPr>
+              <a:pPr marL="0" marR="0" lvl="0" indent="0" algn="r" defTabSz="1007943" rtl="0" eaLnBrk="1" fontAlgn="base" latinLnBrk="0" hangingPunct="0">
+                <a:lnSpc>
+                  <a:spcPct val="100000"/>
+                </a:lnSpc>
+                <a:spcBef>
+                  <a:spcPct val="0"/>
+                </a:spcBef>
+                <a:spcAft>
+                  <a:spcPct val="0"/>
+                </a:spcAft>
+                <a:buClrTx/>
+                <a:buSzTx/>
+                <a:buFont typeface="Times New Roman" panose="02020603050405020304" pitchFamily="18" charset="0"/>
+                <a:buNone/>
+                <a:tabLst/>
+                <a:defRPr/>
+              </a:pPr>
+              <a:t>21</a:t>
+            </a:fld>
+            <a:endParaRPr kumimoji="0" lang="en-US" altLang="en-US" sz="1400" b="0" i="0" u="none" strike="noStrike" kern="1200" cap="none" spc="0" normalizeH="0" baseline="0" noProof="0">
+              <a:ln>
+                <a:noFill/>
+              </a:ln>
+              <a:solidFill>
+                <a:srgbClr val="000000"/>
+              </a:solidFill>
+              <a:effectLst/>
+              <a:uLnTx/>
+              <a:uFillTx/>
+              <a:latin typeface="Arial"/>
+              <a:ea typeface="+mn-ea"/>
+              <a:cs typeface="Arial"/>
+            </a:endParaRPr>
+          </a:p>
+        </p:txBody>
+      </p:sp>
+    </p:spTree>
+    <p:extLst>
+      <p:ext uri="{BB962C8B-B14F-4D97-AF65-F5344CB8AC3E}">
+        <p14:creationId xmlns:p14="http://schemas.microsoft.com/office/powerpoint/2010/main" val="3793174663"/>
+      </p:ext>
+    </p:extLst>
+  </p:cSld>
+  <p:clrMapOvr>
+    <a:masterClrMapping/>
+  </p:clrMapOvr>
+</p:sld>
+</file>
+
+<file path=ppt/slides/slide22.xml><?xml version="1.0" encoding="utf-8"?>
 <p:sld xmlns:a="http://schemas.openxmlformats.org/drawingml/2006/main" xmlns:r="http://schemas.openxmlformats.org/officeDocument/2006/relationships" xmlns:p="http://schemas.openxmlformats.org/presentationml/2006/main">
   <p:cSld>
     <p:spTree>
@@ -17642,7 +19387,7 @@
                 <a:tabLst/>
                 <a:defRPr/>
               </a:pPr>
-              <a:t>18</a:t>
+              <a:t>22</a:t>
             </a:fld>
             <a:endParaRPr kumimoji="0" lang="en-US" altLang="en-US" sz="1400" b="0" i="0" u="none" strike="noStrike" kern="1200" cap="none" spc="0" normalizeH="0" baseline="0" noProof="0">
               <a:ln>
@@ -18755,7 +20500,7 @@
 </p:sld>
 </file>
 
-<file path=ppt/slides/slide19.xml><?xml version="1.0" encoding="utf-8"?>
+<file path=ppt/slides/slide3.xml><?xml version="1.0" encoding="utf-8"?>
 <p:sld xmlns:a="http://schemas.openxmlformats.org/drawingml/2006/main" xmlns:r="http://schemas.openxmlformats.org/officeDocument/2006/relationships" xmlns:p="http://schemas.openxmlformats.org/presentationml/2006/main">
   <p:cSld>
     <p:spTree>
@@ -18777,7 +20522,7 @@
           <p:cNvPr id="2" name="Title 1">
             <a:extLst>
               <a:ext uri="{FF2B5EF4-FFF2-40B4-BE49-F238E27FC236}">
-                <a16:creationId xmlns:a16="http://schemas.microsoft.com/office/drawing/2014/main" id="{3BD3413F-6868-458B-BDB5-4C663C7953C2}"/>
+                <a16:creationId xmlns:a16="http://schemas.microsoft.com/office/drawing/2014/main" id="{E097A24C-0B49-6145-9835-7406BF7C245B}"/>
               </a:ext>
             </a:extLst>
           </p:cNvPr>
@@ -18790,14 +20535,12 @@
         </p:nvSpPr>
         <p:spPr/>
         <p:txBody>
-          <a:bodyPr>
-            <a:noAutofit/>
-          </a:bodyPr>
+          <a:bodyPr/>
           <a:lstStyle/>
           <a:p>
             <a:r>
-              <a:rPr lang="en-US" sz="2800" dirty="0"/>
-              <a:t>Semaphore Usage Problem: Compromising Mutual Exclusion</a:t>
+              <a:rPr lang="en-US" dirty="0"/>
+              <a:t>Previous Lecture …</a:t>
             </a:r>
           </a:p>
         </p:txBody>
@@ -18807,7 +20550,7 @@
           <p:cNvPr id="3" name="Content Placeholder 2">
             <a:extLst>
               <a:ext uri="{FF2B5EF4-FFF2-40B4-BE49-F238E27FC236}">
-                <a16:creationId xmlns:a16="http://schemas.microsoft.com/office/drawing/2014/main" id="{80D7DCF8-D0B1-4FAC-AB7E-388730635948}"/>
+                <a16:creationId xmlns:a16="http://schemas.microsoft.com/office/drawing/2014/main" id="{93532249-5E17-2A4B-B649-961DDDF1F5F6}"/>
               </a:ext>
             </a:extLst>
           </p:cNvPr>
@@ -18825,36 +20568,7 @@
           <a:p>
             <a:r>
               <a:rPr lang="en-US" dirty="0"/>
-              <a:t>Any process can up() the semaphore</a:t>
-            </a:r>
-          </a:p>
-          <a:p>
-            <a:endParaRPr lang="en-US" dirty="0"/>
-          </a:p>
-          <a:p>
-            <a:endParaRPr lang="en-US" dirty="0"/>
-          </a:p>
-          <a:p>
-            <a:endParaRPr lang="en-US" dirty="0"/>
-          </a:p>
-          <a:p>
-            <a:endParaRPr lang="en-US" dirty="0"/>
-          </a:p>
-          <a:p>
-            <a:endParaRPr lang="en-US" dirty="0"/>
-          </a:p>
-          <a:p>
-            <a:r>
-              <a:rPr lang="en-US" dirty="0"/>
-              <a:t>Solution: A </a:t>
-            </a:r>
-            <a:r>
-              <a:rPr lang="en-US" b="1" dirty="0"/>
-              <a:t>Mutex</a:t>
-            </a:r>
-            <a:r>
-              <a:rPr lang="en-US" dirty="0"/>
-              <a:t> can be up()’d only by the same process that down()’d it</a:t>
+              <a:t>Busy waiting problem and how to solve it using semaphores</a:t>
             </a:r>
           </a:p>
         </p:txBody>
@@ -18864,358 +20578,7 @@
           <p:cNvPr id="4" name="Footer Placeholder 3">
             <a:extLst>
               <a:ext uri="{FF2B5EF4-FFF2-40B4-BE49-F238E27FC236}">
-                <a16:creationId xmlns:a16="http://schemas.microsoft.com/office/drawing/2014/main" id="{C68DACC1-0680-4586-9359-C43F3787F20A}"/>
-              </a:ext>
-            </a:extLst>
-          </p:cNvPr>
-          <p:cNvSpPr>
-            <a:spLocks noGrp="1"/>
-          </p:cNvSpPr>
-          <p:nvPr>
-            <p:ph type="ftr" idx="11"/>
-          </p:nvPr>
-        </p:nvSpPr>
-        <p:spPr/>
-        <p:txBody>
-          <a:bodyPr/>
-          <a:lstStyle/>
-          <a:p>
-            <a:pPr marL="0" marR="0" lvl="0" indent="0" algn="ctr" defTabSz="457200" rtl="0" eaLnBrk="1" fontAlgn="base" latinLnBrk="0" hangingPunct="0">
-              <a:lnSpc>
-                <a:spcPct val="96000"/>
-              </a:lnSpc>
-              <a:spcBef>
-                <a:spcPct val="0"/>
-              </a:spcBef>
-              <a:spcAft>
-                <a:spcPct val="0"/>
-              </a:spcAft>
-              <a:buClr>
-                <a:srgbClr val="000000"/>
-              </a:buClr>
-              <a:buSzPct val="100000"/>
-              <a:buFont typeface="Times New Roman" pitchFamily="16" charset="0"/>
-              <a:buNone/>
-              <a:tabLst>
-                <a:tab pos="0" algn="l"/>
-                <a:tab pos="457200" algn="l"/>
-                <a:tab pos="914400" algn="l"/>
-                <a:tab pos="1371600" algn="l"/>
-                <a:tab pos="1828800" algn="l"/>
-                <a:tab pos="2286000" algn="l"/>
-                <a:tab pos="2743200" algn="l"/>
-                <a:tab pos="3200400" algn="l"/>
-                <a:tab pos="3657600" algn="l"/>
-                <a:tab pos="4114800" algn="l"/>
-                <a:tab pos="4572000" algn="l"/>
-                <a:tab pos="5029200" algn="l"/>
-                <a:tab pos="5486400" algn="l"/>
-                <a:tab pos="5943600" algn="l"/>
-                <a:tab pos="6400800" algn="l"/>
-                <a:tab pos="6858000" algn="l"/>
-                <a:tab pos="7315200" algn="l"/>
-                <a:tab pos="7772400" algn="l"/>
-                <a:tab pos="8229600" algn="l"/>
-                <a:tab pos="8686800" algn="l"/>
-                <a:tab pos="9144000" algn="l"/>
-              </a:tabLst>
-              <a:defRPr/>
-            </a:pPr>
-            <a:r>
-              <a:rPr kumimoji="0" lang="en-US" sz="1400" b="0" i="0" u="none" strike="noStrike" kern="1200" cap="none" spc="0" normalizeH="0" baseline="0" noProof="0">
-                <a:ln>
-                  <a:noFill/>
-                </a:ln>
-                <a:solidFill>
-                  <a:srgbClr val="000000"/>
-                </a:solidFill>
-                <a:effectLst/>
-                <a:uLnTx/>
-                <a:uFillTx/>
-                <a:latin typeface="Arial"/>
-                <a:ea typeface="+mn-ea"/>
-                <a:cs typeface="Arial" charset="0"/>
-              </a:rPr>
-              <a:t>CS/COE 1550 – Operating Systems – Sherif Khattab</a:t>
-            </a:r>
-            <a:endParaRPr kumimoji="0" lang="en-GB" sz="1400" b="0" i="0" u="none" strike="noStrike" kern="1200" cap="none" spc="0" normalizeH="0" baseline="0" noProof="0" dirty="0">
-              <a:ln>
-                <a:noFill/>
-              </a:ln>
-              <a:solidFill>
-                <a:srgbClr val="000000"/>
-              </a:solidFill>
-              <a:effectLst/>
-              <a:uLnTx/>
-              <a:uFillTx/>
-              <a:latin typeface="Times New Roman" pitchFamily="16" charset="0"/>
-              <a:ea typeface="+mn-ea"/>
-              <a:cs typeface="Arial" charset="0"/>
-            </a:endParaRPr>
-          </a:p>
-        </p:txBody>
-      </p:sp>
-      <p:sp>
-        <p:nvSpPr>
-          <p:cNvPr id="5" name="Slide Number Placeholder 4">
-            <a:extLst>
-              <a:ext uri="{FF2B5EF4-FFF2-40B4-BE49-F238E27FC236}">
-                <a16:creationId xmlns:a16="http://schemas.microsoft.com/office/drawing/2014/main" id="{56313D3E-746A-4972-81F2-2FEA88DE4F84}"/>
-              </a:ext>
-            </a:extLst>
-          </p:cNvPr>
-          <p:cNvSpPr>
-            <a:spLocks noGrp="1"/>
-          </p:cNvSpPr>
-          <p:nvPr>
-            <p:ph type="sldNum" idx="12"/>
-          </p:nvPr>
-        </p:nvSpPr>
-        <p:spPr/>
-        <p:txBody>
-          <a:bodyPr/>
-          <a:lstStyle/>
-          <a:p>
-            <a:pPr marL="0" marR="0" lvl="0" indent="0" algn="r" defTabSz="457200" rtl="0" eaLnBrk="1" fontAlgn="base" latinLnBrk="0" hangingPunct="0">
-              <a:lnSpc>
-                <a:spcPct val="96000"/>
-              </a:lnSpc>
-              <a:spcBef>
-                <a:spcPct val="0"/>
-              </a:spcBef>
-              <a:spcAft>
-                <a:spcPct val="0"/>
-              </a:spcAft>
-              <a:buClr>
-                <a:srgbClr val="000000"/>
-              </a:buClr>
-              <a:buSzPct val="100000"/>
-              <a:buFont typeface="Times New Roman" panose="02020603050405020304" pitchFamily="18" charset="0"/>
-              <a:buNone/>
-              <a:tabLst/>
-              <a:defRPr/>
-            </a:pPr>
-            <a:fld id="{65E435D9-63B0-4660-8D04-E83F5E2CA2AE}" type="slidenum">
-              <a:rPr kumimoji="0" lang="en-GB" altLang="en-US" sz="1400" b="0" i="0" u="none" strike="noStrike" kern="1200" cap="none" spc="0" normalizeH="0" baseline="0" noProof="0" smtClean="0">
-                <a:ln>
-                  <a:noFill/>
-                </a:ln>
-                <a:solidFill>
-                  <a:srgbClr val="000000"/>
-                </a:solidFill>
-                <a:effectLst/>
-                <a:uLnTx/>
-                <a:uFillTx/>
-                <a:latin typeface="Times New Roman" panose="02020603050405020304" pitchFamily="18" charset="0"/>
-                <a:ea typeface="+mn-ea"/>
-                <a:cs typeface="Arial" panose="020B0604020202020204" pitchFamily="34" charset="0"/>
-              </a:rPr>
-              <a:pPr marL="0" marR="0" lvl="0" indent="0" algn="r" defTabSz="457200" rtl="0" eaLnBrk="1" fontAlgn="base" latinLnBrk="0" hangingPunct="0">
-                <a:lnSpc>
-                  <a:spcPct val="96000"/>
-                </a:lnSpc>
-                <a:spcBef>
-                  <a:spcPct val="0"/>
-                </a:spcBef>
-                <a:spcAft>
-                  <a:spcPct val="0"/>
-                </a:spcAft>
-                <a:buClr>
-                  <a:srgbClr val="000000"/>
-                </a:buClr>
-                <a:buSzPct val="100000"/>
-                <a:buFont typeface="Times New Roman" panose="02020603050405020304" pitchFamily="18" charset="0"/>
-                <a:buNone/>
-                <a:tabLst/>
-                <a:defRPr/>
-              </a:pPr>
-              <a:t>19</a:t>
-            </a:fld>
-            <a:endParaRPr kumimoji="0" lang="en-GB" altLang="en-US" sz="1400" b="0" i="0" u="none" strike="noStrike" kern="1200" cap="none" spc="0" normalizeH="0" baseline="0" noProof="0" dirty="0">
-              <a:ln>
-                <a:noFill/>
-              </a:ln>
-              <a:solidFill>
-                <a:srgbClr val="000000"/>
-              </a:solidFill>
-              <a:effectLst/>
-              <a:uLnTx/>
-              <a:uFillTx/>
-              <a:latin typeface="Times New Roman" panose="02020603050405020304" pitchFamily="18" charset="0"/>
-              <a:ea typeface="+mn-ea"/>
-              <a:cs typeface="Arial" panose="020B0604020202020204" pitchFamily="34" charset="0"/>
-            </a:endParaRPr>
-          </a:p>
-        </p:txBody>
-      </p:sp>
-      <p:pic>
-        <p:nvPicPr>
-          <p:cNvPr id="7" name="Picture 6">
-            <a:extLst>
-              <a:ext uri="{FF2B5EF4-FFF2-40B4-BE49-F238E27FC236}">
-                <a16:creationId xmlns:a16="http://schemas.microsoft.com/office/drawing/2014/main" id="{4201D6AF-33D2-4017-8DBD-878E4F209F08}"/>
-              </a:ext>
-            </a:extLst>
-          </p:cNvPr>
-          <p:cNvPicPr>
-            <a:picLocks noChangeAspect="1"/>
-          </p:cNvPicPr>
-          <p:nvPr/>
-        </p:nvPicPr>
-        <p:blipFill>
-          <a:blip r:embed="rId2"/>
-          <a:stretch>
-            <a:fillRect/>
-          </a:stretch>
-        </p:blipFill>
-        <p:spPr>
-          <a:xfrm>
-            <a:off x="1637968" y="1224502"/>
-            <a:ext cx="5008989" cy="3339994"/>
-          </a:xfrm>
-          <a:prstGeom prst="rect">
-            <a:avLst/>
-          </a:prstGeom>
-        </p:spPr>
-      </p:pic>
-    </p:spTree>
-    <p:extLst>
-      <p:ext uri="{BB962C8B-B14F-4D97-AF65-F5344CB8AC3E}">
-        <p14:creationId xmlns:p14="http://schemas.microsoft.com/office/powerpoint/2010/main" val="2782489002"/>
-      </p:ext>
-    </p:extLst>
-  </p:cSld>
-  <p:clrMapOvr>
-    <a:masterClrMapping/>
-  </p:clrMapOvr>
-</p:sld>
-</file>
-
-<file path=ppt/slides/slide2.xml><?xml version="1.0" encoding="utf-8"?>
-<p:sld xmlns:a="http://schemas.openxmlformats.org/drawingml/2006/main" xmlns:r="http://schemas.openxmlformats.org/officeDocument/2006/relationships" xmlns:p="http://schemas.openxmlformats.org/presentationml/2006/main">
-  <p:cSld>
-    <p:spTree>
-      <p:nvGrpSpPr>
-        <p:cNvPr id="1" name=""/>
-        <p:cNvGrpSpPr/>
-        <p:nvPr/>
-      </p:nvGrpSpPr>
-      <p:grpSpPr>
-        <a:xfrm>
-          <a:off x="0" y="0"/>
-          <a:ext cx="0" cy="0"/>
-          <a:chOff x="0" y="0"/>
-          <a:chExt cx="0" cy="0"/>
-        </a:xfrm>
-      </p:grpSpPr>
-      <p:sp>
-        <p:nvSpPr>
-          <p:cNvPr id="2" name="Title 1">
-            <a:extLst>
-              <a:ext uri="{FF2B5EF4-FFF2-40B4-BE49-F238E27FC236}">
-                <a16:creationId xmlns:a16="http://schemas.microsoft.com/office/drawing/2014/main" id="{AB9EA720-F5B4-463B-B14C-1970BB85B2C8}"/>
-              </a:ext>
-            </a:extLst>
-          </p:cNvPr>
-          <p:cNvSpPr>
-            <a:spLocks noGrp="1"/>
-          </p:cNvSpPr>
-          <p:nvPr>
-            <p:ph type="title"/>
-          </p:nvPr>
-        </p:nvSpPr>
-        <p:spPr/>
-        <p:txBody>
-          <a:bodyPr/>
-          <a:lstStyle/>
-          <a:p>
-            <a:r>
-              <a:rPr lang="en-US" dirty="0"/>
-              <a:t>Announcements</a:t>
-            </a:r>
-          </a:p>
-        </p:txBody>
-      </p:sp>
-      <p:sp>
-        <p:nvSpPr>
-          <p:cNvPr id="3" name="Content Placeholder 2">
-            <a:extLst>
-              <a:ext uri="{FF2B5EF4-FFF2-40B4-BE49-F238E27FC236}">
-                <a16:creationId xmlns:a16="http://schemas.microsoft.com/office/drawing/2014/main" id="{2466C52D-9A48-4683-BE7F-268D8DB7FAAD}"/>
-              </a:ext>
-            </a:extLst>
-          </p:cNvPr>
-          <p:cNvSpPr>
-            <a:spLocks noGrp="1"/>
-          </p:cNvSpPr>
-          <p:nvPr>
-            <p:ph idx="1"/>
-          </p:nvPr>
-        </p:nvSpPr>
-        <p:spPr/>
-        <p:txBody>
-          <a:bodyPr>
-            <a:normAutofit/>
-          </a:bodyPr>
-          <a:lstStyle/>
-          <a:p>
-            <a:r>
-              <a:rPr lang="en-US" dirty="0"/>
-              <a:t>Homework 2 is due this Friday at 11:59 pm</a:t>
-            </a:r>
-          </a:p>
-          <a:p>
-            <a:r>
-              <a:rPr lang="en-US" dirty="0"/>
-              <a:t>Lab 1 is due on 9/20 at 11:59 pm</a:t>
-            </a:r>
-          </a:p>
-          <a:p>
-            <a:pPr lvl="1"/>
-            <a:r>
-              <a:rPr lang="en-US" dirty="0"/>
-              <a:t>Using GitHub Classroom</a:t>
-            </a:r>
-          </a:p>
-          <a:p>
-            <a:pPr lvl="1"/>
-            <a:r>
-              <a:rPr lang="en-US" dirty="0"/>
-              <a:t>Explained in last week’s recitation</a:t>
-            </a:r>
-          </a:p>
-          <a:p>
-            <a:r>
-              <a:rPr lang="en-US" dirty="0"/>
-              <a:t>TA Office hours available on the syllabus page</a:t>
-            </a:r>
-          </a:p>
-          <a:p>
-            <a:r>
-              <a:rPr lang="en-US" dirty="0"/>
-              <a:t>Project 1 is up on Canvas</a:t>
-            </a:r>
-          </a:p>
-          <a:p>
-            <a:r>
-              <a:rPr lang="en-US" dirty="0"/>
-              <a:t>Docker images are available on Canvas</a:t>
-            </a:r>
-          </a:p>
-          <a:p>
-            <a:r>
-              <a:rPr lang="en-US" dirty="0"/>
-              <a:t>Tophat questions of the previous two lectures are assigned as homework </a:t>
-            </a:r>
-          </a:p>
-        </p:txBody>
-      </p:sp>
-      <p:sp>
-        <p:nvSpPr>
-          <p:cNvPr id="4" name="Footer Placeholder 3">
-            <a:extLst>
-              <a:ext uri="{FF2B5EF4-FFF2-40B4-BE49-F238E27FC236}">
-                <a16:creationId xmlns:a16="http://schemas.microsoft.com/office/drawing/2014/main" id="{1F01509E-F3AE-471C-8BB2-E55078C4C863}"/>
+                <a16:creationId xmlns:a16="http://schemas.microsoft.com/office/drawing/2014/main" id="{2550EB3E-D7D4-7946-ADA7-722A8DA377D5}"/>
               </a:ext>
             </a:extLst>
           </p:cNvPr>
@@ -19249,7 +20612,7 @@
           <p:cNvPr id="5" name="Slide Number Placeholder 4">
             <a:extLst>
               <a:ext uri="{FF2B5EF4-FFF2-40B4-BE49-F238E27FC236}">
-                <a16:creationId xmlns:a16="http://schemas.microsoft.com/office/drawing/2014/main" id="{481CF72B-4081-461A-85F0-AEE6A7897B6A}"/>
+                <a16:creationId xmlns:a16="http://schemas.microsoft.com/office/drawing/2014/main" id="{C1015D7E-DA69-CD4B-B6BE-D1EDF4DD75D6}"/>
               </a:ext>
             </a:extLst>
           </p:cNvPr>
@@ -19268,7 +20631,7 @@
             <a:fld id="{65E435D9-63B0-4660-8D04-E83F5E2CA2AE}" type="slidenum">
               <a:rPr lang="en-GB" altLang="en-US" smtClean="0"/>
               <a:pPr/>
-              <a:t>2</a:t>
+              <a:t>3</a:t>
             </a:fld>
             <a:endParaRPr lang="en-GB" altLang="en-US" dirty="0"/>
           </a:p>
@@ -19277,7 +20640,211 @@
     </p:spTree>
     <p:extLst>
       <p:ext uri="{BB962C8B-B14F-4D97-AF65-F5344CB8AC3E}">
-        <p14:creationId xmlns:p14="http://schemas.microsoft.com/office/powerpoint/2010/main" val="702367729"/>
+        <p14:creationId xmlns:p14="http://schemas.microsoft.com/office/powerpoint/2010/main" val="747882086"/>
+      </p:ext>
+    </p:extLst>
+  </p:cSld>
+  <p:clrMapOvr>
+    <a:masterClrMapping/>
+  </p:clrMapOvr>
+</p:sld>
+</file>
+
+<file path=ppt/slides/slide4.xml><?xml version="1.0" encoding="utf-8"?>
+<p:sld xmlns:a="http://schemas.openxmlformats.org/drawingml/2006/main" xmlns:r="http://schemas.openxmlformats.org/officeDocument/2006/relationships" xmlns:p="http://schemas.openxmlformats.org/presentationml/2006/main">
+  <p:cSld>
+    <p:spTree>
+      <p:nvGrpSpPr>
+        <p:cNvPr id="1" name=""/>
+        <p:cNvGrpSpPr/>
+        <p:nvPr/>
+      </p:nvGrpSpPr>
+      <p:grpSpPr>
+        <a:xfrm>
+          <a:off x="0" y="0"/>
+          <a:ext cx="0" cy="0"/>
+          <a:chOff x="0" y="0"/>
+          <a:chExt cx="0" cy="0"/>
+        </a:xfrm>
+      </p:grpSpPr>
+      <p:sp>
+        <p:nvSpPr>
+          <p:cNvPr id="2" name="Title 1">
+            <a:extLst>
+              <a:ext uri="{FF2B5EF4-FFF2-40B4-BE49-F238E27FC236}">
+                <a16:creationId xmlns:a16="http://schemas.microsoft.com/office/drawing/2014/main" id="{A446100A-BC4F-47A2-A29B-E77567459419}"/>
+              </a:ext>
+            </a:extLst>
+          </p:cNvPr>
+          <p:cNvSpPr>
+            <a:spLocks noGrp="1"/>
+          </p:cNvSpPr>
+          <p:nvPr>
+            <p:ph type="title"/>
+          </p:nvPr>
+        </p:nvSpPr>
+        <p:spPr/>
+        <p:txBody>
+          <a:bodyPr/>
+          <a:lstStyle/>
+          <a:p>
+            <a:r>
+              <a:rPr lang="en-US" dirty="0"/>
+              <a:t>Muddiest Points</a:t>
+            </a:r>
+          </a:p>
+        </p:txBody>
+      </p:sp>
+      <p:sp>
+        <p:nvSpPr>
+          <p:cNvPr id="3" name="Content Placeholder 2">
+            <a:extLst>
+              <a:ext uri="{FF2B5EF4-FFF2-40B4-BE49-F238E27FC236}">
+                <a16:creationId xmlns:a16="http://schemas.microsoft.com/office/drawing/2014/main" id="{9DEBC682-0C7C-456E-94E7-AE960EDA31D0}"/>
+              </a:ext>
+            </a:extLst>
+          </p:cNvPr>
+          <p:cNvSpPr>
+            <a:spLocks noGrp="1"/>
+          </p:cNvSpPr>
+          <p:nvPr>
+            <p:ph idx="1"/>
+          </p:nvPr>
+        </p:nvSpPr>
+        <p:spPr/>
+        <p:txBody>
+          <a:bodyPr>
+            <a:normAutofit fontScale="77500" lnSpcReduction="20000"/>
+          </a:bodyPr>
+          <a:lstStyle/>
+          <a:p>
+            <a:r>
+              <a:rPr lang="en-US" dirty="0"/>
+              <a:t>a little confused on the relationship between semaphores and spinlocks</a:t>
+            </a:r>
+          </a:p>
+          <a:p>
+            <a:r>
+              <a:rPr lang="en-US" dirty="0"/>
+              <a:t>what’s the advantage between a binary semaphore and a spinlock if a binary semaphore can only be for one process?</a:t>
+            </a:r>
+          </a:p>
+          <a:p>
+            <a:r>
+              <a:rPr lang="en-US" dirty="0"/>
+              <a:t>What happens to each process with each up() and down() for multiple processes with varying priorities? Another walkthrough basically</a:t>
+            </a:r>
+          </a:p>
+          <a:p>
+            <a:r>
+              <a:rPr lang="en-US" dirty="0"/>
+              <a:t>could you further explain how the semaphores with spinlocks still are able to keep their benefits?</a:t>
+            </a:r>
+          </a:p>
+          <a:p>
+            <a:pPr lvl="1"/>
+            <a:r>
+              <a:rPr lang="en-US" dirty="0"/>
+              <a:t>What is the point of having semaphores if you are going to tie them with spinlocks? Does that not defeat the benefits of using a semaphore?</a:t>
+            </a:r>
+          </a:p>
+          <a:p>
+            <a:pPr lvl="1"/>
+            <a:r>
+              <a:rPr lang="en-US" dirty="0"/>
+              <a:t>By introducing a spinlock within our semaphore implementation, doesn't that bring up the issue of busy waiting? Or is this not an issue because the critical section is a relatively small block of code?</a:t>
+            </a:r>
+          </a:p>
+          <a:p>
+            <a:r>
+              <a:rPr lang="en-US" dirty="0"/>
+              <a:t>what is the different between swap and </a:t>
+            </a:r>
+            <a:r>
+              <a:rPr lang="en-US" dirty="0" err="1"/>
+              <a:t>test&amp;set</a:t>
+            </a:r>
+            <a:r>
+              <a:rPr lang="en-US" dirty="0"/>
+              <a:t>?</a:t>
+            </a:r>
+          </a:p>
+          <a:p>
+            <a:r>
+              <a:rPr lang="en-US" dirty="0"/>
+              <a:t>Do Semaphores have the same issue with reordering instructions that spinlocks have?</a:t>
+            </a:r>
+          </a:p>
+        </p:txBody>
+      </p:sp>
+      <p:sp>
+        <p:nvSpPr>
+          <p:cNvPr id="4" name="Footer Placeholder 3">
+            <a:extLst>
+              <a:ext uri="{FF2B5EF4-FFF2-40B4-BE49-F238E27FC236}">
+                <a16:creationId xmlns:a16="http://schemas.microsoft.com/office/drawing/2014/main" id="{49BFC7E5-1EB2-4566-BA2C-847597400BCE}"/>
+              </a:ext>
+            </a:extLst>
+          </p:cNvPr>
+          <p:cNvSpPr>
+            <a:spLocks noGrp="1"/>
+          </p:cNvSpPr>
+          <p:nvPr>
+            <p:ph type="ftr" idx="11"/>
+          </p:nvPr>
+        </p:nvSpPr>
+        <p:spPr/>
+        <p:txBody>
+          <a:bodyPr/>
+          <a:lstStyle/>
+          <a:p>
+            <a:pPr>
+              <a:defRPr/>
+            </a:pPr>
+            <a:r>
+              <a:rPr lang="en-US">
+                <a:latin typeface="+mn-lt"/>
+              </a:rPr>
+              <a:t>CS/COE 1550 – Operating Systems – Sherif Khattab</a:t>
+            </a:r>
+            <a:endParaRPr lang="en-GB" dirty="0"/>
+          </a:p>
+        </p:txBody>
+      </p:sp>
+      <p:sp>
+        <p:nvSpPr>
+          <p:cNvPr id="5" name="Slide Number Placeholder 4">
+            <a:extLst>
+              <a:ext uri="{FF2B5EF4-FFF2-40B4-BE49-F238E27FC236}">
+                <a16:creationId xmlns:a16="http://schemas.microsoft.com/office/drawing/2014/main" id="{915ACCC4-DB67-445D-831A-5DAC29D7C118}"/>
+              </a:ext>
+            </a:extLst>
+          </p:cNvPr>
+          <p:cNvSpPr>
+            <a:spLocks noGrp="1"/>
+          </p:cNvSpPr>
+          <p:nvPr>
+            <p:ph type="sldNum" idx="12"/>
+          </p:nvPr>
+        </p:nvSpPr>
+        <p:spPr/>
+        <p:txBody>
+          <a:bodyPr/>
+          <a:lstStyle/>
+          <a:p>
+            <a:fld id="{65E435D9-63B0-4660-8D04-E83F5E2CA2AE}" type="slidenum">
+              <a:rPr lang="en-GB" altLang="en-US" smtClean="0"/>
+              <a:pPr/>
+              <a:t>4</a:t>
+            </a:fld>
+            <a:endParaRPr lang="en-GB" altLang="en-US" dirty="0"/>
+          </a:p>
+        </p:txBody>
+      </p:sp>
+    </p:spTree>
+    <p:extLst>
+      <p:ext uri="{BB962C8B-B14F-4D97-AF65-F5344CB8AC3E}">
+        <p14:creationId xmlns:p14="http://schemas.microsoft.com/office/powerpoint/2010/main" val="2601559611"/>
       </p:ext>
     </p:extLst>
   </p:cSld>
@@ -19709,7 +21276,1821 @@
 </p:sld>
 </file>
 
-<file path=ppt/slides/slide20.xml><?xml version="1.0" encoding="utf-8"?>
+<file path=ppt/slides/slide5.xml><?xml version="1.0" encoding="utf-8"?>
+<p:sld xmlns:a="http://schemas.openxmlformats.org/drawingml/2006/main" xmlns:r="http://schemas.openxmlformats.org/officeDocument/2006/relationships" xmlns:p="http://schemas.openxmlformats.org/presentationml/2006/main">
+  <p:cSld>
+    <p:spTree>
+      <p:nvGrpSpPr>
+        <p:cNvPr id="1" name=""/>
+        <p:cNvGrpSpPr/>
+        <p:nvPr/>
+      </p:nvGrpSpPr>
+      <p:grpSpPr>
+        <a:xfrm>
+          <a:off x="0" y="0"/>
+          <a:ext cx="0" cy="0"/>
+          <a:chOff x="0" y="0"/>
+          <a:chExt cx="0" cy="0"/>
+        </a:xfrm>
+      </p:grpSpPr>
+      <p:sp>
+        <p:nvSpPr>
+          <p:cNvPr id="2" name="Title 1">
+            <a:extLst>
+              <a:ext uri="{FF2B5EF4-FFF2-40B4-BE49-F238E27FC236}">
+                <a16:creationId xmlns:a16="http://schemas.microsoft.com/office/drawing/2014/main" id="{518DE74E-6C64-D24C-9396-4381160CAC33}"/>
+              </a:ext>
+            </a:extLst>
+          </p:cNvPr>
+          <p:cNvSpPr>
+            <a:spLocks noGrp="1"/>
+          </p:cNvSpPr>
+          <p:nvPr>
+            <p:ph type="title"/>
+          </p:nvPr>
+        </p:nvSpPr>
+        <p:spPr/>
+        <p:txBody>
+          <a:bodyPr/>
+          <a:lstStyle/>
+          <a:p>
+            <a:r>
+              <a:rPr lang="en-US" dirty="0"/>
+              <a:t>Muddiest Points (2/3)</a:t>
+            </a:r>
+          </a:p>
+        </p:txBody>
+      </p:sp>
+      <p:sp>
+        <p:nvSpPr>
+          <p:cNvPr id="3" name="Content Placeholder 2">
+            <a:extLst>
+              <a:ext uri="{FF2B5EF4-FFF2-40B4-BE49-F238E27FC236}">
+                <a16:creationId xmlns:a16="http://schemas.microsoft.com/office/drawing/2014/main" id="{D92E72B7-E017-BA43-ACBB-90B57EC4A1EE}"/>
+              </a:ext>
+            </a:extLst>
+          </p:cNvPr>
+          <p:cNvSpPr>
+            <a:spLocks noGrp="1"/>
+          </p:cNvSpPr>
+          <p:nvPr>
+            <p:ph idx="1"/>
+          </p:nvPr>
+        </p:nvSpPr>
+        <p:spPr/>
+        <p:txBody>
+          <a:bodyPr>
+            <a:normAutofit fontScale="70000" lnSpcReduction="20000"/>
+          </a:bodyPr>
+          <a:lstStyle/>
+          <a:p>
+            <a:r>
+              <a:rPr lang="en-US" dirty="0"/>
+              <a:t>where the lock() and unlock() go in the pseudo code of the spinlock in semaphores example </a:t>
+            </a:r>
+          </a:p>
+          <a:p>
+            <a:pPr lvl="1"/>
+            <a:r>
+              <a:rPr lang="en-US" dirty="0"/>
+              <a:t>How to stop the up/down from breaking (the if else thing you brought up at the end)</a:t>
+            </a:r>
+          </a:p>
+          <a:p>
+            <a:r>
+              <a:rPr lang="en-US" dirty="0"/>
+              <a:t>for the process list I am assuming we would use some sort of priority queue to sort the processes for the </a:t>
+            </a:r>
+            <a:r>
+              <a:rPr lang="en-US" dirty="0" err="1"/>
+              <a:t>ProcessList</a:t>
+            </a:r>
+            <a:r>
+              <a:rPr lang="en-US" dirty="0"/>
+              <a:t>?</a:t>
+            </a:r>
+          </a:p>
+          <a:p>
+            <a:r>
+              <a:rPr lang="en-US" dirty="0"/>
+              <a:t>How a spinlock is implemented in a semaphore</a:t>
+            </a:r>
+          </a:p>
+          <a:p>
+            <a:r>
+              <a:rPr lang="en-US" dirty="0"/>
+              <a:t>I think the functional difference between blocking and waiting. As in, what is actually happening while a process is infinite looping and awaiting a lock? Since it's not "blocked", does that mean that it prevents other processes from running, or can it be context switched out like any normal process?</a:t>
+            </a:r>
+          </a:p>
+          <a:p>
+            <a:r>
+              <a:rPr lang="en-US" dirty="0"/>
+              <a:t>which implementation is most commonly used for semaphores</a:t>
+            </a:r>
+          </a:p>
+          <a:p>
+            <a:r>
+              <a:rPr lang="en-US" dirty="0"/>
+              <a:t>difference between counting and binary semaphore (why counting would be used)</a:t>
+            </a:r>
+          </a:p>
+          <a:p>
+            <a:r>
+              <a:rPr lang="en-US" dirty="0"/>
+              <a:t>can the semaphore be &gt; 0, and if so what does that mean?</a:t>
+            </a:r>
+          </a:p>
+          <a:p>
+            <a:r>
+              <a:rPr lang="en-US" dirty="0"/>
+              <a:t>How are spinlocks implemented in hardware? Are they the only locking mechanism implemented in hardware?</a:t>
+            </a:r>
+          </a:p>
+        </p:txBody>
+      </p:sp>
+      <p:sp>
+        <p:nvSpPr>
+          <p:cNvPr id="4" name="Footer Placeholder 3">
+            <a:extLst>
+              <a:ext uri="{FF2B5EF4-FFF2-40B4-BE49-F238E27FC236}">
+                <a16:creationId xmlns:a16="http://schemas.microsoft.com/office/drawing/2014/main" id="{0009D6B5-8877-7946-9D7A-269F171B3535}"/>
+              </a:ext>
+            </a:extLst>
+          </p:cNvPr>
+          <p:cNvSpPr>
+            <a:spLocks noGrp="1"/>
+          </p:cNvSpPr>
+          <p:nvPr>
+            <p:ph type="ftr" idx="11"/>
+          </p:nvPr>
+        </p:nvSpPr>
+        <p:spPr/>
+        <p:txBody>
+          <a:bodyPr/>
+          <a:lstStyle/>
+          <a:p>
+            <a:pPr>
+              <a:defRPr/>
+            </a:pPr>
+            <a:r>
+              <a:rPr lang="en-US">
+                <a:latin typeface="+mn-lt"/>
+              </a:rPr>
+              <a:t>CS/COE 1550 – Operating Systems – Sherif Khattab</a:t>
+            </a:r>
+            <a:endParaRPr lang="en-GB" dirty="0"/>
+          </a:p>
+        </p:txBody>
+      </p:sp>
+      <p:sp>
+        <p:nvSpPr>
+          <p:cNvPr id="5" name="Slide Number Placeholder 4">
+            <a:extLst>
+              <a:ext uri="{FF2B5EF4-FFF2-40B4-BE49-F238E27FC236}">
+                <a16:creationId xmlns:a16="http://schemas.microsoft.com/office/drawing/2014/main" id="{55D32CEC-72F3-9E40-BB4E-AD78C3FE88C4}"/>
+              </a:ext>
+            </a:extLst>
+          </p:cNvPr>
+          <p:cNvSpPr>
+            <a:spLocks noGrp="1"/>
+          </p:cNvSpPr>
+          <p:nvPr>
+            <p:ph type="sldNum" idx="12"/>
+          </p:nvPr>
+        </p:nvSpPr>
+        <p:spPr/>
+        <p:txBody>
+          <a:bodyPr/>
+          <a:lstStyle/>
+          <a:p>
+            <a:fld id="{65E435D9-63B0-4660-8D04-E83F5E2CA2AE}" type="slidenum">
+              <a:rPr lang="en-GB" altLang="en-US" smtClean="0"/>
+              <a:pPr/>
+              <a:t>5</a:t>
+            </a:fld>
+            <a:endParaRPr lang="en-GB" altLang="en-US" dirty="0"/>
+          </a:p>
+        </p:txBody>
+      </p:sp>
+    </p:spTree>
+    <p:extLst>
+      <p:ext uri="{BB962C8B-B14F-4D97-AF65-F5344CB8AC3E}">
+        <p14:creationId xmlns:p14="http://schemas.microsoft.com/office/powerpoint/2010/main" val="4255082963"/>
+      </p:ext>
+    </p:extLst>
+  </p:cSld>
+  <p:clrMapOvr>
+    <a:masterClrMapping/>
+  </p:clrMapOvr>
+  <p:timing>
+    <p:tnLst>
+      <p:par>
+        <p:cTn id="1" dur="indefinite" restart="never" nodeType="tmRoot">
+          <p:childTnLst>
+            <p:seq concurrent="1" nextAc="seek">
+              <p:cTn id="2" dur="indefinite" nodeType="mainSeq">
+                <p:childTnLst>
+                  <p:par>
+                    <p:cTn id="3" fill="hold">
+                      <p:stCondLst>
+                        <p:cond delay="indefinite"/>
+                      </p:stCondLst>
+                      <p:childTnLst>
+                        <p:par>
+                          <p:cTn id="4" fill="hold">
+                            <p:stCondLst>
+                              <p:cond delay="0"/>
+                            </p:stCondLst>
+                            <p:childTnLst>
+                              <p:par>
+                                <p:cTn id="5" presetID="1" presetClass="entr" presetSubtype="0" fill="hold" nodeType="clickEffect">
+                                  <p:stCondLst>
+                                    <p:cond delay="0"/>
+                                  </p:stCondLst>
+                                  <p:childTnLst>
+                                    <p:set>
+                                      <p:cBhvr>
+                                        <p:cTn id="6" dur="1" fill="hold">
+                                          <p:stCondLst>
+                                            <p:cond delay="0"/>
+                                          </p:stCondLst>
+                                        </p:cTn>
+                                        <p:tgtEl>
+                                          <p:spTgt spid="3">
+                                            <p:txEl>
+                                              <p:pRg st="0" end="0"/>
+                                            </p:txEl>
+                                          </p:spTgt>
+                                        </p:tgtEl>
+                                        <p:attrNameLst>
+                                          <p:attrName>style.visibility</p:attrName>
+                                        </p:attrNameLst>
+                                      </p:cBhvr>
+                                      <p:to>
+                                        <p:strVal val="visible"/>
+                                      </p:to>
+                                    </p:set>
+                                  </p:childTnLst>
+                                </p:cTn>
+                              </p:par>
+                            </p:childTnLst>
+                          </p:cTn>
+                        </p:par>
+                      </p:childTnLst>
+                    </p:cTn>
+                  </p:par>
+                  <p:par>
+                    <p:cTn id="7" fill="hold">
+                      <p:stCondLst>
+                        <p:cond delay="indefinite"/>
+                      </p:stCondLst>
+                      <p:childTnLst>
+                        <p:par>
+                          <p:cTn id="8" fill="hold">
+                            <p:stCondLst>
+                              <p:cond delay="0"/>
+                            </p:stCondLst>
+                            <p:childTnLst>
+                              <p:par>
+                                <p:cTn id="9" presetID="1" presetClass="entr" presetSubtype="0" fill="hold" nodeType="clickEffect">
+                                  <p:stCondLst>
+                                    <p:cond delay="0"/>
+                                  </p:stCondLst>
+                                  <p:childTnLst>
+                                    <p:set>
+                                      <p:cBhvr>
+                                        <p:cTn id="10" dur="1" fill="hold">
+                                          <p:stCondLst>
+                                            <p:cond delay="0"/>
+                                          </p:stCondLst>
+                                        </p:cTn>
+                                        <p:tgtEl>
+                                          <p:spTgt spid="3">
+                                            <p:txEl>
+                                              <p:pRg st="1" end="1"/>
+                                            </p:txEl>
+                                          </p:spTgt>
+                                        </p:tgtEl>
+                                        <p:attrNameLst>
+                                          <p:attrName>style.visibility</p:attrName>
+                                        </p:attrNameLst>
+                                      </p:cBhvr>
+                                      <p:to>
+                                        <p:strVal val="visible"/>
+                                      </p:to>
+                                    </p:set>
+                                  </p:childTnLst>
+                                </p:cTn>
+                              </p:par>
+                            </p:childTnLst>
+                          </p:cTn>
+                        </p:par>
+                      </p:childTnLst>
+                    </p:cTn>
+                  </p:par>
+                  <p:par>
+                    <p:cTn id="11" fill="hold">
+                      <p:stCondLst>
+                        <p:cond delay="indefinite"/>
+                      </p:stCondLst>
+                      <p:childTnLst>
+                        <p:par>
+                          <p:cTn id="12" fill="hold">
+                            <p:stCondLst>
+                              <p:cond delay="0"/>
+                            </p:stCondLst>
+                            <p:childTnLst>
+                              <p:par>
+                                <p:cTn id="13" presetID="1" presetClass="entr" presetSubtype="0" fill="hold" nodeType="clickEffect">
+                                  <p:stCondLst>
+                                    <p:cond delay="0"/>
+                                  </p:stCondLst>
+                                  <p:childTnLst>
+                                    <p:set>
+                                      <p:cBhvr>
+                                        <p:cTn id="14" dur="1" fill="hold">
+                                          <p:stCondLst>
+                                            <p:cond delay="0"/>
+                                          </p:stCondLst>
+                                        </p:cTn>
+                                        <p:tgtEl>
+                                          <p:spTgt spid="3">
+                                            <p:txEl>
+                                              <p:pRg st="2" end="2"/>
+                                            </p:txEl>
+                                          </p:spTgt>
+                                        </p:tgtEl>
+                                        <p:attrNameLst>
+                                          <p:attrName>style.visibility</p:attrName>
+                                        </p:attrNameLst>
+                                      </p:cBhvr>
+                                      <p:to>
+                                        <p:strVal val="visible"/>
+                                      </p:to>
+                                    </p:set>
+                                  </p:childTnLst>
+                                </p:cTn>
+                              </p:par>
+                            </p:childTnLst>
+                          </p:cTn>
+                        </p:par>
+                      </p:childTnLst>
+                    </p:cTn>
+                  </p:par>
+                  <p:par>
+                    <p:cTn id="15" fill="hold">
+                      <p:stCondLst>
+                        <p:cond delay="indefinite"/>
+                      </p:stCondLst>
+                      <p:childTnLst>
+                        <p:par>
+                          <p:cTn id="16" fill="hold">
+                            <p:stCondLst>
+                              <p:cond delay="0"/>
+                            </p:stCondLst>
+                            <p:childTnLst>
+                              <p:par>
+                                <p:cTn id="17" presetID="1" presetClass="entr" presetSubtype="0" fill="hold" nodeType="clickEffect">
+                                  <p:stCondLst>
+                                    <p:cond delay="0"/>
+                                  </p:stCondLst>
+                                  <p:childTnLst>
+                                    <p:set>
+                                      <p:cBhvr>
+                                        <p:cTn id="18" dur="1" fill="hold">
+                                          <p:stCondLst>
+                                            <p:cond delay="0"/>
+                                          </p:stCondLst>
+                                        </p:cTn>
+                                        <p:tgtEl>
+                                          <p:spTgt spid="3">
+                                            <p:txEl>
+                                              <p:pRg st="3" end="3"/>
+                                            </p:txEl>
+                                          </p:spTgt>
+                                        </p:tgtEl>
+                                        <p:attrNameLst>
+                                          <p:attrName>style.visibility</p:attrName>
+                                        </p:attrNameLst>
+                                      </p:cBhvr>
+                                      <p:to>
+                                        <p:strVal val="visible"/>
+                                      </p:to>
+                                    </p:set>
+                                  </p:childTnLst>
+                                </p:cTn>
+                              </p:par>
+                            </p:childTnLst>
+                          </p:cTn>
+                        </p:par>
+                      </p:childTnLst>
+                    </p:cTn>
+                  </p:par>
+                  <p:par>
+                    <p:cTn id="19" fill="hold">
+                      <p:stCondLst>
+                        <p:cond delay="indefinite"/>
+                      </p:stCondLst>
+                      <p:childTnLst>
+                        <p:par>
+                          <p:cTn id="20" fill="hold">
+                            <p:stCondLst>
+                              <p:cond delay="0"/>
+                            </p:stCondLst>
+                            <p:childTnLst>
+                              <p:par>
+                                <p:cTn id="21" presetID="1" presetClass="entr" presetSubtype="0" fill="hold" nodeType="clickEffect">
+                                  <p:stCondLst>
+                                    <p:cond delay="0"/>
+                                  </p:stCondLst>
+                                  <p:childTnLst>
+                                    <p:set>
+                                      <p:cBhvr>
+                                        <p:cTn id="22" dur="1" fill="hold">
+                                          <p:stCondLst>
+                                            <p:cond delay="0"/>
+                                          </p:stCondLst>
+                                        </p:cTn>
+                                        <p:tgtEl>
+                                          <p:spTgt spid="3">
+                                            <p:txEl>
+                                              <p:pRg st="4" end="4"/>
+                                            </p:txEl>
+                                          </p:spTgt>
+                                        </p:tgtEl>
+                                        <p:attrNameLst>
+                                          <p:attrName>style.visibility</p:attrName>
+                                        </p:attrNameLst>
+                                      </p:cBhvr>
+                                      <p:to>
+                                        <p:strVal val="visible"/>
+                                      </p:to>
+                                    </p:set>
+                                  </p:childTnLst>
+                                </p:cTn>
+                              </p:par>
+                            </p:childTnLst>
+                          </p:cTn>
+                        </p:par>
+                      </p:childTnLst>
+                    </p:cTn>
+                  </p:par>
+                  <p:par>
+                    <p:cTn id="23" fill="hold">
+                      <p:stCondLst>
+                        <p:cond delay="indefinite"/>
+                      </p:stCondLst>
+                      <p:childTnLst>
+                        <p:par>
+                          <p:cTn id="24" fill="hold">
+                            <p:stCondLst>
+                              <p:cond delay="0"/>
+                            </p:stCondLst>
+                            <p:childTnLst>
+                              <p:par>
+                                <p:cTn id="25" presetID="1" presetClass="entr" presetSubtype="0" fill="hold" nodeType="clickEffect">
+                                  <p:stCondLst>
+                                    <p:cond delay="0"/>
+                                  </p:stCondLst>
+                                  <p:childTnLst>
+                                    <p:set>
+                                      <p:cBhvr>
+                                        <p:cTn id="26" dur="1" fill="hold">
+                                          <p:stCondLst>
+                                            <p:cond delay="0"/>
+                                          </p:stCondLst>
+                                        </p:cTn>
+                                        <p:tgtEl>
+                                          <p:spTgt spid="3">
+                                            <p:txEl>
+                                              <p:pRg st="5" end="5"/>
+                                            </p:txEl>
+                                          </p:spTgt>
+                                        </p:tgtEl>
+                                        <p:attrNameLst>
+                                          <p:attrName>style.visibility</p:attrName>
+                                        </p:attrNameLst>
+                                      </p:cBhvr>
+                                      <p:to>
+                                        <p:strVal val="visible"/>
+                                      </p:to>
+                                    </p:set>
+                                  </p:childTnLst>
+                                </p:cTn>
+                              </p:par>
+                            </p:childTnLst>
+                          </p:cTn>
+                        </p:par>
+                      </p:childTnLst>
+                    </p:cTn>
+                  </p:par>
+                  <p:par>
+                    <p:cTn id="27" fill="hold">
+                      <p:stCondLst>
+                        <p:cond delay="indefinite"/>
+                      </p:stCondLst>
+                      <p:childTnLst>
+                        <p:par>
+                          <p:cTn id="28" fill="hold">
+                            <p:stCondLst>
+                              <p:cond delay="0"/>
+                            </p:stCondLst>
+                            <p:childTnLst>
+                              <p:par>
+                                <p:cTn id="29" presetID="1" presetClass="entr" presetSubtype="0" fill="hold" nodeType="clickEffect">
+                                  <p:stCondLst>
+                                    <p:cond delay="0"/>
+                                  </p:stCondLst>
+                                  <p:childTnLst>
+                                    <p:set>
+                                      <p:cBhvr>
+                                        <p:cTn id="30" dur="1" fill="hold">
+                                          <p:stCondLst>
+                                            <p:cond delay="0"/>
+                                          </p:stCondLst>
+                                        </p:cTn>
+                                        <p:tgtEl>
+                                          <p:spTgt spid="3">
+                                            <p:txEl>
+                                              <p:pRg st="6" end="6"/>
+                                            </p:txEl>
+                                          </p:spTgt>
+                                        </p:tgtEl>
+                                        <p:attrNameLst>
+                                          <p:attrName>style.visibility</p:attrName>
+                                        </p:attrNameLst>
+                                      </p:cBhvr>
+                                      <p:to>
+                                        <p:strVal val="visible"/>
+                                      </p:to>
+                                    </p:set>
+                                  </p:childTnLst>
+                                </p:cTn>
+                              </p:par>
+                            </p:childTnLst>
+                          </p:cTn>
+                        </p:par>
+                      </p:childTnLst>
+                    </p:cTn>
+                  </p:par>
+                  <p:par>
+                    <p:cTn id="31" fill="hold">
+                      <p:stCondLst>
+                        <p:cond delay="indefinite"/>
+                      </p:stCondLst>
+                      <p:childTnLst>
+                        <p:par>
+                          <p:cTn id="32" fill="hold">
+                            <p:stCondLst>
+                              <p:cond delay="0"/>
+                            </p:stCondLst>
+                            <p:childTnLst>
+                              <p:par>
+                                <p:cTn id="33" presetID="1" presetClass="entr" presetSubtype="0" fill="hold" nodeType="clickEffect">
+                                  <p:stCondLst>
+                                    <p:cond delay="0"/>
+                                  </p:stCondLst>
+                                  <p:childTnLst>
+                                    <p:set>
+                                      <p:cBhvr>
+                                        <p:cTn id="34" dur="1" fill="hold">
+                                          <p:stCondLst>
+                                            <p:cond delay="0"/>
+                                          </p:stCondLst>
+                                        </p:cTn>
+                                        <p:tgtEl>
+                                          <p:spTgt spid="3">
+                                            <p:txEl>
+                                              <p:pRg st="7" end="7"/>
+                                            </p:txEl>
+                                          </p:spTgt>
+                                        </p:tgtEl>
+                                        <p:attrNameLst>
+                                          <p:attrName>style.visibility</p:attrName>
+                                        </p:attrNameLst>
+                                      </p:cBhvr>
+                                      <p:to>
+                                        <p:strVal val="visible"/>
+                                      </p:to>
+                                    </p:set>
+                                  </p:childTnLst>
+                                </p:cTn>
+                              </p:par>
+                            </p:childTnLst>
+                          </p:cTn>
+                        </p:par>
+                      </p:childTnLst>
+                    </p:cTn>
+                  </p:par>
+                  <p:par>
+                    <p:cTn id="35" fill="hold">
+                      <p:stCondLst>
+                        <p:cond delay="indefinite"/>
+                      </p:stCondLst>
+                      <p:childTnLst>
+                        <p:par>
+                          <p:cTn id="36" fill="hold">
+                            <p:stCondLst>
+                              <p:cond delay="0"/>
+                            </p:stCondLst>
+                            <p:childTnLst>
+                              <p:par>
+                                <p:cTn id="37" presetID="1" presetClass="entr" presetSubtype="0" fill="hold" nodeType="clickEffect">
+                                  <p:stCondLst>
+                                    <p:cond delay="0"/>
+                                  </p:stCondLst>
+                                  <p:childTnLst>
+                                    <p:set>
+                                      <p:cBhvr>
+                                        <p:cTn id="38" dur="1" fill="hold">
+                                          <p:stCondLst>
+                                            <p:cond delay="0"/>
+                                          </p:stCondLst>
+                                        </p:cTn>
+                                        <p:tgtEl>
+                                          <p:spTgt spid="3">
+                                            <p:txEl>
+                                              <p:pRg st="8" end="8"/>
+                                            </p:txEl>
+                                          </p:spTgt>
+                                        </p:tgtEl>
+                                        <p:attrNameLst>
+                                          <p:attrName>style.visibility</p:attrName>
+                                        </p:attrNameLst>
+                                      </p:cBhvr>
+                                      <p:to>
+                                        <p:strVal val="visible"/>
+                                      </p:to>
+                                    </p:set>
+                                  </p:childTnLst>
+                                </p:cTn>
+                              </p:par>
+                            </p:childTnLst>
+                          </p:cTn>
+                        </p:par>
+                      </p:childTnLst>
+                    </p:cTn>
+                  </p:par>
+                </p:childTnLst>
+              </p:cTn>
+              <p:prevCondLst>
+                <p:cond evt="onPrev" delay="0">
+                  <p:tgtEl>
+                    <p:sldTgt/>
+                  </p:tgtEl>
+                </p:cond>
+              </p:prevCondLst>
+              <p:nextCondLst>
+                <p:cond evt="onNext" delay="0">
+                  <p:tgtEl>
+                    <p:sldTgt/>
+                  </p:tgtEl>
+                </p:cond>
+              </p:nextCondLst>
+            </p:seq>
+          </p:childTnLst>
+        </p:cTn>
+      </p:par>
+    </p:tnLst>
+  </p:timing>
+</p:sld>
+</file>
+
+<file path=ppt/slides/slide6.xml><?xml version="1.0" encoding="utf-8"?>
+<p:sld xmlns:a="http://schemas.openxmlformats.org/drawingml/2006/main" xmlns:r="http://schemas.openxmlformats.org/officeDocument/2006/relationships" xmlns:p="http://schemas.openxmlformats.org/presentationml/2006/main">
+  <p:cSld>
+    <p:spTree>
+      <p:nvGrpSpPr>
+        <p:cNvPr id="1" name=""/>
+        <p:cNvGrpSpPr/>
+        <p:nvPr/>
+      </p:nvGrpSpPr>
+      <p:grpSpPr>
+        <a:xfrm>
+          <a:off x="0" y="0"/>
+          <a:ext cx="0" cy="0"/>
+          <a:chOff x="0" y="0"/>
+          <a:chExt cx="0" cy="0"/>
+        </a:xfrm>
+      </p:grpSpPr>
+      <p:sp>
+        <p:nvSpPr>
+          <p:cNvPr id="2" name="Title 1">
+            <a:extLst>
+              <a:ext uri="{FF2B5EF4-FFF2-40B4-BE49-F238E27FC236}">
+                <a16:creationId xmlns:a16="http://schemas.microsoft.com/office/drawing/2014/main" id="{707FC16F-115C-334C-A368-5CED5FF4DD88}"/>
+              </a:ext>
+            </a:extLst>
+          </p:cNvPr>
+          <p:cNvSpPr>
+            <a:spLocks noGrp="1"/>
+          </p:cNvSpPr>
+          <p:nvPr>
+            <p:ph type="title"/>
+          </p:nvPr>
+        </p:nvSpPr>
+        <p:spPr/>
+        <p:txBody>
+          <a:bodyPr/>
+          <a:lstStyle/>
+          <a:p>
+            <a:r>
+              <a:rPr lang="en-US" dirty="0"/>
+              <a:t>Muddiest Points (3/3)</a:t>
+            </a:r>
+          </a:p>
+        </p:txBody>
+      </p:sp>
+      <p:sp>
+        <p:nvSpPr>
+          <p:cNvPr id="3" name="Content Placeholder 2">
+            <a:extLst>
+              <a:ext uri="{FF2B5EF4-FFF2-40B4-BE49-F238E27FC236}">
+                <a16:creationId xmlns:a16="http://schemas.microsoft.com/office/drawing/2014/main" id="{C030CFE4-24B5-6749-8C90-C5B735AD3E11}"/>
+              </a:ext>
+            </a:extLst>
+          </p:cNvPr>
+          <p:cNvSpPr>
+            <a:spLocks noGrp="1"/>
+          </p:cNvSpPr>
+          <p:nvPr>
+            <p:ph idx="1"/>
+          </p:nvPr>
+        </p:nvSpPr>
+        <p:spPr/>
+        <p:txBody>
+          <a:bodyPr>
+            <a:normAutofit fontScale="77500" lnSpcReduction="20000"/>
+          </a:bodyPr>
+          <a:lstStyle/>
+          <a:p>
+            <a:r>
+              <a:rPr lang="en-US" dirty="0"/>
+              <a:t>How process states are switched/clarification on ready/waiting/running</a:t>
+            </a:r>
+          </a:p>
+          <a:p>
+            <a:r>
+              <a:rPr lang="en-US" dirty="0"/>
+              <a:t>What does the comment above the line of assembly code mean?</a:t>
+            </a:r>
+          </a:p>
+          <a:p>
+            <a:pPr lvl="1"/>
+            <a:r>
+              <a:rPr lang="en-US" dirty="0"/>
+              <a:t>I'm curious about memory barriers. could you talk more about how to use _</a:t>
+            </a:r>
+            <a:r>
+              <a:rPr lang="en-US" dirty="0" err="1"/>
+              <a:t>sync_synchronize</a:t>
+            </a:r>
+            <a:r>
+              <a:rPr lang="en-US" dirty="0"/>
+              <a:t>() and how it works?</a:t>
+            </a:r>
+          </a:p>
+          <a:p>
+            <a:r>
+              <a:rPr lang="en-US" dirty="0"/>
+              <a:t>Where exactly the code blocks</a:t>
+            </a:r>
+          </a:p>
+          <a:p>
+            <a:r>
+              <a:rPr lang="en-US" dirty="0"/>
+              <a:t>from the </a:t>
+            </a:r>
+            <a:r>
+              <a:rPr lang="en-US" dirty="0" err="1"/>
+              <a:t>tophat</a:t>
+            </a:r>
+            <a:r>
+              <a:rPr lang="en-US" dirty="0"/>
+              <a:t> question: why can down move a process into ready</a:t>
+            </a:r>
+          </a:p>
+          <a:p>
+            <a:r>
+              <a:rPr lang="en-US" dirty="0"/>
+              <a:t>When/why is reordering instructions in a critical section beneficial?</a:t>
+            </a:r>
+          </a:p>
+          <a:p>
+            <a:r>
+              <a:rPr lang="en-US" dirty="0"/>
+              <a:t>Today, We heard "Block" a lot but it has the same meaning</a:t>
+            </a:r>
+          </a:p>
+          <a:p>
+            <a:r>
+              <a:rPr lang="en-US" dirty="0"/>
+              <a:t>Implementation of mutex vs standard semaphore</a:t>
+            </a:r>
+          </a:p>
+          <a:p>
+            <a:r>
+              <a:rPr lang="en-US" dirty="0"/>
+              <a:t>When would you know to use a spinlock instead of a semaphore?</a:t>
+            </a:r>
+          </a:p>
+          <a:p>
+            <a:r>
+              <a:rPr lang="en-US" dirty="0"/>
+              <a:t>Why two context switches in semaphore</a:t>
+            </a:r>
+          </a:p>
+          <a:p>
+            <a:r>
+              <a:rPr lang="en-US" dirty="0"/>
+              <a:t>What is/makes an operation atomic?</a:t>
+            </a:r>
+          </a:p>
+        </p:txBody>
+      </p:sp>
+      <p:sp>
+        <p:nvSpPr>
+          <p:cNvPr id="4" name="Footer Placeholder 3">
+            <a:extLst>
+              <a:ext uri="{FF2B5EF4-FFF2-40B4-BE49-F238E27FC236}">
+                <a16:creationId xmlns:a16="http://schemas.microsoft.com/office/drawing/2014/main" id="{FE2BE002-46C4-C141-86EF-4D8EDD7E9BF8}"/>
+              </a:ext>
+            </a:extLst>
+          </p:cNvPr>
+          <p:cNvSpPr>
+            <a:spLocks noGrp="1"/>
+          </p:cNvSpPr>
+          <p:nvPr>
+            <p:ph type="ftr" idx="11"/>
+          </p:nvPr>
+        </p:nvSpPr>
+        <p:spPr/>
+        <p:txBody>
+          <a:bodyPr/>
+          <a:lstStyle/>
+          <a:p>
+            <a:pPr>
+              <a:defRPr/>
+            </a:pPr>
+            <a:r>
+              <a:rPr lang="en-US">
+                <a:latin typeface="+mn-lt"/>
+              </a:rPr>
+              <a:t>CS/COE 1550 – Operating Systems – Sherif Khattab</a:t>
+            </a:r>
+            <a:endParaRPr lang="en-GB" dirty="0"/>
+          </a:p>
+        </p:txBody>
+      </p:sp>
+      <p:sp>
+        <p:nvSpPr>
+          <p:cNvPr id="5" name="Slide Number Placeholder 4">
+            <a:extLst>
+              <a:ext uri="{FF2B5EF4-FFF2-40B4-BE49-F238E27FC236}">
+                <a16:creationId xmlns:a16="http://schemas.microsoft.com/office/drawing/2014/main" id="{F88DF8E2-C7CD-2343-B5A7-0E52680E09B5}"/>
+              </a:ext>
+            </a:extLst>
+          </p:cNvPr>
+          <p:cNvSpPr>
+            <a:spLocks noGrp="1"/>
+          </p:cNvSpPr>
+          <p:nvPr>
+            <p:ph type="sldNum" idx="12"/>
+          </p:nvPr>
+        </p:nvSpPr>
+        <p:spPr/>
+        <p:txBody>
+          <a:bodyPr/>
+          <a:lstStyle/>
+          <a:p>
+            <a:fld id="{65E435D9-63B0-4660-8D04-E83F5E2CA2AE}" type="slidenum">
+              <a:rPr lang="en-GB" altLang="en-US" smtClean="0"/>
+              <a:pPr/>
+              <a:t>6</a:t>
+            </a:fld>
+            <a:endParaRPr lang="en-GB" altLang="en-US" dirty="0"/>
+          </a:p>
+        </p:txBody>
+      </p:sp>
+    </p:spTree>
+    <p:extLst>
+      <p:ext uri="{BB962C8B-B14F-4D97-AF65-F5344CB8AC3E}">
+        <p14:creationId xmlns:p14="http://schemas.microsoft.com/office/powerpoint/2010/main" val="3412417812"/>
+      </p:ext>
+    </p:extLst>
+  </p:cSld>
+  <p:clrMapOvr>
+    <a:masterClrMapping/>
+  </p:clrMapOvr>
+  <p:timing>
+    <p:tnLst>
+      <p:par>
+        <p:cTn id="1" dur="indefinite" restart="never" nodeType="tmRoot">
+          <p:childTnLst>
+            <p:seq concurrent="1" nextAc="seek">
+              <p:cTn id="2" dur="indefinite" nodeType="mainSeq">
+                <p:childTnLst>
+                  <p:par>
+                    <p:cTn id="3" fill="hold">
+                      <p:stCondLst>
+                        <p:cond delay="indefinite"/>
+                      </p:stCondLst>
+                      <p:childTnLst>
+                        <p:par>
+                          <p:cTn id="4" fill="hold">
+                            <p:stCondLst>
+                              <p:cond delay="0"/>
+                            </p:stCondLst>
+                            <p:childTnLst>
+                              <p:par>
+                                <p:cTn id="5" presetID="1" presetClass="entr" presetSubtype="0" fill="hold" nodeType="clickEffect">
+                                  <p:stCondLst>
+                                    <p:cond delay="0"/>
+                                  </p:stCondLst>
+                                  <p:childTnLst>
+                                    <p:set>
+                                      <p:cBhvr>
+                                        <p:cTn id="6" dur="1" fill="hold">
+                                          <p:stCondLst>
+                                            <p:cond delay="0"/>
+                                          </p:stCondLst>
+                                        </p:cTn>
+                                        <p:tgtEl>
+                                          <p:spTgt spid="3">
+                                            <p:txEl>
+                                              <p:pRg st="0" end="0"/>
+                                            </p:txEl>
+                                          </p:spTgt>
+                                        </p:tgtEl>
+                                        <p:attrNameLst>
+                                          <p:attrName>style.visibility</p:attrName>
+                                        </p:attrNameLst>
+                                      </p:cBhvr>
+                                      <p:to>
+                                        <p:strVal val="visible"/>
+                                      </p:to>
+                                    </p:set>
+                                  </p:childTnLst>
+                                </p:cTn>
+                              </p:par>
+                            </p:childTnLst>
+                          </p:cTn>
+                        </p:par>
+                      </p:childTnLst>
+                    </p:cTn>
+                  </p:par>
+                  <p:par>
+                    <p:cTn id="7" fill="hold">
+                      <p:stCondLst>
+                        <p:cond delay="indefinite"/>
+                      </p:stCondLst>
+                      <p:childTnLst>
+                        <p:par>
+                          <p:cTn id="8" fill="hold">
+                            <p:stCondLst>
+                              <p:cond delay="0"/>
+                            </p:stCondLst>
+                            <p:childTnLst>
+                              <p:par>
+                                <p:cTn id="9" presetID="1" presetClass="entr" presetSubtype="0" fill="hold" nodeType="clickEffect">
+                                  <p:stCondLst>
+                                    <p:cond delay="0"/>
+                                  </p:stCondLst>
+                                  <p:childTnLst>
+                                    <p:set>
+                                      <p:cBhvr>
+                                        <p:cTn id="10" dur="1" fill="hold">
+                                          <p:stCondLst>
+                                            <p:cond delay="0"/>
+                                          </p:stCondLst>
+                                        </p:cTn>
+                                        <p:tgtEl>
+                                          <p:spTgt spid="3">
+                                            <p:txEl>
+                                              <p:pRg st="1" end="1"/>
+                                            </p:txEl>
+                                          </p:spTgt>
+                                        </p:tgtEl>
+                                        <p:attrNameLst>
+                                          <p:attrName>style.visibility</p:attrName>
+                                        </p:attrNameLst>
+                                      </p:cBhvr>
+                                      <p:to>
+                                        <p:strVal val="visible"/>
+                                      </p:to>
+                                    </p:set>
+                                  </p:childTnLst>
+                                </p:cTn>
+                              </p:par>
+                            </p:childTnLst>
+                          </p:cTn>
+                        </p:par>
+                      </p:childTnLst>
+                    </p:cTn>
+                  </p:par>
+                  <p:par>
+                    <p:cTn id="11" fill="hold">
+                      <p:stCondLst>
+                        <p:cond delay="indefinite"/>
+                      </p:stCondLst>
+                      <p:childTnLst>
+                        <p:par>
+                          <p:cTn id="12" fill="hold">
+                            <p:stCondLst>
+                              <p:cond delay="0"/>
+                            </p:stCondLst>
+                            <p:childTnLst>
+                              <p:par>
+                                <p:cTn id="13" presetID="1" presetClass="entr" presetSubtype="0" fill="hold" nodeType="clickEffect">
+                                  <p:stCondLst>
+                                    <p:cond delay="0"/>
+                                  </p:stCondLst>
+                                  <p:childTnLst>
+                                    <p:set>
+                                      <p:cBhvr>
+                                        <p:cTn id="14" dur="1" fill="hold">
+                                          <p:stCondLst>
+                                            <p:cond delay="0"/>
+                                          </p:stCondLst>
+                                        </p:cTn>
+                                        <p:tgtEl>
+                                          <p:spTgt spid="3">
+                                            <p:txEl>
+                                              <p:pRg st="2" end="2"/>
+                                            </p:txEl>
+                                          </p:spTgt>
+                                        </p:tgtEl>
+                                        <p:attrNameLst>
+                                          <p:attrName>style.visibility</p:attrName>
+                                        </p:attrNameLst>
+                                      </p:cBhvr>
+                                      <p:to>
+                                        <p:strVal val="visible"/>
+                                      </p:to>
+                                    </p:set>
+                                  </p:childTnLst>
+                                </p:cTn>
+                              </p:par>
+                            </p:childTnLst>
+                          </p:cTn>
+                        </p:par>
+                      </p:childTnLst>
+                    </p:cTn>
+                  </p:par>
+                  <p:par>
+                    <p:cTn id="15" fill="hold">
+                      <p:stCondLst>
+                        <p:cond delay="indefinite"/>
+                      </p:stCondLst>
+                      <p:childTnLst>
+                        <p:par>
+                          <p:cTn id="16" fill="hold">
+                            <p:stCondLst>
+                              <p:cond delay="0"/>
+                            </p:stCondLst>
+                            <p:childTnLst>
+                              <p:par>
+                                <p:cTn id="17" presetID="1" presetClass="entr" presetSubtype="0" fill="hold" nodeType="clickEffect">
+                                  <p:stCondLst>
+                                    <p:cond delay="0"/>
+                                  </p:stCondLst>
+                                  <p:childTnLst>
+                                    <p:set>
+                                      <p:cBhvr>
+                                        <p:cTn id="18" dur="1" fill="hold">
+                                          <p:stCondLst>
+                                            <p:cond delay="0"/>
+                                          </p:stCondLst>
+                                        </p:cTn>
+                                        <p:tgtEl>
+                                          <p:spTgt spid="3">
+                                            <p:txEl>
+                                              <p:pRg st="3" end="3"/>
+                                            </p:txEl>
+                                          </p:spTgt>
+                                        </p:tgtEl>
+                                        <p:attrNameLst>
+                                          <p:attrName>style.visibility</p:attrName>
+                                        </p:attrNameLst>
+                                      </p:cBhvr>
+                                      <p:to>
+                                        <p:strVal val="visible"/>
+                                      </p:to>
+                                    </p:set>
+                                  </p:childTnLst>
+                                </p:cTn>
+                              </p:par>
+                            </p:childTnLst>
+                          </p:cTn>
+                        </p:par>
+                      </p:childTnLst>
+                    </p:cTn>
+                  </p:par>
+                  <p:par>
+                    <p:cTn id="19" fill="hold">
+                      <p:stCondLst>
+                        <p:cond delay="indefinite"/>
+                      </p:stCondLst>
+                      <p:childTnLst>
+                        <p:par>
+                          <p:cTn id="20" fill="hold">
+                            <p:stCondLst>
+                              <p:cond delay="0"/>
+                            </p:stCondLst>
+                            <p:childTnLst>
+                              <p:par>
+                                <p:cTn id="21" presetID="1" presetClass="entr" presetSubtype="0" fill="hold" nodeType="clickEffect">
+                                  <p:stCondLst>
+                                    <p:cond delay="0"/>
+                                  </p:stCondLst>
+                                  <p:childTnLst>
+                                    <p:set>
+                                      <p:cBhvr>
+                                        <p:cTn id="22" dur="1" fill="hold">
+                                          <p:stCondLst>
+                                            <p:cond delay="0"/>
+                                          </p:stCondLst>
+                                        </p:cTn>
+                                        <p:tgtEl>
+                                          <p:spTgt spid="3">
+                                            <p:txEl>
+                                              <p:pRg st="4" end="4"/>
+                                            </p:txEl>
+                                          </p:spTgt>
+                                        </p:tgtEl>
+                                        <p:attrNameLst>
+                                          <p:attrName>style.visibility</p:attrName>
+                                        </p:attrNameLst>
+                                      </p:cBhvr>
+                                      <p:to>
+                                        <p:strVal val="visible"/>
+                                      </p:to>
+                                    </p:set>
+                                  </p:childTnLst>
+                                </p:cTn>
+                              </p:par>
+                            </p:childTnLst>
+                          </p:cTn>
+                        </p:par>
+                      </p:childTnLst>
+                    </p:cTn>
+                  </p:par>
+                  <p:par>
+                    <p:cTn id="23" fill="hold">
+                      <p:stCondLst>
+                        <p:cond delay="indefinite"/>
+                      </p:stCondLst>
+                      <p:childTnLst>
+                        <p:par>
+                          <p:cTn id="24" fill="hold">
+                            <p:stCondLst>
+                              <p:cond delay="0"/>
+                            </p:stCondLst>
+                            <p:childTnLst>
+                              <p:par>
+                                <p:cTn id="25" presetID="1" presetClass="entr" presetSubtype="0" fill="hold" nodeType="clickEffect">
+                                  <p:stCondLst>
+                                    <p:cond delay="0"/>
+                                  </p:stCondLst>
+                                  <p:childTnLst>
+                                    <p:set>
+                                      <p:cBhvr>
+                                        <p:cTn id="26" dur="1" fill="hold">
+                                          <p:stCondLst>
+                                            <p:cond delay="0"/>
+                                          </p:stCondLst>
+                                        </p:cTn>
+                                        <p:tgtEl>
+                                          <p:spTgt spid="3">
+                                            <p:txEl>
+                                              <p:pRg st="5" end="5"/>
+                                            </p:txEl>
+                                          </p:spTgt>
+                                        </p:tgtEl>
+                                        <p:attrNameLst>
+                                          <p:attrName>style.visibility</p:attrName>
+                                        </p:attrNameLst>
+                                      </p:cBhvr>
+                                      <p:to>
+                                        <p:strVal val="visible"/>
+                                      </p:to>
+                                    </p:set>
+                                  </p:childTnLst>
+                                </p:cTn>
+                              </p:par>
+                            </p:childTnLst>
+                          </p:cTn>
+                        </p:par>
+                      </p:childTnLst>
+                    </p:cTn>
+                  </p:par>
+                  <p:par>
+                    <p:cTn id="27" fill="hold">
+                      <p:stCondLst>
+                        <p:cond delay="indefinite"/>
+                      </p:stCondLst>
+                      <p:childTnLst>
+                        <p:par>
+                          <p:cTn id="28" fill="hold">
+                            <p:stCondLst>
+                              <p:cond delay="0"/>
+                            </p:stCondLst>
+                            <p:childTnLst>
+                              <p:par>
+                                <p:cTn id="29" presetID="1" presetClass="entr" presetSubtype="0" fill="hold" nodeType="clickEffect">
+                                  <p:stCondLst>
+                                    <p:cond delay="0"/>
+                                  </p:stCondLst>
+                                  <p:childTnLst>
+                                    <p:set>
+                                      <p:cBhvr>
+                                        <p:cTn id="30" dur="1" fill="hold">
+                                          <p:stCondLst>
+                                            <p:cond delay="0"/>
+                                          </p:stCondLst>
+                                        </p:cTn>
+                                        <p:tgtEl>
+                                          <p:spTgt spid="3">
+                                            <p:txEl>
+                                              <p:pRg st="6" end="6"/>
+                                            </p:txEl>
+                                          </p:spTgt>
+                                        </p:tgtEl>
+                                        <p:attrNameLst>
+                                          <p:attrName>style.visibility</p:attrName>
+                                        </p:attrNameLst>
+                                      </p:cBhvr>
+                                      <p:to>
+                                        <p:strVal val="visible"/>
+                                      </p:to>
+                                    </p:set>
+                                  </p:childTnLst>
+                                </p:cTn>
+                              </p:par>
+                            </p:childTnLst>
+                          </p:cTn>
+                        </p:par>
+                      </p:childTnLst>
+                    </p:cTn>
+                  </p:par>
+                  <p:par>
+                    <p:cTn id="31" fill="hold">
+                      <p:stCondLst>
+                        <p:cond delay="indefinite"/>
+                      </p:stCondLst>
+                      <p:childTnLst>
+                        <p:par>
+                          <p:cTn id="32" fill="hold">
+                            <p:stCondLst>
+                              <p:cond delay="0"/>
+                            </p:stCondLst>
+                            <p:childTnLst>
+                              <p:par>
+                                <p:cTn id="33" presetID="1" presetClass="entr" presetSubtype="0" fill="hold" nodeType="clickEffect">
+                                  <p:stCondLst>
+                                    <p:cond delay="0"/>
+                                  </p:stCondLst>
+                                  <p:childTnLst>
+                                    <p:set>
+                                      <p:cBhvr>
+                                        <p:cTn id="34" dur="1" fill="hold">
+                                          <p:stCondLst>
+                                            <p:cond delay="0"/>
+                                          </p:stCondLst>
+                                        </p:cTn>
+                                        <p:tgtEl>
+                                          <p:spTgt spid="3">
+                                            <p:txEl>
+                                              <p:pRg st="7" end="7"/>
+                                            </p:txEl>
+                                          </p:spTgt>
+                                        </p:tgtEl>
+                                        <p:attrNameLst>
+                                          <p:attrName>style.visibility</p:attrName>
+                                        </p:attrNameLst>
+                                      </p:cBhvr>
+                                      <p:to>
+                                        <p:strVal val="visible"/>
+                                      </p:to>
+                                    </p:set>
+                                  </p:childTnLst>
+                                </p:cTn>
+                              </p:par>
+                            </p:childTnLst>
+                          </p:cTn>
+                        </p:par>
+                      </p:childTnLst>
+                    </p:cTn>
+                  </p:par>
+                  <p:par>
+                    <p:cTn id="35" fill="hold">
+                      <p:stCondLst>
+                        <p:cond delay="indefinite"/>
+                      </p:stCondLst>
+                      <p:childTnLst>
+                        <p:par>
+                          <p:cTn id="36" fill="hold">
+                            <p:stCondLst>
+                              <p:cond delay="0"/>
+                            </p:stCondLst>
+                            <p:childTnLst>
+                              <p:par>
+                                <p:cTn id="37" presetID="1" presetClass="entr" presetSubtype="0" fill="hold" nodeType="clickEffect">
+                                  <p:stCondLst>
+                                    <p:cond delay="0"/>
+                                  </p:stCondLst>
+                                  <p:childTnLst>
+                                    <p:set>
+                                      <p:cBhvr>
+                                        <p:cTn id="38" dur="1" fill="hold">
+                                          <p:stCondLst>
+                                            <p:cond delay="0"/>
+                                          </p:stCondLst>
+                                        </p:cTn>
+                                        <p:tgtEl>
+                                          <p:spTgt spid="3">
+                                            <p:txEl>
+                                              <p:pRg st="8" end="8"/>
+                                            </p:txEl>
+                                          </p:spTgt>
+                                        </p:tgtEl>
+                                        <p:attrNameLst>
+                                          <p:attrName>style.visibility</p:attrName>
+                                        </p:attrNameLst>
+                                      </p:cBhvr>
+                                      <p:to>
+                                        <p:strVal val="visible"/>
+                                      </p:to>
+                                    </p:set>
+                                  </p:childTnLst>
+                                </p:cTn>
+                              </p:par>
+                            </p:childTnLst>
+                          </p:cTn>
+                        </p:par>
+                      </p:childTnLst>
+                    </p:cTn>
+                  </p:par>
+                  <p:par>
+                    <p:cTn id="39" fill="hold">
+                      <p:stCondLst>
+                        <p:cond delay="indefinite"/>
+                      </p:stCondLst>
+                      <p:childTnLst>
+                        <p:par>
+                          <p:cTn id="40" fill="hold">
+                            <p:stCondLst>
+                              <p:cond delay="0"/>
+                            </p:stCondLst>
+                            <p:childTnLst>
+                              <p:par>
+                                <p:cTn id="41" presetID="1" presetClass="entr" presetSubtype="0" fill="hold" nodeType="clickEffect">
+                                  <p:stCondLst>
+                                    <p:cond delay="0"/>
+                                  </p:stCondLst>
+                                  <p:childTnLst>
+                                    <p:set>
+                                      <p:cBhvr>
+                                        <p:cTn id="42" dur="1" fill="hold">
+                                          <p:stCondLst>
+                                            <p:cond delay="0"/>
+                                          </p:stCondLst>
+                                        </p:cTn>
+                                        <p:tgtEl>
+                                          <p:spTgt spid="3">
+                                            <p:txEl>
+                                              <p:pRg st="9" end="9"/>
+                                            </p:txEl>
+                                          </p:spTgt>
+                                        </p:tgtEl>
+                                        <p:attrNameLst>
+                                          <p:attrName>style.visibility</p:attrName>
+                                        </p:attrNameLst>
+                                      </p:cBhvr>
+                                      <p:to>
+                                        <p:strVal val="visible"/>
+                                      </p:to>
+                                    </p:set>
+                                  </p:childTnLst>
+                                </p:cTn>
+                              </p:par>
+                            </p:childTnLst>
+                          </p:cTn>
+                        </p:par>
+                      </p:childTnLst>
+                    </p:cTn>
+                  </p:par>
+                  <p:par>
+                    <p:cTn id="43" fill="hold">
+                      <p:stCondLst>
+                        <p:cond delay="indefinite"/>
+                      </p:stCondLst>
+                      <p:childTnLst>
+                        <p:par>
+                          <p:cTn id="44" fill="hold">
+                            <p:stCondLst>
+                              <p:cond delay="0"/>
+                            </p:stCondLst>
+                            <p:childTnLst>
+                              <p:par>
+                                <p:cTn id="45" presetID="1" presetClass="entr" presetSubtype="0" fill="hold" nodeType="clickEffect">
+                                  <p:stCondLst>
+                                    <p:cond delay="0"/>
+                                  </p:stCondLst>
+                                  <p:childTnLst>
+                                    <p:set>
+                                      <p:cBhvr>
+                                        <p:cTn id="46" dur="1" fill="hold">
+                                          <p:stCondLst>
+                                            <p:cond delay="0"/>
+                                          </p:stCondLst>
+                                        </p:cTn>
+                                        <p:tgtEl>
+                                          <p:spTgt spid="3">
+                                            <p:txEl>
+                                              <p:pRg st="10" end="10"/>
+                                            </p:txEl>
+                                          </p:spTgt>
+                                        </p:tgtEl>
+                                        <p:attrNameLst>
+                                          <p:attrName>style.visibility</p:attrName>
+                                        </p:attrNameLst>
+                                      </p:cBhvr>
+                                      <p:to>
+                                        <p:strVal val="visible"/>
+                                      </p:to>
+                                    </p:set>
+                                  </p:childTnLst>
+                                </p:cTn>
+                              </p:par>
+                            </p:childTnLst>
+                          </p:cTn>
+                        </p:par>
+                      </p:childTnLst>
+                    </p:cTn>
+                  </p:par>
+                </p:childTnLst>
+              </p:cTn>
+              <p:prevCondLst>
+                <p:cond evt="onPrev" delay="0">
+                  <p:tgtEl>
+                    <p:sldTgt/>
+                  </p:tgtEl>
+                </p:cond>
+              </p:prevCondLst>
+              <p:nextCondLst>
+                <p:cond evt="onNext" delay="0">
+                  <p:tgtEl>
+                    <p:sldTgt/>
+                  </p:tgtEl>
+                </p:cond>
+              </p:nextCondLst>
+            </p:seq>
+          </p:childTnLst>
+        </p:cTn>
+      </p:par>
+    </p:tnLst>
+  </p:timing>
+</p:sld>
+</file>
+
+<file path=ppt/slides/slide7.xml><?xml version="1.0" encoding="utf-8"?>
+<p:sld xmlns:a="http://schemas.openxmlformats.org/drawingml/2006/main" xmlns:r="http://schemas.openxmlformats.org/officeDocument/2006/relationships" xmlns:p="http://schemas.openxmlformats.org/presentationml/2006/main">
+  <p:cSld>
+    <p:spTree>
+      <p:nvGrpSpPr>
+        <p:cNvPr id="1" name=""/>
+        <p:cNvGrpSpPr/>
+        <p:nvPr/>
+      </p:nvGrpSpPr>
+      <p:grpSpPr>
+        <a:xfrm>
+          <a:off x="0" y="0"/>
+          <a:ext cx="0" cy="0"/>
+          <a:chOff x="0" y="0"/>
+          <a:chExt cx="0" cy="0"/>
+        </a:xfrm>
+      </p:grpSpPr>
+      <p:sp>
+        <p:nvSpPr>
+          <p:cNvPr id="2" name="Title 1">
+            <a:extLst>
+              <a:ext uri="{FF2B5EF4-FFF2-40B4-BE49-F238E27FC236}">
+                <a16:creationId xmlns:a16="http://schemas.microsoft.com/office/drawing/2014/main" id="{3BD3413F-6868-458B-BDB5-4C663C7953C2}"/>
+              </a:ext>
+            </a:extLst>
+          </p:cNvPr>
+          <p:cNvSpPr>
+            <a:spLocks noGrp="1"/>
+          </p:cNvSpPr>
+          <p:nvPr>
+            <p:ph type="title"/>
+          </p:nvPr>
+        </p:nvSpPr>
+        <p:spPr/>
+        <p:txBody>
+          <a:bodyPr>
+            <a:noAutofit/>
+          </a:bodyPr>
+          <a:lstStyle/>
+          <a:p>
+            <a:r>
+              <a:rPr lang="en-US" sz="2800" dirty="0"/>
+              <a:t>Semaphore Usage Problem: Compromising Mutual Exclusion</a:t>
+            </a:r>
+          </a:p>
+        </p:txBody>
+      </p:sp>
+      <p:sp>
+        <p:nvSpPr>
+          <p:cNvPr id="3" name="Content Placeholder 2">
+            <a:extLst>
+              <a:ext uri="{FF2B5EF4-FFF2-40B4-BE49-F238E27FC236}">
+                <a16:creationId xmlns:a16="http://schemas.microsoft.com/office/drawing/2014/main" id="{80D7DCF8-D0B1-4FAC-AB7E-388730635948}"/>
+              </a:ext>
+            </a:extLst>
+          </p:cNvPr>
+          <p:cNvSpPr>
+            <a:spLocks noGrp="1"/>
+          </p:cNvSpPr>
+          <p:nvPr>
+            <p:ph idx="1"/>
+          </p:nvPr>
+        </p:nvSpPr>
+        <p:spPr/>
+        <p:txBody>
+          <a:bodyPr/>
+          <a:lstStyle/>
+          <a:p>
+            <a:r>
+              <a:rPr lang="en-US" dirty="0"/>
+              <a:t>Any process can up() the semaphore</a:t>
+            </a:r>
+          </a:p>
+          <a:p>
+            <a:endParaRPr lang="en-US" dirty="0"/>
+          </a:p>
+          <a:p>
+            <a:endParaRPr lang="en-US" dirty="0"/>
+          </a:p>
+          <a:p>
+            <a:endParaRPr lang="en-US" dirty="0"/>
+          </a:p>
+          <a:p>
+            <a:endParaRPr lang="en-US" dirty="0"/>
+          </a:p>
+          <a:p>
+            <a:endParaRPr lang="en-US" dirty="0"/>
+          </a:p>
+          <a:p>
+            <a:r>
+              <a:rPr lang="en-US" dirty="0"/>
+              <a:t>Solution: A </a:t>
+            </a:r>
+            <a:r>
+              <a:rPr lang="en-US" b="1" dirty="0"/>
+              <a:t>Mutex</a:t>
+            </a:r>
+            <a:r>
+              <a:rPr lang="en-US" dirty="0"/>
+              <a:t> can be up()’d only by the same process that down()’d it</a:t>
+            </a:r>
+          </a:p>
+        </p:txBody>
+      </p:sp>
+      <p:sp>
+        <p:nvSpPr>
+          <p:cNvPr id="4" name="Footer Placeholder 3">
+            <a:extLst>
+              <a:ext uri="{FF2B5EF4-FFF2-40B4-BE49-F238E27FC236}">
+                <a16:creationId xmlns:a16="http://schemas.microsoft.com/office/drawing/2014/main" id="{C68DACC1-0680-4586-9359-C43F3787F20A}"/>
+              </a:ext>
+            </a:extLst>
+          </p:cNvPr>
+          <p:cNvSpPr>
+            <a:spLocks noGrp="1"/>
+          </p:cNvSpPr>
+          <p:nvPr>
+            <p:ph type="ftr" idx="11"/>
+          </p:nvPr>
+        </p:nvSpPr>
+        <p:spPr/>
+        <p:txBody>
+          <a:bodyPr/>
+          <a:lstStyle/>
+          <a:p>
+            <a:pPr marL="0" marR="0" lvl="0" indent="0" algn="ctr" defTabSz="457200" rtl="0" eaLnBrk="1" fontAlgn="base" latinLnBrk="0" hangingPunct="0">
+              <a:lnSpc>
+                <a:spcPct val="96000"/>
+              </a:lnSpc>
+              <a:spcBef>
+                <a:spcPct val="0"/>
+              </a:spcBef>
+              <a:spcAft>
+                <a:spcPct val="0"/>
+              </a:spcAft>
+              <a:buClr>
+                <a:srgbClr val="000000"/>
+              </a:buClr>
+              <a:buSzPct val="100000"/>
+              <a:buFont typeface="Times New Roman" pitchFamily="16" charset="0"/>
+              <a:buNone/>
+              <a:tabLst>
+                <a:tab pos="0" algn="l"/>
+                <a:tab pos="457200" algn="l"/>
+                <a:tab pos="914400" algn="l"/>
+                <a:tab pos="1371600" algn="l"/>
+                <a:tab pos="1828800" algn="l"/>
+                <a:tab pos="2286000" algn="l"/>
+                <a:tab pos="2743200" algn="l"/>
+                <a:tab pos="3200400" algn="l"/>
+                <a:tab pos="3657600" algn="l"/>
+                <a:tab pos="4114800" algn="l"/>
+                <a:tab pos="4572000" algn="l"/>
+                <a:tab pos="5029200" algn="l"/>
+                <a:tab pos="5486400" algn="l"/>
+                <a:tab pos="5943600" algn="l"/>
+                <a:tab pos="6400800" algn="l"/>
+                <a:tab pos="6858000" algn="l"/>
+                <a:tab pos="7315200" algn="l"/>
+                <a:tab pos="7772400" algn="l"/>
+                <a:tab pos="8229600" algn="l"/>
+                <a:tab pos="8686800" algn="l"/>
+                <a:tab pos="9144000" algn="l"/>
+              </a:tabLst>
+              <a:defRPr/>
+            </a:pPr>
+            <a:r>
+              <a:rPr kumimoji="0" lang="en-US" sz="1400" b="0" i="0" u="none" strike="noStrike" kern="1200" cap="none" spc="0" normalizeH="0" baseline="0" noProof="0">
+                <a:ln>
+                  <a:noFill/>
+                </a:ln>
+                <a:solidFill>
+                  <a:srgbClr val="000000"/>
+                </a:solidFill>
+                <a:effectLst/>
+                <a:uLnTx/>
+                <a:uFillTx/>
+                <a:latin typeface="Arial"/>
+                <a:ea typeface="+mn-ea"/>
+                <a:cs typeface="Arial" charset="0"/>
+              </a:rPr>
+              <a:t>CS/COE 1550 – Operating Systems – Sherif Khattab</a:t>
+            </a:r>
+            <a:endParaRPr kumimoji="0" lang="en-GB" sz="1400" b="0" i="0" u="none" strike="noStrike" kern="1200" cap="none" spc="0" normalizeH="0" baseline="0" noProof="0" dirty="0">
+              <a:ln>
+                <a:noFill/>
+              </a:ln>
+              <a:solidFill>
+                <a:srgbClr val="000000"/>
+              </a:solidFill>
+              <a:effectLst/>
+              <a:uLnTx/>
+              <a:uFillTx/>
+              <a:latin typeface="Times New Roman" pitchFamily="16" charset="0"/>
+              <a:ea typeface="+mn-ea"/>
+              <a:cs typeface="Arial" charset="0"/>
+            </a:endParaRPr>
+          </a:p>
+        </p:txBody>
+      </p:sp>
+      <p:sp>
+        <p:nvSpPr>
+          <p:cNvPr id="5" name="Slide Number Placeholder 4">
+            <a:extLst>
+              <a:ext uri="{FF2B5EF4-FFF2-40B4-BE49-F238E27FC236}">
+                <a16:creationId xmlns:a16="http://schemas.microsoft.com/office/drawing/2014/main" id="{56313D3E-746A-4972-81F2-2FEA88DE4F84}"/>
+              </a:ext>
+            </a:extLst>
+          </p:cNvPr>
+          <p:cNvSpPr>
+            <a:spLocks noGrp="1"/>
+          </p:cNvSpPr>
+          <p:nvPr>
+            <p:ph type="sldNum" idx="12"/>
+          </p:nvPr>
+        </p:nvSpPr>
+        <p:spPr/>
+        <p:txBody>
+          <a:bodyPr/>
+          <a:lstStyle/>
+          <a:p>
+            <a:pPr marL="0" marR="0" lvl="0" indent="0" algn="r" defTabSz="457200" rtl="0" eaLnBrk="1" fontAlgn="base" latinLnBrk="0" hangingPunct="0">
+              <a:lnSpc>
+                <a:spcPct val="96000"/>
+              </a:lnSpc>
+              <a:spcBef>
+                <a:spcPct val="0"/>
+              </a:spcBef>
+              <a:spcAft>
+                <a:spcPct val="0"/>
+              </a:spcAft>
+              <a:buClr>
+                <a:srgbClr val="000000"/>
+              </a:buClr>
+              <a:buSzPct val="100000"/>
+              <a:buFont typeface="Times New Roman" panose="02020603050405020304" pitchFamily="18" charset="0"/>
+              <a:buNone/>
+              <a:tabLst/>
+              <a:defRPr/>
+            </a:pPr>
+            <a:fld id="{65E435D9-63B0-4660-8D04-E83F5E2CA2AE}" type="slidenum">
+              <a:rPr kumimoji="0" lang="en-GB" altLang="en-US" sz="1400" b="0" i="0" u="none" strike="noStrike" kern="1200" cap="none" spc="0" normalizeH="0" baseline="0" noProof="0" smtClean="0">
+                <a:ln>
+                  <a:noFill/>
+                </a:ln>
+                <a:solidFill>
+                  <a:srgbClr val="000000"/>
+                </a:solidFill>
+                <a:effectLst/>
+                <a:uLnTx/>
+                <a:uFillTx/>
+                <a:latin typeface="Times New Roman" panose="02020603050405020304" pitchFamily="18" charset="0"/>
+                <a:ea typeface="+mn-ea"/>
+                <a:cs typeface="Arial" panose="020B0604020202020204" pitchFamily="34" charset="0"/>
+              </a:rPr>
+              <a:pPr marL="0" marR="0" lvl="0" indent="0" algn="r" defTabSz="457200" rtl="0" eaLnBrk="1" fontAlgn="base" latinLnBrk="0" hangingPunct="0">
+                <a:lnSpc>
+                  <a:spcPct val="96000"/>
+                </a:lnSpc>
+                <a:spcBef>
+                  <a:spcPct val="0"/>
+                </a:spcBef>
+                <a:spcAft>
+                  <a:spcPct val="0"/>
+                </a:spcAft>
+                <a:buClr>
+                  <a:srgbClr val="000000"/>
+                </a:buClr>
+                <a:buSzPct val="100000"/>
+                <a:buFont typeface="Times New Roman" panose="02020603050405020304" pitchFamily="18" charset="0"/>
+                <a:buNone/>
+                <a:tabLst/>
+                <a:defRPr/>
+              </a:pPr>
+              <a:t>7</a:t>
+            </a:fld>
+            <a:endParaRPr kumimoji="0" lang="en-GB" altLang="en-US" sz="1400" b="0" i="0" u="none" strike="noStrike" kern="1200" cap="none" spc="0" normalizeH="0" baseline="0" noProof="0" dirty="0">
+              <a:ln>
+                <a:noFill/>
+              </a:ln>
+              <a:solidFill>
+                <a:srgbClr val="000000"/>
+              </a:solidFill>
+              <a:effectLst/>
+              <a:uLnTx/>
+              <a:uFillTx/>
+              <a:latin typeface="Times New Roman" panose="02020603050405020304" pitchFamily="18" charset="0"/>
+              <a:ea typeface="+mn-ea"/>
+              <a:cs typeface="Arial" panose="020B0604020202020204" pitchFamily="34" charset="0"/>
+            </a:endParaRPr>
+          </a:p>
+        </p:txBody>
+      </p:sp>
+      <p:pic>
+        <p:nvPicPr>
+          <p:cNvPr id="7" name="Picture 6">
+            <a:extLst>
+              <a:ext uri="{FF2B5EF4-FFF2-40B4-BE49-F238E27FC236}">
+                <a16:creationId xmlns:a16="http://schemas.microsoft.com/office/drawing/2014/main" id="{4201D6AF-33D2-4017-8DBD-878E4F209F08}"/>
+              </a:ext>
+            </a:extLst>
+          </p:cNvPr>
+          <p:cNvPicPr>
+            <a:picLocks noChangeAspect="1"/>
+          </p:cNvPicPr>
+          <p:nvPr/>
+        </p:nvPicPr>
+        <p:blipFill>
+          <a:blip r:embed="rId2"/>
+          <a:stretch>
+            <a:fillRect/>
+          </a:stretch>
+        </p:blipFill>
+        <p:spPr>
+          <a:xfrm>
+            <a:off x="1637968" y="1224502"/>
+            <a:ext cx="5008989" cy="3339994"/>
+          </a:xfrm>
+          <a:prstGeom prst="rect">
+            <a:avLst/>
+          </a:prstGeom>
+        </p:spPr>
+      </p:pic>
+    </p:spTree>
+    <p:extLst>
+      <p:ext uri="{BB962C8B-B14F-4D97-AF65-F5344CB8AC3E}">
+        <p14:creationId xmlns:p14="http://schemas.microsoft.com/office/powerpoint/2010/main" val="740097054"/>
+      </p:ext>
+    </p:extLst>
+  </p:cSld>
+  <p:clrMapOvr>
+    <a:masterClrMapping/>
+  </p:clrMapOvr>
+</p:sld>
+</file>
+
+<file path=ppt/slides/slide8.xml><?xml version="1.0" encoding="utf-8"?>
 <p:sld xmlns:a="http://schemas.openxmlformats.org/drawingml/2006/main" xmlns:r="http://schemas.openxmlformats.org/officeDocument/2006/relationships" xmlns:p="http://schemas.openxmlformats.org/presentationml/2006/main">
   <p:cSld>
     <p:spTree>
@@ -19981,7 +23362,7 @@
                 <a:tabLst/>
                 <a:defRPr/>
               </a:pPr>
-              <a:t>20</a:t>
+              <a:t>8</a:t>
             </a:fld>
             <a:endParaRPr kumimoji="0" lang="en-US" altLang="en-US" sz="1400" b="0" i="0" u="none" strike="noStrike" kern="1200" cap="none" spc="0" normalizeH="0" baseline="0" noProof="0">
               <a:ln>
@@ -21192,17 +24573,390 @@
     </p:spTree>
     <p:extLst>
       <p:ext uri="{BB962C8B-B14F-4D97-AF65-F5344CB8AC3E}">
-        <p14:creationId xmlns:p14="http://schemas.microsoft.com/office/powerpoint/2010/main" val="583513582"/>
+        <p14:creationId xmlns:p14="http://schemas.microsoft.com/office/powerpoint/2010/main" val="729370554"/>
       </p:ext>
     </p:extLst>
   </p:cSld>
   <p:clrMapOvr>
     <a:masterClrMapping/>
   </p:clrMapOvr>
+  <p:timing>
+    <p:tnLst>
+      <p:par>
+        <p:cTn id="1" dur="indefinite" restart="never" nodeType="tmRoot">
+          <p:childTnLst>
+            <p:seq concurrent="1" nextAc="seek">
+              <p:cTn id="2" dur="indefinite" nodeType="mainSeq">
+                <p:childTnLst>
+                  <p:par>
+                    <p:cTn id="3" fill="hold">
+                      <p:stCondLst>
+                        <p:cond delay="indefinite"/>
+                      </p:stCondLst>
+                      <p:childTnLst>
+                        <p:par>
+                          <p:cTn id="4" fill="hold">
+                            <p:stCondLst>
+                              <p:cond delay="0"/>
+                            </p:stCondLst>
+                            <p:childTnLst>
+                              <p:par>
+                                <p:cTn id="5" presetID="1" presetClass="entr" presetSubtype="0" fill="hold" nodeType="clickEffect">
+                                  <p:stCondLst>
+                                    <p:cond delay="0"/>
+                                  </p:stCondLst>
+                                  <p:childTnLst>
+                                    <p:set>
+                                      <p:cBhvr>
+                                        <p:cTn id="6" dur="1" fill="hold">
+                                          <p:stCondLst>
+                                            <p:cond delay="0"/>
+                                          </p:stCondLst>
+                                        </p:cTn>
+                                        <p:tgtEl>
+                                          <p:spTgt spid="114694">
+                                            <p:txEl>
+                                              <p:pRg st="0" end="0"/>
+                                            </p:txEl>
+                                          </p:spTgt>
+                                        </p:tgtEl>
+                                        <p:attrNameLst>
+                                          <p:attrName>style.visibility</p:attrName>
+                                        </p:attrNameLst>
+                                      </p:cBhvr>
+                                      <p:to>
+                                        <p:strVal val="visible"/>
+                                      </p:to>
+                                    </p:set>
+                                  </p:childTnLst>
+                                </p:cTn>
+                              </p:par>
+                            </p:childTnLst>
+                          </p:cTn>
+                        </p:par>
+                      </p:childTnLst>
+                    </p:cTn>
+                  </p:par>
+                  <p:par>
+                    <p:cTn id="7" fill="hold">
+                      <p:stCondLst>
+                        <p:cond delay="indefinite"/>
+                      </p:stCondLst>
+                      <p:childTnLst>
+                        <p:par>
+                          <p:cTn id="8" fill="hold">
+                            <p:stCondLst>
+                              <p:cond delay="0"/>
+                            </p:stCondLst>
+                            <p:childTnLst>
+                              <p:par>
+                                <p:cTn id="9" presetID="1" presetClass="entr" presetSubtype="0" fill="hold" nodeType="clickEffect">
+                                  <p:stCondLst>
+                                    <p:cond delay="0"/>
+                                  </p:stCondLst>
+                                  <p:childTnLst>
+                                    <p:set>
+                                      <p:cBhvr>
+                                        <p:cTn id="10" dur="1" fill="hold">
+                                          <p:stCondLst>
+                                            <p:cond delay="0"/>
+                                          </p:stCondLst>
+                                        </p:cTn>
+                                        <p:tgtEl>
+                                          <p:spTgt spid="114694">
+                                            <p:txEl>
+                                              <p:pRg st="1" end="1"/>
+                                            </p:txEl>
+                                          </p:spTgt>
+                                        </p:tgtEl>
+                                        <p:attrNameLst>
+                                          <p:attrName>style.visibility</p:attrName>
+                                        </p:attrNameLst>
+                                      </p:cBhvr>
+                                      <p:to>
+                                        <p:strVal val="visible"/>
+                                      </p:to>
+                                    </p:set>
+                                  </p:childTnLst>
+                                </p:cTn>
+                              </p:par>
+                            </p:childTnLst>
+                          </p:cTn>
+                        </p:par>
+                      </p:childTnLst>
+                    </p:cTn>
+                  </p:par>
+                  <p:par>
+                    <p:cTn id="11" fill="hold">
+                      <p:stCondLst>
+                        <p:cond delay="indefinite"/>
+                      </p:stCondLst>
+                      <p:childTnLst>
+                        <p:par>
+                          <p:cTn id="12" fill="hold">
+                            <p:stCondLst>
+                              <p:cond delay="0"/>
+                            </p:stCondLst>
+                            <p:childTnLst>
+                              <p:par>
+                                <p:cTn id="13" presetID="1" presetClass="entr" presetSubtype="0" fill="hold" nodeType="clickEffect">
+                                  <p:stCondLst>
+                                    <p:cond delay="0"/>
+                                  </p:stCondLst>
+                                  <p:childTnLst>
+                                    <p:set>
+                                      <p:cBhvr>
+                                        <p:cTn id="14" dur="1" fill="hold">
+                                          <p:stCondLst>
+                                            <p:cond delay="0"/>
+                                          </p:stCondLst>
+                                        </p:cTn>
+                                        <p:tgtEl>
+                                          <p:spTgt spid="114694">
+                                            <p:txEl>
+                                              <p:pRg st="2" end="2"/>
+                                            </p:txEl>
+                                          </p:spTgt>
+                                        </p:tgtEl>
+                                        <p:attrNameLst>
+                                          <p:attrName>style.visibility</p:attrName>
+                                        </p:attrNameLst>
+                                      </p:cBhvr>
+                                      <p:to>
+                                        <p:strVal val="visible"/>
+                                      </p:to>
+                                    </p:set>
+                                  </p:childTnLst>
+                                </p:cTn>
+                              </p:par>
+                            </p:childTnLst>
+                          </p:cTn>
+                        </p:par>
+                      </p:childTnLst>
+                    </p:cTn>
+                  </p:par>
+                  <p:par>
+                    <p:cTn id="15" fill="hold">
+                      <p:stCondLst>
+                        <p:cond delay="indefinite"/>
+                      </p:stCondLst>
+                      <p:childTnLst>
+                        <p:par>
+                          <p:cTn id="16" fill="hold">
+                            <p:stCondLst>
+                              <p:cond delay="0"/>
+                            </p:stCondLst>
+                            <p:childTnLst>
+                              <p:par>
+                                <p:cTn id="17" presetID="1" presetClass="entr" presetSubtype="0" fill="hold" nodeType="clickEffect">
+                                  <p:stCondLst>
+                                    <p:cond delay="0"/>
+                                  </p:stCondLst>
+                                  <p:childTnLst>
+                                    <p:set>
+                                      <p:cBhvr>
+                                        <p:cTn id="18" dur="1" fill="hold">
+                                          <p:stCondLst>
+                                            <p:cond delay="0"/>
+                                          </p:stCondLst>
+                                        </p:cTn>
+                                        <p:tgtEl>
+                                          <p:spTgt spid="114694">
+                                            <p:txEl>
+                                              <p:pRg st="3" end="3"/>
+                                            </p:txEl>
+                                          </p:spTgt>
+                                        </p:tgtEl>
+                                        <p:attrNameLst>
+                                          <p:attrName>style.visibility</p:attrName>
+                                        </p:attrNameLst>
+                                      </p:cBhvr>
+                                      <p:to>
+                                        <p:strVal val="visible"/>
+                                      </p:to>
+                                    </p:set>
+                                  </p:childTnLst>
+                                </p:cTn>
+                              </p:par>
+                            </p:childTnLst>
+                          </p:cTn>
+                        </p:par>
+                      </p:childTnLst>
+                    </p:cTn>
+                  </p:par>
+                  <p:par>
+                    <p:cTn id="19" fill="hold">
+                      <p:stCondLst>
+                        <p:cond delay="indefinite"/>
+                      </p:stCondLst>
+                      <p:childTnLst>
+                        <p:par>
+                          <p:cTn id="20" fill="hold">
+                            <p:stCondLst>
+                              <p:cond delay="0"/>
+                            </p:stCondLst>
+                            <p:childTnLst>
+                              <p:par>
+                                <p:cTn id="21" presetID="1" presetClass="entr" presetSubtype="0" fill="hold" nodeType="clickEffect">
+                                  <p:stCondLst>
+                                    <p:cond delay="0"/>
+                                  </p:stCondLst>
+                                  <p:childTnLst>
+                                    <p:set>
+                                      <p:cBhvr>
+                                        <p:cTn id="22" dur="1" fill="hold">
+                                          <p:stCondLst>
+                                            <p:cond delay="0"/>
+                                          </p:stCondLst>
+                                        </p:cTn>
+                                        <p:tgtEl>
+                                          <p:spTgt spid="114694">
+                                            <p:txEl>
+                                              <p:pRg st="4" end="4"/>
+                                            </p:txEl>
+                                          </p:spTgt>
+                                        </p:tgtEl>
+                                        <p:attrNameLst>
+                                          <p:attrName>style.visibility</p:attrName>
+                                        </p:attrNameLst>
+                                      </p:cBhvr>
+                                      <p:to>
+                                        <p:strVal val="visible"/>
+                                      </p:to>
+                                    </p:set>
+                                  </p:childTnLst>
+                                </p:cTn>
+                              </p:par>
+                            </p:childTnLst>
+                          </p:cTn>
+                        </p:par>
+                      </p:childTnLst>
+                    </p:cTn>
+                  </p:par>
+                  <p:par>
+                    <p:cTn id="23" fill="hold">
+                      <p:stCondLst>
+                        <p:cond delay="indefinite"/>
+                      </p:stCondLst>
+                      <p:childTnLst>
+                        <p:par>
+                          <p:cTn id="24" fill="hold">
+                            <p:stCondLst>
+                              <p:cond delay="0"/>
+                            </p:stCondLst>
+                            <p:childTnLst>
+                              <p:par>
+                                <p:cTn id="25" presetID="1" presetClass="entr" presetSubtype="0" fill="hold" nodeType="clickEffect">
+                                  <p:stCondLst>
+                                    <p:cond delay="0"/>
+                                  </p:stCondLst>
+                                  <p:childTnLst>
+                                    <p:set>
+                                      <p:cBhvr>
+                                        <p:cTn id="26" dur="1" fill="hold">
+                                          <p:stCondLst>
+                                            <p:cond delay="0"/>
+                                          </p:stCondLst>
+                                        </p:cTn>
+                                        <p:tgtEl>
+                                          <p:spTgt spid="114694">
+                                            <p:txEl>
+                                              <p:pRg st="5" end="5"/>
+                                            </p:txEl>
+                                          </p:spTgt>
+                                        </p:tgtEl>
+                                        <p:attrNameLst>
+                                          <p:attrName>style.visibility</p:attrName>
+                                        </p:attrNameLst>
+                                      </p:cBhvr>
+                                      <p:to>
+                                        <p:strVal val="visible"/>
+                                      </p:to>
+                                    </p:set>
+                                  </p:childTnLst>
+                                </p:cTn>
+                              </p:par>
+                            </p:childTnLst>
+                          </p:cTn>
+                        </p:par>
+                      </p:childTnLst>
+                    </p:cTn>
+                  </p:par>
+                  <p:par>
+                    <p:cTn id="27" fill="hold">
+                      <p:stCondLst>
+                        <p:cond delay="indefinite"/>
+                      </p:stCondLst>
+                      <p:childTnLst>
+                        <p:par>
+                          <p:cTn id="28" fill="hold">
+                            <p:stCondLst>
+                              <p:cond delay="0"/>
+                            </p:stCondLst>
+                            <p:childTnLst>
+                              <p:par>
+                                <p:cTn id="29" presetID="1" presetClass="entr" presetSubtype="0" fill="hold" nodeType="clickEffect">
+                                  <p:stCondLst>
+                                    <p:cond delay="0"/>
+                                  </p:stCondLst>
+                                  <p:childTnLst>
+                                    <p:set>
+                                      <p:cBhvr>
+                                        <p:cTn id="30" dur="1" fill="hold">
+                                          <p:stCondLst>
+                                            <p:cond delay="0"/>
+                                          </p:stCondLst>
+                                        </p:cTn>
+                                        <p:tgtEl>
+                                          <p:spTgt spid="114694">
+                                            <p:txEl>
+                                              <p:pRg st="6" end="6"/>
+                                            </p:txEl>
+                                          </p:spTgt>
+                                        </p:tgtEl>
+                                        <p:attrNameLst>
+                                          <p:attrName>style.visibility</p:attrName>
+                                        </p:attrNameLst>
+                                      </p:cBhvr>
+                                      <p:to>
+                                        <p:strVal val="visible"/>
+                                      </p:to>
+                                    </p:set>
+                                  </p:childTnLst>
+                                </p:cTn>
+                              </p:par>
+                            </p:childTnLst>
+                          </p:cTn>
+                        </p:par>
+                      </p:childTnLst>
+                    </p:cTn>
+                  </p:par>
+                </p:childTnLst>
+              </p:cTn>
+              <p:prevCondLst>
+                <p:cond evt="onPrev" delay="0">
+                  <p:tgtEl>
+                    <p:sldTgt/>
+                  </p:tgtEl>
+                </p:cond>
+              </p:prevCondLst>
+              <p:nextCondLst>
+                <p:cond evt="onNext" delay="0">
+                  <p:tgtEl>
+                    <p:sldTgt/>
+                  </p:tgtEl>
+                </p:cond>
+              </p:nextCondLst>
+            </p:seq>
+          </p:childTnLst>
+        </p:cTn>
+      </p:par>
+    </p:tnLst>
+  </p:timing>
 </p:sld>
 </file>
 
-<file path=ppt/slides/slide21.xml><?xml version="1.0" encoding="utf-8"?>
+<file path=ppt/slides/slide9.xml><?xml version="1.0" encoding="utf-8"?>
 <p:sld xmlns:a="http://schemas.openxmlformats.org/drawingml/2006/main" xmlns:r="http://schemas.openxmlformats.org/officeDocument/2006/relationships" xmlns:p="http://schemas.openxmlformats.org/presentationml/2006/main">
   <p:cSld>
     <p:spTree>
@@ -21461,7 +25215,7 @@
                 <a:tabLst/>
                 <a:defRPr/>
               </a:pPr>
-              <a:t>21</a:t>
+              <a:t>9</a:t>
             </a:fld>
             <a:endParaRPr kumimoji="0" lang="en-GB" altLang="en-US" sz="1400" b="0" i="0" u="none" strike="noStrike" kern="1200" cap="none" spc="0" normalizeH="0" baseline="0" noProof="0" dirty="0">
               <a:ln>
@@ -21513,200 +25267,7 @@
     </p:spTree>
     <p:extLst>
       <p:ext uri="{BB962C8B-B14F-4D97-AF65-F5344CB8AC3E}">
-        <p14:creationId xmlns:p14="http://schemas.microsoft.com/office/powerpoint/2010/main" val="3742099282"/>
-      </p:ext>
-    </p:extLst>
-  </p:cSld>
-  <p:clrMapOvr>
-    <a:masterClrMapping/>
-  </p:clrMapOvr>
-</p:sld>
-</file>
-
-<file path=ppt/slides/slide3.xml><?xml version="1.0" encoding="utf-8"?>
-<p:sld xmlns:a="http://schemas.openxmlformats.org/drawingml/2006/main" xmlns:r="http://schemas.openxmlformats.org/officeDocument/2006/relationships" xmlns:p="http://schemas.openxmlformats.org/presentationml/2006/main">
-  <p:cSld>
-    <p:spTree>
-      <p:nvGrpSpPr>
-        <p:cNvPr id="1" name=""/>
-        <p:cNvGrpSpPr/>
-        <p:nvPr/>
-      </p:nvGrpSpPr>
-      <p:grpSpPr>
-        <a:xfrm>
-          <a:off x="0" y="0"/>
-          <a:ext cx="0" cy="0"/>
-          <a:chOff x="0" y="0"/>
-          <a:chExt cx="0" cy="0"/>
-        </a:xfrm>
-      </p:grpSpPr>
-      <p:sp>
-        <p:nvSpPr>
-          <p:cNvPr id="2" name="Title 1">
-            <a:extLst>
-              <a:ext uri="{FF2B5EF4-FFF2-40B4-BE49-F238E27FC236}">
-                <a16:creationId xmlns:a16="http://schemas.microsoft.com/office/drawing/2014/main" id="{82918BB9-21FE-470A-9D3A-75491F8FB36B}"/>
-              </a:ext>
-            </a:extLst>
-          </p:cNvPr>
-          <p:cNvSpPr>
-            <a:spLocks noGrp="1"/>
-          </p:cNvSpPr>
-          <p:nvPr>
-            <p:ph type="title"/>
-          </p:nvPr>
-        </p:nvSpPr>
-        <p:spPr/>
-        <p:txBody>
-          <a:bodyPr/>
-          <a:lstStyle/>
-          <a:p>
-            <a:r>
-              <a:rPr lang="en-US" dirty="0" err="1"/>
-              <a:t>Anouncements</a:t>
-            </a:r>
-            <a:endParaRPr lang="en-US" dirty="0"/>
-          </a:p>
-        </p:txBody>
-      </p:sp>
-      <p:sp>
-        <p:nvSpPr>
-          <p:cNvPr id="3" name="Content Placeholder 2">
-            <a:extLst>
-              <a:ext uri="{FF2B5EF4-FFF2-40B4-BE49-F238E27FC236}">
-                <a16:creationId xmlns:a16="http://schemas.microsoft.com/office/drawing/2014/main" id="{2B1DCEF5-87F1-4444-B9C9-6A5662FD966F}"/>
-              </a:ext>
-            </a:extLst>
-          </p:cNvPr>
-          <p:cNvSpPr>
-            <a:spLocks noGrp="1"/>
-          </p:cNvSpPr>
-          <p:nvPr>
-            <p:ph idx="1"/>
-          </p:nvPr>
-        </p:nvSpPr>
-        <p:spPr/>
-        <p:txBody>
-          <a:bodyPr/>
-          <a:lstStyle/>
-          <a:p>
-            <a:r>
-              <a:rPr lang="en-US" dirty="0"/>
-              <a:t>Michael G. Wells Competition</a:t>
-            </a:r>
-          </a:p>
-          <a:p>
-            <a:pPr lvl="1"/>
-            <a:r>
-              <a:rPr lang="en-US" dirty="0">
-                <a:hlinkClick r:id="rId2"/>
-              </a:rPr>
-              <a:t>https://www.innovation.pitt.edu/michael-g-wells-competition/</a:t>
-            </a:r>
-            <a:endParaRPr lang="en-US" dirty="0"/>
-          </a:p>
-          <a:p>
-            <a:r>
-              <a:rPr lang="en-US" dirty="0"/>
-              <a:t>Games 4 Social Impact Hackathon</a:t>
-            </a:r>
-          </a:p>
-          <a:p>
-            <a:pPr lvl="1"/>
-            <a:r>
-              <a:rPr lang="en-US" dirty="0">
-                <a:hlinkClick r:id="rId3"/>
-              </a:rPr>
-              <a:t>https://www.games4socialimpact.pitt.edu/</a:t>
-            </a:r>
-            <a:endParaRPr lang="en-US" dirty="0"/>
-          </a:p>
-          <a:p>
-            <a:r>
-              <a:rPr lang="en-US" dirty="0"/>
-              <a:t>Get (Re)involved on Campus</a:t>
-            </a:r>
-          </a:p>
-          <a:p>
-            <a:pPr lvl="1"/>
-            <a:r>
-              <a:rPr lang="en-US" dirty="0">
-                <a:hlinkClick r:id="rId4"/>
-              </a:rPr>
-              <a:t>https://www.pitt.edu/pittwire/features-articles/get-reinvolved-campus</a:t>
-            </a:r>
-            <a:endParaRPr lang="en-US" dirty="0"/>
-          </a:p>
-        </p:txBody>
-      </p:sp>
-      <p:sp>
-        <p:nvSpPr>
-          <p:cNvPr id="4" name="Footer Placeholder 3">
-            <a:extLst>
-              <a:ext uri="{FF2B5EF4-FFF2-40B4-BE49-F238E27FC236}">
-                <a16:creationId xmlns:a16="http://schemas.microsoft.com/office/drawing/2014/main" id="{95DE7BEB-8BF5-4E54-9A5D-BFF8E809BB00}"/>
-              </a:ext>
-            </a:extLst>
-          </p:cNvPr>
-          <p:cNvSpPr>
-            <a:spLocks noGrp="1"/>
-          </p:cNvSpPr>
-          <p:nvPr>
-            <p:ph type="ftr" idx="11"/>
-          </p:nvPr>
-        </p:nvSpPr>
-        <p:spPr/>
-        <p:txBody>
-          <a:bodyPr/>
-          <a:lstStyle/>
-          <a:p>
-            <a:pPr>
-              <a:defRPr/>
-            </a:pPr>
-            <a:r>
-              <a:rPr lang="en-US">
-                <a:latin typeface="+mn-lt"/>
-              </a:rPr>
-              <a:t>CS/COE 1550 – Operating Systems – Sherif Khattab</a:t>
-            </a:r>
-            <a:endParaRPr lang="en-GB" dirty="0"/>
-          </a:p>
-        </p:txBody>
-      </p:sp>
-      <p:sp>
-        <p:nvSpPr>
-          <p:cNvPr id="5" name="Slide Number Placeholder 4">
-            <a:extLst>
-              <a:ext uri="{FF2B5EF4-FFF2-40B4-BE49-F238E27FC236}">
-                <a16:creationId xmlns:a16="http://schemas.microsoft.com/office/drawing/2014/main" id="{5B147212-537E-444E-A289-2CE5F2A3A1DF}"/>
-              </a:ext>
-            </a:extLst>
-          </p:cNvPr>
-          <p:cNvSpPr>
-            <a:spLocks noGrp="1"/>
-          </p:cNvSpPr>
-          <p:nvPr>
-            <p:ph type="sldNum" idx="12"/>
-          </p:nvPr>
-        </p:nvSpPr>
-        <p:spPr/>
-        <p:txBody>
-          <a:bodyPr/>
-          <a:lstStyle/>
-          <a:p>
-            <a:fld id="{65E435D9-63B0-4660-8D04-E83F5E2CA2AE}" type="slidenum">
-              <a:rPr lang="en-GB" altLang="en-US" smtClean="0"/>
-              <a:pPr/>
-              <a:t>3</a:t>
-            </a:fld>
-            <a:endParaRPr lang="en-GB" altLang="en-US" dirty="0"/>
-          </a:p>
-        </p:txBody>
-      </p:sp>
-    </p:spTree>
-    <p:extLst>
-      <p:ext uri="{BB962C8B-B14F-4D97-AF65-F5344CB8AC3E}">
-        <p14:creationId xmlns:p14="http://schemas.microsoft.com/office/powerpoint/2010/main" val="300931632"/>
+        <p14:creationId xmlns:p14="http://schemas.microsoft.com/office/powerpoint/2010/main" val="834553574"/>
       </p:ext>
     </p:extLst>
   </p:cSld>
@@ -21868,153 +25429,6 @@
                       </p:childTnLst>
                     </p:cTn>
                   </p:par>
-                  <p:par>
-                    <p:cTn id="15" fill="hold">
-                      <p:stCondLst>
-                        <p:cond delay="indefinite"/>
-                      </p:stCondLst>
-                      <p:childTnLst>
-                        <p:par>
-                          <p:cTn id="16" fill="hold">
-                            <p:stCondLst>
-                              <p:cond delay="0"/>
-                            </p:stCondLst>
-                            <p:childTnLst>
-                              <p:par>
-                                <p:cTn id="17" presetID="1" presetClass="entr" presetSubtype="0" fill="hold" nodeType="clickEffect">
-                                  <p:stCondLst>
-                                    <p:cond delay="0"/>
-                                  </p:stCondLst>
-                                  <p:childTnLst>
-                                    <p:set>
-                                      <p:cBhvr>
-                                        <p:cTn id="18" dur="1" fill="hold">
-                                          <p:stCondLst>
-                                            <p:cond delay="0"/>
-                                          </p:stCondLst>
-                                        </p:cTn>
-                                        <p:tgtEl>
-                                          <p:spTgt spid="3">
-                                            <p:txEl>
-                                              <p:pRg st="3" end="3"/>
-                                            </p:txEl>
-                                          </p:spTgt>
-                                        </p:tgtEl>
-                                        <p:attrNameLst>
-                                          <p:attrName>style.visibility</p:attrName>
-                                        </p:attrNameLst>
-                                      </p:cBhvr>
-                                      <p:to>
-                                        <p:strVal val="visible"/>
-                                      </p:to>
-                                    </p:set>
-                                  </p:childTnLst>
-                                </p:cTn>
-                              </p:par>
-                            </p:childTnLst>
-                          </p:cTn>
-                        </p:par>
-                      </p:childTnLst>
-                    </p:cTn>
-                  </p:par>
-                  <p:par>
-                    <p:cTn id="19" fill="hold">
-                      <p:stCondLst>
-                        <p:cond delay="indefinite"/>
-                      </p:stCondLst>
-                      <p:childTnLst>
-                        <p:par>
-                          <p:cTn id="20" fill="hold">
-                            <p:stCondLst>
-                              <p:cond delay="0"/>
-                            </p:stCondLst>
-                            <p:childTnLst>
-                              <p:par>
-                                <p:cTn id="21" presetID="1" presetClass="entr" presetSubtype="0" fill="hold" nodeType="clickEffect">
-                                  <p:stCondLst>
-                                    <p:cond delay="0"/>
-                                  </p:stCondLst>
-                                  <p:childTnLst>
-                                    <p:set>
-                                      <p:cBhvr>
-                                        <p:cTn id="22" dur="1" fill="hold">
-                                          <p:stCondLst>
-                                            <p:cond delay="0"/>
-                                          </p:stCondLst>
-                                        </p:cTn>
-                                        <p:tgtEl>
-                                          <p:spTgt spid="3">
-                                            <p:txEl>
-                                              <p:pRg st="4" end="4"/>
-                                            </p:txEl>
-                                          </p:spTgt>
-                                        </p:tgtEl>
-                                        <p:attrNameLst>
-                                          <p:attrName>style.visibility</p:attrName>
-                                        </p:attrNameLst>
-                                      </p:cBhvr>
-                                      <p:to>
-                                        <p:strVal val="visible"/>
-                                      </p:to>
-                                    </p:set>
-                                  </p:childTnLst>
-                                </p:cTn>
-                              </p:par>
-                            </p:childTnLst>
-                          </p:cTn>
-                        </p:par>
-                      </p:childTnLst>
-                    </p:cTn>
-                  </p:par>
-                  <p:par>
-                    <p:cTn id="23" fill="hold">
-                      <p:stCondLst>
-                        <p:cond delay="indefinite"/>
-                      </p:stCondLst>
-                      <p:childTnLst>
-                        <p:par>
-                          <p:cTn id="24" fill="hold">
-                            <p:stCondLst>
-                              <p:cond delay="0"/>
-                            </p:stCondLst>
-                            <p:childTnLst>
-                              <p:par>
-                                <p:cTn id="25" presetID="1" presetClass="entr" presetSubtype="0" fill="hold" nodeType="clickEffect">
-                                  <p:stCondLst>
-                                    <p:cond delay="0"/>
-                                  </p:stCondLst>
-                                  <p:childTnLst>
-                                    <p:set>
-                                      <p:cBhvr>
-                                        <p:cTn id="26" dur="1" fill="hold">
-                                          <p:stCondLst>
-                                            <p:cond delay="0"/>
-                                          </p:stCondLst>
-                                        </p:cTn>
-                                        <p:tgtEl>
-                                          <p:spTgt spid="3">
-                                            <p:txEl>
-                                              <p:pRg st="5" end="5"/>
-                                            </p:txEl>
-                                          </p:spTgt>
-                                        </p:tgtEl>
-                                        <p:attrNameLst>
-                                          <p:attrName>style.visibility</p:attrName>
-                                        </p:attrNameLst>
-                                      </p:cBhvr>
-                                      <p:to>
-                                        <p:strVal val="visible"/>
-                                      </p:to>
-                                    </p:set>
-                                  </p:childTnLst>
-                                </p:cTn>
-                              </p:par>
-                            </p:childTnLst>
-                          </p:cTn>
-                        </p:par>
-                      </p:childTnLst>
-                    </p:cTn>
-                  </p:par>
                 </p:childTnLst>
               </p:cTn>
               <p:prevCondLst>
@@ -22037,3008 +25451,6 @@
       </p:par>
     </p:tnLst>
   </p:timing>
-</p:sld>
-</file>
-
-<file path=ppt/slides/slide4.xml><?xml version="1.0" encoding="utf-8"?>
-<p:sld xmlns:a="http://schemas.openxmlformats.org/drawingml/2006/main" xmlns:r="http://schemas.openxmlformats.org/officeDocument/2006/relationships" xmlns:p="http://schemas.openxmlformats.org/presentationml/2006/main">
-  <p:cSld>
-    <p:spTree>
-      <p:nvGrpSpPr>
-        <p:cNvPr id="1" name=""/>
-        <p:cNvGrpSpPr/>
-        <p:nvPr/>
-      </p:nvGrpSpPr>
-      <p:grpSpPr>
-        <a:xfrm>
-          <a:off x="0" y="0"/>
-          <a:ext cx="0" cy="0"/>
-          <a:chOff x="0" y="0"/>
-          <a:chExt cx="0" cy="0"/>
-        </a:xfrm>
-      </p:grpSpPr>
-      <p:sp>
-        <p:nvSpPr>
-          <p:cNvPr id="2" name="Title 1">
-            <a:extLst>
-              <a:ext uri="{FF2B5EF4-FFF2-40B4-BE49-F238E27FC236}">
-                <a16:creationId xmlns:a16="http://schemas.microsoft.com/office/drawing/2014/main" id="{E097A24C-0B49-6145-9835-7406BF7C245B}"/>
-              </a:ext>
-            </a:extLst>
-          </p:cNvPr>
-          <p:cNvSpPr>
-            <a:spLocks noGrp="1"/>
-          </p:cNvSpPr>
-          <p:nvPr>
-            <p:ph type="title"/>
-          </p:nvPr>
-        </p:nvSpPr>
-        <p:spPr/>
-        <p:txBody>
-          <a:bodyPr/>
-          <a:lstStyle/>
-          <a:p>
-            <a:r>
-              <a:rPr lang="en-US" dirty="0"/>
-              <a:t>Last Lecture …</a:t>
-            </a:r>
-          </a:p>
-        </p:txBody>
-      </p:sp>
-      <p:sp>
-        <p:nvSpPr>
-          <p:cNvPr id="3" name="Content Placeholder 2">
-            <a:extLst>
-              <a:ext uri="{FF2B5EF4-FFF2-40B4-BE49-F238E27FC236}">
-                <a16:creationId xmlns:a16="http://schemas.microsoft.com/office/drawing/2014/main" id="{93532249-5E17-2A4B-B649-961DDDF1F5F6}"/>
-              </a:ext>
-            </a:extLst>
-          </p:cNvPr>
-          <p:cNvSpPr>
-            <a:spLocks noGrp="1"/>
-          </p:cNvSpPr>
-          <p:nvPr>
-            <p:ph idx="1"/>
-          </p:nvPr>
-        </p:nvSpPr>
-        <p:spPr/>
-        <p:txBody>
-          <a:bodyPr/>
-          <a:lstStyle/>
-          <a:p>
-            <a:r>
-              <a:rPr lang="en-US" dirty="0"/>
-              <a:t>Context Switching</a:t>
-            </a:r>
-          </a:p>
-          <a:p>
-            <a:r>
-              <a:rPr lang="en-US" dirty="0"/>
-              <a:t>Process Creation using the fork() </a:t>
-            </a:r>
-            <a:r>
-              <a:rPr lang="en-US" dirty="0" err="1"/>
-              <a:t>syscall</a:t>
-            </a:r>
-            <a:endParaRPr lang="en-US" dirty="0"/>
-          </a:p>
-        </p:txBody>
-      </p:sp>
-      <p:sp>
-        <p:nvSpPr>
-          <p:cNvPr id="4" name="Footer Placeholder 3">
-            <a:extLst>
-              <a:ext uri="{FF2B5EF4-FFF2-40B4-BE49-F238E27FC236}">
-                <a16:creationId xmlns:a16="http://schemas.microsoft.com/office/drawing/2014/main" id="{2550EB3E-D7D4-7946-ADA7-722A8DA377D5}"/>
-              </a:ext>
-            </a:extLst>
-          </p:cNvPr>
-          <p:cNvSpPr>
-            <a:spLocks noGrp="1"/>
-          </p:cNvSpPr>
-          <p:nvPr>
-            <p:ph type="ftr" idx="11"/>
-          </p:nvPr>
-        </p:nvSpPr>
-        <p:spPr/>
-        <p:txBody>
-          <a:bodyPr/>
-          <a:lstStyle/>
-          <a:p>
-            <a:pPr>
-              <a:defRPr/>
-            </a:pPr>
-            <a:r>
-              <a:rPr lang="en-US">
-                <a:latin typeface="+mn-lt"/>
-              </a:rPr>
-              <a:t>CS/COE 1550 – Operating Systems – Sherif Khattab</a:t>
-            </a:r>
-            <a:endParaRPr lang="en-GB" dirty="0"/>
-          </a:p>
-        </p:txBody>
-      </p:sp>
-      <p:sp>
-        <p:nvSpPr>
-          <p:cNvPr id="5" name="Slide Number Placeholder 4">
-            <a:extLst>
-              <a:ext uri="{FF2B5EF4-FFF2-40B4-BE49-F238E27FC236}">
-                <a16:creationId xmlns:a16="http://schemas.microsoft.com/office/drawing/2014/main" id="{C1015D7E-DA69-CD4B-B6BE-D1EDF4DD75D6}"/>
-              </a:ext>
-            </a:extLst>
-          </p:cNvPr>
-          <p:cNvSpPr>
-            <a:spLocks noGrp="1"/>
-          </p:cNvSpPr>
-          <p:nvPr>
-            <p:ph type="sldNum" idx="12"/>
-          </p:nvPr>
-        </p:nvSpPr>
-        <p:spPr/>
-        <p:txBody>
-          <a:bodyPr/>
-          <a:lstStyle/>
-          <a:p>
-            <a:fld id="{65E435D9-63B0-4660-8D04-E83F5E2CA2AE}" type="slidenum">
-              <a:rPr lang="en-GB" altLang="en-US" smtClean="0"/>
-              <a:pPr/>
-              <a:t>4</a:t>
-            </a:fld>
-            <a:endParaRPr lang="en-GB" altLang="en-US" dirty="0"/>
-          </a:p>
-        </p:txBody>
-      </p:sp>
-    </p:spTree>
-    <p:extLst>
-      <p:ext uri="{BB962C8B-B14F-4D97-AF65-F5344CB8AC3E}">
-        <p14:creationId xmlns:p14="http://schemas.microsoft.com/office/powerpoint/2010/main" val="747882086"/>
-      </p:ext>
-    </p:extLst>
-  </p:cSld>
-  <p:clrMapOvr>
-    <a:masterClrMapping/>
-  </p:clrMapOvr>
-</p:sld>
-</file>
-
-<file path=ppt/slides/slide5.xml><?xml version="1.0" encoding="utf-8"?>
-<p:sld xmlns:a="http://schemas.openxmlformats.org/drawingml/2006/main" xmlns:r="http://schemas.openxmlformats.org/officeDocument/2006/relationships" xmlns:p="http://schemas.openxmlformats.org/presentationml/2006/main">
-  <p:cSld>
-    <p:spTree>
-      <p:nvGrpSpPr>
-        <p:cNvPr id="1" name=""/>
-        <p:cNvGrpSpPr/>
-        <p:nvPr/>
-      </p:nvGrpSpPr>
-      <p:grpSpPr>
-        <a:xfrm>
-          <a:off x="0" y="0"/>
-          <a:ext cx="0" cy="0"/>
-          <a:chOff x="0" y="0"/>
-          <a:chExt cx="0" cy="0"/>
-        </a:xfrm>
-      </p:grpSpPr>
-      <p:sp>
-        <p:nvSpPr>
-          <p:cNvPr id="2" name="Title 1">
-            <a:extLst>
-              <a:ext uri="{FF2B5EF4-FFF2-40B4-BE49-F238E27FC236}">
-                <a16:creationId xmlns:a16="http://schemas.microsoft.com/office/drawing/2014/main" id="{A446100A-BC4F-47A2-A29B-E77567459419}"/>
-              </a:ext>
-            </a:extLst>
-          </p:cNvPr>
-          <p:cNvSpPr>
-            <a:spLocks noGrp="1"/>
-          </p:cNvSpPr>
-          <p:nvPr>
-            <p:ph type="title"/>
-          </p:nvPr>
-        </p:nvSpPr>
-        <p:spPr/>
-        <p:txBody>
-          <a:bodyPr/>
-          <a:lstStyle/>
-          <a:p>
-            <a:r>
-              <a:rPr lang="en-US" dirty="0"/>
-              <a:t>Muddiest Points</a:t>
-            </a:r>
-          </a:p>
-        </p:txBody>
-      </p:sp>
-      <p:sp>
-        <p:nvSpPr>
-          <p:cNvPr id="3" name="Content Placeholder 2">
-            <a:extLst>
-              <a:ext uri="{FF2B5EF4-FFF2-40B4-BE49-F238E27FC236}">
-                <a16:creationId xmlns:a16="http://schemas.microsoft.com/office/drawing/2014/main" id="{9DEBC682-0C7C-456E-94E7-AE960EDA31D0}"/>
-              </a:ext>
-            </a:extLst>
-          </p:cNvPr>
-          <p:cNvSpPr>
-            <a:spLocks noGrp="1"/>
-          </p:cNvSpPr>
-          <p:nvPr>
-            <p:ph idx="1"/>
-          </p:nvPr>
-        </p:nvSpPr>
-        <p:spPr/>
-        <p:txBody>
-          <a:bodyPr>
-            <a:normAutofit fontScale="62500" lnSpcReduction="20000"/>
-          </a:bodyPr>
-          <a:lstStyle/>
-          <a:p>
-            <a:pPr algn="l"/>
-            <a:r>
-              <a:rPr lang="en-US" b="0" i="0" dirty="0">
-                <a:solidFill>
-                  <a:srgbClr val="38556A"/>
-                </a:solidFill>
-                <a:effectLst/>
-                <a:latin typeface="Source Sans Pro" panose="020B0503030403020204" pitchFamily="34" charset="0"/>
-              </a:rPr>
-              <a:t>How the heap/code/static/stack memory of processes are switched/kept track of.</a:t>
-            </a:r>
-          </a:p>
-          <a:p>
-            <a:pPr algn="l"/>
-            <a:r>
-              <a:rPr lang="en-US" b="0" i="0" dirty="0">
-                <a:solidFill>
-                  <a:srgbClr val="38556A"/>
-                </a:solidFill>
-                <a:effectLst/>
-                <a:latin typeface="Source Sans Pro" panose="020B0503030403020204" pitchFamily="34" charset="0"/>
-              </a:rPr>
-              <a:t>Can you explain again how hardware contains multiple sets of registers to facilitate context switches?</a:t>
-            </a:r>
-          </a:p>
-          <a:p>
-            <a:pPr algn="l"/>
-            <a:r>
-              <a:rPr lang="en-US" b="0" i="0" dirty="0">
-                <a:solidFill>
-                  <a:srgbClr val="38556A"/>
-                </a:solidFill>
-                <a:effectLst/>
-                <a:latin typeface="Source Sans Pro" panose="020B0503030403020204" pitchFamily="34" charset="0"/>
-              </a:rPr>
-              <a:t>Always have trouble drawing the forking diagrams</a:t>
-            </a:r>
-          </a:p>
-          <a:p>
-            <a:pPr algn="l"/>
-            <a:r>
-              <a:rPr lang="en-US" b="0" i="0" dirty="0">
-                <a:solidFill>
-                  <a:srgbClr val="38556A"/>
-                </a:solidFill>
-                <a:effectLst/>
-                <a:latin typeface="Source Sans Pro" panose="020B0503030403020204" pitchFamily="34" charset="0"/>
-              </a:rPr>
-              <a:t>Do two processes ever actually run at the same time or are they really just switching so rapidly that it appears that they do</a:t>
-            </a:r>
-          </a:p>
-          <a:p>
-            <a:pPr algn="l"/>
-            <a:r>
-              <a:rPr lang="en-US" b="0" i="0" dirty="0">
-                <a:solidFill>
-                  <a:srgbClr val="38556A"/>
-                </a:solidFill>
-                <a:effectLst/>
-                <a:latin typeface="Source Sans Pro" panose="020B0503030403020204" pitchFamily="34" charset="0"/>
-              </a:rPr>
-              <a:t>Is there a priority with which processes waiting longer are chosen first or is it just the first process seen that gets executed?</a:t>
-            </a:r>
-          </a:p>
-          <a:p>
-            <a:pPr algn="l"/>
-            <a:r>
-              <a:rPr lang="en-US" b="0" i="0" dirty="0">
-                <a:solidFill>
-                  <a:srgbClr val="38556A"/>
-                </a:solidFill>
-                <a:effectLst/>
-                <a:latin typeface="Source Sans Pro" panose="020B0503030403020204" pitchFamily="34" charset="0"/>
-              </a:rPr>
-              <a:t>Is there a limit to how many PCBs a single CPU core can have?</a:t>
-            </a:r>
-          </a:p>
-          <a:p>
-            <a:pPr algn="l"/>
-            <a:r>
-              <a:rPr lang="en-US" b="0" i="0" dirty="0">
-                <a:solidFill>
-                  <a:srgbClr val="38556A"/>
-                </a:solidFill>
-                <a:effectLst/>
-                <a:latin typeface="Source Sans Pro" panose="020B0503030403020204" pitchFamily="34" charset="0"/>
-              </a:rPr>
-              <a:t>the last question: it is possible for a </a:t>
-            </a:r>
-            <a:r>
-              <a:rPr lang="en-US" b="0" i="0" dirty="0" err="1">
-                <a:solidFill>
-                  <a:srgbClr val="38556A"/>
-                </a:solidFill>
-                <a:effectLst/>
-                <a:latin typeface="Source Sans Pro" panose="020B0503030403020204" pitchFamily="34" charset="0"/>
-              </a:rPr>
-              <a:t>cpu</a:t>
-            </a:r>
-            <a:r>
-              <a:rPr lang="en-US" b="0" i="0" dirty="0">
-                <a:solidFill>
-                  <a:srgbClr val="38556A"/>
-                </a:solidFill>
-                <a:effectLst/>
-                <a:latin typeface="Source Sans Pro" panose="020B0503030403020204" pitchFamily="34" charset="0"/>
-              </a:rPr>
-              <a:t> to execute process in non-privileged mode immediately after privileged mode?</a:t>
-            </a:r>
-          </a:p>
-          <a:p>
-            <a:pPr algn="l"/>
-            <a:r>
-              <a:rPr lang="en-US" b="0" i="0" dirty="0">
-                <a:solidFill>
-                  <a:srgbClr val="38556A"/>
-                </a:solidFill>
-                <a:effectLst/>
-                <a:latin typeface="Source Sans Pro" panose="020B0503030403020204" pitchFamily="34" charset="0"/>
-              </a:rPr>
-              <a:t>Is a process that has 5 states and cannot skip the next states the most optimal way that was figured out by the programmers? What other way did they try when they were building the operating system?</a:t>
-            </a:r>
-          </a:p>
-          <a:p>
-            <a:pPr algn="l"/>
-            <a:r>
-              <a:rPr lang="en-US" b="0" i="0" dirty="0">
-                <a:solidFill>
-                  <a:srgbClr val="38556A"/>
-                </a:solidFill>
-                <a:effectLst/>
-                <a:latin typeface="Source Sans Pro" panose="020B0503030403020204" pitchFamily="34" charset="0"/>
-              </a:rPr>
-              <a:t>If parent have a variable. If its fork() child change it, does parent variable changed?</a:t>
-            </a:r>
-          </a:p>
-          <a:p>
-            <a:pPr algn="l"/>
-            <a:r>
-              <a:rPr lang="en-US" b="0" i="0" dirty="0">
-                <a:solidFill>
-                  <a:srgbClr val="38556A"/>
-                </a:solidFill>
-                <a:effectLst/>
-                <a:latin typeface="Source Sans Pro" panose="020B0503030403020204" pitchFamily="34" charset="0"/>
-              </a:rPr>
-              <a:t>why does the scheduler point to the context of the scheduler instead of a 'proc' struct (if the scheduler is a process like any other)</a:t>
-            </a:r>
-          </a:p>
-          <a:p>
-            <a:pPr algn="l"/>
-            <a:r>
-              <a:rPr lang="en-US" b="0" i="0" dirty="0">
-                <a:solidFill>
-                  <a:srgbClr val="38556A"/>
-                </a:solidFill>
-                <a:effectLst/>
-                <a:latin typeface="Source Sans Pro" panose="020B0503030403020204" pitchFamily="34" charset="0"/>
-              </a:rPr>
-              <a:t>What happens to an orphan process? Does it just stay alive and take up resources?</a:t>
-            </a:r>
-            <a:endParaRPr lang="en-US" dirty="0"/>
-          </a:p>
-        </p:txBody>
-      </p:sp>
-      <p:sp>
-        <p:nvSpPr>
-          <p:cNvPr id="4" name="Footer Placeholder 3">
-            <a:extLst>
-              <a:ext uri="{FF2B5EF4-FFF2-40B4-BE49-F238E27FC236}">
-                <a16:creationId xmlns:a16="http://schemas.microsoft.com/office/drawing/2014/main" id="{49BFC7E5-1EB2-4566-BA2C-847597400BCE}"/>
-              </a:ext>
-            </a:extLst>
-          </p:cNvPr>
-          <p:cNvSpPr>
-            <a:spLocks noGrp="1"/>
-          </p:cNvSpPr>
-          <p:nvPr>
-            <p:ph type="ftr" idx="11"/>
-          </p:nvPr>
-        </p:nvSpPr>
-        <p:spPr/>
-        <p:txBody>
-          <a:bodyPr/>
-          <a:lstStyle/>
-          <a:p>
-            <a:pPr>
-              <a:defRPr/>
-            </a:pPr>
-            <a:r>
-              <a:rPr lang="en-US">
-                <a:latin typeface="+mn-lt"/>
-              </a:rPr>
-              <a:t>CS/COE 1550 – Operating Systems – Sherif Khattab</a:t>
-            </a:r>
-            <a:endParaRPr lang="en-GB" dirty="0"/>
-          </a:p>
-        </p:txBody>
-      </p:sp>
-      <p:sp>
-        <p:nvSpPr>
-          <p:cNvPr id="5" name="Slide Number Placeholder 4">
-            <a:extLst>
-              <a:ext uri="{FF2B5EF4-FFF2-40B4-BE49-F238E27FC236}">
-                <a16:creationId xmlns:a16="http://schemas.microsoft.com/office/drawing/2014/main" id="{915ACCC4-DB67-445D-831A-5DAC29D7C118}"/>
-              </a:ext>
-            </a:extLst>
-          </p:cNvPr>
-          <p:cNvSpPr>
-            <a:spLocks noGrp="1"/>
-          </p:cNvSpPr>
-          <p:nvPr>
-            <p:ph type="sldNum" idx="12"/>
-          </p:nvPr>
-        </p:nvSpPr>
-        <p:spPr/>
-        <p:txBody>
-          <a:bodyPr/>
-          <a:lstStyle/>
-          <a:p>
-            <a:fld id="{65E435D9-63B0-4660-8D04-E83F5E2CA2AE}" type="slidenum">
-              <a:rPr lang="en-GB" altLang="en-US" smtClean="0"/>
-              <a:pPr/>
-              <a:t>5</a:t>
-            </a:fld>
-            <a:endParaRPr lang="en-GB" altLang="en-US" dirty="0"/>
-          </a:p>
-        </p:txBody>
-      </p:sp>
-    </p:spTree>
-    <p:extLst>
-      <p:ext uri="{BB962C8B-B14F-4D97-AF65-F5344CB8AC3E}">
-        <p14:creationId xmlns:p14="http://schemas.microsoft.com/office/powerpoint/2010/main" val="2601559611"/>
-      </p:ext>
-    </p:extLst>
-  </p:cSld>
-  <p:clrMapOvr>
-    <a:masterClrMapping/>
-  </p:clrMapOvr>
-  <p:timing>
-    <p:tnLst>
-      <p:par>
-        <p:cTn id="1" dur="indefinite" restart="never" nodeType="tmRoot">
-          <p:childTnLst>
-            <p:seq concurrent="1" nextAc="seek">
-              <p:cTn id="2" dur="indefinite" nodeType="mainSeq">
-                <p:childTnLst>
-                  <p:par>
-                    <p:cTn id="3" fill="hold">
-                      <p:stCondLst>
-                        <p:cond delay="indefinite"/>
-                      </p:stCondLst>
-                      <p:childTnLst>
-                        <p:par>
-                          <p:cTn id="4" fill="hold">
-                            <p:stCondLst>
-                              <p:cond delay="0"/>
-                            </p:stCondLst>
-                            <p:childTnLst>
-                              <p:par>
-                                <p:cTn id="5" presetID="1" presetClass="entr" presetSubtype="0" fill="hold" nodeType="clickEffect">
-                                  <p:stCondLst>
-                                    <p:cond delay="0"/>
-                                  </p:stCondLst>
-                                  <p:childTnLst>
-                                    <p:set>
-                                      <p:cBhvr>
-                                        <p:cTn id="6" dur="1" fill="hold">
-                                          <p:stCondLst>
-                                            <p:cond delay="0"/>
-                                          </p:stCondLst>
-                                        </p:cTn>
-                                        <p:tgtEl>
-                                          <p:spTgt spid="3">
-                                            <p:txEl>
-                                              <p:pRg st="0" end="0"/>
-                                            </p:txEl>
-                                          </p:spTgt>
-                                        </p:tgtEl>
-                                        <p:attrNameLst>
-                                          <p:attrName>style.visibility</p:attrName>
-                                        </p:attrNameLst>
-                                      </p:cBhvr>
-                                      <p:to>
-                                        <p:strVal val="visible"/>
-                                      </p:to>
-                                    </p:set>
-                                  </p:childTnLst>
-                                </p:cTn>
-                              </p:par>
-                            </p:childTnLst>
-                          </p:cTn>
-                        </p:par>
-                      </p:childTnLst>
-                    </p:cTn>
-                  </p:par>
-                  <p:par>
-                    <p:cTn id="7" fill="hold">
-                      <p:stCondLst>
-                        <p:cond delay="indefinite"/>
-                      </p:stCondLst>
-                      <p:childTnLst>
-                        <p:par>
-                          <p:cTn id="8" fill="hold">
-                            <p:stCondLst>
-                              <p:cond delay="0"/>
-                            </p:stCondLst>
-                            <p:childTnLst>
-                              <p:par>
-                                <p:cTn id="9" presetID="1" presetClass="entr" presetSubtype="0" fill="hold" nodeType="clickEffect">
-                                  <p:stCondLst>
-                                    <p:cond delay="0"/>
-                                  </p:stCondLst>
-                                  <p:childTnLst>
-                                    <p:set>
-                                      <p:cBhvr>
-                                        <p:cTn id="10" dur="1" fill="hold">
-                                          <p:stCondLst>
-                                            <p:cond delay="0"/>
-                                          </p:stCondLst>
-                                        </p:cTn>
-                                        <p:tgtEl>
-                                          <p:spTgt spid="3">
-                                            <p:txEl>
-                                              <p:pRg st="1" end="1"/>
-                                            </p:txEl>
-                                          </p:spTgt>
-                                        </p:tgtEl>
-                                        <p:attrNameLst>
-                                          <p:attrName>style.visibility</p:attrName>
-                                        </p:attrNameLst>
-                                      </p:cBhvr>
-                                      <p:to>
-                                        <p:strVal val="visible"/>
-                                      </p:to>
-                                    </p:set>
-                                  </p:childTnLst>
-                                </p:cTn>
-                              </p:par>
-                            </p:childTnLst>
-                          </p:cTn>
-                        </p:par>
-                      </p:childTnLst>
-                    </p:cTn>
-                  </p:par>
-                  <p:par>
-                    <p:cTn id="11" fill="hold">
-                      <p:stCondLst>
-                        <p:cond delay="indefinite"/>
-                      </p:stCondLst>
-                      <p:childTnLst>
-                        <p:par>
-                          <p:cTn id="12" fill="hold">
-                            <p:stCondLst>
-                              <p:cond delay="0"/>
-                            </p:stCondLst>
-                            <p:childTnLst>
-                              <p:par>
-                                <p:cTn id="13" presetID="1" presetClass="entr" presetSubtype="0" fill="hold" nodeType="clickEffect">
-                                  <p:stCondLst>
-                                    <p:cond delay="0"/>
-                                  </p:stCondLst>
-                                  <p:childTnLst>
-                                    <p:set>
-                                      <p:cBhvr>
-                                        <p:cTn id="14" dur="1" fill="hold">
-                                          <p:stCondLst>
-                                            <p:cond delay="0"/>
-                                          </p:stCondLst>
-                                        </p:cTn>
-                                        <p:tgtEl>
-                                          <p:spTgt spid="3">
-                                            <p:txEl>
-                                              <p:pRg st="2" end="2"/>
-                                            </p:txEl>
-                                          </p:spTgt>
-                                        </p:tgtEl>
-                                        <p:attrNameLst>
-                                          <p:attrName>style.visibility</p:attrName>
-                                        </p:attrNameLst>
-                                      </p:cBhvr>
-                                      <p:to>
-                                        <p:strVal val="visible"/>
-                                      </p:to>
-                                    </p:set>
-                                  </p:childTnLst>
-                                </p:cTn>
-                              </p:par>
-                            </p:childTnLst>
-                          </p:cTn>
-                        </p:par>
-                      </p:childTnLst>
-                    </p:cTn>
-                  </p:par>
-                  <p:par>
-                    <p:cTn id="15" fill="hold">
-                      <p:stCondLst>
-                        <p:cond delay="indefinite"/>
-                      </p:stCondLst>
-                      <p:childTnLst>
-                        <p:par>
-                          <p:cTn id="16" fill="hold">
-                            <p:stCondLst>
-                              <p:cond delay="0"/>
-                            </p:stCondLst>
-                            <p:childTnLst>
-                              <p:par>
-                                <p:cTn id="17" presetID="1" presetClass="entr" presetSubtype="0" fill="hold" nodeType="clickEffect">
-                                  <p:stCondLst>
-                                    <p:cond delay="0"/>
-                                  </p:stCondLst>
-                                  <p:childTnLst>
-                                    <p:set>
-                                      <p:cBhvr>
-                                        <p:cTn id="18" dur="1" fill="hold">
-                                          <p:stCondLst>
-                                            <p:cond delay="0"/>
-                                          </p:stCondLst>
-                                        </p:cTn>
-                                        <p:tgtEl>
-                                          <p:spTgt spid="3">
-                                            <p:txEl>
-                                              <p:pRg st="3" end="3"/>
-                                            </p:txEl>
-                                          </p:spTgt>
-                                        </p:tgtEl>
-                                        <p:attrNameLst>
-                                          <p:attrName>style.visibility</p:attrName>
-                                        </p:attrNameLst>
-                                      </p:cBhvr>
-                                      <p:to>
-                                        <p:strVal val="visible"/>
-                                      </p:to>
-                                    </p:set>
-                                  </p:childTnLst>
-                                </p:cTn>
-                              </p:par>
-                            </p:childTnLst>
-                          </p:cTn>
-                        </p:par>
-                      </p:childTnLst>
-                    </p:cTn>
-                  </p:par>
-                  <p:par>
-                    <p:cTn id="19" fill="hold">
-                      <p:stCondLst>
-                        <p:cond delay="indefinite"/>
-                      </p:stCondLst>
-                      <p:childTnLst>
-                        <p:par>
-                          <p:cTn id="20" fill="hold">
-                            <p:stCondLst>
-                              <p:cond delay="0"/>
-                            </p:stCondLst>
-                            <p:childTnLst>
-                              <p:par>
-                                <p:cTn id="21" presetID="1" presetClass="entr" presetSubtype="0" fill="hold" nodeType="clickEffect">
-                                  <p:stCondLst>
-                                    <p:cond delay="0"/>
-                                  </p:stCondLst>
-                                  <p:childTnLst>
-                                    <p:set>
-                                      <p:cBhvr>
-                                        <p:cTn id="22" dur="1" fill="hold">
-                                          <p:stCondLst>
-                                            <p:cond delay="0"/>
-                                          </p:stCondLst>
-                                        </p:cTn>
-                                        <p:tgtEl>
-                                          <p:spTgt spid="3">
-                                            <p:txEl>
-                                              <p:pRg st="4" end="4"/>
-                                            </p:txEl>
-                                          </p:spTgt>
-                                        </p:tgtEl>
-                                        <p:attrNameLst>
-                                          <p:attrName>style.visibility</p:attrName>
-                                        </p:attrNameLst>
-                                      </p:cBhvr>
-                                      <p:to>
-                                        <p:strVal val="visible"/>
-                                      </p:to>
-                                    </p:set>
-                                  </p:childTnLst>
-                                </p:cTn>
-                              </p:par>
-                            </p:childTnLst>
-                          </p:cTn>
-                        </p:par>
-                      </p:childTnLst>
-                    </p:cTn>
-                  </p:par>
-                  <p:par>
-                    <p:cTn id="23" fill="hold">
-                      <p:stCondLst>
-                        <p:cond delay="indefinite"/>
-                      </p:stCondLst>
-                      <p:childTnLst>
-                        <p:par>
-                          <p:cTn id="24" fill="hold">
-                            <p:stCondLst>
-                              <p:cond delay="0"/>
-                            </p:stCondLst>
-                            <p:childTnLst>
-                              <p:par>
-                                <p:cTn id="25" presetID="1" presetClass="entr" presetSubtype="0" fill="hold" nodeType="clickEffect">
-                                  <p:stCondLst>
-                                    <p:cond delay="0"/>
-                                  </p:stCondLst>
-                                  <p:childTnLst>
-                                    <p:set>
-                                      <p:cBhvr>
-                                        <p:cTn id="26" dur="1" fill="hold">
-                                          <p:stCondLst>
-                                            <p:cond delay="0"/>
-                                          </p:stCondLst>
-                                        </p:cTn>
-                                        <p:tgtEl>
-                                          <p:spTgt spid="3">
-                                            <p:txEl>
-                                              <p:pRg st="5" end="5"/>
-                                            </p:txEl>
-                                          </p:spTgt>
-                                        </p:tgtEl>
-                                        <p:attrNameLst>
-                                          <p:attrName>style.visibility</p:attrName>
-                                        </p:attrNameLst>
-                                      </p:cBhvr>
-                                      <p:to>
-                                        <p:strVal val="visible"/>
-                                      </p:to>
-                                    </p:set>
-                                  </p:childTnLst>
-                                </p:cTn>
-                              </p:par>
-                            </p:childTnLst>
-                          </p:cTn>
-                        </p:par>
-                      </p:childTnLst>
-                    </p:cTn>
-                  </p:par>
-                  <p:par>
-                    <p:cTn id="27" fill="hold">
-                      <p:stCondLst>
-                        <p:cond delay="indefinite"/>
-                      </p:stCondLst>
-                      <p:childTnLst>
-                        <p:par>
-                          <p:cTn id="28" fill="hold">
-                            <p:stCondLst>
-                              <p:cond delay="0"/>
-                            </p:stCondLst>
-                            <p:childTnLst>
-                              <p:par>
-                                <p:cTn id="29" presetID="1" presetClass="entr" presetSubtype="0" fill="hold" nodeType="clickEffect">
-                                  <p:stCondLst>
-                                    <p:cond delay="0"/>
-                                  </p:stCondLst>
-                                  <p:childTnLst>
-                                    <p:set>
-                                      <p:cBhvr>
-                                        <p:cTn id="30" dur="1" fill="hold">
-                                          <p:stCondLst>
-                                            <p:cond delay="0"/>
-                                          </p:stCondLst>
-                                        </p:cTn>
-                                        <p:tgtEl>
-                                          <p:spTgt spid="3">
-                                            <p:txEl>
-                                              <p:pRg st="6" end="6"/>
-                                            </p:txEl>
-                                          </p:spTgt>
-                                        </p:tgtEl>
-                                        <p:attrNameLst>
-                                          <p:attrName>style.visibility</p:attrName>
-                                        </p:attrNameLst>
-                                      </p:cBhvr>
-                                      <p:to>
-                                        <p:strVal val="visible"/>
-                                      </p:to>
-                                    </p:set>
-                                  </p:childTnLst>
-                                </p:cTn>
-                              </p:par>
-                            </p:childTnLst>
-                          </p:cTn>
-                        </p:par>
-                      </p:childTnLst>
-                    </p:cTn>
-                  </p:par>
-                  <p:par>
-                    <p:cTn id="31" fill="hold">
-                      <p:stCondLst>
-                        <p:cond delay="indefinite"/>
-                      </p:stCondLst>
-                      <p:childTnLst>
-                        <p:par>
-                          <p:cTn id="32" fill="hold">
-                            <p:stCondLst>
-                              <p:cond delay="0"/>
-                            </p:stCondLst>
-                            <p:childTnLst>
-                              <p:par>
-                                <p:cTn id="33" presetID="1" presetClass="entr" presetSubtype="0" fill="hold" nodeType="clickEffect">
-                                  <p:stCondLst>
-                                    <p:cond delay="0"/>
-                                  </p:stCondLst>
-                                  <p:childTnLst>
-                                    <p:set>
-                                      <p:cBhvr>
-                                        <p:cTn id="34" dur="1" fill="hold">
-                                          <p:stCondLst>
-                                            <p:cond delay="0"/>
-                                          </p:stCondLst>
-                                        </p:cTn>
-                                        <p:tgtEl>
-                                          <p:spTgt spid="3">
-                                            <p:txEl>
-                                              <p:pRg st="7" end="7"/>
-                                            </p:txEl>
-                                          </p:spTgt>
-                                        </p:tgtEl>
-                                        <p:attrNameLst>
-                                          <p:attrName>style.visibility</p:attrName>
-                                        </p:attrNameLst>
-                                      </p:cBhvr>
-                                      <p:to>
-                                        <p:strVal val="visible"/>
-                                      </p:to>
-                                    </p:set>
-                                  </p:childTnLst>
-                                </p:cTn>
-                              </p:par>
-                            </p:childTnLst>
-                          </p:cTn>
-                        </p:par>
-                      </p:childTnLst>
-                    </p:cTn>
-                  </p:par>
-                  <p:par>
-                    <p:cTn id="35" fill="hold">
-                      <p:stCondLst>
-                        <p:cond delay="indefinite"/>
-                      </p:stCondLst>
-                      <p:childTnLst>
-                        <p:par>
-                          <p:cTn id="36" fill="hold">
-                            <p:stCondLst>
-                              <p:cond delay="0"/>
-                            </p:stCondLst>
-                            <p:childTnLst>
-                              <p:par>
-                                <p:cTn id="37" presetID="1" presetClass="entr" presetSubtype="0" fill="hold" nodeType="clickEffect">
-                                  <p:stCondLst>
-                                    <p:cond delay="0"/>
-                                  </p:stCondLst>
-                                  <p:childTnLst>
-                                    <p:set>
-                                      <p:cBhvr>
-                                        <p:cTn id="38" dur="1" fill="hold">
-                                          <p:stCondLst>
-                                            <p:cond delay="0"/>
-                                          </p:stCondLst>
-                                        </p:cTn>
-                                        <p:tgtEl>
-                                          <p:spTgt spid="3">
-                                            <p:txEl>
-                                              <p:pRg st="8" end="8"/>
-                                            </p:txEl>
-                                          </p:spTgt>
-                                        </p:tgtEl>
-                                        <p:attrNameLst>
-                                          <p:attrName>style.visibility</p:attrName>
-                                        </p:attrNameLst>
-                                      </p:cBhvr>
-                                      <p:to>
-                                        <p:strVal val="visible"/>
-                                      </p:to>
-                                    </p:set>
-                                  </p:childTnLst>
-                                </p:cTn>
-                              </p:par>
-                            </p:childTnLst>
-                          </p:cTn>
-                        </p:par>
-                      </p:childTnLst>
-                    </p:cTn>
-                  </p:par>
-                  <p:par>
-                    <p:cTn id="39" fill="hold">
-                      <p:stCondLst>
-                        <p:cond delay="indefinite"/>
-                      </p:stCondLst>
-                      <p:childTnLst>
-                        <p:par>
-                          <p:cTn id="40" fill="hold">
-                            <p:stCondLst>
-                              <p:cond delay="0"/>
-                            </p:stCondLst>
-                            <p:childTnLst>
-                              <p:par>
-                                <p:cTn id="41" presetID="1" presetClass="entr" presetSubtype="0" fill="hold" nodeType="clickEffect">
-                                  <p:stCondLst>
-                                    <p:cond delay="0"/>
-                                  </p:stCondLst>
-                                  <p:childTnLst>
-                                    <p:set>
-                                      <p:cBhvr>
-                                        <p:cTn id="42" dur="1" fill="hold">
-                                          <p:stCondLst>
-                                            <p:cond delay="0"/>
-                                          </p:stCondLst>
-                                        </p:cTn>
-                                        <p:tgtEl>
-                                          <p:spTgt spid="3">
-                                            <p:txEl>
-                                              <p:pRg st="9" end="9"/>
-                                            </p:txEl>
-                                          </p:spTgt>
-                                        </p:tgtEl>
-                                        <p:attrNameLst>
-                                          <p:attrName>style.visibility</p:attrName>
-                                        </p:attrNameLst>
-                                      </p:cBhvr>
-                                      <p:to>
-                                        <p:strVal val="visible"/>
-                                      </p:to>
-                                    </p:set>
-                                  </p:childTnLst>
-                                </p:cTn>
-                              </p:par>
-                            </p:childTnLst>
-                          </p:cTn>
-                        </p:par>
-                      </p:childTnLst>
-                    </p:cTn>
-                  </p:par>
-                  <p:par>
-                    <p:cTn id="43" fill="hold">
-                      <p:stCondLst>
-                        <p:cond delay="indefinite"/>
-                      </p:stCondLst>
-                      <p:childTnLst>
-                        <p:par>
-                          <p:cTn id="44" fill="hold">
-                            <p:stCondLst>
-                              <p:cond delay="0"/>
-                            </p:stCondLst>
-                            <p:childTnLst>
-                              <p:par>
-                                <p:cTn id="45" presetID="1" presetClass="entr" presetSubtype="0" fill="hold" nodeType="clickEffect">
-                                  <p:stCondLst>
-                                    <p:cond delay="0"/>
-                                  </p:stCondLst>
-                                  <p:childTnLst>
-                                    <p:set>
-                                      <p:cBhvr>
-                                        <p:cTn id="46" dur="1" fill="hold">
-                                          <p:stCondLst>
-                                            <p:cond delay="0"/>
-                                          </p:stCondLst>
-                                        </p:cTn>
-                                        <p:tgtEl>
-                                          <p:spTgt spid="3">
-                                            <p:txEl>
-                                              <p:pRg st="10" end="10"/>
-                                            </p:txEl>
-                                          </p:spTgt>
-                                        </p:tgtEl>
-                                        <p:attrNameLst>
-                                          <p:attrName>style.visibility</p:attrName>
-                                        </p:attrNameLst>
-                                      </p:cBhvr>
-                                      <p:to>
-                                        <p:strVal val="visible"/>
-                                      </p:to>
-                                    </p:set>
-                                  </p:childTnLst>
-                                </p:cTn>
-                              </p:par>
-                            </p:childTnLst>
-                          </p:cTn>
-                        </p:par>
-                      </p:childTnLst>
-                    </p:cTn>
-                  </p:par>
-                </p:childTnLst>
-              </p:cTn>
-              <p:prevCondLst>
-                <p:cond evt="onPrev" delay="0">
-                  <p:tgtEl>
-                    <p:sldTgt/>
-                  </p:tgtEl>
-                </p:cond>
-              </p:prevCondLst>
-              <p:nextCondLst>
-                <p:cond evt="onNext" delay="0">
-                  <p:tgtEl>
-                    <p:sldTgt/>
-                  </p:tgtEl>
-                </p:cond>
-              </p:nextCondLst>
-            </p:seq>
-          </p:childTnLst>
-        </p:cTn>
-      </p:par>
-    </p:tnLst>
-  </p:timing>
-</p:sld>
-</file>
-
-<file path=ppt/slides/slide6.xml><?xml version="1.0" encoding="utf-8"?>
-<p:sld xmlns:a="http://schemas.openxmlformats.org/drawingml/2006/main" xmlns:r="http://schemas.openxmlformats.org/officeDocument/2006/relationships" xmlns:p="http://schemas.openxmlformats.org/presentationml/2006/main">
-  <p:cSld>
-    <p:spTree>
-      <p:nvGrpSpPr>
-        <p:cNvPr id="1" name=""/>
-        <p:cNvGrpSpPr/>
-        <p:nvPr/>
-      </p:nvGrpSpPr>
-      <p:grpSpPr>
-        <a:xfrm>
-          <a:off x="0" y="0"/>
-          <a:ext cx="0" cy="0"/>
-          <a:chOff x="0" y="0"/>
-          <a:chExt cx="0" cy="0"/>
-        </a:xfrm>
-      </p:grpSpPr>
-      <p:sp>
-        <p:nvSpPr>
-          <p:cNvPr id="2" name="Title 1">
-            <a:extLst>
-              <a:ext uri="{FF2B5EF4-FFF2-40B4-BE49-F238E27FC236}">
-                <a16:creationId xmlns:a16="http://schemas.microsoft.com/office/drawing/2014/main" id="{1E7BE3A4-9ACC-45F0-9109-92A2F1C1B7FF}"/>
-              </a:ext>
-            </a:extLst>
-          </p:cNvPr>
-          <p:cNvSpPr>
-            <a:spLocks noGrp="1"/>
-          </p:cNvSpPr>
-          <p:nvPr>
-            <p:ph type="title"/>
-          </p:nvPr>
-        </p:nvSpPr>
-        <p:spPr/>
-        <p:txBody>
-          <a:bodyPr/>
-          <a:lstStyle/>
-          <a:p>
-            <a:r>
-              <a:rPr lang="en-US"/>
-              <a:t>Muddiest points</a:t>
-            </a:r>
-          </a:p>
-        </p:txBody>
-      </p:sp>
-      <p:sp>
-        <p:nvSpPr>
-          <p:cNvPr id="3" name="Content Placeholder 2">
-            <a:extLst>
-              <a:ext uri="{FF2B5EF4-FFF2-40B4-BE49-F238E27FC236}">
-                <a16:creationId xmlns:a16="http://schemas.microsoft.com/office/drawing/2014/main" id="{E1064C43-9078-4C76-A016-C8AE45AE9774}"/>
-              </a:ext>
-            </a:extLst>
-          </p:cNvPr>
-          <p:cNvSpPr>
-            <a:spLocks noGrp="1"/>
-          </p:cNvSpPr>
-          <p:nvPr>
-            <p:ph idx="1"/>
-          </p:nvPr>
-        </p:nvSpPr>
-        <p:spPr>
-          <a:xfrm>
-            <a:off x="0" y="890640"/>
-            <a:ext cx="10096296" cy="6567487"/>
-          </a:xfrm>
-        </p:spPr>
-        <p:txBody>
-          <a:bodyPr>
-            <a:normAutofit fontScale="55000" lnSpcReduction="20000"/>
-          </a:bodyPr>
-          <a:lstStyle/>
-          <a:p>
-            <a:pPr algn="l"/>
-            <a:r>
-              <a:rPr lang="en-US" b="0" i="0" dirty="0">
-                <a:solidFill>
-                  <a:srgbClr val="38556A"/>
-                </a:solidFill>
-                <a:effectLst/>
-                <a:latin typeface="Source Sans Pro" panose="020B0503030403020204" pitchFamily="34" charset="0"/>
-              </a:rPr>
-              <a:t>When a child process calls fork, is it assigned a new </a:t>
-            </a:r>
-            <a:r>
-              <a:rPr lang="en-US" b="0" i="0" dirty="0" err="1">
-                <a:solidFill>
-                  <a:srgbClr val="38556A"/>
-                </a:solidFill>
-                <a:effectLst/>
-                <a:latin typeface="Source Sans Pro" panose="020B0503030403020204" pitchFamily="34" charset="0"/>
-              </a:rPr>
-              <a:t>pid</a:t>
-            </a:r>
-            <a:r>
-              <a:rPr lang="en-US" b="0" i="0" dirty="0">
-                <a:solidFill>
-                  <a:srgbClr val="38556A"/>
-                </a:solidFill>
-                <a:effectLst/>
-                <a:latin typeface="Source Sans Pro" panose="020B0503030403020204" pitchFamily="34" charset="0"/>
-              </a:rPr>
-              <a:t>, and is that reflected in its parent process?</a:t>
-            </a:r>
-          </a:p>
-          <a:p>
-            <a:pPr algn="l"/>
-            <a:r>
-              <a:rPr lang="en-US" b="0" i="0" dirty="0">
-                <a:solidFill>
-                  <a:srgbClr val="38556A"/>
-                </a:solidFill>
-                <a:effectLst/>
-                <a:latin typeface="Source Sans Pro" panose="020B0503030403020204" pitchFamily="34" charset="0"/>
-              </a:rPr>
-              <a:t>Fork, and all the </a:t>
-            </a:r>
-            <a:r>
-              <a:rPr lang="en-US" b="0" i="0" dirty="0" err="1">
-                <a:solidFill>
-                  <a:srgbClr val="38556A"/>
-                </a:solidFill>
-                <a:effectLst/>
-                <a:latin typeface="Source Sans Pro" panose="020B0503030403020204" pitchFamily="34" charset="0"/>
-              </a:rPr>
-              <a:t>pcb</a:t>
-            </a:r>
-            <a:r>
-              <a:rPr lang="en-US" b="0" i="0" dirty="0">
-                <a:solidFill>
-                  <a:srgbClr val="38556A"/>
-                </a:solidFill>
-                <a:effectLst/>
-                <a:latin typeface="Source Sans Pro" panose="020B0503030403020204" pitchFamily="34" charset="0"/>
-              </a:rPr>
-              <a:t> and how it switches. Even though you said you’d never ask about it</a:t>
-            </a:r>
-          </a:p>
-          <a:p>
-            <a:pPr algn="l"/>
-            <a:r>
-              <a:rPr lang="en-US" b="0" i="0" dirty="0">
-                <a:solidFill>
-                  <a:srgbClr val="38556A"/>
-                </a:solidFill>
-                <a:effectLst/>
-                <a:latin typeface="Source Sans Pro" panose="020B0503030403020204" pitchFamily="34" charset="0"/>
-              </a:rPr>
-              <a:t>short term vs long term scheduling purposes</a:t>
-            </a:r>
-          </a:p>
-          <a:p>
-            <a:pPr algn="l"/>
-            <a:r>
-              <a:rPr lang="en-US" b="0" i="0" dirty="0">
-                <a:solidFill>
-                  <a:srgbClr val="38556A"/>
-                </a:solidFill>
-                <a:effectLst/>
-                <a:latin typeface="Source Sans Pro" panose="020B0503030403020204" pitchFamily="34" charset="0"/>
-              </a:rPr>
-              <a:t>Does the medium term scheduler conflict with the long term scheduler? (with swapping in and out)</a:t>
-            </a:r>
-          </a:p>
-          <a:p>
-            <a:pPr algn="l"/>
-            <a:r>
-              <a:rPr lang="en-US" b="0" i="0" dirty="0">
-                <a:solidFill>
-                  <a:srgbClr val="38556A"/>
-                </a:solidFill>
-                <a:effectLst/>
-                <a:latin typeface="Source Sans Pro" panose="020B0503030403020204" pitchFamily="34" charset="0"/>
-              </a:rPr>
-              <a:t>forking multiple times / do all processes have a common parent if you travel backwards far enough?</a:t>
-            </a:r>
-          </a:p>
-          <a:p>
-            <a:pPr algn="l"/>
-            <a:r>
-              <a:rPr lang="en-US" b="0" i="0" dirty="0">
-                <a:solidFill>
-                  <a:srgbClr val="38556A"/>
-                </a:solidFill>
-                <a:effectLst/>
-                <a:latin typeface="Source Sans Pro" panose="020B0503030403020204" pitchFamily="34" charset="0"/>
-              </a:rPr>
-              <a:t>the animation was a bit confusing, I was lost while trying to follow along and not sure which are things to focus on and relevant for this class</a:t>
-            </a:r>
-          </a:p>
-          <a:p>
-            <a:pPr algn="l"/>
-            <a:br>
-              <a:rPr lang="en-US" b="0" i="0" dirty="0">
-                <a:solidFill>
-                  <a:srgbClr val="38556A"/>
-                </a:solidFill>
-                <a:effectLst/>
-                <a:latin typeface="Source Sans Pro" panose="020B0503030403020204" pitchFamily="34" charset="0"/>
-              </a:rPr>
-            </a:br>
-            <a:r>
-              <a:rPr lang="en-US" b="0" i="0" dirty="0">
-                <a:solidFill>
-                  <a:srgbClr val="38556A"/>
-                </a:solidFill>
-                <a:effectLst/>
-                <a:latin typeface="Source Sans Pro" panose="020B0503030403020204" pitchFamily="34" charset="0"/>
-              </a:rPr>
-              <a:t>Can you make a high-level list for the steps of context switching?</a:t>
-            </a:r>
-          </a:p>
-          <a:p>
-            <a:pPr algn="l"/>
-            <a:r>
-              <a:rPr lang="en-US" b="0" i="0" dirty="0">
-                <a:solidFill>
-                  <a:srgbClr val="38556A"/>
-                </a:solidFill>
-                <a:effectLst/>
-                <a:latin typeface="Source Sans Pro" panose="020B0503030403020204" pitchFamily="34" charset="0"/>
-              </a:rPr>
-              <a:t>what does </a:t>
-            </a:r>
-            <a:r>
-              <a:rPr lang="en-US" b="0" i="0" dirty="0" err="1">
-                <a:solidFill>
-                  <a:srgbClr val="38556A"/>
-                </a:solidFill>
-                <a:effectLst/>
-                <a:latin typeface="Source Sans Pro" panose="020B0503030403020204" pitchFamily="34" charset="0"/>
-              </a:rPr>
-              <a:t>myproc</a:t>
-            </a:r>
-            <a:r>
-              <a:rPr lang="en-US" b="0" i="0" dirty="0">
-                <a:solidFill>
-                  <a:srgbClr val="38556A"/>
-                </a:solidFill>
-                <a:effectLst/>
-                <a:latin typeface="Source Sans Pro" panose="020B0503030403020204" pitchFamily="34" charset="0"/>
-              </a:rPr>
-              <a:t>() return: is it just a pointer to the current proc?</a:t>
-            </a:r>
-          </a:p>
-          <a:p>
-            <a:pPr algn="l"/>
-            <a:r>
-              <a:rPr lang="en-US" b="0" i="0" dirty="0">
-                <a:solidFill>
-                  <a:srgbClr val="38556A"/>
-                </a:solidFill>
-                <a:effectLst/>
-                <a:latin typeface="Source Sans Pro" panose="020B0503030403020204" pitchFamily="34" charset="0"/>
-              </a:rPr>
-              <a:t>How do you tell if a parent and child are executing concurrently, or if the parent waits until the child terminates.</a:t>
-            </a:r>
-          </a:p>
-          <a:p>
-            <a:pPr algn="l"/>
-            <a:r>
-              <a:rPr lang="en-US" b="0" i="0" dirty="0">
-                <a:solidFill>
-                  <a:srgbClr val="38556A"/>
-                </a:solidFill>
-                <a:effectLst/>
-                <a:latin typeface="Source Sans Pro" panose="020B0503030403020204" pitchFamily="34" charset="0"/>
-              </a:rPr>
-              <a:t>Can you explain how a parent process uses wait()</a:t>
-            </a:r>
-          </a:p>
-          <a:p>
-            <a:pPr algn="l"/>
-            <a:r>
-              <a:rPr lang="en-US" b="0" i="0" dirty="0">
-                <a:solidFill>
-                  <a:srgbClr val="38556A"/>
-                </a:solidFill>
-                <a:effectLst/>
-                <a:latin typeface="Source Sans Pro" panose="020B0503030403020204" pitchFamily="34" charset="0"/>
-              </a:rPr>
-              <a:t>if you call fork() twice in a row so that each process forks again, does each process have a completely separate Id that you can track?</a:t>
-            </a:r>
-          </a:p>
-          <a:p>
-            <a:pPr algn="l"/>
-            <a:r>
-              <a:rPr lang="en-US" b="0" i="0" dirty="0">
-                <a:solidFill>
-                  <a:srgbClr val="38556A"/>
-                </a:solidFill>
-                <a:effectLst/>
-                <a:latin typeface="Source Sans Pro" panose="020B0503030403020204" pitchFamily="34" charset="0"/>
-              </a:rPr>
-              <a:t>Does the </a:t>
-            </a:r>
-            <a:r>
-              <a:rPr lang="en-US" b="0" i="0" dirty="0" err="1">
-                <a:solidFill>
-                  <a:srgbClr val="38556A"/>
-                </a:solidFill>
-                <a:effectLst/>
-                <a:latin typeface="Source Sans Pro" panose="020B0503030403020204" pitchFamily="34" charset="0"/>
-              </a:rPr>
-              <a:t>init</a:t>
-            </a:r>
-            <a:r>
-              <a:rPr lang="en-US" b="0" i="0" dirty="0">
-                <a:solidFill>
-                  <a:srgbClr val="38556A"/>
-                </a:solidFill>
-                <a:effectLst/>
-                <a:latin typeface="Source Sans Pro" panose="020B0503030403020204" pitchFamily="34" charset="0"/>
-              </a:rPr>
-              <a:t> process ever wait on collected orphans to clear away zombies?</a:t>
-            </a:r>
-          </a:p>
-          <a:p>
-            <a:pPr algn="l"/>
-            <a:r>
-              <a:rPr lang="en-US" b="0" i="0" dirty="0">
-                <a:solidFill>
-                  <a:srgbClr val="38556A"/>
-                </a:solidFill>
-                <a:effectLst/>
-                <a:latin typeface="Source Sans Pro" panose="020B0503030403020204" pitchFamily="34" charset="0"/>
-              </a:rPr>
-              <a:t>Was confused about the return value == 0 in the fork diagram tree</a:t>
-            </a:r>
-          </a:p>
-        </p:txBody>
-      </p:sp>
-      <p:sp>
-        <p:nvSpPr>
-          <p:cNvPr id="4" name="Footer Placeholder 3">
-            <a:extLst>
-              <a:ext uri="{FF2B5EF4-FFF2-40B4-BE49-F238E27FC236}">
-                <a16:creationId xmlns:a16="http://schemas.microsoft.com/office/drawing/2014/main" id="{F647DAB6-60C6-4D52-820A-55811E8B2785}"/>
-              </a:ext>
-            </a:extLst>
-          </p:cNvPr>
-          <p:cNvSpPr>
-            <a:spLocks noGrp="1"/>
-          </p:cNvSpPr>
-          <p:nvPr>
-            <p:ph type="ftr" idx="11"/>
-          </p:nvPr>
-        </p:nvSpPr>
-        <p:spPr/>
-        <p:txBody>
-          <a:bodyPr/>
-          <a:lstStyle/>
-          <a:p>
-            <a:pPr>
-              <a:defRPr/>
-            </a:pPr>
-            <a:r>
-              <a:rPr lang="en-US">
-                <a:latin typeface="+mn-lt"/>
-              </a:rPr>
-              <a:t>CS/COE 1550 – Operating Systems – Sherif Khattab</a:t>
-            </a:r>
-            <a:endParaRPr lang="en-GB"/>
-          </a:p>
-        </p:txBody>
-      </p:sp>
-      <p:sp>
-        <p:nvSpPr>
-          <p:cNvPr id="5" name="Slide Number Placeholder 4">
-            <a:extLst>
-              <a:ext uri="{FF2B5EF4-FFF2-40B4-BE49-F238E27FC236}">
-                <a16:creationId xmlns:a16="http://schemas.microsoft.com/office/drawing/2014/main" id="{42CF592C-BB31-4195-BF5C-E5FC2BB55D9B}"/>
-              </a:ext>
-            </a:extLst>
-          </p:cNvPr>
-          <p:cNvSpPr>
-            <a:spLocks noGrp="1"/>
-          </p:cNvSpPr>
-          <p:nvPr>
-            <p:ph type="sldNum" idx="12"/>
-          </p:nvPr>
-        </p:nvSpPr>
-        <p:spPr/>
-        <p:txBody>
-          <a:bodyPr/>
-          <a:lstStyle/>
-          <a:p>
-            <a:fld id="{65E435D9-63B0-4660-8D04-E83F5E2CA2AE}" type="slidenum">
-              <a:rPr lang="en-GB" altLang="en-US" smtClean="0"/>
-              <a:pPr/>
-              <a:t>6</a:t>
-            </a:fld>
-            <a:endParaRPr lang="en-GB" altLang="en-US"/>
-          </a:p>
-        </p:txBody>
-      </p:sp>
-    </p:spTree>
-    <p:extLst>
-      <p:ext uri="{BB962C8B-B14F-4D97-AF65-F5344CB8AC3E}">
-        <p14:creationId xmlns:p14="http://schemas.microsoft.com/office/powerpoint/2010/main" val="3238743984"/>
-      </p:ext>
-    </p:extLst>
-  </p:cSld>
-  <p:clrMapOvr>
-    <a:masterClrMapping/>
-  </p:clrMapOvr>
-  <p:timing>
-    <p:tnLst>
-      <p:par>
-        <p:cTn id="1" dur="indefinite" restart="never" nodeType="tmRoot">
-          <p:childTnLst>
-            <p:seq concurrent="1" nextAc="seek">
-              <p:cTn id="2" dur="indefinite" nodeType="mainSeq">
-                <p:childTnLst>
-                  <p:par>
-                    <p:cTn id="3" fill="hold">
-                      <p:stCondLst>
-                        <p:cond delay="indefinite"/>
-                      </p:stCondLst>
-                      <p:childTnLst>
-                        <p:par>
-                          <p:cTn id="4" fill="hold">
-                            <p:stCondLst>
-                              <p:cond delay="0"/>
-                            </p:stCondLst>
-                            <p:childTnLst>
-                              <p:par>
-                                <p:cTn id="5" presetID="1" presetClass="entr" presetSubtype="0" fill="hold" nodeType="clickEffect">
-                                  <p:stCondLst>
-                                    <p:cond delay="0"/>
-                                  </p:stCondLst>
-                                  <p:childTnLst>
-                                    <p:set>
-                                      <p:cBhvr>
-                                        <p:cTn id="6" dur="1" fill="hold">
-                                          <p:stCondLst>
-                                            <p:cond delay="0"/>
-                                          </p:stCondLst>
-                                        </p:cTn>
-                                        <p:tgtEl>
-                                          <p:spTgt spid="3">
-                                            <p:txEl>
-                                              <p:pRg st="0" end="0"/>
-                                            </p:txEl>
-                                          </p:spTgt>
-                                        </p:tgtEl>
-                                        <p:attrNameLst>
-                                          <p:attrName>style.visibility</p:attrName>
-                                        </p:attrNameLst>
-                                      </p:cBhvr>
-                                      <p:to>
-                                        <p:strVal val="visible"/>
-                                      </p:to>
-                                    </p:set>
-                                  </p:childTnLst>
-                                </p:cTn>
-                              </p:par>
-                            </p:childTnLst>
-                          </p:cTn>
-                        </p:par>
-                      </p:childTnLst>
-                    </p:cTn>
-                  </p:par>
-                  <p:par>
-                    <p:cTn id="7" fill="hold">
-                      <p:stCondLst>
-                        <p:cond delay="indefinite"/>
-                      </p:stCondLst>
-                      <p:childTnLst>
-                        <p:par>
-                          <p:cTn id="8" fill="hold">
-                            <p:stCondLst>
-                              <p:cond delay="0"/>
-                            </p:stCondLst>
-                            <p:childTnLst>
-                              <p:par>
-                                <p:cTn id="9" presetID="1" presetClass="entr" presetSubtype="0" fill="hold" nodeType="clickEffect">
-                                  <p:stCondLst>
-                                    <p:cond delay="0"/>
-                                  </p:stCondLst>
-                                  <p:childTnLst>
-                                    <p:set>
-                                      <p:cBhvr>
-                                        <p:cTn id="10" dur="1" fill="hold">
-                                          <p:stCondLst>
-                                            <p:cond delay="0"/>
-                                          </p:stCondLst>
-                                        </p:cTn>
-                                        <p:tgtEl>
-                                          <p:spTgt spid="3">
-                                            <p:txEl>
-                                              <p:pRg st="1" end="1"/>
-                                            </p:txEl>
-                                          </p:spTgt>
-                                        </p:tgtEl>
-                                        <p:attrNameLst>
-                                          <p:attrName>style.visibility</p:attrName>
-                                        </p:attrNameLst>
-                                      </p:cBhvr>
-                                      <p:to>
-                                        <p:strVal val="visible"/>
-                                      </p:to>
-                                    </p:set>
-                                  </p:childTnLst>
-                                </p:cTn>
-                              </p:par>
-                            </p:childTnLst>
-                          </p:cTn>
-                        </p:par>
-                      </p:childTnLst>
-                    </p:cTn>
-                  </p:par>
-                  <p:par>
-                    <p:cTn id="11" fill="hold">
-                      <p:stCondLst>
-                        <p:cond delay="indefinite"/>
-                      </p:stCondLst>
-                      <p:childTnLst>
-                        <p:par>
-                          <p:cTn id="12" fill="hold">
-                            <p:stCondLst>
-                              <p:cond delay="0"/>
-                            </p:stCondLst>
-                            <p:childTnLst>
-                              <p:par>
-                                <p:cTn id="13" presetID="1" presetClass="entr" presetSubtype="0" fill="hold" nodeType="clickEffect">
-                                  <p:stCondLst>
-                                    <p:cond delay="0"/>
-                                  </p:stCondLst>
-                                  <p:childTnLst>
-                                    <p:set>
-                                      <p:cBhvr>
-                                        <p:cTn id="14" dur="1" fill="hold">
-                                          <p:stCondLst>
-                                            <p:cond delay="0"/>
-                                          </p:stCondLst>
-                                        </p:cTn>
-                                        <p:tgtEl>
-                                          <p:spTgt spid="3">
-                                            <p:txEl>
-                                              <p:pRg st="2" end="2"/>
-                                            </p:txEl>
-                                          </p:spTgt>
-                                        </p:tgtEl>
-                                        <p:attrNameLst>
-                                          <p:attrName>style.visibility</p:attrName>
-                                        </p:attrNameLst>
-                                      </p:cBhvr>
-                                      <p:to>
-                                        <p:strVal val="visible"/>
-                                      </p:to>
-                                    </p:set>
-                                  </p:childTnLst>
-                                </p:cTn>
-                              </p:par>
-                            </p:childTnLst>
-                          </p:cTn>
-                        </p:par>
-                      </p:childTnLst>
-                    </p:cTn>
-                  </p:par>
-                  <p:par>
-                    <p:cTn id="15" fill="hold">
-                      <p:stCondLst>
-                        <p:cond delay="indefinite"/>
-                      </p:stCondLst>
-                      <p:childTnLst>
-                        <p:par>
-                          <p:cTn id="16" fill="hold">
-                            <p:stCondLst>
-                              <p:cond delay="0"/>
-                            </p:stCondLst>
-                            <p:childTnLst>
-                              <p:par>
-                                <p:cTn id="17" presetID="1" presetClass="entr" presetSubtype="0" fill="hold" nodeType="clickEffect">
-                                  <p:stCondLst>
-                                    <p:cond delay="0"/>
-                                  </p:stCondLst>
-                                  <p:childTnLst>
-                                    <p:set>
-                                      <p:cBhvr>
-                                        <p:cTn id="18" dur="1" fill="hold">
-                                          <p:stCondLst>
-                                            <p:cond delay="0"/>
-                                          </p:stCondLst>
-                                        </p:cTn>
-                                        <p:tgtEl>
-                                          <p:spTgt spid="3">
-                                            <p:txEl>
-                                              <p:pRg st="3" end="3"/>
-                                            </p:txEl>
-                                          </p:spTgt>
-                                        </p:tgtEl>
-                                        <p:attrNameLst>
-                                          <p:attrName>style.visibility</p:attrName>
-                                        </p:attrNameLst>
-                                      </p:cBhvr>
-                                      <p:to>
-                                        <p:strVal val="visible"/>
-                                      </p:to>
-                                    </p:set>
-                                  </p:childTnLst>
-                                </p:cTn>
-                              </p:par>
-                            </p:childTnLst>
-                          </p:cTn>
-                        </p:par>
-                      </p:childTnLst>
-                    </p:cTn>
-                  </p:par>
-                  <p:par>
-                    <p:cTn id="19" fill="hold">
-                      <p:stCondLst>
-                        <p:cond delay="indefinite"/>
-                      </p:stCondLst>
-                      <p:childTnLst>
-                        <p:par>
-                          <p:cTn id="20" fill="hold">
-                            <p:stCondLst>
-                              <p:cond delay="0"/>
-                            </p:stCondLst>
-                            <p:childTnLst>
-                              <p:par>
-                                <p:cTn id="21" presetID="1" presetClass="entr" presetSubtype="0" fill="hold" nodeType="clickEffect">
-                                  <p:stCondLst>
-                                    <p:cond delay="0"/>
-                                  </p:stCondLst>
-                                  <p:childTnLst>
-                                    <p:set>
-                                      <p:cBhvr>
-                                        <p:cTn id="22" dur="1" fill="hold">
-                                          <p:stCondLst>
-                                            <p:cond delay="0"/>
-                                          </p:stCondLst>
-                                        </p:cTn>
-                                        <p:tgtEl>
-                                          <p:spTgt spid="3">
-                                            <p:txEl>
-                                              <p:pRg st="4" end="4"/>
-                                            </p:txEl>
-                                          </p:spTgt>
-                                        </p:tgtEl>
-                                        <p:attrNameLst>
-                                          <p:attrName>style.visibility</p:attrName>
-                                        </p:attrNameLst>
-                                      </p:cBhvr>
-                                      <p:to>
-                                        <p:strVal val="visible"/>
-                                      </p:to>
-                                    </p:set>
-                                  </p:childTnLst>
-                                </p:cTn>
-                              </p:par>
-                            </p:childTnLst>
-                          </p:cTn>
-                        </p:par>
-                      </p:childTnLst>
-                    </p:cTn>
-                  </p:par>
-                  <p:par>
-                    <p:cTn id="23" fill="hold">
-                      <p:stCondLst>
-                        <p:cond delay="indefinite"/>
-                      </p:stCondLst>
-                      <p:childTnLst>
-                        <p:par>
-                          <p:cTn id="24" fill="hold">
-                            <p:stCondLst>
-                              <p:cond delay="0"/>
-                            </p:stCondLst>
-                            <p:childTnLst>
-                              <p:par>
-                                <p:cTn id="25" presetID="1" presetClass="entr" presetSubtype="0" fill="hold" nodeType="clickEffect">
-                                  <p:stCondLst>
-                                    <p:cond delay="0"/>
-                                  </p:stCondLst>
-                                  <p:childTnLst>
-                                    <p:set>
-                                      <p:cBhvr>
-                                        <p:cTn id="26" dur="1" fill="hold">
-                                          <p:stCondLst>
-                                            <p:cond delay="0"/>
-                                          </p:stCondLst>
-                                        </p:cTn>
-                                        <p:tgtEl>
-                                          <p:spTgt spid="3">
-                                            <p:txEl>
-                                              <p:pRg st="5" end="5"/>
-                                            </p:txEl>
-                                          </p:spTgt>
-                                        </p:tgtEl>
-                                        <p:attrNameLst>
-                                          <p:attrName>style.visibility</p:attrName>
-                                        </p:attrNameLst>
-                                      </p:cBhvr>
-                                      <p:to>
-                                        <p:strVal val="visible"/>
-                                      </p:to>
-                                    </p:set>
-                                  </p:childTnLst>
-                                </p:cTn>
-                              </p:par>
-                            </p:childTnLst>
-                          </p:cTn>
-                        </p:par>
-                      </p:childTnLst>
-                    </p:cTn>
-                  </p:par>
-                  <p:par>
-                    <p:cTn id="27" fill="hold">
-                      <p:stCondLst>
-                        <p:cond delay="indefinite"/>
-                      </p:stCondLst>
-                      <p:childTnLst>
-                        <p:par>
-                          <p:cTn id="28" fill="hold">
-                            <p:stCondLst>
-                              <p:cond delay="0"/>
-                            </p:stCondLst>
-                            <p:childTnLst>
-                              <p:par>
-                                <p:cTn id="29" presetID="1" presetClass="entr" presetSubtype="0" fill="hold" nodeType="clickEffect">
-                                  <p:stCondLst>
-                                    <p:cond delay="0"/>
-                                  </p:stCondLst>
-                                  <p:childTnLst>
-                                    <p:set>
-                                      <p:cBhvr>
-                                        <p:cTn id="30" dur="1" fill="hold">
-                                          <p:stCondLst>
-                                            <p:cond delay="0"/>
-                                          </p:stCondLst>
-                                        </p:cTn>
-                                        <p:tgtEl>
-                                          <p:spTgt spid="3">
-                                            <p:txEl>
-                                              <p:pRg st="6" end="6"/>
-                                            </p:txEl>
-                                          </p:spTgt>
-                                        </p:tgtEl>
-                                        <p:attrNameLst>
-                                          <p:attrName>style.visibility</p:attrName>
-                                        </p:attrNameLst>
-                                      </p:cBhvr>
-                                      <p:to>
-                                        <p:strVal val="visible"/>
-                                      </p:to>
-                                    </p:set>
-                                  </p:childTnLst>
-                                </p:cTn>
-                              </p:par>
-                            </p:childTnLst>
-                          </p:cTn>
-                        </p:par>
-                      </p:childTnLst>
-                    </p:cTn>
-                  </p:par>
-                  <p:par>
-                    <p:cTn id="31" fill="hold">
-                      <p:stCondLst>
-                        <p:cond delay="indefinite"/>
-                      </p:stCondLst>
-                      <p:childTnLst>
-                        <p:par>
-                          <p:cTn id="32" fill="hold">
-                            <p:stCondLst>
-                              <p:cond delay="0"/>
-                            </p:stCondLst>
-                            <p:childTnLst>
-                              <p:par>
-                                <p:cTn id="33" presetID="1" presetClass="entr" presetSubtype="0" fill="hold" nodeType="clickEffect">
-                                  <p:stCondLst>
-                                    <p:cond delay="0"/>
-                                  </p:stCondLst>
-                                  <p:childTnLst>
-                                    <p:set>
-                                      <p:cBhvr>
-                                        <p:cTn id="34" dur="1" fill="hold">
-                                          <p:stCondLst>
-                                            <p:cond delay="0"/>
-                                          </p:stCondLst>
-                                        </p:cTn>
-                                        <p:tgtEl>
-                                          <p:spTgt spid="3">
-                                            <p:txEl>
-                                              <p:pRg st="7" end="7"/>
-                                            </p:txEl>
-                                          </p:spTgt>
-                                        </p:tgtEl>
-                                        <p:attrNameLst>
-                                          <p:attrName>style.visibility</p:attrName>
-                                        </p:attrNameLst>
-                                      </p:cBhvr>
-                                      <p:to>
-                                        <p:strVal val="visible"/>
-                                      </p:to>
-                                    </p:set>
-                                  </p:childTnLst>
-                                </p:cTn>
-                              </p:par>
-                            </p:childTnLst>
-                          </p:cTn>
-                        </p:par>
-                      </p:childTnLst>
-                    </p:cTn>
-                  </p:par>
-                  <p:par>
-                    <p:cTn id="35" fill="hold">
-                      <p:stCondLst>
-                        <p:cond delay="indefinite"/>
-                      </p:stCondLst>
-                      <p:childTnLst>
-                        <p:par>
-                          <p:cTn id="36" fill="hold">
-                            <p:stCondLst>
-                              <p:cond delay="0"/>
-                            </p:stCondLst>
-                            <p:childTnLst>
-                              <p:par>
-                                <p:cTn id="37" presetID="1" presetClass="entr" presetSubtype="0" fill="hold" nodeType="clickEffect">
-                                  <p:stCondLst>
-                                    <p:cond delay="0"/>
-                                  </p:stCondLst>
-                                  <p:childTnLst>
-                                    <p:set>
-                                      <p:cBhvr>
-                                        <p:cTn id="38" dur="1" fill="hold">
-                                          <p:stCondLst>
-                                            <p:cond delay="0"/>
-                                          </p:stCondLst>
-                                        </p:cTn>
-                                        <p:tgtEl>
-                                          <p:spTgt spid="3">
-                                            <p:txEl>
-                                              <p:pRg st="8" end="8"/>
-                                            </p:txEl>
-                                          </p:spTgt>
-                                        </p:tgtEl>
-                                        <p:attrNameLst>
-                                          <p:attrName>style.visibility</p:attrName>
-                                        </p:attrNameLst>
-                                      </p:cBhvr>
-                                      <p:to>
-                                        <p:strVal val="visible"/>
-                                      </p:to>
-                                    </p:set>
-                                  </p:childTnLst>
-                                </p:cTn>
-                              </p:par>
-                            </p:childTnLst>
-                          </p:cTn>
-                        </p:par>
-                      </p:childTnLst>
-                    </p:cTn>
-                  </p:par>
-                  <p:par>
-                    <p:cTn id="39" fill="hold">
-                      <p:stCondLst>
-                        <p:cond delay="indefinite"/>
-                      </p:stCondLst>
-                      <p:childTnLst>
-                        <p:par>
-                          <p:cTn id="40" fill="hold">
-                            <p:stCondLst>
-                              <p:cond delay="0"/>
-                            </p:stCondLst>
-                            <p:childTnLst>
-                              <p:par>
-                                <p:cTn id="41" presetID="1" presetClass="entr" presetSubtype="0" fill="hold" nodeType="clickEffect">
-                                  <p:stCondLst>
-                                    <p:cond delay="0"/>
-                                  </p:stCondLst>
-                                  <p:childTnLst>
-                                    <p:set>
-                                      <p:cBhvr>
-                                        <p:cTn id="42" dur="1" fill="hold">
-                                          <p:stCondLst>
-                                            <p:cond delay="0"/>
-                                          </p:stCondLst>
-                                        </p:cTn>
-                                        <p:tgtEl>
-                                          <p:spTgt spid="3">
-                                            <p:txEl>
-                                              <p:pRg st="9" end="9"/>
-                                            </p:txEl>
-                                          </p:spTgt>
-                                        </p:tgtEl>
-                                        <p:attrNameLst>
-                                          <p:attrName>style.visibility</p:attrName>
-                                        </p:attrNameLst>
-                                      </p:cBhvr>
-                                      <p:to>
-                                        <p:strVal val="visible"/>
-                                      </p:to>
-                                    </p:set>
-                                  </p:childTnLst>
-                                </p:cTn>
-                              </p:par>
-                            </p:childTnLst>
-                          </p:cTn>
-                        </p:par>
-                      </p:childTnLst>
-                    </p:cTn>
-                  </p:par>
-                  <p:par>
-                    <p:cTn id="43" fill="hold">
-                      <p:stCondLst>
-                        <p:cond delay="indefinite"/>
-                      </p:stCondLst>
-                      <p:childTnLst>
-                        <p:par>
-                          <p:cTn id="44" fill="hold">
-                            <p:stCondLst>
-                              <p:cond delay="0"/>
-                            </p:stCondLst>
-                            <p:childTnLst>
-                              <p:par>
-                                <p:cTn id="45" presetID="1" presetClass="entr" presetSubtype="0" fill="hold" nodeType="clickEffect">
-                                  <p:stCondLst>
-                                    <p:cond delay="0"/>
-                                  </p:stCondLst>
-                                  <p:childTnLst>
-                                    <p:set>
-                                      <p:cBhvr>
-                                        <p:cTn id="46" dur="1" fill="hold">
-                                          <p:stCondLst>
-                                            <p:cond delay="0"/>
-                                          </p:stCondLst>
-                                        </p:cTn>
-                                        <p:tgtEl>
-                                          <p:spTgt spid="3">
-                                            <p:txEl>
-                                              <p:pRg st="10" end="10"/>
-                                            </p:txEl>
-                                          </p:spTgt>
-                                        </p:tgtEl>
-                                        <p:attrNameLst>
-                                          <p:attrName>style.visibility</p:attrName>
-                                        </p:attrNameLst>
-                                      </p:cBhvr>
-                                      <p:to>
-                                        <p:strVal val="visible"/>
-                                      </p:to>
-                                    </p:set>
-                                  </p:childTnLst>
-                                </p:cTn>
-                              </p:par>
-                            </p:childTnLst>
-                          </p:cTn>
-                        </p:par>
-                      </p:childTnLst>
-                    </p:cTn>
-                  </p:par>
-                  <p:par>
-                    <p:cTn id="47" fill="hold">
-                      <p:stCondLst>
-                        <p:cond delay="indefinite"/>
-                      </p:stCondLst>
-                      <p:childTnLst>
-                        <p:par>
-                          <p:cTn id="48" fill="hold">
-                            <p:stCondLst>
-                              <p:cond delay="0"/>
-                            </p:stCondLst>
-                            <p:childTnLst>
-                              <p:par>
-                                <p:cTn id="49" presetID="1" presetClass="entr" presetSubtype="0" fill="hold" nodeType="clickEffect">
-                                  <p:stCondLst>
-                                    <p:cond delay="0"/>
-                                  </p:stCondLst>
-                                  <p:childTnLst>
-                                    <p:set>
-                                      <p:cBhvr>
-                                        <p:cTn id="50" dur="1" fill="hold">
-                                          <p:stCondLst>
-                                            <p:cond delay="0"/>
-                                          </p:stCondLst>
-                                        </p:cTn>
-                                        <p:tgtEl>
-                                          <p:spTgt spid="3">
-                                            <p:txEl>
-                                              <p:pRg st="11" end="11"/>
-                                            </p:txEl>
-                                          </p:spTgt>
-                                        </p:tgtEl>
-                                        <p:attrNameLst>
-                                          <p:attrName>style.visibility</p:attrName>
-                                        </p:attrNameLst>
-                                      </p:cBhvr>
-                                      <p:to>
-                                        <p:strVal val="visible"/>
-                                      </p:to>
-                                    </p:set>
-                                  </p:childTnLst>
-                                </p:cTn>
-                              </p:par>
-                            </p:childTnLst>
-                          </p:cTn>
-                        </p:par>
-                      </p:childTnLst>
-                    </p:cTn>
-                  </p:par>
-                  <p:par>
-                    <p:cTn id="51" fill="hold">
-                      <p:stCondLst>
-                        <p:cond delay="indefinite"/>
-                      </p:stCondLst>
-                      <p:childTnLst>
-                        <p:par>
-                          <p:cTn id="52" fill="hold">
-                            <p:stCondLst>
-                              <p:cond delay="0"/>
-                            </p:stCondLst>
-                            <p:childTnLst>
-                              <p:par>
-                                <p:cTn id="53" presetID="1" presetClass="entr" presetSubtype="0" fill="hold" nodeType="clickEffect">
-                                  <p:stCondLst>
-                                    <p:cond delay="0"/>
-                                  </p:stCondLst>
-                                  <p:childTnLst>
-                                    <p:set>
-                                      <p:cBhvr>
-                                        <p:cTn id="54" dur="1" fill="hold">
-                                          <p:stCondLst>
-                                            <p:cond delay="0"/>
-                                          </p:stCondLst>
-                                        </p:cTn>
-                                        <p:tgtEl>
-                                          <p:spTgt spid="3">
-                                            <p:txEl>
-                                              <p:pRg st="12" end="12"/>
-                                            </p:txEl>
-                                          </p:spTgt>
-                                        </p:tgtEl>
-                                        <p:attrNameLst>
-                                          <p:attrName>style.visibility</p:attrName>
-                                        </p:attrNameLst>
-                                      </p:cBhvr>
-                                      <p:to>
-                                        <p:strVal val="visible"/>
-                                      </p:to>
-                                    </p:set>
-                                  </p:childTnLst>
-                                </p:cTn>
-                              </p:par>
-                            </p:childTnLst>
-                          </p:cTn>
-                        </p:par>
-                      </p:childTnLst>
-                    </p:cTn>
-                  </p:par>
-                </p:childTnLst>
-              </p:cTn>
-              <p:prevCondLst>
-                <p:cond evt="onPrev" delay="0">
-                  <p:tgtEl>
-                    <p:sldTgt/>
-                  </p:tgtEl>
-                </p:cond>
-              </p:prevCondLst>
-              <p:nextCondLst>
-                <p:cond evt="onNext" delay="0">
-                  <p:tgtEl>
-                    <p:sldTgt/>
-                  </p:tgtEl>
-                </p:cond>
-              </p:nextCondLst>
-            </p:seq>
-          </p:childTnLst>
-        </p:cTn>
-      </p:par>
-    </p:tnLst>
-  </p:timing>
-</p:sld>
-</file>
-
-<file path=ppt/slides/slide7.xml><?xml version="1.0" encoding="utf-8"?>
-<p:sld xmlns:a="http://schemas.openxmlformats.org/drawingml/2006/main" xmlns:r="http://schemas.openxmlformats.org/officeDocument/2006/relationships" xmlns:p="http://schemas.openxmlformats.org/presentationml/2006/main">
-  <p:cSld>
-    <p:spTree>
-      <p:nvGrpSpPr>
-        <p:cNvPr id="1" name=""/>
-        <p:cNvGrpSpPr/>
-        <p:nvPr/>
-      </p:nvGrpSpPr>
-      <p:grpSpPr>
-        <a:xfrm>
-          <a:off x="0" y="0"/>
-          <a:ext cx="0" cy="0"/>
-          <a:chOff x="0" y="0"/>
-          <a:chExt cx="0" cy="0"/>
-        </a:xfrm>
-      </p:grpSpPr>
-      <p:sp>
-        <p:nvSpPr>
-          <p:cNvPr id="90114" name="Rectangle 2">
-            <a:extLst>
-              <a:ext uri="{FF2B5EF4-FFF2-40B4-BE49-F238E27FC236}">
-                <a16:creationId xmlns:a16="http://schemas.microsoft.com/office/drawing/2014/main" id="{308C4648-C13A-A547-ABA8-14DA70E0773D}"/>
-              </a:ext>
-            </a:extLst>
-          </p:cNvPr>
-          <p:cNvSpPr>
-            <a:spLocks noGrp="1" noChangeArrowheads="1"/>
-          </p:cNvSpPr>
-          <p:nvPr>
-            <p:ph type="title"/>
-          </p:nvPr>
-        </p:nvSpPr>
-        <p:spPr/>
-        <p:txBody>
-          <a:bodyPr/>
-          <a:lstStyle/>
-          <a:p>
-            <a:r>
-              <a:rPr lang="en-US" altLang="en-US" dirty="0"/>
-              <a:t>Why do we need Synchronization?</a:t>
-            </a:r>
-          </a:p>
-        </p:txBody>
-      </p:sp>
-      <p:sp>
-        <p:nvSpPr>
-          <p:cNvPr id="90115" name="Rectangle 3">
-            <a:extLst>
-              <a:ext uri="{FF2B5EF4-FFF2-40B4-BE49-F238E27FC236}">
-                <a16:creationId xmlns:a16="http://schemas.microsoft.com/office/drawing/2014/main" id="{691666FD-EDA0-044F-A826-5F64B00DC362}"/>
-              </a:ext>
-            </a:extLst>
-          </p:cNvPr>
-          <p:cNvSpPr>
-            <a:spLocks noGrp="1" noChangeArrowheads="1"/>
-          </p:cNvSpPr>
-          <p:nvPr>
-            <p:ph idx="1"/>
-          </p:nvPr>
-        </p:nvSpPr>
-        <p:spPr/>
-        <p:txBody>
-          <a:bodyPr/>
-          <a:lstStyle/>
-          <a:p>
-            <a:r>
-              <a:rPr lang="en-US" altLang="en-US"/>
-              <a:t>Each process operates sequentially</a:t>
-            </a:r>
-          </a:p>
-          <a:p>
-            <a:r>
-              <a:rPr lang="en-US" altLang="en-US"/>
-              <a:t>All is fine until processes want to share data</a:t>
-            </a:r>
-          </a:p>
-          <a:p>
-            <a:pPr lvl="1"/>
-            <a:r>
-              <a:rPr lang="en-US" altLang="en-US"/>
-              <a:t>Exchange data between multiple processes</a:t>
-            </a:r>
-          </a:p>
-          <a:p>
-            <a:pPr lvl="1"/>
-            <a:r>
-              <a:rPr lang="en-US" altLang="en-US"/>
-              <a:t>Allow processes to navigate </a:t>
-            </a:r>
-            <a:r>
-              <a:rPr lang="en-US" altLang="en-US" i="1"/>
-              <a:t>critical regions</a:t>
-            </a:r>
-            <a:endParaRPr lang="en-US" altLang="en-US"/>
-          </a:p>
-          <a:p>
-            <a:pPr lvl="1"/>
-            <a:r>
-              <a:rPr lang="en-US" altLang="en-US"/>
-              <a:t>Maintain proper sequencing of actions in multiple processes</a:t>
-            </a:r>
-          </a:p>
-          <a:p>
-            <a:r>
-              <a:rPr lang="en-US" altLang="en-US"/>
-              <a:t>These issues apply to threads as well	</a:t>
-            </a:r>
-          </a:p>
-          <a:p>
-            <a:pPr lvl="1"/>
-            <a:r>
-              <a:rPr lang="en-US" altLang="en-US"/>
-              <a:t>Threads can share data easily (same address space)</a:t>
-            </a:r>
-          </a:p>
-          <a:p>
-            <a:pPr lvl="1"/>
-            <a:r>
-              <a:rPr lang="en-US" altLang="en-US"/>
-              <a:t>Other two issues apply to threads</a:t>
-            </a:r>
-          </a:p>
-        </p:txBody>
-      </p:sp>
-      <p:sp>
-        <p:nvSpPr>
-          <p:cNvPr id="4" name="Footer Placeholder 3">
-            <a:extLst>
-              <a:ext uri="{FF2B5EF4-FFF2-40B4-BE49-F238E27FC236}">
-                <a16:creationId xmlns:a16="http://schemas.microsoft.com/office/drawing/2014/main" id="{98D70E46-AD06-A84D-A403-48FFDDB68BC6}"/>
-              </a:ext>
-            </a:extLst>
-          </p:cNvPr>
-          <p:cNvSpPr>
-            <a:spLocks noGrp="1"/>
-          </p:cNvSpPr>
-          <p:nvPr>
-            <p:ph type="ftr" idx="11"/>
-          </p:nvPr>
-        </p:nvSpPr>
-        <p:spPr/>
-        <p:txBody>
-          <a:bodyPr/>
-          <a:lstStyle/>
-          <a:p>
-            <a:pPr marL="0" marR="0" lvl="0" indent="0" algn="ctr" defTabSz="1007943" rtl="0" eaLnBrk="1" fontAlgn="base" latinLnBrk="0" hangingPunct="0">
-              <a:lnSpc>
-                <a:spcPct val="100000"/>
-              </a:lnSpc>
-              <a:spcBef>
-                <a:spcPct val="0"/>
-              </a:spcBef>
-              <a:spcAft>
-                <a:spcPct val="0"/>
-              </a:spcAft>
-              <a:buClrTx/>
-              <a:buSzTx/>
-              <a:buFont typeface="Times New Roman" pitchFamily="16" charset="0"/>
-              <a:buNone/>
-              <a:tabLst>
-                <a:tab pos="0" algn="l"/>
-                <a:tab pos="457200" algn="l"/>
-                <a:tab pos="914400" algn="l"/>
-                <a:tab pos="1371600" algn="l"/>
-                <a:tab pos="1828800" algn="l"/>
-                <a:tab pos="2286000" algn="l"/>
-                <a:tab pos="2743200" algn="l"/>
-                <a:tab pos="3200400" algn="l"/>
-                <a:tab pos="3657600" algn="l"/>
-                <a:tab pos="4114800" algn="l"/>
-                <a:tab pos="4572000" algn="l"/>
-                <a:tab pos="5029200" algn="l"/>
-                <a:tab pos="5486400" algn="l"/>
-                <a:tab pos="5943600" algn="l"/>
-                <a:tab pos="6400800" algn="l"/>
-                <a:tab pos="6858000" algn="l"/>
-                <a:tab pos="7315200" algn="l"/>
-                <a:tab pos="7772400" algn="l"/>
-                <a:tab pos="8229600" algn="l"/>
-                <a:tab pos="8686800" algn="l"/>
-                <a:tab pos="9144000" algn="l"/>
-              </a:tabLst>
-              <a:defRPr/>
-            </a:pPr>
-            <a:r>
-              <a:rPr kumimoji="0" lang="en-US" altLang="en-US" sz="1400" b="0" i="0" u="none" strike="noStrike" kern="1200" cap="none" spc="0" normalizeH="0" baseline="0" noProof="0">
-                <a:ln>
-                  <a:noFill/>
-                </a:ln>
-                <a:solidFill>
-                  <a:srgbClr val="000000"/>
-                </a:solidFill>
-                <a:effectLst/>
-                <a:uLnTx/>
-                <a:uFillTx/>
-                <a:latin typeface="Arial"/>
-                <a:ea typeface="+mn-ea"/>
-                <a:cs typeface="Arial"/>
-              </a:rPr>
-              <a:t>CS/COE 1550 – Operating Systems – Sherif Khattab</a:t>
-            </a:r>
-          </a:p>
-        </p:txBody>
-      </p:sp>
-      <p:sp>
-        <p:nvSpPr>
-          <p:cNvPr id="5" name="Slide Number Placeholder 4">
-            <a:extLst>
-              <a:ext uri="{FF2B5EF4-FFF2-40B4-BE49-F238E27FC236}">
-                <a16:creationId xmlns:a16="http://schemas.microsoft.com/office/drawing/2014/main" id="{68F74981-ADDA-9144-ACB5-CE4649DD2D8F}"/>
-              </a:ext>
-            </a:extLst>
-          </p:cNvPr>
-          <p:cNvSpPr>
-            <a:spLocks noGrp="1"/>
-          </p:cNvSpPr>
-          <p:nvPr>
-            <p:ph type="sldNum" idx="12"/>
-          </p:nvPr>
-        </p:nvSpPr>
-        <p:spPr/>
-        <p:txBody>
-          <a:bodyPr/>
-          <a:lstStyle/>
-          <a:p>
-            <a:pPr marL="0" marR="0" lvl="0" indent="0" algn="r" defTabSz="1007943" rtl="0" eaLnBrk="1" fontAlgn="base" latinLnBrk="0" hangingPunct="0">
-              <a:lnSpc>
-                <a:spcPct val="100000"/>
-              </a:lnSpc>
-              <a:spcBef>
-                <a:spcPct val="0"/>
-              </a:spcBef>
-              <a:spcAft>
-                <a:spcPct val="0"/>
-              </a:spcAft>
-              <a:buClrTx/>
-              <a:buSzTx/>
-              <a:buFont typeface="Times New Roman" panose="02020603050405020304" pitchFamily="18" charset="0"/>
-              <a:buNone/>
-              <a:tabLst/>
-              <a:defRPr/>
-            </a:pPr>
-            <a:fld id="{84EF06AB-4700-6A49-AA92-7F6FC9BCAFBB}" type="slidenum">
-              <a:rPr kumimoji="0" lang="en-US" altLang="en-US" sz="1400" b="0" i="0" u="none" strike="noStrike" kern="1200" cap="none" spc="0" normalizeH="0" baseline="0" noProof="0">
-                <a:ln>
-                  <a:noFill/>
-                </a:ln>
-                <a:solidFill>
-                  <a:srgbClr val="000000"/>
-                </a:solidFill>
-                <a:effectLst/>
-                <a:uLnTx/>
-                <a:uFillTx/>
-                <a:latin typeface="Arial"/>
-                <a:ea typeface="+mn-ea"/>
-                <a:cs typeface="Arial"/>
-              </a:rPr>
-              <a:pPr marL="0" marR="0" lvl="0" indent="0" algn="r" defTabSz="1007943" rtl="0" eaLnBrk="1" fontAlgn="base" latinLnBrk="0" hangingPunct="0">
-                <a:lnSpc>
-                  <a:spcPct val="100000"/>
-                </a:lnSpc>
-                <a:spcBef>
-                  <a:spcPct val="0"/>
-                </a:spcBef>
-                <a:spcAft>
-                  <a:spcPct val="0"/>
-                </a:spcAft>
-                <a:buClrTx/>
-                <a:buSzTx/>
-                <a:buFont typeface="Times New Roman" panose="02020603050405020304" pitchFamily="18" charset="0"/>
-                <a:buNone/>
-                <a:tabLst/>
-                <a:defRPr/>
-              </a:pPr>
-              <a:t>7</a:t>
-            </a:fld>
-            <a:endParaRPr kumimoji="0" lang="en-US" altLang="en-US" sz="1400" b="0" i="0" u="none" strike="noStrike" kern="1200" cap="none" spc="0" normalizeH="0" baseline="0" noProof="0">
-              <a:ln>
-                <a:noFill/>
-              </a:ln>
-              <a:solidFill>
-                <a:srgbClr val="000000"/>
-              </a:solidFill>
-              <a:effectLst/>
-              <a:uLnTx/>
-              <a:uFillTx/>
-              <a:latin typeface="Arial"/>
-              <a:ea typeface="+mn-ea"/>
-              <a:cs typeface="Arial"/>
-            </a:endParaRPr>
-          </a:p>
-        </p:txBody>
-      </p:sp>
-    </p:spTree>
-    <p:extLst>
-      <p:ext uri="{BB962C8B-B14F-4D97-AF65-F5344CB8AC3E}">
-        <p14:creationId xmlns:p14="http://schemas.microsoft.com/office/powerpoint/2010/main" val="2685283246"/>
-      </p:ext>
-    </p:extLst>
-  </p:cSld>
-  <p:clrMapOvr>
-    <a:masterClrMapping/>
-  </p:clrMapOvr>
-</p:sld>
-</file>
-
-<file path=ppt/slides/slide8.xml><?xml version="1.0" encoding="utf-8"?>
-<p:sld xmlns:a="http://schemas.openxmlformats.org/drawingml/2006/main" xmlns:r="http://schemas.openxmlformats.org/officeDocument/2006/relationships" xmlns:p="http://schemas.openxmlformats.org/presentationml/2006/main">
-  <p:cSld>
-    <p:spTree>
-      <p:nvGrpSpPr>
-        <p:cNvPr id="1" name=""/>
-        <p:cNvGrpSpPr/>
-        <p:nvPr/>
-      </p:nvGrpSpPr>
-      <p:grpSpPr>
-        <a:xfrm>
-          <a:off x="0" y="0"/>
-          <a:ext cx="0" cy="0"/>
-          <a:chOff x="0" y="0"/>
-          <a:chExt cx="0" cy="0"/>
-        </a:xfrm>
-      </p:grpSpPr>
-      <p:sp>
-        <p:nvSpPr>
-          <p:cNvPr id="2" name="Title 1">
-            <a:extLst>
-              <a:ext uri="{FF2B5EF4-FFF2-40B4-BE49-F238E27FC236}">
-                <a16:creationId xmlns:a16="http://schemas.microsoft.com/office/drawing/2014/main" id="{32DBCD6D-0035-48A2-AE34-43966A977589}"/>
-              </a:ext>
-            </a:extLst>
-          </p:cNvPr>
-          <p:cNvSpPr>
-            <a:spLocks noGrp="1"/>
-          </p:cNvSpPr>
-          <p:nvPr>
-            <p:ph type="title"/>
-          </p:nvPr>
-        </p:nvSpPr>
-        <p:spPr/>
-        <p:txBody>
-          <a:bodyPr/>
-          <a:lstStyle/>
-          <a:p>
-            <a:r>
-              <a:rPr lang="en-US" dirty="0"/>
-              <a:t>Process vs. Thread</a:t>
-            </a:r>
-          </a:p>
-        </p:txBody>
-      </p:sp>
-      <p:sp>
-        <p:nvSpPr>
-          <p:cNvPr id="4" name="Footer Placeholder 3">
-            <a:extLst>
-              <a:ext uri="{FF2B5EF4-FFF2-40B4-BE49-F238E27FC236}">
-                <a16:creationId xmlns:a16="http://schemas.microsoft.com/office/drawing/2014/main" id="{0E7B03E5-535D-472E-98AC-2E5577E357CA}"/>
-              </a:ext>
-            </a:extLst>
-          </p:cNvPr>
-          <p:cNvSpPr>
-            <a:spLocks noGrp="1"/>
-          </p:cNvSpPr>
-          <p:nvPr>
-            <p:ph type="ftr" idx="11"/>
-          </p:nvPr>
-        </p:nvSpPr>
-        <p:spPr/>
-        <p:txBody>
-          <a:bodyPr/>
-          <a:lstStyle/>
-          <a:p>
-            <a:pPr marL="0" marR="0" lvl="0" indent="0" algn="ctr" defTabSz="457200" rtl="0" eaLnBrk="1" fontAlgn="base" latinLnBrk="0" hangingPunct="0">
-              <a:lnSpc>
-                <a:spcPct val="96000"/>
-              </a:lnSpc>
-              <a:spcBef>
-                <a:spcPct val="0"/>
-              </a:spcBef>
-              <a:spcAft>
-                <a:spcPct val="0"/>
-              </a:spcAft>
-              <a:buClr>
-                <a:srgbClr val="000000"/>
-              </a:buClr>
-              <a:buSzPct val="100000"/>
-              <a:buFont typeface="Times New Roman" pitchFamily="16" charset="0"/>
-              <a:buNone/>
-              <a:tabLst>
-                <a:tab pos="0" algn="l"/>
-                <a:tab pos="457200" algn="l"/>
-                <a:tab pos="914400" algn="l"/>
-                <a:tab pos="1371600" algn="l"/>
-                <a:tab pos="1828800" algn="l"/>
-                <a:tab pos="2286000" algn="l"/>
-                <a:tab pos="2743200" algn="l"/>
-                <a:tab pos="3200400" algn="l"/>
-                <a:tab pos="3657600" algn="l"/>
-                <a:tab pos="4114800" algn="l"/>
-                <a:tab pos="4572000" algn="l"/>
-                <a:tab pos="5029200" algn="l"/>
-                <a:tab pos="5486400" algn="l"/>
-                <a:tab pos="5943600" algn="l"/>
-                <a:tab pos="6400800" algn="l"/>
-                <a:tab pos="6858000" algn="l"/>
-                <a:tab pos="7315200" algn="l"/>
-                <a:tab pos="7772400" algn="l"/>
-                <a:tab pos="8229600" algn="l"/>
-                <a:tab pos="8686800" algn="l"/>
-                <a:tab pos="9144000" algn="l"/>
-              </a:tabLst>
-              <a:defRPr/>
-            </a:pPr>
-            <a:r>
-              <a:rPr kumimoji="0" lang="en-US" sz="1400" b="0" i="0" u="none" strike="noStrike" kern="1200" cap="none" spc="0" normalizeH="0" baseline="0" noProof="0">
-                <a:ln>
-                  <a:noFill/>
-                </a:ln>
-                <a:solidFill>
-                  <a:srgbClr val="000000"/>
-                </a:solidFill>
-                <a:effectLst/>
-                <a:uLnTx/>
-                <a:uFillTx/>
-                <a:latin typeface="Arial"/>
-                <a:ea typeface="+mn-ea"/>
-                <a:cs typeface="Arial" charset="0"/>
-              </a:rPr>
-              <a:t>CS/COE 1550 – Operating Systems – Sherif Khattab</a:t>
-            </a:r>
-            <a:endParaRPr kumimoji="0" lang="en-GB" sz="1400" b="0" i="0" u="none" strike="noStrike" kern="1200" cap="none" spc="0" normalizeH="0" baseline="0" noProof="0" dirty="0">
-              <a:ln>
-                <a:noFill/>
-              </a:ln>
-              <a:solidFill>
-                <a:srgbClr val="000000"/>
-              </a:solidFill>
-              <a:effectLst/>
-              <a:uLnTx/>
-              <a:uFillTx/>
-              <a:latin typeface="Times New Roman" pitchFamily="16" charset="0"/>
-              <a:ea typeface="+mn-ea"/>
-              <a:cs typeface="Arial" charset="0"/>
-            </a:endParaRPr>
-          </a:p>
-        </p:txBody>
-      </p:sp>
-      <p:sp>
-        <p:nvSpPr>
-          <p:cNvPr id="5" name="Slide Number Placeholder 4">
-            <a:extLst>
-              <a:ext uri="{FF2B5EF4-FFF2-40B4-BE49-F238E27FC236}">
-                <a16:creationId xmlns:a16="http://schemas.microsoft.com/office/drawing/2014/main" id="{78616229-F3A1-431A-B9BF-8875C967ADB4}"/>
-              </a:ext>
-            </a:extLst>
-          </p:cNvPr>
-          <p:cNvSpPr>
-            <a:spLocks noGrp="1"/>
-          </p:cNvSpPr>
-          <p:nvPr>
-            <p:ph type="sldNum" idx="12"/>
-          </p:nvPr>
-        </p:nvSpPr>
-        <p:spPr/>
-        <p:txBody>
-          <a:bodyPr/>
-          <a:lstStyle/>
-          <a:p>
-            <a:pPr marL="0" marR="0" lvl="0" indent="0" algn="r" defTabSz="457200" rtl="0" eaLnBrk="1" fontAlgn="base" latinLnBrk="0" hangingPunct="0">
-              <a:lnSpc>
-                <a:spcPct val="96000"/>
-              </a:lnSpc>
-              <a:spcBef>
-                <a:spcPct val="0"/>
-              </a:spcBef>
-              <a:spcAft>
-                <a:spcPct val="0"/>
-              </a:spcAft>
-              <a:buClr>
-                <a:srgbClr val="000000"/>
-              </a:buClr>
-              <a:buSzPct val="100000"/>
-              <a:buFont typeface="Times New Roman" panose="02020603050405020304" pitchFamily="18" charset="0"/>
-              <a:buNone/>
-              <a:tabLst/>
-              <a:defRPr/>
-            </a:pPr>
-            <a:fld id="{65E435D9-63B0-4660-8D04-E83F5E2CA2AE}" type="slidenum">
-              <a:rPr kumimoji="0" lang="en-GB" altLang="en-US" sz="1400" b="0" i="0" u="none" strike="noStrike" kern="1200" cap="none" spc="0" normalizeH="0" baseline="0" noProof="0" smtClean="0">
-                <a:ln>
-                  <a:noFill/>
-                </a:ln>
-                <a:solidFill>
-                  <a:srgbClr val="000000"/>
-                </a:solidFill>
-                <a:effectLst/>
-                <a:uLnTx/>
-                <a:uFillTx/>
-                <a:latin typeface="Times New Roman" panose="02020603050405020304" pitchFamily="18" charset="0"/>
-                <a:ea typeface="+mn-ea"/>
-                <a:cs typeface="Arial" panose="020B0604020202020204" pitchFamily="34" charset="0"/>
-              </a:rPr>
-              <a:pPr marL="0" marR="0" lvl="0" indent="0" algn="r" defTabSz="457200" rtl="0" eaLnBrk="1" fontAlgn="base" latinLnBrk="0" hangingPunct="0">
-                <a:lnSpc>
-                  <a:spcPct val="96000"/>
-                </a:lnSpc>
-                <a:spcBef>
-                  <a:spcPct val="0"/>
-                </a:spcBef>
-                <a:spcAft>
-                  <a:spcPct val="0"/>
-                </a:spcAft>
-                <a:buClr>
-                  <a:srgbClr val="000000"/>
-                </a:buClr>
-                <a:buSzPct val="100000"/>
-                <a:buFont typeface="Times New Roman" panose="02020603050405020304" pitchFamily="18" charset="0"/>
-                <a:buNone/>
-                <a:tabLst/>
-                <a:defRPr/>
-              </a:pPr>
-              <a:t>8</a:t>
-            </a:fld>
-            <a:endParaRPr kumimoji="0" lang="en-GB" altLang="en-US" sz="1400" b="0" i="0" u="none" strike="noStrike" kern="1200" cap="none" spc="0" normalizeH="0" baseline="0" noProof="0" dirty="0">
-              <a:ln>
-                <a:noFill/>
-              </a:ln>
-              <a:solidFill>
-                <a:srgbClr val="000000"/>
-              </a:solidFill>
-              <a:effectLst/>
-              <a:uLnTx/>
-              <a:uFillTx/>
-              <a:latin typeface="Times New Roman" panose="02020603050405020304" pitchFamily="18" charset="0"/>
-              <a:ea typeface="+mn-ea"/>
-              <a:cs typeface="Arial" panose="020B0604020202020204" pitchFamily="34" charset="0"/>
-            </a:endParaRPr>
-          </a:p>
-        </p:txBody>
-      </p:sp>
-      <p:pic>
-        <p:nvPicPr>
-          <p:cNvPr id="7" name="Picture 6">
-            <a:extLst>
-              <a:ext uri="{FF2B5EF4-FFF2-40B4-BE49-F238E27FC236}">
-                <a16:creationId xmlns:a16="http://schemas.microsoft.com/office/drawing/2014/main" id="{C19DB90B-C6A6-42C5-B88F-C71C9FC4E150}"/>
-              </a:ext>
-            </a:extLst>
-          </p:cNvPr>
-          <p:cNvPicPr>
-            <a:picLocks noChangeAspect="1"/>
-          </p:cNvPicPr>
-          <p:nvPr/>
-        </p:nvPicPr>
-        <p:blipFill>
-          <a:blip r:embed="rId2"/>
-          <a:stretch>
-            <a:fillRect/>
-          </a:stretch>
-        </p:blipFill>
-        <p:spPr>
-          <a:xfrm>
-            <a:off x="665909" y="962664"/>
-            <a:ext cx="8893270" cy="5930033"/>
-          </a:xfrm>
-          <a:prstGeom prst="rect">
-            <a:avLst/>
-          </a:prstGeom>
-        </p:spPr>
-      </p:pic>
-    </p:spTree>
-    <p:extLst>
-      <p:ext uri="{BB962C8B-B14F-4D97-AF65-F5344CB8AC3E}">
-        <p14:creationId xmlns:p14="http://schemas.microsoft.com/office/powerpoint/2010/main" val="2743959136"/>
-      </p:ext>
-    </p:extLst>
-  </p:cSld>
-  <p:clrMapOvr>
-    <a:masterClrMapping/>
-  </p:clrMapOvr>
-</p:sld>
-</file>
-
-<file path=ppt/slides/slide9.xml><?xml version="1.0" encoding="utf-8"?>
-<p:sld xmlns:a="http://schemas.openxmlformats.org/drawingml/2006/main" xmlns:r="http://schemas.openxmlformats.org/officeDocument/2006/relationships" xmlns:p="http://schemas.openxmlformats.org/presentationml/2006/main">
-  <p:cSld>
-    <p:spTree>
-      <p:nvGrpSpPr>
-        <p:cNvPr id="1" name=""/>
-        <p:cNvGrpSpPr/>
-        <p:nvPr/>
-      </p:nvGrpSpPr>
-      <p:grpSpPr>
-        <a:xfrm>
-          <a:off x="0" y="0"/>
-          <a:ext cx="0" cy="0"/>
-          <a:chOff x="0" y="0"/>
-          <a:chExt cx="0" cy="0"/>
-        </a:xfrm>
-      </p:grpSpPr>
-      <p:sp>
-        <p:nvSpPr>
-          <p:cNvPr id="2" name="Title 1">
-            <a:extLst>
-              <a:ext uri="{FF2B5EF4-FFF2-40B4-BE49-F238E27FC236}">
-                <a16:creationId xmlns:a16="http://schemas.microsoft.com/office/drawing/2014/main" id="{21B069AF-6569-4512-986F-E784F07B4C99}"/>
-              </a:ext>
-            </a:extLst>
-          </p:cNvPr>
-          <p:cNvSpPr>
-            <a:spLocks noGrp="1"/>
-          </p:cNvSpPr>
-          <p:nvPr>
-            <p:ph type="title"/>
-          </p:nvPr>
-        </p:nvSpPr>
-        <p:spPr/>
-        <p:txBody>
-          <a:bodyPr/>
-          <a:lstStyle/>
-          <a:p>
-            <a:r>
-              <a:rPr lang="en-US" dirty="0"/>
-              <a:t>fork() tracing</a:t>
-            </a:r>
-          </a:p>
-        </p:txBody>
-      </p:sp>
-      <p:sp>
-        <p:nvSpPr>
-          <p:cNvPr id="3" name="Content Placeholder 2">
-            <a:extLst>
-              <a:ext uri="{FF2B5EF4-FFF2-40B4-BE49-F238E27FC236}">
-                <a16:creationId xmlns:a16="http://schemas.microsoft.com/office/drawing/2014/main" id="{53DEEDDA-87CA-4C22-AA4E-82F071E2C328}"/>
-              </a:ext>
-            </a:extLst>
-          </p:cNvPr>
-          <p:cNvSpPr>
-            <a:spLocks noGrp="1"/>
-          </p:cNvSpPr>
-          <p:nvPr>
-            <p:ph idx="1"/>
-          </p:nvPr>
-        </p:nvSpPr>
-        <p:spPr/>
-        <p:txBody>
-          <a:bodyPr/>
-          <a:lstStyle/>
-          <a:p>
-            <a:endParaRPr lang="en-US"/>
-          </a:p>
-        </p:txBody>
-      </p:sp>
-      <p:sp>
-        <p:nvSpPr>
-          <p:cNvPr id="4" name="Footer Placeholder 3">
-            <a:extLst>
-              <a:ext uri="{FF2B5EF4-FFF2-40B4-BE49-F238E27FC236}">
-                <a16:creationId xmlns:a16="http://schemas.microsoft.com/office/drawing/2014/main" id="{BFF0C662-DC70-47C2-AC2A-9C1C793BEB82}"/>
-              </a:ext>
-            </a:extLst>
-          </p:cNvPr>
-          <p:cNvSpPr>
-            <a:spLocks noGrp="1"/>
-          </p:cNvSpPr>
-          <p:nvPr>
-            <p:ph type="ftr" idx="11"/>
-          </p:nvPr>
-        </p:nvSpPr>
-        <p:spPr/>
-        <p:txBody>
-          <a:bodyPr/>
-          <a:lstStyle/>
-          <a:p>
-            <a:pPr marL="0" marR="0" lvl="0" indent="0" algn="ctr" defTabSz="457200" rtl="0" eaLnBrk="1" fontAlgn="base" latinLnBrk="0" hangingPunct="0">
-              <a:lnSpc>
-                <a:spcPct val="96000"/>
-              </a:lnSpc>
-              <a:spcBef>
-                <a:spcPct val="0"/>
-              </a:spcBef>
-              <a:spcAft>
-                <a:spcPct val="0"/>
-              </a:spcAft>
-              <a:buClr>
-                <a:srgbClr val="000000"/>
-              </a:buClr>
-              <a:buSzPct val="100000"/>
-              <a:buFont typeface="Times New Roman" pitchFamily="16" charset="0"/>
-              <a:buNone/>
-              <a:tabLst>
-                <a:tab pos="0" algn="l"/>
-                <a:tab pos="457200" algn="l"/>
-                <a:tab pos="914400" algn="l"/>
-                <a:tab pos="1371600" algn="l"/>
-                <a:tab pos="1828800" algn="l"/>
-                <a:tab pos="2286000" algn="l"/>
-                <a:tab pos="2743200" algn="l"/>
-                <a:tab pos="3200400" algn="l"/>
-                <a:tab pos="3657600" algn="l"/>
-                <a:tab pos="4114800" algn="l"/>
-                <a:tab pos="4572000" algn="l"/>
-                <a:tab pos="5029200" algn="l"/>
-                <a:tab pos="5486400" algn="l"/>
-                <a:tab pos="5943600" algn="l"/>
-                <a:tab pos="6400800" algn="l"/>
-                <a:tab pos="6858000" algn="l"/>
-                <a:tab pos="7315200" algn="l"/>
-                <a:tab pos="7772400" algn="l"/>
-                <a:tab pos="8229600" algn="l"/>
-                <a:tab pos="8686800" algn="l"/>
-                <a:tab pos="9144000" algn="l"/>
-              </a:tabLst>
-              <a:defRPr/>
-            </a:pPr>
-            <a:r>
-              <a:rPr kumimoji="0" lang="en-US" sz="1400" b="0" i="0" u="none" strike="noStrike" kern="1200" cap="none" spc="0" normalizeH="0" baseline="0" noProof="0">
-                <a:ln>
-                  <a:noFill/>
-                </a:ln>
-                <a:solidFill>
-                  <a:srgbClr val="000000"/>
-                </a:solidFill>
-                <a:effectLst/>
-                <a:uLnTx/>
-                <a:uFillTx/>
-                <a:latin typeface="Arial"/>
-                <a:ea typeface="+mn-ea"/>
-                <a:cs typeface="Arial" charset="0"/>
-              </a:rPr>
-              <a:t>CS/COE 1550 – Operating Systems – Sherif Khattab</a:t>
-            </a:r>
-            <a:endParaRPr kumimoji="0" lang="en-GB" sz="1400" b="0" i="0" u="none" strike="noStrike" kern="1200" cap="none" spc="0" normalizeH="0" baseline="0" noProof="0" dirty="0">
-              <a:ln>
-                <a:noFill/>
-              </a:ln>
-              <a:solidFill>
-                <a:srgbClr val="000000"/>
-              </a:solidFill>
-              <a:effectLst/>
-              <a:uLnTx/>
-              <a:uFillTx/>
-              <a:latin typeface="Times New Roman" pitchFamily="16" charset="0"/>
-              <a:ea typeface="+mn-ea"/>
-              <a:cs typeface="Arial" charset="0"/>
-            </a:endParaRPr>
-          </a:p>
-        </p:txBody>
-      </p:sp>
-      <p:sp>
-        <p:nvSpPr>
-          <p:cNvPr id="5" name="Slide Number Placeholder 4">
-            <a:extLst>
-              <a:ext uri="{FF2B5EF4-FFF2-40B4-BE49-F238E27FC236}">
-                <a16:creationId xmlns:a16="http://schemas.microsoft.com/office/drawing/2014/main" id="{D2CA52D2-BB6F-4762-A6E0-F33C2E590D20}"/>
-              </a:ext>
-            </a:extLst>
-          </p:cNvPr>
-          <p:cNvSpPr>
-            <a:spLocks noGrp="1"/>
-          </p:cNvSpPr>
-          <p:nvPr>
-            <p:ph type="sldNum" idx="12"/>
-          </p:nvPr>
-        </p:nvSpPr>
-        <p:spPr/>
-        <p:txBody>
-          <a:bodyPr/>
-          <a:lstStyle/>
-          <a:p>
-            <a:pPr marL="0" marR="0" lvl="0" indent="0" algn="r" defTabSz="457200" rtl="0" eaLnBrk="1" fontAlgn="base" latinLnBrk="0" hangingPunct="0">
-              <a:lnSpc>
-                <a:spcPct val="96000"/>
-              </a:lnSpc>
-              <a:spcBef>
-                <a:spcPct val="0"/>
-              </a:spcBef>
-              <a:spcAft>
-                <a:spcPct val="0"/>
-              </a:spcAft>
-              <a:buClr>
-                <a:srgbClr val="000000"/>
-              </a:buClr>
-              <a:buSzPct val="100000"/>
-              <a:buFont typeface="Times New Roman" panose="02020603050405020304" pitchFamily="18" charset="0"/>
-              <a:buNone/>
-              <a:tabLst/>
-              <a:defRPr/>
-            </a:pPr>
-            <a:fld id="{65E435D9-63B0-4660-8D04-E83F5E2CA2AE}" type="slidenum">
-              <a:rPr kumimoji="0" lang="en-GB" altLang="en-US" sz="1400" b="0" i="0" u="none" strike="noStrike" kern="1200" cap="none" spc="0" normalizeH="0" baseline="0" noProof="0" smtClean="0">
-                <a:ln>
-                  <a:noFill/>
-                </a:ln>
-                <a:solidFill>
-                  <a:srgbClr val="000000"/>
-                </a:solidFill>
-                <a:effectLst/>
-                <a:uLnTx/>
-                <a:uFillTx/>
-                <a:latin typeface="Times New Roman" panose="02020603050405020304" pitchFamily="18" charset="0"/>
-                <a:ea typeface="+mn-ea"/>
-                <a:cs typeface="Arial" panose="020B0604020202020204" pitchFamily="34" charset="0"/>
-              </a:rPr>
-              <a:pPr marL="0" marR="0" lvl="0" indent="0" algn="r" defTabSz="457200" rtl="0" eaLnBrk="1" fontAlgn="base" latinLnBrk="0" hangingPunct="0">
-                <a:lnSpc>
-                  <a:spcPct val="96000"/>
-                </a:lnSpc>
-                <a:spcBef>
-                  <a:spcPct val="0"/>
-                </a:spcBef>
-                <a:spcAft>
-                  <a:spcPct val="0"/>
-                </a:spcAft>
-                <a:buClr>
-                  <a:srgbClr val="000000"/>
-                </a:buClr>
-                <a:buSzPct val="100000"/>
-                <a:buFont typeface="Times New Roman" panose="02020603050405020304" pitchFamily="18" charset="0"/>
-                <a:buNone/>
-                <a:tabLst/>
-                <a:defRPr/>
-              </a:pPr>
-              <a:t>9</a:t>
-            </a:fld>
-            <a:endParaRPr kumimoji="0" lang="en-GB" altLang="en-US" sz="1400" b="0" i="0" u="none" strike="noStrike" kern="1200" cap="none" spc="0" normalizeH="0" baseline="0" noProof="0" dirty="0">
-              <a:ln>
-                <a:noFill/>
-              </a:ln>
-              <a:solidFill>
-                <a:srgbClr val="000000"/>
-              </a:solidFill>
-              <a:effectLst/>
-              <a:uLnTx/>
-              <a:uFillTx/>
-              <a:latin typeface="Times New Roman" panose="02020603050405020304" pitchFamily="18" charset="0"/>
-              <a:ea typeface="+mn-ea"/>
-              <a:cs typeface="Arial" panose="020B0604020202020204" pitchFamily="34" charset="0"/>
-            </a:endParaRPr>
-          </a:p>
-        </p:txBody>
-      </p:sp>
-      <p:pic>
-        <p:nvPicPr>
-          <p:cNvPr id="7" name="Picture 6">
-            <a:extLst>
-              <a:ext uri="{FF2B5EF4-FFF2-40B4-BE49-F238E27FC236}">
-                <a16:creationId xmlns:a16="http://schemas.microsoft.com/office/drawing/2014/main" id="{A2165A44-E543-4E5D-ADBC-6FFA9E6C6982}"/>
-              </a:ext>
-            </a:extLst>
-          </p:cNvPr>
-          <p:cNvPicPr>
-            <a:picLocks noChangeAspect="1"/>
-          </p:cNvPicPr>
-          <p:nvPr/>
-        </p:nvPicPr>
-        <p:blipFill>
-          <a:blip r:embed="rId3"/>
-          <a:stretch>
-            <a:fillRect/>
-          </a:stretch>
-        </p:blipFill>
-        <p:spPr>
-          <a:xfrm>
-            <a:off x="398314" y="996286"/>
-            <a:ext cx="8856622" cy="5905596"/>
-          </a:xfrm>
-          <a:prstGeom prst="rect">
-            <a:avLst/>
-          </a:prstGeom>
-        </p:spPr>
-      </p:pic>
-    </p:spTree>
-    <p:extLst>
-      <p:ext uri="{BB962C8B-B14F-4D97-AF65-F5344CB8AC3E}">
-        <p14:creationId xmlns:p14="http://schemas.microsoft.com/office/powerpoint/2010/main" val="1845419114"/>
-      </p:ext>
-    </p:extLst>
-  </p:cSld>
-  <p:clrMapOvr>
-    <a:masterClrMapping/>
-  </p:clrMapOvr>
 </p:sld>
 </file>
 
